--- a/Thesis/Thesis Defence/Erencan_Duymaz_thesis_defence.pptx
+++ b/Thesis/Thesis Defence/Erencan_Duymaz_thesis_defence.pptx
@@ -5,25 +5,33 @@
     <p:sldMasterId id="2147483662" r:id="rId1"/>
   </p:sldMasterIdLst>
   <p:notesMasterIdLst>
-    <p:notesMasterId r:id="rId15"/>
+    <p:notesMasterId r:id="rId23"/>
   </p:notesMasterIdLst>
   <p:handoutMasterIdLst>
-    <p:handoutMasterId r:id="rId16"/>
+    <p:handoutMasterId r:id="rId24"/>
   </p:handoutMasterIdLst>
   <p:sldIdLst>
     <p:sldId id="256" r:id="rId2"/>
     <p:sldId id="257" r:id="rId3"/>
     <p:sldId id="259" r:id="rId4"/>
-    <p:sldId id="260" r:id="rId5"/>
-    <p:sldId id="258" r:id="rId6"/>
-    <p:sldId id="265" r:id="rId7"/>
-    <p:sldId id="266" r:id="rId8"/>
-    <p:sldId id="267" r:id="rId9"/>
-    <p:sldId id="264" r:id="rId10"/>
-    <p:sldId id="268" r:id="rId11"/>
-    <p:sldId id="261" r:id="rId12"/>
-    <p:sldId id="262" r:id="rId13"/>
-    <p:sldId id="263" r:id="rId14"/>
+    <p:sldId id="273" r:id="rId5"/>
+    <p:sldId id="272" r:id="rId6"/>
+    <p:sldId id="275" r:id="rId7"/>
+    <p:sldId id="276" r:id="rId8"/>
+    <p:sldId id="260" r:id="rId9"/>
+    <p:sldId id="270" r:id="rId10"/>
+    <p:sldId id="269" r:id="rId11"/>
+    <p:sldId id="274" r:id="rId12"/>
+    <p:sldId id="265" r:id="rId13"/>
+    <p:sldId id="266" r:id="rId14"/>
+    <p:sldId id="277" r:id="rId15"/>
+    <p:sldId id="267" r:id="rId16"/>
+    <p:sldId id="264" r:id="rId17"/>
+    <p:sldId id="278" r:id="rId18"/>
+    <p:sldId id="268" r:id="rId19"/>
+    <p:sldId id="261" r:id="rId20"/>
+    <p:sldId id="262" r:id="rId21"/>
+    <p:sldId id="263" r:id="rId22"/>
   </p:sldIdLst>
   <p:sldSz cx="9144000" cy="6858000" type="screen4x3"/>
   <p:notesSz cx="6746875" cy="9913938"/>
@@ -167,6 +175,9 @@
           </p15:clr>
         </p15:guide>
       </p15:sldGuideLst>
+    </p:ext>
+    <p:ext uri="{2D200454-40CA-4A62-9FC3-DE9A4176ACB9}">
+      <p15:notesGuideLst xmlns:p15="http://schemas.microsoft.com/office/powerpoint/2012/main"/>
     </p:ext>
   </p:extLst>
 </p:presentation>
@@ -643,7 +654,7 @@
     </p:spTree>
     <p:extLst>
       <p:ext uri="{BB962C8B-B14F-4D97-AF65-F5344CB8AC3E}">
-        <p14:creationId xmlns:p14="http://schemas.microsoft.com/office/powerpoint/2010/main" val="3797404516"/>
+        <p14:creationId xmlns:p14="http://schemas.microsoft.com/office/powerpoint/2010/main" val="3824487575"/>
       </p:ext>
     </p:extLst>
   </p:cSld>
@@ -732,7 +743,7 @@
     </p:spTree>
     <p:extLst>
       <p:ext uri="{BB962C8B-B14F-4D97-AF65-F5344CB8AC3E}">
-        <p14:creationId xmlns:p14="http://schemas.microsoft.com/office/powerpoint/2010/main" val="1157825987"/>
+        <p14:creationId xmlns:p14="http://schemas.microsoft.com/office/powerpoint/2010/main" val="1093710251"/>
       </p:ext>
     </p:extLst>
   </p:cSld>
@@ -796,7 +807,15 @@
           <a:bodyPr/>
           <a:lstStyle/>
           <a:p>
-            <a:endParaRPr lang="en-US" altLang="en-US" smtClean="0"/>
+            <a:r>
+              <a:rPr lang="tr-TR" altLang="en-US" dirty="0" smtClean="0"/>
+              <a:t>Figure</a:t>
+            </a:r>
+            <a:r>
+              <a:rPr lang="tr-TR" altLang="en-US" baseline="0" dirty="0" smtClean="0"/>
+              <a:t> shows the modelling for the PMSG wind turbine that is connected to grid with FSPC. There are two converters in this type of the converter with different responsibilities. The one connected between DC-bus and grid is called Grid Side Converter and it is responsible for maintaining a constant DC-bus voltage and adjusting the reactive power that is injected to grid. The converter in between DC bus and PMSG is called Machine Side Controller. It is adjusts the generator and turbine speed to MPPT speed by controlling its output torque. When the output torque hits the limit, the speed cannot be regulated and exceeds the maximum allowable speeds. This is why Pitch angle controller is utilized. By increasing the pitch angle of the turbine, the aerodynamic power and aerodynamic torque is decreased. In this way, turbine speed is kept in the maximum in high speeds. </a:t>
+            </a:r>
+            <a:endParaRPr lang="en-US" altLang="en-US" dirty="0" smtClean="0"/>
           </a:p>
         </p:txBody>
       </p:sp>
@@ -821,7 +840,684 @@
     </p:spTree>
     <p:extLst>
       <p:ext uri="{BB962C8B-B14F-4D97-AF65-F5344CB8AC3E}">
-        <p14:creationId xmlns:p14="http://schemas.microsoft.com/office/powerpoint/2010/main" val="2888767487"/>
+        <p14:creationId xmlns:p14="http://schemas.microsoft.com/office/powerpoint/2010/main" val="4238726091"/>
+      </p:ext>
+    </p:extLst>
+  </p:cSld>
+  <p:clrMapOvr>
+    <a:masterClrMapping/>
+  </p:clrMapOvr>
+</p:notes>
+</file>
+
+<file path=ppt/notesSlides/notesSlide13.xml><?xml version="1.0" encoding="utf-8"?>
+<p:notes xmlns:a="http://schemas.openxmlformats.org/drawingml/2006/main" xmlns:r="http://schemas.openxmlformats.org/officeDocument/2006/relationships" xmlns:p="http://schemas.openxmlformats.org/presentationml/2006/main">
+  <p:cSld>
+    <p:spTree>
+      <p:nvGrpSpPr>
+        <p:cNvPr id="1" name=""/>
+        <p:cNvGrpSpPr/>
+        <p:nvPr/>
+      </p:nvGrpSpPr>
+      <p:grpSpPr>
+        <a:xfrm>
+          <a:off x="0" y="0"/>
+          <a:ext cx="0" cy="0"/>
+          <a:chOff x="0" y="0"/>
+          <a:chExt cx="0" cy="0"/>
+        </a:xfrm>
+      </p:grpSpPr>
+      <p:sp>
+        <p:nvSpPr>
+          <p:cNvPr id="35842" name="Rectangle 2"/>
+          <p:cNvSpPr>
+            <a:spLocks noGrp="1" noChangeArrowheads="1"/>
+          </p:cNvSpPr>
+          <p:nvPr>
+            <p:ph type="body" idx="1"/>
+          </p:nvPr>
+        </p:nvSpPr>
+        <p:spPr>
+          <a:noFill/>
+          <a:ln w="9525"/>
+          <a:extLst>
+            <a:ext uri="{909E8E84-426E-40DD-AFC4-6F175D3DCCD1}">
+              <a14:hiddenFill xmlns:a14="http://schemas.microsoft.com/office/drawing/2010/main">
+                <a:solidFill>
+                  <a:srgbClr val="FFFFFF"/>
+                </a:solidFill>
+              </a14:hiddenFill>
+            </a:ext>
+            <a:ext uri="{91240B29-F687-4F45-9708-019B960494DF}">
+              <a14:hiddenLine xmlns:a14="http://schemas.microsoft.com/office/drawing/2010/main" w="9525">
+                <a:solidFill>
+                  <a:srgbClr val="000000"/>
+                </a:solidFill>
+                <a:miter lim="800000"/>
+                <a:headEnd/>
+                <a:tailEnd/>
+              </a14:hiddenLine>
+            </a:ext>
+          </a:extLst>
+        </p:spPr>
+        <p:txBody>
+          <a:bodyPr/>
+          <a:lstStyle/>
+          <a:p>
+            <a:endParaRPr lang="en-US" altLang="en-US" dirty="0" smtClean="0"/>
+          </a:p>
+        </p:txBody>
+      </p:sp>
+      <p:sp>
+        <p:nvSpPr>
+          <p:cNvPr id="35843" name="Rectangle 3"/>
+          <p:cNvSpPr>
+            <a:spLocks noGrp="1" noRot="1" noChangeAspect="1" noChangeArrowheads="1" noTextEdit="1"/>
+          </p:cNvSpPr>
+          <p:nvPr>
+            <p:ph type="sldImg"/>
+          </p:nvPr>
+        </p:nvSpPr>
+        <p:spPr>
+          <a:xfrm>
+            <a:off x="1057275" y="865188"/>
+            <a:ext cx="4632325" cy="3475037"/>
+          </a:xfrm>
+          <a:ln cap="flat"/>
+        </p:spPr>
+      </p:sp>
+    </p:spTree>
+    <p:extLst>
+      <p:ext uri="{BB962C8B-B14F-4D97-AF65-F5344CB8AC3E}">
+        <p14:creationId xmlns:p14="http://schemas.microsoft.com/office/powerpoint/2010/main" val="1784535780"/>
+      </p:ext>
+    </p:extLst>
+  </p:cSld>
+  <p:clrMapOvr>
+    <a:masterClrMapping/>
+  </p:clrMapOvr>
+</p:notes>
+</file>
+
+<file path=ppt/notesSlides/notesSlide14.xml><?xml version="1.0" encoding="utf-8"?>
+<p:notes xmlns:a="http://schemas.openxmlformats.org/drawingml/2006/main" xmlns:r="http://schemas.openxmlformats.org/officeDocument/2006/relationships" xmlns:p="http://schemas.openxmlformats.org/presentationml/2006/main">
+  <p:cSld>
+    <p:spTree>
+      <p:nvGrpSpPr>
+        <p:cNvPr id="1" name=""/>
+        <p:cNvGrpSpPr/>
+        <p:nvPr/>
+      </p:nvGrpSpPr>
+      <p:grpSpPr>
+        <a:xfrm>
+          <a:off x="0" y="0"/>
+          <a:ext cx="0" cy="0"/>
+          <a:chOff x="0" y="0"/>
+          <a:chExt cx="0" cy="0"/>
+        </a:xfrm>
+      </p:grpSpPr>
+      <p:sp>
+        <p:nvSpPr>
+          <p:cNvPr id="35842" name="Rectangle 2"/>
+          <p:cNvSpPr>
+            <a:spLocks noGrp="1" noChangeArrowheads="1"/>
+          </p:cNvSpPr>
+          <p:nvPr>
+            <p:ph type="body" idx="1"/>
+          </p:nvPr>
+        </p:nvSpPr>
+        <p:spPr>
+          <a:noFill/>
+          <a:ln w="9525"/>
+          <a:extLst>
+            <a:ext uri="{909E8E84-426E-40DD-AFC4-6F175D3DCCD1}">
+              <a14:hiddenFill xmlns:a14="http://schemas.microsoft.com/office/drawing/2010/main">
+                <a:solidFill>
+                  <a:srgbClr val="FFFFFF"/>
+                </a:solidFill>
+              </a14:hiddenFill>
+            </a:ext>
+            <a:ext uri="{91240B29-F687-4F45-9708-019B960494DF}">
+              <a14:hiddenLine xmlns:a14="http://schemas.microsoft.com/office/drawing/2010/main" w="9525">
+                <a:solidFill>
+                  <a:srgbClr val="000000"/>
+                </a:solidFill>
+                <a:miter lim="800000"/>
+                <a:headEnd/>
+                <a:tailEnd/>
+              </a14:hiddenLine>
+            </a:ext>
+          </a:extLst>
+        </p:spPr>
+        <p:txBody>
+          <a:bodyPr/>
+          <a:lstStyle/>
+          <a:p>
+            <a:endParaRPr lang="en-US" altLang="en-US" smtClean="0"/>
+          </a:p>
+        </p:txBody>
+      </p:sp>
+      <p:sp>
+        <p:nvSpPr>
+          <p:cNvPr id="35843" name="Rectangle 3"/>
+          <p:cNvSpPr>
+            <a:spLocks noGrp="1" noRot="1" noChangeAspect="1" noChangeArrowheads="1" noTextEdit="1"/>
+          </p:cNvSpPr>
+          <p:nvPr>
+            <p:ph type="sldImg"/>
+          </p:nvPr>
+        </p:nvSpPr>
+        <p:spPr>
+          <a:xfrm>
+            <a:off x="1057275" y="865188"/>
+            <a:ext cx="4632325" cy="3475037"/>
+          </a:xfrm>
+          <a:ln cap="flat"/>
+        </p:spPr>
+      </p:sp>
+    </p:spTree>
+    <p:extLst>
+      <p:ext uri="{BB962C8B-B14F-4D97-AF65-F5344CB8AC3E}">
+        <p14:creationId xmlns:p14="http://schemas.microsoft.com/office/powerpoint/2010/main" val="468962759"/>
+      </p:ext>
+    </p:extLst>
+  </p:cSld>
+  <p:clrMapOvr>
+    <a:masterClrMapping/>
+  </p:clrMapOvr>
+</p:notes>
+</file>
+
+<file path=ppt/notesSlides/notesSlide15.xml><?xml version="1.0" encoding="utf-8"?>
+<p:notes xmlns:a="http://schemas.openxmlformats.org/drawingml/2006/main" xmlns:r="http://schemas.openxmlformats.org/officeDocument/2006/relationships" xmlns:p="http://schemas.openxmlformats.org/presentationml/2006/main">
+  <p:cSld>
+    <p:spTree>
+      <p:nvGrpSpPr>
+        <p:cNvPr id="1" name=""/>
+        <p:cNvGrpSpPr/>
+        <p:nvPr/>
+      </p:nvGrpSpPr>
+      <p:grpSpPr>
+        <a:xfrm>
+          <a:off x="0" y="0"/>
+          <a:ext cx="0" cy="0"/>
+          <a:chOff x="0" y="0"/>
+          <a:chExt cx="0" cy="0"/>
+        </a:xfrm>
+      </p:grpSpPr>
+      <p:sp>
+        <p:nvSpPr>
+          <p:cNvPr id="35842" name="Rectangle 2"/>
+          <p:cNvSpPr>
+            <a:spLocks noGrp="1" noChangeArrowheads="1"/>
+          </p:cNvSpPr>
+          <p:nvPr>
+            <p:ph type="body" idx="1"/>
+          </p:nvPr>
+        </p:nvSpPr>
+        <p:spPr>
+          <a:noFill/>
+          <a:ln w="9525"/>
+          <a:extLst>
+            <a:ext uri="{909E8E84-426E-40DD-AFC4-6F175D3DCCD1}">
+              <a14:hiddenFill xmlns:a14="http://schemas.microsoft.com/office/drawing/2010/main">
+                <a:solidFill>
+                  <a:srgbClr val="FFFFFF"/>
+                </a:solidFill>
+              </a14:hiddenFill>
+            </a:ext>
+            <a:ext uri="{91240B29-F687-4F45-9708-019B960494DF}">
+              <a14:hiddenLine xmlns:a14="http://schemas.microsoft.com/office/drawing/2010/main" w="9525">
+                <a:solidFill>
+                  <a:srgbClr val="000000"/>
+                </a:solidFill>
+                <a:miter lim="800000"/>
+                <a:headEnd/>
+                <a:tailEnd/>
+              </a14:hiddenLine>
+            </a:ext>
+          </a:extLst>
+        </p:spPr>
+        <p:txBody>
+          <a:bodyPr/>
+          <a:lstStyle/>
+          <a:p>
+            <a:r>
+              <a:rPr lang="tr-TR" altLang="en-US" dirty="0" smtClean="0"/>
+              <a:t>In order to investigate the effect of the synthetic</a:t>
+            </a:r>
+            <a:r>
+              <a:rPr lang="tr-TR" altLang="en-US" baseline="0" dirty="0" smtClean="0"/>
+              <a:t> inertia implementation, the 2018 generation data has been used. In the figure, black line shows the variation of the generation meanwhile the red line shows the generation of wind + solar energy. The maximum generation occured in the 3th of August with a generation of 46GW. The minimum of the load has occured in  a religious holiday on the 16th of July with a generation of 18GW. </a:t>
+            </a:r>
+          </a:p>
+          <a:p>
+            <a:r>
+              <a:rPr lang="tr-TR" altLang="en-US" baseline="0" dirty="0" smtClean="0"/>
+              <a:t>The generation data can be used to roughly estimate the aggregated inertia constant in the grid.</a:t>
+            </a:r>
+          </a:p>
+          <a:p>
+            <a:endParaRPr lang="tr-TR" altLang="en-US" baseline="0" dirty="0" smtClean="0"/>
+          </a:p>
+          <a:p>
+            <a:r>
+              <a:rPr lang="tr-TR" altLang="en-US" baseline="0" dirty="0" smtClean="0"/>
+              <a:t>As stated before, the effective inertia contribution from wind and solar systems are zero. Moreover, the inertia constants of the synchronous generators vary between 2-9. By using zero inertia constant for wind and solar, H=5s for others, the effective inertia constant can be calculated.s</a:t>
+            </a:r>
+            <a:endParaRPr lang="en-US" altLang="en-US" dirty="0" smtClean="0"/>
+          </a:p>
+        </p:txBody>
+      </p:sp>
+      <p:sp>
+        <p:nvSpPr>
+          <p:cNvPr id="35843" name="Rectangle 3"/>
+          <p:cNvSpPr>
+            <a:spLocks noGrp="1" noRot="1" noChangeAspect="1" noChangeArrowheads="1" noTextEdit="1"/>
+          </p:cNvSpPr>
+          <p:nvPr>
+            <p:ph type="sldImg"/>
+          </p:nvPr>
+        </p:nvSpPr>
+        <p:spPr>
+          <a:xfrm>
+            <a:off x="1057275" y="865188"/>
+            <a:ext cx="4632325" cy="3475037"/>
+          </a:xfrm>
+          <a:ln cap="flat"/>
+        </p:spPr>
+      </p:sp>
+    </p:spTree>
+    <p:extLst>
+      <p:ext uri="{BB962C8B-B14F-4D97-AF65-F5344CB8AC3E}">
+        <p14:creationId xmlns:p14="http://schemas.microsoft.com/office/powerpoint/2010/main" val="1200317172"/>
+      </p:ext>
+    </p:extLst>
+  </p:cSld>
+  <p:clrMapOvr>
+    <a:masterClrMapping/>
+  </p:clrMapOvr>
+</p:notes>
+</file>
+
+<file path=ppt/notesSlides/notesSlide16.xml><?xml version="1.0" encoding="utf-8"?>
+<p:notes xmlns:a="http://schemas.openxmlformats.org/drawingml/2006/main" xmlns:r="http://schemas.openxmlformats.org/officeDocument/2006/relationships" xmlns:p="http://schemas.openxmlformats.org/presentationml/2006/main">
+  <p:cSld>
+    <p:spTree>
+      <p:nvGrpSpPr>
+        <p:cNvPr id="1" name=""/>
+        <p:cNvGrpSpPr/>
+        <p:nvPr/>
+      </p:nvGrpSpPr>
+      <p:grpSpPr>
+        <a:xfrm>
+          <a:off x="0" y="0"/>
+          <a:ext cx="0" cy="0"/>
+          <a:chOff x="0" y="0"/>
+          <a:chExt cx="0" cy="0"/>
+        </a:xfrm>
+      </p:grpSpPr>
+      <p:sp>
+        <p:nvSpPr>
+          <p:cNvPr id="35842" name="Rectangle 2"/>
+          <p:cNvSpPr>
+            <a:spLocks noGrp="1" noChangeArrowheads="1"/>
+          </p:cNvSpPr>
+          <p:nvPr>
+            <p:ph type="body" idx="1"/>
+          </p:nvPr>
+        </p:nvSpPr>
+        <p:spPr>
+          <a:noFill/>
+          <a:ln w="9525"/>
+          <a:extLst>
+            <a:ext uri="{909E8E84-426E-40DD-AFC4-6F175D3DCCD1}">
+              <a14:hiddenFill xmlns:a14="http://schemas.microsoft.com/office/drawing/2010/main">
+                <a:solidFill>
+                  <a:srgbClr val="FFFFFF"/>
+                </a:solidFill>
+              </a14:hiddenFill>
+            </a:ext>
+            <a:ext uri="{91240B29-F687-4F45-9708-019B960494DF}">
+              <a14:hiddenLine xmlns:a14="http://schemas.microsoft.com/office/drawing/2010/main" w="9525">
+                <a:solidFill>
+                  <a:srgbClr val="000000"/>
+                </a:solidFill>
+                <a:miter lim="800000"/>
+                <a:headEnd/>
+                <a:tailEnd/>
+              </a14:hiddenLine>
+            </a:ext>
+          </a:extLst>
+        </p:spPr>
+        <p:txBody>
+          <a:bodyPr/>
+          <a:lstStyle/>
+          <a:p>
+            <a:r>
+              <a:rPr lang="tr-TR" altLang="en-US" dirty="0" smtClean="0"/>
+              <a:t>The effective</a:t>
+            </a:r>
+            <a:r>
+              <a:rPr lang="tr-TR" altLang="en-US" baseline="0" dirty="0" smtClean="0"/>
+              <a:t> aggregated inertia in the system is shown in the graph. Notice that the inertia constant decreases down to 3.97s when the 20% of the generation is supplied from wind and solar in 26/09/2019 on 3 pm. </a:t>
+            </a:r>
+          </a:p>
+          <a:p>
+            <a:endParaRPr lang="tr-TR" altLang="en-US" baseline="0" dirty="0" smtClean="0"/>
+          </a:p>
+          <a:p>
+            <a:r>
+              <a:rPr lang="tr-TR" altLang="en-US" baseline="0" dirty="0" smtClean="0"/>
+              <a:t>It is possible to improve the effective inertia constant of the grid with synthetic inertia implementation. Note that the 54% of the installed wind energy systems in Turkey has FSPC. By assuming that 54% of wind energy production is obtained from these wind turbines and implementin inertia constant of h=10s, the improvement can be calculated. </a:t>
+            </a:r>
+          </a:p>
+          <a:p>
+            <a:r>
+              <a:rPr lang="tr-TR" altLang="en-US" baseline="0" dirty="0" smtClean="0"/>
+              <a:t>When the method is implemented on the wind turbines with FSPCs, </a:t>
+            </a:r>
+            <a:endParaRPr lang="en-US" altLang="en-US" dirty="0" smtClean="0"/>
+          </a:p>
+        </p:txBody>
+      </p:sp>
+      <p:sp>
+        <p:nvSpPr>
+          <p:cNvPr id="35843" name="Rectangle 3"/>
+          <p:cNvSpPr>
+            <a:spLocks noGrp="1" noRot="1" noChangeAspect="1" noChangeArrowheads="1" noTextEdit="1"/>
+          </p:cNvSpPr>
+          <p:nvPr>
+            <p:ph type="sldImg"/>
+          </p:nvPr>
+        </p:nvSpPr>
+        <p:spPr>
+          <a:xfrm>
+            <a:off x="1057275" y="865188"/>
+            <a:ext cx="4632325" cy="3475037"/>
+          </a:xfrm>
+          <a:ln cap="flat"/>
+        </p:spPr>
+      </p:sp>
+    </p:spTree>
+    <p:extLst>
+      <p:ext uri="{BB962C8B-B14F-4D97-AF65-F5344CB8AC3E}">
+        <p14:creationId xmlns:p14="http://schemas.microsoft.com/office/powerpoint/2010/main" val="2155285927"/>
+      </p:ext>
+    </p:extLst>
+  </p:cSld>
+  <p:clrMapOvr>
+    <a:masterClrMapping/>
+  </p:clrMapOvr>
+</p:notes>
+</file>
+
+<file path=ppt/notesSlides/notesSlide17.xml><?xml version="1.0" encoding="utf-8"?>
+<p:notes xmlns:a="http://schemas.openxmlformats.org/drawingml/2006/main" xmlns:r="http://schemas.openxmlformats.org/officeDocument/2006/relationships" xmlns:p="http://schemas.openxmlformats.org/presentationml/2006/main">
+  <p:cSld>
+    <p:spTree>
+      <p:nvGrpSpPr>
+        <p:cNvPr id="1" name=""/>
+        <p:cNvGrpSpPr/>
+        <p:nvPr/>
+      </p:nvGrpSpPr>
+      <p:grpSpPr>
+        <a:xfrm>
+          <a:off x="0" y="0"/>
+          <a:ext cx="0" cy="0"/>
+          <a:chOff x="0" y="0"/>
+          <a:chExt cx="0" cy="0"/>
+        </a:xfrm>
+      </p:grpSpPr>
+      <p:sp>
+        <p:nvSpPr>
+          <p:cNvPr id="35842" name="Rectangle 2"/>
+          <p:cNvSpPr>
+            <a:spLocks noGrp="1" noChangeArrowheads="1"/>
+          </p:cNvSpPr>
+          <p:nvPr>
+            <p:ph type="body" idx="1"/>
+          </p:nvPr>
+        </p:nvSpPr>
+        <p:spPr>
+          <a:noFill/>
+          <a:ln w="9525"/>
+          <a:extLst>
+            <a:ext uri="{909E8E84-426E-40DD-AFC4-6F175D3DCCD1}">
+              <a14:hiddenFill xmlns:a14="http://schemas.microsoft.com/office/drawing/2010/main">
+                <a:solidFill>
+                  <a:srgbClr val="FFFFFF"/>
+                </a:solidFill>
+              </a14:hiddenFill>
+            </a:ext>
+            <a:ext uri="{91240B29-F687-4F45-9708-019B960494DF}">
+              <a14:hiddenLine xmlns:a14="http://schemas.microsoft.com/office/drawing/2010/main" w="9525">
+                <a:solidFill>
+                  <a:srgbClr val="000000"/>
+                </a:solidFill>
+                <a:miter lim="800000"/>
+                <a:headEnd/>
+                <a:tailEnd/>
+              </a14:hiddenLine>
+            </a:ext>
+          </a:extLst>
+        </p:spPr>
+        <p:txBody>
+          <a:bodyPr/>
+          <a:lstStyle/>
+          <a:p>
+            <a:r>
+              <a:rPr lang="tr-TR" altLang="en-US" dirty="0" smtClean="0"/>
+              <a:t>The existing</a:t>
+            </a:r>
+            <a:r>
+              <a:rPr lang="tr-TR" altLang="en-US" baseline="0" dirty="0" smtClean="0"/>
+              <a:t> inertia constant and inertia constant with synthetic inertia is shown in the figure. Notice that the inertia constant is above the H=5s. That means the wind turbines can compensate the decrease in the inertia constant caused by them and also caused by solar energy. Note that the inertia constant is maximum where the existings case inertia constant is minimum. </a:t>
+            </a:r>
+            <a:endParaRPr lang="en-US" altLang="en-US" dirty="0" smtClean="0"/>
+          </a:p>
+        </p:txBody>
+      </p:sp>
+      <p:sp>
+        <p:nvSpPr>
+          <p:cNvPr id="35843" name="Rectangle 3"/>
+          <p:cNvSpPr>
+            <a:spLocks noGrp="1" noRot="1" noChangeAspect="1" noChangeArrowheads="1" noTextEdit="1"/>
+          </p:cNvSpPr>
+          <p:nvPr>
+            <p:ph type="sldImg"/>
+          </p:nvPr>
+        </p:nvSpPr>
+        <p:spPr>
+          <a:xfrm>
+            <a:off x="1057275" y="865188"/>
+            <a:ext cx="4632325" cy="3475037"/>
+          </a:xfrm>
+          <a:ln cap="flat"/>
+        </p:spPr>
+      </p:sp>
+    </p:spTree>
+    <p:extLst>
+      <p:ext uri="{BB962C8B-B14F-4D97-AF65-F5344CB8AC3E}">
+        <p14:creationId xmlns:p14="http://schemas.microsoft.com/office/powerpoint/2010/main" val="1334382131"/>
+      </p:ext>
+    </p:extLst>
+  </p:cSld>
+  <p:clrMapOvr>
+    <a:masterClrMapping/>
+  </p:clrMapOvr>
+</p:notes>
+</file>
+
+<file path=ppt/notesSlides/notesSlide18.xml><?xml version="1.0" encoding="utf-8"?>
+<p:notes xmlns:a="http://schemas.openxmlformats.org/drawingml/2006/main" xmlns:r="http://schemas.openxmlformats.org/officeDocument/2006/relationships" xmlns:p="http://schemas.openxmlformats.org/presentationml/2006/main">
+  <p:cSld>
+    <p:spTree>
+      <p:nvGrpSpPr>
+        <p:cNvPr id="1" name=""/>
+        <p:cNvGrpSpPr/>
+        <p:nvPr/>
+      </p:nvGrpSpPr>
+      <p:grpSpPr>
+        <a:xfrm>
+          <a:off x="0" y="0"/>
+          <a:ext cx="0" cy="0"/>
+          <a:chOff x="0" y="0"/>
+          <a:chExt cx="0" cy="0"/>
+        </a:xfrm>
+      </p:grpSpPr>
+      <p:sp>
+        <p:nvSpPr>
+          <p:cNvPr id="35842" name="Rectangle 2"/>
+          <p:cNvSpPr>
+            <a:spLocks noGrp="1" noChangeArrowheads="1"/>
+          </p:cNvSpPr>
+          <p:nvPr>
+            <p:ph type="body" idx="1"/>
+          </p:nvPr>
+        </p:nvSpPr>
+        <p:spPr>
+          <a:noFill/>
+          <a:ln w="9525"/>
+          <a:extLst>
+            <a:ext uri="{909E8E84-426E-40DD-AFC4-6F175D3DCCD1}">
+              <a14:hiddenFill xmlns:a14="http://schemas.microsoft.com/office/drawing/2010/main">
+                <a:solidFill>
+                  <a:srgbClr val="FFFFFF"/>
+                </a:solidFill>
+              </a14:hiddenFill>
+            </a:ext>
+            <a:ext uri="{91240B29-F687-4F45-9708-019B960494DF}">
+              <a14:hiddenLine xmlns:a14="http://schemas.microsoft.com/office/drawing/2010/main" w="9525">
+                <a:solidFill>
+                  <a:srgbClr val="000000"/>
+                </a:solidFill>
+                <a:miter lim="800000"/>
+                <a:headEnd/>
+                <a:tailEnd/>
+              </a14:hiddenLine>
+            </a:ext>
+          </a:extLst>
+        </p:spPr>
+        <p:txBody>
+          <a:bodyPr/>
+          <a:lstStyle/>
+          <a:p>
+            <a:endParaRPr lang="en-US" altLang="en-US" smtClean="0"/>
+          </a:p>
+        </p:txBody>
+      </p:sp>
+      <p:sp>
+        <p:nvSpPr>
+          <p:cNvPr id="35843" name="Rectangle 3"/>
+          <p:cNvSpPr>
+            <a:spLocks noGrp="1" noRot="1" noChangeAspect="1" noChangeArrowheads="1" noTextEdit="1"/>
+          </p:cNvSpPr>
+          <p:nvPr>
+            <p:ph type="sldImg"/>
+          </p:nvPr>
+        </p:nvSpPr>
+        <p:spPr>
+          <a:xfrm>
+            <a:off x="1057275" y="865188"/>
+            <a:ext cx="4632325" cy="3475037"/>
+          </a:xfrm>
+          <a:ln cap="flat"/>
+        </p:spPr>
+      </p:sp>
+    </p:spTree>
+    <p:extLst>
+      <p:ext uri="{BB962C8B-B14F-4D97-AF65-F5344CB8AC3E}">
+        <p14:creationId xmlns:p14="http://schemas.microsoft.com/office/powerpoint/2010/main" val="3797404516"/>
+      </p:ext>
+    </p:extLst>
+  </p:cSld>
+  <p:clrMapOvr>
+    <a:masterClrMapping/>
+  </p:clrMapOvr>
+</p:notes>
+</file>
+
+<file path=ppt/notesSlides/notesSlide19.xml><?xml version="1.0" encoding="utf-8"?>
+<p:notes xmlns:a="http://schemas.openxmlformats.org/drawingml/2006/main" xmlns:r="http://schemas.openxmlformats.org/officeDocument/2006/relationships" xmlns:p="http://schemas.openxmlformats.org/presentationml/2006/main">
+  <p:cSld>
+    <p:spTree>
+      <p:nvGrpSpPr>
+        <p:cNvPr id="1" name=""/>
+        <p:cNvGrpSpPr/>
+        <p:nvPr/>
+      </p:nvGrpSpPr>
+      <p:grpSpPr>
+        <a:xfrm>
+          <a:off x="0" y="0"/>
+          <a:ext cx="0" cy="0"/>
+          <a:chOff x="0" y="0"/>
+          <a:chExt cx="0" cy="0"/>
+        </a:xfrm>
+      </p:grpSpPr>
+      <p:sp>
+        <p:nvSpPr>
+          <p:cNvPr id="35842" name="Rectangle 2"/>
+          <p:cNvSpPr>
+            <a:spLocks noGrp="1" noChangeArrowheads="1"/>
+          </p:cNvSpPr>
+          <p:nvPr>
+            <p:ph type="body" idx="1"/>
+          </p:nvPr>
+        </p:nvSpPr>
+        <p:spPr>
+          <a:noFill/>
+          <a:ln w="9525"/>
+          <a:extLst>
+            <a:ext uri="{909E8E84-426E-40DD-AFC4-6F175D3DCCD1}">
+              <a14:hiddenFill xmlns:a14="http://schemas.microsoft.com/office/drawing/2010/main">
+                <a:solidFill>
+                  <a:srgbClr val="FFFFFF"/>
+                </a:solidFill>
+              </a14:hiddenFill>
+            </a:ext>
+            <a:ext uri="{91240B29-F687-4F45-9708-019B960494DF}">
+              <a14:hiddenLine xmlns:a14="http://schemas.microsoft.com/office/drawing/2010/main" w="9525">
+                <a:solidFill>
+                  <a:srgbClr val="000000"/>
+                </a:solidFill>
+                <a:miter lim="800000"/>
+                <a:headEnd/>
+                <a:tailEnd/>
+              </a14:hiddenLine>
+            </a:ext>
+          </a:extLst>
+        </p:spPr>
+        <p:txBody>
+          <a:bodyPr/>
+          <a:lstStyle/>
+          <a:p>
+            <a:endParaRPr lang="en-US" altLang="en-US" smtClean="0"/>
+          </a:p>
+        </p:txBody>
+      </p:sp>
+      <p:sp>
+        <p:nvSpPr>
+          <p:cNvPr id="35843" name="Rectangle 3"/>
+          <p:cNvSpPr>
+            <a:spLocks noGrp="1" noRot="1" noChangeAspect="1" noChangeArrowheads="1" noTextEdit="1"/>
+          </p:cNvSpPr>
+          <p:nvPr>
+            <p:ph type="sldImg"/>
+          </p:nvPr>
+        </p:nvSpPr>
+        <p:spPr>
+          <a:xfrm>
+            <a:off x="1057275" y="865188"/>
+            <a:ext cx="4632325" cy="3475037"/>
+          </a:xfrm>
+          <a:ln cap="flat"/>
+        </p:spPr>
+      </p:sp>
+    </p:spTree>
+    <p:extLst>
+      <p:ext uri="{BB962C8B-B14F-4D97-AF65-F5344CB8AC3E}">
+        <p14:creationId xmlns:p14="http://schemas.microsoft.com/office/powerpoint/2010/main" val="1157825987"/>
       </p:ext>
     </p:extLst>
   </p:cSld>
@@ -920,7 +1616,7 @@
 </p:notes>
 </file>
 
-<file path=ppt/notesSlides/notesSlide3.xml><?xml version="1.0" encoding="utf-8"?>
+<file path=ppt/notesSlides/notesSlide20.xml><?xml version="1.0" encoding="utf-8"?>
 <p:notes xmlns:a="http://schemas.openxmlformats.org/drawingml/2006/main" xmlns:r="http://schemas.openxmlformats.org/officeDocument/2006/relationships" xmlns:p="http://schemas.openxmlformats.org/presentationml/2006/main">
   <p:cSld>
     <p:spTree>
@@ -999,7 +1695,109 @@
     </p:spTree>
     <p:extLst>
       <p:ext uri="{BB962C8B-B14F-4D97-AF65-F5344CB8AC3E}">
-        <p14:creationId xmlns:p14="http://schemas.microsoft.com/office/powerpoint/2010/main" val="4072548594"/>
+        <p14:creationId xmlns:p14="http://schemas.microsoft.com/office/powerpoint/2010/main" val="2888767487"/>
+      </p:ext>
+    </p:extLst>
+  </p:cSld>
+  <p:clrMapOvr>
+    <a:masterClrMapping/>
+  </p:clrMapOvr>
+</p:notes>
+</file>
+
+<file path=ppt/notesSlides/notesSlide3.xml><?xml version="1.0" encoding="utf-8"?>
+<p:notes xmlns:a="http://schemas.openxmlformats.org/drawingml/2006/main" xmlns:r="http://schemas.openxmlformats.org/officeDocument/2006/relationships" xmlns:p="http://schemas.openxmlformats.org/presentationml/2006/main">
+  <p:cSld>
+    <p:spTree>
+      <p:nvGrpSpPr>
+        <p:cNvPr id="1" name=""/>
+        <p:cNvGrpSpPr/>
+        <p:nvPr/>
+      </p:nvGrpSpPr>
+      <p:grpSpPr>
+        <a:xfrm>
+          <a:off x="0" y="0"/>
+          <a:ext cx="0" cy="0"/>
+          <a:chOff x="0" y="0"/>
+          <a:chExt cx="0" cy="0"/>
+        </a:xfrm>
+      </p:grpSpPr>
+      <p:sp>
+        <p:nvSpPr>
+          <p:cNvPr id="35842" name="Rectangle 2"/>
+          <p:cNvSpPr>
+            <a:spLocks noGrp="1" noChangeArrowheads="1"/>
+          </p:cNvSpPr>
+          <p:nvPr>
+            <p:ph type="body" idx="1"/>
+          </p:nvPr>
+        </p:nvSpPr>
+        <p:spPr>
+          <a:noFill/>
+          <a:ln w="9525"/>
+          <a:extLst>
+            <a:ext uri="{909E8E84-426E-40DD-AFC4-6F175D3DCCD1}">
+              <a14:hiddenFill xmlns:a14="http://schemas.microsoft.com/office/drawing/2010/main">
+                <a:solidFill>
+                  <a:srgbClr val="FFFFFF"/>
+                </a:solidFill>
+              </a14:hiddenFill>
+            </a:ext>
+            <a:ext uri="{91240B29-F687-4F45-9708-019B960494DF}">
+              <a14:hiddenLine xmlns:a14="http://schemas.microsoft.com/office/drawing/2010/main" w="9525">
+                <a:solidFill>
+                  <a:srgbClr val="000000"/>
+                </a:solidFill>
+                <a:miter lim="800000"/>
+                <a:headEnd/>
+                <a:tailEnd/>
+              </a14:hiddenLine>
+            </a:ext>
+          </a:extLst>
+        </p:spPr>
+        <p:txBody>
+          <a:bodyPr/>
+          <a:lstStyle/>
+          <a:p>
+            <a:r>
+              <a:rPr lang="tr-TR" altLang="en-US" dirty="0" smtClean="0"/>
+              <a:t>Synchronous</a:t>
+            </a:r>
+            <a:r>
+              <a:rPr lang="tr-TR" altLang="en-US" baseline="0" dirty="0" smtClean="0"/>
+              <a:t> generators produces torque only in synchronous speed. </a:t>
+            </a:r>
+          </a:p>
+          <a:p>
+            <a:r>
+              <a:rPr lang="tr-TR" altLang="en-US" baseline="0" dirty="0" smtClean="0"/>
+              <a:t>When they are sycnhronized to grid frequency, Tm=Te</a:t>
+            </a:r>
+          </a:p>
+        </p:txBody>
+      </p:sp>
+      <p:sp>
+        <p:nvSpPr>
+          <p:cNvPr id="35843" name="Rectangle 3"/>
+          <p:cNvSpPr>
+            <a:spLocks noGrp="1" noRot="1" noChangeAspect="1" noChangeArrowheads="1" noTextEdit="1"/>
+          </p:cNvSpPr>
+          <p:nvPr>
+            <p:ph type="sldImg"/>
+          </p:nvPr>
+        </p:nvSpPr>
+        <p:spPr>
+          <a:xfrm>
+            <a:off x="1057275" y="865188"/>
+            <a:ext cx="4632325" cy="3475037"/>
+          </a:xfrm>
+          <a:ln cap="flat"/>
+        </p:spPr>
+      </p:sp>
+    </p:spTree>
+    <p:extLst>
+      <p:ext uri="{BB962C8B-B14F-4D97-AF65-F5344CB8AC3E}">
+        <p14:creationId xmlns:p14="http://schemas.microsoft.com/office/powerpoint/2010/main" val="1295029688"/>
       </p:ext>
     </p:extLst>
   </p:cSld>
@@ -1063,7 +1861,15 @@
           <a:bodyPr/>
           <a:lstStyle/>
           <a:p>
-            <a:endParaRPr lang="en-US" altLang="en-US" smtClean="0"/>
+            <a:r>
+              <a:rPr lang="tr-TR" altLang="en-US" dirty="0" smtClean="0"/>
+              <a:t>Swing Equation</a:t>
+            </a:r>
+            <a:r>
+              <a:rPr lang="tr-TR" altLang="en-US" baseline="0" dirty="0" smtClean="0"/>
+              <a:t> is important for power system frequency stability and investigated the relation between speed and the power.</a:t>
+            </a:r>
+            <a:endParaRPr lang="en-US" altLang="en-US" dirty="0" smtClean="0"/>
           </a:p>
         </p:txBody>
       </p:sp>
@@ -1088,7 +1894,7 @@
     </p:spTree>
     <p:extLst>
       <p:ext uri="{BB962C8B-B14F-4D97-AF65-F5344CB8AC3E}">
-        <p14:creationId xmlns:p14="http://schemas.microsoft.com/office/powerpoint/2010/main" val="1313918598"/>
+        <p14:creationId xmlns:p14="http://schemas.microsoft.com/office/powerpoint/2010/main" val="2535857714"/>
       </p:ext>
     </p:extLst>
   </p:cSld>
@@ -1152,7 +1958,15 @@
           <a:bodyPr/>
           <a:lstStyle/>
           <a:p>
-            <a:endParaRPr lang="en-US" altLang="en-US" smtClean="0"/>
+            <a:r>
+              <a:rPr lang="tr-TR" altLang="en-US" dirty="0" smtClean="0"/>
+              <a:t>When all generators</a:t>
+            </a:r>
+            <a:r>
+              <a:rPr lang="tr-TR" altLang="en-US" baseline="0" dirty="0" smtClean="0"/>
+              <a:t> in the grid is considered as a single generator, </a:t>
+            </a:r>
+            <a:endParaRPr lang="en-US" altLang="en-US" dirty="0" smtClean="0"/>
           </a:p>
         </p:txBody>
       </p:sp>
@@ -1177,7 +1991,7 @@
     </p:spTree>
     <p:extLst>
       <p:ext uri="{BB962C8B-B14F-4D97-AF65-F5344CB8AC3E}">
-        <p14:creationId xmlns:p14="http://schemas.microsoft.com/office/powerpoint/2010/main" val="1093710251"/>
+        <p14:creationId xmlns:p14="http://schemas.microsoft.com/office/powerpoint/2010/main" val="259740434"/>
       </p:ext>
     </p:extLst>
   </p:cSld>
@@ -1241,7 +2055,7 @@
           <a:bodyPr/>
           <a:lstStyle/>
           <a:p>
-            <a:endParaRPr lang="en-US" altLang="en-US" smtClean="0"/>
+            <a:endParaRPr lang="en-US" altLang="en-US" dirty="0" smtClean="0"/>
           </a:p>
         </p:txBody>
       </p:sp>
@@ -1266,7 +2080,7 @@
     </p:spTree>
     <p:extLst>
       <p:ext uri="{BB962C8B-B14F-4D97-AF65-F5344CB8AC3E}">
-        <p14:creationId xmlns:p14="http://schemas.microsoft.com/office/powerpoint/2010/main" val="4238726091"/>
+        <p14:creationId xmlns:p14="http://schemas.microsoft.com/office/powerpoint/2010/main" val="1782739168"/>
       </p:ext>
     </p:extLst>
   </p:cSld>
@@ -1355,7 +2169,7 @@
     </p:spTree>
     <p:extLst>
       <p:ext uri="{BB962C8B-B14F-4D97-AF65-F5344CB8AC3E}">
-        <p14:creationId xmlns:p14="http://schemas.microsoft.com/office/powerpoint/2010/main" val="468962759"/>
+        <p14:creationId xmlns:p14="http://schemas.microsoft.com/office/powerpoint/2010/main" val="4072548594"/>
       </p:ext>
     </p:extLst>
   </p:cSld>
@@ -1419,7 +2233,15 @@
           <a:bodyPr/>
           <a:lstStyle/>
           <a:p>
-            <a:endParaRPr lang="en-US" altLang="en-US" smtClean="0"/>
+            <a:r>
+              <a:rPr lang="tr-TR" altLang="en-US" dirty="0" smtClean="0"/>
+              <a:t>Synchronous</a:t>
+            </a:r>
+            <a:r>
+              <a:rPr lang="tr-TR" altLang="en-US" baseline="0" dirty="0" smtClean="0"/>
+              <a:t> generators produces torque only in synchronous speed. Sychnous</a:t>
+            </a:r>
+            <a:endParaRPr lang="en-US" altLang="en-US" dirty="0" smtClean="0"/>
           </a:p>
         </p:txBody>
       </p:sp>
@@ -1444,7 +2266,7 @@
     </p:spTree>
     <p:extLst>
       <p:ext uri="{BB962C8B-B14F-4D97-AF65-F5344CB8AC3E}">
-        <p14:creationId xmlns:p14="http://schemas.microsoft.com/office/powerpoint/2010/main" val="1200317172"/>
+        <p14:creationId xmlns:p14="http://schemas.microsoft.com/office/powerpoint/2010/main" val="1844282199"/>
       </p:ext>
     </p:extLst>
   </p:cSld>
@@ -1533,7 +2355,7 @@
     </p:spTree>
     <p:extLst>
       <p:ext uri="{BB962C8B-B14F-4D97-AF65-F5344CB8AC3E}">
-        <p14:creationId xmlns:p14="http://schemas.microsoft.com/office/powerpoint/2010/main" val="1334382131"/>
+        <p14:creationId xmlns:p14="http://schemas.microsoft.com/office/powerpoint/2010/main" val="1129159235"/>
       </p:ext>
     </p:extLst>
   </p:cSld>
@@ -4508,14 +5330,7 @@
                 <a:latin typeface="Arial" panose="020B0604020202020204" pitchFamily="34" charset="0"/>
                 <a:cs typeface="Arial" panose="020B0604020202020204" pitchFamily="34" charset="0"/>
               </a:rPr>
-              <a:t>, </a:t>
-            </a:r>
-            <a:r>
-              <a:rPr lang="en-US" dirty="0" smtClean="0">
-                <a:latin typeface="Arial" panose="020B0604020202020204" pitchFamily="34" charset="0"/>
-                <a:cs typeface="Arial" panose="020B0604020202020204" pitchFamily="34" charset="0"/>
-              </a:rPr>
-              <a:t>201</a:t>
+              <a:t>, 201</a:t>
             </a:r>
             <a:r>
               <a:rPr lang="tr-TR" dirty="0" smtClean="0">
@@ -4630,7 +5445,7 @@
                 <a:latin typeface="Arial" panose="020B0604020202020204" pitchFamily="34" charset="0"/>
                 <a:cs typeface="Arial" panose="020B0604020202020204" pitchFamily="34" charset="0"/>
               </a:rPr>
-              <a:t>Synthetic Inertia</a:t>
+              <a:t>Frequency</a:t>
             </a:r>
             <a:endParaRPr lang="en-US" dirty="0" smtClean="0">
               <a:latin typeface="Arial" panose="020B0604020202020204" pitchFamily="34" charset="0"/>
@@ -4639,64 +5454,9 @@
           </a:p>
         </p:txBody>
       </p:sp>
-      <p:sp>
-        <p:nvSpPr>
-          <p:cNvPr id="2" name="Date Placeholder 1"/>
-          <p:cNvSpPr>
-            <a:spLocks noGrp="1"/>
-          </p:cNvSpPr>
-          <p:nvPr>
-            <p:ph type="dt" sz="half" idx="2"/>
-          </p:nvPr>
-        </p:nvSpPr>
-        <p:spPr/>
-        <p:txBody>
-          <a:bodyPr/>
-          <a:lstStyle/>
-          <a:p>
-            <a:pPr>
-              <a:defRPr/>
-            </a:pPr>
-            <a:r>
-              <a:rPr lang="tr-TR" smtClean="0"/>
-              <a:t>18.01.2019</a:t>
-            </a:r>
-            <a:endParaRPr lang="en-US" dirty="0"/>
-          </a:p>
-        </p:txBody>
-      </p:sp>
-      <p:sp>
-        <p:nvSpPr>
-          <p:cNvPr id="3" name="Slide Number Placeholder 2"/>
-          <p:cNvSpPr>
-            <a:spLocks noGrp="1"/>
-          </p:cNvSpPr>
-          <p:nvPr>
-            <p:ph type="sldNum" sz="quarter" idx="12"/>
-          </p:nvPr>
-        </p:nvSpPr>
-        <p:spPr/>
-        <p:txBody>
-          <a:bodyPr/>
-          <a:lstStyle/>
-          <a:p>
-            <a:pPr>
-              <a:defRPr/>
-            </a:pPr>
-            <a:fld id="{C878F797-6006-4DDA-AFE9-456F280FE6C5}" type="slidenum">
-              <a:rPr lang="en-US" smtClean="0"/>
-              <a:pPr>
-                <a:defRPr/>
-              </a:pPr>
-              <a:t>10</a:t>
-            </a:fld>
-            <a:endParaRPr lang="en-US" dirty="0"/>
-          </a:p>
-        </p:txBody>
-      </p:sp>
       <p:pic>
         <p:nvPicPr>
-          <p:cNvPr id="6" name="Content Placeholder 5"/>
+          <p:cNvPr id="5" name="Content Placeholder 4"/>
           <p:cNvPicPr>
             <a:picLocks noGrp="1" noChangeAspect="1"/>
           </p:cNvPicPr>
@@ -4718,15 +5478,70 @@
         </p:blipFill>
         <p:spPr>
           <a:xfrm>
-            <a:off x="1246717" y="1430338"/>
-            <a:ext cx="6650566" cy="4987925"/>
+            <a:off x="1547664" y="2456987"/>
+            <a:ext cx="6048672" cy="2972727"/>
           </a:xfrm>
         </p:spPr>
       </p:pic>
+      <p:sp>
+        <p:nvSpPr>
+          <p:cNvPr id="2" name="Date Placeholder 1"/>
+          <p:cNvSpPr>
+            <a:spLocks noGrp="1"/>
+          </p:cNvSpPr>
+          <p:nvPr>
+            <p:ph type="dt" sz="half" idx="2"/>
+          </p:nvPr>
+        </p:nvSpPr>
+        <p:spPr/>
+        <p:txBody>
+          <a:bodyPr/>
+          <a:lstStyle/>
+          <a:p>
+            <a:pPr>
+              <a:defRPr/>
+            </a:pPr>
+            <a:r>
+              <a:rPr lang="tr-TR" smtClean="0"/>
+              <a:t>18.01.2019</a:t>
+            </a:r>
+            <a:endParaRPr lang="en-US" dirty="0"/>
+          </a:p>
+        </p:txBody>
+      </p:sp>
+      <p:sp>
+        <p:nvSpPr>
+          <p:cNvPr id="3" name="Slide Number Placeholder 2"/>
+          <p:cNvSpPr>
+            <a:spLocks noGrp="1"/>
+          </p:cNvSpPr>
+          <p:nvPr>
+            <p:ph type="sldNum" sz="quarter" idx="12"/>
+          </p:nvPr>
+        </p:nvSpPr>
+        <p:spPr/>
+        <p:txBody>
+          <a:bodyPr/>
+          <a:lstStyle/>
+          <a:p>
+            <a:pPr>
+              <a:defRPr/>
+            </a:pPr>
+            <a:fld id="{C878F797-6006-4DDA-AFE9-456F280FE6C5}" type="slidenum">
+              <a:rPr lang="en-US" smtClean="0"/>
+              <a:pPr>
+                <a:defRPr/>
+              </a:pPr>
+              <a:t>10</a:t>
+            </a:fld>
+            <a:endParaRPr lang="en-US" dirty="0"/>
+          </a:p>
+        </p:txBody>
+      </p:sp>
     </p:spTree>
     <p:extLst>
       <p:ext uri="{BB962C8B-B14F-4D97-AF65-F5344CB8AC3E}">
-        <p14:creationId xmlns:p14="http://schemas.microsoft.com/office/powerpoint/2010/main" val="1617488484"/>
+        <p14:creationId xmlns:p14="http://schemas.microsoft.com/office/powerpoint/2010/main" val="4120567531"/>
       </p:ext>
     </p:extLst>
   </p:cSld>
@@ -4784,7 +5599,7 @@
                 <a:latin typeface="Arial" panose="020B0604020202020204" pitchFamily="34" charset="0"/>
                 <a:cs typeface="Arial" panose="020B0604020202020204" pitchFamily="34" charset="0"/>
               </a:rPr>
-              <a:t>Economical Perspective</a:t>
+              <a:t>Frequency</a:t>
             </a:r>
             <a:endParaRPr lang="en-US" dirty="0" smtClean="0">
               <a:latin typeface="Arial" panose="020B0604020202020204" pitchFamily="34" charset="0"/>
@@ -4793,6 +5608,35 @@
           </a:p>
         </p:txBody>
       </p:sp>
+      <p:pic>
+        <p:nvPicPr>
+          <p:cNvPr id="5" name="Content Placeholder 4"/>
+          <p:cNvPicPr>
+            <a:picLocks noGrp="1" noChangeAspect="1"/>
+          </p:cNvPicPr>
+          <p:nvPr>
+            <p:ph idx="1"/>
+          </p:nvPr>
+        </p:nvPicPr>
+        <p:blipFill>
+          <a:blip r:embed="rId3">
+            <a:extLst>
+              <a:ext uri="{28A0092B-C50C-407E-A947-70E740481C1C}">
+                <a14:useLocalDpi xmlns:a14="http://schemas.microsoft.com/office/drawing/2010/main" val="0"/>
+              </a:ext>
+            </a:extLst>
+          </a:blip>
+          <a:stretch>
+            <a:fillRect/>
+          </a:stretch>
+        </p:blipFill>
+        <p:spPr>
+          <a:xfrm>
+            <a:off x="1547664" y="2456987"/>
+            <a:ext cx="6048672" cy="2972727"/>
+          </a:xfrm>
+        </p:spPr>
+      </p:pic>
       <p:sp>
         <p:nvSpPr>
           <p:cNvPr id="2" name="Date Placeholder 1"/>
@@ -4843,6 +5687,1886 @@
                 <a:defRPr/>
               </a:pPr>
               <a:t>11</a:t>
+            </a:fld>
+            <a:endParaRPr lang="en-US" dirty="0"/>
+          </a:p>
+        </p:txBody>
+      </p:sp>
+    </p:spTree>
+    <p:extLst>
+      <p:ext uri="{BB962C8B-B14F-4D97-AF65-F5344CB8AC3E}">
+        <p14:creationId xmlns:p14="http://schemas.microsoft.com/office/powerpoint/2010/main" val="2711552748"/>
+      </p:ext>
+    </p:extLst>
+  </p:cSld>
+  <p:clrMapOvr>
+    <a:masterClrMapping/>
+  </p:clrMapOvr>
+  <p:transition/>
+  <p:timing>
+    <p:tnLst>
+      <p:par>
+        <p:cTn id="1" dur="indefinite" restart="never" nodeType="tmRoot"/>
+      </p:par>
+    </p:tnLst>
+  </p:timing>
+</p:sld>
+</file>
+
+<file path=ppt/slides/slide12.xml><?xml version="1.0" encoding="utf-8"?>
+<p:sld xmlns:a="http://schemas.openxmlformats.org/drawingml/2006/main" xmlns:r="http://schemas.openxmlformats.org/officeDocument/2006/relationships" xmlns:p="http://schemas.openxmlformats.org/presentationml/2006/main">
+  <p:cSld>
+    <p:spTree>
+      <p:nvGrpSpPr>
+        <p:cNvPr id="1" name=""/>
+        <p:cNvGrpSpPr/>
+        <p:nvPr/>
+      </p:nvGrpSpPr>
+      <p:grpSpPr>
+        <a:xfrm>
+          <a:off x="0" y="0"/>
+          <a:ext cx="0" cy="0"/>
+          <a:chOff x="0" y="0"/>
+          <a:chExt cx="0" cy="0"/>
+        </a:xfrm>
+      </p:grpSpPr>
+      <p:sp>
+        <p:nvSpPr>
+          <p:cNvPr id="5122" name="Rectangle 2"/>
+          <p:cNvSpPr>
+            <a:spLocks noGrp="1" noChangeArrowheads="1"/>
+          </p:cNvSpPr>
+          <p:nvPr>
+            <p:ph type="title"/>
+          </p:nvPr>
+        </p:nvSpPr>
+        <p:spPr/>
+        <p:txBody>
+          <a:bodyPr/>
+          <a:lstStyle/>
+          <a:p>
+            <a:pPr>
+              <a:defRPr/>
+            </a:pPr>
+            <a:r>
+              <a:rPr lang="tr-TR" dirty="0" smtClean="0">
+                <a:latin typeface="Arial" panose="020B0604020202020204" pitchFamily="34" charset="0"/>
+                <a:cs typeface="Arial" panose="020B0604020202020204" pitchFamily="34" charset="0"/>
+              </a:rPr>
+              <a:t>Frequeny Disturbance</a:t>
+            </a:r>
+            <a:endParaRPr lang="en-US" dirty="0" smtClean="0">
+              <a:latin typeface="Arial" panose="020B0604020202020204" pitchFamily="34" charset="0"/>
+              <a:cs typeface="Arial" panose="020B0604020202020204" pitchFamily="34" charset="0"/>
+            </a:endParaRPr>
+          </a:p>
+        </p:txBody>
+      </p:sp>
+      <p:sp>
+        <p:nvSpPr>
+          <p:cNvPr id="2" name="Date Placeholder 1"/>
+          <p:cNvSpPr>
+            <a:spLocks noGrp="1"/>
+          </p:cNvSpPr>
+          <p:nvPr>
+            <p:ph type="dt" sz="half" idx="2"/>
+          </p:nvPr>
+        </p:nvSpPr>
+        <p:spPr/>
+        <p:txBody>
+          <a:bodyPr/>
+          <a:lstStyle/>
+          <a:p>
+            <a:pPr>
+              <a:defRPr/>
+            </a:pPr>
+            <a:r>
+              <a:rPr lang="tr-TR" smtClean="0"/>
+              <a:t>18.01.2019</a:t>
+            </a:r>
+            <a:endParaRPr lang="en-US" dirty="0"/>
+          </a:p>
+        </p:txBody>
+      </p:sp>
+      <p:sp>
+        <p:nvSpPr>
+          <p:cNvPr id="3" name="Slide Number Placeholder 2"/>
+          <p:cNvSpPr>
+            <a:spLocks noGrp="1"/>
+          </p:cNvSpPr>
+          <p:nvPr>
+            <p:ph type="sldNum" sz="quarter" idx="12"/>
+          </p:nvPr>
+        </p:nvSpPr>
+        <p:spPr/>
+        <p:txBody>
+          <a:bodyPr/>
+          <a:lstStyle/>
+          <a:p>
+            <a:pPr>
+              <a:defRPr/>
+            </a:pPr>
+            <a:fld id="{C878F797-6006-4DDA-AFE9-456F280FE6C5}" type="slidenum">
+              <a:rPr lang="en-US" smtClean="0"/>
+              <a:pPr>
+                <a:defRPr/>
+              </a:pPr>
+              <a:t>12</a:t>
+            </a:fld>
+            <a:endParaRPr lang="en-US" dirty="0"/>
+          </a:p>
+        </p:txBody>
+      </p:sp>
+      <p:pic>
+        <p:nvPicPr>
+          <p:cNvPr id="5" name="Content Placeholder 4"/>
+          <p:cNvPicPr>
+            <a:picLocks noGrp="1" noChangeAspect="1"/>
+          </p:cNvPicPr>
+          <p:nvPr>
+            <p:ph idx="1"/>
+          </p:nvPr>
+        </p:nvPicPr>
+        <p:blipFill>
+          <a:blip r:embed="rId3">
+            <a:extLst>
+              <a:ext uri="{28A0092B-C50C-407E-A947-70E740481C1C}">
+                <a14:useLocalDpi xmlns:a14="http://schemas.microsoft.com/office/drawing/2010/main" val="0"/>
+              </a:ext>
+            </a:extLst>
+          </a:blip>
+          <a:stretch>
+            <a:fillRect/>
+          </a:stretch>
+        </p:blipFill>
+        <p:spPr>
+          <a:xfrm>
+            <a:off x="1647170" y="1484784"/>
+            <a:ext cx="5849659" cy="4032948"/>
+          </a:xfrm>
+        </p:spPr>
+      </p:pic>
+      <p:sp>
+        <p:nvSpPr>
+          <p:cNvPr id="9" name="Left Arrow 8"/>
+          <p:cNvSpPr/>
+          <p:nvPr/>
+        </p:nvSpPr>
+        <p:spPr>
+          <a:xfrm>
+            <a:off x="1656040" y="3164210"/>
+            <a:ext cx="1259776" cy="360290"/>
+          </a:xfrm>
+          <a:prstGeom prst="leftArrow">
+            <a:avLst/>
+          </a:prstGeom>
+          <a:noFill/>
+          <a:ln w="19050">
+            <a:solidFill>
+              <a:schemeClr val="tx1"/>
+            </a:solidFill>
+          </a:ln>
+          <a:effectLst/>
+        </p:spPr>
+        <p:style>
+          <a:lnRef idx="1">
+            <a:schemeClr val="accent1"/>
+          </a:lnRef>
+          <a:fillRef idx="3">
+            <a:schemeClr val="accent1"/>
+          </a:fillRef>
+          <a:effectRef idx="2">
+            <a:schemeClr val="accent1"/>
+          </a:effectRef>
+          <a:fontRef idx="minor">
+            <a:schemeClr val="lt1"/>
+          </a:fontRef>
+        </p:style>
+        <p:txBody>
+          <a:bodyPr rtlCol="0" anchor="ctr"/>
+          <a:lstStyle/>
+          <a:p>
+            <a:pPr algn="ctr"/>
+            <a:endParaRPr lang="tr-TR"/>
+          </a:p>
+        </p:txBody>
+      </p:sp>
+      <p:sp>
+        <p:nvSpPr>
+          <p:cNvPr id="10" name="TextBox 9"/>
+          <p:cNvSpPr txBox="1"/>
+          <p:nvPr/>
+        </p:nvSpPr>
+        <p:spPr>
+          <a:xfrm>
+            <a:off x="251520" y="2928856"/>
+            <a:ext cx="1512168" cy="830997"/>
+          </a:xfrm>
+          <a:prstGeom prst="rect">
+            <a:avLst/>
+          </a:prstGeom>
+          <a:noFill/>
+        </p:spPr>
+        <p:txBody>
+          <a:bodyPr wrap="square" rtlCol="0">
+            <a:spAutoFit/>
+          </a:bodyPr>
+          <a:lstStyle/>
+          <a:p>
+            <a:r>
+              <a:rPr lang="tr-TR" dirty="0" smtClean="0"/>
+              <a:t>Inertial Support</a:t>
+            </a:r>
+            <a:endParaRPr lang="tr-TR" dirty="0"/>
+          </a:p>
+        </p:txBody>
+      </p:sp>
+    </p:spTree>
+    <p:extLst>
+      <p:ext uri="{BB962C8B-B14F-4D97-AF65-F5344CB8AC3E}">
+        <p14:creationId xmlns:p14="http://schemas.microsoft.com/office/powerpoint/2010/main" val="1625507055"/>
+      </p:ext>
+    </p:extLst>
+  </p:cSld>
+  <p:clrMapOvr>
+    <a:masterClrMapping/>
+  </p:clrMapOvr>
+  <p:transition/>
+  <p:timing>
+    <p:tnLst>
+      <p:par>
+        <p:cTn id="1" dur="indefinite" restart="never" nodeType="tmRoot"/>
+      </p:par>
+    </p:tnLst>
+  </p:timing>
+</p:sld>
+</file>
+
+<file path=ppt/slides/slide13.xml><?xml version="1.0" encoding="utf-8"?>
+<p:sld xmlns:a="http://schemas.openxmlformats.org/drawingml/2006/main" xmlns:r="http://schemas.openxmlformats.org/officeDocument/2006/relationships" xmlns:p="http://schemas.openxmlformats.org/presentationml/2006/main">
+  <p:cSld>
+    <p:spTree>
+      <p:nvGrpSpPr>
+        <p:cNvPr id="1" name=""/>
+        <p:cNvGrpSpPr/>
+        <p:nvPr/>
+      </p:nvGrpSpPr>
+      <p:grpSpPr>
+        <a:xfrm>
+          <a:off x="0" y="0"/>
+          <a:ext cx="0" cy="0"/>
+          <a:chOff x="0" y="0"/>
+          <a:chExt cx="0" cy="0"/>
+        </a:xfrm>
+      </p:grpSpPr>
+      <p:sp>
+        <p:nvSpPr>
+          <p:cNvPr id="5122" name="Rectangle 2"/>
+          <p:cNvSpPr>
+            <a:spLocks noGrp="1" noChangeArrowheads="1"/>
+          </p:cNvSpPr>
+          <p:nvPr>
+            <p:ph type="title"/>
+          </p:nvPr>
+        </p:nvSpPr>
+        <p:spPr/>
+        <p:txBody>
+          <a:bodyPr/>
+          <a:lstStyle/>
+          <a:p>
+            <a:pPr>
+              <a:defRPr/>
+            </a:pPr>
+            <a:r>
+              <a:rPr lang="tr-TR" dirty="0" smtClean="0">
+                <a:latin typeface="Arial" panose="020B0604020202020204" pitchFamily="34" charset="0"/>
+                <a:cs typeface="Arial" panose="020B0604020202020204" pitchFamily="34" charset="0"/>
+              </a:rPr>
+              <a:t>Wind Turbine Modelling</a:t>
+            </a:r>
+            <a:endParaRPr lang="en-US" dirty="0" smtClean="0">
+              <a:latin typeface="Arial" panose="020B0604020202020204" pitchFamily="34" charset="0"/>
+              <a:cs typeface="Arial" panose="020B0604020202020204" pitchFamily="34" charset="0"/>
+            </a:endParaRPr>
+          </a:p>
+        </p:txBody>
+      </p:sp>
+      <p:sp>
+        <p:nvSpPr>
+          <p:cNvPr id="2" name="Date Placeholder 1"/>
+          <p:cNvSpPr>
+            <a:spLocks noGrp="1"/>
+          </p:cNvSpPr>
+          <p:nvPr>
+            <p:ph type="dt" sz="half" idx="2"/>
+          </p:nvPr>
+        </p:nvSpPr>
+        <p:spPr/>
+        <p:txBody>
+          <a:bodyPr/>
+          <a:lstStyle/>
+          <a:p>
+            <a:pPr>
+              <a:defRPr/>
+            </a:pPr>
+            <a:r>
+              <a:rPr lang="tr-TR" smtClean="0"/>
+              <a:t>18.01.2019</a:t>
+            </a:r>
+            <a:endParaRPr lang="en-US" dirty="0"/>
+          </a:p>
+        </p:txBody>
+      </p:sp>
+      <p:sp>
+        <p:nvSpPr>
+          <p:cNvPr id="3" name="Slide Number Placeholder 2"/>
+          <p:cNvSpPr>
+            <a:spLocks noGrp="1"/>
+          </p:cNvSpPr>
+          <p:nvPr>
+            <p:ph type="sldNum" sz="quarter" idx="12"/>
+          </p:nvPr>
+        </p:nvSpPr>
+        <p:spPr/>
+        <p:txBody>
+          <a:bodyPr/>
+          <a:lstStyle/>
+          <a:p>
+            <a:pPr>
+              <a:defRPr/>
+            </a:pPr>
+            <a:fld id="{C878F797-6006-4DDA-AFE9-456F280FE6C5}" type="slidenum">
+              <a:rPr lang="en-US" smtClean="0"/>
+              <a:pPr>
+                <a:defRPr/>
+              </a:pPr>
+              <a:t>13</a:t>
+            </a:fld>
+            <a:endParaRPr lang="en-US" dirty="0"/>
+          </a:p>
+        </p:txBody>
+      </p:sp>
+      <p:pic>
+        <p:nvPicPr>
+          <p:cNvPr id="5" name="Content Placeholder 4"/>
+          <p:cNvPicPr>
+            <a:picLocks noGrp="1" noChangeAspect="1"/>
+          </p:cNvPicPr>
+          <p:nvPr>
+            <p:ph idx="1"/>
+          </p:nvPr>
+        </p:nvPicPr>
+        <p:blipFill>
+          <a:blip r:embed="rId3">
+            <a:extLst>
+              <a:ext uri="{28A0092B-C50C-407E-A947-70E740481C1C}">
+                <a14:useLocalDpi xmlns:a14="http://schemas.microsoft.com/office/drawing/2010/main" val="0"/>
+              </a:ext>
+            </a:extLst>
+          </a:blip>
+          <a:stretch>
+            <a:fillRect/>
+          </a:stretch>
+        </p:blipFill>
+        <p:spPr>
+          <a:xfrm>
+            <a:off x="337729" y="1700808"/>
+            <a:ext cx="8468542" cy="2592288"/>
+          </a:xfrm>
+        </p:spPr>
+      </p:pic>
+    </p:spTree>
+    <p:extLst>
+      <p:ext uri="{BB962C8B-B14F-4D97-AF65-F5344CB8AC3E}">
+        <p14:creationId xmlns:p14="http://schemas.microsoft.com/office/powerpoint/2010/main" val="3642614407"/>
+      </p:ext>
+    </p:extLst>
+  </p:cSld>
+  <p:clrMapOvr>
+    <a:masterClrMapping/>
+  </p:clrMapOvr>
+  <p:transition/>
+  <p:timing>
+    <p:tnLst>
+      <p:par>
+        <p:cTn id="1" dur="indefinite" restart="never" nodeType="tmRoot"/>
+      </p:par>
+    </p:tnLst>
+  </p:timing>
+</p:sld>
+</file>
+
+<file path=ppt/slides/slide14.xml><?xml version="1.0" encoding="utf-8"?>
+<p:sld xmlns:a="http://schemas.openxmlformats.org/drawingml/2006/main" xmlns:r="http://schemas.openxmlformats.org/officeDocument/2006/relationships" xmlns:p="http://schemas.openxmlformats.org/presentationml/2006/main">
+  <p:cSld>
+    <p:spTree>
+      <p:nvGrpSpPr>
+        <p:cNvPr id="1" name=""/>
+        <p:cNvGrpSpPr/>
+        <p:nvPr/>
+      </p:nvGrpSpPr>
+      <p:grpSpPr>
+        <a:xfrm>
+          <a:off x="0" y="0"/>
+          <a:ext cx="0" cy="0"/>
+          <a:chOff x="0" y="0"/>
+          <a:chExt cx="0" cy="0"/>
+        </a:xfrm>
+      </p:grpSpPr>
+      <p:sp>
+        <p:nvSpPr>
+          <p:cNvPr id="5122" name="Rectangle 2"/>
+          <p:cNvSpPr>
+            <a:spLocks noGrp="1" noChangeArrowheads="1"/>
+          </p:cNvSpPr>
+          <p:nvPr>
+            <p:ph type="title"/>
+          </p:nvPr>
+        </p:nvSpPr>
+        <p:spPr/>
+        <p:txBody>
+          <a:bodyPr/>
+          <a:lstStyle/>
+          <a:p>
+            <a:pPr>
+              <a:defRPr/>
+            </a:pPr>
+            <a:r>
+              <a:rPr lang="tr-TR" dirty="0" smtClean="0">
+                <a:latin typeface="Arial" panose="020B0604020202020204" pitchFamily="34" charset="0"/>
+                <a:cs typeface="Arial" panose="020B0604020202020204" pitchFamily="34" charset="0"/>
+              </a:rPr>
+              <a:t>Wind Turbine Modelling</a:t>
+            </a:r>
+            <a:endParaRPr lang="en-US" dirty="0" smtClean="0">
+              <a:latin typeface="Arial" panose="020B0604020202020204" pitchFamily="34" charset="0"/>
+              <a:cs typeface="Arial" panose="020B0604020202020204" pitchFamily="34" charset="0"/>
+            </a:endParaRPr>
+          </a:p>
+        </p:txBody>
+      </p:sp>
+      <p:sp>
+        <p:nvSpPr>
+          <p:cNvPr id="2" name="Date Placeholder 1"/>
+          <p:cNvSpPr>
+            <a:spLocks noGrp="1"/>
+          </p:cNvSpPr>
+          <p:nvPr>
+            <p:ph type="dt" sz="half" idx="2"/>
+          </p:nvPr>
+        </p:nvSpPr>
+        <p:spPr/>
+        <p:txBody>
+          <a:bodyPr/>
+          <a:lstStyle/>
+          <a:p>
+            <a:pPr>
+              <a:defRPr/>
+            </a:pPr>
+            <a:r>
+              <a:rPr lang="tr-TR" smtClean="0"/>
+              <a:t>18.01.2019</a:t>
+            </a:r>
+            <a:endParaRPr lang="en-US" dirty="0"/>
+          </a:p>
+        </p:txBody>
+      </p:sp>
+      <p:sp>
+        <p:nvSpPr>
+          <p:cNvPr id="3" name="Slide Number Placeholder 2"/>
+          <p:cNvSpPr>
+            <a:spLocks noGrp="1"/>
+          </p:cNvSpPr>
+          <p:nvPr>
+            <p:ph type="sldNum" sz="quarter" idx="12"/>
+          </p:nvPr>
+        </p:nvSpPr>
+        <p:spPr/>
+        <p:txBody>
+          <a:bodyPr/>
+          <a:lstStyle/>
+          <a:p>
+            <a:pPr>
+              <a:defRPr/>
+            </a:pPr>
+            <a:fld id="{C878F797-6006-4DDA-AFE9-456F280FE6C5}" type="slidenum">
+              <a:rPr lang="en-US" smtClean="0"/>
+              <a:pPr>
+                <a:defRPr/>
+              </a:pPr>
+              <a:t>14</a:t>
+            </a:fld>
+            <a:endParaRPr lang="en-US" dirty="0"/>
+          </a:p>
+        </p:txBody>
+      </p:sp>
+      <p:pic>
+        <p:nvPicPr>
+          <p:cNvPr id="6" name="Content Placeholder 5"/>
+          <p:cNvPicPr>
+            <a:picLocks noGrp="1" noChangeAspect="1"/>
+          </p:cNvPicPr>
+          <p:nvPr>
+            <p:ph idx="1"/>
+          </p:nvPr>
+        </p:nvPicPr>
+        <p:blipFill>
+          <a:blip r:embed="rId3">
+            <a:extLst>
+              <a:ext uri="{28A0092B-C50C-407E-A947-70E740481C1C}">
+                <a14:useLocalDpi xmlns:a14="http://schemas.microsoft.com/office/drawing/2010/main" val="0"/>
+              </a:ext>
+            </a:extLst>
+          </a:blip>
+          <a:stretch>
+            <a:fillRect/>
+          </a:stretch>
+        </p:blipFill>
+        <p:spPr>
+          <a:xfrm>
+            <a:off x="434319" y="1556792"/>
+            <a:ext cx="8229600" cy="3314182"/>
+          </a:xfrm>
+        </p:spPr>
+      </p:pic>
+    </p:spTree>
+    <p:extLst>
+      <p:ext uri="{BB962C8B-B14F-4D97-AF65-F5344CB8AC3E}">
+        <p14:creationId xmlns:p14="http://schemas.microsoft.com/office/powerpoint/2010/main" val="3506746413"/>
+      </p:ext>
+    </p:extLst>
+  </p:cSld>
+  <p:clrMapOvr>
+    <a:masterClrMapping/>
+  </p:clrMapOvr>
+  <p:transition/>
+  <p:timing>
+    <p:tnLst>
+      <p:par>
+        <p:cTn id="1" dur="indefinite" restart="never" nodeType="tmRoot"/>
+      </p:par>
+    </p:tnLst>
+  </p:timing>
+</p:sld>
+</file>
+
+<file path=ppt/slides/slide15.xml><?xml version="1.0" encoding="utf-8"?>
+<p:sld xmlns:a="http://schemas.openxmlformats.org/drawingml/2006/main" xmlns:r="http://schemas.openxmlformats.org/officeDocument/2006/relationships" xmlns:p="http://schemas.openxmlformats.org/presentationml/2006/main">
+  <p:cSld>
+    <p:spTree>
+      <p:nvGrpSpPr>
+        <p:cNvPr id="1" name=""/>
+        <p:cNvGrpSpPr/>
+        <p:nvPr/>
+      </p:nvGrpSpPr>
+      <p:grpSpPr>
+        <a:xfrm>
+          <a:off x="0" y="0"/>
+          <a:ext cx="0" cy="0"/>
+          <a:chOff x="0" y="0"/>
+          <a:chExt cx="0" cy="0"/>
+        </a:xfrm>
+      </p:grpSpPr>
+      <p:sp>
+        <p:nvSpPr>
+          <p:cNvPr id="5122" name="Rectangle 2"/>
+          <p:cNvSpPr>
+            <a:spLocks noGrp="1" noChangeArrowheads="1"/>
+          </p:cNvSpPr>
+          <p:nvPr>
+            <p:ph type="title"/>
+          </p:nvPr>
+        </p:nvSpPr>
+        <p:spPr/>
+        <p:txBody>
+          <a:bodyPr/>
+          <a:lstStyle/>
+          <a:p>
+            <a:pPr>
+              <a:defRPr/>
+            </a:pPr>
+            <a:r>
+              <a:rPr lang="tr-TR" dirty="0" smtClean="0">
+                <a:latin typeface="Arial" panose="020B0604020202020204" pitchFamily="34" charset="0"/>
+                <a:cs typeface="Arial" panose="020B0604020202020204" pitchFamily="34" charset="0"/>
+              </a:rPr>
+              <a:t>Fast Inertia Support</a:t>
+            </a:r>
+            <a:endParaRPr lang="en-US" dirty="0" smtClean="0">
+              <a:latin typeface="Arial" panose="020B0604020202020204" pitchFamily="34" charset="0"/>
+              <a:cs typeface="Arial" panose="020B0604020202020204" pitchFamily="34" charset="0"/>
+            </a:endParaRPr>
+          </a:p>
+        </p:txBody>
+      </p:sp>
+      <p:sp>
+        <p:nvSpPr>
+          <p:cNvPr id="2" name="Date Placeholder 1"/>
+          <p:cNvSpPr>
+            <a:spLocks noGrp="1"/>
+          </p:cNvSpPr>
+          <p:nvPr>
+            <p:ph type="dt" sz="half" idx="2"/>
+          </p:nvPr>
+        </p:nvSpPr>
+        <p:spPr/>
+        <p:txBody>
+          <a:bodyPr/>
+          <a:lstStyle/>
+          <a:p>
+            <a:pPr>
+              <a:defRPr/>
+            </a:pPr>
+            <a:r>
+              <a:rPr lang="tr-TR" smtClean="0"/>
+              <a:t>18.01.2019</a:t>
+            </a:r>
+            <a:endParaRPr lang="en-US" dirty="0"/>
+          </a:p>
+        </p:txBody>
+      </p:sp>
+      <p:sp>
+        <p:nvSpPr>
+          <p:cNvPr id="3" name="Slide Number Placeholder 2"/>
+          <p:cNvSpPr>
+            <a:spLocks noGrp="1"/>
+          </p:cNvSpPr>
+          <p:nvPr>
+            <p:ph type="sldNum" sz="quarter" idx="12"/>
+          </p:nvPr>
+        </p:nvSpPr>
+        <p:spPr/>
+        <p:txBody>
+          <a:bodyPr/>
+          <a:lstStyle/>
+          <a:p>
+            <a:pPr>
+              <a:defRPr/>
+            </a:pPr>
+            <a:fld id="{C878F797-6006-4DDA-AFE9-456F280FE6C5}" type="slidenum">
+              <a:rPr lang="en-US" smtClean="0"/>
+              <a:pPr>
+                <a:defRPr/>
+              </a:pPr>
+              <a:t>15</a:t>
+            </a:fld>
+            <a:endParaRPr lang="en-US" dirty="0"/>
+          </a:p>
+        </p:txBody>
+      </p:sp>
+      <p:sp>
+        <p:nvSpPr>
+          <p:cNvPr id="4" name="Content Placeholder 3"/>
+          <p:cNvSpPr>
+            <a:spLocks noGrp="1"/>
+          </p:cNvSpPr>
+          <p:nvPr>
+            <p:ph idx="1"/>
+          </p:nvPr>
+        </p:nvSpPr>
+        <p:spPr/>
+        <p:txBody>
+          <a:bodyPr/>
+          <a:lstStyle/>
+          <a:p>
+            <a:endParaRPr lang="tr-TR"/>
+          </a:p>
+        </p:txBody>
+      </p:sp>
+    </p:spTree>
+    <p:extLst>
+      <p:ext uri="{BB962C8B-B14F-4D97-AF65-F5344CB8AC3E}">
+        <p14:creationId xmlns:p14="http://schemas.microsoft.com/office/powerpoint/2010/main" val="1702455776"/>
+      </p:ext>
+    </p:extLst>
+  </p:cSld>
+  <p:clrMapOvr>
+    <a:masterClrMapping/>
+  </p:clrMapOvr>
+  <p:transition/>
+  <p:timing>
+    <p:tnLst>
+      <p:par>
+        <p:cTn id="1" dur="indefinite" restart="never" nodeType="tmRoot"/>
+      </p:par>
+    </p:tnLst>
+  </p:timing>
+</p:sld>
+</file>
+
+<file path=ppt/slides/slide16.xml><?xml version="1.0" encoding="utf-8"?>
+<p:sld xmlns:a="http://schemas.openxmlformats.org/drawingml/2006/main" xmlns:r="http://schemas.openxmlformats.org/officeDocument/2006/relationships" xmlns:p="http://schemas.openxmlformats.org/presentationml/2006/main">
+  <p:cSld>
+    <p:spTree>
+      <p:nvGrpSpPr>
+        <p:cNvPr id="1" name=""/>
+        <p:cNvGrpSpPr/>
+        <p:nvPr/>
+      </p:nvGrpSpPr>
+      <p:grpSpPr>
+        <a:xfrm>
+          <a:off x="0" y="0"/>
+          <a:ext cx="0" cy="0"/>
+          <a:chOff x="0" y="0"/>
+          <a:chExt cx="0" cy="0"/>
+        </a:xfrm>
+      </p:grpSpPr>
+      <p:sp>
+        <p:nvSpPr>
+          <p:cNvPr id="5122" name="Rectangle 2"/>
+          <p:cNvSpPr>
+            <a:spLocks noGrp="1" noChangeArrowheads="1"/>
+          </p:cNvSpPr>
+          <p:nvPr>
+            <p:ph type="title"/>
+          </p:nvPr>
+        </p:nvSpPr>
+        <p:spPr/>
+        <p:txBody>
+          <a:bodyPr/>
+          <a:lstStyle/>
+          <a:p>
+            <a:pPr>
+              <a:defRPr/>
+            </a:pPr>
+            <a:r>
+              <a:rPr lang="tr-TR" dirty="0" smtClean="0">
+                <a:latin typeface="Arial" panose="020B0604020202020204" pitchFamily="34" charset="0"/>
+                <a:cs typeface="Arial" panose="020B0604020202020204" pitchFamily="34" charset="0"/>
+              </a:rPr>
+              <a:t>Effects on the Turkish Electricity System</a:t>
+            </a:r>
+            <a:endParaRPr lang="en-US" dirty="0" smtClean="0">
+              <a:latin typeface="Arial" panose="020B0604020202020204" pitchFamily="34" charset="0"/>
+              <a:cs typeface="Arial" panose="020B0604020202020204" pitchFamily="34" charset="0"/>
+            </a:endParaRPr>
+          </a:p>
+        </p:txBody>
+      </p:sp>
+      <p:sp>
+        <p:nvSpPr>
+          <p:cNvPr id="2" name="Date Placeholder 1"/>
+          <p:cNvSpPr>
+            <a:spLocks noGrp="1"/>
+          </p:cNvSpPr>
+          <p:nvPr>
+            <p:ph type="dt" sz="half" idx="2"/>
+          </p:nvPr>
+        </p:nvSpPr>
+        <p:spPr/>
+        <p:txBody>
+          <a:bodyPr/>
+          <a:lstStyle/>
+          <a:p>
+            <a:pPr>
+              <a:defRPr/>
+            </a:pPr>
+            <a:r>
+              <a:rPr lang="tr-TR" smtClean="0"/>
+              <a:t>18.01.2019</a:t>
+            </a:r>
+            <a:endParaRPr lang="en-US" dirty="0"/>
+          </a:p>
+        </p:txBody>
+      </p:sp>
+      <p:sp>
+        <p:nvSpPr>
+          <p:cNvPr id="3" name="Slide Number Placeholder 2"/>
+          <p:cNvSpPr>
+            <a:spLocks noGrp="1"/>
+          </p:cNvSpPr>
+          <p:nvPr>
+            <p:ph type="sldNum" sz="quarter" idx="12"/>
+          </p:nvPr>
+        </p:nvSpPr>
+        <p:spPr/>
+        <p:txBody>
+          <a:bodyPr/>
+          <a:lstStyle/>
+          <a:p>
+            <a:pPr>
+              <a:defRPr/>
+            </a:pPr>
+            <a:fld id="{C878F797-6006-4DDA-AFE9-456F280FE6C5}" type="slidenum">
+              <a:rPr lang="en-US" smtClean="0"/>
+              <a:pPr>
+                <a:defRPr/>
+              </a:pPr>
+              <a:t>16</a:t>
+            </a:fld>
+            <a:endParaRPr lang="en-US" dirty="0"/>
+          </a:p>
+        </p:txBody>
+      </p:sp>
+      <p:pic>
+        <p:nvPicPr>
+          <p:cNvPr id="5" name="Content Placeholder 4"/>
+          <p:cNvPicPr>
+            <a:picLocks noGrp="1" noChangeAspect="1"/>
+          </p:cNvPicPr>
+          <p:nvPr>
+            <p:ph idx="1"/>
+          </p:nvPr>
+        </p:nvPicPr>
+        <p:blipFill>
+          <a:blip r:embed="rId3">
+            <a:extLst>
+              <a:ext uri="{28A0092B-C50C-407E-A947-70E740481C1C}">
+                <a14:useLocalDpi xmlns:a14="http://schemas.microsoft.com/office/drawing/2010/main" val="0"/>
+              </a:ext>
+            </a:extLst>
+          </a:blip>
+          <a:stretch>
+            <a:fillRect/>
+          </a:stretch>
+        </p:blipFill>
+        <p:spPr>
+          <a:xfrm>
+            <a:off x="520924" y="1628800"/>
+            <a:ext cx="8102152" cy="3861274"/>
+          </a:xfrm>
+        </p:spPr>
+      </p:pic>
+    </p:spTree>
+    <p:extLst>
+      <p:ext uri="{BB962C8B-B14F-4D97-AF65-F5344CB8AC3E}">
+        <p14:creationId xmlns:p14="http://schemas.microsoft.com/office/powerpoint/2010/main" val="668286389"/>
+      </p:ext>
+    </p:extLst>
+  </p:cSld>
+  <p:clrMapOvr>
+    <a:masterClrMapping/>
+  </p:clrMapOvr>
+  <p:transition/>
+  <p:timing>
+    <p:tnLst>
+      <p:par>
+        <p:cTn id="1" dur="indefinite" restart="never" nodeType="tmRoot"/>
+      </p:par>
+    </p:tnLst>
+  </p:timing>
+</p:sld>
+</file>
+
+<file path=ppt/slides/slide17.xml><?xml version="1.0" encoding="utf-8"?>
+<p:sld xmlns:a="http://schemas.openxmlformats.org/drawingml/2006/main" xmlns:r="http://schemas.openxmlformats.org/officeDocument/2006/relationships" xmlns:p="http://schemas.openxmlformats.org/presentationml/2006/main">
+  <p:cSld>
+    <p:spTree>
+      <p:nvGrpSpPr>
+        <p:cNvPr id="1" name=""/>
+        <p:cNvGrpSpPr/>
+        <p:nvPr/>
+      </p:nvGrpSpPr>
+      <p:grpSpPr>
+        <a:xfrm>
+          <a:off x="0" y="0"/>
+          <a:ext cx="0" cy="0"/>
+          <a:chOff x="0" y="0"/>
+          <a:chExt cx="0" cy="0"/>
+        </a:xfrm>
+      </p:grpSpPr>
+      <p:sp>
+        <p:nvSpPr>
+          <p:cNvPr id="5122" name="Rectangle 2"/>
+          <p:cNvSpPr>
+            <a:spLocks noGrp="1" noChangeArrowheads="1"/>
+          </p:cNvSpPr>
+          <p:nvPr>
+            <p:ph type="title"/>
+          </p:nvPr>
+        </p:nvSpPr>
+        <p:spPr/>
+        <p:txBody>
+          <a:bodyPr/>
+          <a:lstStyle/>
+          <a:p>
+            <a:pPr>
+              <a:defRPr/>
+            </a:pPr>
+            <a:r>
+              <a:rPr lang="tr-TR" dirty="0" smtClean="0">
+                <a:latin typeface="Arial" panose="020B0604020202020204" pitchFamily="34" charset="0"/>
+                <a:cs typeface="Arial" panose="020B0604020202020204" pitchFamily="34" charset="0"/>
+              </a:rPr>
+              <a:t>Effects on the Turkish Electricity System</a:t>
+            </a:r>
+            <a:endParaRPr lang="en-US" dirty="0" smtClean="0">
+              <a:latin typeface="Arial" panose="020B0604020202020204" pitchFamily="34" charset="0"/>
+              <a:cs typeface="Arial" panose="020B0604020202020204" pitchFamily="34" charset="0"/>
+            </a:endParaRPr>
+          </a:p>
+        </p:txBody>
+      </p:sp>
+      <p:sp>
+        <p:nvSpPr>
+          <p:cNvPr id="2" name="Date Placeholder 1"/>
+          <p:cNvSpPr>
+            <a:spLocks noGrp="1"/>
+          </p:cNvSpPr>
+          <p:nvPr>
+            <p:ph type="dt" sz="half" idx="2"/>
+          </p:nvPr>
+        </p:nvSpPr>
+        <p:spPr/>
+        <p:txBody>
+          <a:bodyPr/>
+          <a:lstStyle/>
+          <a:p>
+            <a:pPr>
+              <a:defRPr/>
+            </a:pPr>
+            <a:r>
+              <a:rPr lang="tr-TR" smtClean="0"/>
+              <a:t>18.01.2019</a:t>
+            </a:r>
+            <a:endParaRPr lang="en-US" dirty="0"/>
+          </a:p>
+        </p:txBody>
+      </p:sp>
+      <p:sp>
+        <p:nvSpPr>
+          <p:cNvPr id="3" name="Slide Number Placeholder 2"/>
+          <p:cNvSpPr>
+            <a:spLocks noGrp="1"/>
+          </p:cNvSpPr>
+          <p:nvPr>
+            <p:ph type="sldNum" sz="quarter" idx="12"/>
+          </p:nvPr>
+        </p:nvSpPr>
+        <p:spPr/>
+        <p:txBody>
+          <a:bodyPr/>
+          <a:lstStyle/>
+          <a:p>
+            <a:pPr>
+              <a:defRPr/>
+            </a:pPr>
+            <a:fld id="{C878F797-6006-4DDA-AFE9-456F280FE6C5}" type="slidenum">
+              <a:rPr lang="en-US" smtClean="0"/>
+              <a:pPr>
+                <a:defRPr/>
+              </a:pPr>
+              <a:t>17</a:t>
+            </a:fld>
+            <a:endParaRPr lang="en-US" dirty="0"/>
+          </a:p>
+        </p:txBody>
+      </p:sp>
+      <p:pic>
+        <p:nvPicPr>
+          <p:cNvPr id="9" name="Content Placeholder 8"/>
+          <p:cNvPicPr>
+            <a:picLocks noGrp="1" noChangeAspect="1"/>
+          </p:cNvPicPr>
+          <p:nvPr>
+            <p:ph idx="1"/>
+          </p:nvPr>
+        </p:nvPicPr>
+        <p:blipFill>
+          <a:blip r:embed="rId3">
+            <a:extLst>
+              <a:ext uri="{28A0092B-C50C-407E-A947-70E740481C1C}">
+                <a14:useLocalDpi xmlns:a14="http://schemas.microsoft.com/office/drawing/2010/main" val="0"/>
+              </a:ext>
+            </a:extLst>
+          </a:blip>
+          <a:stretch>
+            <a:fillRect/>
+          </a:stretch>
+        </p:blipFill>
+        <p:spPr>
+          <a:xfrm>
+            <a:off x="533121" y="1412776"/>
+            <a:ext cx="8077758" cy="3849648"/>
+          </a:xfrm>
+        </p:spPr>
+      </p:pic>
+      <p:sp>
+        <p:nvSpPr>
+          <p:cNvPr id="14" name="TextBox 13"/>
+          <p:cNvSpPr txBox="1"/>
+          <p:nvPr/>
+        </p:nvSpPr>
+        <p:spPr>
+          <a:xfrm>
+            <a:off x="457199" y="5443406"/>
+            <a:ext cx="8153680" cy="830997"/>
+          </a:xfrm>
+          <a:prstGeom prst="rect">
+            <a:avLst/>
+          </a:prstGeom>
+          <a:noFill/>
+        </p:spPr>
+        <p:txBody>
+          <a:bodyPr wrap="square" rtlCol="0">
+            <a:spAutoFit/>
+          </a:bodyPr>
+          <a:lstStyle/>
+          <a:p>
+            <a:r>
+              <a:rPr lang="tr-TR" dirty="0" smtClean="0"/>
+              <a:t>The aggregated inertia constant can be improved with synthetic inertia implementation.</a:t>
+            </a:r>
+            <a:endParaRPr lang="tr-TR" dirty="0"/>
+          </a:p>
+        </p:txBody>
+      </p:sp>
+    </p:spTree>
+    <p:extLst>
+      <p:ext uri="{BB962C8B-B14F-4D97-AF65-F5344CB8AC3E}">
+        <p14:creationId xmlns:p14="http://schemas.microsoft.com/office/powerpoint/2010/main" val="591568862"/>
+      </p:ext>
+    </p:extLst>
+  </p:cSld>
+  <p:clrMapOvr>
+    <a:masterClrMapping/>
+  </p:clrMapOvr>
+  <p:transition/>
+  <p:timing>
+    <p:tnLst>
+      <p:par>
+        <p:cTn id="1" dur="indefinite" restart="never" nodeType="tmRoot"/>
+      </p:par>
+    </p:tnLst>
+  </p:timing>
+</p:sld>
+</file>
+
+<file path=ppt/slides/slide18.xml><?xml version="1.0" encoding="utf-8"?>
+<p:sld xmlns:a="http://schemas.openxmlformats.org/drawingml/2006/main" xmlns:r="http://schemas.openxmlformats.org/officeDocument/2006/relationships" xmlns:p="http://schemas.openxmlformats.org/presentationml/2006/main">
+  <p:cSld>
+    <p:spTree>
+      <p:nvGrpSpPr>
+        <p:cNvPr id="1" name=""/>
+        <p:cNvGrpSpPr/>
+        <p:nvPr/>
+      </p:nvGrpSpPr>
+      <p:grpSpPr>
+        <a:xfrm>
+          <a:off x="0" y="0"/>
+          <a:ext cx="0" cy="0"/>
+          <a:chOff x="0" y="0"/>
+          <a:chExt cx="0" cy="0"/>
+        </a:xfrm>
+      </p:grpSpPr>
+      <p:sp>
+        <p:nvSpPr>
+          <p:cNvPr id="5122" name="Rectangle 2"/>
+          <p:cNvSpPr>
+            <a:spLocks noGrp="1" noChangeArrowheads="1"/>
+          </p:cNvSpPr>
+          <p:nvPr>
+            <p:ph type="title"/>
+          </p:nvPr>
+        </p:nvSpPr>
+        <p:spPr/>
+        <p:txBody>
+          <a:bodyPr/>
+          <a:lstStyle/>
+          <a:p>
+            <a:pPr>
+              <a:defRPr/>
+            </a:pPr>
+            <a:r>
+              <a:rPr lang="tr-TR" dirty="0">
+                <a:latin typeface="Arial" panose="020B0604020202020204" pitchFamily="34" charset="0"/>
+                <a:cs typeface="Arial" panose="020B0604020202020204" pitchFamily="34" charset="0"/>
+              </a:rPr>
+              <a:t>Effects on the Turkish Electricity System</a:t>
+            </a:r>
+            <a:endParaRPr lang="en-US" dirty="0" smtClean="0">
+              <a:latin typeface="Arial" panose="020B0604020202020204" pitchFamily="34" charset="0"/>
+              <a:cs typeface="Arial" panose="020B0604020202020204" pitchFamily="34" charset="0"/>
+            </a:endParaRPr>
+          </a:p>
+        </p:txBody>
+      </p:sp>
+      <p:sp>
+        <p:nvSpPr>
+          <p:cNvPr id="2" name="Date Placeholder 1"/>
+          <p:cNvSpPr>
+            <a:spLocks noGrp="1"/>
+          </p:cNvSpPr>
+          <p:nvPr>
+            <p:ph type="dt" sz="half" idx="2"/>
+          </p:nvPr>
+        </p:nvSpPr>
+        <p:spPr/>
+        <p:txBody>
+          <a:bodyPr/>
+          <a:lstStyle/>
+          <a:p>
+            <a:pPr>
+              <a:defRPr/>
+            </a:pPr>
+            <a:r>
+              <a:rPr lang="tr-TR" smtClean="0"/>
+              <a:t>18.01.2019</a:t>
+            </a:r>
+            <a:endParaRPr lang="en-US" dirty="0"/>
+          </a:p>
+        </p:txBody>
+      </p:sp>
+      <p:sp>
+        <p:nvSpPr>
+          <p:cNvPr id="3" name="Slide Number Placeholder 2"/>
+          <p:cNvSpPr>
+            <a:spLocks noGrp="1"/>
+          </p:cNvSpPr>
+          <p:nvPr>
+            <p:ph type="sldNum" sz="quarter" idx="12"/>
+          </p:nvPr>
+        </p:nvSpPr>
+        <p:spPr/>
+        <p:txBody>
+          <a:bodyPr/>
+          <a:lstStyle/>
+          <a:p>
+            <a:pPr>
+              <a:defRPr/>
+            </a:pPr>
+            <a:fld id="{C878F797-6006-4DDA-AFE9-456F280FE6C5}" type="slidenum">
+              <a:rPr lang="en-US" smtClean="0"/>
+              <a:pPr>
+                <a:defRPr/>
+              </a:pPr>
+              <a:t>18</a:t>
+            </a:fld>
+            <a:endParaRPr lang="en-US" dirty="0"/>
+          </a:p>
+        </p:txBody>
+      </p:sp>
+      <p:pic>
+        <p:nvPicPr>
+          <p:cNvPr id="6" name="Content Placeholder 5"/>
+          <p:cNvPicPr>
+            <a:picLocks noGrp="1" noChangeAspect="1"/>
+          </p:cNvPicPr>
+          <p:nvPr>
+            <p:ph idx="1"/>
+          </p:nvPr>
+        </p:nvPicPr>
+        <p:blipFill>
+          <a:blip r:embed="rId3">
+            <a:extLst>
+              <a:ext uri="{28A0092B-C50C-407E-A947-70E740481C1C}">
+                <a14:useLocalDpi xmlns:a14="http://schemas.microsoft.com/office/drawing/2010/main" val="0"/>
+              </a:ext>
+            </a:extLst>
+          </a:blip>
+          <a:stretch>
+            <a:fillRect/>
+          </a:stretch>
+        </p:blipFill>
+        <p:spPr>
+          <a:xfrm>
+            <a:off x="2771800" y="1363663"/>
+            <a:ext cx="6306177" cy="4729633"/>
+          </a:xfrm>
+        </p:spPr>
+      </p:pic>
+      <p:graphicFrame>
+        <p:nvGraphicFramePr>
+          <p:cNvPr id="4" name="Table 3"/>
+          <p:cNvGraphicFramePr>
+            <a:graphicFrameLocks noGrp="1"/>
+          </p:cNvGraphicFramePr>
+          <p:nvPr>
+            <p:extLst>
+              <p:ext uri="{D42A27DB-BD31-4B8C-83A1-F6EECF244321}">
+                <p14:modId xmlns:p14="http://schemas.microsoft.com/office/powerpoint/2010/main" val="206889318"/>
+              </p:ext>
+            </p:extLst>
+          </p:nvPr>
+        </p:nvGraphicFramePr>
+        <p:xfrm>
+          <a:off x="383952" y="2204865"/>
+          <a:ext cx="2603872" cy="3267913"/>
+        </p:xfrm>
+        <a:graphic>
+          <a:graphicData uri="http://schemas.openxmlformats.org/drawingml/2006/table">
+            <a:tbl>
+              <a:tblPr>
+                <a:tableStyleId>{5C22544A-7EE6-4342-B048-85BDC9FD1C3A}</a:tableStyleId>
+              </a:tblPr>
+              <a:tblGrid>
+                <a:gridCol w="1170648">
+                  <a:extLst>
+                    <a:ext uri="{9D8B030D-6E8A-4147-A177-3AD203B41FA5}">
+                      <a16:colId xmlns:a16="http://schemas.microsoft.com/office/drawing/2014/main" val="177217349"/>
+                    </a:ext>
+                  </a:extLst>
+                </a:gridCol>
+                <a:gridCol w="1433224">
+                  <a:extLst>
+                    <a:ext uri="{9D8B030D-6E8A-4147-A177-3AD203B41FA5}">
+                      <a16:colId xmlns:a16="http://schemas.microsoft.com/office/drawing/2014/main" val="2812683723"/>
+                    </a:ext>
+                  </a:extLst>
+                </a:gridCol>
+              </a:tblGrid>
+              <a:tr h="239382">
+                <a:tc>
+                  <a:txBody>
+                    <a:bodyPr/>
+                    <a:lstStyle/>
+                    <a:p>
+                      <a:pPr algn="ctr" fontAlgn="b"/>
+                      <a:r>
+                        <a:rPr lang="tr-TR" sz="1400" u="none" strike="noStrike" dirty="0">
+                          <a:effectLst/>
+                          <a:latin typeface="Arial" panose="020B0604020202020204" pitchFamily="34" charset="0"/>
+                          <a:cs typeface="Arial" panose="020B0604020202020204" pitchFamily="34" charset="0"/>
+                        </a:rPr>
+                        <a:t>Date</a:t>
+                      </a:r>
+                      <a:endParaRPr lang="tr-TR" sz="1400" b="0" i="0" u="none" strike="noStrike" dirty="0">
+                        <a:solidFill>
+                          <a:srgbClr val="000000"/>
+                        </a:solidFill>
+                        <a:effectLst/>
+                        <a:latin typeface="Arial" panose="020B0604020202020204" pitchFamily="34" charset="0"/>
+                        <a:cs typeface="Arial" panose="020B0604020202020204" pitchFamily="34" charset="0"/>
+                      </a:endParaRPr>
+                    </a:p>
+                  </a:txBody>
+                  <a:tcPr marL="9525" marR="9525" marT="9525" marB="0" anchor="b"/>
+                </a:tc>
+                <a:tc>
+                  <a:txBody>
+                    <a:bodyPr/>
+                    <a:lstStyle/>
+                    <a:p>
+                      <a:pPr algn="ctr" fontAlgn="b"/>
+                      <a:r>
+                        <a:rPr lang="tr-TR" sz="1400" u="none" strike="noStrike">
+                          <a:effectLst/>
+                          <a:latin typeface="Arial" panose="020B0604020202020204" pitchFamily="34" charset="0"/>
+                          <a:cs typeface="Arial" panose="020B0604020202020204" pitchFamily="34" charset="0"/>
+                        </a:rPr>
+                        <a:t>26/09/2018</a:t>
+                      </a:r>
+                      <a:endParaRPr lang="tr-TR" sz="1400" b="0" i="0" u="none" strike="noStrike">
+                        <a:solidFill>
+                          <a:srgbClr val="000000"/>
+                        </a:solidFill>
+                        <a:effectLst/>
+                        <a:latin typeface="Arial" panose="020B0604020202020204" pitchFamily="34" charset="0"/>
+                        <a:cs typeface="Arial" panose="020B0604020202020204" pitchFamily="34" charset="0"/>
+                      </a:endParaRPr>
+                    </a:p>
+                  </a:txBody>
+                  <a:tcPr marL="9525" marR="9525" marT="9525" marB="0" anchor="b"/>
+                </a:tc>
+                <a:extLst>
+                  <a:ext uri="{0D108BD9-81ED-4DB2-BD59-A6C34878D82A}">
+                    <a16:rowId xmlns:a16="http://schemas.microsoft.com/office/drawing/2014/main" val="3593235810"/>
+                  </a:ext>
+                </a:extLst>
+              </a:tr>
+              <a:tr h="239382">
+                <a:tc>
+                  <a:txBody>
+                    <a:bodyPr/>
+                    <a:lstStyle/>
+                    <a:p>
+                      <a:pPr algn="ctr" fontAlgn="b"/>
+                      <a:r>
+                        <a:rPr lang="tr-TR" sz="1400" u="none" strike="noStrike" dirty="0">
+                          <a:effectLst/>
+                          <a:latin typeface="Arial" panose="020B0604020202020204" pitchFamily="34" charset="0"/>
+                          <a:cs typeface="Arial" panose="020B0604020202020204" pitchFamily="34" charset="0"/>
+                        </a:rPr>
+                        <a:t>Hour</a:t>
+                      </a:r>
+                      <a:endParaRPr lang="tr-TR" sz="1400" b="0" i="0" u="none" strike="noStrike" dirty="0">
+                        <a:solidFill>
+                          <a:srgbClr val="000000"/>
+                        </a:solidFill>
+                        <a:effectLst/>
+                        <a:latin typeface="Arial" panose="020B0604020202020204" pitchFamily="34" charset="0"/>
+                        <a:cs typeface="Arial" panose="020B0604020202020204" pitchFamily="34" charset="0"/>
+                      </a:endParaRPr>
+                    </a:p>
+                  </a:txBody>
+                  <a:tcPr marL="9525" marR="9525" marT="9525" marB="0" anchor="b"/>
+                </a:tc>
+                <a:tc>
+                  <a:txBody>
+                    <a:bodyPr/>
+                    <a:lstStyle/>
+                    <a:p>
+                      <a:pPr algn="ctr" fontAlgn="b"/>
+                      <a:r>
+                        <a:rPr lang="tr-TR" sz="1400" u="none" strike="noStrike">
+                          <a:effectLst/>
+                          <a:latin typeface="Arial" panose="020B0604020202020204" pitchFamily="34" charset="0"/>
+                          <a:cs typeface="Arial" panose="020B0604020202020204" pitchFamily="34" charset="0"/>
+                        </a:rPr>
+                        <a:t>03:00:00</a:t>
+                      </a:r>
+                      <a:endParaRPr lang="tr-TR" sz="1400" b="0" i="0" u="none" strike="noStrike">
+                        <a:solidFill>
+                          <a:srgbClr val="000000"/>
+                        </a:solidFill>
+                        <a:effectLst/>
+                        <a:latin typeface="Arial" panose="020B0604020202020204" pitchFamily="34" charset="0"/>
+                        <a:cs typeface="Arial" panose="020B0604020202020204" pitchFamily="34" charset="0"/>
+                      </a:endParaRPr>
+                    </a:p>
+                  </a:txBody>
+                  <a:tcPr marL="9525" marR="9525" marT="9525" marB="0" anchor="b"/>
+                </a:tc>
+                <a:extLst>
+                  <a:ext uri="{0D108BD9-81ED-4DB2-BD59-A6C34878D82A}">
+                    <a16:rowId xmlns:a16="http://schemas.microsoft.com/office/drawing/2014/main" val="3640905662"/>
+                  </a:ext>
+                </a:extLst>
+              </a:tr>
+              <a:tr h="697688">
+                <a:tc>
+                  <a:txBody>
+                    <a:bodyPr/>
+                    <a:lstStyle/>
+                    <a:p>
+                      <a:pPr algn="ctr" fontAlgn="b"/>
+                      <a:r>
+                        <a:rPr lang="tr-TR" sz="1400" u="none" strike="noStrike" dirty="0">
+                          <a:effectLst/>
+                          <a:latin typeface="Arial" panose="020B0604020202020204" pitchFamily="34" charset="0"/>
+                          <a:cs typeface="Arial" panose="020B0604020202020204" pitchFamily="34" charset="0"/>
+                        </a:rPr>
+                        <a:t>Total Generation (MW)</a:t>
+                      </a:r>
+                      <a:endParaRPr lang="tr-TR" sz="1400" b="0" i="0" u="none" strike="noStrike" dirty="0">
+                        <a:solidFill>
+                          <a:srgbClr val="000000"/>
+                        </a:solidFill>
+                        <a:effectLst/>
+                        <a:latin typeface="Arial" panose="020B0604020202020204" pitchFamily="34" charset="0"/>
+                        <a:cs typeface="Arial" panose="020B0604020202020204" pitchFamily="34" charset="0"/>
+                      </a:endParaRPr>
+                    </a:p>
+                  </a:txBody>
+                  <a:tcPr marL="9525" marR="9525" marT="9525" marB="0" anchor="b"/>
+                </a:tc>
+                <a:tc>
+                  <a:txBody>
+                    <a:bodyPr/>
+                    <a:lstStyle/>
+                    <a:p>
+                      <a:pPr algn="ctr" fontAlgn="b"/>
+                      <a:r>
+                        <a:rPr lang="tr-TR" sz="1400" u="none" strike="noStrike" dirty="0">
+                          <a:effectLst/>
+                          <a:latin typeface="Arial" panose="020B0604020202020204" pitchFamily="34" charset="0"/>
+                          <a:cs typeface="Arial" panose="020B0604020202020204" pitchFamily="34" charset="0"/>
+                        </a:rPr>
+                        <a:t>27495</a:t>
+                      </a:r>
+                      <a:endParaRPr lang="tr-TR" sz="1400" b="0" i="0" u="none" strike="noStrike" dirty="0">
+                        <a:solidFill>
+                          <a:srgbClr val="000000"/>
+                        </a:solidFill>
+                        <a:effectLst/>
+                        <a:latin typeface="Arial" panose="020B0604020202020204" pitchFamily="34" charset="0"/>
+                        <a:cs typeface="Arial" panose="020B0604020202020204" pitchFamily="34" charset="0"/>
+                      </a:endParaRPr>
+                    </a:p>
+                  </a:txBody>
+                  <a:tcPr marL="9525" marR="9525" marT="9525" marB="0" anchor="b"/>
+                </a:tc>
+                <a:extLst>
+                  <a:ext uri="{0D108BD9-81ED-4DB2-BD59-A6C34878D82A}">
+                    <a16:rowId xmlns:a16="http://schemas.microsoft.com/office/drawing/2014/main" val="274828150"/>
+                  </a:ext>
+                </a:extLst>
+              </a:tr>
+              <a:tr h="468535">
+                <a:tc>
+                  <a:txBody>
+                    <a:bodyPr/>
+                    <a:lstStyle/>
+                    <a:p>
+                      <a:pPr algn="ctr" fontAlgn="b"/>
+                      <a:r>
+                        <a:rPr lang="tr-TR" sz="1400" u="none" strike="noStrike">
+                          <a:effectLst/>
+                          <a:latin typeface="Arial" panose="020B0604020202020204" pitchFamily="34" charset="0"/>
+                          <a:cs typeface="Arial" panose="020B0604020202020204" pitchFamily="34" charset="0"/>
+                        </a:rPr>
+                        <a:t>Wind (FSPC) (MW)</a:t>
+                      </a:r>
+                      <a:endParaRPr lang="tr-TR" sz="1400" b="0" i="0" u="none" strike="noStrike">
+                        <a:solidFill>
+                          <a:srgbClr val="000000"/>
+                        </a:solidFill>
+                        <a:effectLst/>
+                        <a:latin typeface="Arial" panose="020B0604020202020204" pitchFamily="34" charset="0"/>
+                        <a:cs typeface="Arial" panose="020B0604020202020204" pitchFamily="34" charset="0"/>
+                      </a:endParaRPr>
+                    </a:p>
+                  </a:txBody>
+                  <a:tcPr marL="9525" marR="9525" marT="9525" marB="0" anchor="b"/>
+                </a:tc>
+                <a:tc>
+                  <a:txBody>
+                    <a:bodyPr/>
+                    <a:lstStyle/>
+                    <a:p>
+                      <a:pPr algn="ctr" fontAlgn="b"/>
+                      <a:r>
+                        <a:rPr lang="tr-TR" sz="1400" u="none" strike="noStrike" dirty="0">
+                          <a:effectLst/>
+                          <a:latin typeface="Arial" panose="020B0604020202020204" pitchFamily="34" charset="0"/>
+                          <a:cs typeface="Arial" panose="020B0604020202020204" pitchFamily="34" charset="0"/>
+                        </a:rPr>
+                        <a:t>3045</a:t>
+                      </a:r>
+                      <a:endParaRPr lang="tr-TR" sz="1400" b="0" i="0" u="none" strike="noStrike" dirty="0">
+                        <a:solidFill>
+                          <a:srgbClr val="000000"/>
+                        </a:solidFill>
+                        <a:effectLst/>
+                        <a:latin typeface="Arial" panose="020B0604020202020204" pitchFamily="34" charset="0"/>
+                        <a:cs typeface="Arial" panose="020B0604020202020204" pitchFamily="34" charset="0"/>
+                      </a:endParaRPr>
+                    </a:p>
+                  </a:txBody>
+                  <a:tcPr marL="9525" marR="9525" marT="9525" marB="0" anchor="b"/>
+                </a:tc>
+                <a:extLst>
+                  <a:ext uri="{0D108BD9-81ED-4DB2-BD59-A6C34878D82A}">
+                    <a16:rowId xmlns:a16="http://schemas.microsoft.com/office/drawing/2014/main" val="403050561"/>
+                  </a:ext>
+                </a:extLst>
+              </a:tr>
+              <a:tr h="468535">
+                <a:tc>
+                  <a:txBody>
+                    <a:bodyPr/>
+                    <a:lstStyle/>
+                    <a:p>
+                      <a:pPr algn="ctr" fontAlgn="b"/>
+                      <a:r>
+                        <a:rPr lang="tr-TR" sz="1400" u="none" strike="noStrike">
+                          <a:effectLst/>
+                          <a:latin typeface="Arial" panose="020B0604020202020204" pitchFamily="34" charset="0"/>
+                          <a:cs typeface="Arial" panose="020B0604020202020204" pitchFamily="34" charset="0"/>
+                        </a:rPr>
+                        <a:t>Wind (Other) (MW)</a:t>
+                      </a:r>
+                      <a:endParaRPr lang="tr-TR" sz="1400" b="0" i="0" u="none" strike="noStrike">
+                        <a:solidFill>
+                          <a:srgbClr val="000000"/>
+                        </a:solidFill>
+                        <a:effectLst/>
+                        <a:latin typeface="Arial" panose="020B0604020202020204" pitchFamily="34" charset="0"/>
+                        <a:cs typeface="Arial" panose="020B0604020202020204" pitchFamily="34" charset="0"/>
+                      </a:endParaRPr>
+                    </a:p>
+                  </a:txBody>
+                  <a:tcPr marL="9525" marR="9525" marT="9525" marB="0" anchor="b"/>
+                </a:tc>
+                <a:tc>
+                  <a:txBody>
+                    <a:bodyPr/>
+                    <a:lstStyle/>
+                    <a:p>
+                      <a:pPr algn="ctr" fontAlgn="b"/>
+                      <a:r>
+                        <a:rPr lang="tr-TR" sz="1400" u="none" strike="noStrike" dirty="0">
+                          <a:effectLst/>
+                          <a:latin typeface="Arial" panose="020B0604020202020204" pitchFamily="34" charset="0"/>
+                          <a:cs typeface="Arial" panose="020B0604020202020204" pitchFamily="34" charset="0"/>
+                        </a:rPr>
+                        <a:t>2594</a:t>
+                      </a:r>
+                      <a:endParaRPr lang="tr-TR" sz="1400" b="0" i="0" u="none" strike="noStrike" dirty="0">
+                        <a:solidFill>
+                          <a:srgbClr val="000000"/>
+                        </a:solidFill>
+                        <a:effectLst/>
+                        <a:latin typeface="Arial" panose="020B0604020202020204" pitchFamily="34" charset="0"/>
+                        <a:cs typeface="Arial" panose="020B0604020202020204" pitchFamily="34" charset="0"/>
+                      </a:endParaRPr>
+                    </a:p>
+                  </a:txBody>
+                  <a:tcPr marL="9525" marR="9525" marT="9525" marB="0" anchor="b"/>
+                </a:tc>
+                <a:extLst>
+                  <a:ext uri="{0D108BD9-81ED-4DB2-BD59-A6C34878D82A}">
+                    <a16:rowId xmlns:a16="http://schemas.microsoft.com/office/drawing/2014/main" val="526987269"/>
+                  </a:ext>
+                </a:extLst>
+              </a:tr>
+              <a:tr h="239382">
+                <a:tc>
+                  <a:txBody>
+                    <a:bodyPr/>
+                    <a:lstStyle/>
+                    <a:p>
+                      <a:pPr algn="ctr" fontAlgn="b"/>
+                      <a:r>
+                        <a:rPr lang="tr-TR" sz="1400" u="none" strike="noStrike">
+                          <a:effectLst/>
+                          <a:latin typeface="Arial" panose="020B0604020202020204" pitchFamily="34" charset="0"/>
+                          <a:cs typeface="Arial" panose="020B0604020202020204" pitchFamily="34" charset="0"/>
+                        </a:rPr>
+                        <a:t>Solar (MW)</a:t>
+                      </a:r>
+                      <a:endParaRPr lang="tr-TR" sz="1400" b="0" i="0" u="none" strike="noStrike">
+                        <a:solidFill>
+                          <a:srgbClr val="000000"/>
+                        </a:solidFill>
+                        <a:effectLst/>
+                        <a:latin typeface="Arial" panose="020B0604020202020204" pitchFamily="34" charset="0"/>
+                        <a:cs typeface="Arial" panose="020B0604020202020204" pitchFamily="34" charset="0"/>
+                      </a:endParaRPr>
+                    </a:p>
+                  </a:txBody>
+                  <a:tcPr marL="9525" marR="9525" marT="9525" marB="0" anchor="b"/>
+                </a:tc>
+                <a:tc>
+                  <a:txBody>
+                    <a:bodyPr/>
+                    <a:lstStyle/>
+                    <a:p>
+                      <a:pPr algn="ctr" fontAlgn="b"/>
+                      <a:r>
+                        <a:rPr lang="tr-TR" sz="1400" u="none" strike="noStrike" dirty="0">
+                          <a:effectLst/>
+                          <a:latin typeface="Arial" panose="020B0604020202020204" pitchFamily="34" charset="0"/>
+                          <a:cs typeface="Arial" panose="020B0604020202020204" pitchFamily="34" charset="0"/>
+                        </a:rPr>
+                        <a:t>0</a:t>
+                      </a:r>
+                      <a:endParaRPr lang="tr-TR" sz="1400" b="0" i="0" u="none" strike="noStrike" dirty="0">
+                        <a:solidFill>
+                          <a:srgbClr val="000000"/>
+                        </a:solidFill>
+                        <a:effectLst/>
+                        <a:latin typeface="Arial" panose="020B0604020202020204" pitchFamily="34" charset="0"/>
+                        <a:cs typeface="Arial" panose="020B0604020202020204" pitchFamily="34" charset="0"/>
+                      </a:endParaRPr>
+                    </a:p>
+                  </a:txBody>
+                  <a:tcPr marL="9525" marR="9525" marT="9525" marB="0" anchor="b"/>
+                </a:tc>
+                <a:extLst>
+                  <a:ext uri="{0D108BD9-81ED-4DB2-BD59-A6C34878D82A}">
+                    <a16:rowId xmlns:a16="http://schemas.microsoft.com/office/drawing/2014/main" val="692016605"/>
+                  </a:ext>
+                </a:extLst>
+              </a:tr>
+              <a:tr h="239382">
+                <a:tc>
+                  <a:txBody>
+                    <a:bodyPr/>
+                    <a:lstStyle/>
+                    <a:p>
+                      <a:pPr algn="ctr" fontAlgn="b"/>
+                      <a:r>
+                        <a:rPr lang="tr-TR" sz="1400" u="none" strike="noStrike">
+                          <a:effectLst/>
+                          <a:latin typeface="Arial" panose="020B0604020202020204" pitchFamily="34" charset="0"/>
+                          <a:cs typeface="Arial" panose="020B0604020202020204" pitchFamily="34" charset="0"/>
+                        </a:rPr>
+                        <a:t>Other (MW)</a:t>
+                      </a:r>
+                      <a:endParaRPr lang="tr-TR" sz="1400" b="0" i="0" u="none" strike="noStrike">
+                        <a:solidFill>
+                          <a:srgbClr val="000000"/>
+                        </a:solidFill>
+                        <a:effectLst/>
+                        <a:latin typeface="Arial" panose="020B0604020202020204" pitchFamily="34" charset="0"/>
+                        <a:cs typeface="Arial" panose="020B0604020202020204" pitchFamily="34" charset="0"/>
+                      </a:endParaRPr>
+                    </a:p>
+                  </a:txBody>
+                  <a:tcPr marL="9525" marR="9525" marT="9525" marB="0" anchor="b"/>
+                </a:tc>
+                <a:tc>
+                  <a:txBody>
+                    <a:bodyPr/>
+                    <a:lstStyle/>
+                    <a:p>
+                      <a:pPr algn="ctr" fontAlgn="b"/>
+                      <a:r>
+                        <a:rPr lang="tr-TR" sz="1400" u="none" strike="noStrike" dirty="0">
+                          <a:effectLst/>
+                          <a:latin typeface="Arial" panose="020B0604020202020204" pitchFamily="34" charset="0"/>
+                          <a:cs typeface="Arial" panose="020B0604020202020204" pitchFamily="34" charset="0"/>
+                        </a:rPr>
+                        <a:t>21773</a:t>
+                      </a:r>
+                      <a:endParaRPr lang="tr-TR" sz="1400" b="0" i="0" u="none" strike="noStrike" dirty="0">
+                        <a:solidFill>
+                          <a:srgbClr val="000000"/>
+                        </a:solidFill>
+                        <a:effectLst/>
+                        <a:latin typeface="Arial" panose="020B0604020202020204" pitchFamily="34" charset="0"/>
+                        <a:cs typeface="Arial" panose="020B0604020202020204" pitchFamily="34" charset="0"/>
+                      </a:endParaRPr>
+                    </a:p>
+                  </a:txBody>
+                  <a:tcPr marL="9525" marR="9525" marT="9525" marB="0" anchor="b"/>
+                </a:tc>
+                <a:extLst>
+                  <a:ext uri="{0D108BD9-81ED-4DB2-BD59-A6C34878D82A}">
+                    <a16:rowId xmlns:a16="http://schemas.microsoft.com/office/drawing/2014/main" val="1924259441"/>
+                  </a:ext>
+                </a:extLst>
+              </a:tr>
+              <a:tr h="239382">
+                <a:tc>
+                  <a:txBody>
+                    <a:bodyPr/>
+                    <a:lstStyle/>
+                    <a:p>
+                      <a:pPr algn="ctr" fontAlgn="b"/>
+                      <a:r>
+                        <a:rPr lang="tr-TR" sz="1400" b="0" i="0" u="none" strike="noStrike" dirty="0" smtClean="0">
+                          <a:solidFill>
+                            <a:srgbClr val="000000"/>
+                          </a:solidFill>
+                          <a:effectLst/>
+                          <a:latin typeface="Arial" panose="020B0604020202020204" pitchFamily="34" charset="0"/>
+                          <a:cs typeface="Arial" panose="020B0604020202020204" pitchFamily="34" charset="0"/>
+                        </a:rPr>
+                        <a:t>Existing Case</a:t>
+                      </a:r>
+                      <a:endParaRPr lang="tr-TR" sz="1400" b="0" i="0" u="none" strike="noStrike" dirty="0">
+                        <a:solidFill>
+                          <a:srgbClr val="000000"/>
+                        </a:solidFill>
+                        <a:effectLst/>
+                        <a:latin typeface="Arial" panose="020B0604020202020204" pitchFamily="34" charset="0"/>
+                        <a:cs typeface="Arial" panose="020B0604020202020204" pitchFamily="34" charset="0"/>
+                      </a:endParaRPr>
+                    </a:p>
+                  </a:txBody>
+                  <a:tcPr marL="9525" marR="9525" marT="9525" marB="0" anchor="b"/>
+                </a:tc>
+                <a:tc>
+                  <a:txBody>
+                    <a:bodyPr/>
+                    <a:lstStyle/>
+                    <a:p>
+                      <a:pPr algn="ctr" fontAlgn="b"/>
+                      <a:r>
+                        <a:rPr lang="tr-TR" sz="1400" b="0" i="0" u="none" strike="noStrike" dirty="0" smtClean="0">
+                          <a:solidFill>
+                            <a:srgbClr val="000000"/>
+                          </a:solidFill>
+                          <a:effectLst/>
+                          <a:latin typeface="Arial" panose="020B0604020202020204" pitchFamily="34" charset="0"/>
+                          <a:cs typeface="Arial" panose="020B0604020202020204" pitchFamily="34" charset="0"/>
+                        </a:rPr>
+                        <a:t>H=3.97s</a:t>
+                      </a:r>
+                    </a:p>
+                  </a:txBody>
+                  <a:tcPr marL="9525" marR="9525" marT="9525" marB="0" anchor="b"/>
+                </a:tc>
+                <a:extLst>
+                  <a:ext uri="{0D108BD9-81ED-4DB2-BD59-A6C34878D82A}">
+                    <a16:rowId xmlns:a16="http://schemas.microsoft.com/office/drawing/2014/main" val="1229258813"/>
+                  </a:ext>
+                </a:extLst>
+              </a:tr>
+              <a:tr h="239382">
+                <a:tc>
+                  <a:txBody>
+                    <a:bodyPr/>
+                    <a:lstStyle/>
+                    <a:p>
+                      <a:pPr algn="ctr" fontAlgn="b"/>
+                      <a:r>
+                        <a:rPr lang="tr-TR" sz="1400" b="0" i="0" u="none" strike="noStrike" dirty="0" smtClean="0">
+                          <a:solidFill>
+                            <a:srgbClr val="000000"/>
+                          </a:solidFill>
+                          <a:effectLst/>
+                          <a:latin typeface="Arial" panose="020B0604020202020204" pitchFamily="34" charset="0"/>
+                          <a:cs typeface="Arial" panose="020B0604020202020204" pitchFamily="34" charset="0"/>
+                        </a:rPr>
+                        <a:t>With Synthetic</a:t>
+                      </a:r>
+                      <a:r>
+                        <a:rPr lang="tr-TR" sz="1400" b="0" i="0" u="none" strike="noStrike" baseline="0" dirty="0" smtClean="0">
+                          <a:solidFill>
+                            <a:srgbClr val="000000"/>
+                          </a:solidFill>
+                          <a:effectLst/>
+                          <a:latin typeface="Arial" panose="020B0604020202020204" pitchFamily="34" charset="0"/>
+                          <a:cs typeface="Arial" panose="020B0604020202020204" pitchFamily="34" charset="0"/>
+                        </a:rPr>
+                        <a:t> Inertia (H=10)</a:t>
+                      </a:r>
+                      <a:endParaRPr lang="tr-TR" sz="1400" b="0" i="0" u="none" strike="noStrike" dirty="0">
+                        <a:solidFill>
+                          <a:srgbClr val="000000"/>
+                        </a:solidFill>
+                        <a:effectLst/>
+                        <a:latin typeface="Arial" panose="020B0604020202020204" pitchFamily="34" charset="0"/>
+                        <a:cs typeface="Arial" panose="020B0604020202020204" pitchFamily="34" charset="0"/>
+                      </a:endParaRPr>
+                    </a:p>
+                  </a:txBody>
+                  <a:tcPr marL="9525" marR="9525" marT="9525" marB="0" anchor="b"/>
+                </a:tc>
+                <a:tc>
+                  <a:txBody>
+                    <a:bodyPr/>
+                    <a:lstStyle/>
+                    <a:p>
+                      <a:pPr algn="ctr" fontAlgn="b"/>
+                      <a:r>
+                        <a:rPr lang="tr-TR" sz="1400" b="0" i="0" u="none" strike="noStrike" dirty="0" smtClean="0">
+                          <a:solidFill>
+                            <a:srgbClr val="000000"/>
+                          </a:solidFill>
+                          <a:effectLst/>
+                          <a:latin typeface="Arial" panose="020B0604020202020204" pitchFamily="34" charset="0"/>
+                          <a:cs typeface="Arial" panose="020B0604020202020204" pitchFamily="34" charset="0"/>
+                        </a:rPr>
+                        <a:t>H=5.08s</a:t>
+                      </a:r>
+                    </a:p>
+                  </a:txBody>
+                  <a:tcPr marL="9525" marR="9525" marT="9525" marB="0" anchor="b"/>
+                </a:tc>
+                <a:extLst>
+                  <a:ext uri="{0D108BD9-81ED-4DB2-BD59-A6C34878D82A}">
+                    <a16:rowId xmlns:a16="http://schemas.microsoft.com/office/drawing/2014/main" val="1033899237"/>
+                  </a:ext>
+                </a:extLst>
+              </a:tr>
+            </a:tbl>
+          </a:graphicData>
+        </a:graphic>
+      </p:graphicFrame>
+    </p:spTree>
+    <p:extLst>
+      <p:ext uri="{BB962C8B-B14F-4D97-AF65-F5344CB8AC3E}">
+        <p14:creationId xmlns:p14="http://schemas.microsoft.com/office/powerpoint/2010/main" val="1617488484"/>
+      </p:ext>
+    </p:extLst>
+  </p:cSld>
+  <p:clrMapOvr>
+    <a:masterClrMapping/>
+  </p:clrMapOvr>
+  <p:transition/>
+  <p:timing>
+    <p:tnLst>
+      <p:par>
+        <p:cTn id="1" dur="indefinite" restart="never" nodeType="tmRoot"/>
+      </p:par>
+    </p:tnLst>
+  </p:timing>
+</p:sld>
+</file>
+
+<file path=ppt/slides/slide19.xml><?xml version="1.0" encoding="utf-8"?>
+<p:sld xmlns:a="http://schemas.openxmlformats.org/drawingml/2006/main" xmlns:r="http://schemas.openxmlformats.org/officeDocument/2006/relationships" xmlns:p="http://schemas.openxmlformats.org/presentationml/2006/main">
+  <p:cSld>
+    <p:spTree>
+      <p:nvGrpSpPr>
+        <p:cNvPr id="1" name=""/>
+        <p:cNvGrpSpPr/>
+        <p:nvPr/>
+      </p:nvGrpSpPr>
+      <p:grpSpPr>
+        <a:xfrm>
+          <a:off x="0" y="0"/>
+          <a:ext cx="0" cy="0"/>
+          <a:chOff x="0" y="0"/>
+          <a:chExt cx="0" cy="0"/>
+        </a:xfrm>
+      </p:grpSpPr>
+      <p:sp>
+        <p:nvSpPr>
+          <p:cNvPr id="5122" name="Rectangle 2"/>
+          <p:cNvSpPr>
+            <a:spLocks noGrp="1" noChangeArrowheads="1"/>
+          </p:cNvSpPr>
+          <p:nvPr>
+            <p:ph type="title"/>
+          </p:nvPr>
+        </p:nvSpPr>
+        <p:spPr/>
+        <p:txBody>
+          <a:bodyPr/>
+          <a:lstStyle/>
+          <a:p>
+            <a:pPr>
+              <a:defRPr/>
+            </a:pPr>
+            <a:r>
+              <a:rPr lang="tr-TR" dirty="0" smtClean="0">
+                <a:latin typeface="Arial" panose="020B0604020202020204" pitchFamily="34" charset="0"/>
+                <a:cs typeface="Arial" panose="020B0604020202020204" pitchFamily="34" charset="0"/>
+              </a:rPr>
+              <a:t>Economical Perspective</a:t>
+            </a:r>
+            <a:endParaRPr lang="en-US" dirty="0" smtClean="0">
+              <a:latin typeface="Arial" panose="020B0604020202020204" pitchFamily="34" charset="0"/>
+              <a:cs typeface="Arial" panose="020B0604020202020204" pitchFamily="34" charset="0"/>
+            </a:endParaRPr>
+          </a:p>
+        </p:txBody>
+      </p:sp>
+      <p:sp>
+        <p:nvSpPr>
+          <p:cNvPr id="2" name="Date Placeholder 1"/>
+          <p:cNvSpPr>
+            <a:spLocks noGrp="1"/>
+          </p:cNvSpPr>
+          <p:nvPr>
+            <p:ph type="dt" sz="half" idx="2"/>
+          </p:nvPr>
+        </p:nvSpPr>
+        <p:spPr/>
+        <p:txBody>
+          <a:bodyPr/>
+          <a:lstStyle/>
+          <a:p>
+            <a:pPr>
+              <a:defRPr/>
+            </a:pPr>
+            <a:r>
+              <a:rPr lang="tr-TR" smtClean="0"/>
+              <a:t>18.01.2019</a:t>
+            </a:r>
+            <a:endParaRPr lang="en-US" dirty="0"/>
+          </a:p>
+        </p:txBody>
+      </p:sp>
+      <p:sp>
+        <p:nvSpPr>
+          <p:cNvPr id="3" name="Slide Number Placeholder 2"/>
+          <p:cNvSpPr>
+            <a:spLocks noGrp="1"/>
+          </p:cNvSpPr>
+          <p:nvPr>
+            <p:ph type="sldNum" sz="quarter" idx="12"/>
+          </p:nvPr>
+        </p:nvSpPr>
+        <p:spPr/>
+        <p:txBody>
+          <a:bodyPr/>
+          <a:lstStyle/>
+          <a:p>
+            <a:pPr>
+              <a:defRPr/>
+            </a:pPr>
+            <a:fld id="{C878F797-6006-4DDA-AFE9-456F280FE6C5}" type="slidenum">
+              <a:rPr lang="en-US" smtClean="0"/>
+              <a:pPr>
+                <a:defRPr/>
+              </a:pPr>
+              <a:t>19</a:t>
             </a:fld>
             <a:endParaRPr lang="en-US" dirty="0"/>
           </a:p>
@@ -4898,7 +7622,7 @@
 </p:sld>
 </file>
 
-<file path=ppt/slides/slide12.xml><?xml version="1.0" encoding="utf-8"?>
+<file path=ppt/slides/slide2.xml><?xml version="1.0" encoding="utf-8"?>
 <p:sld xmlns:a="http://schemas.openxmlformats.org/drawingml/2006/main" xmlns:r="http://schemas.openxmlformats.org/officeDocument/2006/relationships" xmlns:p="http://schemas.openxmlformats.org/presentationml/2006/main">
   <p:cSld>
     <p:spTree>
@@ -4938,9 +7662,106 @@
                 <a:latin typeface="Arial" panose="020B0604020202020204" pitchFamily="34" charset="0"/>
                 <a:cs typeface="Arial" panose="020B0604020202020204" pitchFamily="34" charset="0"/>
               </a:rPr>
+              <a:t>Agenda</a:t>
+            </a:r>
+            <a:endParaRPr lang="en-US" dirty="0" smtClean="0">
+              <a:latin typeface="Arial" panose="020B0604020202020204" pitchFamily="34" charset="0"/>
+              <a:cs typeface="Arial" panose="020B0604020202020204" pitchFamily="34" charset="0"/>
+            </a:endParaRPr>
+          </a:p>
+        </p:txBody>
+      </p:sp>
+      <p:sp>
+        <p:nvSpPr>
+          <p:cNvPr id="5123" name="Rectangle 3"/>
+          <p:cNvSpPr>
+            <a:spLocks noGrp="1" noChangeArrowheads="1"/>
+          </p:cNvSpPr>
+          <p:nvPr>
+            <p:ph idx="1"/>
+          </p:nvPr>
+        </p:nvSpPr>
+        <p:spPr>
+          <a:xfrm>
+            <a:off x="457198" y="1700808"/>
+            <a:ext cx="8229601" cy="4114800"/>
+          </a:xfrm>
+        </p:spPr>
+        <p:txBody>
+          <a:bodyPr/>
+          <a:lstStyle/>
+          <a:p>
+            <a:pPr lvl="1">
+              <a:defRPr/>
+            </a:pPr>
+            <a:r>
+              <a:rPr lang="tr-TR" sz="2400" dirty="0" smtClean="0">
+                <a:latin typeface="Arial" panose="020B0604020202020204" pitchFamily="34" charset="0"/>
+                <a:cs typeface="Arial" panose="020B0604020202020204" pitchFamily="34" charset="0"/>
+              </a:rPr>
+              <a:t>Problem Definition: Renewable Energy Problems</a:t>
+            </a:r>
+          </a:p>
+          <a:p>
+            <a:pPr lvl="1">
+              <a:defRPr/>
+            </a:pPr>
+            <a:r>
+              <a:rPr lang="tr-TR" sz="2400" dirty="0" smtClean="0">
+                <a:latin typeface="Arial" panose="020B0604020202020204" pitchFamily="34" charset="0"/>
+                <a:cs typeface="Arial" panose="020B0604020202020204" pitchFamily="34" charset="0"/>
+              </a:rPr>
+              <a:t>Grid Inertia, Frequency and Inertial Support</a:t>
+            </a:r>
+          </a:p>
+          <a:p>
+            <a:pPr lvl="1">
+              <a:defRPr/>
+            </a:pPr>
+            <a:r>
+              <a:rPr lang="tr-TR" sz="2400" dirty="0" smtClean="0">
+                <a:latin typeface="Arial" panose="020B0604020202020204" pitchFamily="34" charset="0"/>
+                <a:cs typeface="Arial" panose="020B0604020202020204" pitchFamily="34" charset="0"/>
+              </a:rPr>
+              <a:t>Wind Turbine Modelling</a:t>
+            </a:r>
+          </a:p>
+          <a:p>
+            <a:pPr lvl="1">
+              <a:defRPr/>
+            </a:pPr>
+            <a:r>
+              <a:rPr lang="tr-TR" sz="2400" dirty="0" smtClean="0">
+                <a:latin typeface="Arial" panose="020B0604020202020204" pitchFamily="34" charset="0"/>
+                <a:cs typeface="Arial" panose="020B0604020202020204" pitchFamily="34" charset="0"/>
+              </a:rPr>
+              <a:t>Fast Inertial Support</a:t>
+            </a:r>
+          </a:p>
+          <a:p>
+            <a:pPr lvl="1">
+              <a:defRPr/>
+            </a:pPr>
+            <a:r>
+              <a:rPr lang="tr-TR" sz="2400" dirty="0" smtClean="0">
+                <a:latin typeface="Arial" panose="020B0604020202020204" pitchFamily="34" charset="0"/>
+                <a:cs typeface="Arial" panose="020B0604020202020204" pitchFamily="34" charset="0"/>
+              </a:rPr>
+              <a:t>Synthetic Inertia Support</a:t>
+            </a:r>
+          </a:p>
+          <a:p>
+            <a:pPr lvl="1">
+              <a:defRPr/>
+            </a:pPr>
+            <a:r>
+              <a:rPr lang="tr-TR" sz="2400" dirty="0" smtClean="0">
+                <a:latin typeface="Arial" panose="020B0604020202020204" pitchFamily="34" charset="0"/>
+                <a:cs typeface="Arial" panose="020B0604020202020204" pitchFamily="34" charset="0"/>
+              </a:rPr>
               <a:t>Economical Perspective</a:t>
             </a:r>
-            <a:endParaRPr lang="en-US" dirty="0" smtClean="0">
+            <a:endParaRPr lang="en-US" sz="2400" dirty="0" smtClean="0">
               <a:latin typeface="Arial" panose="020B0604020202020204" pitchFamily="34" charset="0"/>
               <a:cs typeface="Arial" panose="020B0604020202020204" pitchFamily="34" charset="0"/>
             </a:endParaRPr>
@@ -4996,7 +7817,127 @@
               <a:pPr>
                 <a:defRPr/>
               </a:pPr>
-              <a:t>12</a:t>
+              <a:t>2</a:t>
+            </a:fld>
+            <a:endParaRPr lang="en-US" dirty="0"/>
+          </a:p>
+        </p:txBody>
+      </p:sp>
+    </p:spTree>
+  </p:cSld>
+  <p:clrMapOvr>
+    <a:masterClrMapping/>
+  </p:clrMapOvr>
+  <p:transition/>
+  <p:timing>
+    <p:tnLst>
+      <p:par>
+        <p:cTn id="1" dur="indefinite" restart="never" nodeType="tmRoot"/>
+      </p:par>
+    </p:tnLst>
+  </p:timing>
+</p:sld>
+</file>
+
+<file path=ppt/slides/slide20.xml><?xml version="1.0" encoding="utf-8"?>
+<p:sld xmlns:a="http://schemas.openxmlformats.org/drawingml/2006/main" xmlns:r="http://schemas.openxmlformats.org/officeDocument/2006/relationships" xmlns:p="http://schemas.openxmlformats.org/presentationml/2006/main">
+  <p:cSld>
+    <p:spTree>
+      <p:nvGrpSpPr>
+        <p:cNvPr id="1" name=""/>
+        <p:cNvGrpSpPr/>
+        <p:nvPr/>
+      </p:nvGrpSpPr>
+      <p:grpSpPr>
+        <a:xfrm>
+          <a:off x="0" y="0"/>
+          <a:ext cx="0" cy="0"/>
+          <a:chOff x="0" y="0"/>
+          <a:chExt cx="0" cy="0"/>
+        </a:xfrm>
+      </p:grpSpPr>
+      <p:sp>
+        <p:nvSpPr>
+          <p:cNvPr id="5122" name="Rectangle 2"/>
+          <p:cNvSpPr>
+            <a:spLocks noGrp="1" noChangeArrowheads="1"/>
+          </p:cNvSpPr>
+          <p:nvPr>
+            <p:ph type="title"/>
+          </p:nvPr>
+        </p:nvSpPr>
+        <p:spPr/>
+        <p:txBody>
+          <a:bodyPr/>
+          <a:lstStyle/>
+          <a:p>
+            <a:pPr>
+              <a:defRPr/>
+            </a:pPr>
+            <a:r>
+              <a:rPr lang="tr-TR" dirty="0" smtClean="0">
+                <a:latin typeface="Arial" panose="020B0604020202020204" pitchFamily="34" charset="0"/>
+                <a:cs typeface="Arial" panose="020B0604020202020204" pitchFamily="34" charset="0"/>
+              </a:rPr>
+              <a:t>Economical Perspective</a:t>
+            </a:r>
+            <a:endParaRPr lang="en-US" dirty="0" smtClean="0">
+              <a:latin typeface="Arial" panose="020B0604020202020204" pitchFamily="34" charset="0"/>
+              <a:cs typeface="Arial" panose="020B0604020202020204" pitchFamily="34" charset="0"/>
+            </a:endParaRPr>
+          </a:p>
+        </p:txBody>
+      </p:sp>
+      <p:sp>
+        <p:nvSpPr>
+          <p:cNvPr id="2" name="Date Placeholder 1"/>
+          <p:cNvSpPr>
+            <a:spLocks noGrp="1"/>
+          </p:cNvSpPr>
+          <p:nvPr>
+            <p:ph type="dt" sz="half" idx="2"/>
+          </p:nvPr>
+        </p:nvSpPr>
+        <p:spPr/>
+        <p:txBody>
+          <a:bodyPr/>
+          <a:lstStyle/>
+          <a:p>
+            <a:pPr>
+              <a:defRPr/>
+            </a:pPr>
+            <a:r>
+              <a:rPr lang="tr-TR" smtClean="0"/>
+              <a:t>18.01.2019</a:t>
+            </a:r>
+            <a:endParaRPr lang="en-US" dirty="0"/>
+          </a:p>
+        </p:txBody>
+      </p:sp>
+      <p:sp>
+        <p:nvSpPr>
+          <p:cNvPr id="3" name="Slide Number Placeholder 2"/>
+          <p:cNvSpPr>
+            <a:spLocks noGrp="1"/>
+          </p:cNvSpPr>
+          <p:nvPr>
+            <p:ph type="sldNum" sz="quarter" idx="12"/>
+          </p:nvPr>
+        </p:nvSpPr>
+        <p:spPr/>
+        <p:txBody>
+          <a:bodyPr/>
+          <a:lstStyle/>
+          <a:p>
+            <a:pPr>
+              <a:defRPr/>
+            </a:pPr>
+            <a:fld id="{C878F797-6006-4DDA-AFE9-456F280FE6C5}" type="slidenum">
+              <a:rPr lang="en-US" smtClean="0"/>
+              <a:pPr>
+                <a:defRPr/>
+              </a:pPr>
+              <a:t>20</a:t>
             </a:fld>
             <a:endParaRPr lang="en-US" dirty="0"/>
           </a:p>
@@ -5120,7 +8061,7 @@
 </p:sld>
 </file>
 
-<file path=ppt/slides/slide13.xml><?xml version="1.0" encoding="utf-8"?>
+<file path=ppt/slides/slide21.xml><?xml version="1.0" encoding="utf-8"?>
 <p:sld xmlns:a="http://schemas.openxmlformats.org/drawingml/2006/main" xmlns:r="http://schemas.openxmlformats.org/officeDocument/2006/relationships" xmlns:p="http://schemas.openxmlformats.org/presentationml/2006/main">
   <p:cSld>
     <p:spTree>
@@ -5218,7 +8159,7 @@
               <a:pPr>
                 <a:defRPr/>
               </a:pPr>
-              <a:t>13</a:t>
+              <a:t>21</a:t>
             </a:fld>
             <a:endParaRPr lang="en-US" dirty="0"/>
           </a:p>
@@ -5252,223 +8193,6 @@
         <p14:creationId xmlns:p14="http://schemas.microsoft.com/office/powerpoint/2010/main" val="2845534785"/>
       </p:ext>
     </p:extLst>
-  </p:cSld>
-  <p:clrMapOvr>
-    <a:masterClrMapping/>
-  </p:clrMapOvr>
-  <p:transition/>
-  <p:timing>
-    <p:tnLst>
-      <p:par>
-        <p:cTn id="1" dur="indefinite" restart="never" nodeType="tmRoot"/>
-      </p:par>
-    </p:tnLst>
-  </p:timing>
-</p:sld>
-</file>
-
-<file path=ppt/slides/slide2.xml><?xml version="1.0" encoding="utf-8"?>
-<p:sld xmlns:a="http://schemas.openxmlformats.org/drawingml/2006/main" xmlns:r="http://schemas.openxmlformats.org/officeDocument/2006/relationships" xmlns:p="http://schemas.openxmlformats.org/presentationml/2006/main">
-  <p:cSld>
-    <p:spTree>
-      <p:nvGrpSpPr>
-        <p:cNvPr id="1" name=""/>
-        <p:cNvGrpSpPr/>
-        <p:nvPr/>
-      </p:nvGrpSpPr>
-      <p:grpSpPr>
-        <a:xfrm>
-          <a:off x="0" y="0"/>
-          <a:ext cx="0" cy="0"/>
-          <a:chOff x="0" y="0"/>
-          <a:chExt cx="0" cy="0"/>
-        </a:xfrm>
-      </p:grpSpPr>
-      <p:sp>
-        <p:nvSpPr>
-          <p:cNvPr id="5122" name="Rectangle 2"/>
-          <p:cNvSpPr>
-            <a:spLocks noGrp="1" noChangeArrowheads="1"/>
-          </p:cNvSpPr>
-          <p:nvPr>
-            <p:ph type="title"/>
-          </p:nvPr>
-        </p:nvSpPr>
-        <p:spPr/>
-        <p:txBody>
-          <a:bodyPr/>
-          <a:lstStyle/>
-          <a:p>
-            <a:pPr>
-              <a:defRPr/>
-            </a:pPr>
-            <a:r>
-              <a:rPr lang="tr-TR" dirty="0" smtClean="0">
-                <a:latin typeface="Arial" panose="020B0604020202020204" pitchFamily="34" charset="0"/>
-                <a:cs typeface="Arial" panose="020B0604020202020204" pitchFamily="34" charset="0"/>
-              </a:rPr>
-              <a:t>Agenda</a:t>
-            </a:r>
-            <a:endParaRPr lang="en-US" dirty="0" smtClean="0">
-              <a:latin typeface="Arial" panose="020B0604020202020204" pitchFamily="34" charset="0"/>
-              <a:cs typeface="Arial" panose="020B0604020202020204" pitchFamily="34" charset="0"/>
-            </a:endParaRPr>
-          </a:p>
-        </p:txBody>
-      </p:sp>
-      <p:sp>
-        <p:nvSpPr>
-          <p:cNvPr id="5123" name="Rectangle 3"/>
-          <p:cNvSpPr>
-            <a:spLocks noGrp="1" noChangeArrowheads="1"/>
-          </p:cNvSpPr>
-          <p:nvPr>
-            <p:ph idx="1"/>
-          </p:nvPr>
-        </p:nvSpPr>
-        <p:spPr>
-          <a:xfrm>
-            <a:off x="457198" y="1700808"/>
-            <a:ext cx="8229601" cy="4114800"/>
-          </a:xfrm>
-        </p:spPr>
-        <p:txBody>
-          <a:bodyPr/>
-          <a:lstStyle/>
-          <a:p>
-            <a:pPr lvl="1">
-              <a:defRPr/>
-            </a:pPr>
-            <a:r>
-              <a:rPr lang="tr-TR" sz="2400" dirty="0" smtClean="0">
-                <a:latin typeface="Arial" panose="020B0604020202020204" pitchFamily="34" charset="0"/>
-                <a:cs typeface="Arial" panose="020B0604020202020204" pitchFamily="34" charset="0"/>
-              </a:rPr>
-              <a:t>Problem Definition: Renewable Energy Problems</a:t>
-            </a:r>
-          </a:p>
-          <a:p>
-            <a:pPr lvl="1">
-              <a:defRPr/>
-            </a:pPr>
-            <a:r>
-              <a:rPr lang="tr-TR" sz="2400" dirty="0" smtClean="0">
-                <a:latin typeface="Arial" panose="020B0604020202020204" pitchFamily="34" charset="0"/>
-                <a:cs typeface="Arial" panose="020B0604020202020204" pitchFamily="34" charset="0"/>
-              </a:rPr>
-              <a:t>Grid Inertia, Frequency and Inertial Support</a:t>
-            </a:r>
-          </a:p>
-          <a:p>
-            <a:pPr lvl="1">
-              <a:defRPr/>
-            </a:pPr>
-            <a:r>
-              <a:rPr lang="tr-TR" sz="2400" dirty="0" smtClean="0">
-                <a:latin typeface="Arial" panose="020B0604020202020204" pitchFamily="34" charset="0"/>
-                <a:cs typeface="Arial" panose="020B0604020202020204" pitchFamily="34" charset="0"/>
-              </a:rPr>
-              <a:t>Wind Turbine Modelling</a:t>
-            </a:r>
-          </a:p>
-          <a:p>
-            <a:pPr lvl="1">
-              <a:defRPr/>
-            </a:pPr>
-            <a:r>
-              <a:rPr lang="tr-TR" sz="2400" dirty="0" smtClean="0">
-                <a:latin typeface="Arial" panose="020B0604020202020204" pitchFamily="34" charset="0"/>
-                <a:cs typeface="Arial" panose="020B0604020202020204" pitchFamily="34" charset="0"/>
-              </a:rPr>
-              <a:t>Fast Inertial Support</a:t>
-            </a:r>
-          </a:p>
-          <a:p>
-            <a:pPr lvl="1">
-              <a:defRPr/>
-            </a:pPr>
-            <a:r>
-              <a:rPr lang="tr-TR" sz="2400" dirty="0" smtClean="0">
-                <a:latin typeface="Arial" panose="020B0604020202020204" pitchFamily="34" charset="0"/>
-                <a:cs typeface="Arial" panose="020B0604020202020204" pitchFamily="34" charset="0"/>
-              </a:rPr>
-              <a:t>Synthetic Inertia Support</a:t>
-            </a:r>
-          </a:p>
-          <a:p>
-            <a:pPr lvl="1">
-              <a:defRPr/>
-            </a:pPr>
-            <a:r>
-              <a:rPr lang="tr-TR" sz="2400" dirty="0" smtClean="0">
-                <a:latin typeface="Arial" panose="020B0604020202020204" pitchFamily="34" charset="0"/>
-                <a:cs typeface="Arial" panose="020B0604020202020204" pitchFamily="34" charset="0"/>
-              </a:rPr>
-              <a:t>Economical Perspective</a:t>
-            </a:r>
-            <a:endParaRPr lang="en-US" sz="2400" dirty="0" smtClean="0">
-              <a:latin typeface="Arial" panose="020B0604020202020204" pitchFamily="34" charset="0"/>
-              <a:cs typeface="Arial" panose="020B0604020202020204" pitchFamily="34" charset="0"/>
-            </a:endParaRPr>
-          </a:p>
-        </p:txBody>
-      </p:sp>
-      <p:sp>
-        <p:nvSpPr>
-          <p:cNvPr id="2" name="Date Placeholder 1"/>
-          <p:cNvSpPr>
-            <a:spLocks noGrp="1"/>
-          </p:cNvSpPr>
-          <p:nvPr>
-            <p:ph type="dt" sz="half" idx="2"/>
-          </p:nvPr>
-        </p:nvSpPr>
-        <p:spPr/>
-        <p:txBody>
-          <a:bodyPr/>
-          <a:lstStyle/>
-          <a:p>
-            <a:pPr>
-              <a:defRPr/>
-            </a:pPr>
-            <a:r>
-              <a:rPr lang="tr-TR" smtClean="0"/>
-              <a:t>18.01.2019</a:t>
-            </a:r>
-            <a:endParaRPr lang="en-US" dirty="0"/>
-          </a:p>
-        </p:txBody>
-      </p:sp>
-      <p:sp>
-        <p:nvSpPr>
-          <p:cNvPr id="3" name="Slide Number Placeholder 2"/>
-          <p:cNvSpPr>
-            <a:spLocks noGrp="1"/>
-          </p:cNvSpPr>
-          <p:nvPr>
-            <p:ph type="sldNum" sz="quarter" idx="12"/>
-          </p:nvPr>
-        </p:nvSpPr>
-        <p:spPr/>
-        <p:txBody>
-          <a:bodyPr/>
-          <a:lstStyle/>
-          <a:p>
-            <a:pPr>
-              <a:defRPr/>
-            </a:pPr>
-            <a:fld id="{C878F797-6006-4DDA-AFE9-456F280FE6C5}" type="slidenum">
-              <a:rPr lang="en-US" smtClean="0"/>
-              <a:pPr>
-                <a:defRPr/>
-              </a:pPr>
-              <a:t>2</a:t>
-            </a:fld>
-            <a:endParaRPr lang="en-US" dirty="0"/>
-          </a:p>
-        </p:txBody>
-      </p:sp>
-    </p:spTree>
   </p:cSld>
   <p:clrMapOvr>
     <a:masterClrMapping/>
@@ -5556,7 +8280,126 @@
             <a:pPr lvl="1">
               <a:defRPr/>
             </a:pPr>
-            <a:endParaRPr lang="en-US" sz="2000" dirty="0" smtClean="0">
+            <a:r>
+              <a:rPr lang="tr-TR" sz="2000" dirty="0" smtClean="0">
+                <a:latin typeface="Arial" panose="020B0604020202020204" pitchFamily="34" charset="0"/>
+                <a:cs typeface="Arial" panose="020B0604020202020204" pitchFamily="34" charset="0"/>
+              </a:rPr>
+              <a:t>Benefits:</a:t>
+            </a:r>
+          </a:p>
+          <a:p>
+            <a:pPr marL="457200" lvl="2" indent="0">
+              <a:buNone/>
+              <a:defRPr/>
+            </a:pPr>
+            <a:r>
+              <a:rPr lang="tr-TR" sz="2000" dirty="0" smtClean="0">
+                <a:latin typeface="Arial" panose="020B0604020202020204" pitchFamily="34" charset="0"/>
+                <a:cs typeface="Arial" panose="020B0604020202020204" pitchFamily="34" charset="0"/>
+              </a:rPr>
+              <a:t>Renewable Energy Reduces</a:t>
+            </a:r>
+            <a:r>
+              <a:rPr lang="tr-TR" sz="2000" dirty="0">
+                <a:latin typeface="Arial" panose="020B0604020202020204" pitchFamily="34" charset="0"/>
+                <a:cs typeface="Arial" panose="020B0604020202020204" pitchFamily="34" charset="0"/>
+              </a:rPr>
+              <a:t>: </a:t>
+            </a:r>
+          </a:p>
+          <a:p>
+            <a:pPr lvl="3">
+              <a:defRPr/>
+            </a:pPr>
+            <a:r>
+              <a:rPr lang="tr-TR" sz="2000" dirty="0">
+                <a:latin typeface="Arial" panose="020B0604020202020204" pitchFamily="34" charset="0"/>
+                <a:cs typeface="Arial" panose="020B0604020202020204" pitchFamily="34" charset="0"/>
+              </a:rPr>
+              <a:t>Fossil Fuel Usage</a:t>
+            </a:r>
+          </a:p>
+          <a:p>
+            <a:pPr lvl="3">
+              <a:defRPr/>
+            </a:pPr>
+            <a:r>
+              <a:rPr lang="tr-TR" sz="2000" dirty="0">
+                <a:latin typeface="Arial" panose="020B0604020202020204" pitchFamily="34" charset="0"/>
+                <a:cs typeface="Arial" panose="020B0604020202020204" pitchFamily="34" charset="0"/>
+              </a:rPr>
+              <a:t>CO</a:t>
+            </a:r>
+            <a:r>
+              <a:rPr lang="tr-TR" sz="2000" baseline="-25000" dirty="0">
+                <a:latin typeface="Arial" panose="020B0604020202020204" pitchFamily="34" charset="0"/>
+                <a:cs typeface="Arial" panose="020B0604020202020204" pitchFamily="34" charset="0"/>
+              </a:rPr>
+              <a:t>2</a:t>
+            </a:r>
+            <a:r>
+              <a:rPr lang="tr-TR" sz="2000" dirty="0">
+                <a:latin typeface="Arial" panose="020B0604020202020204" pitchFamily="34" charset="0"/>
+                <a:cs typeface="Arial" panose="020B0604020202020204" pitchFamily="34" charset="0"/>
+              </a:rPr>
+              <a:t> Emission</a:t>
+            </a:r>
+          </a:p>
+          <a:p>
+            <a:pPr lvl="1">
+              <a:defRPr/>
+            </a:pPr>
+            <a:endParaRPr lang="tr-TR" sz="2000" dirty="0" smtClean="0">
+              <a:latin typeface="Arial" panose="020B0604020202020204" pitchFamily="34" charset="0"/>
+              <a:cs typeface="Arial" panose="020B0604020202020204" pitchFamily="34" charset="0"/>
+            </a:endParaRPr>
+          </a:p>
+          <a:p>
+            <a:pPr lvl="1">
+              <a:defRPr/>
+            </a:pPr>
+            <a:r>
+              <a:rPr lang="tr-TR" sz="2000" dirty="0" smtClean="0">
+                <a:latin typeface="Arial" panose="020B0604020202020204" pitchFamily="34" charset="0"/>
+                <a:cs typeface="Arial" panose="020B0604020202020204" pitchFamily="34" charset="0"/>
+              </a:rPr>
+              <a:t>Challanges:</a:t>
+            </a:r>
+          </a:p>
+          <a:p>
+            <a:pPr lvl="2">
+              <a:defRPr/>
+            </a:pPr>
+            <a:r>
+              <a:rPr lang="tr-TR" sz="2000" dirty="0" smtClean="0">
+                <a:latin typeface="Arial" panose="020B0604020202020204" pitchFamily="34" charset="0"/>
+                <a:cs typeface="Arial" panose="020B0604020202020204" pitchFamily="34" charset="0"/>
+              </a:rPr>
+              <a:t>Operational Problems:</a:t>
+            </a:r>
+          </a:p>
+          <a:p>
+            <a:pPr lvl="2">
+              <a:defRPr/>
+            </a:pPr>
+            <a:endParaRPr lang="tr-TR" sz="2000" dirty="0">
+              <a:latin typeface="Arial" panose="020B0604020202020204" pitchFamily="34" charset="0"/>
+              <a:cs typeface="Arial" panose="020B0604020202020204" pitchFamily="34" charset="0"/>
+            </a:endParaRPr>
+          </a:p>
+          <a:p>
+            <a:pPr lvl="2">
+              <a:defRPr/>
+            </a:pPr>
+            <a:r>
+              <a:rPr lang="tr-TR" sz="2000" dirty="0" smtClean="0">
+                <a:latin typeface="Arial" panose="020B0604020202020204" pitchFamily="34" charset="0"/>
+                <a:cs typeface="Arial" panose="020B0604020202020204" pitchFamily="34" charset="0"/>
+              </a:rPr>
+              <a:t>Grid Inertia</a:t>
+            </a:r>
+            <a:endParaRPr lang="tr-TR" sz="2000" dirty="0" smtClean="0">
               <a:latin typeface="Arial" panose="020B0604020202020204" pitchFamily="34" charset="0"/>
               <a:cs typeface="Arial" panose="020B0604020202020204" pitchFamily="34" charset="0"/>
             </a:endParaRPr>
@@ -5679,7 +8522,7 @@
                 <a:latin typeface="Arial" panose="020B0604020202020204" pitchFamily="34" charset="0"/>
                 <a:cs typeface="Arial" panose="020B0604020202020204" pitchFamily="34" charset="0"/>
               </a:rPr>
-              <a:t>Renewable Energy Problems</a:t>
+              <a:t>Synchronous Generator</a:t>
             </a:r>
             <a:endParaRPr lang="en-US" dirty="0" smtClean="0">
               <a:latin typeface="Arial" panose="020B0604020202020204" pitchFamily="34" charset="0"/>
@@ -5743,29 +8586,494 @@
           </a:p>
         </p:txBody>
       </p:sp>
-      <p:sp>
-        <p:nvSpPr>
-          <p:cNvPr id="4" name="Content Placeholder 3"/>
-          <p:cNvSpPr>
-            <a:spLocks noGrp="1"/>
-          </p:cNvSpPr>
+      <p:pic>
+        <p:nvPicPr>
+          <p:cNvPr id="6" name="Content Placeholder 5"/>
+          <p:cNvPicPr>
+            <a:picLocks noGrp="1" noChangeAspect="1"/>
+          </p:cNvPicPr>
           <p:nvPr>
             <p:ph idx="1"/>
           </p:nvPr>
-        </p:nvSpPr>
-        <p:spPr/>
-        <p:txBody>
-          <a:bodyPr/>
-          <a:lstStyle/>
-          <a:p>
-            <a:endParaRPr lang="tr-TR" dirty="0"/>
-          </a:p>
-        </p:txBody>
-      </p:sp>
+        </p:nvPicPr>
+        <p:blipFill>
+          <a:blip r:embed="rId3">
+            <a:extLst>
+              <a:ext uri="{28A0092B-C50C-407E-A947-70E740481C1C}">
+                <a14:useLocalDpi xmlns:a14="http://schemas.microsoft.com/office/drawing/2010/main" val="0"/>
+              </a:ext>
+            </a:extLst>
+          </a:blip>
+          <a:stretch>
+            <a:fillRect/>
+          </a:stretch>
+        </p:blipFill>
+        <p:spPr>
+          <a:xfrm>
+            <a:off x="4722440" y="1556792"/>
+            <a:ext cx="3810000" cy="3971925"/>
+          </a:xfrm>
+        </p:spPr>
+      </p:pic>
+      <mc:AlternateContent xmlns:mc="http://schemas.openxmlformats.org/markup-compatibility/2006">
+        <mc:Choice xmlns:a14="http://schemas.microsoft.com/office/drawing/2010/main" Requires="a14">
+          <p:sp>
+            <p:nvSpPr>
+              <p:cNvPr id="10" name="TextBox 9"/>
+              <p:cNvSpPr txBox="1"/>
+              <p:nvPr/>
+            </p:nvSpPr>
+            <p:spPr>
+              <a:xfrm>
+                <a:off x="1377329" y="1742390"/>
+                <a:ext cx="2160240" cy="856709"/>
+              </a:xfrm>
+              <a:prstGeom prst="rect">
+                <a:avLst/>
+              </a:prstGeom>
+              <a:noFill/>
+            </p:spPr>
+            <p:txBody>
+              <a:bodyPr wrap="square" rtlCol="0">
+                <a:spAutoFit/>
+              </a:bodyPr>
+              <a:lstStyle/>
+              <a:p>
+                <a14:m>
+                  <m:oMathPara xmlns:m="http://schemas.openxmlformats.org/officeDocument/2006/math">
+                    <m:oMathParaPr>
+                      <m:jc m:val="centerGroup"/>
+                    </m:oMathParaPr>
+                    <m:oMath xmlns:m="http://schemas.openxmlformats.org/officeDocument/2006/math">
+                      <m:sSub>
+                        <m:sSubPr>
+                          <m:ctrlPr>
+                            <a:rPr lang="tr-TR" b="0" i="1" smtClean="0">
+                              <a:latin typeface="Cambria Math" panose="02040503050406030204" pitchFamily="18" charset="0"/>
+                            </a:rPr>
+                          </m:ctrlPr>
+                        </m:sSubPr>
+                        <m:e>
+                          <m:r>
+                            <a:rPr lang="tr-TR" b="0" i="1" smtClean="0">
+                              <a:latin typeface="Cambria Math" panose="02040503050406030204" pitchFamily="18" charset="0"/>
+                            </a:rPr>
+                            <m:t>𝑛</m:t>
+                          </m:r>
+                        </m:e>
+                        <m:sub>
+                          <m:r>
+                            <a:rPr lang="tr-TR" b="0" i="1" smtClean="0">
+                              <a:latin typeface="Cambria Math" panose="02040503050406030204" pitchFamily="18" charset="0"/>
+                            </a:rPr>
+                            <m:t>𝑠</m:t>
+                          </m:r>
+                        </m:sub>
+                      </m:sSub>
+                      <m:r>
+                        <a:rPr lang="tr-TR" b="0" i="1" smtClean="0">
+                          <a:latin typeface="Cambria Math" panose="02040503050406030204" pitchFamily="18" charset="0"/>
+                        </a:rPr>
+                        <m:t>=</m:t>
+                      </m:r>
+                      <m:f>
+                        <m:fPr>
+                          <m:ctrlPr>
+                            <a:rPr lang="tr-TR" i="1" smtClean="0">
+                              <a:latin typeface="Cambria Math" panose="02040503050406030204" pitchFamily="18" charset="0"/>
+                            </a:rPr>
+                          </m:ctrlPr>
+                        </m:fPr>
+                        <m:num>
+                          <m:r>
+                            <a:rPr lang="tr-TR" b="0" i="1" smtClean="0">
+                              <a:latin typeface="Cambria Math" panose="02040503050406030204" pitchFamily="18" charset="0"/>
+                            </a:rPr>
+                            <m:t>120</m:t>
+                          </m:r>
+                          <m:r>
+                            <a:rPr lang="tr-TR" b="0" i="1" smtClean="0">
+                              <a:latin typeface="Cambria Math" panose="02040503050406030204" pitchFamily="18" charset="0"/>
+                            </a:rPr>
+                            <m:t>𝑓</m:t>
+                          </m:r>
+                        </m:num>
+                        <m:den>
+                          <m:r>
+                            <a:rPr lang="tr-TR" b="0" i="1" smtClean="0">
+                              <a:latin typeface="Cambria Math" panose="02040503050406030204" pitchFamily="18" charset="0"/>
+                            </a:rPr>
+                            <m:t>𝑝</m:t>
+                          </m:r>
+                        </m:den>
+                      </m:f>
+                    </m:oMath>
+                  </m:oMathPara>
+                </a14:m>
+                <a:endParaRPr lang="tr-TR" dirty="0"/>
+              </a:p>
+            </p:txBody>
+          </p:sp>
+        </mc:Choice>
+        <mc:Fallback>
+          <p:sp>
+            <p:nvSpPr>
+              <p:cNvPr id="10" name="TextBox 9"/>
+              <p:cNvSpPr txBox="1">
+                <a:spLocks noRot="1" noChangeAspect="1" noMove="1" noResize="1" noEditPoints="1" noAdjustHandles="1" noChangeArrowheads="1" noChangeShapeType="1" noTextEdit="1"/>
+              </p:cNvSpPr>
+              <p:nvPr/>
+            </p:nvSpPr>
+            <p:spPr>
+              <a:xfrm>
+                <a:off x="1377329" y="1742390"/>
+                <a:ext cx="2160240" cy="856709"/>
+              </a:xfrm>
+              <a:prstGeom prst="rect">
+                <a:avLst/>
+              </a:prstGeom>
+              <a:blipFill>
+                <a:blip r:embed="rId4"/>
+                <a:stretch>
+                  <a:fillRect/>
+                </a:stretch>
+              </a:blipFill>
+            </p:spPr>
+            <p:txBody>
+              <a:bodyPr/>
+              <a:lstStyle/>
+              <a:p>
+                <a:r>
+                  <a:rPr lang="tr-TR">
+                    <a:noFill/>
+                  </a:rPr>
+                  <a:t> </a:t>
+                </a:r>
+              </a:p>
+            </p:txBody>
+          </p:sp>
+        </mc:Fallback>
+      </mc:AlternateContent>
+      <mc:AlternateContent xmlns:mc="http://schemas.openxmlformats.org/markup-compatibility/2006">
+        <mc:Choice xmlns:a14="http://schemas.microsoft.com/office/drawing/2010/main" Requires="a14">
+          <p:sp>
+            <p:nvSpPr>
+              <p:cNvPr id="7" name="TextBox 6"/>
+              <p:cNvSpPr txBox="1"/>
+              <p:nvPr/>
+            </p:nvSpPr>
+            <p:spPr>
+              <a:xfrm>
+                <a:off x="642391" y="2860169"/>
+                <a:ext cx="3630116" cy="793551"/>
+              </a:xfrm>
+              <a:prstGeom prst="rect">
+                <a:avLst/>
+              </a:prstGeom>
+              <a:noFill/>
+            </p:spPr>
+            <p:txBody>
+              <a:bodyPr wrap="square" rtlCol="0">
+                <a:spAutoFit/>
+              </a:bodyPr>
+              <a:lstStyle/>
+              <a:p>
+                <a14:m>
+                  <m:oMathPara xmlns:m="http://schemas.openxmlformats.org/officeDocument/2006/math">
+                    <m:oMathParaPr>
+                      <m:jc m:val="centerGroup"/>
+                    </m:oMathParaPr>
+                    <m:oMath xmlns:m="http://schemas.openxmlformats.org/officeDocument/2006/math">
+                      <m:sSub>
+                        <m:sSubPr>
+                          <m:ctrlPr>
+                            <a:rPr lang="tr-TR" i="1" smtClean="0">
+                              <a:latin typeface="Cambria Math" panose="02040503050406030204" pitchFamily="18" charset="0"/>
+                            </a:rPr>
+                          </m:ctrlPr>
+                        </m:sSubPr>
+                        <m:e>
+                          <m:r>
+                            <a:rPr lang="tr-TR" i="1">
+                              <a:latin typeface="Cambria Math" panose="02040503050406030204" pitchFamily="18" charset="0"/>
+                            </a:rPr>
+                            <m:t>𝑇</m:t>
+                          </m:r>
+                        </m:e>
+                        <m:sub>
+                          <m:r>
+                            <a:rPr lang="tr-TR" b="0" i="1" smtClean="0">
+                              <a:latin typeface="Cambria Math" panose="02040503050406030204" pitchFamily="18" charset="0"/>
+                            </a:rPr>
+                            <m:t>𝑚</m:t>
+                          </m:r>
+                        </m:sub>
+                      </m:sSub>
+                      <m:r>
+                        <a:rPr lang="tr-TR" b="0" i="1" smtClean="0">
+                          <a:latin typeface="Cambria Math" panose="02040503050406030204" pitchFamily="18" charset="0"/>
+                        </a:rPr>
+                        <m:t>−</m:t>
+                      </m:r>
+                      <m:sSub>
+                        <m:sSubPr>
+                          <m:ctrlPr>
+                            <a:rPr lang="tr-TR" i="1" smtClean="0">
+                              <a:latin typeface="Cambria Math" panose="02040503050406030204" pitchFamily="18" charset="0"/>
+                            </a:rPr>
+                          </m:ctrlPr>
+                        </m:sSubPr>
+                        <m:e>
+                          <m:r>
+                            <a:rPr lang="tr-TR" i="1" smtClean="0">
+                              <a:latin typeface="Cambria Math" panose="02040503050406030204" pitchFamily="18" charset="0"/>
+                            </a:rPr>
+                            <m:t>𝑇</m:t>
+                          </m:r>
+                        </m:e>
+                        <m:sub>
+                          <m:r>
+                            <a:rPr lang="tr-TR" b="0" i="1" smtClean="0">
+                              <a:latin typeface="Cambria Math" panose="02040503050406030204" pitchFamily="18" charset="0"/>
+                            </a:rPr>
+                            <m:t>𝑒</m:t>
+                          </m:r>
+                        </m:sub>
+                      </m:sSub>
+                      <m:r>
+                        <a:rPr lang="tr-TR" b="0" i="1" smtClean="0">
+                          <a:latin typeface="Cambria Math" panose="02040503050406030204" pitchFamily="18" charset="0"/>
+                        </a:rPr>
+                        <m:t>=</m:t>
+                      </m:r>
+                      <m:r>
+                        <a:rPr lang="tr-TR" b="0" i="1" smtClean="0">
+                          <a:latin typeface="Cambria Math" panose="02040503050406030204" pitchFamily="18" charset="0"/>
+                        </a:rPr>
+                        <m:t>𝐽</m:t>
+                      </m:r>
+                      <m:f>
+                        <m:fPr>
+                          <m:ctrlPr>
+                            <a:rPr lang="tr-TR" i="1" smtClean="0">
+                              <a:latin typeface="Cambria Math" panose="02040503050406030204" pitchFamily="18" charset="0"/>
+                            </a:rPr>
+                          </m:ctrlPr>
+                        </m:fPr>
+                        <m:num>
+                          <m:r>
+                            <a:rPr lang="tr-TR" b="0" i="1" smtClean="0">
+                              <a:latin typeface="Cambria Math" panose="02040503050406030204" pitchFamily="18" charset="0"/>
+                            </a:rPr>
+                            <m:t>𝑑</m:t>
+                          </m:r>
+                          <m:r>
+                            <m:rPr>
+                              <m:sty m:val="p"/>
+                            </m:rPr>
+                            <a:rPr lang="el-GR" b="0" i="1" smtClean="0">
+                              <a:latin typeface="Cambria Math" panose="02040503050406030204" pitchFamily="18" charset="0"/>
+                            </a:rPr>
+                            <m:t>ω</m:t>
+                          </m:r>
+                        </m:num>
+                        <m:den>
+                          <m:r>
+                            <a:rPr lang="tr-TR" b="0" i="1" smtClean="0">
+                              <a:latin typeface="Cambria Math" panose="02040503050406030204" pitchFamily="18" charset="0"/>
+                            </a:rPr>
+                            <m:t>𝑑𝑡</m:t>
+                          </m:r>
+                        </m:den>
+                      </m:f>
+                    </m:oMath>
+                  </m:oMathPara>
+                </a14:m>
+                <a:endParaRPr lang="tr-TR" dirty="0"/>
+              </a:p>
+            </p:txBody>
+          </p:sp>
+        </mc:Choice>
+        <mc:Fallback>
+          <p:sp>
+            <p:nvSpPr>
+              <p:cNvPr id="7" name="TextBox 6"/>
+              <p:cNvSpPr txBox="1">
+                <a:spLocks noRot="1" noChangeAspect="1" noMove="1" noResize="1" noEditPoints="1" noAdjustHandles="1" noChangeArrowheads="1" noChangeShapeType="1" noTextEdit="1"/>
+              </p:cNvSpPr>
+              <p:nvPr/>
+            </p:nvSpPr>
+            <p:spPr>
+              <a:xfrm>
+                <a:off x="642391" y="2860169"/>
+                <a:ext cx="3630116" cy="793551"/>
+              </a:xfrm>
+              <a:prstGeom prst="rect">
+                <a:avLst/>
+              </a:prstGeom>
+              <a:blipFill>
+                <a:blip r:embed="rId5"/>
+                <a:stretch>
+                  <a:fillRect/>
+                </a:stretch>
+              </a:blipFill>
+            </p:spPr>
+            <p:txBody>
+              <a:bodyPr/>
+              <a:lstStyle/>
+              <a:p>
+                <a:r>
+                  <a:rPr lang="tr-TR">
+                    <a:noFill/>
+                  </a:rPr>
+                  <a:t> </a:t>
+                </a:r>
+              </a:p>
+            </p:txBody>
+          </p:sp>
+        </mc:Fallback>
+      </mc:AlternateContent>
+      <mc:AlternateContent xmlns:mc="http://schemas.openxmlformats.org/markup-compatibility/2006">
+        <mc:Choice xmlns:a14="http://schemas.microsoft.com/office/drawing/2010/main" Requires="a14">
+          <p:sp>
+            <p:nvSpPr>
+              <p:cNvPr id="4" name="Rectangle 3"/>
+              <p:cNvSpPr/>
+              <p:nvPr/>
+            </p:nvSpPr>
+            <p:spPr>
+              <a:xfrm>
+                <a:off x="775594" y="4162013"/>
+                <a:ext cx="3946846" cy="1015663"/>
+              </a:xfrm>
+              <a:prstGeom prst="rect">
+                <a:avLst/>
+              </a:prstGeom>
+            </p:spPr>
+            <p:txBody>
+              <a:bodyPr wrap="square">
+                <a:spAutoFit/>
+              </a:bodyPr>
+              <a:lstStyle/>
+              <a:p>
+                <a:pPr/>
+                <a14:m>
+                  <m:oMath xmlns:m="http://schemas.openxmlformats.org/officeDocument/2006/math">
+                    <m:sSub>
+                      <m:sSubPr>
+                        <m:ctrlPr>
+                          <a:rPr lang="tr-TR" sz="2000" i="1" smtClean="0">
+                            <a:latin typeface="Cambria Math" panose="02040503050406030204" pitchFamily="18" charset="0"/>
+                          </a:rPr>
+                        </m:ctrlPr>
+                      </m:sSubPr>
+                      <m:e>
+                        <m:r>
+                          <a:rPr lang="tr-TR" sz="2000" i="1">
+                            <a:latin typeface="Cambria Math" panose="02040503050406030204" pitchFamily="18" charset="0"/>
+                          </a:rPr>
+                          <m:t>𝑇</m:t>
+                        </m:r>
+                      </m:e>
+                      <m:sub>
+                        <m:r>
+                          <a:rPr lang="tr-TR" sz="2000" i="1">
+                            <a:latin typeface="Cambria Math" panose="02040503050406030204" pitchFamily="18" charset="0"/>
+                          </a:rPr>
+                          <m:t>𝑚</m:t>
+                        </m:r>
+                      </m:sub>
+                    </m:sSub>
+                  </m:oMath>
+                </a14:m>
+                <a:r>
+                  <a:rPr lang="tr-TR" sz="2000" dirty="0" smtClean="0"/>
+                  <a:t>: Mechanical Input Torque</a:t>
+                </a:r>
+              </a:p>
+              <a:p>
+                <a:pPr/>
+                <a14:m>
+                  <m:oMath xmlns:m="http://schemas.openxmlformats.org/officeDocument/2006/math">
+                    <m:sSub>
+                      <m:sSubPr>
+                        <m:ctrlPr>
+                          <a:rPr lang="tr-TR" sz="2000" i="1" smtClean="0">
+                            <a:latin typeface="Cambria Math" panose="02040503050406030204" pitchFamily="18" charset="0"/>
+                          </a:rPr>
+                        </m:ctrlPr>
+                      </m:sSubPr>
+                      <m:e>
+                        <m:r>
+                          <a:rPr lang="tr-TR" sz="2000" i="1">
+                            <a:latin typeface="Cambria Math" panose="02040503050406030204" pitchFamily="18" charset="0"/>
+                          </a:rPr>
+                          <m:t>𝑇</m:t>
+                        </m:r>
+                      </m:e>
+                      <m:sub>
+                        <m:r>
+                          <a:rPr lang="tr-TR" sz="2000" b="0" i="1" smtClean="0">
+                            <a:latin typeface="Cambria Math" panose="02040503050406030204" pitchFamily="18" charset="0"/>
+                          </a:rPr>
+                          <m:t>𝑒</m:t>
+                        </m:r>
+                      </m:sub>
+                    </m:sSub>
+                  </m:oMath>
+                </a14:m>
+                <a:r>
+                  <a:rPr lang="tr-TR" sz="2000" dirty="0" smtClean="0"/>
+                  <a:t> : Electromechanical Output Torque</a:t>
+                </a:r>
+                <a:endParaRPr lang="tr-TR" sz="2000" dirty="0"/>
+              </a:p>
+            </p:txBody>
+          </p:sp>
+        </mc:Choice>
+        <mc:Fallback>
+          <p:sp>
+            <p:nvSpPr>
+              <p:cNvPr id="4" name="Rectangle 3"/>
+              <p:cNvSpPr>
+                <a:spLocks noRot="1" noChangeAspect="1" noMove="1" noResize="1" noEditPoints="1" noAdjustHandles="1" noChangeArrowheads="1" noChangeShapeType="1" noTextEdit="1"/>
+              </p:cNvSpPr>
+              <p:nvPr/>
+            </p:nvSpPr>
+            <p:spPr>
+              <a:xfrm>
+                <a:off x="775594" y="4162013"/>
+                <a:ext cx="3946846" cy="1015663"/>
+              </a:xfrm>
+              <a:prstGeom prst="rect">
+                <a:avLst/>
+              </a:prstGeom>
+              <a:blipFill>
+                <a:blip r:embed="rId6"/>
+                <a:stretch>
+                  <a:fillRect l="-1543" t="-3012" b="-10843"/>
+                </a:stretch>
+              </a:blipFill>
+            </p:spPr>
+            <p:txBody>
+              <a:bodyPr/>
+              <a:lstStyle/>
+              <a:p>
+                <a:r>
+                  <a:rPr lang="tr-TR">
+                    <a:noFill/>
+                  </a:rPr>
+                  <a:t> </a:t>
+                </a:r>
+              </a:p>
+            </p:txBody>
+          </p:sp>
+        </mc:Fallback>
+      </mc:AlternateContent>
     </p:spTree>
     <p:extLst>
       <p:ext uri="{BB962C8B-B14F-4D97-AF65-F5344CB8AC3E}">
-        <p14:creationId xmlns:p14="http://schemas.microsoft.com/office/powerpoint/2010/main" val="3933851754"/>
+        <p14:creationId xmlns:p14="http://schemas.microsoft.com/office/powerpoint/2010/main" val="3680436811"/>
       </p:ext>
     </p:extLst>
   </p:cSld>
@@ -5823,7 +9131,7 @@
                 <a:latin typeface="Arial" panose="020B0604020202020204" pitchFamily="34" charset="0"/>
                 <a:cs typeface="Arial" panose="020B0604020202020204" pitchFamily="34" charset="0"/>
               </a:rPr>
-              <a:t>Frequency</a:t>
+              <a:t>Swing Equation</a:t>
             </a:r>
             <a:endParaRPr lang="en-US" dirty="0" smtClean="0">
               <a:latin typeface="Arial" panose="020B0604020202020204" pitchFamily="34" charset="0"/>
@@ -5832,9 +9140,64 @@
           </a:p>
         </p:txBody>
       </p:sp>
+      <p:sp>
+        <p:nvSpPr>
+          <p:cNvPr id="2" name="Date Placeholder 1"/>
+          <p:cNvSpPr>
+            <a:spLocks noGrp="1"/>
+          </p:cNvSpPr>
+          <p:nvPr>
+            <p:ph type="dt" sz="half" idx="2"/>
+          </p:nvPr>
+        </p:nvSpPr>
+        <p:spPr/>
+        <p:txBody>
+          <a:bodyPr/>
+          <a:lstStyle/>
+          <a:p>
+            <a:pPr>
+              <a:defRPr/>
+            </a:pPr>
+            <a:r>
+              <a:rPr lang="tr-TR" smtClean="0"/>
+              <a:t>18.01.2019</a:t>
+            </a:r>
+            <a:endParaRPr lang="en-US" dirty="0"/>
+          </a:p>
+        </p:txBody>
+      </p:sp>
+      <p:sp>
+        <p:nvSpPr>
+          <p:cNvPr id="3" name="Slide Number Placeholder 2"/>
+          <p:cNvSpPr>
+            <a:spLocks noGrp="1"/>
+          </p:cNvSpPr>
+          <p:nvPr>
+            <p:ph type="sldNum" sz="quarter" idx="12"/>
+          </p:nvPr>
+        </p:nvSpPr>
+        <p:spPr/>
+        <p:txBody>
+          <a:bodyPr/>
+          <a:lstStyle/>
+          <a:p>
+            <a:pPr>
+              <a:defRPr/>
+            </a:pPr>
+            <a:fld id="{C878F797-6006-4DDA-AFE9-456F280FE6C5}" type="slidenum">
+              <a:rPr lang="en-US" smtClean="0"/>
+              <a:pPr>
+                <a:defRPr/>
+              </a:pPr>
+              <a:t>5</a:t>
+            </a:fld>
+            <a:endParaRPr lang="en-US" dirty="0"/>
+          </a:p>
+        </p:txBody>
+      </p:sp>
       <p:pic>
         <p:nvPicPr>
-          <p:cNvPr id="5" name="Content Placeholder 4"/>
+          <p:cNvPr id="6" name="Content Placeholder 5"/>
           <p:cNvPicPr>
             <a:picLocks noGrp="1" noChangeAspect="1"/>
           </p:cNvPicPr>
@@ -5856,70 +9219,563 @@
         </p:blipFill>
         <p:spPr>
           <a:xfrm>
-            <a:off x="1547664" y="2456987"/>
-            <a:ext cx="6048672" cy="2972727"/>
+            <a:off x="4722440" y="1556792"/>
+            <a:ext cx="3810000" cy="3971925"/>
           </a:xfrm>
         </p:spPr>
       </p:pic>
-      <p:sp>
-        <p:nvSpPr>
-          <p:cNvPr id="2" name="Date Placeholder 1"/>
-          <p:cNvSpPr>
-            <a:spLocks noGrp="1"/>
-          </p:cNvSpPr>
-          <p:nvPr>
-            <p:ph type="dt" sz="half" idx="2"/>
-          </p:nvPr>
-        </p:nvSpPr>
-        <p:spPr/>
-        <p:txBody>
-          <a:bodyPr/>
-          <a:lstStyle/>
-          <a:p>
-            <a:pPr>
-              <a:defRPr/>
-            </a:pPr>
-            <a:r>
-              <a:rPr lang="tr-TR" smtClean="0"/>
-              <a:t>18.01.2019</a:t>
-            </a:r>
-            <a:endParaRPr lang="en-US" dirty="0"/>
-          </a:p>
-        </p:txBody>
-      </p:sp>
-      <p:sp>
-        <p:nvSpPr>
-          <p:cNvPr id="3" name="Slide Number Placeholder 2"/>
-          <p:cNvSpPr>
-            <a:spLocks noGrp="1"/>
-          </p:cNvSpPr>
-          <p:nvPr>
-            <p:ph type="sldNum" sz="quarter" idx="12"/>
-          </p:nvPr>
-        </p:nvSpPr>
-        <p:spPr/>
-        <p:txBody>
-          <a:bodyPr/>
-          <a:lstStyle/>
-          <a:p>
-            <a:pPr>
-              <a:defRPr/>
-            </a:pPr>
-            <a:fld id="{C878F797-6006-4DDA-AFE9-456F280FE6C5}" type="slidenum">
-              <a:rPr lang="en-US" smtClean="0"/>
-              <a:pPr>
-                <a:defRPr/>
-              </a:pPr>
-              <a:t>5</a:t>
-            </a:fld>
-            <a:endParaRPr lang="en-US" dirty="0"/>
-          </a:p>
-        </p:txBody>
-      </p:sp>
+      <mc:AlternateContent xmlns:mc="http://schemas.openxmlformats.org/markup-compatibility/2006">
+        <mc:Choice xmlns:a14="http://schemas.microsoft.com/office/drawing/2010/main" Requires="a14">
+          <p:sp>
+            <p:nvSpPr>
+              <p:cNvPr id="8" name="TextBox 7"/>
+              <p:cNvSpPr txBox="1"/>
+              <p:nvPr/>
+            </p:nvSpPr>
+            <p:spPr>
+              <a:xfrm>
+                <a:off x="430096" y="2895633"/>
+                <a:ext cx="3630116" cy="1124282"/>
+              </a:xfrm>
+              <a:prstGeom prst="rect">
+                <a:avLst/>
+              </a:prstGeom>
+              <a:noFill/>
+            </p:spPr>
+            <p:txBody>
+              <a:bodyPr wrap="square" rtlCol="0">
+                <a:spAutoFit/>
+              </a:bodyPr>
+              <a:lstStyle/>
+              <a:p>
+                <a14:m>
+                  <m:oMathPara xmlns:m="http://schemas.openxmlformats.org/officeDocument/2006/math">
+                    <m:oMathParaPr>
+                      <m:jc m:val="centerGroup"/>
+                    </m:oMathParaPr>
+                    <m:oMath xmlns:m="http://schemas.openxmlformats.org/officeDocument/2006/math">
+                      <m:r>
+                        <a:rPr lang="tr-TR" i="1" smtClean="0">
+                          <a:latin typeface="Cambria Math" panose="02040503050406030204" pitchFamily="18" charset="0"/>
+                        </a:rPr>
+                        <m:t>𝐻</m:t>
+                      </m:r>
+                      <m:r>
+                        <a:rPr lang="tr-TR" b="0" i="1" smtClean="0">
+                          <a:latin typeface="Cambria Math" panose="02040503050406030204" pitchFamily="18" charset="0"/>
+                        </a:rPr>
+                        <m:t>=</m:t>
+                      </m:r>
+                      <m:f>
+                        <m:fPr>
+                          <m:ctrlPr>
+                            <a:rPr lang="tr-TR" i="1" smtClean="0">
+                              <a:latin typeface="Cambria Math" panose="02040503050406030204" pitchFamily="18" charset="0"/>
+                            </a:rPr>
+                          </m:ctrlPr>
+                        </m:fPr>
+                        <m:num>
+                          <m:f>
+                            <m:fPr>
+                              <m:ctrlPr>
+                                <a:rPr lang="tr-TR" i="1">
+                                  <a:latin typeface="Cambria Math" panose="02040503050406030204" pitchFamily="18" charset="0"/>
+                                </a:rPr>
+                              </m:ctrlPr>
+                            </m:fPr>
+                            <m:num>
+                              <m:r>
+                                <a:rPr lang="tr-TR" b="0" i="1" smtClean="0">
+                                  <a:latin typeface="Cambria Math" panose="02040503050406030204" pitchFamily="18" charset="0"/>
+                                </a:rPr>
+                                <m:t>1</m:t>
+                              </m:r>
+                            </m:num>
+                            <m:den>
+                              <m:r>
+                                <a:rPr lang="tr-TR" b="0" i="1" smtClean="0">
+                                  <a:latin typeface="Cambria Math" panose="02040503050406030204" pitchFamily="18" charset="0"/>
+                                </a:rPr>
+                                <m:t>2</m:t>
+                              </m:r>
+                            </m:den>
+                          </m:f>
+                          <m:r>
+                            <a:rPr lang="tr-TR" b="0" i="1" smtClean="0">
+                              <a:latin typeface="Cambria Math" panose="02040503050406030204" pitchFamily="18" charset="0"/>
+                            </a:rPr>
+                            <m:t>𝐽</m:t>
+                          </m:r>
+                          <m:sSup>
+                            <m:sSupPr>
+                              <m:ctrlPr>
+                                <a:rPr lang="tr-TR" b="0" i="1" smtClean="0">
+                                  <a:latin typeface="Cambria Math" panose="02040503050406030204" pitchFamily="18" charset="0"/>
+                                </a:rPr>
+                              </m:ctrlPr>
+                            </m:sSupPr>
+                            <m:e>
+                              <m:r>
+                                <m:rPr>
+                                  <m:sty m:val="p"/>
+                                </m:rPr>
+                                <a:rPr lang="el-GR" i="1">
+                                  <a:latin typeface="Cambria Math" panose="02040503050406030204" pitchFamily="18" charset="0"/>
+                                </a:rPr>
+                                <m:t>ω</m:t>
+                              </m:r>
+                            </m:e>
+                            <m:sup>
+                              <m:r>
+                                <a:rPr lang="tr-TR" b="0" i="1" smtClean="0">
+                                  <a:latin typeface="Cambria Math" panose="02040503050406030204" pitchFamily="18" charset="0"/>
+                                </a:rPr>
+                                <m:t>2</m:t>
+                              </m:r>
+                            </m:sup>
+                          </m:sSup>
+                        </m:num>
+                        <m:den>
+                          <m:sSub>
+                            <m:sSubPr>
+                              <m:ctrlPr>
+                                <a:rPr lang="tr-TR" i="1">
+                                  <a:latin typeface="Cambria Math" panose="02040503050406030204" pitchFamily="18" charset="0"/>
+                                </a:rPr>
+                              </m:ctrlPr>
+                            </m:sSubPr>
+                            <m:e>
+                              <m:r>
+                                <a:rPr lang="tr-TR" b="0" i="1" smtClean="0">
+                                  <a:latin typeface="Cambria Math" panose="02040503050406030204" pitchFamily="18" charset="0"/>
+                                </a:rPr>
+                                <m:t>𝑆</m:t>
+                              </m:r>
+                            </m:e>
+                            <m:sub>
+                              <m:r>
+                                <a:rPr lang="tr-TR" b="0" i="1" smtClean="0">
+                                  <a:latin typeface="Cambria Math" panose="02040503050406030204" pitchFamily="18" charset="0"/>
+                                </a:rPr>
+                                <m:t>𝑏𝑎𝑠𝑒</m:t>
+                              </m:r>
+                            </m:sub>
+                          </m:sSub>
+                        </m:den>
+                      </m:f>
+                    </m:oMath>
+                  </m:oMathPara>
+                </a14:m>
+                <a:endParaRPr lang="tr-TR" dirty="0"/>
+              </a:p>
+            </p:txBody>
+          </p:sp>
+        </mc:Choice>
+        <mc:Fallback>
+          <p:sp>
+            <p:nvSpPr>
+              <p:cNvPr id="8" name="TextBox 7"/>
+              <p:cNvSpPr txBox="1">
+                <a:spLocks noRot="1" noChangeAspect="1" noMove="1" noResize="1" noEditPoints="1" noAdjustHandles="1" noChangeArrowheads="1" noChangeShapeType="1" noTextEdit="1"/>
+              </p:cNvSpPr>
+              <p:nvPr/>
+            </p:nvSpPr>
+            <p:spPr>
+              <a:xfrm>
+                <a:off x="430096" y="2895633"/>
+                <a:ext cx="3630116" cy="1124282"/>
+              </a:xfrm>
+              <a:prstGeom prst="rect">
+                <a:avLst/>
+              </a:prstGeom>
+              <a:blipFill>
+                <a:blip r:embed="rId4"/>
+                <a:stretch>
+                  <a:fillRect/>
+                </a:stretch>
+              </a:blipFill>
+            </p:spPr>
+            <p:txBody>
+              <a:bodyPr/>
+              <a:lstStyle/>
+              <a:p>
+                <a:r>
+                  <a:rPr lang="tr-TR">
+                    <a:noFill/>
+                  </a:rPr>
+                  <a:t> </a:t>
+                </a:r>
+              </a:p>
+            </p:txBody>
+          </p:sp>
+        </mc:Fallback>
+      </mc:AlternateContent>
+      <mc:AlternateContent xmlns:mc="http://schemas.openxmlformats.org/markup-compatibility/2006">
+        <mc:Choice xmlns:a14="http://schemas.microsoft.com/office/drawing/2010/main" Requires="a14">
+          <p:sp>
+            <p:nvSpPr>
+              <p:cNvPr id="11" name="TextBox 10"/>
+              <p:cNvSpPr txBox="1"/>
+              <p:nvPr/>
+            </p:nvSpPr>
+            <p:spPr>
+              <a:xfrm>
+                <a:off x="643598" y="4401361"/>
+                <a:ext cx="3630116" cy="793551"/>
+              </a:xfrm>
+              <a:prstGeom prst="rect">
+                <a:avLst/>
+              </a:prstGeom>
+              <a:noFill/>
+            </p:spPr>
+            <p:txBody>
+              <a:bodyPr wrap="square" rtlCol="0">
+                <a:spAutoFit/>
+              </a:bodyPr>
+              <a:lstStyle/>
+              <a:p>
+                <a14:m>
+                  <m:oMathPara xmlns:m="http://schemas.openxmlformats.org/officeDocument/2006/math">
+                    <m:oMathParaPr>
+                      <m:jc m:val="centerGroup"/>
+                    </m:oMathParaPr>
+                    <m:oMath xmlns:m="http://schemas.openxmlformats.org/officeDocument/2006/math">
+                      <m:r>
+                        <a:rPr lang="tr-TR" i="1" smtClean="0">
+                          <a:latin typeface="Cambria Math" panose="02040503050406030204" pitchFamily="18" charset="0"/>
+                        </a:rPr>
+                        <m:t>2</m:t>
+                      </m:r>
+                      <m:r>
+                        <a:rPr lang="tr-TR" b="0" i="1" smtClean="0">
+                          <a:latin typeface="Cambria Math" panose="02040503050406030204" pitchFamily="18" charset="0"/>
+                        </a:rPr>
+                        <m:t>𝐻</m:t>
+                      </m:r>
+                      <m:acc>
+                        <m:accPr>
+                          <m:chr m:val="̅"/>
+                          <m:ctrlPr>
+                            <a:rPr lang="tr-TR" i="1">
+                              <a:latin typeface="Cambria Math" panose="02040503050406030204" pitchFamily="18" charset="0"/>
+                            </a:rPr>
+                          </m:ctrlPr>
+                        </m:accPr>
+                        <m:e>
+                          <m:r>
+                            <a:rPr lang="el-GR" i="1" dirty="0">
+                              <a:latin typeface="Cambria Math" panose="02040503050406030204" pitchFamily="18" charset="0"/>
+                            </a:rPr>
+                            <m:t>𝜔</m:t>
+                          </m:r>
+                        </m:e>
+                      </m:acc>
+                      <m:f>
+                        <m:fPr>
+                          <m:ctrlPr>
+                            <a:rPr lang="tr-TR" i="1" smtClean="0">
+                              <a:latin typeface="Cambria Math" panose="02040503050406030204" pitchFamily="18" charset="0"/>
+                            </a:rPr>
+                          </m:ctrlPr>
+                        </m:fPr>
+                        <m:num>
+                          <m:r>
+                            <a:rPr lang="tr-TR" b="0" i="1" smtClean="0">
+                              <a:latin typeface="Cambria Math" panose="02040503050406030204" pitchFamily="18" charset="0"/>
+                            </a:rPr>
+                            <m:t>𝑑</m:t>
+                          </m:r>
+                          <m:acc>
+                            <m:accPr>
+                              <m:chr m:val="̅"/>
+                              <m:ctrlPr>
+                                <a:rPr lang="tr-TR" i="1">
+                                  <a:latin typeface="Cambria Math" panose="02040503050406030204" pitchFamily="18" charset="0"/>
+                                </a:rPr>
+                              </m:ctrlPr>
+                            </m:accPr>
+                            <m:e>
+                              <m:r>
+                                <a:rPr lang="el-GR" i="1" dirty="0" smtClean="0">
+                                  <a:latin typeface="Cambria Math" panose="02040503050406030204" pitchFamily="18" charset="0"/>
+                                </a:rPr>
+                                <m:t>𝜔</m:t>
+                              </m:r>
+                            </m:e>
+                          </m:acc>
+                        </m:num>
+                        <m:den>
+                          <m:r>
+                            <a:rPr lang="tr-TR" b="0" i="1" smtClean="0">
+                              <a:latin typeface="Cambria Math" panose="02040503050406030204" pitchFamily="18" charset="0"/>
+                            </a:rPr>
+                            <m:t>𝑑𝑡</m:t>
+                          </m:r>
+                        </m:den>
+                      </m:f>
+                      <m:r>
+                        <a:rPr lang="tr-TR" b="0" i="1" smtClean="0">
+                          <a:latin typeface="Cambria Math" panose="02040503050406030204" pitchFamily="18" charset="0"/>
+                        </a:rPr>
+                        <m:t>=</m:t>
+                      </m:r>
+                      <m:r>
+                        <m:rPr>
+                          <m:sty m:val="p"/>
+                        </m:rPr>
+                        <a:rPr lang="el-GR" b="0" i="1" smtClean="0">
+                          <a:latin typeface="Cambria Math" panose="02040503050406030204" pitchFamily="18" charset="0"/>
+                        </a:rPr>
+                        <m:t>Δ</m:t>
+                      </m:r>
+                      <m:acc>
+                        <m:accPr>
+                          <m:chr m:val="̅"/>
+                          <m:ctrlPr>
+                            <a:rPr lang="tr-TR" i="1">
+                              <a:latin typeface="Cambria Math" panose="02040503050406030204" pitchFamily="18" charset="0"/>
+                            </a:rPr>
+                          </m:ctrlPr>
+                        </m:accPr>
+                        <m:e>
+                          <m:r>
+                            <a:rPr lang="tr-TR" b="0" i="1" smtClean="0">
+                              <a:latin typeface="Cambria Math" panose="02040503050406030204" pitchFamily="18" charset="0"/>
+                            </a:rPr>
+                            <m:t>𝑃</m:t>
+                          </m:r>
+                        </m:e>
+                      </m:acc>
+                    </m:oMath>
+                  </m:oMathPara>
+                </a14:m>
+                <a:endParaRPr lang="tr-TR" dirty="0"/>
+              </a:p>
+            </p:txBody>
+          </p:sp>
+        </mc:Choice>
+        <mc:Fallback>
+          <p:sp>
+            <p:nvSpPr>
+              <p:cNvPr id="11" name="TextBox 10"/>
+              <p:cNvSpPr txBox="1">
+                <a:spLocks noRot="1" noChangeAspect="1" noMove="1" noResize="1" noEditPoints="1" noAdjustHandles="1" noChangeArrowheads="1" noChangeShapeType="1" noTextEdit="1"/>
+              </p:cNvSpPr>
+              <p:nvPr/>
+            </p:nvSpPr>
+            <p:spPr>
+              <a:xfrm>
+                <a:off x="643598" y="4401361"/>
+                <a:ext cx="3630116" cy="793551"/>
+              </a:xfrm>
+              <a:prstGeom prst="rect">
+                <a:avLst/>
+              </a:prstGeom>
+              <a:blipFill>
+                <a:blip r:embed="rId5"/>
+                <a:stretch>
+                  <a:fillRect/>
+                </a:stretch>
+              </a:blipFill>
+            </p:spPr>
+            <p:txBody>
+              <a:bodyPr/>
+              <a:lstStyle/>
+              <a:p>
+                <a:r>
+                  <a:rPr lang="tr-TR">
+                    <a:noFill/>
+                  </a:rPr>
+                  <a:t> </a:t>
+                </a:r>
+              </a:p>
+            </p:txBody>
+          </p:sp>
+        </mc:Fallback>
+      </mc:AlternateContent>
+      <mc:AlternateContent xmlns:mc="http://schemas.openxmlformats.org/markup-compatibility/2006">
+        <mc:Choice xmlns:a14="http://schemas.microsoft.com/office/drawing/2010/main" Requires="a14">
+          <p:sp>
+            <p:nvSpPr>
+              <p:cNvPr id="9" name="TextBox 8"/>
+              <p:cNvSpPr txBox="1"/>
+              <p:nvPr/>
+            </p:nvSpPr>
+            <p:spPr>
+              <a:xfrm>
+                <a:off x="642391" y="1732872"/>
+                <a:ext cx="3630116" cy="793551"/>
+              </a:xfrm>
+              <a:prstGeom prst="rect">
+                <a:avLst/>
+              </a:prstGeom>
+              <a:noFill/>
+            </p:spPr>
+            <p:txBody>
+              <a:bodyPr wrap="square" rtlCol="0">
+                <a:spAutoFit/>
+              </a:bodyPr>
+              <a:lstStyle/>
+              <a:p>
+                <a14:m>
+                  <m:oMathPara xmlns:m="http://schemas.openxmlformats.org/officeDocument/2006/math">
+                    <m:oMathParaPr>
+                      <m:jc m:val="centerGroup"/>
+                    </m:oMathParaPr>
+                    <m:oMath xmlns:m="http://schemas.openxmlformats.org/officeDocument/2006/math">
+                      <m:sSub>
+                        <m:sSubPr>
+                          <m:ctrlPr>
+                            <a:rPr lang="tr-TR" i="1" smtClean="0">
+                              <a:latin typeface="Cambria Math" panose="02040503050406030204" pitchFamily="18" charset="0"/>
+                            </a:rPr>
+                          </m:ctrlPr>
+                        </m:sSubPr>
+                        <m:e>
+                          <m:r>
+                            <a:rPr lang="tr-TR" i="1">
+                              <a:latin typeface="Cambria Math" panose="02040503050406030204" pitchFamily="18" charset="0"/>
+                            </a:rPr>
+                            <m:t>𝑇</m:t>
+                          </m:r>
+                        </m:e>
+                        <m:sub>
+                          <m:r>
+                            <a:rPr lang="tr-TR" b="0" i="1" smtClean="0">
+                              <a:latin typeface="Cambria Math" panose="02040503050406030204" pitchFamily="18" charset="0"/>
+                            </a:rPr>
+                            <m:t>𝑚</m:t>
+                          </m:r>
+                        </m:sub>
+                      </m:sSub>
+                      <m:r>
+                        <a:rPr lang="tr-TR" b="0" i="1" smtClean="0">
+                          <a:latin typeface="Cambria Math" panose="02040503050406030204" pitchFamily="18" charset="0"/>
+                        </a:rPr>
+                        <m:t>−</m:t>
+                      </m:r>
+                      <m:sSub>
+                        <m:sSubPr>
+                          <m:ctrlPr>
+                            <a:rPr lang="tr-TR" i="1" smtClean="0">
+                              <a:latin typeface="Cambria Math" panose="02040503050406030204" pitchFamily="18" charset="0"/>
+                            </a:rPr>
+                          </m:ctrlPr>
+                        </m:sSubPr>
+                        <m:e>
+                          <m:r>
+                            <a:rPr lang="tr-TR" i="1" smtClean="0">
+                              <a:latin typeface="Cambria Math" panose="02040503050406030204" pitchFamily="18" charset="0"/>
+                            </a:rPr>
+                            <m:t>𝑇</m:t>
+                          </m:r>
+                        </m:e>
+                        <m:sub>
+                          <m:r>
+                            <a:rPr lang="tr-TR" b="0" i="1" smtClean="0">
+                              <a:latin typeface="Cambria Math" panose="02040503050406030204" pitchFamily="18" charset="0"/>
+                            </a:rPr>
+                            <m:t>𝑒</m:t>
+                          </m:r>
+                        </m:sub>
+                      </m:sSub>
+                      <m:r>
+                        <a:rPr lang="tr-TR" b="0" i="1" smtClean="0">
+                          <a:latin typeface="Cambria Math" panose="02040503050406030204" pitchFamily="18" charset="0"/>
+                        </a:rPr>
+                        <m:t>=</m:t>
+                      </m:r>
+                      <m:r>
+                        <a:rPr lang="tr-TR" b="0" i="1" smtClean="0">
+                          <a:latin typeface="Cambria Math" panose="02040503050406030204" pitchFamily="18" charset="0"/>
+                        </a:rPr>
+                        <m:t>𝐽</m:t>
+                      </m:r>
+                      <m:f>
+                        <m:fPr>
+                          <m:ctrlPr>
+                            <a:rPr lang="tr-TR" i="1" smtClean="0">
+                              <a:latin typeface="Cambria Math" panose="02040503050406030204" pitchFamily="18" charset="0"/>
+                            </a:rPr>
+                          </m:ctrlPr>
+                        </m:fPr>
+                        <m:num>
+                          <m:r>
+                            <a:rPr lang="tr-TR" b="0" i="1" smtClean="0">
+                              <a:latin typeface="Cambria Math" panose="02040503050406030204" pitchFamily="18" charset="0"/>
+                            </a:rPr>
+                            <m:t>𝑑</m:t>
+                          </m:r>
+                          <m:r>
+                            <m:rPr>
+                              <m:sty m:val="p"/>
+                            </m:rPr>
+                            <a:rPr lang="el-GR" b="0" i="1" smtClean="0">
+                              <a:latin typeface="Cambria Math" panose="02040503050406030204" pitchFamily="18" charset="0"/>
+                            </a:rPr>
+                            <m:t>ω</m:t>
+                          </m:r>
+                        </m:num>
+                        <m:den>
+                          <m:r>
+                            <a:rPr lang="tr-TR" b="0" i="1" smtClean="0">
+                              <a:latin typeface="Cambria Math" panose="02040503050406030204" pitchFamily="18" charset="0"/>
+                            </a:rPr>
+                            <m:t>𝑑𝑡</m:t>
+                          </m:r>
+                        </m:den>
+                      </m:f>
+                    </m:oMath>
+                  </m:oMathPara>
+                </a14:m>
+                <a:endParaRPr lang="tr-TR" dirty="0"/>
+              </a:p>
+            </p:txBody>
+          </p:sp>
+        </mc:Choice>
+        <mc:Fallback>
+          <p:sp>
+            <p:nvSpPr>
+              <p:cNvPr id="9" name="TextBox 8"/>
+              <p:cNvSpPr txBox="1">
+                <a:spLocks noRot="1" noChangeAspect="1" noMove="1" noResize="1" noEditPoints="1" noAdjustHandles="1" noChangeArrowheads="1" noChangeShapeType="1" noTextEdit="1"/>
+              </p:cNvSpPr>
+              <p:nvPr/>
+            </p:nvSpPr>
+            <p:spPr>
+              <a:xfrm>
+                <a:off x="642391" y="1732872"/>
+                <a:ext cx="3630116" cy="793551"/>
+              </a:xfrm>
+              <a:prstGeom prst="rect">
+                <a:avLst/>
+              </a:prstGeom>
+              <a:blipFill>
+                <a:blip r:embed="rId6"/>
+                <a:stretch>
+                  <a:fillRect/>
+                </a:stretch>
+              </a:blipFill>
+            </p:spPr>
+            <p:txBody>
+              <a:bodyPr/>
+              <a:lstStyle/>
+              <a:p>
+                <a:r>
+                  <a:rPr lang="tr-TR">
+                    <a:noFill/>
+                  </a:rPr>
+                  <a:t> </a:t>
+                </a:r>
+              </a:p>
+            </p:txBody>
+          </p:sp>
+        </mc:Fallback>
+      </mc:AlternateContent>
     </p:spTree>
     <p:extLst>
       <p:ext uri="{BB962C8B-B14F-4D97-AF65-F5344CB8AC3E}">
-        <p14:creationId xmlns:p14="http://schemas.microsoft.com/office/powerpoint/2010/main" val="1230106328"/>
+        <p14:creationId xmlns:p14="http://schemas.microsoft.com/office/powerpoint/2010/main" val="1215791925"/>
       </p:ext>
     </p:extLst>
   </p:cSld>
@@ -5977,7 +9833,7 @@
                 <a:latin typeface="Arial" panose="020B0604020202020204" pitchFamily="34" charset="0"/>
                 <a:cs typeface="Arial" panose="020B0604020202020204" pitchFamily="34" charset="0"/>
               </a:rPr>
-              <a:t>Wind Turbine Modelling</a:t>
+              <a:t>Frequency</a:t>
             </a:r>
             <a:endParaRPr lang="en-US" dirty="0" smtClean="0">
               <a:latin typeface="Arial" panose="020B0604020202020204" pitchFamily="34" charset="0"/>
@@ -5986,6 +9842,35 @@
           </a:p>
         </p:txBody>
       </p:sp>
+      <p:pic>
+        <p:nvPicPr>
+          <p:cNvPr id="5" name="Content Placeholder 4"/>
+          <p:cNvPicPr>
+            <a:picLocks noGrp="1" noChangeAspect="1"/>
+          </p:cNvPicPr>
+          <p:nvPr>
+            <p:ph idx="1"/>
+          </p:nvPr>
+        </p:nvPicPr>
+        <p:blipFill>
+          <a:blip r:embed="rId3">
+            <a:extLst>
+              <a:ext uri="{28A0092B-C50C-407E-A947-70E740481C1C}">
+                <a14:useLocalDpi xmlns:a14="http://schemas.microsoft.com/office/drawing/2010/main" val="0"/>
+              </a:ext>
+            </a:extLst>
+          </a:blip>
+          <a:stretch>
+            <a:fillRect/>
+          </a:stretch>
+        </p:blipFill>
+        <p:spPr>
+          <a:xfrm>
+            <a:off x="3095328" y="970623"/>
+            <a:ext cx="6048672" cy="2972727"/>
+          </a:xfrm>
+        </p:spPr>
+      </p:pic>
       <p:sp>
         <p:nvSpPr>
           <p:cNvPr id="2" name="Date Placeholder 1"/>
@@ -6041,29 +9926,416 @@
           </a:p>
         </p:txBody>
       </p:sp>
-      <p:sp>
-        <p:nvSpPr>
-          <p:cNvPr id="4" name="Content Placeholder 3"/>
-          <p:cNvSpPr>
-            <a:spLocks noGrp="1"/>
-          </p:cNvSpPr>
-          <p:nvPr>
-            <p:ph idx="1"/>
-          </p:nvPr>
-        </p:nvSpPr>
-        <p:spPr/>
-        <p:txBody>
-          <a:bodyPr/>
+      <mc:AlternateContent xmlns:mc="http://schemas.openxmlformats.org/markup-compatibility/2006">
+        <mc:Choice xmlns:a14="http://schemas.microsoft.com/office/drawing/2010/main" Requires="a14">
+          <p:sp>
+            <p:nvSpPr>
+              <p:cNvPr id="6" name="TextBox 5"/>
+              <p:cNvSpPr txBox="1"/>
+              <p:nvPr/>
+            </p:nvSpPr>
+            <p:spPr>
+              <a:xfrm>
+                <a:off x="3869160" y="4424346"/>
+                <a:ext cx="4501008" cy="1222964"/>
+              </a:xfrm>
+              <a:prstGeom prst="rect">
+                <a:avLst/>
+              </a:prstGeom>
+              <a:noFill/>
+            </p:spPr>
+            <p:txBody>
+              <a:bodyPr wrap="square" rtlCol="0">
+                <a:spAutoFit/>
+              </a:bodyPr>
+              <a:lstStyle/>
+              <a:p>
+                <a14:m>
+                  <m:oMathPara xmlns:m="http://schemas.openxmlformats.org/officeDocument/2006/math">
+                    <m:oMathParaPr>
+                      <m:jc m:val="centerGroup"/>
+                    </m:oMathParaPr>
+                    <m:oMath xmlns:m="http://schemas.openxmlformats.org/officeDocument/2006/math">
+                      <m:r>
+                        <a:rPr lang="tr-TR" i="1" smtClean="0">
+                          <a:latin typeface="Cambria Math" panose="02040503050406030204" pitchFamily="18" charset="0"/>
+                        </a:rPr>
+                        <m:t>2</m:t>
+                      </m:r>
+                      <m:sSub>
+                        <m:sSubPr>
+                          <m:ctrlPr>
+                            <a:rPr lang="tr-TR" i="1" smtClean="0">
+                              <a:latin typeface="Cambria Math" panose="02040503050406030204" pitchFamily="18" charset="0"/>
+                            </a:rPr>
+                          </m:ctrlPr>
+                        </m:sSubPr>
+                        <m:e>
+                          <m:r>
+                            <a:rPr lang="tr-TR" b="0" i="1" smtClean="0">
+                              <a:latin typeface="Cambria Math" panose="02040503050406030204" pitchFamily="18" charset="0"/>
+                            </a:rPr>
+                            <m:t>𝐻</m:t>
+                          </m:r>
+                        </m:e>
+                        <m:sub>
+                          <m:r>
+                            <a:rPr lang="tr-TR" b="0" i="1" smtClean="0">
+                              <a:latin typeface="Cambria Math" panose="02040503050406030204" pitchFamily="18" charset="0"/>
+                            </a:rPr>
+                            <m:t>𝑠𝑦𝑠</m:t>
+                          </m:r>
+                        </m:sub>
+                      </m:sSub>
+                      <m:acc>
+                        <m:accPr>
+                          <m:chr m:val="̅"/>
+                          <m:ctrlPr>
+                            <a:rPr lang="tr-TR" i="1">
+                              <a:latin typeface="Cambria Math" panose="02040503050406030204" pitchFamily="18" charset="0"/>
+                            </a:rPr>
+                          </m:ctrlPr>
+                        </m:accPr>
+                        <m:e>
+                          <m:sSub>
+                            <m:sSubPr>
+                              <m:ctrlPr>
+                                <a:rPr lang="tr-TR" i="1" smtClean="0">
+                                  <a:latin typeface="Cambria Math" panose="02040503050406030204" pitchFamily="18" charset="0"/>
+                                </a:rPr>
+                              </m:ctrlPr>
+                            </m:sSubPr>
+                            <m:e>
+                              <m:r>
+                                <a:rPr lang="tr-TR" b="0" i="1" smtClean="0">
+                                  <a:latin typeface="Cambria Math" panose="02040503050406030204" pitchFamily="18" charset="0"/>
+                                </a:rPr>
+                                <m:t>𝑓</m:t>
+                              </m:r>
+                            </m:e>
+                            <m:sub>
+                              <m:r>
+                                <a:rPr lang="tr-TR" b="0" i="1" smtClean="0">
+                                  <a:latin typeface="Cambria Math" panose="02040503050406030204" pitchFamily="18" charset="0"/>
+                                </a:rPr>
+                                <m:t>𝑠𝑦𝑠</m:t>
+                              </m:r>
+                            </m:sub>
+                          </m:sSub>
+                        </m:e>
+                      </m:acc>
+                      <m:f>
+                        <m:fPr>
+                          <m:ctrlPr>
+                            <a:rPr lang="tr-TR" i="1" smtClean="0">
+                              <a:latin typeface="Cambria Math" panose="02040503050406030204" pitchFamily="18" charset="0"/>
+                            </a:rPr>
+                          </m:ctrlPr>
+                        </m:fPr>
+                        <m:num>
+                          <m:r>
+                            <a:rPr lang="tr-TR" b="0" i="1" smtClean="0">
+                              <a:latin typeface="Cambria Math" panose="02040503050406030204" pitchFamily="18" charset="0"/>
+                            </a:rPr>
+                            <m:t>𝑑</m:t>
+                          </m:r>
+                          <m:acc>
+                            <m:accPr>
+                              <m:chr m:val="̅"/>
+                              <m:ctrlPr>
+                                <a:rPr lang="tr-TR" i="1">
+                                  <a:latin typeface="Cambria Math" panose="02040503050406030204" pitchFamily="18" charset="0"/>
+                                </a:rPr>
+                              </m:ctrlPr>
+                            </m:accPr>
+                            <m:e>
+                              <m:sSub>
+                                <m:sSubPr>
+                                  <m:ctrlPr>
+                                    <a:rPr lang="tr-TR" i="1">
+                                      <a:latin typeface="Cambria Math" panose="02040503050406030204" pitchFamily="18" charset="0"/>
+                                    </a:rPr>
+                                  </m:ctrlPr>
+                                </m:sSubPr>
+                                <m:e>
+                                  <m:r>
+                                    <a:rPr lang="tr-TR" i="1">
+                                      <a:latin typeface="Cambria Math" panose="02040503050406030204" pitchFamily="18" charset="0"/>
+                                    </a:rPr>
+                                    <m:t>𝑓</m:t>
+                                  </m:r>
+                                </m:e>
+                                <m:sub>
+                                  <m:r>
+                                    <a:rPr lang="tr-TR" i="1">
+                                      <a:latin typeface="Cambria Math" panose="02040503050406030204" pitchFamily="18" charset="0"/>
+                                    </a:rPr>
+                                    <m:t>𝑠𝑦𝑠</m:t>
+                                  </m:r>
+                                </m:sub>
+                              </m:sSub>
+                            </m:e>
+                          </m:acc>
+                        </m:num>
+                        <m:den>
+                          <m:r>
+                            <a:rPr lang="tr-TR" b="0" i="1" smtClean="0">
+                              <a:latin typeface="Cambria Math" panose="02040503050406030204" pitchFamily="18" charset="0"/>
+                            </a:rPr>
+                            <m:t>𝑑𝑡</m:t>
+                          </m:r>
+                        </m:den>
+                      </m:f>
+                      <m:r>
+                        <a:rPr lang="tr-TR" b="0" i="1" smtClean="0">
+                          <a:latin typeface="Cambria Math" panose="02040503050406030204" pitchFamily="18" charset="0"/>
+                        </a:rPr>
+                        <m:t>=</m:t>
+                      </m:r>
+                      <m:r>
+                        <m:rPr>
+                          <m:sty m:val="p"/>
+                        </m:rPr>
+                        <a:rPr lang="el-GR" b="0" i="1" smtClean="0">
+                          <a:latin typeface="Cambria Math" panose="02040503050406030204" pitchFamily="18" charset="0"/>
+                        </a:rPr>
+                        <m:t>Δ</m:t>
+                      </m:r>
+                      <m:acc>
+                        <m:accPr>
+                          <m:chr m:val="̅"/>
+                          <m:ctrlPr>
+                            <a:rPr lang="tr-TR" i="1">
+                              <a:latin typeface="Cambria Math" panose="02040503050406030204" pitchFamily="18" charset="0"/>
+                            </a:rPr>
+                          </m:ctrlPr>
+                        </m:accPr>
+                        <m:e>
+                          <m:r>
+                            <a:rPr lang="tr-TR" b="0" i="1" smtClean="0">
+                              <a:latin typeface="Cambria Math" panose="02040503050406030204" pitchFamily="18" charset="0"/>
+                            </a:rPr>
+                            <m:t>𝑃</m:t>
+                          </m:r>
+                        </m:e>
+                      </m:acc>
+                      <m:r>
+                        <a:rPr lang="tr-TR" b="0" i="1" dirty="0" smtClean="0">
+                          <a:latin typeface="Cambria Math" panose="02040503050406030204" pitchFamily="18" charset="0"/>
+                        </a:rPr>
+                        <m:t>=</m:t>
+                      </m:r>
+                      <m:acc>
+                        <m:accPr>
+                          <m:chr m:val="̅"/>
+                          <m:ctrlPr>
+                            <a:rPr lang="tr-TR" i="1">
+                              <a:latin typeface="Cambria Math" panose="02040503050406030204" pitchFamily="18" charset="0"/>
+                            </a:rPr>
+                          </m:ctrlPr>
+                        </m:accPr>
+                        <m:e>
+                          <m:sSub>
+                            <m:sSubPr>
+                              <m:ctrlPr>
+                                <a:rPr lang="tr-TR" i="1">
+                                  <a:latin typeface="Cambria Math" panose="02040503050406030204" pitchFamily="18" charset="0"/>
+                                </a:rPr>
+                              </m:ctrlPr>
+                            </m:sSubPr>
+                            <m:e>
+                              <m:r>
+                                <a:rPr lang="tr-TR" b="0" i="1" smtClean="0">
+                                  <a:latin typeface="Cambria Math" panose="02040503050406030204" pitchFamily="18" charset="0"/>
+                                </a:rPr>
+                                <m:t>𝑃</m:t>
+                              </m:r>
+                            </m:e>
+                            <m:sub>
+                              <m:r>
+                                <a:rPr lang="tr-TR" b="0" i="1" smtClean="0">
+                                  <a:latin typeface="Cambria Math" panose="02040503050406030204" pitchFamily="18" charset="0"/>
+                                </a:rPr>
+                                <m:t>𝑚</m:t>
+                              </m:r>
+                            </m:sub>
+                          </m:sSub>
+                        </m:e>
+                      </m:acc>
+                      <m:r>
+                        <a:rPr lang="tr-TR" b="0" i="1" smtClean="0">
+                          <a:latin typeface="Cambria Math" panose="02040503050406030204" pitchFamily="18" charset="0"/>
+                        </a:rPr>
+                        <m:t>−</m:t>
+                      </m:r>
+                      <m:acc>
+                        <m:accPr>
+                          <m:chr m:val="̅"/>
+                          <m:ctrlPr>
+                            <a:rPr lang="tr-TR" i="1">
+                              <a:latin typeface="Cambria Math" panose="02040503050406030204" pitchFamily="18" charset="0"/>
+                            </a:rPr>
+                          </m:ctrlPr>
+                        </m:accPr>
+                        <m:e>
+                          <m:sSub>
+                            <m:sSubPr>
+                              <m:ctrlPr>
+                                <a:rPr lang="tr-TR" i="1">
+                                  <a:latin typeface="Cambria Math" panose="02040503050406030204" pitchFamily="18" charset="0"/>
+                                </a:rPr>
+                              </m:ctrlPr>
+                            </m:sSubPr>
+                            <m:e>
+                              <m:r>
+                                <a:rPr lang="tr-TR" b="0" i="1" smtClean="0">
+                                  <a:latin typeface="Cambria Math" panose="02040503050406030204" pitchFamily="18" charset="0"/>
+                                </a:rPr>
+                                <m:t>𝑃</m:t>
+                              </m:r>
+                            </m:e>
+                            <m:sub>
+                              <m:r>
+                                <a:rPr lang="tr-TR" b="0" i="1" smtClean="0">
+                                  <a:latin typeface="Cambria Math" panose="02040503050406030204" pitchFamily="18" charset="0"/>
+                                </a:rPr>
+                                <m:t>𝑒</m:t>
+                              </m:r>
+                            </m:sub>
+                          </m:sSub>
+                        </m:e>
+                      </m:acc>
+                    </m:oMath>
+                  </m:oMathPara>
+                </a14:m>
+                <a:endParaRPr lang="tr-TR" dirty="0"/>
+              </a:p>
+              <a:p>
+                <a:endParaRPr lang="tr-TR" dirty="0"/>
+              </a:p>
+            </p:txBody>
+          </p:sp>
+        </mc:Choice>
+        <mc:Fallback>
+          <p:sp>
+            <p:nvSpPr>
+              <p:cNvPr id="6" name="TextBox 5"/>
+              <p:cNvSpPr txBox="1">
+                <a:spLocks noRot="1" noChangeAspect="1" noMove="1" noResize="1" noEditPoints="1" noAdjustHandles="1" noChangeArrowheads="1" noChangeShapeType="1" noTextEdit="1"/>
+              </p:cNvSpPr>
+              <p:nvPr/>
+            </p:nvSpPr>
+            <p:spPr>
+              <a:xfrm>
+                <a:off x="3869160" y="4424346"/>
+                <a:ext cx="4501008" cy="1222964"/>
+              </a:xfrm>
+              <a:prstGeom prst="rect">
+                <a:avLst/>
+              </a:prstGeom>
+              <a:blipFill>
+                <a:blip r:embed="rId4"/>
+                <a:stretch>
+                  <a:fillRect/>
+                </a:stretch>
+              </a:blipFill>
+            </p:spPr>
+            <p:txBody>
+              <a:bodyPr/>
+              <a:lstStyle/>
+              <a:p>
+                <a:r>
+                  <a:rPr lang="tr-TR">
+                    <a:noFill/>
+                  </a:rPr>
+                  <a:t> </a:t>
+                </a:r>
+              </a:p>
+            </p:txBody>
+          </p:sp>
+        </mc:Fallback>
+      </mc:AlternateContent>
+      <p:sp>
+        <p:nvSpPr>
+          <p:cNvPr id="4" name="TextBox 3"/>
+          <p:cNvSpPr txBox="1"/>
+          <p:nvPr/>
+        </p:nvSpPr>
+        <p:spPr>
+          <a:xfrm>
+            <a:off x="457199" y="2068243"/>
+            <a:ext cx="3384376" cy="3785652"/>
+          </a:xfrm>
+          <a:prstGeom prst="rect">
+            <a:avLst/>
+          </a:prstGeom>
+          <a:noFill/>
+        </p:spPr>
+        <p:txBody>
+          <a:bodyPr wrap="square" rtlCol="0">
+            <a:spAutoFit/>
+          </a:bodyPr>
           <a:lstStyle/>
           <a:p>
-            <a:endParaRPr lang="tr-TR"/>
+            <a:r>
+              <a:rPr lang="tr-TR" dirty="0" smtClean="0"/>
+              <a:t>Frequency Regulating Mechanisms in Grid:</a:t>
+            </a:r>
+          </a:p>
+          <a:p>
+            <a:endParaRPr lang="tr-TR" dirty="0" smtClean="0"/>
+          </a:p>
+          <a:p>
+            <a:pPr marL="342900" indent="-342900">
+              <a:buFont typeface="Arial" panose="020B0604020202020204" pitchFamily="34" charset="0"/>
+              <a:buChar char="•"/>
+            </a:pPr>
+            <a:r>
+              <a:rPr lang="tr-TR" dirty="0" smtClean="0"/>
+              <a:t>Primary Frequency Control</a:t>
+            </a:r>
+          </a:p>
+          <a:p>
+            <a:pPr marL="342900" indent="-342900">
+              <a:buFont typeface="Arial" panose="020B0604020202020204" pitchFamily="34" charset="0"/>
+              <a:buChar char="•"/>
+            </a:pPr>
+            <a:endParaRPr lang="tr-TR" dirty="0" smtClean="0"/>
+          </a:p>
+          <a:p>
+            <a:pPr marL="342900" indent="-342900">
+              <a:buFont typeface="Arial" panose="020B0604020202020204" pitchFamily="34" charset="0"/>
+              <a:buChar char="•"/>
+            </a:pPr>
+            <a:r>
+              <a:rPr lang="tr-TR" dirty="0" smtClean="0"/>
+              <a:t>Secondary Control</a:t>
+            </a:r>
+          </a:p>
+          <a:p>
+            <a:pPr marL="342900" indent="-342900">
+              <a:buFont typeface="Arial" panose="020B0604020202020204" pitchFamily="34" charset="0"/>
+              <a:buChar char="•"/>
+            </a:pPr>
+            <a:endParaRPr lang="tr-TR" dirty="0" smtClean="0"/>
+          </a:p>
+          <a:p>
+            <a:pPr marL="342900" indent="-342900">
+              <a:buFont typeface="Arial" panose="020B0604020202020204" pitchFamily="34" charset="0"/>
+              <a:buChar char="•"/>
+            </a:pPr>
+            <a:r>
+              <a:rPr lang="tr-TR" dirty="0" smtClean="0"/>
+              <a:t>Tertiary Frequency Control</a:t>
+            </a:r>
+            <a:endParaRPr lang="tr-TR" dirty="0"/>
           </a:p>
         </p:txBody>
       </p:sp>
     </p:spTree>
     <p:extLst>
       <p:ext uri="{BB962C8B-B14F-4D97-AF65-F5344CB8AC3E}">
-        <p14:creationId xmlns:p14="http://schemas.microsoft.com/office/powerpoint/2010/main" val="1625507055"/>
+        <p14:creationId xmlns:p14="http://schemas.microsoft.com/office/powerpoint/2010/main" val="3720787453"/>
       </p:ext>
     </p:extLst>
   </p:cSld>
@@ -6121,7 +10393,7 @@
                 <a:latin typeface="Arial" panose="020B0604020202020204" pitchFamily="34" charset="0"/>
                 <a:cs typeface="Arial" panose="020B0604020202020204" pitchFamily="34" charset="0"/>
               </a:rPr>
-              <a:t>Wind Turbine Modelling</a:t>
+              <a:t>Frequeny Disturbance</a:t>
             </a:r>
             <a:endParaRPr lang="en-US" dirty="0" smtClean="0">
               <a:latin typeface="Arial" panose="020B0604020202020204" pitchFamily="34" charset="0"/>
@@ -6185,29 +10457,180 @@
           </a:p>
         </p:txBody>
       </p:sp>
-      <p:sp>
-        <p:nvSpPr>
-          <p:cNvPr id="4" name="Content Placeholder 3"/>
-          <p:cNvSpPr>
-            <a:spLocks noGrp="1"/>
-          </p:cNvSpPr>
+      <p:pic>
+        <p:nvPicPr>
+          <p:cNvPr id="5" name="Content Placeholder 4"/>
+          <p:cNvPicPr>
+            <a:picLocks noGrp="1" noChangeAspect="1"/>
+          </p:cNvPicPr>
           <p:nvPr>
             <p:ph idx="1"/>
           </p:nvPr>
-        </p:nvSpPr>
-        <p:spPr/>
-        <p:txBody>
-          <a:bodyPr/>
+        </p:nvPicPr>
+        <p:blipFill>
+          <a:blip r:embed="rId3">
+            <a:extLst>
+              <a:ext uri="{28A0092B-C50C-407E-A947-70E740481C1C}">
+                <a14:useLocalDpi xmlns:a14="http://schemas.microsoft.com/office/drawing/2010/main" val="0"/>
+              </a:ext>
+            </a:extLst>
+          </a:blip>
+          <a:stretch>
+            <a:fillRect/>
+          </a:stretch>
+        </p:blipFill>
+        <p:spPr>
+          <a:xfrm>
+            <a:off x="4320336" y="1522369"/>
+            <a:ext cx="4762872" cy="3283681"/>
+          </a:xfrm>
+        </p:spPr>
+      </p:pic>
+      <p:sp>
+        <p:nvSpPr>
+          <p:cNvPr id="9" name="Left Arrow 8"/>
+          <p:cNvSpPr/>
+          <p:nvPr/>
+        </p:nvSpPr>
+        <p:spPr>
+          <a:xfrm rot="8090536">
+            <a:off x="5306102" y="1757171"/>
+            <a:ext cx="1259776" cy="360290"/>
+          </a:xfrm>
+          <a:prstGeom prst="leftArrow">
+            <a:avLst/>
+          </a:prstGeom>
+          <a:noFill/>
+          <a:ln w="19050">
+            <a:solidFill>
+              <a:schemeClr val="tx1"/>
+            </a:solidFill>
+          </a:ln>
+          <a:effectLst/>
+        </p:spPr>
+        <p:style>
+          <a:lnRef idx="1">
+            <a:schemeClr val="accent1"/>
+          </a:lnRef>
+          <a:fillRef idx="3">
+            <a:schemeClr val="accent1"/>
+          </a:fillRef>
+          <a:effectRef idx="2">
+            <a:schemeClr val="accent1"/>
+          </a:effectRef>
+          <a:fontRef idx="minor">
+            <a:schemeClr val="lt1"/>
+          </a:fontRef>
+        </p:style>
+        <p:txBody>
+          <a:bodyPr rtlCol="0" anchor="ctr"/>
           <a:lstStyle/>
           <a:p>
+            <a:pPr algn="ctr"/>
             <a:endParaRPr lang="tr-TR"/>
+          </a:p>
+        </p:txBody>
+      </p:sp>
+      <p:sp>
+        <p:nvSpPr>
+          <p:cNvPr id="10" name="TextBox 9"/>
+          <p:cNvSpPr txBox="1"/>
+          <p:nvPr/>
+        </p:nvSpPr>
+        <p:spPr>
+          <a:xfrm>
+            <a:off x="6507893" y="975661"/>
+            <a:ext cx="1512168" cy="830997"/>
+          </a:xfrm>
+          <a:prstGeom prst="rect">
+            <a:avLst/>
+          </a:prstGeom>
+          <a:noFill/>
+        </p:spPr>
+        <p:txBody>
+          <a:bodyPr wrap="square" rtlCol="0">
+            <a:spAutoFit/>
+          </a:bodyPr>
+          <a:lstStyle/>
+          <a:p>
+            <a:r>
+              <a:rPr lang="tr-TR" dirty="0" smtClean="0"/>
+              <a:t>Inertial Support</a:t>
+            </a:r>
+            <a:endParaRPr lang="tr-TR" dirty="0"/>
+          </a:p>
+        </p:txBody>
+      </p:sp>
+      <p:sp>
+        <p:nvSpPr>
+          <p:cNvPr id="4" name="TextBox 3"/>
+          <p:cNvSpPr txBox="1"/>
+          <p:nvPr/>
+        </p:nvSpPr>
+        <p:spPr>
+          <a:xfrm>
+            <a:off x="611560" y="2060848"/>
+            <a:ext cx="3708776" cy="1569660"/>
+          </a:xfrm>
+          <a:prstGeom prst="rect">
+            <a:avLst/>
+          </a:prstGeom>
+          <a:noFill/>
+        </p:spPr>
+        <p:txBody>
+          <a:bodyPr wrap="square" rtlCol="0">
+            <a:spAutoFit/>
+          </a:bodyPr>
+          <a:lstStyle/>
+          <a:p>
+            <a:r>
+              <a:rPr lang="tr-TR" dirty="0" smtClean="0"/>
+              <a:t>Frequency decline is arrested by Inertial Support and Primary Frequency Controllers</a:t>
+            </a:r>
+            <a:endParaRPr lang="tr-TR" dirty="0"/>
+          </a:p>
+        </p:txBody>
+      </p:sp>
+      <p:sp>
+        <p:nvSpPr>
+          <p:cNvPr id="11" name="TextBox 10"/>
+          <p:cNvSpPr txBox="1"/>
+          <p:nvPr/>
+        </p:nvSpPr>
+        <p:spPr>
+          <a:xfrm>
+            <a:off x="1369401" y="5433711"/>
+            <a:ext cx="6405197" cy="461665"/>
+          </a:xfrm>
+          <a:prstGeom prst="rect">
+            <a:avLst/>
+          </a:prstGeom>
+          <a:noFill/>
+        </p:spPr>
+        <p:txBody>
+          <a:bodyPr wrap="square" rtlCol="0">
+            <a:spAutoFit/>
+          </a:bodyPr>
+          <a:lstStyle/>
+          <a:p>
+            <a:r>
+              <a:rPr lang="tr-TR" dirty="0" smtClean="0"/>
+              <a:t>Higher Grid Inertia </a:t>
+            </a:r>
+            <a:r>
+              <a:rPr lang="tr-TR" dirty="0" smtClean="0">
+                <a:sym typeface="Wingdings" panose="05000000000000000000" pitchFamily="2" charset="2"/>
+              </a:rPr>
+              <a:t> Lower RoCoF</a:t>
+            </a:r>
+            <a:endParaRPr lang="tr-TR" dirty="0"/>
           </a:p>
         </p:txBody>
       </p:sp>
     </p:spTree>
     <p:extLst>
       <p:ext uri="{BB962C8B-B14F-4D97-AF65-F5344CB8AC3E}">
-        <p14:creationId xmlns:p14="http://schemas.microsoft.com/office/powerpoint/2010/main" val="3642614407"/>
+        <p14:creationId xmlns:p14="http://schemas.microsoft.com/office/powerpoint/2010/main" val="3028529927"/>
       </p:ext>
     </p:extLst>
   </p:cSld>
@@ -6265,7 +10688,7 @@
                 <a:latin typeface="Arial" panose="020B0604020202020204" pitchFamily="34" charset="0"/>
                 <a:cs typeface="Arial" panose="020B0604020202020204" pitchFamily="34" charset="0"/>
               </a:rPr>
-              <a:t>Fast Inertia Support</a:t>
+              <a:t>Renewable Energy Problems</a:t>
             </a:r>
             <a:endParaRPr lang="en-US" dirty="0" smtClean="0">
               <a:latin typeface="Arial" panose="020B0604020202020204" pitchFamily="34" charset="0"/>
@@ -6329,29 +10752,107 @@
           </a:p>
         </p:txBody>
       </p:sp>
-      <p:sp>
-        <p:nvSpPr>
-          <p:cNvPr id="4" name="Content Placeholder 3"/>
-          <p:cNvSpPr>
-            <a:spLocks noGrp="1"/>
-          </p:cNvSpPr>
+      <p:pic>
+        <p:nvPicPr>
+          <p:cNvPr id="5" name="Content Placeholder 4"/>
+          <p:cNvPicPr>
+            <a:picLocks noGrp="1" noChangeAspect="1"/>
+          </p:cNvPicPr>
           <p:nvPr>
             <p:ph idx="1"/>
           </p:nvPr>
-        </p:nvSpPr>
-        <p:spPr/>
-        <p:txBody>
-          <a:bodyPr/>
+        </p:nvPicPr>
+        <p:blipFill>
+          <a:blip r:embed="rId3">
+            <a:extLst>
+              <a:ext uri="{28A0092B-C50C-407E-A947-70E740481C1C}">
+                <a14:useLocalDpi xmlns:a14="http://schemas.microsoft.com/office/drawing/2010/main" val="0"/>
+              </a:ext>
+            </a:extLst>
+          </a:blip>
+          <a:stretch>
+            <a:fillRect/>
+          </a:stretch>
+        </p:blipFill>
+        <p:spPr>
+          <a:xfrm>
+            <a:off x="448509" y="1351087"/>
+            <a:ext cx="3842939" cy="4987925"/>
+          </a:xfrm>
+        </p:spPr>
+      </p:pic>
+      <p:sp>
+        <p:nvSpPr>
+          <p:cNvPr id="6" name="TextBox 5"/>
+          <p:cNvSpPr txBox="1"/>
+          <p:nvPr/>
+        </p:nvSpPr>
+        <p:spPr>
+          <a:xfrm>
+            <a:off x="4860032" y="1700808"/>
+            <a:ext cx="3960440" cy="3785652"/>
+          </a:xfrm>
+          <a:prstGeom prst="rect">
+            <a:avLst/>
+          </a:prstGeom>
+          <a:noFill/>
+        </p:spPr>
+        <p:txBody>
+          <a:bodyPr wrap="square" rtlCol="0">
+            <a:spAutoFit/>
+          </a:bodyPr>
           <a:lstStyle/>
           <a:p>
-            <a:endParaRPr lang="tr-TR"/>
+            <a:pPr marL="342900" indent="-342900">
+              <a:buFont typeface="Arial" panose="020B0604020202020204" pitchFamily="34" charset="0"/>
+              <a:buChar char="•"/>
+            </a:pPr>
+            <a:r>
+              <a:rPr lang="tr-TR" dirty="0" smtClean="0"/>
+              <a:t>The inertia in the wind turbine is not reflected to grid.</a:t>
+            </a:r>
+          </a:p>
+          <a:p>
+            <a:pPr marL="342900" indent="-342900">
+              <a:buFont typeface="Arial" panose="020B0604020202020204" pitchFamily="34" charset="0"/>
+              <a:buChar char="•"/>
+            </a:pPr>
+            <a:endParaRPr lang="tr-TR" dirty="0" smtClean="0"/>
+          </a:p>
+          <a:p>
+            <a:pPr marL="342900" indent="-342900">
+              <a:buFont typeface="Arial" panose="020B0604020202020204" pitchFamily="34" charset="0"/>
+              <a:buChar char="•"/>
+            </a:pPr>
+            <a:r>
+              <a:rPr lang="tr-TR" dirty="0" smtClean="0"/>
+              <a:t>The increase in the share of RE causes the risk of frequency stability.</a:t>
+            </a:r>
+          </a:p>
+          <a:p>
+            <a:pPr marL="342900" indent="-342900">
+              <a:buFont typeface="Arial" panose="020B0604020202020204" pitchFamily="34" charset="0"/>
+              <a:buChar char="•"/>
+            </a:pPr>
+            <a:endParaRPr lang="tr-TR" dirty="0"/>
+          </a:p>
+          <a:p>
+            <a:pPr marL="342900" indent="-342900">
+              <a:buFont typeface="Arial" panose="020B0604020202020204" pitchFamily="34" charset="0"/>
+              <a:buChar char="•"/>
+            </a:pPr>
+            <a:r>
+              <a:rPr lang="tr-TR" dirty="0" smtClean="0"/>
+              <a:t>Existing structure decreases grid inertia!</a:t>
+            </a:r>
+            <a:endParaRPr lang="tr-TR" dirty="0"/>
           </a:p>
         </p:txBody>
       </p:sp>
     </p:spTree>
     <p:extLst>
       <p:ext uri="{BB962C8B-B14F-4D97-AF65-F5344CB8AC3E}">
-        <p14:creationId xmlns:p14="http://schemas.microsoft.com/office/powerpoint/2010/main" val="1702455776"/>
+        <p14:creationId xmlns:p14="http://schemas.microsoft.com/office/powerpoint/2010/main" val="3933851754"/>
       </p:ext>
     </p:extLst>
   </p:cSld>
@@ -6409,7 +10910,7 @@
                 <a:latin typeface="Arial" panose="020B0604020202020204" pitchFamily="34" charset="0"/>
                 <a:cs typeface="Arial" panose="020B0604020202020204" pitchFamily="34" charset="0"/>
               </a:rPr>
-              <a:t>Synthetic Inertia</a:t>
+              <a:t>Swing Equation</a:t>
             </a:r>
             <a:endParaRPr lang="en-US" dirty="0" smtClean="0">
               <a:latin typeface="Arial" panose="020B0604020202020204" pitchFamily="34" charset="0"/>
@@ -6475,7 +10976,7 @@
       </p:sp>
       <p:pic>
         <p:nvPicPr>
-          <p:cNvPr id="5" name="Content Placeholder 4"/>
+          <p:cNvPr id="6" name="Content Placeholder 5"/>
           <p:cNvPicPr>
             <a:picLocks noGrp="1" noChangeAspect="1"/>
           </p:cNvPicPr>
@@ -6497,15 +10998,563 @@
         </p:blipFill>
         <p:spPr>
           <a:xfrm>
-            <a:off x="0" y="1519480"/>
-            <a:ext cx="9144000" cy="4357792"/>
+            <a:off x="4722440" y="1556792"/>
+            <a:ext cx="3810000" cy="3971925"/>
           </a:xfrm>
         </p:spPr>
       </p:pic>
+      <mc:AlternateContent xmlns:mc="http://schemas.openxmlformats.org/markup-compatibility/2006">
+        <mc:Choice xmlns:a14="http://schemas.microsoft.com/office/drawing/2010/main" Requires="a14">
+          <p:sp>
+            <p:nvSpPr>
+              <p:cNvPr id="8" name="TextBox 7"/>
+              <p:cNvSpPr txBox="1"/>
+              <p:nvPr/>
+            </p:nvSpPr>
+            <p:spPr>
+              <a:xfrm>
+                <a:off x="609599" y="2749203"/>
+                <a:ext cx="3630116" cy="1124282"/>
+              </a:xfrm>
+              <a:prstGeom prst="rect">
+                <a:avLst/>
+              </a:prstGeom>
+              <a:noFill/>
+            </p:spPr>
+            <p:txBody>
+              <a:bodyPr wrap="square" rtlCol="0">
+                <a:spAutoFit/>
+              </a:bodyPr>
+              <a:lstStyle/>
+              <a:p>
+                <a14:m>
+                  <m:oMathPara xmlns:m="http://schemas.openxmlformats.org/officeDocument/2006/math">
+                    <m:oMathParaPr>
+                      <m:jc m:val="centerGroup"/>
+                    </m:oMathParaPr>
+                    <m:oMath xmlns:m="http://schemas.openxmlformats.org/officeDocument/2006/math">
+                      <m:r>
+                        <a:rPr lang="tr-TR" i="1" smtClean="0">
+                          <a:latin typeface="Cambria Math" panose="02040503050406030204" pitchFamily="18" charset="0"/>
+                        </a:rPr>
+                        <m:t>𝐻</m:t>
+                      </m:r>
+                      <m:r>
+                        <a:rPr lang="tr-TR" b="0" i="1" smtClean="0">
+                          <a:latin typeface="Cambria Math" panose="02040503050406030204" pitchFamily="18" charset="0"/>
+                        </a:rPr>
+                        <m:t>=</m:t>
+                      </m:r>
+                      <m:f>
+                        <m:fPr>
+                          <m:ctrlPr>
+                            <a:rPr lang="tr-TR" i="1" smtClean="0">
+                              <a:latin typeface="Cambria Math" panose="02040503050406030204" pitchFamily="18" charset="0"/>
+                            </a:rPr>
+                          </m:ctrlPr>
+                        </m:fPr>
+                        <m:num>
+                          <m:f>
+                            <m:fPr>
+                              <m:ctrlPr>
+                                <a:rPr lang="tr-TR" i="1">
+                                  <a:latin typeface="Cambria Math" panose="02040503050406030204" pitchFamily="18" charset="0"/>
+                                </a:rPr>
+                              </m:ctrlPr>
+                            </m:fPr>
+                            <m:num>
+                              <m:r>
+                                <a:rPr lang="tr-TR" b="0" i="1" smtClean="0">
+                                  <a:latin typeface="Cambria Math" panose="02040503050406030204" pitchFamily="18" charset="0"/>
+                                </a:rPr>
+                                <m:t>1</m:t>
+                              </m:r>
+                            </m:num>
+                            <m:den>
+                              <m:r>
+                                <a:rPr lang="tr-TR" b="0" i="1" smtClean="0">
+                                  <a:latin typeface="Cambria Math" panose="02040503050406030204" pitchFamily="18" charset="0"/>
+                                </a:rPr>
+                                <m:t>2</m:t>
+                              </m:r>
+                            </m:den>
+                          </m:f>
+                          <m:r>
+                            <a:rPr lang="tr-TR" b="0" i="1" smtClean="0">
+                              <a:latin typeface="Cambria Math" panose="02040503050406030204" pitchFamily="18" charset="0"/>
+                            </a:rPr>
+                            <m:t>𝐽</m:t>
+                          </m:r>
+                          <m:sSup>
+                            <m:sSupPr>
+                              <m:ctrlPr>
+                                <a:rPr lang="tr-TR" b="0" i="1" smtClean="0">
+                                  <a:latin typeface="Cambria Math" panose="02040503050406030204" pitchFamily="18" charset="0"/>
+                                </a:rPr>
+                              </m:ctrlPr>
+                            </m:sSupPr>
+                            <m:e>
+                              <m:r>
+                                <m:rPr>
+                                  <m:sty m:val="p"/>
+                                </m:rPr>
+                                <a:rPr lang="el-GR" i="1">
+                                  <a:latin typeface="Cambria Math" panose="02040503050406030204" pitchFamily="18" charset="0"/>
+                                </a:rPr>
+                                <m:t>ω</m:t>
+                              </m:r>
+                            </m:e>
+                            <m:sup>
+                              <m:r>
+                                <a:rPr lang="tr-TR" b="0" i="1" smtClean="0">
+                                  <a:latin typeface="Cambria Math" panose="02040503050406030204" pitchFamily="18" charset="0"/>
+                                </a:rPr>
+                                <m:t>2</m:t>
+                              </m:r>
+                            </m:sup>
+                          </m:sSup>
+                        </m:num>
+                        <m:den>
+                          <m:sSub>
+                            <m:sSubPr>
+                              <m:ctrlPr>
+                                <a:rPr lang="tr-TR" i="1">
+                                  <a:latin typeface="Cambria Math" panose="02040503050406030204" pitchFamily="18" charset="0"/>
+                                </a:rPr>
+                              </m:ctrlPr>
+                            </m:sSubPr>
+                            <m:e>
+                              <m:r>
+                                <a:rPr lang="tr-TR" b="0" i="1" smtClean="0">
+                                  <a:latin typeface="Cambria Math" panose="02040503050406030204" pitchFamily="18" charset="0"/>
+                                </a:rPr>
+                                <m:t>𝑆</m:t>
+                              </m:r>
+                            </m:e>
+                            <m:sub>
+                              <m:r>
+                                <a:rPr lang="tr-TR" b="0" i="1" smtClean="0">
+                                  <a:latin typeface="Cambria Math" panose="02040503050406030204" pitchFamily="18" charset="0"/>
+                                </a:rPr>
+                                <m:t>𝑏𝑎𝑠𝑒</m:t>
+                              </m:r>
+                            </m:sub>
+                          </m:sSub>
+                        </m:den>
+                      </m:f>
+                    </m:oMath>
+                  </m:oMathPara>
+                </a14:m>
+                <a:endParaRPr lang="tr-TR" dirty="0"/>
+              </a:p>
+            </p:txBody>
+          </p:sp>
+        </mc:Choice>
+        <mc:Fallback>
+          <p:sp>
+            <p:nvSpPr>
+              <p:cNvPr id="8" name="TextBox 7"/>
+              <p:cNvSpPr txBox="1">
+                <a:spLocks noRot="1" noChangeAspect="1" noMove="1" noResize="1" noEditPoints="1" noAdjustHandles="1" noChangeArrowheads="1" noChangeShapeType="1" noTextEdit="1"/>
+              </p:cNvSpPr>
+              <p:nvPr/>
+            </p:nvSpPr>
+            <p:spPr>
+              <a:xfrm>
+                <a:off x="609599" y="2749203"/>
+                <a:ext cx="3630116" cy="1124282"/>
+              </a:xfrm>
+              <a:prstGeom prst="rect">
+                <a:avLst/>
+              </a:prstGeom>
+              <a:blipFill>
+                <a:blip r:embed="rId4"/>
+                <a:stretch>
+                  <a:fillRect/>
+                </a:stretch>
+              </a:blipFill>
+            </p:spPr>
+            <p:txBody>
+              <a:bodyPr/>
+              <a:lstStyle/>
+              <a:p>
+                <a:r>
+                  <a:rPr lang="tr-TR">
+                    <a:noFill/>
+                  </a:rPr>
+                  <a:t> </a:t>
+                </a:r>
+              </a:p>
+            </p:txBody>
+          </p:sp>
+        </mc:Fallback>
+      </mc:AlternateContent>
+      <mc:AlternateContent xmlns:mc="http://schemas.openxmlformats.org/markup-compatibility/2006">
+        <mc:Choice xmlns:a14="http://schemas.microsoft.com/office/drawing/2010/main" Requires="a14">
+          <p:sp>
+            <p:nvSpPr>
+              <p:cNvPr id="11" name="TextBox 10"/>
+              <p:cNvSpPr txBox="1"/>
+              <p:nvPr/>
+            </p:nvSpPr>
+            <p:spPr>
+              <a:xfrm>
+                <a:off x="360834" y="4169313"/>
+                <a:ext cx="3630116" cy="793551"/>
+              </a:xfrm>
+              <a:prstGeom prst="rect">
+                <a:avLst/>
+              </a:prstGeom>
+              <a:noFill/>
+            </p:spPr>
+            <p:txBody>
+              <a:bodyPr wrap="square" rtlCol="0">
+                <a:spAutoFit/>
+              </a:bodyPr>
+              <a:lstStyle/>
+              <a:p>
+                <a14:m>
+                  <m:oMathPara xmlns:m="http://schemas.openxmlformats.org/officeDocument/2006/math">
+                    <m:oMathParaPr>
+                      <m:jc m:val="centerGroup"/>
+                    </m:oMathParaPr>
+                    <m:oMath xmlns:m="http://schemas.openxmlformats.org/officeDocument/2006/math">
+                      <m:r>
+                        <a:rPr lang="tr-TR" i="1" smtClean="0">
+                          <a:latin typeface="Cambria Math" panose="02040503050406030204" pitchFamily="18" charset="0"/>
+                        </a:rPr>
+                        <m:t>2</m:t>
+                      </m:r>
+                      <m:r>
+                        <a:rPr lang="tr-TR" b="0" i="1" smtClean="0">
+                          <a:latin typeface="Cambria Math" panose="02040503050406030204" pitchFamily="18" charset="0"/>
+                        </a:rPr>
+                        <m:t>𝐻</m:t>
+                      </m:r>
+                      <m:acc>
+                        <m:accPr>
+                          <m:chr m:val="̅"/>
+                          <m:ctrlPr>
+                            <a:rPr lang="tr-TR" i="1">
+                              <a:latin typeface="Cambria Math" panose="02040503050406030204" pitchFamily="18" charset="0"/>
+                            </a:rPr>
+                          </m:ctrlPr>
+                        </m:accPr>
+                        <m:e>
+                          <m:r>
+                            <a:rPr lang="el-GR" i="1" dirty="0">
+                              <a:latin typeface="Cambria Math" panose="02040503050406030204" pitchFamily="18" charset="0"/>
+                            </a:rPr>
+                            <m:t>𝜔</m:t>
+                          </m:r>
+                        </m:e>
+                      </m:acc>
+                      <m:f>
+                        <m:fPr>
+                          <m:ctrlPr>
+                            <a:rPr lang="tr-TR" i="1" smtClean="0">
+                              <a:latin typeface="Cambria Math" panose="02040503050406030204" pitchFamily="18" charset="0"/>
+                            </a:rPr>
+                          </m:ctrlPr>
+                        </m:fPr>
+                        <m:num>
+                          <m:r>
+                            <a:rPr lang="tr-TR" b="0" i="1" smtClean="0">
+                              <a:latin typeface="Cambria Math" panose="02040503050406030204" pitchFamily="18" charset="0"/>
+                            </a:rPr>
+                            <m:t>𝑑</m:t>
+                          </m:r>
+                          <m:acc>
+                            <m:accPr>
+                              <m:chr m:val="̅"/>
+                              <m:ctrlPr>
+                                <a:rPr lang="tr-TR" i="1">
+                                  <a:latin typeface="Cambria Math" panose="02040503050406030204" pitchFamily="18" charset="0"/>
+                                </a:rPr>
+                              </m:ctrlPr>
+                            </m:accPr>
+                            <m:e>
+                              <m:r>
+                                <a:rPr lang="el-GR" i="1" dirty="0" smtClean="0">
+                                  <a:latin typeface="Cambria Math" panose="02040503050406030204" pitchFamily="18" charset="0"/>
+                                </a:rPr>
+                                <m:t>𝜔</m:t>
+                              </m:r>
+                            </m:e>
+                          </m:acc>
+                        </m:num>
+                        <m:den>
+                          <m:r>
+                            <a:rPr lang="tr-TR" b="0" i="1" smtClean="0">
+                              <a:latin typeface="Cambria Math" panose="02040503050406030204" pitchFamily="18" charset="0"/>
+                            </a:rPr>
+                            <m:t>𝑑𝑡</m:t>
+                          </m:r>
+                        </m:den>
+                      </m:f>
+                      <m:r>
+                        <a:rPr lang="tr-TR" b="0" i="1" smtClean="0">
+                          <a:latin typeface="Cambria Math" panose="02040503050406030204" pitchFamily="18" charset="0"/>
+                        </a:rPr>
+                        <m:t>=</m:t>
+                      </m:r>
+                      <m:r>
+                        <m:rPr>
+                          <m:sty m:val="p"/>
+                        </m:rPr>
+                        <a:rPr lang="el-GR" b="0" i="1" smtClean="0">
+                          <a:latin typeface="Cambria Math" panose="02040503050406030204" pitchFamily="18" charset="0"/>
+                        </a:rPr>
+                        <m:t>Δ</m:t>
+                      </m:r>
+                      <m:acc>
+                        <m:accPr>
+                          <m:chr m:val="̅"/>
+                          <m:ctrlPr>
+                            <a:rPr lang="tr-TR" i="1">
+                              <a:latin typeface="Cambria Math" panose="02040503050406030204" pitchFamily="18" charset="0"/>
+                            </a:rPr>
+                          </m:ctrlPr>
+                        </m:accPr>
+                        <m:e>
+                          <m:r>
+                            <a:rPr lang="tr-TR" b="0" i="1" smtClean="0">
+                              <a:latin typeface="Cambria Math" panose="02040503050406030204" pitchFamily="18" charset="0"/>
+                            </a:rPr>
+                            <m:t>𝑃</m:t>
+                          </m:r>
+                        </m:e>
+                      </m:acc>
+                    </m:oMath>
+                  </m:oMathPara>
+                </a14:m>
+                <a:endParaRPr lang="tr-TR" dirty="0"/>
+              </a:p>
+            </p:txBody>
+          </p:sp>
+        </mc:Choice>
+        <mc:Fallback>
+          <p:sp>
+            <p:nvSpPr>
+              <p:cNvPr id="11" name="TextBox 10"/>
+              <p:cNvSpPr txBox="1">
+                <a:spLocks noRot="1" noChangeAspect="1" noMove="1" noResize="1" noEditPoints="1" noAdjustHandles="1" noChangeArrowheads="1" noChangeShapeType="1" noTextEdit="1"/>
+              </p:cNvSpPr>
+              <p:nvPr/>
+            </p:nvSpPr>
+            <p:spPr>
+              <a:xfrm>
+                <a:off x="360834" y="4169313"/>
+                <a:ext cx="3630116" cy="793551"/>
+              </a:xfrm>
+              <a:prstGeom prst="rect">
+                <a:avLst/>
+              </a:prstGeom>
+              <a:blipFill>
+                <a:blip r:embed="rId5"/>
+                <a:stretch>
+                  <a:fillRect/>
+                </a:stretch>
+              </a:blipFill>
+            </p:spPr>
+            <p:txBody>
+              <a:bodyPr/>
+              <a:lstStyle/>
+              <a:p>
+                <a:r>
+                  <a:rPr lang="tr-TR">
+                    <a:noFill/>
+                  </a:rPr>
+                  <a:t> </a:t>
+                </a:r>
+              </a:p>
+            </p:txBody>
+          </p:sp>
+        </mc:Fallback>
+      </mc:AlternateContent>
+      <mc:AlternateContent xmlns:mc="http://schemas.openxmlformats.org/markup-compatibility/2006">
+        <mc:Choice xmlns:a14="http://schemas.microsoft.com/office/drawing/2010/main" Requires="a14">
+          <p:sp>
+            <p:nvSpPr>
+              <p:cNvPr id="9" name="TextBox 8"/>
+              <p:cNvSpPr txBox="1"/>
+              <p:nvPr/>
+            </p:nvSpPr>
+            <p:spPr>
+              <a:xfrm>
+                <a:off x="609599" y="1898238"/>
+                <a:ext cx="3630116" cy="793551"/>
+              </a:xfrm>
+              <a:prstGeom prst="rect">
+                <a:avLst/>
+              </a:prstGeom>
+              <a:noFill/>
+            </p:spPr>
+            <p:txBody>
+              <a:bodyPr wrap="square" rtlCol="0">
+                <a:spAutoFit/>
+              </a:bodyPr>
+              <a:lstStyle/>
+              <a:p>
+                <a14:m>
+                  <m:oMathPara xmlns:m="http://schemas.openxmlformats.org/officeDocument/2006/math">
+                    <m:oMathParaPr>
+                      <m:jc m:val="centerGroup"/>
+                    </m:oMathParaPr>
+                    <m:oMath xmlns:m="http://schemas.openxmlformats.org/officeDocument/2006/math">
+                      <m:sSub>
+                        <m:sSubPr>
+                          <m:ctrlPr>
+                            <a:rPr lang="tr-TR" i="1" smtClean="0">
+                              <a:latin typeface="Cambria Math" panose="02040503050406030204" pitchFamily="18" charset="0"/>
+                            </a:rPr>
+                          </m:ctrlPr>
+                        </m:sSubPr>
+                        <m:e>
+                          <m:r>
+                            <a:rPr lang="tr-TR" i="1">
+                              <a:latin typeface="Cambria Math" panose="02040503050406030204" pitchFamily="18" charset="0"/>
+                            </a:rPr>
+                            <m:t>𝑇</m:t>
+                          </m:r>
+                        </m:e>
+                        <m:sub>
+                          <m:r>
+                            <a:rPr lang="tr-TR" b="0" i="1" smtClean="0">
+                              <a:latin typeface="Cambria Math" panose="02040503050406030204" pitchFamily="18" charset="0"/>
+                            </a:rPr>
+                            <m:t>𝑚</m:t>
+                          </m:r>
+                        </m:sub>
+                      </m:sSub>
+                      <m:r>
+                        <a:rPr lang="tr-TR" b="0" i="1" smtClean="0">
+                          <a:latin typeface="Cambria Math" panose="02040503050406030204" pitchFamily="18" charset="0"/>
+                        </a:rPr>
+                        <m:t>−</m:t>
+                      </m:r>
+                      <m:sSub>
+                        <m:sSubPr>
+                          <m:ctrlPr>
+                            <a:rPr lang="tr-TR" i="1" smtClean="0">
+                              <a:latin typeface="Cambria Math" panose="02040503050406030204" pitchFamily="18" charset="0"/>
+                            </a:rPr>
+                          </m:ctrlPr>
+                        </m:sSubPr>
+                        <m:e>
+                          <m:r>
+                            <a:rPr lang="tr-TR" i="1" smtClean="0">
+                              <a:latin typeface="Cambria Math" panose="02040503050406030204" pitchFamily="18" charset="0"/>
+                            </a:rPr>
+                            <m:t>𝑇</m:t>
+                          </m:r>
+                        </m:e>
+                        <m:sub>
+                          <m:r>
+                            <a:rPr lang="tr-TR" b="0" i="1" smtClean="0">
+                              <a:latin typeface="Cambria Math" panose="02040503050406030204" pitchFamily="18" charset="0"/>
+                            </a:rPr>
+                            <m:t>𝑒</m:t>
+                          </m:r>
+                        </m:sub>
+                      </m:sSub>
+                      <m:r>
+                        <a:rPr lang="tr-TR" b="0" i="1" smtClean="0">
+                          <a:latin typeface="Cambria Math" panose="02040503050406030204" pitchFamily="18" charset="0"/>
+                        </a:rPr>
+                        <m:t>=</m:t>
+                      </m:r>
+                      <m:r>
+                        <a:rPr lang="tr-TR" b="0" i="1" smtClean="0">
+                          <a:latin typeface="Cambria Math" panose="02040503050406030204" pitchFamily="18" charset="0"/>
+                        </a:rPr>
+                        <m:t>𝐽</m:t>
+                      </m:r>
+                      <m:f>
+                        <m:fPr>
+                          <m:ctrlPr>
+                            <a:rPr lang="tr-TR" i="1" smtClean="0">
+                              <a:latin typeface="Cambria Math" panose="02040503050406030204" pitchFamily="18" charset="0"/>
+                            </a:rPr>
+                          </m:ctrlPr>
+                        </m:fPr>
+                        <m:num>
+                          <m:r>
+                            <a:rPr lang="tr-TR" b="0" i="1" smtClean="0">
+                              <a:latin typeface="Cambria Math" panose="02040503050406030204" pitchFamily="18" charset="0"/>
+                            </a:rPr>
+                            <m:t>𝑑</m:t>
+                          </m:r>
+                          <m:r>
+                            <m:rPr>
+                              <m:sty m:val="p"/>
+                            </m:rPr>
+                            <a:rPr lang="el-GR" b="0" i="1" smtClean="0">
+                              <a:latin typeface="Cambria Math" panose="02040503050406030204" pitchFamily="18" charset="0"/>
+                            </a:rPr>
+                            <m:t>ω</m:t>
+                          </m:r>
+                        </m:num>
+                        <m:den>
+                          <m:r>
+                            <a:rPr lang="tr-TR" b="0" i="1" smtClean="0">
+                              <a:latin typeface="Cambria Math" panose="02040503050406030204" pitchFamily="18" charset="0"/>
+                            </a:rPr>
+                            <m:t>𝑑𝑡</m:t>
+                          </m:r>
+                        </m:den>
+                      </m:f>
+                    </m:oMath>
+                  </m:oMathPara>
+                </a14:m>
+                <a:endParaRPr lang="tr-TR" dirty="0"/>
+              </a:p>
+            </p:txBody>
+          </p:sp>
+        </mc:Choice>
+        <mc:Fallback>
+          <p:sp>
+            <p:nvSpPr>
+              <p:cNvPr id="9" name="TextBox 8"/>
+              <p:cNvSpPr txBox="1">
+                <a:spLocks noRot="1" noChangeAspect="1" noMove="1" noResize="1" noEditPoints="1" noAdjustHandles="1" noChangeArrowheads="1" noChangeShapeType="1" noTextEdit="1"/>
+              </p:cNvSpPr>
+              <p:nvPr/>
+            </p:nvSpPr>
+            <p:spPr>
+              <a:xfrm>
+                <a:off x="609599" y="1898238"/>
+                <a:ext cx="3630116" cy="793551"/>
+              </a:xfrm>
+              <a:prstGeom prst="rect">
+                <a:avLst/>
+              </a:prstGeom>
+              <a:blipFill>
+                <a:blip r:embed="rId6"/>
+                <a:stretch>
+                  <a:fillRect/>
+                </a:stretch>
+              </a:blipFill>
+            </p:spPr>
+            <p:txBody>
+              <a:bodyPr/>
+              <a:lstStyle/>
+              <a:p>
+                <a:r>
+                  <a:rPr lang="tr-TR">
+                    <a:noFill/>
+                  </a:rPr>
+                  <a:t> </a:t>
+                </a:r>
+              </a:p>
+            </p:txBody>
+          </p:sp>
+        </mc:Fallback>
+      </mc:AlternateContent>
     </p:spTree>
     <p:extLst>
       <p:ext uri="{BB962C8B-B14F-4D97-AF65-F5344CB8AC3E}">
-        <p14:creationId xmlns:p14="http://schemas.microsoft.com/office/powerpoint/2010/main" val="668286389"/>
+        <p14:creationId xmlns:p14="http://schemas.microsoft.com/office/powerpoint/2010/main" val="3464745149"/>
       </p:ext>
     </p:extLst>
   </p:cSld>

--- a/Thesis/Thesis Defence/Erencan_Duymaz_thesis_defence.pptx
+++ b/Thesis/Thesis Defence/Erencan_Duymaz_thesis_defence.pptx
@@ -5,10 +5,10 @@
     <p:sldMasterId id="2147483662" r:id="rId1"/>
   </p:sldMasterIdLst>
   <p:notesMasterIdLst>
-    <p:notesMasterId r:id="rId23"/>
+    <p:notesMasterId r:id="rId30"/>
   </p:notesMasterIdLst>
   <p:handoutMasterIdLst>
-    <p:handoutMasterId r:id="rId24"/>
+    <p:handoutMasterId r:id="rId31"/>
   </p:handoutMasterIdLst>
   <p:sldIdLst>
     <p:sldId id="256" r:id="rId2"/>
@@ -25,13 +25,20 @@
     <p:sldId id="265" r:id="rId13"/>
     <p:sldId id="266" r:id="rId14"/>
     <p:sldId id="277" r:id="rId15"/>
-    <p:sldId id="267" r:id="rId16"/>
-    <p:sldId id="264" r:id="rId17"/>
-    <p:sldId id="278" r:id="rId18"/>
-    <p:sldId id="268" r:id="rId19"/>
-    <p:sldId id="261" r:id="rId20"/>
-    <p:sldId id="262" r:id="rId21"/>
-    <p:sldId id="263" r:id="rId22"/>
+    <p:sldId id="283" r:id="rId16"/>
+    <p:sldId id="267" r:id="rId17"/>
+    <p:sldId id="284" r:id="rId18"/>
+    <p:sldId id="285" r:id="rId19"/>
+    <p:sldId id="279" r:id="rId20"/>
+    <p:sldId id="280" r:id="rId21"/>
+    <p:sldId id="282" r:id="rId22"/>
+    <p:sldId id="281" r:id="rId23"/>
+    <p:sldId id="264" r:id="rId24"/>
+    <p:sldId id="278" r:id="rId25"/>
+    <p:sldId id="268" r:id="rId26"/>
+    <p:sldId id="261" r:id="rId27"/>
+    <p:sldId id="262" r:id="rId28"/>
+    <p:sldId id="263" r:id="rId29"/>
   </p:sldIdLst>
   <p:sldSz cx="9144000" cy="6858000" type="screen4x3"/>
   <p:notesSz cx="6746875" cy="9913938"/>
@@ -993,7 +1000,15 @@
           <a:bodyPr/>
           <a:lstStyle/>
           <a:p>
-            <a:endParaRPr lang="en-US" altLang="en-US" smtClean="0"/>
+            <a:r>
+              <a:rPr lang="tr-TR" altLang="en-US" dirty="0" smtClean="0"/>
+              <a:t>In order to provide a inertial support, the wind</a:t>
+            </a:r>
+            <a:r>
+              <a:rPr lang="tr-TR" altLang="en-US" baseline="0" dirty="0" smtClean="0"/>
+              <a:t> turbine active power should be controlled. Therefore, the MPPT speed operation is leaved. The turbine torque is adjusted by controlling the q-axis current. The active power increase is either a defined percentage as in the case of fast inertial support or the active power increase according to Swing Equation.</a:t>
+            </a:r>
+            <a:endParaRPr lang="en-US" altLang="en-US" dirty="0" smtClean="0"/>
           </a:p>
         </p:txBody>
       </p:sp>
@@ -1018,7 +1033,7 @@
     </p:spTree>
     <p:extLst>
       <p:ext uri="{BB962C8B-B14F-4D97-AF65-F5344CB8AC3E}">
-        <p14:creationId xmlns:p14="http://schemas.microsoft.com/office/powerpoint/2010/main" val="468962759"/>
+        <p14:creationId xmlns:p14="http://schemas.microsoft.com/office/powerpoint/2010/main" val="2034214963"/>
       </p:ext>
     </p:extLst>
   </p:cSld>
@@ -1082,30 +1097,7 @@
           <a:bodyPr/>
           <a:lstStyle/>
           <a:p>
-            <a:r>
-              <a:rPr lang="tr-TR" altLang="en-US" dirty="0" smtClean="0"/>
-              <a:t>In order to investigate the effect of the synthetic</a:t>
-            </a:r>
-            <a:r>
-              <a:rPr lang="tr-TR" altLang="en-US" baseline="0" dirty="0" smtClean="0"/>
-              <a:t> inertia implementation, the 2018 generation data has been used. In the figure, black line shows the variation of the generation meanwhile the red line shows the generation of wind + solar energy. The maximum generation occured in the 3th of August with a generation of 46GW. The minimum of the load has occured in  a religious holiday on the 16th of July with a generation of 18GW. </a:t>
-            </a:r>
-          </a:p>
-          <a:p>
-            <a:r>
-              <a:rPr lang="tr-TR" altLang="en-US" baseline="0" dirty="0" smtClean="0"/>
-              <a:t>The generation data can be used to roughly estimate the aggregated inertia constant in the grid.</a:t>
-            </a:r>
-          </a:p>
-          <a:p>
-            <a:endParaRPr lang="tr-TR" altLang="en-US" baseline="0" dirty="0" smtClean="0"/>
-          </a:p>
-          <a:p>
-            <a:r>
-              <a:rPr lang="tr-TR" altLang="en-US" baseline="0" dirty="0" smtClean="0"/>
-              <a:t>As stated before, the effective inertia contribution from wind and solar systems are zero. Moreover, the inertia constants of the synchronous generators vary between 2-9. By using zero inertia constant for wind and solar, H=5s for others, the effective inertia constant can be calculated.s</a:t>
-            </a:r>
-            <a:endParaRPr lang="en-US" altLang="en-US" dirty="0" smtClean="0"/>
+            <a:endParaRPr lang="en-US" altLang="en-US" smtClean="0"/>
           </a:p>
         </p:txBody>
       </p:sp>
@@ -1130,7 +1122,7 @@
     </p:spTree>
     <p:extLst>
       <p:ext uri="{BB962C8B-B14F-4D97-AF65-F5344CB8AC3E}">
-        <p14:creationId xmlns:p14="http://schemas.microsoft.com/office/powerpoint/2010/main" val="1200317172"/>
+        <p14:creationId xmlns:p14="http://schemas.microsoft.com/office/powerpoint/2010/main" val="468962759"/>
       </p:ext>
     </p:extLst>
   </p:cSld>
@@ -1194,30 +1186,7 @@
           <a:bodyPr/>
           <a:lstStyle/>
           <a:p>
-            <a:r>
-              <a:rPr lang="tr-TR" altLang="en-US" dirty="0" smtClean="0"/>
-              <a:t>The effective</a:t>
-            </a:r>
-            <a:r>
-              <a:rPr lang="tr-TR" altLang="en-US" baseline="0" dirty="0" smtClean="0"/>
-              <a:t> aggregated inertia in the system is shown in the graph. Notice that the inertia constant decreases down to 3.97s when the 20% of the generation is supplied from wind and solar in 26/09/2019 on 3 pm. </a:t>
-            </a:r>
-          </a:p>
-          <a:p>
-            <a:endParaRPr lang="tr-TR" altLang="en-US" baseline="0" dirty="0" smtClean="0"/>
-          </a:p>
-          <a:p>
-            <a:r>
-              <a:rPr lang="tr-TR" altLang="en-US" baseline="0" dirty="0" smtClean="0"/>
-              <a:t>It is possible to improve the effective inertia constant of the grid with synthetic inertia implementation. Note that the 54% of the installed wind energy systems in Turkey has FSPC. By assuming that 54% of wind energy production is obtained from these wind turbines and implementin inertia constant of h=10s, the improvement can be calculated. </a:t>
-            </a:r>
-          </a:p>
-          <a:p>
-            <a:r>
-              <a:rPr lang="tr-TR" altLang="en-US" baseline="0" dirty="0" smtClean="0"/>
-              <a:t>When the method is implemented on the wind turbines with FSPCs, </a:t>
-            </a:r>
-            <a:endParaRPr lang="en-US" altLang="en-US" dirty="0" smtClean="0"/>
+            <a:endParaRPr lang="en-US" altLang="en-US" smtClean="0"/>
           </a:p>
         </p:txBody>
       </p:sp>
@@ -1242,7 +1211,7 @@
     </p:spTree>
     <p:extLst>
       <p:ext uri="{BB962C8B-B14F-4D97-AF65-F5344CB8AC3E}">
-        <p14:creationId xmlns:p14="http://schemas.microsoft.com/office/powerpoint/2010/main" val="2155285927"/>
+        <p14:creationId xmlns:p14="http://schemas.microsoft.com/office/powerpoint/2010/main" val="2769588"/>
       </p:ext>
     </p:extLst>
   </p:cSld>
@@ -1306,15 +1275,7 @@
           <a:bodyPr/>
           <a:lstStyle/>
           <a:p>
-            <a:r>
-              <a:rPr lang="tr-TR" altLang="en-US" dirty="0" smtClean="0"/>
-              <a:t>The existing</a:t>
-            </a:r>
-            <a:r>
-              <a:rPr lang="tr-TR" altLang="en-US" baseline="0" dirty="0" smtClean="0"/>
-              <a:t> inertia constant and inertia constant with synthetic inertia is shown in the figure. Notice that the inertia constant is above the H=5s. That means the wind turbines can compensate the decrease in the inertia constant caused by them and also caused by solar energy. Note that the inertia constant is maximum where the existings case inertia constant is minimum. </a:t>
-            </a:r>
-            <a:endParaRPr lang="en-US" altLang="en-US" dirty="0" smtClean="0"/>
+            <a:endParaRPr lang="en-US" altLang="en-US" smtClean="0"/>
           </a:p>
         </p:txBody>
       </p:sp>
@@ -1339,7 +1300,7 @@
     </p:spTree>
     <p:extLst>
       <p:ext uri="{BB962C8B-B14F-4D97-AF65-F5344CB8AC3E}">
-        <p14:creationId xmlns:p14="http://schemas.microsoft.com/office/powerpoint/2010/main" val="1334382131"/>
+        <p14:creationId xmlns:p14="http://schemas.microsoft.com/office/powerpoint/2010/main" val="3372365603"/>
       </p:ext>
     </p:extLst>
   </p:cSld>
@@ -1428,7 +1389,7 @@
     </p:spTree>
     <p:extLst>
       <p:ext uri="{BB962C8B-B14F-4D97-AF65-F5344CB8AC3E}">
-        <p14:creationId xmlns:p14="http://schemas.microsoft.com/office/powerpoint/2010/main" val="3797404516"/>
+        <p14:creationId xmlns:p14="http://schemas.microsoft.com/office/powerpoint/2010/main" val="241080979"/>
       </p:ext>
     </p:extLst>
   </p:cSld>
@@ -1517,7 +1478,7 @@
     </p:spTree>
     <p:extLst>
       <p:ext uri="{BB962C8B-B14F-4D97-AF65-F5344CB8AC3E}">
-        <p14:creationId xmlns:p14="http://schemas.microsoft.com/office/powerpoint/2010/main" val="1157825987"/>
+        <p14:creationId xmlns:p14="http://schemas.microsoft.com/office/powerpoint/2010/main" val="1869415738"/>
       </p:ext>
     </p:extLst>
   </p:cSld>
@@ -1617,6 +1578,683 @@
 </file>
 
 <file path=ppt/notesSlides/notesSlide20.xml><?xml version="1.0" encoding="utf-8"?>
+<p:notes xmlns:a="http://schemas.openxmlformats.org/drawingml/2006/main" xmlns:r="http://schemas.openxmlformats.org/officeDocument/2006/relationships" xmlns:p="http://schemas.openxmlformats.org/presentationml/2006/main">
+  <p:cSld>
+    <p:spTree>
+      <p:nvGrpSpPr>
+        <p:cNvPr id="1" name=""/>
+        <p:cNvGrpSpPr/>
+        <p:nvPr/>
+      </p:nvGrpSpPr>
+      <p:grpSpPr>
+        <a:xfrm>
+          <a:off x="0" y="0"/>
+          <a:ext cx="0" cy="0"/>
+          <a:chOff x="0" y="0"/>
+          <a:chExt cx="0" cy="0"/>
+        </a:xfrm>
+      </p:grpSpPr>
+      <p:sp>
+        <p:nvSpPr>
+          <p:cNvPr id="35842" name="Rectangle 2"/>
+          <p:cNvSpPr>
+            <a:spLocks noGrp="1" noChangeArrowheads="1"/>
+          </p:cNvSpPr>
+          <p:nvPr>
+            <p:ph type="body" idx="1"/>
+          </p:nvPr>
+        </p:nvSpPr>
+        <p:spPr>
+          <a:noFill/>
+          <a:ln w="9525"/>
+          <a:extLst>
+            <a:ext uri="{909E8E84-426E-40DD-AFC4-6F175D3DCCD1}">
+              <a14:hiddenFill xmlns:a14="http://schemas.microsoft.com/office/drawing/2010/main">
+                <a:solidFill>
+                  <a:srgbClr val="FFFFFF"/>
+                </a:solidFill>
+              </a14:hiddenFill>
+            </a:ext>
+            <a:ext uri="{91240B29-F687-4F45-9708-019B960494DF}">
+              <a14:hiddenLine xmlns:a14="http://schemas.microsoft.com/office/drawing/2010/main" w="9525">
+                <a:solidFill>
+                  <a:srgbClr val="000000"/>
+                </a:solidFill>
+                <a:miter lim="800000"/>
+                <a:headEnd/>
+                <a:tailEnd/>
+              </a14:hiddenLine>
+            </a:ext>
+          </a:extLst>
+        </p:spPr>
+        <p:txBody>
+          <a:bodyPr/>
+          <a:lstStyle/>
+          <a:p>
+            <a:endParaRPr lang="en-US" altLang="en-US" smtClean="0"/>
+          </a:p>
+        </p:txBody>
+      </p:sp>
+      <p:sp>
+        <p:nvSpPr>
+          <p:cNvPr id="35843" name="Rectangle 3"/>
+          <p:cNvSpPr>
+            <a:spLocks noGrp="1" noRot="1" noChangeAspect="1" noChangeArrowheads="1" noTextEdit="1"/>
+          </p:cNvSpPr>
+          <p:nvPr>
+            <p:ph type="sldImg"/>
+          </p:nvPr>
+        </p:nvSpPr>
+        <p:spPr>
+          <a:xfrm>
+            <a:off x="1057275" y="865188"/>
+            <a:ext cx="4632325" cy="3475037"/>
+          </a:xfrm>
+          <a:ln cap="flat"/>
+        </p:spPr>
+      </p:sp>
+    </p:spTree>
+    <p:extLst>
+      <p:ext uri="{BB962C8B-B14F-4D97-AF65-F5344CB8AC3E}">
+        <p14:creationId xmlns:p14="http://schemas.microsoft.com/office/powerpoint/2010/main" val="1405241526"/>
+      </p:ext>
+    </p:extLst>
+  </p:cSld>
+  <p:clrMapOvr>
+    <a:masterClrMapping/>
+  </p:clrMapOvr>
+</p:notes>
+</file>
+
+<file path=ppt/notesSlides/notesSlide21.xml><?xml version="1.0" encoding="utf-8"?>
+<p:notes xmlns:a="http://schemas.openxmlformats.org/drawingml/2006/main" xmlns:r="http://schemas.openxmlformats.org/officeDocument/2006/relationships" xmlns:p="http://schemas.openxmlformats.org/presentationml/2006/main">
+  <p:cSld>
+    <p:spTree>
+      <p:nvGrpSpPr>
+        <p:cNvPr id="1" name=""/>
+        <p:cNvGrpSpPr/>
+        <p:nvPr/>
+      </p:nvGrpSpPr>
+      <p:grpSpPr>
+        <a:xfrm>
+          <a:off x="0" y="0"/>
+          <a:ext cx="0" cy="0"/>
+          <a:chOff x="0" y="0"/>
+          <a:chExt cx="0" cy="0"/>
+        </a:xfrm>
+      </p:grpSpPr>
+      <p:sp>
+        <p:nvSpPr>
+          <p:cNvPr id="35842" name="Rectangle 2"/>
+          <p:cNvSpPr>
+            <a:spLocks noGrp="1" noChangeArrowheads="1"/>
+          </p:cNvSpPr>
+          <p:nvPr>
+            <p:ph type="body" idx="1"/>
+          </p:nvPr>
+        </p:nvSpPr>
+        <p:spPr>
+          <a:noFill/>
+          <a:ln w="9525"/>
+          <a:extLst>
+            <a:ext uri="{909E8E84-426E-40DD-AFC4-6F175D3DCCD1}">
+              <a14:hiddenFill xmlns:a14="http://schemas.microsoft.com/office/drawing/2010/main">
+                <a:solidFill>
+                  <a:srgbClr val="FFFFFF"/>
+                </a:solidFill>
+              </a14:hiddenFill>
+            </a:ext>
+            <a:ext uri="{91240B29-F687-4F45-9708-019B960494DF}">
+              <a14:hiddenLine xmlns:a14="http://schemas.microsoft.com/office/drawing/2010/main" w="9525">
+                <a:solidFill>
+                  <a:srgbClr val="000000"/>
+                </a:solidFill>
+                <a:miter lim="800000"/>
+                <a:headEnd/>
+                <a:tailEnd/>
+              </a14:hiddenLine>
+            </a:ext>
+          </a:extLst>
+        </p:spPr>
+        <p:txBody>
+          <a:bodyPr/>
+          <a:lstStyle/>
+          <a:p>
+            <a:endParaRPr lang="en-US" altLang="en-US" smtClean="0"/>
+          </a:p>
+        </p:txBody>
+      </p:sp>
+      <p:sp>
+        <p:nvSpPr>
+          <p:cNvPr id="35843" name="Rectangle 3"/>
+          <p:cNvSpPr>
+            <a:spLocks noGrp="1" noRot="1" noChangeAspect="1" noChangeArrowheads="1" noTextEdit="1"/>
+          </p:cNvSpPr>
+          <p:nvPr>
+            <p:ph type="sldImg"/>
+          </p:nvPr>
+        </p:nvSpPr>
+        <p:spPr>
+          <a:xfrm>
+            <a:off x="1057275" y="865188"/>
+            <a:ext cx="4632325" cy="3475037"/>
+          </a:xfrm>
+          <a:ln cap="flat"/>
+        </p:spPr>
+      </p:sp>
+    </p:spTree>
+    <p:extLst>
+      <p:ext uri="{BB962C8B-B14F-4D97-AF65-F5344CB8AC3E}">
+        <p14:creationId xmlns:p14="http://schemas.microsoft.com/office/powerpoint/2010/main" val="3768665643"/>
+      </p:ext>
+    </p:extLst>
+  </p:cSld>
+  <p:clrMapOvr>
+    <a:masterClrMapping/>
+  </p:clrMapOvr>
+</p:notes>
+</file>
+
+<file path=ppt/notesSlides/notesSlide22.xml><?xml version="1.0" encoding="utf-8"?>
+<p:notes xmlns:a="http://schemas.openxmlformats.org/drawingml/2006/main" xmlns:r="http://schemas.openxmlformats.org/officeDocument/2006/relationships" xmlns:p="http://schemas.openxmlformats.org/presentationml/2006/main">
+  <p:cSld>
+    <p:spTree>
+      <p:nvGrpSpPr>
+        <p:cNvPr id="1" name=""/>
+        <p:cNvGrpSpPr/>
+        <p:nvPr/>
+      </p:nvGrpSpPr>
+      <p:grpSpPr>
+        <a:xfrm>
+          <a:off x="0" y="0"/>
+          <a:ext cx="0" cy="0"/>
+          <a:chOff x="0" y="0"/>
+          <a:chExt cx="0" cy="0"/>
+        </a:xfrm>
+      </p:grpSpPr>
+      <p:sp>
+        <p:nvSpPr>
+          <p:cNvPr id="35842" name="Rectangle 2"/>
+          <p:cNvSpPr>
+            <a:spLocks noGrp="1" noChangeArrowheads="1"/>
+          </p:cNvSpPr>
+          <p:nvPr>
+            <p:ph type="body" idx="1"/>
+          </p:nvPr>
+        </p:nvSpPr>
+        <p:spPr>
+          <a:noFill/>
+          <a:ln w="9525"/>
+          <a:extLst>
+            <a:ext uri="{909E8E84-426E-40DD-AFC4-6F175D3DCCD1}">
+              <a14:hiddenFill xmlns:a14="http://schemas.microsoft.com/office/drawing/2010/main">
+                <a:solidFill>
+                  <a:srgbClr val="FFFFFF"/>
+                </a:solidFill>
+              </a14:hiddenFill>
+            </a:ext>
+            <a:ext uri="{91240B29-F687-4F45-9708-019B960494DF}">
+              <a14:hiddenLine xmlns:a14="http://schemas.microsoft.com/office/drawing/2010/main" w="9525">
+                <a:solidFill>
+                  <a:srgbClr val="000000"/>
+                </a:solidFill>
+                <a:miter lim="800000"/>
+                <a:headEnd/>
+                <a:tailEnd/>
+              </a14:hiddenLine>
+            </a:ext>
+          </a:extLst>
+        </p:spPr>
+        <p:txBody>
+          <a:bodyPr/>
+          <a:lstStyle/>
+          <a:p>
+            <a:r>
+              <a:rPr lang="tr-TR" altLang="en-US" dirty="0" smtClean="0"/>
+              <a:t>In order to investigate the effect of the synthetic</a:t>
+            </a:r>
+            <a:r>
+              <a:rPr lang="tr-TR" altLang="en-US" baseline="0" dirty="0" smtClean="0"/>
+              <a:t> inertia implementation, the 2018 generation data has been used. In the figure, black line shows the variation of the generation meanwhile the red line shows the generation of wind + solar energy. The maximum generation occured in the 3th of August with a generation of 46GW. The minimum of the load has occured in  a religious holiday on the 16th of July with a generation of 18GW. </a:t>
+            </a:r>
+          </a:p>
+          <a:p>
+            <a:r>
+              <a:rPr lang="tr-TR" altLang="en-US" baseline="0" dirty="0" smtClean="0"/>
+              <a:t>The generation data can be used to roughly estimate the aggregated inertia constant in the grid.</a:t>
+            </a:r>
+          </a:p>
+          <a:p>
+            <a:endParaRPr lang="tr-TR" altLang="en-US" baseline="0" dirty="0" smtClean="0"/>
+          </a:p>
+          <a:p>
+            <a:r>
+              <a:rPr lang="tr-TR" altLang="en-US" baseline="0" dirty="0" smtClean="0"/>
+              <a:t>As stated before, the effective inertia contribution from wind and solar systems are zero. Moreover, the inertia constants of the synchronous generators vary between 2-9. By using zero inertia constant for wind and solar, H=5s for others, the effective inertia constant can be calculated.s</a:t>
+            </a:r>
+            <a:endParaRPr lang="en-US" altLang="en-US" dirty="0" smtClean="0"/>
+          </a:p>
+        </p:txBody>
+      </p:sp>
+      <p:sp>
+        <p:nvSpPr>
+          <p:cNvPr id="35843" name="Rectangle 3"/>
+          <p:cNvSpPr>
+            <a:spLocks noGrp="1" noRot="1" noChangeAspect="1" noChangeArrowheads="1" noTextEdit="1"/>
+          </p:cNvSpPr>
+          <p:nvPr>
+            <p:ph type="sldImg"/>
+          </p:nvPr>
+        </p:nvSpPr>
+        <p:spPr>
+          <a:xfrm>
+            <a:off x="1057275" y="865188"/>
+            <a:ext cx="4632325" cy="3475037"/>
+          </a:xfrm>
+          <a:ln cap="flat"/>
+        </p:spPr>
+      </p:sp>
+    </p:spTree>
+    <p:extLst>
+      <p:ext uri="{BB962C8B-B14F-4D97-AF65-F5344CB8AC3E}">
+        <p14:creationId xmlns:p14="http://schemas.microsoft.com/office/powerpoint/2010/main" val="1200317172"/>
+      </p:ext>
+    </p:extLst>
+  </p:cSld>
+  <p:clrMapOvr>
+    <a:masterClrMapping/>
+  </p:clrMapOvr>
+</p:notes>
+</file>
+
+<file path=ppt/notesSlides/notesSlide23.xml><?xml version="1.0" encoding="utf-8"?>
+<p:notes xmlns:a="http://schemas.openxmlformats.org/drawingml/2006/main" xmlns:r="http://schemas.openxmlformats.org/officeDocument/2006/relationships" xmlns:p="http://schemas.openxmlformats.org/presentationml/2006/main">
+  <p:cSld>
+    <p:spTree>
+      <p:nvGrpSpPr>
+        <p:cNvPr id="1" name=""/>
+        <p:cNvGrpSpPr/>
+        <p:nvPr/>
+      </p:nvGrpSpPr>
+      <p:grpSpPr>
+        <a:xfrm>
+          <a:off x="0" y="0"/>
+          <a:ext cx="0" cy="0"/>
+          <a:chOff x="0" y="0"/>
+          <a:chExt cx="0" cy="0"/>
+        </a:xfrm>
+      </p:grpSpPr>
+      <p:sp>
+        <p:nvSpPr>
+          <p:cNvPr id="35842" name="Rectangle 2"/>
+          <p:cNvSpPr>
+            <a:spLocks noGrp="1" noChangeArrowheads="1"/>
+          </p:cNvSpPr>
+          <p:nvPr>
+            <p:ph type="body" idx="1"/>
+          </p:nvPr>
+        </p:nvSpPr>
+        <p:spPr>
+          <a:noFill/>
+          <a:ln w="9525"/>
+          <a:extLst>
+            <a:ext uri="{909E8E84-426E-40DD-AFC4-6F175D3DCCD1}">
+              <a14:hiddenFill xmlns:a14="http://schemas.microsoft.com/office/drawing/2010/main">
+                <a:solidFill>
+                  <a:srgbClr val="FFFFFF"/>
+                </a:solidFill>
+              </a14:hiddenFill>
+            </a:ext>
+            <a:ext uri="{91240B29-F687-4F45-9708-019B960494DF}">
+              <a14:hiddenLine xmlns:a14="http://schemas.microsoft.com/office/drawing/2010/main" w="9525">
+                <a:solidFill>
+                  <a:srgbClr val="000000"/>
+                </a:solidFill>
+                <a:miter lim="800000"/>
+                <a:headEnd/>
+                <a:tailEnd/>
+              </a14:hiddenLine>
+            </a:ext>
+          </a:extLst>
+        </p:spPr>
+        <p:txBody>
+          <a:bodyPr/>
+          <a:lstStyle/>
+          <a:p>
+            <a:r>
+              <a:rPr lang="tr-TR" altLang="en-US" dirty="0" smtClean="0"/>
+              <a:t>The effective</a:t>
+            </a:r>
+            <a:r>
+              <a:rPr lang="tr-TR" altLang="en-US" baseline="0" dirty="0" smtClean="0"/>
+              <a:t> aggregated inertia in the system is shown in the graph. Notice that the inertia constant decreases down to 3.97s when the 20% of the generation is supplied from wind and solar in 26/09/2019 on 3 pm. </a:t>
+            </a:r>
+          </a:p>
+          <a:p>
+            <a:endParaRPr lang="tr-TR" altLang="en-US" baseline="0" dirty="0" smtClean="0"/>
+          </a:p>
+          <a:p>
+            <a:r>
+              <a:rPr lang="tr-TR" altLang="en-US" baseline="0" dirty="0" smtClean="0"/>
+              <a:t>It is possible to improve the effective inertia constant of the grid with synthetic inertia implementation. Note that the 54% of the installed wind energy systems in Turkey has FSPC. By assuming that 54% of wind energy production is obtained from these wind turbines and implementin inertia constant of h=10s, the improvement can be calculated. </a:t>
+            </a:r>
+          </a:p>
+          <a:p>
+            <a:r>
+              <a:rPr lang="tr-TR" altLang="en-US" baseline="0" dirty="0" smtClean="0"/>
+              <a:t>When the method is implemented on the wind turbines with FSPCs, </a:t>
+            </a:r>
+            <a:endParaRPr lang="en-US" altLang="en-US" dirty="0" smtClean="0"/>
+          </a:p>
+        </p:txBody>
+      </p:sp>
+      <p:sp>
+        <p:nvSpPr>
+          <p:cNvPr id="35843" name="Rectangle 3"/>
+          <p:cNvSpPr>
+            <a:spLocks noGrp="1" noRot="1" noChangeAspect="1" noChangeArrowheads="1" noTextEdit="1"/>
+          </p:cNvSpPr>
+          <p:nvPr>
+            <p:ph type="sldImg"/>
+          </p:nvPr>
+        </p:nvSpPr>
+        <p:spPr>
+          <a:xfrm>
+            <a:off x="1057275" y="865188"/>
+            <a:ext cx="4632325" cy="3475037"/>
+          </a:xfrm>
+          <a:ln cap="flat"/>
+        </p:spPr>
+      </p:sp>
+    </p:spTree>
+    <p:extLst>
+      <p:ext uri="{BB962C8B-B14F-4D97-AF65-F5344CB8AC3E}">
+        <p14:creationId xmlns:p14="http://schemas.microsoft.com/office/powerpoint/2010/main" val="2155285927"/>
+      </p:ext>
+    </p:extLst>
+  </p:cSld>
+  <p:clrMapOvr>
+    <a:masterClrMapping/>
+  </p:clrMapOvr>
+</p:notes>
+</file>
+
+<file path=ppt/notesSlides/notesSlide24.xml><?xml version="1.0" encoding="utf-8"?>
+<p:notes xmlns:a="http://schemas.openxmlformats.org/drawingml/2006/main" xmlns:r="http://schemas.openxmlformats.org/officeDocument/2006/relationships" xmlns:p="http://schemas.openxmlformats.org/presentationml/2006/main">
+  <p:cSld>
+    <p:spTree>
+      <p:nvGrpSpPr>
+        <p:cNvPr id="1" name=""/>
+        <p:cNvGrpSpPr/>
+        <p:nvPr/>
+      </p:nvGrpSpPr>
+      <p:grpSpPr>
+        <a:xfrm>
+          <a:off x="0" y="0"/>
+          <a:ext cx="0" cy="0"/>
+          <a:chOff x="0" y="0"/>
+          <a:chExt cx="0" cy="0"/>
+        </a:xfrm>
+      </p:grpSpPr>
+      <p:sp>
+        <p:nvSpPr>
+          <p:cNvPr id="35842" name="Rectangle 2"/>
+          <p:cNvSpPr>
+            <a:spLocks noGrp="1" noChangeArrowheads="1"/>
+          </p:cNvSpPr>
+          <p:nvPr>
+            <p:ph type="body" idx="1"/>
+          </p:nvPr>
+        </p:nvSpPr>
+        <p:spPr>
+          <a:noFill/>
+          <a:ln w="9525"/>
+          <a:extLst>
+            <a:ext uri="{909E8E84-426E-40DD-AFC4-6F175D3DCCD1}">
+              <a14:hiddenFill xmlns:a14="http://schemas.microsoft.com/office/drawing/2010/main">
+                <a:solidFill>
+                  <a:srgbClr val="FFFFFF"/>
+                </a:solidFill>
+              </a14:hiddenFill>
+            </a:ext>
+            <a:ext uri="{91240B29-F687-4F45-9708-019B960494DF}">
+              <a14:hiddenLine xmlns:a14="http://schemas.microsoft.com/office/drawing/2010/main" w="9525">
+                <a:solidFill>
+                  <a:srgbClr val="000000"/>
+                </a:solidFill>
+                <a:miter lim="800000"/>
+                <a:headEnd/>
+                <a:tailEnd/>
+              </a14:hiddenLine>
+            </a:ext>
+          </a:extLst>
+        </p:spPr>
+        <p:txBody>
+          <a:bodyPr/>
+          <a:lstStyle/>
+          <a:p>
+            <a:r>
+              <a:rPr lang="tr-TR" altLang="en-US" dirty="0" smtClean="0"/>
+              <a:t>The existing</a:t>
+            </a:r>
+            <a:r>
+              <a:rPr lang="tr-TR" altLang="en-US" baseline="0" dirty="0" smtClean="0"/>
+              <a:t> inertia constant and inertia constant with synthetic inertia is shown in the figure. Notice that the inertia constant is above the H=5s. That means the wind turbines can compensate the decrease in the inertia constant caused by them and also caused by solar energy. Note that the inertia constant is maximum where the existings case inertia constant is minimum. </a:t>
+            </a:r>
+            <a:endParaRPr lang="en-US" altLang="en-US" dirty="0" smtClean="0"/>
+          </a:p>
+        </p:txBody>
+      </p:sp>
+      <p:sp>
+        <p:nvSpPr>
+          <p:cNvPr id="35843" name="Rectangle 3"/>
+          <p:cNvSpPr>
+            <a:spLocks noGrp="1" noRot="1" noChangeAspect="1" noChangeArrowheads="1" noTextEdit="1"/>
+          </p:cNvSpPr>
+          <p:nvPr>
+            <p:ph type="sldImg"/>
+          </p:nvPr>
+        </p:nvSpPr>
+        <p:spPr>
+          <a:xfrm>
+            <a:off x="1057275" y="865188"/>
+            <a:ext cx="4632325" cy="3475037"/>
+          </a:xfrm>
+          <a:ln cap="flat"/>
+        </p:spPr>
+      </p:sp>
+    </p:spTree>
+    <p:extLst>
+      <p:ext uri="{BB962C8B-B14F-4D97-AF65-F5344CB8AC3E}">
+        <p14:creationId xmlns:p14="http://schemas.microsoft.com/office/powerpoint/2010/main" val="1334382131"/>
+      </p:ext>
+    </p:extLst>
+  </p:cSld>
+  <p:clrMapOvr>
+    <a:masterClrMapping/>
+  </p:clrMapOvr>
+</p:notes>
+</file>
+
+<file path=ppt/notesSlides/notesSlide25.xml><?xml version="1.0" encoding="utf-8"?>
+<p:notes xmlns:a="http://schemas.openxmlformats.org/drawingml/2006/main" xmlns:r="http://schemas.openxmlformats.org/officeDocument/2006/relationships" xmlns:p="http://schemas.openxmlformats.org/presentationml/2006/main">
+  <p:cSld>
+    <p:spTree>
+      <p:nvGrpSpPr>
+        <p:cNvPr id="1" name=""/>
+        <p:cNvGrpSpPr/>
+        <p:nvPr/>
+      </p:nvGrpSpPr>
+      <p:grpSpPr>
+        <a:xfrm>
+          <a:off x="0" y="0"/>
+          <a:ext cx="0" cy="0"/>
+          <a:chOff x="0" y="0"/>
+          <a:chExt cx="0" cy="0"/>
+        </a:xfrm>
+      </p:grpSpPr>
+      <p:sp>
+        <p:nvSpPr>
+          <p:cNvPr id="35842" name="Rectangle 2"/>
+          <p:cNvSpPr>
+            <a:spLocks noGrp="1" noChangeArrowheads="1"/>
+          </p:cNvSpPr>
+          <p:nvPr>
+            <p:ph type="body" idx="1"/>
+          </p:nvPr>
+        </p:nvSpPr>
+        <p:spPr>
+          <a:noFill/>
+          <a:ln w="9525"/>
+          <a:extLst>
+            <a:ext uri="{909E8E84-426E-40DD-AFC4-6F175D3DCCD1}">
+              <a14:hiddenFill xmlns:a14="http://schemas.microsoft.com/office/drawing/2010/main">
+                <a:solidFill>
+                  <a:srgbClr val="FFFFFF"/>
+                </a:solidFill>
+              </a14:hiddenFill>
+            </a:ext>
+            <a:ext uri="{91240B29-F687-4F45-9708-019B960494DF}">
+              <a14:hiddenLine xmlns:a14="http://schemas.microsoft.com/office/drawing/2010/main" w="9525">
+                <a:solidFill>
+                  <a:srgbClr val="000000"/>
+                </a:solidFill>
+                <a:miter lim="800000"/>
+                <a:headEnd/>
+                <a:tailEnd/>
+              </a14:hiddenLine>
+            </a:ext>
+          </a:extLst>
+        </p:spPr>
+        <p:txBody>
+          <a:bodyPr/>
+          <a:lstStyle/>
+          <a:p>
+            <a:endParaRPr lang="en-US" altLang="en-US" smtClean="0"/>
+          </a:p>
+        </p:txBody>
+      </p:sp>
+      <p:sp>
+        <p:nvSpPr>
+          <p:cNvPr id="35843" name="Rectangle 3"/>
+          <p:cNvSpPr>
+            <a:spLocks noGrp="1" noRot="1" noChangeAspect="1" noChangeArrowheads="1" noTextEdit="1"/>
+          </p:cNvSpPr>
+          <p:nvPr>
+            <p:ph type="sldImg"/>
+          </p:nvPr>
+        </p:nvSpPr>
+        <p:spPr>
+          <a:xfrm>
+            <a:off x="1057275" y="865188"/>
+            <a:ext cx="4632325" cy="3475037"/>
+          </a:xfrm>
+          <a:ln cap="flat"/>
+        </p:spPr>
+      </p:sp>
+    </p:spTree>
+    <p:extLst>
+      <p:ext uri="{BB962C8B-B14F-4D97-AF65-F5344CB8AC3E}">
+        <p14:creationId xmlns:p14="http://schemas.microsoft.com/office/powerpoint/2010/main" val="3797404516"/>
+      </p:ext>
+    </p:extLst>
+  </p:cSld>
+  <p:clrMapOvr>
+    <a:masterClrMapping/>
+  </p:clrMapOvr>
+</p:notes>
+</file>
+
+<file path=ppt/notesSlides/notesSlide26.xml><?xml version="1.0" encoding="utf-8"?>
+<p:notes xmlns:a="http://schemas.openxmlformats.org/drawingml/2006/main" xmlns:r="http://schemas.openxmlformats.org/officeDocument/2006/relationships" xmlns:p="http://schemas.openxmlformats.org/presentationml/2006/main">
+  <p:cSld>
+    <p:spTree>
+      <p:nvGrpSpPr>
+        <p:cNvPr id="1" name=""/>
+        <p:cNvGrpSpPr/>
+        <p:nvPr/>
+      </p:nvGrpSpPr>
+      <p:grpSpPr>
+        <a:xfrm>
+          <a:off x="0" y="0"/>
+          <a:ext cx="0" cy="0"/>
+          <a:chOff x="0" y="0"/>
+          <a:chExt cx="0" cy="0"/>
+        </a:xfrm>
+      </p:grpSpPr>
+      <p:sp>
+        <p:nvSpPr>
+          <p:cNvPr id="35842" name="Rectangle 2"/>
+          <p:cNvSpPr>
+            <a:spLocks noGrp="1" noChangeArrowheads="1"/>
+          </p:cNvSpPr>
+          <p:nvPr>
+            <p:ph type="body" idx="1"/>
+          </p:nvPr>
+        </p:nvSpPr>
+        <p:spPr>
+          <a:noFill/>
+          <a:ln w="9525"/>
+          <a:extLst>
+            <a:ext uri="{909E8E84-426E-40DD-AFC4-6F175D3DCCD1}">
+              <a14:hiddenFill xmlns:a14="http://schemas.microsoft.com/office/drawing/2010/main">
+                <a:solidFill>
+                  <a:srgbClr val="FFFFFF"/>
+                </a:solidFill>
+              </a14:hiddenFill>
+            </a:ext>
+            <a:ext uri="{91240B29-F687-4F45-9708-019B960494DF}">
+              <a14:hiddenLine xmlns:a14="http://schemas.microsoft.com/office/drawing/2010/main" w="9525">
+                <a:solidFill>
+                  <a:srgbClr val="000000"/>
+                </a:solidFill>
+                <a:miter lim="800000"/>
+                <a:headEnd/>
+                <a:tailEnd/>
+              </a14:hiddenLine>
+            </a:ext>
+          </a:extLst>
+        </p:spPr>
+        <p:txBody>
+          <a:bodyPr/>
+          <a:lstStyle/>
+          <a:p>
+            <a:endParaRPr lang="en-US" altLang="en-US" smtClean="0"/>
+          </a:p>
+        </p:txBody>
+      </p:sp>
+      <p:sp>
+        <p:nvSpPr>
+          <p:cNvPr id="35843" name="Rectangle 3"/>
+          <p:cNvSpPr>
+            <a:spLocks noGrp="1" noRot="1" noChangeAspect="1" noChangeArrowheads="1" noTextEdit="1"/>
+          </p:cNvSpPr>
+          <p:nvPr>
+            <p:ph type="sldImg"/>
+          </p:nvPr>
+        </p:nvSpPr>
+        <p:spPr>
+          <a:xfrm>
+            <a:off x="1057275" y="865188"/>
+            <a:ext cx="4632325" cy="3475037"/>
+          </a:xfrm>
+          <a:ln cap="flat"/>
+        </p:spPr>
+      </p:sp>
+    </p:spTree>
+    <p:extLst>
+      <p:ext uri="{BB962C8B-B14F-4D97-AF65-F5344CB8AC3E}">
+        <p14:creationId xmlns:p14="http://schemas.microsoft.com/office/powerpoint/2010/main" val="1157825987"/>
+      </p:ext>
+    </p:extLst>
+  </p:cSld>
+  <p:clrMapOvr>
+    <a:masterClrMapping/>
+  </p:clrMapOvr>
+</p:notes>
+</file>
+
+<file path=ppt/notesSlides/notesSlide27.xml><?xml version="1.0" encoding="utf-8"?>
 <p:notes xmlns:a="http://schemas.openxmlformats.org/drawingml/2006/main" xmlns:r="http://schemas.openxmlformats.org/officeDocument/2006/relationships" xmlns:p="http://schemas.openxmlformats.org/presentationml/2006/main">
   <p:cSld>
     <p:spTree>
@@ -6290,7 +6928,7 @@
                 <a:latin typeface="Arial" panose="020B0604020202020204" pitchFamily="34" charset="0"/>
                 <a:cs typeface="Arial" panose="020B0604020202020204" pitchFamily="34" charset="0"/>
               </a:rPr>
-              <a:t>Fast Inertia Support</a:t>
+              <a:t>Wind Turbine Modelling</a:t>
             </a:r>
             <a:endParaRPr lang="en-US" dirty="0" smtClean="0">
               <a:latin typeface="Arial" panose="020B0604020202020204" pitchFamily="34" charset="0"/>
@@ -6354,29 +6992,39 @@
           </a:p>
         </p:txBody>
       </p:sp>
-      <p:sp>
-        <p:nvSpPr>
-          <p:cNvPr id="4" name="Content Placeholder 3"/>
-          <p:cNvSpPr>
-            <a:spLocks noGrp="1"/>
-          </p:cNvSpPr>
+      <p:pic>
+        <p:nvPicPr>
+          <p:cNvPr id="5" name="Content Placeholder 4"/>
+          <p:cNvPicPr>
+            <a:picLocks noGrp="1" noChangeAspect="1"/>
+          </p:cNvPicPr>
           <p:nvPr>
             <p:ph idx="1"/>
           </p:nvPr>
-        </p:nvSpPr>
-        <p:spPr/>
-        <p:txBody>
-          <a:bodyPr/>
-          <a:lstStyle/>
-          <a:p>
-            <a:endParaRPr lang="tr-TR"/>
-          </a:p>
-        </p:txBody>
-      </p:sp>
+        </p:nvPicPr>
+        <p:blipFill>
+          <a:blip r:embed="rId3">
+            <a:extLst>
+              <a:ext uri="{28A0092B-C50C-407E-A947-70E740481C1C}">
+                <a14:useLocalDpi xmlns:a14="http://schemas.microsoft.com/office/drawing/2010/main" val="0"/>
+              </a:ext>
+            </a:extLst>
+          </a:blip>
+          <a:stretch>
+            <a:fillRect/>
+          </a:stretch>
+        </p:blipFill>
+        <p:spPr>
+          <a:xfrm>
+            <a:off x="457199" y="1628800"/>
+            <a:ext cx="8229600" cy="3336830"/>
+          </a:xfrm>
+        </p:spPr>
+      </p:pic>
     </p:spTree>
     <p:extLst>
       <p:ext uri="{BB962C8B-B14F-4D97-AF65-F5344CB8AC3E}">
-        <p14:creationId xmlns:p14="http://schemas.microsoft.com/office/powerpoint/2010/main" val="1702455776"/>
+        <p14:creationId xmlns:p14="http://schemas.microsoft.com/office/powerpoint/2010/main" val="558165712"/>
       </p:ext>
     </p:extLst>
   </p:cSld>
@@ -6434,7 +7082,7 @@
                 <a:latin typeface="Arial" panose="020B0604020202020204" pitchFamily="34" charset="0"/>
                 <a:cs typeface="Arial" panose="020B0604020202020204" pitchFamily="34" charset="0"/>
               </a:rPr>
-              <a:t>Effects on the Turkish Electricity System</a:t>
+              <a:t>Fast Inertia Support</a:t>
             </a:r>
             <a:endParaRPr lang="en-US" dirty="0" smtClean="0">
               <a:latin typeface="Arial" panose="020B0604020202020204" pitchFamily="34" charset="0"/>
@@ -6493,6 +7141,3473 @@
                 <a:defRPr/>
               </a:pPr>
               <a:t>16</a:t>
+            </a:fld>
+            <a:endParaRPr lang="en-US" dirty="0"/>
+          </a:p>
+        </p:txBody>
+      </p:sp>
+      <p:pic>
+        <p:nvPicPr>
+          <p:cNvPr id="5" name="Content Placeholder 4"/>
+          <p:cNvPicPr>
+            <a:picLocks noGrp="1" noChangeAspect="1"/>
+          </p:cNvPicPr>
+          <p:nvPr>
+            <p:ph idx="1"/>
+          </p:nvPr>
+        </p:nvPicPr>
+        <p:blipFill>
+          <a:blip r:embed="rId3">
+            <a:extLst>
+              <a:ext uri="{28A0092B-C50C-407E-A947-70E740481C1C}">
+                <a14:useLocalDpi xmlns:a14="http://schemas.microsoft.com/office/drawing/2010/main" val="0"/>
+              </a:ext>
+            </a:extLst>
+          </a:blip>
+          <a:stretch>
+            <a:fillRect/>
+          </a:stretch>
+        </p:blipFill>
+        <p:spPr>
+          <a:xfrm>
+            <a:off x="457200" y="1469382"/>
+            <a:ext cx="8229600" cy="2463674"/>
+          </a:xfrm>
+        </p:spPr>
+      </p:pic>
+      <mc:AlternateContent xmlns:mc="http://schemas.openxmlformats.org/markup-compatibility/2006">
+        <mc:Choice xmlns:a14="http://schemas.microsoft.com/office/drawing/2010/main" Requires="a14">
+          <p:sp>
+            <p:nvSpPr>
+              <p:cNvPr id="6" name="Rectangle 5"/>
+              <p:cNvSpPr/>
+              <p:nvPr/>
+            </p:nvSpPr>
+            <p:spPr>
+              <a:xfrm>
+                <a:off x="3556332" y="4445912"/>
+                <a:ext cx="2031325" cy="491738"/>
+              </a:xfrm>
+              <a:prstGeom prst="rect">
+                <a:avLst/>
+              </a:prstGeom>
+            </p:spPr>
+            <p:txBody>
+              <a:bodyPr wrap="none">
+                <a:spAutoFit/>
+              </a:bodyPr>
+              <a:lstStyle/>
+              <a:p>
+                <a14:m>
+                  <m:oMath xmlns:m="http://schemas.openxmlformats.org/officeDocument/2006/math">
+                    <m:sSub>
+                      <m:sSubPr>
+                        <m:ctrlPr>
+                          <a:rPr lang="tr-TR" i="1" smtClean="0">
+                            <a:latin typeface="Cambria Math" panose="02040503050406030204" pitchFamily="18" charset="0"/>
+                          </a:rPr>
+                        </m:ctrlPr>
+                      </m:sSubPr>
+                      <m:e>
+                        <m:r>
+                          <a:rPr lang="tr-TR" b="0" i="1" smtClean="0">
+                            <a:latin typeface="Cambria Math" panose="02040503050406030204" pitchFamily="18" charset="0"/>
+                          </a:rPr>
+                          <m:t>𝑃</m:t>
+                        </m:r>
+                      </m:e>
+                      <m:sub>
+                        <m:r>
+                          <a:rPr lang="tr-TR" b="0" i="1" smtClean="0">
+                            <a:latin typeface="Cambria Math" panose="02040503050406030204" pitchFamily="18" charset="0"/>
+                          </a:rPr>
+                          <m:t>𝑔𝑒𝑛</m:t>
+                        </m:r>
+                      </m:sub>
+                    </m:sSub>
+                  </m:oMath>
+                </a14:m>
+                <a:r>
+                  <a:rPr lang="tr-TR" dirty="0" smtClean="0"/>
+                  <a:t>=</a:t>
+                </a:r>
+                <a14:m>
+                  <m:oMath xmlns:m="http://schemas.openxmlformats.org/officeDocument/2006/math">
+                    <m:sSub>
+                      <m:sSubPr>
+                        <m:ctrlPr>
+                          <a:rPr lang="tr-TR" i="1">
+                            <a:latin typeface="Cambria Math" panose="02040503050406030204" pitchFamily="18" charset="0"/>
+                          </a:rPr>
+                        </m:ctrlPr>
+                      </m:sSubPr>
+                      <m:e>
+                        <m:r>
+                          <a:rPr lang="tr-TR" b="0" i="1" smtClean="0">
+                            <a:latin typeface="Cambria Math" panose="02040503050406030204" pitchFamily="18" charset="0"/>
+                          </a:rPr>
+                          <m:t>𝑇</m:t>
+                        </m:r>
+                      </m:e>
+                      <m:sub>
+                        <m:r>
+                          <a:rPr lang="tr-TR" b="0" i="1" smtClean="0">
+                            <a:latin typeface="Cambria Math" panose="02040503050406030204" pitchFamily="18" charset="0"/>
+                          </a:rPr>
+                          <m:t>𝑒</m:t>
+                        </m:r>
+                      </m:sub>
+                    </m:sSub>
+                    <m:sSub>
+                      <m:sSubPr>
+                        <m:ctrlPr>
+                          <a:rPr lang="tr-TR" i="1">
+                            <a:latin typeface="Cambria Math" panose="02040503050406030204" pitchFamily="18" charset="0"/>
+                          </a:rPr>
+                        </m:ctrlPr>
+                      </m:sSubPr>
+                      <m:e>
+                        <m:r>
+                          <m:rPr>
+                            <m:nor/>
+                          </m:rPr>
+                          <a:rPr lang="el-GR" dirty="0"/>
+                          <m:t>ω</m:t>
+                        </m:r>
+                      </m:e>
+                      <m:sub>
+                        <m:r>
+                          <a:rPr lang="tr-TR" b="0" i="1" smtClean="0">
+                            <a:latin typeface="Cambria Math" panose="02040503050406030204" pitchFamily="18" charset="0"/>
+                          </a:rPr>
+                          <m:t>𝑚</m:t>
+                        </m:r>
+                      </m:sub>
+                    </m:sSub>
+                  </m:oMath>
+                </a14:m>
+                <a:r>
+                  <a:rPr lang="tr-TR" dirty="0" smtClean="0"/>
+                  <a:t>	</a:t>
+                </a:r>
+                <a:endParaRPr lang="tr-TR" dirty="0"/>
+              </a:p>
+            </p:txBody>
+          </p:sp>
+        </mc:Choice>
+        <mc:Fallback>
+          <p:sp>
+            <p:nvSpPr>
+              <p:cNvPr id="6" name="Rectangle 5"/>
+              <p:cNvSpPr>
+                <a:spLocks noRot="1" noChangeAspect="1" noMove="1" noResize="1" noEditPoints="1" noAdjustHandles="1" noChangeArrowheads="1" noChangeShapeType="1" noTextEdit="1"/>
+              </p:cNvSpPr>
+              <p:nvPr/>
+            </p:nvSpPr>
+            <p:spPr>
+              <a:xfrm>
+                <a:off x="3556332" y="4445912"/>
+                <a:ext cx="2031325" cy="491738"/>
+              </a:xfrm>
+              <a:prstGeom prst="rect">
+                <a:avLst/>
+              </a:prstGeom>
+              <a:blipFill>
+                <a:blip r:embed="rId4"/>
+                <a:stretch>
+                  <a:fillRect l="-599" t="-9877" b="-20988"/>
+                </a:stretch>
+              </a:blipFill>
+            </p:spPr>
+            <p:txBody>
+              <a:bodyPr/>
+              <a:lstStyle/>
+              <a:p>
+                <a:r>
+                  <a:rPr lang="tr-TR">
+                    <a:noFill/>
+                  </a:rPr>
+                  <a:t> </a:t>
+                </a:r>
+              </a:p>
+            </p:txBody>
+          </p:sp>
+        </mc:Fallback>
+      </mc:AlternateContent>
+      <mc:AlternateContent xmlns:mc="http://schemas.openxmlformats.org/markup-compatibility/2006">
+        <mc:Choice xmlns:a14="http://schemas.microsoft.com/office/drawing/2010/main" Requires="a14">
+          <p:sp>
+            <p:nvSpPr>
+              <p:cNvPr id="9" name="Rectangle 8"/>
+              <p:cNvSpPr/>
+              <p:nvPr/>
+            </p:nvSpPr>
+            <p:spPr>
+              <a:xfrm>
+                <a:off x="3094666" y="4937650"/>
+                <a:ext cx="2954655" cy="461665"/>
+              </a:xfrm>
+              <a:prstGeom prst="rect">
+                <a:avLst/>
+              </a:prstGeom>
+            </p:spPr>
+            <p:txBody>
+              <a:bodyPr wrap="none">
+                <a:spAutoFit/>
+              </a:bodyPr>
+              <a:lstStyle/>
+              <a:p>
+                <a14:m>
+                  <m:oMath xmlns:m="http://schemas.openxmlformats.org/officeDocument/2006/math">
+                    <m:sSub>
+                      <m:sSubPr>
+                        <m:ctrlPr>
+                          <a:rPr lang="tr-TR" i="1" smtClean="0">
+                            <a:latin typeface="Cambria Math" panose="02040503050406030204" pitchFamily="18" charset="0"/>
+                          </a:rPr>
+                        </m:ctrlPr>
+                      </m:sSubPr>
+                      <m:e>
+                        <m:r>
+                          <a:rPr lang="tr-TR" b="0" i="1" smtClean="0">
+                            <a:latin typeface="Cambria Math" panose="02040503050406030204" pitchFamily="18" charset="0"/>
+                          </a:rPr>
+                          <m:t>𝑃</m:t>
+                        </m:r>
+                      </m:e>
+                      <m:sub>
+                        <m:r>
+                          <a:rPr lang="tr-TR" b="0" i="1" smtClean="0">
+                            <a:latin typeface="Cambria Math" panose="02040503050406030204" pitchFamily="18" charset="0"/>
+                          </a:rPr>
+                          <m:t>𝑟𝑎𝑡𝑒𝑑</m:t>
+                        </m:r>
+                      </m:sub>
+                    </m:sSub>
+                  </m:oMath>
+                </a14:m>
+                <a:r>
+                  <a:rPr lang="tr-TR" dirty="0" smtClean="0"/>
+                  <a:t>=</a:t>
+                </a:r>
+                <a14:m>
+                  <m:oMath xmlns:m="http://schemas.openxmlformats.org/officeDocument/2006/math">
+                    <m:sSub>
+                      <m:sSubPr>
+                        <m:ctrlPr>
+                          <a:rPr lang="tr-TR" i="1">
+                            <a:latin typeface="Cambria Math" panose="02040503050406030204" pitchFamily="18" charset="0"/>
+                          </a:rPr>
+                        </m:ctrlPr>
+                      </m:sSubPr>
+                      <m:e>
+                        <m:r>
+                          <a:rPr lang="tr-TR" b="0" i="1" smtClean="0">
+                            <a:latin typeface="Cambria Math" panose="02040503050406030204" pitchFamily="18" charset="0"/>
+                          </a:rPr>
+                          <m:t>𝑇</m:t>
+                        </m:r>
+                      </m:e>
+                      <m:sub>
+                        <m:r>
+                          <a:rPr lang="tr-TR" b="0" i="1" smtClean="0">
+                            <a:latin typeface="Cambria Math" panose="02040503050406030204" pitchFamily="18" charset="0"/>
+                          </a:rPr>
+                          <m:t>𝑃</m:t>
+                        </m:r>
+                        <m:r>
+                          <a:rPr lang="tr-TR" b="0" i="1" smtClean="0">
+                            <a:latin typeface="Cambria Math" panose="02040503050406030204" pitchFamily="18" charset="0"/>
+                          </a:rPr>
+                          <m:t>−</m:t>
+                        </m:r>
+                        <m:r>
+                          <a:rPr lang="tr-TR" b="0" i="1" smtClean="0">
+                            <a:latin typeface="Cambria Math" panose="02040503050406030204" pitchFamily="18" charset="0"/>
+                          </a:rPr>
+                          <m:t>𝑙𝑖𝑚</m:t>
+                        </m:r>
+                      </m:sub>
+                    </m:sSub>
+                    <m:sSub>
+                      <m:sSubPr>
+                        <m:ctrlPr>
+                          <a:rPr lang="tr-TR" i="1">
+                            <a:latin typeface="Cambria Math" panose="02040503050406030204" pitchFamily="18" charset="0"/>
+                          </a:rPr>
+                        </m:ctrlPr>
+                      </m:sSubPr>
+                      <m:e>
+                        <m:r>
+                          <m:rPr>
+                            <m:nor/>
+                          </m:rPr>
+                          <a:rPr lang="el-GR" dirty="0"/>
+                          <m:t>ω</m:t>
+                        </m:r>
+                      </m:e>
+                      <m:sub>
+                        <m:r>
+                          <a:rPr lang="tr-TR" b="0" i="1" smtClean="0">
+                            <a:latin typeface="Cambria Math" panose="02040503050406030204" pitchFamily="18" charset="0"/>
+                          </a:rPr>
+                          <m:t>𝑚𝑎𝑥</m:t>
+                        </m:r>
+                      </m:sub>
+                    </m:sSub>
+                  </m:oMath>
+                </a14:m>
+                <a:r>
+                  <a:rPr lang="tr-TR" dirty="0" smtClean="0"/>
+                  <a:t>	</a:t>
+                </a:r>
+                <a:endParaRPr lang="tr-TR" dirty="0"/>
+              </a:p>
+            </p:txBody>
+          </p:sp>
+        </mc:Choice>
+        <mc:Fallback>
+          <p:sp>
+            <p:nvSpPr>
+              <p:cNvPr id="9" name="Rectangle 8"/>
+              <p:cNvSpPr>
+                <a:spLocks noRot="1" noChangeAspect="1" noMove="1" noResize="1" noEditPoints="1" noAdjustHandles="1" noChangeArrowheads="1" noChangeShapeType="1" noTextEdit="1"/>
+              </p:cNvSpPr>
+              <p:nvPr/>
+            </p:nvSpPr>
+            <p:spPr>
+              <a:xfrm>
+                <a:off x="3094666" y="4937650"/>
+                <a:ext cx="2954655" cy="461665"/>
+              </a:xfrm>
+              <a:prstGeom prst="rect">
+                <a:avLst/>
+              </a:prstGeom>
+              <a:blipFill>
+                <a:blip r:embed="rId5"/>
+                <a:stretch>
+                  <a:fillRect l="-620" t="-9211" b="-30263"/>
+                </a:stretch>
+              </a:blipFill>
+            </p:spPr>
+            <p:txBody>
+              <a:bodyPr/>
+              <a:lstStyle/>
+              <a:p>
+                <a:r>
+                  <a:rPr lang="tr-TR">
+                    <a:noFill/>
+                  </a:rPr>
+                  <a:t> </a:t>
+                </a:r>
+              </a:p>
+            </p:txBody>
+          </p:sp>
+        </mc:Fallback>
+      </mc:AlternateContent>
+      <mc:AlternateContent xmlns:mc="http://schemas.openxmlformats.org/markup-compatibility/2006">
+        <mc:Choice xmlns:a14="http://schemas.microsoft.com/office/drawing/2010/main" Requires="a14">
+          <p:sp>
+            <p:nvSpPr>
+              <p:cNvPr id="10" name="Rectangle 9"/>
+              <p:cNvSpPr/>
+              <p:nvPr/>
+            </p:nvSpPr>
+            <p:spPr>
+              <a:xfrm>
+                <a:off x="3098982" y="5499511"/>
+                <a:ext cx="2954655" cy="461665"/>
+              </a:xfrm>
+              <a:prstGeom prst="rect">
+                <a:avLst/>
+              </a:prstGeom>
+            </p:spPr>
+            <p:txBody>
+              <a:bodyPr wrap="none">
+                <a:spAutoFit/>
+              </a:bodyPr>
+              <a:lstStyle/>
+              <a:p>
+                <a14:m>
+                  <m:oMath xmlns:m="http://schemas.openxmlformats.org/officeDocument/2006/math">
+                    <m:sSub>
+                      <m:sSubPr>
+                        <m:ctrlPr>
+                          <a:rPr lang="tr-TR" i="1" smtClean="0">
+                            <a:latin typeface="Cambria Math" panose="02040503050406030204" pitchFamily="18" charset="0"/>
+                          </a:rPr>
+                        </m:ctrlPr>
+                      </m:sSubPr>
+                      <m:e>
+                        <m:r>
+                          <a:rPr lang="tr-TR" b="0" i="1" smtClean="0">
+                            <a:latin typeface="Cambria Math" panose="02040503050406030204" pitchFamily="18" charset="0"/>
+                          </a:rPr>
+                          <m:t>𝑃</m:t>
+                        </m:r>
+                      </m:e>
+                      <m:sub>
+                        <m:r>
+                          <a:rPr lang="tr-TR" b="0" i="1" smtClean="0">
+                            <a:latin typeface="Cambria Math" panose="02040503050406030204" pitchFamily="18" charset="0"/>
+                          </a:rPr>
+                          <m:t>𝑚𝑎𝑥</m:t>
+                        </m:r>
+                      </m:sub>
+                    </m:sSub>
+                  </m:oMath>
+                </a14:m>
+                <a:r>
+                  <a:rPr lang="tr-TR" dirty="0" smtClean="0"/>
+                  <a:t>=</a:t>
+                </a:r>
+                <a14:m>
+                  <m:oMath xmlns:m="http://schemas.openxmlformats.org/officeDocument/2006/math">
+                    <m:sSub>
+                      <m:sSubPr>
+                        <m:ctrlPr>
+                          <a:rPr lang="tr-TR" i="1">
+                            <a:latin typeface="Cambria Math" panose="02040503050406030204" pitchFamily="18" charset="0"/>
+                          </a:rPr>
+                        </m:ctrlPr>
+                      </m:sSubPr>
+                      <m:e>
+                        <m:r>
+                          <a:rPr lang="tr-TR" b="0" i="1" smtClean="0">
+                            <a:latin typeface="Cambria Math" panose="02040503050406030204" pitchFamily="18" charset="0"/>
+                          </a:rPr>
+                          <m:t>𝑇</m:t>
+                        </m:r>
+                      </m:e>
+                      <m:sub>
+                        <m:r>
+                          <a:rPr lang="tr-TR" b="0" i="1" smtClean="0">
+                            <a:latin typeface="Cambria Math" panose="02040503050406030204" pitchFamily="18" charset="0"/>
+                          </a:rPr>
+                          <m:t>𝑆</m:t>
+                        </m:r>
+                        <m:r>
+                          <a:rPr lang="tr-TR" b="0" i="1" smtClean="0">
+                            <a:latin typeface="Cambria Math" panose="02040503050406030204" pitchFamily="18" charset="0"/>
+                          </a:rPr>
+                          <m:t>−</m:t>
+                        </m:r>
+                        <m:r>
+                          <a:rPr lang="tr-TR" b="0" i="1" smtClean="0">
+                            <a:latin typeface="Cambria Math" panose="02040503050406030204" pitchFamily="18" charset="0"/>
+                          </a:rPr>
+                          <m:t>𝑙𝑖𝑚</m:t>
+                        </m:r>
+                      </m:sub>
+                    </m:sSub>
+                    <m:sSub>
+                      <m:sSubPr>
+                        <m:ctrlPr>
+                          <a:rPr lang="tr-TR" i="1">
+                            <a:latin typeface="Cambria Math" panose="02040503050406030204" pitchFamily="18" charset="0"/>
+                          </a:rPr>
+                        </m:ctrlPr>
+                      </m:sSubPr>
+                      <m:e>
+                        <m:r>
+                          <m:rPr>
+                            <m:nor/>
+                          </m:rPr>
+                          <a:rPr lang="el-GR" dirty="0"/>
+                          <m:t>ω</m:t>
+                        </m:r>
+                      </m:e>
+                      <m:sub>
+                        <m:r>
+                          <a:rPr lang="tr-TR" b="0" i="1" smtClean="0">
+                            <a:latin typeface="Cambria Math" panose="02040503050406030204" pitchFamily="18" charset="0"/>
+                          </a:rPr>
+                          <m:t>𝑚𝑎𝑥</m:t>
+                        </m:r>
+                      </m:sub>
+                    </m:sSub>
+                  </m:oMath>
+                </a14:m>
+                <a:r>
+                  <a:rPr lang="tr-TR" dirty="0" smtClean="0"/>
+                  <a:t>	</a:t>
+                </a:r>
+                <a:endParaRPr lang="tr-TR" dirty="0"/>
+              </a:p>
+            </p:txBody>
+          </p:sp>
+        </mc:Choice>
+        <mc:Fallback>
+          <p:sp>
+            <p:nvSpPr>
+              <p:cNvPr id="10" name="Rectangle 9"/>
+              <p:cNvSpPr>
+                <a:spLocks noRot="1" noChangeAspect="1" noMove="1" noResize="1" noEditPoints="1" noAdjustHandles="1" noChangeArrowheads="1" noChangeShapeType="1" noTextEdit="1"/>
+              </p:cNvSpPr>
+              <p:nvPr/>
+            </p:nvSpPr>
+            <p:spPr>
+              <a:xfrm>
+                <a:off x="3098982" y="5499511"/>
+                <a:ext cx="2954655" cy="461665"/>
+              </a:xfrm>
+              <a:prstGeom prst="rect">
+                <a:avLst/>
+              </a:prstGeom>
+              <a:blipFill>
+                <a:blip r:embed="rId6"/>
+                <a:stretch>
+                  <a:fillRect l="-412" t="-9211" b="-30263"/>
+                </a:stretch>
+              </a:blipFill>
+            </p:spPr>
+            <p:txBody>
+              <a:bodyPr/>
+              <a:lstStyle/>
+              <a:p>
+                <a:r>
+                  <a:rPr lang="tr-TR">
+                    <a:noFill/>
+                  </a:rPr>
+                  <a:t> </a:t>
+                </a:r>
+              </a:p>
+            </p:txBody>
+          </p:sp>
+        </mc:Fallback>
+      </mc:AlternateContent>
+    </p:spTree>
+    <p:extLst>
+      <p:ext uri="{BB962C8B-B14F-4D97-AF65-F5344CB8AC3E}">
+        <p14:creationId xmlns:p14="http://schemas.microsoft.com/office/powerpoint/2010/main" val="1702455776"/>
+      </p:ext>
+    </p:extLst>
+  </p:cSld>
+  <p:clrMapOvr>
+    <a:masterClrMapping/>
+  </p:clrMapOvr>
+  <p:transition/>
+  <p:timing>
+    <p:tnLst>
+      <p:par>
+        <p:cTn id="1" dur="indefinite" restart="never" nodeType="tmRoot"/>
+      </p:par>
+    </p:tnLst>
+  </p:timing>
+</p:sld>
+</file>
+
+<file path=ppt/slides/slide17.xml><?xml version="1.0" encoding="utf-8"?>
+<p:sld xmlns:a="http://schemas.openxmlformats.org/drawingml/2006/main" xmlns:r="http://schemas.openxmlformats.org/officeDocument/2006/relationships" xmlns:p="http://schemas.openxmlformats.org/presentationml/2006/main">
+  <p:cSld>
+    <p:spTree>
+      <p:nvGrpSpPr>
+        <p:cNvPr id="1" name=""/>
+        <p:cNvGrpSpPr/>
+        <p:nvPr/>
+      </p:nvGrpSpPr>
+      <p:grpSpPr>
+        <a:xfrm>
+          <a:off x="0" y="0"/>
+          <a:ext cx="0" cy="0"/>
+          <a:chOff x="0" y="0"/>
+          <a:chExt cx="0" cy="0"/>
+        </a:xfrm>
+      </p:grpSpPr>
+      <p:sp>
+        <p:nvSpPr>
+          <p:cNvPr id="5122" name="Rectangle 2"/>
+          <p:cNvSpPr>
+            <a:spLocks noGrp="1" noChangeArrowheads="1"/>
+          </p:cNvSpPr>
+          <p:nvPr>
+            <p:ph type="title"/>
+          </p:nvPr>
+        </p:nvSpPr>
+        <p:spPr/>
+        <p:txBody>
+          <a:bodyPr/>
+          <a:lstStyle/>
+          <a:p>
+            <a:pPr>
+              <a:defRPr/>
+            </a:pPr>
+            <a:r>
+              <a:rPr lang="tr-TR" dirty="0" smtClean="0">
+                <a:latin typeface="Arial" panose="020B0604020202020204" pitchFamily="34" charset="0"/>
+                <a:cs typeface="Arial" panose="020B0604020202020204" pitchFamily="34" charset="0"/>
+              </a:rPr>
+              <a:t>Fast Inertia Support</a:t>
+            </a:r>
+            <a:endParaRPr lang="en-US" dirty="0" smtClean="0">
+              <a:latin typeface="Arial" panose="020B0604020202020204" pitchFamily="34" charset="0"/>
+              <a:cs typeface="Arial" panose="020B0604020202020204" pitchFamily="34" charset="0"/>
+            </a:endParaRPr>
+          </a:p>
+        </p:txBody>
+      </p:sp>
+      <p:sp>
+        <p:nvSpPr>
+          <p:cNvPr id="2" name="Date Placeholder 1"/>
+          <p:cNvSpPr>
+            <a:spLocks noGrp="1"/>
+          </p:cNvSpPr>
+          <p:nvPr>
+            <p:ph type="dt" sz="half" idx="2"/>
+          </p:nvPr>
+        </p:nvSpPr>
+        <p:spPr/>
+        <p:txBody>
+          <a:bodyPr/>
+          <a:lstStyle/>
+          <a:p>
+            <a:pPr>
+              <a:defRPr/>
+            </a:pPr>
+            <a:r>
+              <a:rPr lang="tr-TR" dirty="0" smtClean="0"/>
+              <a:t>18.01.2019</a:t>
+            </a:r>
+            <a:endParaRPr lang="en-US" dirty="0"/>
+          </a:p>
+        </p:txBody>
+      </p:sp>
+      <p:sp>
+        <p:nvSpPr>
+          <p:cNvPr id="3" name="Slide Number Placeholder 2"/>
+          <p:cNvSpPr>
+            <a:spLocks noGrp="1"/>
+          </p:cNvSpPr>
+          <p:nvPr>
+            <p:ph type="sldNum" sz="quarter" idx="12"/>
+          </p:nvPr>
+        </p:nvSpPr>
+        <p:spPr/>
+        <p:txBody>
+          <a:bodyPr/>
+          <a:lstStyle/>
+          <a:p>
+            <a:pPr>
+              <a:defRPr/>
+            </a:pPr>
+            <a:fld id="{C878F797-6006-4DDA-AFE9-456F280FE6C5}" type="slidenum">
+              <a:rPr lang="en-US" smtClean="0"/>
+              <a:pPr>
+                <a:defRPr/>
+              </a:pPr>
+              <a:t>17</a:t>
+            </a:fld>
+            <a:endParaRPr lang="en-US" dirty="0"/>
+          </a:p>
+        </p:txBody>
+      </p:sp>
+      <mc:AlternateContent xmlns:mc="http://schemas.openxmlformats.org/markup-compatibility/2006">
+        <mc:Choice xmlns:a14="http://schemas.microsoft.com/office/drawing/2010/main" Requires="a14">
+          <p:sp>
+            <p:nvSpPr>
+              <p:cNvPr id="6" name="Rectangle 5"/>
+              <p:cNvSpPr/>
+              <p:nvPr/>
+            </p:nvSpPr>
+            <p:spPr>
+              <a:xfrm>
+                <a:off x="3556332" y="4445912"/>
+                <a:ext cx="2031325" cy="491738"/>
+              </a:xfrm>
+              <a:prstGeom prst="rect">
+                <a:avLst/>
+              </a:prstGeom>
+            </p:spPr>
+            <p:txBody>
+              <a:bodyPr wrap="none">
+                <a:spAutoFit/>
+              </a:bodyPr>
+              <a:lstStyle/>
+              <a:p>
+                <a14:m>
+                  <m:oMath xmlns:m="http://schemas.openxmlformats.org/officeDocument/2006/math">
+                    <m:sSub>
+                      <m:sSubPr>
+                        <m:ctrlPr>
+                          <a:rPr lang="tr-TR" i="1" smtClean="0">
+                            <a:latin typeface="Cambria Math" panose="02040503050406030204" pitchFamily="18" charset="0"/>
+                          </a:rPr>
+                        </m:ctrlPr>
+                      </m:sSubPr>
+                      <m:e>
+                        <m:r>
+                          <a:rPr lang="tr-TR" b="0" i="1" smtClean="0">
+                            <a:latin typeface="Cambria Math" panose="02040503050406030204" pitchFamily="18" charset="0"/>
+                          </a:rPr>
+                          <m:t>𝑃</m:t>
+                        </m:r>
+                      </m:e>
+                      <m:sub>
+                        <m:r>
+                          <a:rPr lang="tr-TR" b="0" i="1" smtClean="0">
+                            <a:latin typeface="Cambria Math" panose="02040503050406030204" pitchFamily="18" charset="0"/>
+                          </a:rPr>
+                          <m:t>𝑔𝑒𝑛</m:t>
+                        </m:r>
+                      </m:sub>
+                    </m:sSub>
+                  </m:oMath>
+                </a14:m>
+                <a:r>
+                  <a:rPr lang="tr-TR" dirty="0" smtClean="0"/>
+                  <a:t>=</a:t>
+                </a:r>
+                <a14:m>
+                  <m:oMath xmlns:m="http://schemas.openxmlformats.org/officeDocument/2006/math">
+                    <m:sSub>
+                      <m:sSubPr>
+                        <m:ctrlPr>
+                          <a:rPr lang="tr-TR" i="1">
+                            <a:latin typeface="Cambria Math" panose="02040503050406030204" pitchFamily="18" charset="0"/>
+                          </a:rPr>
+                        </m:ctrlPr>
+                      </m:sSubPr>
+                      <m:e>
+                        <m:r>
+                          <a:rPr lang="tr-TR" b="0" i="1" smtClean="0">
+                            <a:latin typeface="Cambria Math" panose="02040503050406030204" pitchFamily="18" charset="0"/>
+                          </a:rPr>
+                          <m:t>𝑇</m:t>
+                        </m:r>
+                      </m:e>
+                      <m:sub>
+                        <m:r>
+                          <a:rPr lang="tr-TR" b="0" i="1" smtClean="0">
+                            <a:latin typeface="Cambria Math" panose="02040503050406030204" pitchFamily="18" charset="0"/>
+                          </a:rPr>
+                          <m:t>𝑒</m:t>
+                        </m:r>
+                      </m:sub>
+                    </m:sSub>
+                    <m:sSub>
+                      <m:sSubPr>
+                        <m:ctrlPr>
+                          <a:rPr lang="tr-TR" i="1">
+                            <a:latin typeface="Cambria Math" panose="02040503050406030204" pitchFamily="18" charset="0"/>
+                          </a:rPr>
+                        </m:ctrlPr>
+                      </m:sSubPr>
+                      <m:e>
+                        <m:r>
+                          <m:rPr>
+                            <m:nor/>
+                          </m:rPr>
+                          <a:rPr lang="el-GR" dirty="0"/>
+                          <m:t>ω</m:t>
+                        </m:r>
+                      </m:e>
+                      <m:sub>
+                        <m:r>
+                          <a:rPr lang="tr-TR" b="0" i="1" smtClean="0">
+                            <a:latin typeface="Cambria Math" panose="02040503050406030204" pitchFamily="18" charset="0"/>
+                          </a:rPr>
+                          <m:t>𝑚</m:t>
+                        </m:r>
+                      </m:sub>
+                    </m:sSub>
+                  </m:oMath>
+                </a14:m>
+                <a:r>
+                  <a:rPr lang="tr-TR" dirty="0" smtClean="0"/>
+                  <a:t>	</a:t>
+                </a:r>
+                <a:endParaRPr lang="tr-TR" dirty="0"/>
+              </a:p>
+            </p:txBody>
+          </p:sp>
+        </mc:Choice>
+        <mc:Fallback>
+          <p:sp>
+            <p:nvSpPr>
+              <p:cNvPr id="6" name="Rectangle 5"/>
+              <p:cNvSpPr>
+                <a:spLocks noRot="1" noChangeAspect="1" noMove="1" noResize="1" noEditPoints="1" noAdjustHandles="1" noChangeArrowheads="1" noChangeShapeType="1" noTextEdit="1"/>
+              </p:cNvSpPr>
+              <p:nvPr/>
+            </p:nvSpPr>
+            <p:spPr>
+              <a:xfrm>
+                <a:off x="3556332" y="4445912"/>
+                <a:ext cx="2031325" cy="491738"/>
+              </a:xfrm>
+              <a:prstGeom prst="rect">
+                <a:avLst/>
+              </a:prstGeom>
+              <a:blipFill>
+                <a:blip r:embed="rId3"/>
+                <a:stretch>
+                  <a:fillRect l="-599" t="-9877" b="-20988"/>
+                </a:stretch>
+              </a:blipFill>
+            </p:spPr>
+            <p:txBody>
+              <a:bodyPr/>
+              <a:lstStyle/>
+              <a:p>
+                <a:r>
+                  <a:rPr lang="tr-TR">
+                    <a:noFill/>
+                  </a:rPr>
+                  <a:t> </a:t>
+                </a:r>
+              </a:p>
+            </p:txBody>
+          </p:sp>
+        </mc:Fallback>
+      </mc:AlternateContent>
+      <mc:AlternateContent xmlns:mc="http://schemas.openxmlformats.org/markup-compatibility/2006">
+        <mc:Choice xmlns:a14="http://schemas.microsoft.com/office/drawing/2010/main" Requires="a14">
+          <p:sp>
+            <p:nvSpPr>
+              <p:cNvPr id="9" name="Rectangle 8"/>
+              <p:cNvSpPr/>
+              <p:nvPr/>
+            </p:nvSpPr>
+            <p:spPr>
+              <a:xfrm>
+                <a:off x="3094666" y="4937650"/>
+                <a:ext cx="2954655" cy="461665"/>
+              </a:xfrm>
+              <a:prstGeom prst="rect">
+                <a:avLst/>
+              </a:prstGeom>
+            </p:spPr>
+            <p:txBody>
+              <a:bodyPr wrap="none">
+                <a:spAutoFit/>
+              </a:bodyPr>
+              <a:lstStyle/>
+              <a:p>
+                <a14:m>
+                  <m:oMath xmlns:m="http://schemas.openxmlformats.org/officeDocument/2006/math">
+                    <m:sSub>
+                      <m:sSubPr>
+                        <m:ctrlPr>
+                          <a:rPr lang="tr-TR" i="1" smtClean="0">
+                            <a:latin typeface="Cambria Math" panose="02040503050406030204" pitchFamily="18" charset="0"/>
+                          </a:rPr>
+                        </m:ctrlPr>
+                      </m:sSubPr>
+                      <m:e>
+                        <m:r>
+                          <a:rPr lang="tr-TR" b="0" i="1" smtClean="0">
+                            <a:latin typeface="Cambria Math" panose="02040503050406030204" pitchFamily="18" charset="0"/>
+                          </a:rPr>
+                          <m:t>𝑃</m:t>
+                        </m:r>
+                      </m:e>
+                      <m:sub>
+                        <m:r>
+                          <a:rPr lang="tr-TR" b="0" i="1" smtClean="0">
+                            <a:latin typeface="Cambria Math" panose="02040503050406030204" pitchFamily="18" charset="0"/>
+                          </a:rPr>
+                          <m:t>𝑟𝑎𝑡𝑒𝑑</m:t>
+                        </m:r>
+                      </m:sub>
+                    </m:sSub>
+                  </m:oMath>
+                </a14:m>
+                <a:r>
+                  <a:rPr lang="tr-TR" dirty="0" smtClean="0"/>
+                  <a:t>=</a:t>
+                </a:r>
+                <a14:m>
+                  <m:oMath xmlns:m="http://schemas.openxmlformats.org/officeDocument/2006/math">
+                    <m:sSub>
+                      <m:sSubPr>
+                        <m:ctrlPr>
+                          <a:rPr lang="tr-TR" i="1">
+                            <a:latin typeface="Cambria Math" panose="02040503050406030204" pitchFamily="18" charset="0"/>
+                          </a:rPr>
+                        </m:ctrlPr>
+                      </m:sSubPr>
+                      <m:e>
+                        <m:r>
+                          <a:rPr lang="tr-TR" b="0" i="1" smtClean="0">
+                            <a:latin typeface="Cambria Math" panose="02040503050406030204" pitchFamily="18" charset="0"/>
+                          </a:rPr>
+                          <m:t>𝑇</m:t>
+                        </m:r>
+                      </m:e>
+                      <m:sub>
+                        <m:r>
+                          <a:rPr lang="tr-TR" b="0" i="1" smtClean="0">
+                            <a:latin typeface="Cambria Math" panose="02040503050406030204" pitchFamily="18" charset="0"/>
+                          </a:rPr>
+                          <m:t>𝑃</m:t>
+                        </m:r>
+                        <m:r>
+                          <a:rPr lang="tr-TR" b="0" i="1" smtClean="0">
+                            <a:latin typeface="Cambria Math" panose="02040503050406030204" pitchFamily="18" charset="0"/>
+                          </a:rPr>
+                          <m:t>−</m:t>
+                        </m:r>
+                        <m:r>
+                          <a:rPr lang="tr-TR" b="0" i="1" smtClean="0">
+                            <a:latin typeface="Cambria Math" panose="02040503050406030204" pitchFamily="18" charset="0"/>
+                          </a:rPr>
+                          <m:t>𝑙𝑖𝑚</m:t>
+                        </m:r>
+                      </m:sub>
+                    </m:sSub>
+                    <m:sSub>
+                      <m:sSubPr>
+                        <m:ctrlPr>
+                          <a:rPr lang="tr-TR" i="1">
+                            <a:latin typeface="Cambria Math" panose="02040503050406030204" pitchFamily="18" charset="0"/>
+                          </a:rPr>
+                        </m:ctrlPr>
+                      </m:sSubPr>
+                      <m:e>
+                        <m:r>
+                          <m:rPr>
+                            <m:nor/>
+                          </m:rPr>
+                          <a:rPr lang="el-GR" dirty="0"/>
+                          <m:t>ω</m:t>
+                        </m:r>
+                      </m:e>
+                      <m:sub>
+                        <m:r>
+                          <a:rPr lang="tr-TR" b="0" i="1" smtClean="0">
+                            <a:latin typeface="Cambria Math" panose="02040503050406030204" pitchFamily="18" charset="0"/>
+                          </a:rPr>
+                          <m:t>𝑚𝑎𝑥</m:t>
+                        </m:r>
+                      </m:sub>
+                    </m:sSub>
+                  </m:oMath>
+                </a14:m>
+                <a:r>
+                  <a:rPr lang="tr-TR" dirty="0" smtClean="0"/>
+                  <a:t>	</a:t>
+                </a:r>
+                <a:endParaRPr lang="tr-TR" dirty="0"/>
+              </a:p>
+            </p:txBody>
+          </p:sp>
+        </mc:Choice>
+        <mc:Fallback>
+          <p:sp>
+            <p:nvSpPr>
+              <p:cNvPr id="9" name="Rectangle 8"/>
+              <p:cNvSpPr>
+                <a:spLocks noRot="1" noChangeAspect="1" noMove="1" noResize="1" noEditPoints="1" noAdjustHandles="1" noChangeArrowheads="1" noChangeShapeType="1" noTextEdit="1"/>
+              </p:cNvSpPr>
+              <p:nvPr/>
+            </p:nvSpPr>
+            <p:spPr>
+              <a:xfrm>
+                <a:off x="3094666" y="4937650"/>
+                <a:ext cx="2954655" cy="461665"/>
+              </a:xfrm>
+              <a:prstGeom prst="rect">
+                <a:avLst/>
+              </a:prstGeom>
+              <a:blipFill>
+                <a:blip r:embed="rId4"/>
+                <a:stretch>
+                  <a:fillRect l="-620" t="-9211" b="-30263"/>
+                </a:stretch>
+              </a:blipFill>
+            </p:spPr>
+            <p:txBody>
+              <a:bodyPr/>
+              <a:lstStyle/>
+              <a:p>
+                <a:r>
+                  <a:rPr lang="tr-TR">
+                    <a:noFill/>
+                  </a:rPr>
+                  <a:t> </a:t>
+                </a:r>
+              </a:p>
+            </p:txBody>
+          </p:sp>
+        </mc:Fallback>
+      </mc:AlternateContent>
+      <mc:AlternateContent xmlns:mc="http://schemas.openxmlformats.org/markup-compatibility/2006">
+        <mc:Choice xmlns:a14="http://schemas.microsoft.com/office/drawing/2010/main" Requires="a14">
+          <p:sp>
+            <p:nvSpPr>
+              <p:cNvPr id="10" name="Rectangle 9"/>
+              <p:cNvSpPr/>
+              <p:nvPr/>
+            </p:nvSpPr>
+            <p:spPr>
+              <a:xfrm>
+                <a:off x="3098982" y="5499511"/>
+                <a:ext cx="2954655" cy="461665"/>
+              </a:xfrm>
+              <a:prstGeom prst="rect">
+                <a:avLst/>
+              </a:prstGeom>
+            </p:spPr>
+            <p:txBody>
+              <a:bodyPr wrap="none">
+                <a:spAutoFit/>
+              </a:bodyPr>
+              <a:lstStyle/>
+              <a:p>
+                <a14:m>
+                  <m:oMath xmlns:m="http://schemas.openxmlformats.org/officeDocument/2006/math">
+                    <m:sSub>
+                      <m:sSubPr>
+                        <m:ctrlPr>
+                          <a:rPr lang="tr-TR" i="1" smtClean="0">
+                            <a:latin typeface="Cambria Math" panose="02040503050406030204" pitchFamily="18" charset="0"/>
+                          </a:rPr>
+                        </m:ctrlPr>
+                      </m:sSubPr>
+                      <m:e>
+                        <m:r>
+                          <a:rPr lang="tr-TR" b="0" i="1" smtClean="0">
+                            <a:latin typeface="Cambria Math" panose="02040503050406030204" pitchFamily="18" charset="0"/>
+                          </a:rPr>
+                          <m:t>𝑃</m:t>
+                        </m:r>
+                      </m:e>
+                      <m:sub>
+                        <m:r>
+                          <a:rPr lang="tr-TR" b="0" i="1" smtClean="0">
+                            <a:latin typeface="Cambria Math" panose="02040503050406030204" pitchFamily="18" charset="0"/>
+                          </a:rPr>
+                          <m:t>𝑚𝑎𝑥</m:t>
+                        </m:r>
+                      </m:sub>
+                    </m:sSub>
+                  </m:oMath>
+                </a14:m>
+                <a:r>
+                  <a:rPr lang="tr-TR" dirty="0" smtClean="0"/>
+                  <a:t>=</a:t>
+                </a:r>
+                <a14:m>
+                  <m:oMath xmlns:m="http://schemas.openxmlformats.org/officeDocument/2006/math">
+                    <m:sSub>
+                      <m:sSubPr>
+                        <m:ctrlPr>
+                          <a:rPr lang="tr-TR" i="1">
+                            <a:latin typeface="Cambria Math" panose="02040503050406030204" pitchFamily="18" charset="0"/>
+                          </a:rPr>
+                        </m:ctrlPr>
+                      </m:sSubPr>
+                      <m:e>
+                        <m:r>
+                          <a:rPr lang="tr-TR" b="0" i="1" smtClean="0">
+                            <a:latin typeface="Cambria Math" panose="02040503050406030204" pitchFamily="18" charset="0"/>
+                          </a:rPr>
+                          <m:t>𝑇</m:t>
+                        </m:r>
+                      </m:e>
+                      <m:sub>
+                        <m:r>
+                          <a:rPr lang="tr-TR" b="0" i="1" smtClean="0">
+                            <a:latin typeface="Cambria Math" panose="02040503050406030204" pitchFamily="18" charset="0"/>
+                          </a:rPr>
+                          <m:t>𝑆</m:t>
+                        </m:r>
+                        <m:r>
+                          <a:rPr lang="tr-TR" b="0" i="1" smtClean="0">
+                            <a:latin typeface="Cambria Math" panose="02040503050406030204" pitchFamily="18" charset="0"/>
+                          </a:rPr>
+                          <m:t>−</m:t>
+                        </m:r>
+                        <m:r>
+                          <a:rPr lang="tr-TR" b="0" i="1" smtClean="0">
+                            <a:latin typeface="Cambria Math" panose="02040503050406030204" pitchFamily="18" charset="0"/>
+                          </a:rPr>
+                          <m:t>𝑙𝑖𝑚</m:t>
+                        </m:r>
+                      </m:sub>
+                    </m:sSub>
+                    <m:sSub>
+                      <m:sSubPr>
+                        <m:ctrlPr>
+                          <a:rPr lang="tr-TR" i="1">
+                            <a:latin typeface="Cambria Math" panose="02040503050406030204" pitchFamily="18" charset="0"/>
+                          </a:rPr>
+                        </m:ctrlPr>
+                      </m:sSubPr>
+                      <m:e>
+                        <m:r>
+                          <m:rPr>
+                            <m:nor/>
+                          </m:rPr>
+                          <a:rPr lang="el-GR" dirty="0"/>
+                          <m:t>ω</m:t>
+                        </m:r>
+                      </m:e>
+                      <m:sub>
+                        <m:r>
+                          <a:rPr lang="tr-TR" b="0" i="1" smtClean="0">
+                            <a:latin typeface="Cambria Math" panose="02040503050406030204" pitchFamily="18" charset="0"/>
+                          </a:rPr>
+                          <m:t>𝑚𝑎𝑥</m:t>
+                        </m:r>
+                      </m:sub>
+                    </m:sSub>
+                  </m:oMath>
+                </a14:m>
+                <a:r>
+                  <a:rPr lang="tr-TR" dirty="0" smtClean="0"/>
+                  <a:t>	</a:t>
+                </a:r>
+                <a:endParaRPr lang="tr-TR" dirty="0"/>
+              </a:p>
+            </p:txBody>
+          </p:sp>
+        </mc:Choice>
+        <mc:Fallback>
+          <p:sp>
+            <p:nvSpPr>
+              <p:cNvPr id="10" name="Rectangle 9"/>
+              <p:cNvSpPr>
+                <a:spLocks noRot="1" noChangeAspect="1" noMove="1" noResize="1" noEditPoints="1" noAdjustHandles="1" noChangeArrowheads="1" noChangeShapeType="1" noTextEdit="1"/>
+              </p:cNvSpPr>
+              <p:nvPr/>
+            </p:nvSpPr>
+            <p:spPr>
+              <a:xfrm>
+                <a:off x="3098982" y="5499511"/>
+                <a:ext cx="2954655" cy="461665"/>
+              </a:xfrm>
+              <a:prstGeom prst="rect">
+                <a:avLst/>
+              </a:prstGeom>
+              <a:blipFill>
+                <a:blip r:embed="rId5"/>
+                <a:stretch>
+                  <a:fillRect l="-412" t="-9211" b="-30263"/>
+                </a:stretch>
+              </a:blipFill>
+            </p:spPr>
+            <p:txBody>
+              <a:bodyPr/>
+              <a:lstStyle/>
+              <a:p>
+                <a:r>
+                  <a:rPr lang="tr-TR">
+                    <a:noFill/>
+                  </a:rPr>
+                  <a:t> </a:t>
+                </a:r>
+              </a:p>
+            </p:txBody>
+          </p:sp>
+        </mc:Fallback>
+      </mc:AlternateContent>
+      <p:pic>
+        <p:nvPicPr>
+          <p:cNvPr id="7" name="Content Placeholder 6"/>
+          <p:cNvPicPr>
+            <a:picLocks noGrp="1" noChangeAspect="1"/>
+          </p:cNvPicPr>
+          <p:nvPr>
+            <p:ph idx="1"/>
+          </p:nvPr>
+        </p:nvPicPr>
+        <p:blipFill>
+          <a:blip r:embed="rId6" cstate="print">
+            <a:extLst>
+              <a:ext uri="{28A0092B-C50C-407E-A947-70E740481C1C}">
+                <a14:useLocalDpi xmlns:a14="http://schemas.microsoft.com/office/drawing/2010/main" val="0"/>
+              </a:ext>
+            </a:extLst>
+          </a:blip>
+          <a:stretch>
+            <a:fillRect/>
+          </a:stretch>
+        </p:blipFill>
+        <p:spPr>
+          <a:xfrm>
+            <a:off x="1259632" y="1376735"/>
+            <a:ext cx="6645042" cy="4987925"/>
+          </a:xfrm>
+        </p:spPr>
+      </p:pic>
+    </p:spTree>
+    <p:extLst>
+      <p:ext uri="{BB962C8B-B14F-4D97-AF65-F5344CB8AC3E}">
+        <p14:creationId xmlns:p14="http://schemas.microsoft.com/office/powerpoint/2010/main" val="2864718775"/>
+      </p:ext>
+    </p:extLst>
+  </p:cSld>
+  <p:clrMapOvr>
+    <a:masterClrMapping/>
+  </p:clrMapOvr>
+  <p:transition/>
+  <p:timing>
+    <p:tnLst>
+      <p:par>
+        <p:cTn id="1" dur="indefinite" restart="never" nodeType="tmRoot"/>
+      </p:par>
+    </p:tnLst>
+  </p:timing>
+</p:sld>
+</file>
+
+<file path=ppt/slides/slide18.xml><?xml version="1.0" encoding="utf-8"?>
+<p:sld xmlns:a="http://schemas.openxmlformats.org/drawingml/2006/main" xmlns:r="http://schemas.openxmlformats.org/officeDocument/2006/relationships" xmlns:p="http://schemas.openxmlformats.org/presentationml/2006/main">
+  <p:cSld>
+    <p:spTree>
+      <p:nvGrpSpPr>
+        <p:cNvPr id="1" name=""/>
+        <p:cNvGrpSpPr/>
+        <p:nvPr/>
+      </p:nvGrpSpPr>
+      <p:grpSpPr>
+        <a:xfrm>
+          <a:off x="0" y="0"/>
+          <a:ext cx="0" cy="0"/>
+          <a:chOff x="0" y="0"/>
+          <a:chExt cx="0" cy="0"/>
+        </a:xfrm>
+      </p:grpSpPr>
+      <p:sp>
+        <p:nvSpPr>
+          <p:cNvPr id="5122" name="Rectangle 2"/>
+          <p:cNvSpPr>
+            <a:spLocks noGrp="1" noChangeArrowheads="1"/>
+          </p:cNvSpPr>
+          <p:nvPr>
+            <p:ph type="title"/>
+          </p:nvPr>
+        </p:nvSpPr>
+        <p:spPr/>
+        <p:txBody>
+          <a:bodyPr/>
+          <a:lstStyle/>
+          <a:p>
+            <a:pPr>
+              <a:defRPr/>
+            </a:pPr>
+            <a:r>
+              <a:rPr lang="tr-TR" dirty="0" smtClean="0">
+                <a:latin typeface="Arial" panose="020B0604020202020204" pitchFamily="34" charset="0"/>
+                <a:cs typeface="Arial" panose="020B0604020202020204" pitchFamily="34" charset="0"/>
+              </a:rPr>
+              <a:t>Fast Inertia Support</a:t>
+            </a:r>
+            <a:endParaRPr lang="en-US" dirty="0" smtClean="0">
+              <a:latin typeface="Arial" panose="020B0604020202020204" pitchFamily="34" charset="0"/>
+              <a:cs typeface="Arial" panose="020B0604020202020204" pitchFamily="34" charset="0"/>
+            </a:endParaRPr>
+          </a:p>
+        </p:txBody>
+      </p:sp>
+      <p:sp>
+        <p:nvSpPr>
+          <p:cNvPr id="2" name="Date Placeholder 1"/>
+          <p:cNvSpPr>
+            <a:spLocks noGrp="1"/>
+          </p:cNvSpPr>
+          <p:nvPr>
+            <p:ph type="dt" sz="half" idx="2"/>
+          </p:nvPr>
+        </p:nvSpPr>
+        <p:spPr/>
+        <p:txBody>
+          <a:bodyPr/>
+          <a:lstStyle/>
+          <a:p>
+            <a:pPr>
+              <a:defRPr/>
+            </a:pPr>
+            <a:r>
+              <a:rPr lang="tr-TR" dirty="0" smtClean="0"/>
+              <a:t>18.01.2019</a:t>
+            </a:r>
+            <a:endParaRPr lang="en-US" dirty="0"/>
+          </a:p>
+        </p:txBody>
+      </p:sp>
+      <p:sp>
+        <p:nvSpPr>
+          <p:cNvPr id="3" name="Slide Number Placeholder 2"/>
+          <p:cNvSpPr>
+            <a:spLocks noGrp="1"/>
+          </p:cNvSpPr>
+          <p:nvPr>
+            <p:ph type="sldNum" sz="quarter" idx="12"/>
+          </p:nvPr>
+        </p:nvSpPr>
+        <p:spPr/>
+        <p:txBody>
+          <a:bodyPr/>
+          <a:lstStyle/>
+          <a:p>
+            <a:pPr>
+              <a:defRPr/>
+            </a:pPr>
+            <a:fld id="{C878F797-6006-4DDA-AFE9-456F280FE6C5}" type="slidenum">
+              <a:rPr lang="en-US" smtClean="0"/>
+              <a:pPr>
+                <a:defRPr/>
+              </a:pPr>
+              <a:t>18</a:t>
+            </a:fld>
+            <a:endParaRPr lang="en-US" dirty="0"/>
+          </a:p>
+        </p:txBody>
+      </p:sp>
+      <p:pic>
+        <p:nvPicPr>
+          <p:cNvPr id="8" name="Picture 7"/>
+          <p:cNvPicPr>
+            <a:picLocks noChangeAspect="1"/>
+          </p:cNvPicPr>
+          <p:nvPr/>
+        </p:nvPicPr>
+        <p:blipFill>
+          <a:blip r:embed="rId3" cstate="print">
+            <a:extLst>
+              <a:ext uri="{28A0092B-C50C-407E-A947-70E740481C1C}">
+                <a14:useLocalDpi xmlns:a14="http://schemas.microsoft.com/office/drawing/2010/main" val="0"/>
+              </a:ext>
+            </a:extLst>
+          </a:blip>
+          <a:stretch>
+            <a:fillRect/>
+          </a:stretch>
+        </p:blipFill>
+        <p:spPr>
+          <a:xfrm>
+            <a:off x="179512" y="1556791"/>
+            <a:ext cx="4604682" cy="3456383"/>
+          </a:xfrm>
+          <a:prstGeom prst="rect">
+            <a:avLst/>
+          </a:prstGeom>
+        </p:spPr>
+      </p:pic>
+      <p:pic>
+        <p:nvPicPr>
+          <p:cNvPr id="5" name="Picture 4"/>
+          <p:cNvPicPr>
+            <a:picLocks noChangeAspect="1"/>
+          </p:cNvPicPr>
+          <p:nvPr/>
+        </p:nvPicPr>
+        <p:blipFill>
+          <a:blip r:embed="rId4" cstate="print">
+            <a:extLst>
+              <a:ext uri="{28A0092B-C50C-407E-A947-70E740481C1C}">
+                <a14:useLocalDpi xmlns:a14="http://schemas.microsoft.com/office/drawing/2010/main" val="0"/>
+              </a:ext>
+            </a:extLst>
+          </a:blip>
+          <a:stretch>
+            <a:fillRect/>
+          </a:stretch>
+        </p:blipFill>
+        <p:spPr>
+          <a:xfrm>
+            <a:off x="4492228" y="1487147"/>
+            <a:ext cx="4788024" cy="3595669"/>
+          </a:xfrm>
+          <a:prstGeom prst="rect">
+            <a:avLst/>
+          </a:prstGeom>
+        </p:spPr>
+      </p:pic>
+    </p:spTree>
+    <p:extLst>
+      <p:ext uri="{BB962C8B-B14F-4D97-AF65-F5344CB8AC3E}">
+        <p14:creationId xmlns:p14="http://schemas.microsoft.com/office/powerpoint/2010/main" val="3392780950"/>
+      </p:ext>
+    </p:extLst>
+  </p:cSld>
+  <p:clrMapOvr>
+    <a:masterClrMapping/>
+  </p:clrMapOvr>
+  <p:transition/>
+  <p:timing>
+    <p:tnLst>
+      <p:par>
+        <p:cTn id="1" dur="indefinite" restart="never" nodeType="tmRoot"/>
+      </p:par>
+    </p:tnLst>
+  </p:timing>
+</p:sld>
+</file>
+
+<file path=ppt/slides/slide19.xml><?xml version="1.0" encoding="utf-8"?>
+<p:sld xmlns:a="http://schemas.openxmlformats.org/drawingml/2006/main" xmlns:r="http://schemas.openxmlformats.org/officeDocument/2006/relationships" xmlns:p="http://schemas.openxmlformats.org/presentationml/2006/main">
+  <p:cSld>
+    <p:spTree>
+      <p:nvGrpSpPr>
+        <p:cNvPr id="1" name=""/>
+        <p:cNvGrpSpPr/>
+        <p:nvPr/>
+      </p:nvGrpSpPr>
+      <p:grpSpPr>
+        <a:xfrm>
+          <a:off x="0" y="0"/>
+          <a:ext cx="0" cy="0"/>
+          <a:chOff x="0" y="0"/>
+          <a:chExt cx="0" cy="0"/>
+        </a:xfrm>
+      </p:grpSpPr>
+      <p:sp>
+        <p:nvSpPr>
+          <p:cNvPr id="5122" name="Rectangle 2"/>
+          <p:cNvSpPr>
+            <a:spLocks noGrp="1" noChangeArrowheads="1"/>
+          </p:cNvSpPr>
+          <p:nvPr>
+            <p:ph type="title"/>
+          </p:nvPr>
+        </p:nvSpPr>
+        <p:spPr/>
+        <p:txBody>
+          <a:bodyPr/>
+          <a:lstStyle/>
+          <a:p>
+            <a:pPr>
+              <a:defRPr/>
+            </a:pPr>
+            <a:r>
+              <a:rPr lang="tr-TR" dirty="0" smtClean="0">
+                <a:latin typeface="Arial" panose="020B0604020202020204" pitchFamily="34" charset="0"/>
+                <a:cs typeface="Arial" panose="020B0604020202020204" pitchFamily="34" charset="0"/>
+              </a:rPr>
+              <a:t>Implementation on a Test Case</a:t>
+            </a:r>
+            <a:endParaRPr lang="en-US" dirty="0" smtClean="0">
+              <a:latin typeface="Arial" panose="020B0604020202020204" pitchFamily="34" charset="0"/>
+              <a:cs typeface="Arial" panose="020B0604020202020204" pitchFamily="34" charset="0"/>
+            </a:endParaRPr>
+          </a:p>
+        </p:txBody>
+      </p:sp>
+      <p:sp>
+        <p:nvSpPr>
+          <p:cNvPr id="2" name="Date Placeholder 1"/>
+          <p:cNvSpPr>
+            <a:spLocks noGrp="1"/>
+          </p:cNvSpPr>
+          <p:nvPr>
+            <p:ph type="dt" sz="half" idx="2"/>
+          </p:nvPr>
+        </p:nvSpPr>
+        <p:spPr/>
+        <p:txBody>
+          <a:bodyPr/>
+          <a:lstStyle/>
+          <a:p>
+            <a:pPr>
+              <a:defRPr/>
+            </a:pPr>
+            <a:r>
+              <a:rPr lang="tr-TR" smtClean="0"/>
+              <a:t>18.01.2019</a:t>
+            </a:r>
+            <a:endParaRPr lang="en-US" dirty="0"/>
+          </a:p>
+        </p:txBody>
+      </p:sp>
+      <p:sp>
+        <p:nvSpPr>
+          <p:cNvPr id="3" name="Slide Number Placeholder 2"/>
+          <p:cNvSpPr>
+            <a:spLocks noGrp="1"/>
+          </p:cNvSpPr>
+          <p:nvPr>
+            <p:ph type="sldNum" sz="quarter" idx="12"/>
+          </p:nvPr>
+        </p:nvSpPr>
+        <p:spPr/>
+        <p:txBody>
+          <a:bodyPr/>
+          <a:lstStyle/>
+          <a:p>
+            <a:pPr>
+              <a:defRPr/>
+            </a:pPr>
+            <a:fld id="{C878F797-6006-4DDA-AFE9-456F280FE6C5}" type="slidenum">
+              <a:rPr lang="en-US" smtClean="0"/>
+              <a:pPr>
+                <a:defRPr/>
+              </a:pPr>
+              <a:t>19</a:t>
+            </a:fld>
+            <a:endParaRPr lang="en-US" dirty="0"/>
+          </a:p>
+        </p:txBody>
+      </p:sp>
+      <p:pic>
+        <p:nvPicPr>
+          <p:cNvPr id="5" name="Content Placeholder 4"/>
+          <p:cNvPicPr>
+            <a:picLocks noGrp="1" noChangeAspect="1"/>
+          </p:cNvPicPr>
+          <p:nvPr>
+            <p:ph idx="1"/>
+          </p:nvPr>
+        </p:nvPicPr>
+        <p:blipFill>
+          <a:blip r:embed="rId3">
+            <a:extLst>
+              <a:ext uri="{28A0092B-C50C-407E-A947-70E740481C1C}">
+                <a14:useLocalDpi xmlns:a14="http://schemas.microsoft.com/office/drawing/2010/main" val="0"/>
+              </a:ext>
+            </a:extLst>
+          </a:blip>
+          <a:stretch>
+            <a:fillRect/>
+          </a:stretch>
+        </p:blipFill>
+        <p:spPr>
+          <a:xfrm>
+            <a:off x="467544" y="1357833"/>
+            <a:ext cx="5707043" cy="4987925"/>
+          </a:xfrm>
+        </p:spPr>
+      </p:pic>
+      <p:sp>
+        <p:nvSpPr>
+          <p:cNvPr id="6" name="TextBox 5"/>
+          <p:cNvSpPr txBox="1"/>
+          <p:nvPr/>
+        </p:nvSpPr>
+        <p:spPr>
+          <a:xfrm>
+            <a:off x="5950496" y="3272254"/>
+            <a:ext cx="2736304" cy="3046988"/>
+          </a:xfrm>
+          <a:prstGeom prst="rect">
+            <a:avLst/>
+          </a:prstGeom>
+          <a:noFill/>
+        </p:spPr>
+        <p:txBody>
+          <a:bodyPr wrap="square" rtlCol="0">
+            <a:spAutoFit/>
+          </a:bodyPr>
+          <a:lstStyle/>
+          <a:p>
+            <a:r>
+              <a:rPr lang="tr-TR" dirty="0" smtClean="0"/>
+              <a:t>Cases:</a:t>
+            </a:r>
+          </a:p>
+          <a:p>
+            <a:pPr marL="342900" indent="-342900">
+              <a:buFont typeface="Arial" panose="020B0604020202020204" pitchFamily="34" charset="0"/>
+              <a:buChar char="•"/>
+            </a:pPr>
+            <a:r>
+              <a:rPr lang="tr-TR" dirty="0" smtClean="0"/>
+              <a:t>Base Case</a:t>
+            </a:r>
+            <a:endParaRPr lang="tr-TR" dirty="0"/>
+          </a:p>
+          <a:p>
+            <a:pPr marL="342900" indent="-342900">
+              <a:buFont typeface="Arial" panose="020B0604020202020204" pitchFamily="34" charset="0"/>
+              <a:buChar char="•"/>
+            </a:pPr>
+            <a:r>
+              <a:rPr lang="tr-TR" dirty="0" smtClean="0"/>
+              <a:t>10% Renewable Generation Case</a:t>
+            </a:r>
+          </a:p>
+          <a:p>
+            <a:pPr marL="342900" indent="-342900">
+              <a:buFont typeface="Arial" panose="020B0604020202020204" pitchFamily="34" charset="0"/>
+              <a:buChar char="•"/>
+            </a:pPr>
+            <a:r>
+              <a:rPr lang="tr-TR" dirty="0" smtClean="0"/>
+              <a:t>Reduced Inertia Case</a:t>
+            </a:r>
+            <a:endParaRPr lang="tr-TR" dirty="0"/>
+          </a:p>
+        </p:txBody>
+      </p:sp>
+    </p:spTree>
+    <p:extLst>
+      <p:ext uri="{BB962C8B-B14F-4D97-AF65-F5344CB8AC3E}">
+        <p14:creationId xmlns:p14="http://schemas.microsoft.com/office/powerpoint/2010/main" val="1476398155"/>
+      </p:ext>
+    </p:extLst>
+  </p:cSld>
+  <p:clrMapOvr>
+    <a:masterClrMapping/>
+  </p:clrMapOvr>
+  <p:transition/>
+  <p:timing>
+    <p:tnLst>
+      <p:par>
+        <p:cTn id="1" dur="indefinite" restart="never" nodeType="tmRoot"/>
+      </p:par>
+    </p:tnLst>
+  </p:timing>
+</p:sld>
+</file>
+
+<file path=ppt/slides/slide2.xml><?xml version="1.0" encoding="utf-8"?>
+<p:sld xmlns:a="http://schemas.openxmlformats.org/drawingml/2006/main" xmlns:r="http://schemas.openxmlformats.org/officeDocument/2006/relationships" xmlns:p="http://schemas.openxmlformats.org/presentationml/2006/main">
+  <p:cSld>
+    <p:spTree>
+      <p:nvGrpSpPr>
+        <p:cNvPr id="1" name=""/>
+        <p:cNvGrpSpPr/>
+        <p:nvPr/>
+      </p:nvGrpSpPr>
+      <p:grpSpPr>
+        <a:xfrm>
+          <a:off x="0" y="0"/>
+          <a:ext cx="0" cy="0"/>
+          <a:chOff x="0" y="0"/>
+          <a:chExt cx="0" cy="0"/>
+        </a:xfrm>
+      </p:grpSpPr>
+      <p:sp>
+        <p:nvSpPr>
+          <p:cNvPr id="5122" name="Rectangle 2"/>
+          <p:cNvSpPr>
+            <a:spLocks noGrp="1" noChangeArrowheads="1"/>
+          </p:cNvSpPr>
+          <p:nvPr>
+            <p:ph type="title"/>
+          </p:nvPr>
+        </p:nvSpPr>
+        <p:spPr/>
+        <p:txBody>
+          <a:bodyPr/>
+          <a:lstStyle/>
+          <a:p>
+            <a:pPr>
+              <a:defRPr/>
+            </a:pPr>
+            <a:r>
+              <a:rPr lang="tr-TR" dirty="0" smtClean="0">
+                <a:latin typeface="Arial" panose="020B0604020202020204" pitchFamily="34" charset="0"/>
+                <a:cs typeface="Arial" panose="020B0604020202020204" pitchFamily="34" charset="0"/>
+              </a:rPr>
+              <a:t>Agenda</a:t>
+            </a:r>
+            <a:endParaRPr lang="en-US" dirty="0" smtClean="0">
+              <a:latin typeface="Arial" panose="020B0604020202020204" pitchFamily="34" charset="0"/>
+              <a:cs typeface="Arial" panose="020B0604020202020204" pitchFamily="34" charset="0"/>
+            </a:endParaRPr>
+          </a:p>
+        </p:txBody>
+      </p:sp>
+      <p:sp>
+        <p:nvSpPr>
+          <p:cNvPr id="5123" name="Rectangle 3"/>
+          <p:cNvSpPr>
+            <a:spLocks noGrp="1" noChangeArrowheads="1"/>
+          </p:cNvSpPr>
+          <p:nvPr>
+            <p:ph idx="1"/>
+          </p:nvPr>
+        </p:nvSpPr>
+        <p:spPr>
+          <a:xfrm>
+            <a:off x="457198" y="1700808"/>
+            <a:ext cx="8229601" cy="4114800"/>
+          </a:xfrm>
+        </p:spPr>
+        <p:txBody>
+          <a:bodyPr/>
+          <a:lstStyle/>
+          <a:p>
+            <a:pPr lvl="1">
+              <a:defRPr/>
+            </a:pPr>
+            <a:r>
+              <a:rPr lang="tr-TR" sz="2400" dirty="0" smtClean="0">
+                <a:latin typeface="Arial" panose="020B0604020202020204" pitchFamily="34" charset="0"/>
+                <a:cs typeface="Arial" panose="020B0604020202020204" pitchFamily="34" charset="0"/>
+              </a:rPr>
+              <a:t>Problem Definition: Renewable Energy Problems</a:t>
+            </a:r>
+          </a:p>
+          <a:p>
+            <a:pPr lvl="1">
+              <a:defRPr/>
+            </a:pPr>
+            <a:r>
+              <a:rPr lang="tr-TR" sz="2400" dirty="0" smtClean="0">
+                <a:latin typeface="Arial" panose="020B0604020202020204" pitchFamily="34" charset="0"/>
+                <a:cs typeface="Arial" panose="020B0604020202020204" pitchFamily="34" charset="0"/>
+              </a:rPr>
+              <a:t>Grid Inertia, Frequency and Inertial Support</a:t>
+            </a:r>
+          </a:p>
+          <a:p>
+            <a:pPr lvl="1">
+              <a:defRPr/>
+            </a:pPr>
+            <a:r>
+              <a:rPr lang="tr-TR" sz="2400" dirty="0" smtClean="0">
+                <a:latin typeface="Arial" panose="020B0604020202020204" pitchFamily="34" charset="0"/>
+                <a:cs typeface="Arial" panose="020B0604020202020204" pitchFamily="34" charset="0"/>
+              </a:rPr>
+              <a:t>Wind Turbine Modelling</a:t>
+            </a:r>
+          </a:p>
+          <a:p>
+            <a:pPr lvl="1">
+              <a:defRPr/>
+            </a:pPr>
+            <a:r>
+              <a:rPr lang="tr-TR" sz="2400" dirty="0" smtClean="0">
+                <a:latin typeface="Arial" panose="020B0604020202020204" pitchFamily="34" charset="0"/>
+                <a:cs typeface="Arial" panose="020B0604020202020204" pitchFamily="34" charset="0"/>
+              </a:rPr>
+              <a:t>Fast Inertial Support</a:t>
+            </a:r>
+          </a:p>
+          <a:p>
+            <a:pPr lvl="1">
+              <a:defRPr/>
+            </a:pPr>
+            <a:r>
+              <a:rPr lang="tr-TR" sz="2400" dirty="0" smtClean="0">
+                <a:latin typeface="Arial" panose="020B0604020202020204" pitchFamily="34" charset="0"/>
+                <a:cs typeface="Arial" panose="020B0604020202020204" pitchFamily="34" charset="0"/>
+              </a:rPr>
+              <a:t>Synthetic Inertia Support</a:t>
+            </a:r>
+          </a:p>
+          <a:p>
+            <a:pPr lvl="1">
+              <a:defRPr/>
+            </a:pPr>
+            <a:r>
+              <a:rPr lang="tr-TR" sz="2400" dirty="0" smtClean="0">
+                <a:latin typeface="Arial" panose="020B0604020202020204" pitchFamily="34" charset="0"/>
+                <a:cs typeface="Arial" panose="020B0604020202020204" pitchFamily="34" charset="0"/>
+              </a:rPr>
+              <a:t>Economical Perspective</a:t>
+            </a:r>
+            <a:endParaRPr lang="en-US" sz="2400" dirty="0" smtClean="0">
+              <a:latin typeface="Arial" panose="020B0604020202020204" pitchFamily="34" charset="0"/>
+              <a:cs typeface="Arial" panose="020B0604020202020204" pitchFamily="34" charset="0"/>
+            </a:endParaRPr>
+          </a:p>
+        </p:txBody>
+      </p:sp>
+      <p:sp>
+        <p:nvSpPr>
+          <p:cNvPr id="2" name="Date Placeholder 1"/>
+          <p:cNvSpPr>
+            <a:spLocks noGrp="1"/>
+          </p:cNvSpPr>
+          <p:nvPr>
+            <p:ph type="dt" sz="half" idx="2"/>
+          </p:nvPr>
+        </p:nvSpPr>
+        <p:spPr/>
+        <p:txBody>
+          <a:bodyPr/>
+          <a:lstStyle/>
+          <a:p>
+            <a:pPr>
+              <a:defRPr/>
+            </a:pPr>
+            <a:r>
+              <a:rPr lang="tr-TR" smtClean="0"/>
+              <a:t>18.01.2019</a:t>
+            </a:r>
+            <a:endParaRPr lang="en-US" dirty="0"/>
+          </a:p>
+        </p:txBody>
+      </p:sp>
+      <p:sp>
+        <p:nvSpPr>
+          <p:cNvPr id="3" name="Slide Number Placeholder 2"/>
+          <p:cNvSpPr>
+            <a:spLocks noGrp="1"/>
+          </p:cNvSpPr>
+          <p:nvPr>
+            <p:ph type="sldNum" sz="quarter" idx="12"/>
+          </p:nvPr>
+        </p:nvSpPr>
+        <p:spPr/>
+        <p:txBody>
+          <a:bodyPr/>
+          <a:lstStyle/>
+          <a:p>
+            <a:pPr>
+              <a:defRPr/>
+            </a:pPr>
+            <a:fld id="{C878F797-6006-4DDA-AFE9-456F280FE6C5}" type="slidenum">
+              <a:rPr lang="en-US" smtClean="0"/>
+              <a:pPr>
+                <a:defRPr/>
+              </a:pPr>
+              <a:t>2</a:t>
+            </a:fld>
+            <a:endParaRPr lang="en-US" dirty="0"/>
+          </a:p>
+        </p:txBody>
+      </p:sp>
+    </p:spTree>
+  </p:cSld>
+  <p:clrMapOvr>
+    <a:masterClrMapping/>
+  </p:clrMapOvr>
+  <p:transition/>
+  <p:timing>
+    <p:tnLst>
+      <p:par>
+        <p:cTn id="1" dur="indefinite" restart="never" nodeType="tmRoot"/>
+      </p:par>
+    </p:tnLst>
+  </p:timing>
+</p:sld>
+</file>
+
+<file path=ppt/slides/slide20.xml><?xml version="1.0" encoding="utf-8"?>
+<p:sld xmlns:a="http://schemas.openxmlformats.org/drawingml/2006/main" xmlns:r="http://schemas.openxmlformats.org/officeDocument/2006/relationships" xmlns:p="http://schemas.openxmlformats.org/presentationml/2006/main">
+  <p:cSld>
+    <p:spTree>
+      <p:nvGrpSpPr>
+        <p:cNvPr id="1" name=""/>
+        <p:cNvGrpSpPr/>
+        <p:nvPr/>
+      </p:nvGrpSpPr>
+      <p:grpSpPr>
+        <a:xfrm>
+          <a:off x="0" y="0"/>
+          <a:ext cx="0" cy="0"/>
+          <a:chOff x="0" y="0"/>
+          <a:chExt cx="0" cy="0"/>
+        </a:xfrm>
+      </p:grpSpPr>
+      <p:sp>
+        <p:nvSpPr>
+          <p:cNvPr id="5122" name="Rectangle 2"/>
+          <p:cNvSpPr>
+            <a:spLocks noGrp="1" noChangeArrowheads="1"/>
+          </p:cNvSpPr>
+          <p:nvPr>
+            <p:ph type="title"/>
+          </p:nvPr>
+        </p:nvSpPr>
+        <p:spPr/>
+        <p:txBody>
+          <a:bodyPr/>
+          <a:lstStyle/>
+          <a:p>
+            <a:pPr>
+              <a:defRPr/>
+            </a:pPr>
+            <a:r>
+              <a:rPr lang="tr-TR" dirty="0" smtClean="0">
+                <a:latin typeface="Arial" panose="020B0604020202020204" pitchFamily="34" charset="0"/>
+                <a:cs typeface="Arial" panose="020B0604020202020204" pitchFamily="34" charset="0"/>
+              </a:rPr>
+              <a:t>Implementation on a Test Case</a:t>
+            </a:r>
+            <a:endParaRPr lang="en-US" dirty="0" smtClean="0">
+              <a:latin typeface="Arial" panose="020B0604020202020204" pitchFamily="34" charset="0"/>
+              <a:cs typeface="Arial" panose="020B0604020202020204" pitchFamily="34" charset="0"/>
+            </a:endParaRPr>
+          </a:p>
+        </p:txBody>
+      </p:sp>
+      <p:sp>
+        <p:nvSpPr>
+          <p:cNvPr id="2" name="Date Placeholder 1"/>
+          <p:cNvSpPr>
+            <a:spLocks noGrp="1"/>
+          </p:cNvSpPr>
+          <p:nvPr>
+            <p:ph type="dt" sz="half" idx="2"/>
+          </p:nvPr>
+        </p:nvSpPr>
+        <p:spPr/>
+        <p:txBody>
+          <a:bodyPr/>
+          <a:lstStyle/>
+          <a:p>
+            <a:pPr>
+              <a:defRPr/>
+            </a:pPr>
+            <a:r>
+              <a:rPr lang="tr-TR" smtClean="0"/>
+              <a:t>18.01.2019</a:t>
+            </a:r>
+            <a:endParaRPr lang="en-US" dirty="0"/>
+          </a:p>
+        </p:txBody>
+      </p:sp>
+      <p:sp>
+        <p:nvSpPr>
+          <p:cNvPr id="3" name="Slide Number Placeholder 2"/>
+          <p:cNvSpPr>
+            <a:spLocks noGrp="1"/>
+          </p:cNvSpPr>
+          <p:nvPr>
+            <p:ph type="sldNum" sz="quarter" idx="12"/>
+          </p:nvPr>
+        </p:nvSpPr>
+        <p:spPr/>
+        <p:txBody>
+          <a:bodyPr/>
+          <a:lstStyle/>
+          <a:p>
+            <a:pPr>
+              <a:defRPr/>
+            </a:pPr>
+            <a:fld id="{C878F797-6006-4DDA-AFE9-456F280FE6C5}" type="slidenum">
+              <a:rPr lang="en-US" smtClean="0"/>
+              <a:pPr>
+                <a:defRPr/>
+              </a:pPr>
+              <a:t>20</a:t>
+            </a:fld>
+            <a:endParaRPr lang="en-US" dirty="0"/>
+          </a:p>
+        </p:txBody>
+      </p:sp>
+      <p:pic>
+        <p:nvPicPr>
+          <p:cNvPr id="7" name="Content Placeholder 6"/>
+          <p:cNvPicPr>
+            <a:picLocks noGrp="1" noChangeAspect="1"/>
+          </p:cNvPicPr>
+          <p:nvPr>
+            <p:ph idx="1"/>
+          </p:nvPr>
+        </p:nvPicPr>
+        <p:blipFill>
+          <a:blip r:embed="rId3" cstate="print">
+            <a:extLst>
+              <a:ext uri="{28A0092B-C50C-407E-A947-70E740481C1C}">
+                <a14:useLocalDpi xmlns:a14="http://schemas.microsoft.com/office/drawing/2010/main" val="0"/>
+              </a:ext>
+            </a:extLst>
+          </a:blip>
+          <a:stretch>
+            <a:fillRect/>
+          </a:stretch>
+        </p:blipFill>
+        <p:spPr>
+          <a:xfrm>
+            <a:off x="0" y="1916832"/>
+            <a:ext cx="4572000" cy="3429000"/>
+          </a:xfrm>
+        </p:spPr>
+      </p:pic>
+      <p:pic>
+        <p:nvPicPr>
+          <p:cNvPr id="8" name="Picture 7"/>
+          <p:cNvPicPr>
+            <a:picLocks noChangeAspect="1"/>
+          </p:cNvPicPr>
+          <p:nvPr/>
+        </p:nvPicPr>
+        <p:blipFill>
+          <a:blip r:embed="rId4" cstate="print">
+            <a:extLst>
+              <a:ext uri="{28A0092B-C50C-407E-A947-70E740481C1C}">
+                <a14:useLocalDpi xmlns:a14="http://schemas.microsoft.com/office/drawing/2010/main" val="0"/>
+              </a:ext>
+            </a:extLst>
+          </a:blip>
+          <a:stretch>
+            <a:fillRect/>
+          </a:stretch>
+        </p:blipFill>
+        <p:spPr>
+          <a:xfrm>
+            <a:off x="4345823" y="1996666"/>
+            <a:ext cx="4465554" cy="3349166"/>
+          </a:xfrm>
+          <a:prstGeom prst="rect">
+            <a:avLst/>
+          </a:prstGeom>
+        </p:spPr>
+      </p:pic>
+    </p:spTree>
+    <p:extLst>
+      <p:ext uri="{BB962C8B-B14F-4D97-AF65-F5344CB8AC3E}">
+        <p14:creationId xmlns:p14="http://schemas.microsoft.com/office/powerpoint/2010/main" val="518473670"/>
+      </p:ext>
+    </p:extLst>
+  </p:cSld>
+  <p:clrMapOvr>
+    <a:masterClrMapping/>
+  </p:clrMapOvr>
+  <p:transition/>
+  <p:timing>
+    <p:tnLst>
+      <p:par>
+        <p:cTn id="1" dur="indefinite" restart="never" nodeType="tmRoot"/>
+      </p:par>
+    </p:tnLst>
+  </p:timing>
+</p:sld>
+</file>
+
+<file path=ppt/slides/slide21.xml><?xml version="1.0" encoding="utf-8"?>
+<p:sld xmlns:a="http://schemas.openxmlformats.org/drawingml/2006/main" xmlns:r="http://schemas.openxmlformats.org/officeDocument/2006/relationships" xmlns:p="http://schemas.openxmlformats.org/presentationml/2006/main">
+  <p:cSld>
+    <p:spTree>
+      <p:nvGrpSpPr>
+        <p:cNvPr id="1" name=""/>
+        <p:cNvGrpSpPr/>
+        <p:nvPr/>
+      </p:nvGrpSpPr>
+      <p:grpSpPr>
+        <a:xfrm>
+          <a:off x="0" y="0"/>
+          <a:ext cx="0" cy="0"/>
+          <a:chOff x="0" y="0"/>
+          <a:chExt cx="0" cy="0"/>
+        </a:xfrm>
+      </p:grpSpPr>
+      <p:sp>
+        <p:nvSpPr>
+          <p:cNvPr id="5122" name="Rectangle 2"/>
+          <p:cNvSpPr>
+            <a:spLocks noGrp="1" noChangeArrowheads="1"/>
+          </p:cNvSpPr>
+          <p:nvPr>
+            <p:ph type="title"/>
+          </p:nvPr>
+        </p:nvSpPr>
+        <p:spPr/>
+        <p:txBody>
+          <a:bodyPr/>
+          <a:lstStyle/>
+          <a:p>
+            <a:pPr>
+              <a:defRPr/>
+            </a:pPr>
+            <a:r>
+              <a:rPr lang="tr-TR" dirty="0" smtClean="0">
+                <a:latin typeface="Arial" panose="020B0604020202020204" pitchFamily="34" charset="0"/>
+                <a:cs typeface="Arial" panose="020B0604020202020204" pitchFamily="34" charset="0"/>
+              </a:rPr>
+              <a:t>Implementation on a Test Case</a:t>
+            </a:r>
+            <a:endParaRPr lang="en-US" dirty="0" smtClean="0">
+              <a:latin typeface="Arial" panose="020B0604020202020204" pitchFamily="34" charset="0"/>
+              <a:cs typeface="Arial" panose="020B0604020202020204" pitchFamily="34" charset="0"/>
+            </a:endParaRPr>
+          </a:p>
+        </p:txBody>
+      </p:sp>
+      <p:sp>
+        <p:nvSpPr>
+          <p:cNvPr id="2" name="Date Placeholder 1"/>
+          <p:cNvSpPr>
+            <a:spLocks noGrp="1"/>
+          </p:cNvSpPr>
+          <p:nvPr>
+            <p:ph type="dt" sz="half" idx="2"/>
+          </p:nvPr>
+        </p:nvSpPr>
+        <p:spPr/>
+        <p:txBody>
+          <a:bodyPr/>
+          <a:lstStyle/>
+          <a:p>
+            <a:pPr>
+              <a:defRPr/>
+            </a:pPr>
+            <a:r>
+              <a:rPr lang="tr-TR" smtClean="0"/>
+              <a:t>18.01.2019</a:t>
+            </a:r>
+            <a:endParaRPr lang="en-US" dirty="0"/>
+          </a:p>
+        </p:txBody>
+      </p:sp>
+      <p:sp>
+        <p:nvSpPr>
+          <p:cNvPr id="3" name="Slide Number Placeholder 2"/>
+          <p:cNvSpPr>
+            <a:spLocks noGrp="1"/>
+          </p:cNvSpPr>
+          <p:nvPr>
+            <p:ph type="sldNum" sz="quarter" idx="12"/>
+          </p:nvPr>
+        </p:nvSpPr>
+        <p:spPr/>
+        <p:txBody>
+          <a:bodyPr/>
+          <a:lstStyle/>
+          <a:p>
+            <a:pPr>
+              <a:defRPr/>
+            </a:pPr>
+            <a:fld id="{C878F797-6006-4DDA-AFE9-456F280FE6C5}" type="slidenum">
+              <a:rPr lang="en-US" smtClean="0"/>
+              <a:pPr>
+                <a:defRPr/>
+              </a:pPr>
+              <a:t>21</a:t>
+            </a:fld>
+            <a:endParaRPr lang="en-US" dirty="0"/>
+          </a:p>
+        </p:txBody>
+      </p:sp>
+      <p:graphicFrame>
+        <p:nvGraphicFramePr>
+          <p:cNvPr id="5" name="Content Placeholder 4"/>
+          <p:cNvGraphicFramePr>
+            <a:graphicFrameLocks noGrp="1"/>
+          </p:cNvGraphicFramePr>
+          <p:nvPr>
+            <p:ph idx="1"/>
+            <p:extLst>
+              <p:ext uri="{D42A27DB-BD31-4B8C-83A1-F6EECF244321}">
+                <p14:modId xmlns:p14="http://schemas.microsoft.com/office/powerpoint/2010/main" val="3856993016"/>
+              </p:ext>
+            </p:extLst>
+          </p:nvPr>
+        </p:nvGraphicFramePr>
+        <p:xfrm>
+          <a:off x="534379" y="1628800"/>
+          <a:ext cx="8075242" cy="4247554"/>
+        </p:xfrm>
+        <a:graphic>
+          <a:graphicData uri="http://schemas.openxmlformats.org/drawingml/2006/table">
+            <a:tbl>
+              <a:tblPr>
+                <a:tableStyleId>{5C22544A-7EE6-4342-B048-85BDC9FD1C3A}</a:tableStyleId>
+              </a:tblPr>
+              <a:tblGrid>
+                <a:gridCol w="1407669">
+                  <a:extLst>
+                    <a:ext uri="{9D8B030D-6E8A-4147-A177-3AD203B41FA5}">
+                      <a16:colId xmlns:a16="http://schemas.microsoft.com/office/drawing/2014/main" val="3866118181"/>
+                    </a:ext>
+                  </a:extLst>
+                </a:gridCol>
+                <a:gridCol w="1206574">
+                  <a:extLst>
+                    <a:ext uri="{9D8B030D-6E8A-4147-A177-3AD203B41FA5}">
+                      <a16:colId xmlns:a16="http://schemas.microsoft.com/office/drawing/2014/main" val="808426330"/>
+                    </a:ext>
+                  </a:extLst>
+                </a:gridCol>
+                <a:gridCol w="1564773">
+                  <a:extLst>
+                    <a:ext uri="{9D8B030D-6E8A-4147-A177-3AD203B41FA5}">
+                      <a16:colId xmlns:a16="http://schemas.microsoft.com/office/drawing/2014/main" val="691954231"/>
+                    </a:ext>
+                  </a:extLst>
+                </a:gridCol>
+                <a:gridCol w="1483078">
+                  <a:extLst>
+                    <a:ext uri="{9D8B030D-6E8A-4147-A177-3AD203B41FA5}">
+                      <a16:colId xmlns:a16="http://schemas.microsoft.com/office/drawing/2014/main" val="313878630"/>
+                    </a:ext>
+                  </a:extLst>
+                </a:gridCol>
+                <a:gridCol w="1206574">
+                  <a:extLst>
+                    <a:ext uri="{9D8B030D-6E8A-4147-A177-3AD203B41FA5}">
+                      <a16:colId xmlns:a16="http://schemas.microsoft.com/office/drawing/2014/main" val="2652512307"/>
+                    </a:ext>
+                  </a:extLst>
+                </a:gridCol>
+                <a:gridCol w="1206574">
+                  <a:extLst>
+                    <a:ext uri="{9D8B030D-6E8A-4147-A177-3AD203B41FA5}">
+                      <a16:colId xmlns:a16="http://schemas.microsoft.com/office/drawing/2014/main" val="459224147"/>
+                    </a:ext>
+                  </a:extLst>
+                </a:gridCol>
+              </a:tblGrid>
+              <a:tr h="609649">
+                <a:tc>
+                  <a:txBody>
+                    <a:bodyPr/>
+                    <a:lstStyle/>
+                    <a:p>
+                      <a:pPr algn="ctr" fontAlgn="ctr"/>
+                      <a:endParaRPr lang="tr-TR" sz="1400" b="0" i="0" u="none" strike="noStrike" dirty="0">
+                        <a:solidFill>
+                          <a:srgbClr val="000000"/>
+                        </a:solidFill>
+                        <a:effectLst/>
+                        <a:latin typeface="Arial" panose="020B0604020202020204" pitchFamily="34" charset="0"/>
+                        <a:cs typeface="Arial" panose="020B0604020202020204" pitchFamily="34" charset="0"/>
+                      </a:endParaRPr>
+                    </a:p>
+                  </a:txBody>
+                  <a:tcPr marL="9525" marR="9525" marT="9525" marB="0" anchor="ctr"/>
+                </a:tc>
+                <a:tc gridSpan="3">
+                  <a:txBody>
+                    <a:bodyPr/>
+                    <a:lstStyle/>
+                    <a:p>
+                      <a:pPr algn="ctr" fontAlgn="ctr"/>
+                      <a:r>
+                        <a:rPr lang="tr-TR" sz="1400" u="none" strike="noStrike">
+                          <a:effectLst/>
+                          <a:latin typeface="Arial" panose="020B0604020202020204" pitchFamily="34" charset="0"/>
+                          <a:cs typeface="Arial" panose="020B0604020202020204" pitchFamily="34" charset="0"/>
+                        </a:rPr>
+                        <a:t>Without Synthetic Inertia Impelementation</a:t>
+                      </a:r>
+                      <a:endParaRPr lang="tr-TR" sz="1400" b="1" i="0" u="none" strike="noStrike">
+                        <a:solidFill>
+                          <a:srgbClr val="000000"/>
+                        </a:solidFill>
+                        <a:effectLst/>
+                        <a:latin typeface="Arial" panose="020B0604020202020204" pitchFamily="34" charset="0"/>
+                        <a:cs typeface="Arial" panose="020B0604020202020204" pitchFamily="34" charset="0"/>
+                      </a:endParaRPr>
+                    </a:p>
+                  </a:txBody>
+                  <a:tcPr marL="9525" marR="9525" marT="9525" marB="0" anchor="ctr"/>
+                </a:tc>
+                <a:tc hMerge="1">
+                  <a:txBody>
+                    <a:bodyPr/>
+                    <a:lstStyle/>
+                    <a:p>
+                      <a:endParaRPr lang="tr-TR"/>
+                    </a:p>
+                  </a:txBody>
+                  <a:tcPr/>
+                </a:tc>
+                <a:tc hMerge="1">
+                  <a:txBody>
+                    <a:bodyPr/>
+                    <a:lstStyle/>
+                    <a:p>
+                      <a:endParaRPr lang="tr-TR"/>
+                    </a:p>
+                  </a:txBody>
+                  <a:tcPr/>
+                </a:tc>
+                <a:tc gridSpan="2">
+                  <a:txBody>
+                    <a:bodyPr/>
+                    <a:lstStyle/>
+                    <a:p>
+                      <a:pPr algn="ctr" fontAlgn="ctr"/>
+                      <a:r>
+                        <a:rPr lang="tr-TR" sz="1400" u="none" strike="noStrike">
+                          <a:effectLst/>
+                          <a:latin typeface="Arial" panose="020B0604020202020204" pitchFamily="34" charset="0"/>
+                          <a:cs typeface="Arial" panose="020B0604020202020204" pitchFamily="34" charset="0"/>
+                        </a:rPr>
+                        <a:t>With Synthetic Inertia (H=10s)</a:t>
+                      </a:r>
+                      <a:endParaRPr lang="tr-TR" sz="1400" b="1" i="0" u="none" strike="noStrike">
+                        <a:solidFill>
+                          <a:srgbClr val="000000"/>
+                        </a:solidFill>
+                        <a:effectLst/>
+                        <a:latin typeface="Arial" panose="020B0604020202020204" pitchFamily="34" charset="0"/>
+                        <a:cs typeface="Arial" panose="020B0604020202020204" pitchFamily="34" charset="0"/>
+                      </a:endParaRPr>
+                    </a:p>
+                  </a:txBody>
+                  <a:tcPr marL="9525" marR="9525" marT="9525" marB="0" anchor="ctr"/>
+                </a:tc>
+                <a:tc hMerge="1">
+                  <a:txBody>
+                    <a:bodyPr/>
+                    <a:lstStyle/>
+                    <a:p>
+                      <a:endParaRPr lang="tr-TR"/>
+                    </a:p>
+                  </a:txBody>
+                  <a:tcPr/>
+                </a:tc>
+                <a:extLst>
+                  <a:ext uri="{0D108BD9-81ED-4DB2-BD59-A6C34878D82A}">
+                    <a16:rowId xmlns:a16="http://schemas.microsoft.com/office/drawing/2014/main" val="262039383"/>
+                  </a:ext>
+                </a:extLst>
+              </a:tr>
+              <a:tr h="689603">
+                <a:tc>
+                  <a:txBody>
+                    <a:bodyPr/>
+                    <a:lstStyle/>
+                    <a:p>
+                      <a:pPr algn="ctr" fontAlgn="ctr"/>
+                      <a:endParaRPr lang="tr-TR" sz="1400" b="0" i="0" u="none" strike="noStrike">
+                        <a:solidFill>
+                          <a:srgbClr val="000000"/>
+                        </a:solidFill>
+                        <a:effectLst/>
+                        <a:latin typeface="Arial" panose="020B0604020202020204" pitchFamily="34" charset="0"/>
+                        <a:cs typeface="Arial" panose="020B0604020202020204" pitchFamily="34" charset="0"/>
+                      </a:endParaRPr>
+                    </a:p>
+                  </a:txBody>
+                  <a:tcPr marL="9525" marR="9525" marT="9525" marB="0" anchor="ctr"/>
+                </a:tc>
+                <a:tc>
+                  <a:txBody>
+                    <a:bodyPr/>
+                    <a:lstStyle/>
+                    <a:p>
+                      <a:pPr algn="ctr" fontAlgn="ctr"/>
+                      <a:r>
+                        <a:rPr lang="tr-TR" sz="1400" u="none" strike="noStrike">
+                          <a:effectLst/>
+                          <a:latin typeface="Arial" panose="020B0604020202020204" pitchFamily="34" charset="0"/>
+                          <a:cs typeface="Arial" panose="020B0604020202020204" pitchFamily="34" charset="0"/>
+                        </a:rPr>
+                        <a:t>Base Case</a:t>
+                      </a:r>
+                      <a:endParaRPr lang="tr-TR" sz="1400" b="1" i="0" u="none" strike="noStrike">
+                        <a:solidFill>
+                          <a:srgbClr val="000000"/>
+                        </a:solidFill>
+                        <a:effectLst/>
+                        <a:latin typeface="Arial" panose="020B0604020202020204" pitchFamily="34" charset="0"/>
+                        <a:cs typeface="Arial" panose="020B0604020202020204" pitchFamily="34" charset="0"/>
+                      </a:endParaRPr>
+                    </a:p>
+                  </a:txBody>
+                  <a:tcPr marL="9525" marR="9525" marT="9525" marB="0" anchor="ctr"/>
+                </a:tc>
+                <a:tc>
+                  <a:txBody>
+                    <a:bodyPr/>
+                    <a:lstStyle/>
+                    <a:p>
+                      <a:pPr algn="ctr" fontAlgn="ctr"/>
+                      <a:r>
+                        <a:rPr lang="tr-TR" sz="1400" u="none" strike="noStrike">
+                          <a:effectLst/>
+                          <a:latin typeface="Arial" panose="020B0604020202020204" pitchFamily="34" charset="0"/>
+                          <a:cs typeface="Arial" panose="020B0604020202020204" pitchFamily="34" charset="0"/>
+                        </a:rPr>
+                        <a:t>10% Renewable Case </a:t>
+                      </a:r>
+                      <a:endParaRPr lang="tr-TR" sz="1400" b="1" i="0" u="none" strike="noStrike">
+                        <a:solidFill>
+                          <a:srgbClr val="000000"/>
+                        </a:solidFill>
+                        <a:effectLst/>
+                        <a:latin typeface="Arial" panose="020B0604020202020204" pitchFamily="34" charset="0"/>
+                        <a:cs typeface="Arial" panose="020B0604020202020204" pitchFamily="34" charset="0"/>
+                      </a:endParaRPr>
+                    </a:p>
+                  </a:txBody>
+                  <a:tcPr marL="9525" marR="9525" marT="9525" marB="0" anchor="ctr"/>
+                </a:tc>
+                <a:tc>
+                  <a:txBody>
+                    <a:bodyPr/>
+                    <a:lstStyle/>
+                    <a:p>
+                      <a:pPr algn="ctr" fontAlgn="ctr"/>
+                      <a:r>
+                        <a:rPr lang="tr-TR" sz="1400" u="none" strike="noStrike" dirty="0">
+                          <a:effectLst/>
+                          <a:latin typeface="Arial" panose="020B0604020202020204" pitchFamily="34" charset="0"/>
+                          <a:cs typeface="Arial" panose="020B0604020202020204" pitchFamily="34" charset="0"/>
+                        </a:rPr>
+                        <a:t>Reduced Inertia  Case </a:t>
+                      </a:r>
+                      <a:endParaRPr lang="tr-TR" sz="1400" b="1" i="0" u="none" strike="noStrike" dirty="0">
+                        <a:solidFill>
+                          <a:srgbClr val="000000"/>
+                        </a:solidFill>
+                        <a:effectLst/>
+                        <a:latin typeface="Arial" panose="020B0604020202020204" pitchFamily="34" charset="0"/>
+                        <a:cs typeface="Arial" panose="020B0604020202020204" pitchFamily="34" charset="0"/>
+                      </a:endParaRPr>
+                    </a:p>
+                  </a:txBody>
+                  <a:tcPr marL="9525" marR="9525" marT="9525" marB="0" anchor="ctr"/>
+                </a:tc>
+                <a:tc>
+                  <a:txBody>
+                    <a:bodyPr/>
+                    <a:lstStyle/>
+                    <a:p>
+                      <a:pPr algn="ctr" fontAlgn="ctr"/>
+                      <a:r>
+                        <a:rPr lang="tr-TR" sz="1400" u="none" strike="noStrike">
+                          <a:effectLst/>
+                          <a:latin typeface="Arial" panose="020B0604020202020204" pitchFamily="34" charset="0"/>
+                          <a:cs typeface="Arial" panose="020B0604020202020204" pitchFamily="34" charset="0"/>
+                        </a:rPr>
+                        <a:t>10% Renewable Case </a:t>
+                      </a:r>
+                      <a:endParaRPr lang="tr-TR" sz="1400" b="1" i="0" u="none" strike="noStrike">
+                        <a:solidFill>
+                          <a:srgbClr val="000000"/>
+                        </a:solidFill>
+                        <a:effectLst/>
+                        <a:latin typeface="Arial" panose="020B0604020202020204" pitchFamily="34" charset="0"/>
+                        <a:cs typeface="Arial" panose="020B0604020202020204" pitchFamily="34" charset="0"/>
+                      </a:endParaRPr>
+                    </a:p>
+                  </a:txBody>
+                  <a:tcPr marL="9525" marR="9525" marT="9525" marB="0" anchor="ctr"/>
+                </a:tc>
+                <a:tc>
+                  <a:txBody>
+                    <a:bodyPr/>
+                    <a:lstStyle/>
+                    <a:p>
+                      <a:pPr algn="ctr" fontAlgn="ctr"/>
+                      <a:r>
+                        <a:rPr lang="tr-TR" sz="1400" u="none" strike="noStrike">
+                          <a:effectLst/>
+                          <a:latin typeface="Arial" panose="020B0604020202020204" pitchFamily="34" charset="0"/>
+                          <a:cs typeface="Arial" panose="020B0604020202020204" pitchFamily="34" charset="0"/>
+                        </a:rPr>
+                        <a:t>Reduced Inertia  Case </a:t>
+                      </a:r>
+                      <a:endParaRPr lang="tr-TR" sz="1400" b="1" i="0" u="none" strike="noStrike">
+                        <a:solidFill>
+                          <a:srgbClr val="000000"/>
+                        </a:solidFill>
+                        <a:effectLst/>
+                        <a:latin typeface="Arial" panose="020B0604020202020204" pitchFamily="34" charset="0"/>
+                        <a:cs typeface="Arial" panose="020B0604020202020204" pitchFamily="34" charset="0"/>
+                      </a:endParaRPr>
+                    </a:p>
+                  </a:txBody>
+                  <a:tcPr marL="9525" marR="9525" marT="9525" marB="0" anchor="ctr"/>
+                </a:tc>
+                <a:extLst>
+                  <a:ext uri="{0D108BD9-81ED-4DB2-BD59-A6C34878D82A}">
+                    <a16:rowId xmlns:a16="http://schemas.microsoft.com/office/drawing/2014/main" val="792069139"/>
+                  </a:ext>
+                </a:extLst>
+              </a:tr>
+              <a:tr h="869499">
+                <a:tc>
+                  <a:txBody>
+                    <a:bodyPr/>
+                    <a:lstStyle/>
+                    <a:p>
+                      <a:pPr algn="ctr" fontAlgn="ctr"/>
+                      <a:r>
+                        <a:rPr lang="tr-TR" sz="1400" u="none" strike="noStrike">
+                          <a:effectLst/>
+                          <a:latin typeface="Arial" panose="020B0604020202020204" pitchFamily="34" charset="0"/>
+                          <a:cs typeface="Arial" panose="020B0604020202020204" pitchFamily="34" charset="0"/>
+                        </a:rPr>
+                        <a:t>Stored Energy  (GJ)</a:t>
+                      </a:r>
+                      <a:endParaRPr lang="tr-TR" sz="1400" b="1" i="0" u="none" strike="noStrike">
+                        <a:solidFill>
+                          <a:srgbClr val="000000"/>
+                        </a:solidFill>
+                        <a:effectLst/>
+                        <a:latin typeface="Arial" panose="020B0604020202020204" pitchFamily="34" charset="0"/>
+                        <a:cs typeface="Arial" panose="020B0604020202020204" pitchFamily="34" charset="0"/>
+                      </a:endParaRPr>
+                    </a:p>
+                  </a:txBody>
+                  <a:tcPr marL="9525" marR="9525" marT="9525" marB="0" anchor="ctr"/>
+                </a:tc>
+                <a:tc>
+                  <a:txBody>
+                    <a:bodyPr/>
+                    <a:lstStyle/>
+                    <a:p>
+                      <a:pPr algn="ctr" fontAlgn="ctr"/>
+                      <a:r>
+                        <a:rPr lang="tr-TR" sz="1400" u="none" strike="noStrike">
+                          <a:effectLst/>
+                          <a:latin typeface="Arial" panose="020B0604020202020204" pitchFamily="34" charset="0"/>
+                          <a:cs typeface="Arial" panose="020B0604020202020204" pitchFamily="34" charset="0"/>
+                        </a:rPr>
+                        <a:t>3.3</a:t>
+                      </a:r>
+                      <a:endParaRPr lang="tr-TR" sz="1400" b="0" i="0" u="none" strike="noStrike">
+                        <a:solidFill>
+                          <a:srgbClr val="000000"/>
+                        </a:solidFill>
+                        <a:effectLst/>
+                        <a:latin typeface="Arial" panose="020B0604020202020204" pitchFamily="34" charset="0"/>
+                        <a:cs typeface="Arial" panose="020B0604020202020204" pitchFamily="34" charset="0"/>
+                      </a:endParaRPr>
+                    </a:p>
+                  </a:txBody>
+                  <a:tcPr marL="9525" marR="9525" marT="9525" marB="0" anchor="ctr"/>
+                </a:tc>
+                <a:tc>
+                  <a:txBody>
+                    <a:bodyPr/>
+                    <a:lstStyle/>
+                    <a:p>
+                      <a:pPr algn="ctr" fontAlgn="ctr"/>
+                      <a:r>
+                        <a:rPr lang="tr-TR" sz="1400" u="none" strike="noStrike">
+                          <a:effectLst/>
+                          <a:latin typeface="Arial" panose="020B0604020202020204" pitchFamily="34" charset="0"/>
+                          <a:cs typeface="Arial" panose="020B0604020202020204" pitchFamily="34" charset="0"/>
+                        </a:rPr>
+                        <a:t>3.6</a:t>
+                      </a:r>
+                      <a:endParaRPr lang="tr-TR" sz="1400" b="0" i="0" u="none" strike="noStrike">
+                        <a:solidFill>
+                          <a:srgbClr val="000000"/>
+                        </a:solidFill>
+                        <a:effectLst/>
+                        <a:latin typeface="Arial" panose="020B0604020202020204" pitchFamily="34" charset="0"/>
+                        <a:cs typeface="Arial" panose="020B0604020202020204" pitchFamily="34" charset="0"/>
+                      </a:endParaRPr>
+                    </a:p>
+                  </a:txBody>
+                  <a:tcPr marL="9525" marR="9525" marT="9525" marB="0" anchor="ctr"/>
+                </a:tc>
+                <a:tc>
+                  <a:txBody>
+                    <a:bodyPr/>
+                    <a:lstStyle/>
+                    <a:p>
+                      <a:pPr algn="ctr" fontAlgn="ctr"/>
+                      <a:r>
+                        <a:rPr lang="tr-TR" sz="1400" u="none" strike="noStrike">
+                          <a:effectLst/>
+                          <a:latin typeface="Arial" panose="020B0604020202020204" pitchFamily="34" charset="0"/>
+                          <a:cs typeface="Arial" panose="020B0604020202020204" pitchFamily="34" charset="0"/>
+                        </a:rPr>
+                        <a:t>3.3</a:t>
+                      </a:r>
+                      <a:endParaRPr lang="tr-TR" sz="1400" b="0" i="0" u="none" strike="noStrike">
+                        <a:solidFill>
+                          <a:srgbClr val="000000"/>
+                        </a:solidFill>
+                        <a:effectLst/>
+                        <a:latin typeface="Arial" panose="020B0604020202020204" pitchFamily="34" charset="0"/>
+                        <a:cs typeface="Arial" panose="020B0604020202020204" pitchFamily="34" charset="0"/>
+                      </a:endParaRPr>
+                    </a:p>
+                  </a:txBody>
+                  <a:tcPr marL="9525" marR="9525" marT="9525" marB="0" anchor="ctr"/>
+                </a:tc>
+                <a:tc>
+                  <a:txBody>
+                    <a:bodyPr/>
+                    <a:lstStyle/>
+                    <a:p>
+                      <a:pPr algn="ctr" fontAlgn="ctr"/>
+                      <a:r>
+                        <a:rPr lang="tr-TR" sz="1400" u="none" strike="noStrike">
+                          <a:effectLst/>
+                          <a:latin typeface="Arial" panose="020B0604020202020204" pitchFamily="34" charset="0"/>
+                          <a:cs typeface="Arial" panose="020B0604020202020204" pitchFamily="34" charset="0"/>
+                        </a:rPr>
+                        <a:t>3.6</a:t>
+                      </a:r>
+                      <a:endParaRPr lang="tr-TR" sz="1400" b="0" i="0" u="none" strike="noStrike">
+                        <a:solidFill>
+                          <a:srgbClr val="000000"/>
+                        </a:solidFill>
+                        <a:effectLst/>
+                        <a:latin typeface="Arial" panose="020B0604020202020204" pitchFamily="34" charset="0"/>
+                        <a:cs typeface="Arial" panose="020B0604020202020204" pitchFamily="34" charset="0"/>
+                      </a:endParaRPr>
+                    </a:p>
+                  </a:txBody>
+                  <a:tcPr marL="9525" marR="9525" marT="9525" marB="0" anchor="ctr"/>
+                </a:tc>
+                <a:tc>
+                  <a:txBody>
+                    <a:bodyPr/>
+                    <a:lstStyle/>
+                    <a:p>
+                      <a:pPr algn="ctr" fontAlgn="ctr"/>
+                      <a:r>
+                        <a:rPr lang="tr-TR" sz="1400" u="none" strike="noStrike">
+                          <a:effectLst/>
+                          <a:latin typeface="Arial" panose="020B0604020202020204" pitchFamily="34" charset="0"/>
+                          <a:cs typeface="Arial" panose="020B0604020202020204" pitchFamily="34" charset="0"/>
+                        </a:rPr>
+                        <a:t>3.3</a:t>
+                      </a:r>
+                      <a:endParaRPr lang="tr-TR" sz="1400" b="0" i="0" u="none" strike="noStrike">
+                        <a:solidFill>
+                          <a:srgbClr val="000000"/>
+                        </a:solidFill>
+                        <a:effectLst/>
+                        <a:latin typeface="Arial" panose="020B0604020202020204" pitchFamily="34" charset="0"/>
+                        <a:cs typeface="Arial" panose="020B0604020202020204" pitchFamily="34" charset="0"/>
+                      </a:endParaRPr>
+                    </a:p>
+                  </a:txBody>
+                  <a:tcPr marL="9525" marR="9525" marT="9525" marB="0" anchor="ctr"/>
+                </a:tc>
+                <a:extLst>
+                  <a:ext uri="{0D108BD9-81ED-4DB2-BD59-A6C34878D82A}">
+                    <a16:rowId xmlns:a16="http://schemas.microsoft.com/office/drawing/2014/main" val="2107586957"/>
+                  </a:ext>
+                </a:extLst>
+              </a:tr>
+              <a:tr h="899482">
+                <a:tc>
+                  <a:txBody>
+                    <a:bodyPr/>
+                    <a:lstStyle/>
+                    <a:p>
+                      <a:pPr algn="ctr" fontAlgn="ctr"/>
+                      <a:r>
+                        <a:rPr lang="tr-TR" sz="1400" u="none" strike="noStrike">
+                          <a:effectLst/>
+                          <a:latin typeface="Arial" panose="020B0604020202020204" pitchFamily="34" charset="0"/>
+                          <a:cs typeface="Arial" panose="020B0604020202020204" pitchFamily="34" charset="0"/>
+                        </a:rPr>
+                        <a:t>Effective Stored Energy (GJ)</a:t>
+                      </a:r>
+                      <a:endParaRPr lang="tr-TR" sz="1400" b="1" i="0" u="none" strike="noStrike">
+                        <a:solidFill>
+                          <a:srgbClr val="000000"/>
+                        </a:solidFill>
+                        <a:effectLst/>
+                        <a:latin typeface="Arial" panose="020B0604020202020204" pitchFamily="34" charset="0"/>
+                        <a:cs typeface="Arial" panose="020B0604020202020204" pitchFamily="34" charset="0"/>
+                      </a:endParaRPr>
+                    </a:p>
+                  </a:txBody>
+                  <a:tcPr marL="9525" marR="9525" marT="9525" marB="0" anchor="ctr"/>
+                </a:tc>
+                <a:tc>
+                  <a:txBody>
+                    <a:bodyPr/>
+                    <a:lstStyle/>
+                    <a:p>
+                      <a:pPr algn="ctr" fontAlgn="ctr"/>
+                      <a:r>
+                        <a:rPr lang="tr-TR" sz="1400" u="none" strike="noStrike">
+                          <a:effectLst/>
+                          <a:latin typeface="Arial" panose="020B0604020202020204" pitchFamily="34" charset="0"/>
+                          <a:cs typeface="Arial" panose="020B0604020202020204" pitchFamily="34" charset="0"/>
+                        </a:rPr>
+                        <a:t>3.3</a:t>
+                      </a:r>
+                      <a:endParaRPr lang="tr-TR" sz="1400" b="0" i="0" u="none" strike="noStrike">
+                        <a:solidFill>
+                          <a:srgbClr val="000000"/>
+                        </a:solidFill>
+                        <a:effectLst/>
+                        <a:latin typeface="Arial" panose="020B0604020202020204" pitchFamily="34" charset="0"/>
+                        <a:cs typeface="Arial" panose="020B0604020202020204" pitchFamily="34" charset="0"/>
+                      </a:endParaRPr>
+                    </a:p>
+                  </a:txBody>
+                  <a:tcPr marL="9525" marR="9525" marT="9525" marB="0" anchor="ctr"/>
+                </a:tc>
+                <a:tc>
+                  <a:txBody>
+                    <a:bodyPr/>
+                    <a:lstStyle/>
+                    <a:p>
+                      <a:pPr algn="ctr" fontAlgn="ctr"/>
+                      <a:r>
+                        <a:rPr lang="tr-TR" sz="1400" u="none" strike="noStrike">
+                          <a:effectLst/>
+                          <a:latin typeface="Arial" panose="020B0604020202020204" pitchFamily="34" charset="0"/>
+                          <a:cs typeface="Arial" panose="020B0604020202020204" pitchFamily="34" charset="0"/>
+                        </a:rPr>
+                        <a:t>3.3</a:t>
+                      </a:r>
+                      <a:endParaRPr lang="tr-TR" sz="1400" b="0" i="0" u="none" strike="noStrike">
+                        <a:solidFill>
+                          <a:srgbClr val="000000"/>
+                        </a:solidFill>
+                        <a:effectLst/>
+                        <a:latin typeface="Arial" panose="020B0604020202020204" pitchFamily="34" charset="0"/>
+                        <a:cs typeface="Arial" panose="020B0604020202020204" pitchFamily="34" charset="0"/>
+                      </a:endParaRPr>
+                    </a:p>
+                  </a:txBody>
+                  <a:tcPr marL="9525" marR="9525" marT="9525" marB="0" anchor="ctr"/>
+                </a:tc>
+                <a:tc>
+                  <a:txBody>
+                    <a:bodyPr/>
+                    <a:lstStyle/>
+                    <a:p>
+                      <a:pPr algn="ctr" fontAlgn="ctr"/>
+                      <a:r>
+                        <a:rPr lang="tr-TR" sz="1400" u="none" strike="noStrike">
+                          <a:effectLst/>
+                          <a:latin typeface="Arial" panose="020B0604020202020204" pitchFamily="34" charset="0"/>
+                          <a:cs typeface="Arial" panose="020B0604020202020204" pitchFamily="34" charset="0"/>
+                        </a:rPr>
+                        <a:t>3</a:t>
+                      </a:r>
+                      <a:endParaRPr lang="tr-TR" sz="1400" b="0" i="0" u="none" strike="noStrike">
+                        <a:solidFill>
+                          <a:srgbClr val="000000"/>
+                        </a:solidFill>
+                        <a:effectLst/>
+                        <a:latin typeface="Arial" panose="020B0604020202020204" pitchFamily="34" charset="0"/>
+                        <a:cs typeface="Arial" panose="020B0604020202020204" pitchFamily="34" charset="0"/>
+                      </a:endParaRPr>
+                    </a:p>
+                  </a:txBody>
+                  <a:tcPr marL="9525" marR="9525" marT="9525" marB="0" anchor="ctr"/>
+                </a:tc>
+                <a:tc>
+                  <a:txBody>
+                    <a:bodyPr/>
+                    <a:lstStyle/>
+                    <a:p>
+                      <a:pPr algn="ctr" fontAlgn="ctr"/>
+                      <a:r>
+                        <a:rPr lang="tr-TR" sz="1400" u="none" strike="noStrike">
+                          <a:effectLst/>
+                          <a:latin typeface="Arial" panose="020B0604020202020204" pitchFamily="34" charset="0"/>
+                          <a:cs typeface="Arial" panose="020B0604020202020204" pitchFamily="34" charset="0"/>
+                        </a:rPr>
+                        <a:t>3.9</a:t>
+                      </a:r>
+                      <a:endParaRPr lang="tr-TR" sz="1400" b="0" i="0" u="none" strike="noStrike">
+                        <a:solidFill>
+                          <a:srgbClr val="000000"/>
+                        </a:solidFill>
+                        <a:effectLst/>
+                        <a:latin typeface="Arial" panose="020B0604020202020204" pitchFamily="34" charset="0"/>
+                        <a:cs typeface="Arial" panose="020B0604020202020204" pitchFamily="34" charset="0"/>
+                      </a:endParaRPr>
+                    </a:p>
+                  </a:txBody>
+                  <a:tcPr marL="9525" marR="9525" marT="9525" marB="0" anchor="ctr"/>
+                </a:tc>
+                <a:tc>
+                  <a:txBody>
+                    <a:bodyPr/>
+                    <a:lstStyle/>
+                    <a:p>
+                      <a:pPr algn="ctr" fontAlgn="ctr"/>
+                      <a:r>
+                        <a:rPr lang="tr-TR" sz="1400" u="none" strike="noStrike">
+                          <a:effectLst/>
+                          <a:latin typeface="Arial" panose="020B0604020202020204" pitchFamily="34" charset="0"/>
+                          <a:cs typeface="Arial" panose="020B0604020202020204" pitchFamily="34" charset="0"/>
+                        </a:rPr>
+                        <a:t>3.6</a:t>
+                      </a:r>
+                      <a:endParaRPr lang="tr-TR" sz="1400" b="0" i="0" u="none" strike="noStrike">
+                        <a:solidFill>
+                          <a:srgbClr val="000000"/>
+                        </a:solidFill>
+                        <a:effectLst/>
+                        <a:latin typeface="Arial" panose="020B0604020202020204" pitchFamily="34" charset="0"/>
+                        <a:cs typeface="Arial" panose="020B0604020202020204" pitchFamily="34" charset="0"/>
+                      </a:endParaRPr>
+                    </a:p>
+                  </a:txBody>
+                  <a:tcPr marL="9525" marR="9525" marT="9525" marB="0" anchor="ctr"/>
+                </a:tc>
+                <a:extLst>
+                  <a:ext uri="{0D108BD9-81ED-4DB2-BD59-A6C34878D82A}">
+                    <a16:rowId xmlns:a16="http://schemas.microsoft.com/office/drawing/2014/main" val="2355096916"/>
+                  </a:ext>
+                </a:extLst>
+              </a:tr>
+              <a:tr h="679609">
+                <a:tc>
+                  <a:txBody>
+                    <a:bodyPr/>
+                    <a:lstStyle/>
+                    <a:p>
+                      <a:pPr algn="ctr" fontAlgn="ctr"/>
+                      <a:r>
+                        <a:rPr lang="tr-TR" sz="1400" u="none" strike="noStrike">
+                          <a:effectLst/>
+                          <a:latin typeface="Arial" panose="020B0604020202020204" pitchFamily="34" charset="0"/>
+                          <a:cs typeface="Arial" panose="020B0604020202020204" pitchFamily="34" charset="0"/>
+                        </a:rPr>
+                        <a:t>Maximum RoCoF (Hz/s)</a:t>
+                      </a:r>
+                      <a:endParaRPr lang="tr-TR" sz="1400" b="1" i="0" u="none" strike="noStrike">
+                        <a:solidFill>
+                          <a:srgbClr val="000000"/>
+                        </a:solidFill>
+                        <a:effectLst/>
+                        <a:latin typeface="Arial" panose="020B0604020202020204" pitchFamily="34" charset="0"/>
+                        <a:cs typeface="Arial" panose="020B0604020202020204" pitchFamily="34" charset="0"/>
+                      </a:endParaRPr>
+                    </a:p>
+                  </a:txBody>
+                  <a:tcPr marL="9525" marR="9525" marT="9525" marB="0" anchor="ctr"/>
+                </a:tc>
+                <a:tc>
+                  <a:txBody>
+                    <a:bodyPr/>
+                    <a:lstStyle/>
+                    <a:p>
+                      <a:pPr algn="ctr" fontAlgn="ctr"/>
+                      <a:r>
+                        <a:rPr lang="tr-TR" sz="1400" u="none" strike="noStrike">
+                          <a:effectLst/>
+                          <a:latin typeface="Arial" panose="020B0604020202020204" pitchFamily="34" charset="0"/>
+                          <a:cs typeface="Arial" panose="020B0604020202020204" pitchFamily="34" charset="0"/>
+                        </a:rPr>
+                        <a:t>0.23</a:t>
+                      </a:r>
+                      <a:endParaRPr lang="tr-TR" sz="1400" b="0" i="0" u="none" strike="noStrike">
+                        <a:solidFill>
+                          <a:srgbClr val="000000"/>
+                        </a:solidFill>
+                        <a:effectLst/>
+                        <a:latin typeface="Arial" panose="020B0604020202020204" pitchFamily="34" charset="0"/>
+                        <a:cs typeface="Arial" panose="020B0604020202020204" pitchFamily="34" charset="0"/>
+                      </a:endParaRPr>
+                    </a:p>
+                  </a:txBody>
+                  <a:tcPr marL="9525" marR="9525" marT="9525" marB="0" anchor="ctr"/>
+                </a:tc>
+                <a:tc>
+                  <a:txBody>
+                    <a:bodyPr/>
+                    <a:lstStyle/>
+                    <a:p>
+                      <a:pPr algn="ctr" fontAlgn="ctr"/>
+                      <a:r>
+                        <a:rPr lang="tr-TR" sz="1400" u="none" strike="noStrike">
+                          <a:effectLst/>
+                          <a:latin typeface="Arial" panose="020B0604020202020204" pitchFamily="34" charset="0"/>
+                          <a:cs typeface="Arial" panose="020B0604020202020204" pitchFamily="34" charset="0"/>
+                        </a:rPr>
+                        <a:t>0.23</a:t>
+                      </a:r>
+                      <a:endParaRPr lang="tr-TR" sz="1400" b="0" i="0" u="none" strike="noStrike">
+                        <a:solidFill>
+                          <a:srgbClr val="000000"/>
+                        </a:solidFill>
+                        <a:effectLst/>
+                        <a:latin typeface="Arial" panose="020B0604020202020204" pitchFamily="34" charset="0"/>
+                        <a:cs typeface="Arial" panose="020B0604020202020204" pitchFamily="34" charset="0"/>
+                      </a:endParaRPr>
+                    </a:p>
+                  </a:txBody>
+                  <a:tcPr marL="9525" marR="9525" marT="9525" marB="0" anchor="ctr"/>
+                </a:tc>
+                <a:tc>
+                  <a:txBody>
+                    <a:bodyPr/>
+                    <a:lstStyle/>
+                    <a:p>
+                      <a:pPr algn="ctr" fontAlgn="ctr"/>
+                      <a:r>
+                        <a:rPr lang="tr-TR" sz="1400" u="none" strike="noStrike">
+                          <a:effectLst/>
+                          <a:latin typeface="Arial" panose="020B0604020202020204" pitchFamily="34" charset="0"/>
+                          <a:cs typeface="Arial" panose="020B0604020202020204" pitchFamily="34" charset="0"/>
+                        </a:rPr>
+                        <a:t>0.25</a:t>
+                      </a:r>
+                      <a:endParaRPr lang="tr-TR" sz="1400" b="0" i="0" u="none" strike="noStrike">
+                        <a:solidFill>
+                          <a:srgbClr val="000000"/>
+                        </a:solidFill>
+                        <a:effectLst/>
+                        <a:latin typeface="Arial" panose="020B0604020202020204" pitchFamily="34" charset="0"/>
+                        <a:cs typeface="Arial" panose="020B0604020202020204" pitchFamily="34" charset="0"/>
+                      </a:endParaRPr>
+                    </a:p>
+                  </a:txBody>
+                  <a:tcPr marL="9525" marR="9525" marT="9525" marB="0" anchor="ctr"/>
+                </a:tc>
+                <a:tc>
+                  <a:txBody>
+                    <a:bodyPr/>
+                    <a:lstStyle/>
+                    <a:p>
+                      <a:pPr algn="ctr" fontAlgn="ctr"/>
+                      <a:r>
+                        <a:rPr lang="tr-TR" sz="1400" u="none" strike="noStrike">
+                          <a:effectLst/>
+                          <a:latin typeface="Arial" panose="020B0604020202020204" pitchFamily="34" charset="0"/>
+                          <a:cs typeface="Arial" panose="020B0604020202020204" pitchFamily="34" charset="0"/>
+                        </a:rPr>
+                        <a:t>0.19</a:t>
+                      </a:r>
+                      <a:endParaRPr lang="tr-TR" sz="1400" b="0" i="0" u="none" strike="noStrike">
+                        <a:solidFill>
+                          <a:srgbClr val="000000"/>
+                        </a:solidFill>
+                        <a:effectLst/>
+                        <a:latin typeface="Arial" panose="020B0604020202020204" pitchFamily="34" charset="0"/>
+                        <a:cs typeface="Arial" panose="020B0604020202020204" pitchFamily="34" charset="0"/>
+                      </a:endParaRPr>
+                    </a:p>
+                  </a:txBody>
+                  <a:tcPr marL="9525" marR="9525" marT="9525" marB="0" anchor="ctr"/>
+                </a:tc>
+                <a:tc>
+                  <a:txBody>
+                    <a:bodyPr/>
+                    <a:lstStyle/>
+                    <a:p>
+                      <a:pPr algn="ctr" fontAlgn="ctr"/>
+                      <a:r>
+                        <a:rPr lang="tr-TR" sz="1400" u="none" strike="noStrike">
+                          <a:effectLst/>
+                          <a:latin typeface="Arial" panose="020B0604020202020204" pitchFamily="34" charset="0"/>
+                          <a:cs typeface="Arial" panose="020B0604020202020204" pitchFamily="34" charset="0"/>
+                        </a:rPr>
+                        <a:t>0.21</a:t>
+                      </a:r>
+                      <a:endParaRPr lang="tr-TR" sz="1400" b="0" i="0" u="none" strike="noStrike">
+                        <a:solidFill>
+                          <a:srgbClr val="000000"/>
+                        </a:solidFill>
+                        <a:effectLst/>
+                        <a:latin typeface="Arial" panose="020B0604020202020204" pitchFamily="34" charset="0"/>
+                        <a:cs typeface="Arial" panose="020B0604020202020204" pitchFamily="34" charset="0"/>
+                      </a:endParaRPr>
+                    </a:p>
+                  </a:txBody>
+                  <a:tcPr marL="9525" marR="9525" marT="9525" marB="0" anchor="ctr"/>
+                </a:tc>
+                <a:extLst>
+                  <a:ext uri="{0D108BD9-81ED-4DB2-BD59-A6C34878D82A}">
+                    <a16:rowId xmlns:a16="http://schemas.microsoft.com/office/drawing/2014/main" val="1621258065"/>
+                  </a:ext>
+                </a:extLst>
+              </a:tr>
+              <a:tr h="499712">
+                <a:tc>
+                  <a:txBody>
+                    <a:bodyPr/>
+                    <a:lstStyle/>
+                    <a:p>
+                      <a:pPr algn="ctr" fontAlgn="ctr"/>
+                      <a:r>
+                        <a:rPr lang="tr-TR" sz="1400" u="none" strike="noStrike">
+                          <a:effectLst/>
+                          <a:latin typeface="Arial" panose="020B0604020202020204" pitchFamily="34" charset="0"/>
+                          <a:cs typeface="Arial" panose="020B0604020202020204" pitchFamily="34" charset="0"/>
+                        </a:rPr>
+                        <a:t>Frequency Nadir (Hz)</a:t>
+                      </a:r>
+                      <a:endParaRPr lang="tr-TR" sz="1400" b="1" i="0" u="none" strike="noStrike">
+                        <a:solidFill>
+                          <a:srgbClr val="000000"/>
+                        </a:solidFill>
+                        <a:effectLst/>
+                        <a:latin typeface="Arial" panose="020B0604020202020204" pitchFamily="34" charset="0"/>
+                        <a:cs typeface="Arial" panose="020B0604020202020204" pitchFamily="34" charset="0"/>
+                      </a:endParaRPr>
+                    </a:p>
+                  </a:txBody>
+                  <a:tcPr marL="9525" marR="9525" marT="9525" marB="0" anchor="ctr"/>
+                </a:tc>
+                <a:tc>
+                  <a:txBody>
+                    <a:bodyPr/>
+                    <a:lstStyle/>
+                    <a:p>
+                      <a:pPr algn="ctr" fontAlgn="ctr"/>
+                      <a:r>
+                        <a:rPr lang="tr-TR" sz="1400" u="none" strike="noStrike">
+                          <a:effectLst/>
+                          <a:latin typeface="Arial" panose="020B0604020202020204" pitchFamily="34" charset="0"/>
+                          <a:cs typeface="Arial" panose="020B0604020202020204" pitchFamily="34" charset="0"/>
+                        </a:rPr>
+                        <a:t>49.77</a:t>
+                      </a:r>
+                      <a:endParaRPr lang="tr-TR" sz="1400" b="0" i="0" u="none" strike="noStrike">
+                        <a:solidFill>
+                          <a:srgbClr val="000000"/>
+                        </a:solidFill>
+                        <a:effectLst/>
+                        <a:latin typeface="Arial" panose="020B0604020202020204" pitchFamily="34" charset="0"/>
+                        <a:cs typeface="Arial" panose="020B0604020202020204" pitchFamily="34" charset="0"/>
+                      </a:endParaRPr>
+                    </a:p>
+                  </a:txBody>
+                  <a:tcPr marL="9525" marR="9525" marT="9525" marB="0" anchor="ctr"/>
+                </a:tc>
+                <a:tc>
+                  <a:txBody>
+                    <a:bodyPr/>
+                    <a:lstStyle/>
+                    <a:p>
+                      <a:pPr algn="ctr" fontAlgn="ctr"/>
+                      <a:r>
+                        <a:rPr lang="tr-TR" sz="1400" u="none" strike="noStrike">
+                          <a:effectLst/>
+                          <a:latin typeface="Arial" panose="020B0604020202020204" pitchFamily="34" charset="0"/>
+                          <a:cs typeface="Arial" panose="020B0604020202020204" pitchFamily="34" charset="0"/>
+                        </a:rPr>
+                        <a:t>49.77</a:t>
+                      </a:r>
+                      <a:endParaRPr lang="tr-TR" sz="1400" b="0" i="0" u="none" strike="noStrike">
+                        <a:solidFill>
+                          <a:srgbClr val="000000"/>
+                        </a:solidFill>
+                        <a:effectLst/>
+                        <a:latin typeface="Arial" panose="020B0604020202020204" pitchFamily="34" charset="0"/>
+                        <a:cs typeface="Arial" panose="020B0604020202020204" pitchFamily="34" charset="0"/>
+                      </a:endParaRPr>
+                    </a:p>
+                  </a:txBody>
+                  <a:tcPr marL="9525" marR="9525" marT="9525" marB="0" anchor="ctr"/>
+                </a:tc>
+                <a:tc>
+                  <a:txBody>
+                    <a:bodyPr/>
+                    <a:lstStyle/>
+                    <a:p>
+                      <a:pPr algn="ctr" fontAlgn="ctr"/>
+                      <a:r>
+                        <a:rPr lang="tr-TR" sz="1400" u="none" strike="noStrike">
+                          <a:effectLst/>
+                          <a:latin typeface="Arial" panose="020B0604020202020204" pitchFamily="34" charset="0"/>
+                          <a:cs typeface="Arial" panose="020B0604020202020204" pitchFamily="34" charset="0"/>
+                        </a:rPr>
+                        <a:t>49.65</a:t>
+                      </a:r>
+                      <a:endParaRPr lang="tr-TR" sz="1400" b="0" i="0" u="none" strike="noStrike">
+                        <a:solidFill>
+                          <a:srgbClr val="000000"/>
+                        </a:solidFill>
+                        <a:effectLst/>
+                        <a:latin typeface="Arial" panose="020B0604020202020204" pitchFamily="34" charset="0"/>
+                        <a:cs typeface="Arial" panose="020B0604020202020204" pitchFamily="34" charset="0"/>
+                      </a:endParaRPr>
+                    </a:p>
+                  </a:txBody>
+                  <a:tcPr marL="9525" marR="9525" marT="9525" marB="0" anchor="ctr"/>
+                </a:tc>
+                <a:tc>
+                  <a:txBody>
+                    <a:bodyPr/>
+                    <a:lstStyle/>
+                    <a:p>
+                      <a:pPr algn="ctr" fontAlgn="ctr"/>
+                      <a:r>
+                        <a:rPr lang="tr-TR" sz="1400" u="none" strike="noStrike">
+                          <a:effectLst/>
+                          <a:latin typeface="Arial" panose="020B0604020202020204" pitchFamily="34" charset="0"/>
+                          <a:cs typeface="Arial" panose="020B0604020202020204" pitchFamily="34" charset="0"/>
+                        </a:rPr>
+                        <a:t>49.77</a:t>
+                      </a:r>
+                      <a:endParaRPr lang="tr-TR" sz="1400" b="0" i="0" u="none" strike="noStrike">
+                        <a:solidFill>
+                          <a:srgbClr val="000000"/>
+                        </a:solidFill>
+                        <a:effectLst/>
+                        <a:latin typeface="Arial" panose="020B0604020202020204" pitchFamily="34" charset="0"/>
+                        <a:cs typeface="Arial" panose="020B0604020202020204" pitchFamily="34" charset="0"/>
+                      </a:endParaRPr>
+                    </a:p>
+                  </a:txBody>
+                  <a:tcPr marL="9525" marR="9525" marT="9525" marB="0" anchor="ctr"/>
+                </a:tc>
+                <a:tc>
+                  <a:txBody>
+                    <a:bodyPr/>
+                    <a:lstStyle/>
+                    <a:p>
+                      <a:pPr algn="ctr" fontAlgn="ctr"/>
+                      <a:r>
+                        <a:rPr lang="tr-TR" sz="1400" u="none" strike="noStrike" dirty="0">
+                          <a:effectLst/>
+                          <a:latin typeface="Arial" panose="020B0604020202020204" pitchFamily="34" charset="0"/>
+                          <a:cs typeface="Arial" panose="020B0604020202020204" pitchFamily="34" charset="0"/>
+                        </a:rPr>
+                        <a:t>49.65</a:t>
+                      </a:r>
+                      <a:endParaRPr lang="tr-TR" sz="1400" b="0" i="0" u="none" strike="noStrike" dirty="0">
+                        <a:solidFill>
+                          <a:srgbClr val="000000"/>
+                        </a:solidFill>
+                        <a:effectLst/>
+                        <a:latin typeface="Arial" panose="020B0604020202020204" pitchFamily="34" charset="0"/>
+                        <a:cs typeface="Arial" panose="020B0604020202020204" pitchFamily="34" charset="0"/>
+                      </a:endParaRPr>
+                    </a:p>
+                  </a:txBody>
+                  <a:tcPr marL="9525" marR="9525" marT="9525" marB="0" anchor="ctr"/>
+                </a:tc>
+                <a:extLst>
+                  <a:ext uri="{0D108BD9-81ED-4DB2-BD59-A6C34878D82A}">
+                    <a16:rowId xmlns:a16="http://schemas.microsoft.com/office/drawing/2014/main" val="1787459875"/>
+                  </a:ext>
+                </a:extLst>
+              </a:tr>
+            </a:tbl>
+          </a:graphicData>
+        </a:graphic>
+      </p:graphicFrame>
+    </p:spTree>
+    <p:extLst>
+      <p:ext uri="{BB962C8B-B14F-4D97-AF65-F5344CB8AC3E}">
+        <p14:creationId xmlns:p14="http://schemas.microsoft.com/office/powerpoint/2010/main" val="1916730060"/>
+      </p:ext>
+    </p:extLst>
+  </p:cSld>
+  <p:clrMapOvr>
+    <a:masterClrMapping/>
+  </p:clrMapOvr>
+  <p:transition/>
+  <p:timing>
+    <p:tnLst>
+      <p:par>
+        <p:cTn id="1" dur="indefinite" restart="never" nodeType="tmRoot"/>
+      </p:par>
+    </p:tnLst>
+  </p:timing>
+</p:sld>
+</file>
+
+<file path=ppt/slides/slide22.xml><?xml version="1.0" encoding="utf-8"?>
+<p:sld xmlns:a="http://schemas.openxmlformats.org/drawingml/2006/main" xmlns:r="http://schemas.openxmlformats.org/officeDocument/2006/relationships" xmlns:p="http://schemas.openxmlformats.org/presentationml/2006/main">
+  <p:cSld>
+    <p:spTree>
+      <p:nvGrpSpPr>
+        <p:cNvPr id="1" name=""/>
+        <p:cNvGrpSpPr/>
+        <p:nvPr/>
+      </p:nvGrpSpPr>
+      <p:grpSpPr>
+        <a:xfrm>
+          <a:off x="0" y="0"/>
+          <a:ext cx="0" cy="0"/>
+          <a:chOff x="0" y="0"/>
+          <a:chExt cx="0" cy="0"/>
+        </a:xfrm>
+      </p:grpSpPr>
+      <p:sp>
+        <p:nvSpPr>
+          <p:cNvPr id="5122" name="Rectangle 2"/>
+          <p:cNvSpPr>
+            <a:spLocks noGrp="1" noChangeArrowheads="1"/>
+          </p:cNvSpPr>
+          <p:nvPr>
+            <p:ph type="title"/>
+          </p:nvPr>
+        </p:nvSpPr>
+        <p:spPr/>
+        <p:txBody>
+          <a:bodyPr/>
+          <a:lstStyle/>
+          <a:p>
+            <a:pPr>
+              <a:defRPr/>
+            </a:pPr>
+            <a:r>
+              <a:rPr lang="tr-TR" dirty="0" smtClean="0">
+                <a:latin typeface="Arial" panose="020B0604020202020204" pitchFamily="34" charset="0"/>
+                <a:cs typeface="Arial" panose="020B0604020202020204" pitchFamily="34" charset="0"/>
+              </a:rPr>
+              <a:t>Comparison between Fast Inertial Support and Synthetic Inertia</a:t>
+            </a:r>
+            <a:endParaRPr lang="en-US" dirty="0" smtClean="0">
+              <a:latin typeface="Arial" panose="020B0604020202020204" pitchFamily="34" charset="0"/>
+              <a:cs typeface="Arial" panose="020B0604020202020204" pitchFamily="34" charset="0"/>
+            </a:endParaRPr>
+          </a:p>
+        </p:txBody>
+      </p:sp>
+      <p:sp>
+        <p:nvSpPr>
+          <p:cNvPr id="2" name="Date Placeholder 1"/>
+          <p:cNvSpPr>
+            <a:spLocks noGrp="1"/>
+          </p:cNvSpPr>
+          <p:nvPr>
+            <p:ph type="dt" sz="half" idx="2"/>
+          </p:nvPr>
+        </p:nvSpPr>
+        <p:spPr/>
+        <p:txBody>
+          <a:bodyPr/>
+          <a:lstStyle/>
+          <a:p>
+            <a:pPr>
+              <a:defRPr/>
+            </a:pPr>
+            <a:r>
+              <a:rPr lang="tr-TR" smtClean="0"/>
+              <a:t>18.01.2019</a:t>
+            </a:r>
+            <a:endParaRPr lang="en-US" dirty="0"/>
+          </a:p>
+        </p:txBody>
+      </p:sp>
+      <p:sp>
+        <p:nvSpPr>
+          <p:cNvPr id="3" name="Slide Number Placeholder 2"/>
+          <p:cNvSpPr>
+            <a:spLocks noGrp="1"/>
+          </p:cNvSpPr>
+          <p:nvPr>
+            <p:ph type="sldNum" sz="quarter" idx="12"/>
+          </p:nvPr>
+        </p:nvSpPr>
+        <p:spPr/>
+        <p:txBody>
+          <a:bodyPr/>
+          <a:lstStyle/>
+          <a:p>
+            <a:pPr>
+              <a:defRPr/>
+            </a:pPr>
+            <a:fld id="{C878F797-6006-4DDA-AFE9-456F280FE6C5}" type="slidenum">
+              <a:rPr lang="en-US" smtClean="0"/>
+              <a:pPr>
+                <a:defRPr/>
+              </a:pPr>
+              <a:t>22</a:t>
+            </a:fld>
+            <a:endParaRPr lang="en-US" dirty="0"/>
+          </a:p>
+        </p:txBody>
+      </p:sp>
+      <p:pic>
+        <p:nvPicPr>
+          <p:cNvPr id="5" name="Content Placeholder 4"/>
+          <p:cNvPicPr>
+            <a:picLocks noGrp="1" noChangeAspect="1"/>
+          </p:cNvPicPr>
+          <p:nvPr>
+            <p:ph idx="1"/>
+          </p:nvPr>
+        </p:nvPicPr>
+        <p:blipFill>
+          <a:blip r:embed="rId3" cstate="print">
+            <a:extLst>
+              <a:ext uri="{28A0092B-C50C-407E-A947-70E740481C1C}">
+                <a14:useLocalDpi xmlns:a14="http://schemas.microsoft.com/office/drawing/2010/main" val="0"/>
+              </a:ext>
+            </a:extLst>
+          </a:blip>
+          <a:stretch>
+            <a:fillRect/>
+          </a:stretch>
+        </p:blipFill>
+        <p:spPr>
+          <a:xfrm>
+            <a:off x="35496" y="1354145"/>
+            <a:ext cx="4752527" cy="2264930"/>
+          </a:xfrm>
+        </p:spPr>
+      </p:pic>
+      <p:pic>
+        <p:nvPicPr>
+          <p:cNvPr id="6" name="Picture 5"/>
+          <p:cNvPicPr>
+            <a:picLocks noChangeAspect="1"/>
+          </p:cNvPicPr>
+          <p:nvPr/>
+        </p:nvPicPr>
+        <p:blipFill>
+          <a:blip r:embed="rId4" cstate="print">
+            <a:extLst>
+              <a:ext uri="{28A0092B-C50C-407E-A947-70E740481C1C}">
+                <a14:useLocalDpi xmlns:a14="http://schemas.microsoft.com/office/drawing/2010/main" val="0"/>
+              </a:ext>
+            </a:extLst>
+          </a:blip>
+          <a:stretch>
+            <a:fillRect/>
+          </a:stretch>
+        </p:blipFill>
+        <p:spPr>
+          <a:xfrm>
+            <a:off x="4427984" y="1266535"/>
+            <a:ext cx="4990808" cy="2378489"/>
+          </a:xfrm>
+          <a:prstGeom prst="rect">
+            <a:avLst/>
+          </a:prstGeom>
+        </p:spPr>
+      </p:pic>
+      <p:pic>
+        <p:nvPicPr>
+          <p:cNvPr id="10" name="Picture 9"/>
+          <p:cNvPicPr>
+            <a:picLocks noChangeAspect="1"/>
+          </p:cNvPicPr>
+          <p:nvPr/>
+        </p:nvPicPr>
+        <p:blipFill>
+          <a:blip r:embed="rId5" cstate="print">
+            <a:extLst>
+              <a:ext uri="{28A0092B-C50C-407E-A947-70E740481C1C}">
+                <a14:useLocalDpi xmlns:a14="http://schemas.microsoft.com/office/drawing/2010/main" val="0"/>
+              </a:ext>
+            </a:extLst>
+          </a:blip>
+          <a:stretch>
+            <a:fillRect/>
+          </a:stretch>
+        </p:blipFill>
+        <p:spPr>
+          <a:xfrm>
+            <a:off x="35496" y="3619075"/>
+            <a:ext cx="4738399" cy="2258197"/>
+          </a:xfrm>
+          <a:prstGeom prst="rect">
+            <a:avLst/>
+          </a:prstGeom>
+        </p:spPr>
+      </p:pic>
+      <p:pic>
+        <p:nvPicPr>
+          <p:cNvPr id="9" name="Picture 8"/>
+          <p:cNvPicPr>
+            <a:picLocks noChangeAspect="1"/>
+          </p:cNvPicPr>
+          <p:nvPr/>
+        </p:nvPicPr>
+        <p:blipFill>
+          <a:blip r:embed="rId6" cstate="print">
+            <a:extLst>
+              <a:ext uri="{28A0092B-C50C-407E-A947-70E740481C1C}">
+                <a14:useLocalDpi xmlns:a14="http://schemas.microsoft.com/office/drawing/2010/main" val="0"/>
+              </a:ext>
+            </a:extLst>
+          </a:blip>
+          <a:stretch>
+            <a:fillRect/>
+          </a:stretch>
+        </p:blipFill>
+        <p:spPr>
+          <a:xfrm>
+            <a:off x="4521772" y="4281003"/>
+            <a:ext cx="4946772" cy="1419571"/>
+          </a:xfrm>
+          <a:prstGeom prst="rect">
+            <a:avLst/>
+          </a:prstGeom>
+        </p:spPr>
+      </p:pic>
+    </p:spTree>
+    <p:extLst>
+      <p:ext uri="{BB962C8B-B14F-4D97-AF65-F5344CB8AC3E}">
+        <p14:creationId xmlns:p14="http://schemas.microsoft.com/office/powerpoint/2010/main" val="1043681184"/>
+      </p:ext>
+    </p:extLst>
+  </p:cSld>
+  <p:clrMapOvr>
+    <a:masterClrMapping/>
+  </p:clrMapOvr>
+  <p:transition/>
+  <p:timing>
+    <p:tnLst>
+      <p:par>
+        <p:cTn id="1" dur="indefinite" restart="never" nodeType="tmRoot"/>
+      </p:par>
+    </p:tnLst>
+  </p:timing>
+</p:sld>
+</file>
+
+<file path=ppt/slides/slide23.xml><?xml version="1.0" encoding="utf-8"?>
+<p:sld xmlns:a="http://schemas.openxmlformats.org/drawingml/2006/main" xmlns:r="http://schemas.openxmlformats.org/officeDocument/2006/relationships" xmlns:p="http://schemas.openxmlformats.org/presentationml/2006/main">
+  <p:cSld>
+    <p:spTree>
+      <p:nvGrpSpPr>
+        <p:cNvPr id="1" name=""/>
+        <p:cNvGrpSpPr/>
+        <p:nvPr/>
+      </p:nvGrpSpPr>
+      <p:grpSpPr>
+        <a:xfrm>
+          <a:off x="0" y="0"/>
+          <a:ext cx="0" cy="0"/>
+          <a:chOff x="0" y="0"/>
+          <a:chExt cx="0" cy="0"/>
+        </a:xfrm>
+      </p:grpSpPr>
+      <p:sp>
+        <p:nvSpPr>
+          <p:cNvPr id="5122" name="Rectangle 2"/>
+          <p:cNvSpPr>
+            <a:spLocks noGrp="1" noChangeArrowheads="1"/>
+          </p:cNvSpPr>
+          <p:nvPr>
+            <p:ph type="title"/>
+          </p:nvPr>
+        </p:nvSpPr>
+        <p:spPr/>
+        <p:txBody>
+          <a:bodyPr/>
+          <a:lstStyle/>
+          <a:p>
+            <a:pPr>
+              <a:defRPr/>
+            </a:pPr>
+            <a:r>
+              <a:rPr lang="tr-TR" dirty="0" smtClean="0">
+                <a:latin typeface="Arial" panose="020B0604020202020204" pitchFamily="34" charset="0"/>
+                <a:cs typeface="Arial" panose="020B0604020202020204" pitchFamily="34" charset="0"/>
+              </a:rPr>
+              <a:t>Effects on the Turkish Electricity System</a:t>
+            </a:r>
+            <a:endParaRPr lang="en-US" dirty="0" smtClean="0">
+              <a:latin typeface="Arial" panose="020B0604020202020204" pitchFamily="34" charset="0"/>
+              <a:cs typeface="Arial" panose="020B0604020202020204" pitchFamily="34" charset="0"/>
+            </a:endParaRPr>
+          </a:p>
+        </p:txBody>
+      </p:sp>
+      <p:sp>
+        <p:nvSpPr>
+          <p:cNvPr id="2" name="Date Placeholder 1"/>
+          <p:cNvSpPr>
+            <a:spLocks noGrp="1"/>
+          </p:cNvSpPr>
+          <p:nvPr>
+            <p:ph type="dt" sz="half" idx="2"/>
+          </p:nvPr>
+        </p:nvSpPr>
+        <p:spPr/>
+        <p:txBody>
+          <a:bodyPr/>
+          <a:lstStyle/>
+          <a:p>
+            <a:pPr>
+              <a:defRPr/>
+            </a:pPr>
+            <a:r>
+              <a:rPr lang="tr-TR" smtClean="0"/>
+              <a:t>18.01.2019</a:t>
+            </a:r>
+            <a:endParaRPr lang="en-US" dirty="0"/>
+          </a:p>
+        </p:txBody>
+      </p:sp>
+      <p:sp>
+        <p:nvSpPr>
+          <p:cNvPr id="3" name="Slide Number Placeholder 2"/>
+          <p:cNvSpPr>
+            <a:spLocks noGrp="1"/>
+          </p:cNvSpPr>
+          <p:nvPr>
+            <p:ph type="sldNum" sz="quarter" idx="12"/>
+          </p:nvPr>
+        </p:nvSpPr>
+        <p:spPr/>
+        <p:txBody>
+          <a:bodyPr/>
+          <a:lstStyle/>
+          <a:p>
+            <a:pPr>
+              <a:defRPr/>
+            </a:pPr>
+            <a:fld id="{C878F797-6006-4DDA-AFE9-456F280FE6C5}" type="slidenum">
+              <a:rPr lang="en-US" smtClean="0"/>
+              <a:pPr>
+                <a:defRPr/>
+              </a:pPr>
+              <a:t>23</a:t>
             </a:fld>
             <a:endParaRPr lang="en-US" dirty="0"/>
           </a:p>
@@ -6548,7 +10663,7 @@
 </p:sld>
 </file>
 
-<file path=ppt/slides/slide17.xml><?xml version="1.0" encoding="utf-8"?>
+<file path=ppt/slides/slide24.xml><?xml version="1.0" encoding="utf-8"?>
 <p:sld xmlns:a="http://schemas.openxmlformats.org/drawingml/2006/main" xmlns:r="http://schemas.openxmlformats.org/officeDocument/2006/relationships" xmlns:p="http://schemas.openxmlformats.org/presentationml/2006/main">
   <p:cSld>
     <p:spTree>
@@ -6646,7 +10761,7 @@
               <a:pPr>
                 <a:defRPr/>
               </a:pPr>
-              <a:t>17</a:t>
+              <a:t>24</a:t>
             </a:fld>
             <a:endParaRPr lang="en-US" dirty="0"/>
           </a:p>
@@ -6732,7 +10847,7 @@
 </p:sld>
 </file>
 
-<file path=ppt/slides/slide18.xml><?xml version="1.0" encoding="utf-8"?>
+<file path=ppt/slides/slide25.xml><?xml version="1.0" encoding="utf-8"?>
 <p:sld xmlns:a="http://schemas.openxmlformats.org/drawingml/2006/main" xmlns:r="http://schemas.openxmlformats.org/officeDocument/2006/relationships" xmlns:p="http://schemas.openxmlformats.org/presentationml/2006/main">
   <p:cSld>
     <p:spTree>
@@ -6830,7 +10945,7 @@
               <a:pPr>
                 <a:defRPr/>
               </a:pPr>
-              <a:t>18</a:t>
+              <a:t>25</a:t>
             </a:fld>
             <a:endParaRPr lang="en-US" dirty="0"/>
           </a:p>
@@ -7468,7 +11583,7 @@
 </p:sld>
 </file>
 
-<file path=ppt/slides/slide19.xml><?xml version="1.0" encoding="utf-8"?>
+<file path=ppt/slides/slide26.xml><?xml version="1.0" encoding="utf-8"?>
 <p:sld xmlns:a="http://schemas.openxmlformats.org/drawingml/2006/main" xmlns:r="http://schemas.openxmlformats.org/officeDocument/2006/relationships" xmlns:p="http://schemas.openxmlformats.org/presentationml/2006/main">
   <p:cSld>
     <p:spTree>
@@ -7566,7 +11681,7 @@
               <a:pPr>
                 <a:defRPr/>
               </a:pPr>
-              <a:t>19</a:t>
+              <a:t>26</a:t>
             </a:fld>
             <a:endParaRPr lang="en-US" dirty="0"/>
           </a:p>
@@ -7622,7 +11737,7 @@
 </p:sld>
 </file>
 
-<file path=ppt/slides/slide2.xml><?xml version="1.0" encoding="utf-8"?>
+<file path=ppt/slides/slide27.xml><?xml version="1.0" encoding="utf-8"?>
 <p:sld xmlns:a="http://schemas.openxmlformats.org/drawingml/2006/main" xmlns:r="http://schemas.openxmlformats.org/officeDocument/2006/relationships" xmlns:p="http://schemas.openxmlformats.org/presentationml/2006/main">
   <p:cSld>
     <p:spTree>
@@ -7662,106 +11777,9 @@
                 <a:latin typeface="Arial" panose="020B0604020202020204" pitchFamily="34" charset="0"/>
                 <a:cs typeface="Arial" panose="020B0604020202020204" pitchFamily="34" charset="0"/>
               </a:rPr>
-              <a:t>Agenda</a:t>
+              <a:t>Economical Perspective</a:t>
             </a:r>
             <a:endParaRPr lang="en-US" dirty="0" smtClean="0">
-              <a:latin typeface="Arial" panose="020B0604020202020204" pitchFamily="34" charset="0"/>
-              <a:cs typeface="Arial" panose="020B0604020202020204" pitchFamily="34" charset="0"/>
-            </a:endParaRPr>
-          </a:p>
-        </p:txBody>
-      </p:sp>
-      <p:sp>
-        <p:nvSpPr>
-          <p:cNvPr id="5123" name="Rectangle 3"/>
-          <p:cNvSpPr>
-            <a:spLocks noGrp="1" noChangeArrowheads="1"/>
-          </p:cNvSpPr>
-          <p:nvPr>
-            <p:ph idx="1"/>
-          </p:nvPr>
-        </p:nvSpPr>
-        <p:spPr>
-          <a:xfrm>
-            <a:off x="457198" y="1700808"/>
-            <a:ext cx="8229601" cy="4114800"/>
-          </a:xfrm>
-        </p:spPr>
-        <p:txBody>
-          <a:bodyPr/>
-          <a:lstStyle/>
-          <a:p>
-            <a:pPr lvl="1">
-              <a:defRPr/>
-            </a:pPr>
-            <a:r>
-              <a:rPr lang="tr-TR" sz="2400" dirty="0" smtClean="0">
-                <a:latin typeface="Arial" panose="020B0604020202020204" pitchFamily="34" charset="0"/>
-                <a:cs typeface="Arial" panose="020B0604020202020204" pitchFamily="34" charset="0"/>
-              </a:rPr>
-              <a:t>Problem Definition: Renewable Energy Problems</a:t>
-            </a:r>
-          </a:p>
-          <a:p>
-            <a:pPr lvl="1">
-              <a:defRPr/>
-            </a:pPr>
-            <a:r>
-              <a:rPr lang="tr-TR" sz="2400" dirty="0" smtClean="0">
-                <a:latin typeface="Arial" panose="020B0604020202020204" pitchFamily="34" charset="0"/>
-                <a:cs typeface="Arial" panose="020B0604020202020204" pitchFamily="34" charset="0"/>
-              </a:rPr>
-              <a:t>Grid Inertia, Frequency and Inertial Support</a:t>
-            </a:r>
-          </a:p>
-          <a:p>
-            <a:pPr lvl="1">
-              <a:defRPr/>
-            </a:pPr>
-            <a:r>
-              <a:rPr lang="tr-TR" sz="2400" dirty="0" smtClean="0">
-                <a:latin typeface="Arial" panose="020B0604020202020204" pitchFamily="34" charset="0"/>
-                <a:cs typeface="Arial" panose="020B0604020202020204" pitchFamily="34" charset="0"/>
-              </a:rPr>
-              <a:t>Wind Turbine Modelling</a:t>
-            </a:r>
-          </a:p>
-          <a:p>
-            <a:pPr lvl="1">
-              <a:defRPr/>
-            </a:pPr>
-            <a:r>
-              <a:rPr lang="tr-TR" sz="2400" dirty="0" smtClean="0">
-                <a:latin typeface="Arial" panose="020B0604020202020204" pitchFamily="34" charset="0"/>
-                <a:cs typeface="Arial" panose="020B0604020202020204" pitchFamily="34" charset="0"/>
-              </a:rPr>
-              <a:t>Fast Inertial Support</a:t>
-            </a:r>
-          </a:p>
-          <a:p>
-            <a:pPr lvl="1">
-              <a:defRPr/>
-            </a:pPr>
-            <a:r>
-              <a:rPr lang="tr-TR" sz="2400" dirty="0" smtClean="0">
-                <a:latin typeface="Arial" panose="020B0604020202020204" pitchFamily="34" charset="0"/>
-                <a:cs typeface="Arial" panose="020B0604020202020204" pitchFamily="34" charset="0"/>
-              </a:rPr>
-              <a:t>Synthetic Inertia Support</a:t>
-            </a:r>
-          </a:p>
-          <a:p>
-            <a:pPr lvl="1">
-              <a:defRPr/>
-            </a:pPr>
-            <a:r>
-              <a:rPr lang="tr-TR" sz="2400" dirty="0" smtClean="0">
-                <a:latin typeface="Arial" panose="020B0604020202020204" pitchFamily="34" charset="0"/>
-                <a:cs typeface="Arial" panose="020B0604020202020204" pitchFamily="34" charset="0"/>
-              </a:rPr>
-              <a:t>Economical Perspective</a:t>
-            </a:r>
-            <a:endParaRPr lang="en-US" sz="2400" dirty="0" smtClean="0">
               <a:latin typeface="Arial" panose="020B0604020202020204" pitchFamily="34" charset="0"/>
               <a:cs typeface="Arial" panose="020B0604020202020204" pitchFamily="34" charset="0"/>
             </a:endParaRPr>
@@ -7817,127 +11835,7 @@
               <a:pPr>
                 <a:defRPr/>
               </a:pPr>
-              <a:t>2</a:t>
-            </a:fld>
-            <a:endParaRPr lang="en-US" dirty="0"/>
-          </a:p>
-        </p:txBody>
-      </p:sp>
-    </p:spTree>
-  </p:cSld>
-  <p:clrMapOvr>
-    <a:masterClrMapping/>
-  </p:clrMapOvr>
-  <p:transition/>
-  <p:timing>
-    <p:tnLst>
-      <p:par>
-        <p:cTn id="1" dur="indefinite" restart="never" nodeType="tmRoot"/>
-      </p:par>
-    </p:tnLst>
-  </p:timing>
-</p:sld>
-</file>
-
-<file path=ppt/slides/slide20.xml><?xml version="1.0" encoding="utf-8"?>
-<p:sld xmlns:a="http://schemas.openxmlformats.org/drawingml/2006/main" xmlns:r="http://schemas.openxmlformats.org/officeDocument/2006/relationships" xmlns:p="http://schemas.openxmlformats.org/presentationml/2006/main">
-  <p:cSld>
-    <p:spTree>
-      <p:nvGrpSpPr>
-        <p:cNvPr id="1" name=""/>
-        <p:cNvGrpSpPr/>
-        <p:nvPr/>
-      </p:nvGrpSpPr>
-      <p:grpSpPr>
-        <a:xfrm>
-          <a:off x="0" y="0"/>
-          <a:ext cx="0" cy="0"/>
-          <a:chOff x="0" y="0"/>
-          <a:chExt cx="0" cy="0"/>
-        </a:xfrm>
-      </p:grpSpPr>
-      <p:sp>
-        <p:nvSpPr>
-          <p:cNvPr id="5122" name="Rectangle 2"/>
-          <p:cNvSpPr>
-            <a:spLocks noGrp="1" noChangeArrowheads="1"/>
-          </p:cNvSpPr>
-          <p:nvPr>
-            <p:ph type="title"/>
-          </p:nvPr>
-        </p:nvSpPr>
-        <p:spPr/>
-        <p:txBody>
-          <a:bodyPr/>
-          <a:lstStyle/>
-          <a:p>
-            <a:pPr>
-              <a:defRPr/>
-            </a:pPr>
-            <a:r>
-              <a:rPr lang="tr-TR" dirty="0" smtClean="0">
-                <a:latin typeface="Arial" panose="020B0604020202020204" pitchFamily="34" charset="0"/>
-                <a:cs typeface="Arial" panose="020B0604020202020204" pitchFamily="34" charset="0"/>
-              </a:rPr>
-              <a:t>Economical Perspective</a:t>
-            </a:r>
-            <a:endParaRPr lang="en-US" dirty="0" smtClean="0">
-              <a:latin typeface="Arial" panose="020B0604020202020204" pitchFamily="34" charset="0"/>
-              <a:cs typeface="Arial" panose="020B0604020202020204" pitchFamily="34" charset="0"/>
-            </a:endParaRPr>
-          </a:p>
-        </p:txBody>
-      </p:sp>
-      <p:sp>
-        <p:nvSpPr>
-          <p:cNvPr id="2" name="Date Placeholder 1"/>
-          <p:cNvSpPr>
-            <a:spLocks noGrp="1"/>
-          </p:cNvSpPr>
-          <p:nvPr>
-            <p:ph type="dt" sz="half" idx="2"/>
-          </p:nvPr>
-        </p:nvSpPr>
-        <p:spPr/>
-        <p:txBody>
-          <a:bodyPr/>
-          <a:lstStyle/>
-          <a:p>
-            <a:pPr>
-              <a:defRPr/>
-            </a:pPr>
-            <a:r>
-              <a:rPr lang="tr-TR" smtClean="0"/>
-              <a:t>18.01.2019</a:t>
-            </a:r>
-            <a:endParaRPr lang="en-US" dirty="0"/>
-          </a:p>
-        </p:txBody>
-      </p:sp>
-      <p:sp>
-        <p:nvSpPr>
-          <p:cNvPr id="3" name="Slide Number Placeholder 2"/>
-          <p:cNvSpPr>
-            <a:spLocks noGrp="1"/>
-          </p:cNvSpPr>
-          <p:nvPr>
-            <p:ph type="sldNum" sz="quarter" idx="12"/>
-          </p:nvPr>
-        </p:nvSpPr>
-        <p:spPr/>
-        <p:txBody>
-          <a:bodyPr/>
-          <a:lstStyle/>
-          <a:p>
-            <a:pPr>
-              <a:defRPr/>
-            </a:pPr>
-            <a:fld id="{C878F797-6006-4DDA-AFE9-456F280FE6C5}" type="slidenum">
-              <a:rPr lang="en-US" smtClean="0"/>
-              <a:pPr>
-                <a:defRPr/>
-              </a:pPr>
-              <a:t>20</a:t>
+              <a:t>27</a:t>
             </a:fld>
             <a:endParaRPr lang="en-US" dirty="0"/>
           </a:p>
@@ -8061,7 +11959,7 @@
 </p:sld>
 </file>
 
-<file path=ppt/slides/slide21.xml><?xml version="1.0" encoding="utf-8"?>
+<file path=ppt/slides/slide28.xml><?xml version="1.0" encoding="utf-8"?>
 <p:sld xmlns:a="http://schemas.openxmlformats.org/drawingml/2006/main" xmlns:r="http://schemas.openxmlformats.org/officeDocument/2006/relationships" xmlns:p="http://schemas.openxmlformats.org/presentationml/2006/main">
   <p:cSld>
     <p:spTree>
@@ -8159,7 +12057,7 @@
               <a:pPr>
                 <a:defRPr/>
               </a:pPr>
-              <a:t>21</a:t>
+              <a:t>28</a:t>
             </a:fld>
             <a:endParaRPr lang="en-US" dirty="0"/>
           </a:p>
@@ -8399,10 +12297,6 @@
               </a:rPr>
               <a:t>Grid Inertia</a:t>
             </a:r>
-            <a:endParaRPr lang="tr-TR" sz="2000" dirty="0" smtClean="0">
-              <a:latin typeface="Arial" panose="020B0604020202020204" pitchFamily="34" charset="0"/>
-              <a:cs typeface="Arial" panose="020B0604020202020204" pitchFamily="34" charset="0"/>
-            </a:endParaRPr>
           </a:p>
         </p:txBody>
       </p:sp>
@@ -8615,8 +12509,8 @@
           </a:xfrm>
         </p:spPr>
       </p:pic>
-      <mc:AlternateContent xmlns:mc="http://schemas.openxmlformats.org/markup-compatibility/2006">
-        <mc:Choice xmlns:a14="http://schemas.microsoft.com/office/drawing/2010/main" Requires="a14">
+      <mc:AlternateContent xmlns:mc="http://schemas.openxmlformats.org/markup-compatibility/2006" xmlns:a14="http://schemas.microsoft.com/office/drawing/2010/main">
+        <mc:Choice Requires="a14">
           <p:sp>
             <p:nvSpPr>
               <p:cNvPr id="10" name="TextBox 9"/>
@@ -8639,6 +12533,7 @@
               </a:bodyPr>
               <a:lstStyle/>
               <a:p>
+                <a:pPr/>
                 <a14:m>
                   <m:oMathPara xmlns:m="http://schemas.openxmlformats.org/officeDocument/2006/math">
                     <m:oMathParaPr>
@@ -8715,7 +12610,7 @@
             </p:txBody>
           </p:sp>
         </mc:Choice>
-        <mc:Fallback>
+        <mc:Fallback xmlns="">
           <p:sp>
             <p:nvSpPr>
               <p:cNvPr id="10" name="TextBox 9"/>
@@ -8754,8 +12649,8 @@
           </p:sp>
         </mc:Fallback>
       </mc:AlternateContent>
-      <mc:AlternateContent xmlns:mc="http://schemas.openxmlformats.org/markup-compatibility/2006">
-        <mc:Choice xmlns:a14="http://schemas.microsoft.com/office/drawing/2010/main" Requires="a14">
+      <mc:AlternateContent xmlns:mc="http://schemas.openxmlformats.org/markup-compatibility/2006" xmlns:a14="http://schemas.microsoft.com/office/drawing/2010/main">
+        <mc:Choice Requires="a14">
           <p:sp>
             <p:nvSpPr>
               <p:cNvPr id="7" name="TextBox 6"/>
@@ -8778,6 +12673,7 @@
               </a:bodyPr>
               <a:lstStyle/>
               <a:p>
+                <a:pPr/>
                 <a14:m>
                   <m:oMathPara xmlns:m="http://schemas.openxmlformats.org/officeDocument/2006/math">
                     <m:oMathParaPr>
@@ -8894,7 +12790,7 @@
             </p:txBody>
           </p:sp>
         </mc:Choice>
-        <mc:Fallback>
+        <mc:Fallback xmlns="">
           <p:sp>
             <p:nvSpPr>
               <p:cNvPr id="7" name="TextBox 6"/>
@@ -8933,8 +12829,8 @@
           </p:sp>
         </mc:Fallback>
       </mc:AlternateContent>
-      <mc:AlternateContent xmlns:mc="http://schemas.openxmlformats.org/markup-compatibility/2006">
-        <mc:Choice xmlns:a14="http://schemas.microsoft.com/office/drawing/2010/main" Requires="a14">
+      <mc:AlternateContent xmlns:mc="http://schemas.openxmlformats.org/markup-compatibility/2006" xmlns:a14="http://schemas.microsoft.com/office/drawing/2010/main">
+        <mc:Choice Requires="a14">
           <p:sp>
             <p:nvSpPr>
               <p:cNvPr id="4" name="Rectangle 3"/>
@@ -8956,7 +12852,6 @@
               </a:bodyPr>
               <a:lstStyle/>
               <a:p>
-                <a:pPr/>
                 <a14:m>
                   <m:oMath xmlns:m="http://schemas.openxmlformats.org/officeDocument/2006/math">
                     <m:sSub>
@@ -8992,7 +12887,6 @@
                 </a:r>
               </a:p>
               <a:p>
-                <a:pPr/>
                 <a14:m>
                   <m:oMath xmlns:m="http://schemas.openxmlformats.org/officeDocument/2006/math">
                     <m:sSub>
@@ -9031,7 +12925,7 @@
             </p:txBody>
           </p:sp>
         </mc:Choice>
-        <mc:Fallback>
+        <mc:Fallback xmlns="">
           <p:sp>
             <p:nvSpPr>
               <p:cNvPr id="4" name="Rectangle 3"/>
@@ -9224,8 +13118,8 @@
           </a:xfrm>
         </p:spPr>
       </p:pic>
-      <mc:AlternateContent xmlns:mc="http://schemas.openxmlformats.org/markup-compatibility/2006">
-        <mc:Choice xmlns:a14="http://schemas.microsoft.com/office/drawing/2010/main" Requires="a14">
+      <mc:AlternateContent xmlns:mc="http://schemas.openxmlformats.org/markup-compatibility/2006" xmlns:a14="http://schemas.microsoft.com/office/drawing/2010/main">
+        <mc:Choice Requires="a14">
           <p:sp>
             <p:nvSpPr>
               <p:cNvPr id="8" name="TextBox 7"/>
@@ -9248,6 +13142,7 @@
               </a:bodyPr>
               <a:lstStyle/>
               <a:p>
+                <a:pPr/>
                 <a14:m>
                   <m:oMathPara xmlns:m="http://schemas.openxmlformats.org/officeDocument/2006/math">
                     <m:oMathParaPr>
@@ -9371,7 +13266,7 @@
             </p:txBody>
           </p:sp>
         </mc:Choice>
-        <mc:Fallback>
+        <mc:Fallback xmlns="">
           <p:sp>
             <p:nvSpPr>
               <p:cNvPr id="8" name="TextBox 7"/>
@@ -9410,8 +13305,8 @@
           </p:sp>
         </mc:Fallback>
       </mc:AlternateContent>
-      <mc:AlternateContent xmlns:mc="http://schemas.openxmlformats.org/markup-compatibility/2006">
-        <mc:Choice xmlns:a14="http://schemas.microsoft.com/office/drawing/2010/main" Requires="a14">
+      <mc:AlternateContent xmlns:mc="http://schemas.openxmlformats.org/markup-compatibility/2006" xmlns:a14="http://schemas.microsoft.com/office/drawing/2010/main">
+        <mc:Choice Requires="a14">
           <p:sp>
             <p:nvSpPr>
               <p:cNvPr id="11" name="TextBox 10"/>
@@ -9434,6 +13329,7 @@
               </a:bodyPr>
               <a:lstStyle/>
               <a:p>
+                <a:pPr/>
                 <a14:m>
                   <m:oMathPara xmlns:m="http://schemas.openxmlformats.org/officeDocument/2006/math">
                     <m:oMathParaPr>
@@ -9554,7 +13450,7 @@
             </p:txBody>
           </p:sp>
         </mc:Choice>
-        <mc:Fallback>
+        <mc:Fallback xmlns="">
           <p:sp>
             <p:nvSpPr>
               <p:cNvPr id="11" name="TextBox 10"/>
@@ -9593,8 +13489,8 @@
           </p:sp>
         </mc:Fallback>
       </mc:AlternateContent>
-      <mc:AlternateContent xmlns:mc="http://schemas.openxmlformats.org/markup-compatibility/2006">
-        <mc:Choice xmlns:a14="http://schemas.microsoft.com/office/drawing/2010/main" Requires="a14">
+      <mc:AlternateContent xmlns:mc="http://schemas.openxmlformats.org/markup-compatibility/2006" xmlns:a14="http://schemas.microsoft.com/office/drawing/2010/main">
+        <mc:Choice Requires="a14">
           <p:sp>
             <p:nvSpPr>
               <p:cNvPr id="9" name="TextBox 8"/>
@@ -9617,6 +13513,7 @@
               </a:bodyPr>
               <a:lstStyle/>
               <a:p>
+                <a:pPr/>
                 <a14:m>
                   <m:oMathPara xmlns:m="http://schemas.openxmlformats.org/officeDocument/2006/math">
                     <m:oMathParaPr>
@@ -9733,7 +13630,7 @@
             </p:txBody>
           </p:sp>
         </mc:Choice>
-        <mc:Fallback>
+        <mc:Fallback xmlns="">
           <p:sp>
             <p:nvSpPr>
               <p:cNvPr id="9" name="TextBox 8"/>
@@ -9926,8 +13823,8 @@
           </a:p>
         </p:txBody>
       </p:sp>
-      <mc:AlternateContent xmlns:mc="http://schemas.openxmlformats.org/markup-compatibility/2006">
-        <mc:Choice xmlns:a14="http://schemas.microsoft.com/office/drawing/2010/main" Requires="a14">
+      <mc:AlternateContent xmlns:mc="http://schemas.openxmlformats.org/markup-compatibility/2006" xmlns:a14="http://schemas.microsoft.com/office/drawing/2010/main">
+        <mc:Choice Requires="a14">
           <p:sp>
             <p:nvSpPr>
               <p:cNvPr id="6" name="TextBox 5"/>
@@ -9950,6 +13847,7 @@
               </a:bodyPr>
               <a:lstStyle/>
               <a:p>
+                <a:pPr/>
                 <a14:m>
                   <m:oMathPara xmlns:m="http://schemas.openxmlformats.org/officeDocument/2006/math">
                     <m:oMathParaPr>
@@ -10216,7 +14114,7 @@
             </p:txBody>
           </p:sp>
         </mc:Choice>
-        <mc:Fallback>
+        <mc:Fallback xmlns="">
           <p:sp>
             <p:nvSpPr>
               <p:cNvPr id="6" name="TextBox 5"/>
@@ -11003,8 +14901,8 @@
           </a:xfrm>
         </p:spPr>
       </p:pic>
-      <mc:AlternateContent xmlns:mc="http://schemas.openxmlformats.org/markup-compatibility/2006">
-        <mc:Choice xmlns:a14="http://schemas.microsoft.com/office/drawing/2010/main" Requires="a14">
+      <mc:AlternateContent xmlns:mc="http://schemas.openxmlformats.org/markup-compatibility/2006" xmlns:a14="http://schemas.microsoft.com/office/drawing/2010/main">
+        <mc:Choice Requires="a14">
           <p:sp>
             <p:nvSpPr>
               <p:cNvPr id="8" name="TextBox 7"/>
@@ -11027,6 +14925,7 @@
               </a:bodyPr>
               <a:lstStyle/>
               <a:p>
+                <a:pPr/>
                 <a14:m>
                   <m:oMathPara xmlns:m="http://schemas.openxmlformats.org/officeDocument/2006/math">
                     <m:oMathParaPr>
@@ -11150,7 +15049,7 @@
             </p:txBody>
           </p:sp>
         </mc:Choice>
-        <mc:Fallback>
+        <mc:Fallback xmlns="">
           <p:sp>
             <p:nvSpPr>
               <p:cNvPr id="8" name="TextBox 7"/>
@@ -11189,8 +15088,8 @@
           </p:sp>
         </mc:Fallback>
       </mc:AlternateContent>
-      <mc:AlternateContent xmlns:mc="http://schemas.openxmlformats.org/markup-compatibility/2006">
-        <mc:Choice xmlns:a14="http://schemas.microsoft.com/office/drawing/2010/main" Requires="a14">
+      <mc:AlternateContent xmlns:mc="http://schemas.openxmlformats.org/markup-compatibility/2006" xmlns:a14="http://schemas.microsoft.com/office/drawing/2010/main">
+        <mc:Choice Requires="a14">
           <p:sp>
             <p:nvSpPr>
               <p:cNvPr id="11" name="TextBox 10"/>
@@ -11213,6 +15112,7 @@
               </a:bodyPr>
               <a:lstStyle/>
               <a:p>
+                <a:pPr/>
                 <a14:m>
                   <m:oMathPara xmlns:m="http://schemas.openxmlformats.org/officeDocument/2006/math">
                     <m:oMathParaPr>
@@ -11333,7 +15233,7 @@
             </p:txBody>
           </p:sp>
         </mc:Choice>
-        <mc:Fallback>
+        <mc:Fallback xmlns="">
           <p:sp>
             <p:nvSpPr>
               <p:cNvPr id="11" name="TextBox 10"/>
@@ -11372,8 +15272,8 @@
           </p:sp>
         </mc:Fallback>
       </mc:AlternateContent>
-      <mc:AlternateContent xmlns:mc="http://schemas.openxmlformats.org/markup-compatibility/2006">
-        <mc:Choice xmlns:a14="http://schemas.microsoft.com/office/drawing/2010/main" Requires="a14">
+      <mc:AlternateContent xmlns:mc="http://schemas.openxmlformats.org/markup-compatibility/2006" xmlns:a14="http://schemas.microsoft.com/office/drawing/2010/main">
+        <mc:Choice Requires="a14">
           <p:sp>
             <p:nvSpPr>
               <p:cNvPr id="9" name="TextBox 8"/>
@@ -11396,6 +15296,7 @@
               </a:bodyPr>
               <a:lstStyle/>
               <a:p>
+                <a:pPr/>
                 <a14:m>
                   <m:oMathPara xmlns:m="http://schemas.openxmlformats.org/officeDocument/2006/math">
                     <m:oMathParaPr>
@@ -11512,7 +15413,7 @@
             </p:txBody>
           </p:sp>
         </mc:Choice>
-        <mc:Fallback>
+        <mc:Fallback xmlns="">
           <p:sp>
             <p:nvSpPr>
               <p:cNvPr id="9" name="TextBox 8"/>

--- a/Thesis/Thesis Defence/Erencan_Duymaz_thesis_defence.pptx
+++ b/Thesis/Thesis Defence/Erencan_Duymaz_thesis_defence.pptx
@@ -5,10 +5,10 @@
     <p:sldMasterId id="2147483662" r:id="rId1"/>
   </p:sldMasterIdLst>
   <p:notesMasterIdLst>
-    <p:notesMasterId r:id="rId30"/>
+    <p:notesMasterId r:id="rId31"/>
   </p:notesMasterIdLst>
   <p:handoutMasterIdLst>
-    <p:handoutMasterId r:id="rId31"/>
+    <p:handoutMasterId r:id="rId32"/>
   </p:handoutMasterIdLst>
   <p:sldIdLst>
     <p:sldId id="256" r:id="rId2"/>
@@ -19,16 +19,16 @@
     <p:sldId id="275" r:id="rId7"/>
     <p:sldId id="276" r:id="rId8"/>
     <p:sldId id="260" r:id="rId9"/>
-    <p:sldId id="270" r:id="rId10"/>
-    <p:sldId id="269" r:id="rId11"/>
-    <p:sldId id="274" r:id="rId12"/>
-    <p:sldId id="265" r:id="rId13"/>
-    <p:sldId id="266" r:id="rId14"/>
-    <p:sldId id="277" r:id="rId15"/>
-    <p:sldId id="283" r:id="rId16"/>
-    <p:sldId id="267" r:id="rId17"/>
-    <p:sldId id="284" r:id="rId18"/>
-    <p:sldId id="285" r:id="rId19"/>
+    <p:sldId id="290" r:id="rId10"/>
+    <p:sldId id="266" r:id="rId11"/>
+    <p:sldId id="277" r:id="rId12"/>
+    <p:sldId id="283" r:id="rId13"/>
+    <p:sldId id="267" r:id="rId14"/>
+    <p:sldId id="284" r:id="rId15"/>
+    <p:sldId id="285" r:id="rId16"/>
+    <p:sldId id="289" r:id="rId17"/>
+    <p:sldId id="288" r:id="rId18"/>
+    <p:sldId id="287" r:id="rId19"/>
     <p:sldId id="279" r:id="rId20"/>
     <p:sldId id="280" r:id="rId21"/>
     <p:sldId id="282" r:id="rId22"/>
@@ -38,7 +38,8 @@
     <p:sldId id="268" r:id="rId26"/>
     <p:sldId id="261" r:id="rId27"/>
     <p:sldId id="262" r:id="rId28"/>
-    <p:sldId id="263" r:id="rId29"/>
+    <p:sldId id="286" r:id="rId29"/>
+    <p:sldId id="263" r:id="rId30"/>
   </p:sldIdLst>
   <p:sldSz cx="9144000" cy="6858000" type="screen4x3"/>
   <p:notesSz cx="6746875" cy="9913938"/>
@@ -636,7 +637,7 @@
           <a:bodyPr/>
           <a:lstStyle/>
           <a:p>
-            <a:endParaRPr lang="en-US" altLang="en-US" smtClean="0"/>
+            <a:endParaRPr lang="en-US" altLang="en-US" dirty="0" smtClean="0"/>
           </a:p>
         </p:txBody>
       </p:sp>
@@ -661,7 +662,7 @@
     </p:spTree>
     <p:extLst>
       <p:ext uri="{BB962C8B-B14F-4D97-AF65-F5344CB8AC3E}">
-        <p14:creationId xmlns:p14="http://schemas.microsoft.com/office/powerpoint/2010/main" val="3824487575"/>
+        <p14:creationId xmlns:p14="http://schemas.microsoft.com/office/powerpoint/2010/main" val="1784535780"/>
       </p:ext>
     </p:extLst>
   </p:cSld>
@@ -725,7 +726,15 @@
           <a:bodyPr/>
           <a:lstStyle/>
           <a:p>
-            <a:endParaRPr lang="en-US" altLang="en-US" smtClean="0"/>
+            <a:r>
+              <a:rPr lang="tr-TR" altLang="en-US" dirty="0" smtClean="0"/>
+              <a:t>In order to provide a inertial support, the wind</a:t>
+            </a:r>
+            <a:r>
+              <a:rPr lang="tr-TR" altLang="en-US" baseline="0" dirty="0" smtClean="0"/>
+              <a:t> turbine active power should be controlled. Therefore, the MPPT speed operation is leaved. The turbine torque is adjusted by controlling the q-axis current. The active power increase is either a defined percentage as in the case of fast inertial support or the active power increase according to Swing Equation.</a:t>
+            </a:r>
+            <a:endParaRPr lang="en-US" altLang="en-US" dirty="0" smtClean="0"/>
           </a:p>
         </p:txBody>
       </p:sp>
@@ -750,7 +759,7 @@
     </p:spTree>
     <p:extLst>
       <p:ext uri="{BB962C8B-B14F-4D97-AF65-F5344CB8AC3E}">
-        <p14:creationId xmlns:p14="http://schemas.microsoft.com/office/powerpoint/2010/main" val="1093710251"/>
+        <p14:creationId xmlns:p14="http://schemas.microsoft.com/office/powerpoint/2010/main" val="2034214963"/>
       </p:ext>
     </p:extLst>
   </p:cSld>
@@ -814,15 +823,7 @@
           <a:bodyPr/>
           <a:lstStyle/>
           <a:p>
-            <a:r>
-              <a:rPr lang="tr-TR" altLang="en-US" dirty="0" smtClean="0"/>
-              <a:t>Figure</a:t>
-            </a:r>
-            <a:r>
-              <a:rPr lang="tr-TR" altLang="en-US" baseline="0" dirty="0" smtClean="0"/>
-              <a:t> shows the modelling for the PMSG wind turbine that is connected to grid with FSPC. There are two converters in this type of the converter with different responsibilities. The one connected between DC-bus and grid is called Grid Side Converter and it is responsible for maintaining a constant DC-bus voltage and adjusting the reactive power that is injected to grid. The converter in between DC bus and PMSG is called Machine Side Controller. It is adjusts the generator and turbine speed to MPPT speed by controlling its output torque. When the output torque hits the limit, the speed cannot be regulated and exceeds the maximum allowable speeds. This is why Pitch angle controller is utilized. By increasing the pitch angle of the turbine, the aerodynamic power and aerodynamic torque is decreased. In this way, turbine speed is kept in the maximum in high speeds. </a:t>
-            </a:r>
-            <a:endParaRPr lang="en-US" altLang="en-US" dirty="0" smtClean="0"/>
+            <a:endParaRPr lang="en-US" altLang="en-US" smtClean="0"/>
           </a:p>
         </p:txBody>
       </p:sp>
@@ -847,7 +848,7 @@
     </p:spTree>
     <p:extLst>
       <p:ext uri="{BB962C8B-B14F-4D97-AF65-F5344CB8AC3E}">
-        <p14:creationId xmlns:p14="http://schemas.microsoft.com/office/powerpoint/2010/main" val="4238726091"/>
+        <p14:creationId xmlns:p14="http://schemas.microsoft.com/office/powerpoint/2010/main" val="468962759"/>
       </p:ext>
     </p:extLst>
   </p:cSld>
@@ -911,6 +912,14 @@
           <a:bodyPr/>
           <a:lstStyle/>
           <a:p>
+            <a:r>
+              <a:rPr lang="tr-TR" altLang="en-US" dirty="0" smtClean="0"/>
+              <a:t>Converter</a:t>
+            </a:r>
+            <a:r>
+              <a:rPr lang="tr-TR" altLang="en-US" baseline="0" dirty="0" smtClean="0"/>
+              <a:t> Limit</a:t>
+            </a:r>
             <a:endParaRPr lang="en-US" altLang="en-US" dirty="0" smtClean="0"/>
           </a:p>
         </p:txBody>
@@ -936,7 +945,7 @@
     </p:spTree>
     <p:extLst>
       <p:ext uri="{BB962C8B-B14F-4D97-AF65-F5344CB8AC3E}">
-        <p14:creationId xmlns:p14="http://schemas.microsoft.com/office/powerpoint/2010/main" val="1784535780"/>
+        <p14:creationId xmlns:p14="http://schemas.microsoft.com/office/powerpoint/2010/main" val="2769588"/>
       </p:ext>
     </p:extLst>
   </p:cSld>
@@ -1002,11 +1011,7 @@
           <a:p>
             <a:r>
               <a:rPr lang="tr-TR" altLang="en-US" dirty="0" smtClean="0"/>
-              <a:t>In order to provide a inertial support, the wind</a:t>
-            </a:r>
-            <a:r>
-              <a:rPr lang="tr-TR" altLang="en-US" baseline="0" dirty="0" smtClean="0"/>
-              <a:t> turbine active power should be controlled. Therefore, the MPPT speed operation is leaved. The turbine torque is adjusted by controlling the q-axis current. The active power increase is either a defined percentage as in the case of fast inertial support or the active power increase according to Swing Equation.</a:t>
+              <a:t>Main contribution of the wind turbine is in between the wind speed range of 3-10m/s.</a:t>
             </a:r>
             <a:endParaRPr lang="en-US" altLang="en-US" dirty="0" smtClean="0"/>
           </a:p>
@@ -1033,7 +1038,7 @@
     </p:spTree>
     <p:extLst>
       <p:ext uri="{BB962C8B-B14F-4D97-AF65-F5344CB8AC3E}">
-        <p14:creationId xmlns:p14="http://schemas.microsoft.com/office/powerpoint/2010/main" val="2034214963"/>
+        <p14:creationId xmlns:p14="http://schemas.microsoft.com/office/powerpoint/2010/main" val="3372365603"/>
       </p:ext>
     </p:extLst>
   </p:cSld>
@@ -1097,7 +1102,11 @@
           <a:bodyPr/>
           <a:lstStyle/>
           <a:p>
-            <a:endParaRPr lang="en-US" altLang="en-US" smtClean="0"/>
+            <a:r>
+              <a:rPr lang="tr-TR" altLang="en-US" dirty="0" smtClean="0"/>
+              <a:t>Main contribution of the wind turbine is in between the wind speed range of 3-10m/s.</a:t>
+            </a:r>
+            <a:endParaRPr lang="en-US" altLang="en-US" dirty="0" smtClean="0"/>
           </a:p>
         </p:txBody>
       </p:sp>
@@ -1122,7 +1131,7 @@
     </p:spTree>
     <p:extLst>
       <p:ext uri="{BB962C8B-B14F-4D97-AF65-F5344CB8AC3E}">
-        <p14:creationId xmlns:p14="http://schemas.microsoft.com/office/powerpoint/2010/main" val="468962759"/>
+        <p14:creationId xmlns:p14="http://schemas.microsoft.com/office/powerpoint/2010/main" val="26789055"/>
       </p:ext>
     </p:extLst>
   </p:cSld>
@@ -1186,7 +1195,11 @@
           <a:bodyPr/>
           <a:lstStyle/>
           <a:p>
-            <a:endParaRPr lang="en-US" altLang="en-US" smtClean="0"/>
+            <a:r>
+              <a:rPr lang="tr-TR" altLang="en-US" dirty="0" smtClean="0"/>
+              <a:t>Low wind scenario.</a:t>
+            </a:r>
+            <a:endParaRPr lang="en-US" altLang="en-US" dirty="0" smtClean="0"/>
           </a:p>
         </p:txBody>
       </p:sp>
@@ -1211,7 +1224,7 @@
     </p:spTree>
     <p:extLst>
       <p:ext uri="{BB962C8B-B14F-4D97-AF65-F5344CB8AC3E}">
-        <p14:creationId xmlns:p14="http://schemas.microsoft.com/office/powerpoint/2010/main" val="2769588"/>
+        <p14:creationId xmlns:p14="http://schemas.microsoft.com/office/powerpoint/2010/main" val="2507398154"/>
       </p:ext>
     </p:extLst>
   </p:cSld>
@@ -1275,7 +1288,11 @@
           <a:bodyPr/>
           <a:lstStyle/>
           <a:p>
-            <a:endParaRPr lang="en-US" altLang="en-US" smtClean="0"/>
+            <a:r>
+              <a:rPr lang="tr-TR" altLang="en-US" dirty="0" smtClean="0"/>
+              <a:t>High Wind Scenario.</a:t>
+            </a:r>
+            <a:endParaRPr lang="en-US" altLang="en-US" dirty="0" smtClean="0"/>
           </a:p>
         </p:txBody>
       </p:sp>
@@ -1300,7 +1317,7 @@
     </p:spTree>
     <p:extLst>
       <p:ext uri="{BB962C8B-B14F-4D97-AF65-F5344CB8AC3E}">
-        <p14:creationId xmlns:p14="http://schemas.microsoft.com/office/powerpoint/2010/main" val="3372365603"/>
+        <p14:creationId xmlns:p14="http://schemas.microsoft.com/office/powerpoint/2010/main" val="882592538"/>
       </p:ext>
     </p:extLst>
   </p:cSld>
@@ -2333,6 +2350,95 @@
     </p:spTree>
     <p:extLst>
       <p:ext uri="{BB962C8B-B14F-4D97-AF65-F5344CB8AC3E}">
+        <p14:creationId xmlns:p14="http://schemas.microsoft.com/office/powerpoint/2010/main" val="3043029249"/>
+      </p:ext>
+    </p:extLst>
+  </p:cSld>
+  <p:clrMapOvr>
+    <a:masterClrMapping/>
+  </p:clrMapOvr>
+</p:notes>
+</file>
+
+<file path=ppt/notesSlides/notesSlide28.xml><?xml version="1.0" encoding="utf-8"?>
+<p:notes xmlns:a="http://schemas.openxmlformats.org/drawingml/2006/main" xmlns:r="http://schemas.openxmlformats.org/officeDocument/2006/relationships" xmlns:p="http://schemas.openxmlformats.org/presentationml/2006/main">
+  <p:cSld>
+    <p:spTree>
+      <p:nvGrpSpPr>
+        <p:cNvPr id="1" name=""/>
+        <p:cNvGrpSpPr/>
+        <p:nvPr/>
+      </p:nvGrpSpPr>
+      <p:grpSpPr>
+        <a:xfrm>
+          <a:off x="0" y="0"/>
+          <a:ext cx="0" cy="0"/>
+          <a:chOff x="0" y="0"/>
+          <a:chExt cx="0" cy="0"/>
+        </a:xfrm>
+      </p:grpSpPr>
+      <p:sp>
+        <p:nvSpPr>
+          <p:cNvPr id="35842" name="Rectangle 2"/>
+          <p:cNvSpPr>
+            <a:spLocks noGrp="1" noChangeArrowheads="1"/>
+          </p:cNvSpPr>
+          <p:nvPr>
+            <p:ph type="body" idx="1"/>
+          </p:nvPr>
+        </p:nvSpPr>
+        <p:spPr>
+          <a:noFill/>
+          <a:ln w="9525"/>
+          <a:extLst>
+            <a:ext uri="{909E8E84-426E-40DD-AFC4-6F175D3DCCD1}">
+              <a14:hiddenFill xmlns:a14="http://schemas.microsoft.com/office/drawing/2010/main">
+                <a:solidFill>
+                  <a:srgbClr val="FFFFFF"/>
+                </a:solidFill>
+              </a14:hiddenFill>
+            </a:ext>
+            <a:ext uri="{91240B29-F687-4F45-9708-019B960494DF}">
+              <a14:hiddenLine xmlns:a14="http://schemas.microsoft.com/office/drawing/2010/main" w="9525">
+                <a:solidFill>
+                  <a:srgbClr val="000000"/>
+                </a:solidFill>
+                <a:miter lim="800000"/>
+                <a:headEnd/>
+                <a:tailEnd/>
+              </a14:hiddenLine>
+            </a:ext>
+          </a:extLst>
+        </p:spPr>
+        <p:txBody>
+          <a:bodyPr/>
+          <a:lstStyle/>
+          <a:p>
+            <a:endParaRPr lang="en-US" altLang="en-US" smtClean="0"/>
+          </a:p>
+        </p:txBody>
+      </p:sp>
+      <p:sp>
+        <p:nvSpPr>
+          <p:cNvPr id="35843" name="Rectangle 3"/>
+          <p:cNvSpPr>
+            <a:spLocks noGrp="1" noRot="1" noChangeAspect="1" noChangeArrowheads="1" noTextEdit="1"/>
+          </p:cNvSpPr>
+          <p:nvPr>
+            <p:ph type="sldImg"/>
+          </p:nvPr>
+        </p:nvSpPr>
+        <p:spPr>
+          <a:xfrm>
+            <a:off x="1057275" y="865188"/>
+            <a:ext cx="4632325" cy="3475037"/>
+          </a:xfrm>
+          <a:ln cap="flat"/>
+        </p:spPr>
+      </p:sp>
+    </p:spTree>
+    <p:extLst>
+      <p:ext uri="{BB962C8B-B14F-4D97-AF65-F5344CB8AC3E}">
         <p14:creationId xmlns:p14="http://schemas.microsoft.com/office/powerpoint/2010/main" val="2888767487"/>
       </p:ext>
     </p:extLst>
@@ -2505,7 +2611,19 @@
             </a:r>
             <a:r>
               <a:rPr lang="tr-TR" altLang="en-US" baseline="0" dirty="0" smtClean="0"/>
-              <a:t> is important for power system frequency stability and investigated the relation between speed and the power.</a:t>
+              <a:t> is important for power system frequency stability and </a:t>
+            </a:r>
+            <a:r>
+              <a:rPr lang="tr-TR" altLang="en-US" baseline="0" dirty="0" smtClean="0"/>
+              <a:t>investigates </a:t>
+            </a:r>
+            <a:r>
+              <a:rPr lang="tr-TR" altLang="en-US" baseline="0" dirty="0" smtClean="0"/>
+              <a:t>the relation between speed and the power</a:t>
+            </a:r>
+            <a:r>
+              <a:rPr lang="tr-TR" altLang="en-US" baseline="0" dirty="0" smtClean="0"/>
+              <a:t>. As the frequency decreases, generator slows down and this creates an increase in the active power output.</a:t>
             </a:r>
             <a:endParaRPr lang="en-US" altLang="en-US" dirty="0" smtClean="0"/>
           </a:p>
@@ -2871,15 +2989,7 @@
           <a:bodyPr/>
           <a:lstStyle/>
           <a:p>
-            <a:r>
-              <a:rPr lang="tr-TR" altLang="en-US" dirty="0" smtClean="0"/>
-              <a:t>Synchronous</a:t>
-            </a:r>
-            <a:r>
-              <a:rPr lang="tr-TR" altLang="en-US" baseline="0" dirty="0" smtClean="0"/>
-              <a:t> generators produces torque only in synchronous speed. Sychnous</a:t>
-            </a:r>
-            <a:endParaRPr lang="en-US" altLang="en-US" dirty="0" smtClean="0"/>
+            <a:endParaRPr lang="en-US" altLang="en-US" smtClean="0"/>
           </a:p>
         </p:txBody>
       </p:sp>
@@ -2904,7 +3014,7 @@
     </p:spTree>
     <p:extLst>
       <p:ext uri="{BB962C8B-B14F-4D97-AF65-F5344CB8AC3E}">
-        <p14:creationId xmlns:p14="http://schemas.microsoft.com/office/powerpoint/2010/main" val="1844282199"/>
+        <p14:creationId xmlns:p14="http://schemas.microsoft.com/office/powerpoint/2010/main" val="1503054287"/>
       </p:ext>
     </p:extLst>
   </p:cSld>
@@ -2968,7 +3078,15 @@
           <a:bodyPr/>
           <a:lstStyle/>
           <a:p>
-            <a:endParaRPr lang="en-US" altLang="en-US" smtClean="0"/>
+            <a:r>
+              <a:rPr lang="tr-TR" altLang="en-US" dirty="0" smtClean="0"/>
+              <a:t>Figure</a:t>
+            </a:r>
+            <a:r>
+              <a:rPr lang="tr-TR" altLang="en-US" baseline="0" dirty="0" smtClean="0"/>
+              <a:t> shows the modelling for the PMSG wind turbine that is connected to grid with FSPC. There are two converters in this type of the converter with different responsibilities. The one connected between DC-bus and grid is called Grid Side Converter and it is responsible for maintaining a constant DC-bus voltage and adjusting the reactive power that is injected to grid. The converter in between DC bus and PMSG is called Machine Side Controller. It is adjusts the generator and turbine speed to MPPT speed by controlling its output torque. When the output torque hits the limit, the speed cannot be regulated and exceeds the maximum allowable speeds. This is why Pitch angle controller is utilized. By increasing the pitch angle of the turbine, the aerodynamic power and aerodynamic torque is decreased. In this way, turbine speed is kept in the maximum in high speeds. </a:t>
+            </a:r>
+            <a:endParaRPr lang="en-US" altLang="en-US" dirty="0" smtClean="0"/>
           </a:p>
         </p:txBody>
       </p:sp>
@@ -2993,7 +3111,7 @@
     </p:spTree>
     <p:extLst>
       <p:ext uri="{BB962C8B-B14F-4D97-AF65-F5344CB8AC3E}">
-        <p14:creationId xmlns:p14="http://schemas.microsoft.com/office/powerpoint/2010/main" val="1129159235"/>
+        <p14:creationId xmlns:p14="http://schemas.microsoft.com/office/powerpoint/2010/main" val="4238726091"/>
       </p:ext>
     </p:extLst>
   </p:cSld>
@@ -6083,7 +6201,7 @@
                 <a:latin typeface="Arial" panose="020B0604020202020204" pitchFamily="34" charset="0"/>
                 <a:cs typeface="Arial" panose="020B0604020202020204" pitchFamily="34" charset="0"/>
               </a:rPr>
-              <a:t>Frequency</a:t>
+              <a:t>Wind Turbine Modelling</a:t>
             </a:r>
             <a:endParaRPr lang="en-US" dirty="0" smtClean="0">
               <a:latin typeface="Arial" panose="020B0604020202020204" pitchFamily="34" charset="0"/>
@@ -6092,35 +6210,6 @@
           </a:p>
         </p:txBody>
       </p:sp>
-      <p:pic>
-        <p:nvPicPr>
-          <p:cNvPr id="5" name="Content Placeholder 4"/>
-          <p:cNvPicPr>
-            <a:picLocks noGrp="1" noChangeAspect="1"/>
-          </p:cNvPicPr>
-          <p:nvPr>
-            <p:ph idx="1"/>
-          </p:nvPr>
-        </p:nvPicPr>
-        <p:blipFill>
-          <a:blip r:embed="rId3">
-            <a:extLst>
-              <a:ext uri="{28A0092B-C50C-407E-A947-70E740481C1C}">
-                <a14:useLocalDpi xmlns:a14="http://schemas.microsoft.com/office/drawing/2010/main" val="0"/>
-              </a:ext>
-            </a:extLst>
-          </a:blip>
-          <a:stretch>
-            <a:fillRect/>
-          </a:stretch>
-        </p:blipFill>
-        <p:spPr>
-          <a:xfrm>
-            <a:off x="1547664" y="2456987"/>
-            <a:ext cx="6048672" cy="2972727"/>
-          </a:xfrm>
-        </p:spPr>
-      </p:pic>
       <p:sp>
         <p:nvSpPr>
           <p:cNvPr id="2" name="Date Placeholder 1"/>
@@ -6171,514 +6260,6 @@
                 <a:defRPr/>
               </a:pPr>
               <a:t>10</a:t>
-            </a:fld>
-            <a:endParaRPr lang="en-US" dirty="0"/>
-          </a:p>
-        </p:txBody>
-      </p:sp>
-    </p:spTree>
-    <p:extLst>
-      <p:ext uri="{BB962C8B-B14F-4D97-AF65-F5344CB8AC3E}">
-        <p14:creationId xmlns:p14="http://schemas.microsoft.com/office/powerpoint/2010/main" val="4120567531"/>
-      </p:ext>
-    </p:extLst>
-  </p:cSld>
-  <p:clrMapOvr>
-    <a:masterClrMapping/>
-  </p:clrMapOvr>
-  <p:transition/>
-  <p:timing>
-    <p:tnLst>
-      <p:par>
-        <p:cTn id="1" dur="indefinite" restart="never" nodeType="tmRoot"/>
-      </p:par>
-    </p:tnLst>
-  </p:timing>
-</p:sld>
-</file>
-
-<file path=ppt/slides/slide11.xml><?xml version="1.0" encoding="utf-8"?>
-<p:sld xmlns:a="http://schemas.openxmlformats.org/drawingml/2006/main" xmlns:r="http://schemas.openxmlformats.org/officeDocument/2006/relationships" xmlns:p="http://schemas.openxmlformats.org/presentationml/2006/main">
-  <p:cSld>
-    <p:spTree>
-      <p:nvGrpSpPr>
-        <p:cNvPr id="1" name=""/>
-        <p:cNvGrpSpPr/>
-        <p:nvPr/>
-      </p:nvGrpSpPr>
-      <p:grpSpPr>
-        <a:xfrm>
-          <a:off x="0" y="0"/>
-          <a:ext cx="0" cy="0"/>
-          <a:chOff x="0" y="0"/>
-          <a:chExt cx="0" cy="0"/>
-        </a:xfrm>
-      </p:grpSpPr>
-      <p:sp>
-        <p:nvSpPr>
-          <p:cNvPr id="5122" name="Rectangle 2"/>
-          <p:cNvSpPr>
-            <a:spLocks noGrp="1" noChangeArrowheads="1"/>
-          </p:cNvSpPr>
-          <p:nvPr>
-            <p:ph type="title"/>
-          </p:nvPr>
-        </p:nvSpPr>
-        <p:spPr/>
-        <p:txBody>
-          <a:bodyPr/>
-          <a:lstStyle/>
-          <a:p>
-            <a:pPr>
-              <a:defRPr/>
-            </a:pPr>
-            <a:r>
-              <a:rPr lang="tr-TR" dirty="0" smtClean="0">
-                <a:latin typeface="Arial" panose="020B0604020202020204" pitchFamily="34" charset="0"/>
-                <a:cs typeface="Arial" panose="020B0604020202020204" pitchFamily="34" charset="0"/>
-              </a:rPr>
-              <a:t>Frequency</a:t>
-            </a:r>
-            <a:endParaRPr lang="en-US" dirty="0" smtClean="0">
-              <a:latin typeface="Arial" panose="020B0604020202020204" pitchFamily="34" charset="0"/>
-              <a:cs typeface="Arial" panose="020B0604020202020204" pitchFamily="34" charset="0"/>
-            </a:endParaRPr>
-          </a:p>
-        </p:txBody>
-      </p:sp>
-      <p:pic>
-        <p:nvPicPr>
-          <p:cNvPr id="5" name="Content Placeholder 4"/>
-          <p:cNvPicPr>
-            <a:picLocks noGrp="1" noChangeAspect="1"/>
-          </p:cNvPicPr>
-          <p:nvPr>
-            <p:ph idx="1"/>
-          </p:nvPr>
-        </p:nvPicPr>
-        <p:blipFill>
-          <a:blip r:embed="rId3">
-            <a:extLst>
-              <a:ext uri="{28A0092B-C50C-407E-A947-70E740481C1C}">
-                <a14:useLocalDpi xmlns:a14="http://schemas.microsoft.com/office/drawing/2010/main" val="0"/>
-              </a:ext>
-            </a:extLst>
-          </a:blip>
-          <a:stretch>
-            <a:fillRect/>
-          </a:stretch>
-        </p:blipFill>
-        <p:spPr>
-          <a:xfrm>
-            <a:off x="1547664" y="2456987"/>
-            <a:ext cx="6048672" cy="2972727"/>
-          </a:xfrm>
-        </p:spPr>
-      </p:pic>
-      <p:sp>
-        <p:nvSpPr>
-          <p:cNvPr id="2" name="Date Placeholder 1"/>
-          <p:cNvSpPr>
-            <a:spLocks noGrp="1"/>
-          </p:cNvSpPr>
-          <p:nvPr>
-            <p:ph type="dt" sz="half" idx="2"/>
-          </p:nvPr>
-        </p:nvSpPr>
-        <p:spPr/>
-        <p:txBody>
-          <a:bodyPr/>
-          <a:lstStyle/>
-          <a:p>
-            <a:pPr>
-              <a:defRPr/>
-            </a:pPr>
-            <a:r>
-              <a:rPr lang="tr-TR" smtClean="0"/>
-              <a:t>18.01.2019</a:t>
-            </a:r>
-            <a:endParaRPr lang="en-US" dirty="0"/>
-          </a:p>
-        </p:txBody>
-      </p:sp>
-      <p:sp>
-        <p:nvSpPr>
-          <p:cNvPr id="3" name="Slide Number Placeholder 2"/>
-          <p:cNvSpPr>
-            <a:spLocks noGrp="1"/>
-          </p:cNvSpPr>
-          <p:nvPr>
-            <p:ph type="sldNum" sz="quarter" idx="12"/>
-          </p:nvPr>
-        </p:nvSpPr>
-        <p:spPr/>
-        <p:txBody>
-          <a:bodyPr/>
-          <a:lstStyle/>
-          <a:p>
-            <a:pPr>
-              <a:defRPr/>
-            </a:pPr>
-            <a:fld id="{C878F797-6006-4DDA-AFE9-456F280FE6C5}" type="slidenum">
-              <a:rPr lang="en-US" smtClean="0"/>
-              <a:pPr>
-                <a:defRPr/>
-              </a:pPr>
-              <a:t>11</a:t>
-            </a:fld>
-            <a:endParaRPr lang="en-US" dirty="0"/>
-          </a:p>
-        </p:txBody>
-      </p:sp>
-    </p:spTree>
-    <p:extLst>
-      <p:ext uri="{BB962C8B-B14F-4D97-AF65-F5344CB8AC3E}">
-        <p14:creationId xmlns:p14="http://schemas.microsoft.com/office/powerpoint/2010/main" val="2711552748"/>
-      </p:ext>
-    </p:extLst>
-  </p:cSld>
-  <p:clrMapOvr>
-    <a:masterClrMapping/>
-  </p:clrMapOvr>
-  <p:transition/>
-  <p:timing>
-    <p:tnLst>
-      <p:par>
-        <p:cTn id="1" dur="indefinite" restart="never" nodeType="tmRoot"/>
-      </p:par>
-    </p:tnLst>
-  </p:timing>
-</p:sld>
-</file>
-
-<file path=ppt/slides/slide12.xml><?xml version="1.0" encoding="utf-8"?>
-<p:sld xmlns:a="http://schemas.openxmlformats.org/drawingml/2006/main" xmlns:r="http://schemas.openxmlformats.org/officeDocument/2006/relationships" xmlns:p="http://schemas.openxmlformats.org/presentationml/2006/main">
-  <p:cSld>
-    <p:spTree>
-      <p:nvGrpSpPr>
-        <p:cNvPr id="1" name=""/>
-        <p:cNvGrpSpPr/>
-        <p:nvPr/>
-      </p:nvGrpSpPr>
-      <p:grpSpPr>
-        <a:xfrm>
-          <a:off x="0" y="0"/>
-          <a:ext cx="0" cy="0"/>
-          <a:chOff x="0" y="0"/>
-          <a:chExt cx="0" cy="0"/>
-        </a:xfrm>
-      </p:grpSpPr>
-      <p:sp>
-        <p:nvSpPr>
-          <p:cNvPr id="5122" name="Rectangle 2"/>
-          <p:cNvSpPr>
-            <a:spLocks noGrp="1" noChangeArrowheads="1"/>
-          </p:cNvSpPr>
-          <p:nvPr>
-            <p:ph type="title"/>
-          </p:nvPr>
-        </p:nvSpPr>
-        <p:spPr/>
-        <p:txBody>
-          <a:bodyPr/>
-          <a:lstStyle/>
-          <a:p>
-            <a:pPr>
-              <a:defRPr/>
-            </a:pPr>
-            <a:r>
-              <a:rPr lang="tr-TR" dirty="0" smtClean="0">
-                <a:latin typeface="Arial" panose="020B0604020202020204" pitchFamily="34" charset="0"/>
-                <a:cs typeface="Arial" panose="020B0604020202020204" pitchFamily="34" charset="0"/>
-              </a:rPr>
-              <a:t>Frequeny Disturbance</a:t>
-            </a:r>
-            <a:endParaRPr lang="en-US" dirty="0" smtClean="0">
-              <a:latin typeface="Arial" panose="020B0604020202020204" pitchFamily="34" charset="0"/>
-              <a:cs typeface="Arial" panose="020B0604020202020204" pitchFamily="34" charset="0"/>
-            </a:endParaRPr>
-          </a:p>
-        </p:txBody>
-      </p:sp>
-      <p:sp>
-        <p:nvSpPr>
-          <p:cNvPr id="2" name="Date Placeholder 1"/>
-          <p:cNvSpPr>
-            <a:spLocks noGrp="1"/>
-          </p:cNvSpPr>
-          <p:nvPr>
-            <p:ph type="dt" sz="half" idx="2"/>
-          </p:nvPr>
-        </p:nvSpPr>
-        <p:spPr/>
-        <p:txBody>
-          <a:bodyPr/>
-          <a:lstStyle/>
-          <a:p>
-            <a:pPr>
-              <a:defRPr/>
-            </a:pPr>
-            <a:r>
-              <a:rPr lang="tr-TR" smtClean="0"/>
-              <a:t>18.01.2019</a:t>
-            </a:r>
-            <a:endParaRPr lang="en-US" dirty="0"/>
-          </a:p>
-        </p:txBody>
-      </p:sp>
-      <p:sp>
-        <p:nvSpPr>
-          <p:cNvPr id="3" name="Slide Number Placeholder 2"/>
-          <p:cNvSpPr>
-            <a:spLocks noGrp="1"/>
-          </p:cNvSpPr>
-          <p:nvPr>
-            <p:ph type="sldNum" sz="quarter" idx="12"/>
-          </p:nvPr>
-        </p:nvSpPr>
-        <p:spPr/>
-        <p:txBody>
-          <a:bodyPr/>
-          <a:lstStyle/>
-          <a:p>
-            <a:pPr>
-              <a:defRPr/>
-            </a:pPr>
-            <a:fld id="{C878F797-6006-4DDA-AFE9-456F280FE6C5}" type="slidenum">
-              <a:rPr lang="en-US" smtClean="0"/>
-              <a:pPr>
-                <a:defRPr/>
-              </a:pPr>
-              <a:t>12</a:t>
-            </a:fld>
-            <a:endParaRPr lang="en-US" dirty="0"/>
-          </a:p>
-        </p:txBody>
-      </p:sp>
-      <p:pic>
-        <p:nvPicPr>
-          <p:cNvPr id="5" name="Content Placeholder 4"/>
-          <p:cNvPicPr>
-            <a:picLocks noGrp="1" noChangeAspect="1"/>
-          </p:cNvPicPr>
-          <p:nvPr>
-            <p:ph idx="1"/>
-          </p:nvPr>
-        </p:nvPicPr>
-        <p:blipFill>
-          <a:blip r:embed="rId3">
-            <a:extLst>
-              <a:ext uri="{28A0092B-C50C-407E-A947-70E740481C1C}">
-                <a14:useLocalDpi xmlns:a14="http://schemas.microsoft.com/office/drawing/2010/main" val="0"/>
-              </a:ext>
-            </a:extLst>
-          </a:blip>
-          <a:stretch>
-            <a:fillRect/>
-          </a:stretch>
-        </p:blipFill>
-        <p:spPr>
-          <a:xfrm>
-            <a:off x="1647170" y="1484784"/>
-            <a:ext cx="5849659" cy="4032948"/>
-          </a:xfrm>
-        </p:spPr>
-      </p:pic>
-      <p:sp>
-        <p:nvSpPr>
-          <p:cNvPr id="9" name="Left Arrow 8"/>
-          <p:cNvSpPr/>
-          <p:nvPr/>
-        </p:nvSpPr>
-        <p:spPr>
-          <a:xfrm>
-            <a:off x="1656040" y="3164210"/>
-            <a:ext cx="1259776" cy="360290"/>
-          </a:xfrm>
-          <a:prstGeom prst="leftArrow">
-            <a:avLst/>
-          </a:prstGeom>
-          <a:noFill/>
-          <a:ln w="19050">
-            <a:solidFill>
-              <a:schemeClr val="tx1"/>
-            </a:solidFill>
-          </a:ln>
-          <a:effectLst/>
-        </p:spPr>
-        <p:style>
-          <a:lnRef idx="1">
-            <a:schemeClr val="accent1"/>
-          </a:lnRef>
-          <a:fillRef idx="3">
-            <a:schemeClr val="accent1"/>
-          </a:fillRef>
-          <a:effectRef idx="2">
-            <a:schemeClr val="accent1"/>
-          </a:effectRef>
-          <a:fontRef idx="minor">
-            <a:schemeClr val="lt1"/>
-          </a:fontRef>
-        </p:style>
-        <p:txBody>
-          <a:bodyPr rtlCol="0" anchor="ctr"/>
-          <a:lstStyle/>
-          <a:p>
-            <a:pPr algn="ctr"/>
-            <a:endParaRPr lang="tr-TR"/>
-          </a:p>
-        </p:txBody>
-      </p:sp>
-      <p:sp>
-        <p:nvSpPr>
-          <p:cNvPr id="10" name="TextBox 9"/>
-          <p:cNvSpPr txBox="1"/>
-          <p:nvPr/>
-        </p:nvSpPr>
-        <p:spPr>
-          <a:xfrm>
-            <a:off x="251520" y="2928856"/>
-            <a:ext cx="1512168" cy="830997"/>
-          </a:xfrm>
-          <a:prstGeom prst="rect">
-            <a:avLst/>
-          </a:prstGeom>
-          <a:noFill/>
-        </p:spPr>
-        <p:txBody>
-          <a:bodyPr wrap="square" rtlCol="0">
-            <a:spAutoFit/>
-          </a:bodyPr>
-          <a:lstStyle/>
-          <a:p>
-            <a:r>
-              <a:rPr lang="tr-TR" dirty="0" smtClean="0"/>
-              <a:t>Inertial Support</a:t>
-            </a:r>
-            <a:endParaRPr lang="tr-TR" dirty="0"/>
-          </a:p>
-        </p:txBody>
-      </p:sp>
-    </p:spTree>
-    <p:extLst>
-      <p:ext uri="{BB962C8B-B14F-4D97-AF65-F5344CB8AC3E}">
-        <p14:creationId xmlns:p14="http://schemas.microsoft.com/office/powerpoint/2010/main" val="1625507055"/>
-      </p:ext>
-    </p:extLst>
-  </p:cSld>
-  <p:clrMapOvr>
-    <a:masterClrMapping/>
-  </p:clrMapOvr>
-  <p:transition/>
-  <p:timing>
-    <p:tnLst>
-      <p:par>
-        <p:cTn id="1" dur="indefinite" restart="never" nodeType="tmRoot"/>
-      </p:par>
-    </p:tnLst>
-  </p:timing>
-</p:sld>
-</file>
-
-<file path=ppt/slides/slide13.xml><?xml version="1.0" encoding="utf-8"?>
-<p:sld xmlns:a="http://schemas.openxmlformats.org/drawingml/2006/main" xmlns:r="http://schemas.openxmlformats.org/officeDocument/2006/relationships" xmlns:p="http://schemas.openxmlformats.org/presentationml/2006/main">
-  <p:cSld>
-    <p:spTree>
-      <p:nvGrpSpPr>
-        <p:cNvPr id="1" name=""/>
-        <p:cNvGrpSpPr/>
-        <p:nvPr/>
-      </p:nvGrpSpPr>
-      <p:grpSpPr>
-        <a:xfrm>
-          <a:off x="0" y="0"/>
-          <a:ext cx="0" cy="0"/>
-          <a:chOff x="0" y="0"/>
-          <a:chExt cx="0" cy="0"/>
-        </a:xfrm>
-      </p:grpSpPr>
-      <p:sp>
-        <p:nvSpPr>
-          <p:cNvPr id="5122" name="Rectangle 2"/>
-          <p:cNvSpPr>
-            <a:spLocks noGrp="1" noChangeArrowheads="1"/>
-          </p:cNvSpPr>
-          <p:nvPr>
-            <p:ph type="title"/>
-          </p:nvPr>
-        </p:nvSpPr>
-        <p:spPr/>
-        <p:txBody>
-          <a:bodyPr/>
-          <a:lstStyle/>
-          <a:p>
-            <a:pPr>
-              <a:defRPr/>
-            </a:pPr>
-            <a:r>
-              <a:rPr lang="tr-TR" dirty="0" smtClean="0">
-                <a:latin typeface="Arial" panose="020B0604020202020204" pitchFamily="34" charset="0"/>
-                <a:cs typeface="Arial" panose="020B0604020202020204" pitchFamily="34" charset="0"/>
-              </a:rPr>
-              <a:t>Wind Turbine Modelling</a:t>
-            </a:r>
-            <a:endParaRPr lang="en-US" dirty="0" smtClean="0">
-              <a:latin typeface="Arial" panose="020B0604020202020204" pitchFamily="34" charset="0"/>
-              <a:cs typeface="Arial" panose="020B0604020202020204" pitchFamily="34" charset="0"/>
-            </a:endParaRPr>
-          </a:p>
-        </p:txBody>
-      </p:sp>
-      <p:sp>
-        <p:nvSpPr>
-          <p:cNvPr id="2" name="Date Placeholder 1"/>
-          <p:cNvSpPr>
-            <a:spLocks noGrp="1"/>
-          </p:cNvSpPr>
-          <p:nvPr>
-            <p:ph type="dt" sz="half" idx="2"/>
-          </p:nvPr>
-        </p:nvSpPr>
-        <p:spPr/>
-        <p:txBody>
-          <a:bodyPr/>
-          <a:lstStyle/>
-          <a:p>
-            <a:pPr>
-              <a:defRPr/>
-            </a:pPr>
-            <a:r>
-              <a:rPr lang="tr-TR" smtClean="0"/>
-              <a:t>18.01.2019</a:t>
-            </a:r>
-            <a:endParaRPr lang="en-US" dirty="0"/>
-          </a:p>
-        </p:txBody>
-      </p:sp>
-      <p:sp>
-        <p:nvSpPr>
-          <p:cNvPr id="3" name="Slide Number Placeholder 2"/>
-          <p:cNvSpPr>
-            <a:spLocks noGrp="1"/>
-          </p:cNvSpPr>
-          <p:nvPr>
-            <p:ph type="sldNum" sz="quarter" idx="12"/>
-          </p:nvPr>
-        </p:nvSpPr>
-        <p:spPr/>
-        <p:txBody>
-          <a:bodyPr/>
-          <a:lstStyle/>
-          <a:p>
-            <a:pPr>
-              <a:defRPr/>
-            </a:pPr>
-            <a:fld id="{C878F797-6006-4DDA-AFE9-456F280FE6C5}" type="slidenum">
-              <a:rPr lang="en-US" smtClean="0"/>
-              <a:pPr>
-                <a:defRPr/>
-              </a:pPr>
-              <a:t>13</a:t>
             </a:fld>
             <a:endParaRPr lang="en-US" dirty="0"/>
           </a:p>
@@ -6734,7 +6315,7 @@
 </p:sld>
 </file>
 
-<file path=ppt/slides/slide14.xml><?xml version="1.0" encoding="utf-8"?>
+<file path=ppt/slides/slide11.xml><?xml version="1.0" encoding="utf-8"?>
 <p:sld xmlns:a="http://schemas.openxmlformats.org/drawingml/2006/main" xmlns:r="http://schemas.openxmlformats.org/officeDocument/2006/relationships" xmlns:p="http://schemas.openxmlformats.org/presentationml/2006/main">
   <p:cSld>
     <p:spTree>
@@ -6832,7 +6413,7 @@
               <a:pPr>
                 <a:defRPr/>
               </a:pPr>
-              <a:t>14</a:t>
+              <a:t>11</a:t>
             </a:fld>
             <a:endParaRPr lang="en-US" dirty="0"/>
           </a:p>
@@ -6888,7 +6469,7 @@
 </p:sld>
 </file>
 
-<file path=ppt/slides/slide15.xml><?xml version="1.0" encoding="utf-8"?>
+<file path=ppt/slides/slide12.xml><?xml version="1.0" encoding="utf-8"?>
 <p:sld xmlns:a="http://schemas.openxmlformats.org/drawingml/2006/main" xmlns:r="http://schemas.openxmlformats.org/officeDocument/2006/relationships" xmlns:p="http://schemas.openxmlformats.org/presentationml/2006/main">
   <p:cSld>
     <p:spTree>
@@ -6986,7 +6567,7 @@
               <a:pPr>
                 <a:defRPr/>
               </a:pPr>
-              <a:t>15</a:t>
+              <a:t>12</a:t>
             </a:fld>
             <a:endParaRPr lang="en-US" dirty="0"/>
           </a:p>
@@ -7016,7 +6597,7 @@
         </p:blipFill>
         <p:spPr>
           <a:xfrm>
-            <a:off x="457199" y="1628800"/>
+            <a:off x="457199" y="1556792"/>
             <a:ext cx="8229600" cy="3336830"/>
           </a:xfrm>
         </p:spPr>
@@ -7042,7 +6623,7 @@
 </p:sld>
 </file>
 
-<file path=ppt/slides/slide16.xml><?xml version="1.0" encoding="utf-8"?>
+<file path=ppt/slides/slide13.xml><?xml version="1.0" encoding="utf-8"?>
 <p:sld xmlns:a="http://schemas.openxmlformats.org/drawingml/2006/main" xmlns:r="http://schemas.openxmlformats.org/officeDocument/2006/relationships" xmlns:p="http://schemas.openxmlformats.org/presentationml/2006/main">
   <p:cSld>
     <p:spTree>
@@ -7140,7 +6721,7 @@
               <a:pPr>
                 <a:defRPr/>
               </a:pPr>
-              <a:t>16</a:t>
+              <a:t>13</a:t>
             </a:fld>
             <a:endParaRPr lang="en-US" dirty="0"/>
           </a:p>
@@ -7175,8 +6756,8 @@
           </a:xfrm>
         </p:spPr>
       </p:pic>
-      <mc:AlternateContent xmlns:mc="http://schemas.openxmlformats.org/markup-compatibility/2006">
-        <mc:Choice xmlns:a14="http://schemas.microsoft.com/office/drawing/2010/main" Requires="a14">
+      <mc:AlternateContent xmlns:mc="http://schemas.openxmlformats.org/markup-compatibility/2006" xmlns:a14="http://schemas.microsoft.com/office/drawing/2010/main">
+        <mc:Choice Requires="a14">
           <p:sp>
             <p:nvSpPr>
               <p:cNvPr id="6" name="Rectangle 5"/>
@@ -7295,7 +6876,7 @@
             </p:txBody>
           </p:sp>
         </mc:Choice>
-        <mc:Fallback>
+        <mc:Fallback xmlns="">
           <p:sp>
             <p:nvSpPr>
               <p:cNvPr id="6" name="Rectangle 5"/>
@@ -7334,8 +6915,8 @@
           </p:sp>
         </mc:Fallback>
       </mc:AlternateContent>
-      <mc:AlternateContent xmlns:mc="http://schemas.openxmlformats.org/markup-compatibility/2006">
-        <mc:Choice xmlns:a14="http://schemas.microsoft.com/office/drawing/2010/main" Requires="a14">
+      <mc:AlternateContent xmlns:mc="http://schemas.openxmlformats.org/markup-compatibility/2006" xmlns:a14="http://schemas.microsoft.com/office/drawing/2010/main">
+        <mc:Choice Requires="a14">
           <p:sp>
             <p:nvSpPr>
               <p:cNvPr id="9" name="Rectangle 8"/>
@@ -7466,7 +7047,7 @@
             </p:txBody>
           </p:sp>
         </mc:Choice>
-        <mc:Fallback>
+        <mc:Fallback xmlns="">
           <p:sp>
             <p:nvSpPr>
               <p:cNvPr id="9" name="Rectangle 8"/>
@@ -7505,8 +7086,8 @@
           </p:sp>
         </mc:Fallback>
       </mc:AlternateContent>
-      <mc:AlternateContent xmlns:mc="http://schemas.openxmlformats.org/markup-compatibility/2006">
-        <mc:Choice xmlns:a14="http://schemas.microsoft.com/office/drawing/2010/main" Requires="a14">
+      <mc:AlternateContent xmlns:mc="http://schemas.openxmlformats.org/markup-compatibility/2006" xmlns:a14="http://schemas.microsoft.com/office/drawing/2010/main">
+        <mc:Choice Requires="a14">
           <p:sp>
             <p:nvSpPr>
               <p:cNvPr id="10" name="Rectangle 9"/>
@@ -7637,7 +7218,7 @@
             </p:txBody>
           </p:sp>
         </mc:Choice>
-        <mc:Fallback>
+        <mc:Fallback xmlns="">
           <p:sp>
             <p:nvSpPr>
               <p:cNvPr id="10" name="Rectangle 9"/>
@@ -7697,7 +7278,7 @@
 </p:sld>
 </file>
 
-<file path=ppt/slides/slide17.xml><?xml version="1.0" encoding="utf-8"?>
+<file path=ppt/slides/slide14.xml><?xml version="1.0" encoding="utf-8"?>
 <p:sld xmlns:a="http://schemas.openxmlformats.org/drawingml/2006/main" xmlns:r="http://schemas.openxmlformats.org/officeDocument/2006/relationships" xmlns:p="http://schemas.openxmlformats.org/presentationml/2006/main">
   <p:cSld>
     <p:spTree>
@@ -7795,14 +7376,14 @@
               <a:pPr>
                 <a:defRPr/>
               </a:pPr>
-              <a:t>17</a:t>
+              <a:t>14</a:t>
             </a:fld>
             <a:endParaRPr lang="en-US" dirty="0"/>
           </a:p>
         </p:txBody>
       </p:sp>
-      <mc:AlternateContent xmlns:mc="http://schemas.openxmlformats.org/markup-compatibility/2006">
-        <mc:Choice xmlns:a14="http://schemas.microsoft.com/office/drawing/2010/main" Requires="a14">
+      <mc:AlternateContent xmlns:mc="http://schemas.openxmlformats.org/markup-compatibility/2006" xmlns:a14="http://schemas.microsoft.com/office/drawing/2010/main">
+        <mc:Choice Requires="a14">
           <p:sp>
             <p:nvSpPr>
               <p:cNvPr id="6" name="Rectangle 5"/>
@@ -7921,7 +7502,7 @@
             </p:txBody>
           </p:sp>
         </mc:Choice>
-        <mc:Fallback>
+        <mc:Fallback xmlns="">
           <p:sp>
             <p:nvSpPr>
               <p:cNvPr id="6" name="Rectangle 5"/>
@@ -7960,8 +7541,8 @@
           </p:sp>
         </mc:Fallback>
       </mc:AlternateContent>
-      <mc:AlternateContent xmlns:mc="http://schemas.openxmlformats.org/markup-compatibility/2006">
-        <mc:Choice xmlns:a14="http://schemas.microsoft.com/office/drawing/2010/main" Requires="a14">
+      <mc:AlternateContent xmlns:mc="http://schemas.openxmlformats.org/markup-compatibility/2006" xmlns:a14="http://schemas.microsoft.com/office/drawing/2010/main">
+        <mc:Choice Requires="a14">
           <p:sp>
             <p:nvSpPr>
               <p:cNvPr id="9" name="Rectangle 8"/>
@@ -8092,7 +7673,7 @@
             </p:txBody>
           </p:sp>
         </mc:Choice>
-        <mc:Fallback>
+        <mc:Fallback xmlns="">
           <p:sp>
             <p:nvSpPr>
               <p:cNvPr id="9" name="Rectangle 8"/>
@@ -8131,8 +7712,8 @@
           </p:sp>
         </mc:Fallback>
       </mc:AlternateContent>
-      <mc:AlternateContent xmlns:mc="http://schemas.openxmlformats.org/markup-compatibility/2006">
-        <mc:Choice xmlns:a14="http://schemas.microsoft.com/office/drawing/2010/main" Requires="a14">
+      <mc:AlternateContent xmlns:mc="http://schemas.openxmlformats.org/markup-compatibility/2006" xmlns:a14="http://schemas.microsoft.com/office/drawing/2010/main">
+        <mc:Choice Requires="a14">
           <p:sp>
             <p:nvSpPr>
               <p:cNvPr id="10" name="Rectangle 9"/>
@@ -8263,7 +7844,7 @@
             </p:txBody>
           </p:sp>
         </mc:Choice>
-        <mc:Fallback>
+        <mc:Fallback xmlns="">
           <p:sp>
             <p:nvSpPr>
               <p:cNvPr id="10" name="Rectangle 9"/>
@@ -8352,7 +7933,7 @@
 </p:sld>
 </file>
 
-<file path=ppt/slides/slide18.xml><?xml version="1.0" encoding="utf-8"?>
+<file path=ppt/slides/slide15.xml><?xml version="1.0" encoding="utf-8"?>
 <p:sld xmlns:a="http://schemas.openxmlformats.org/drawingml/2006/main" xmlns:r="http://schemas.openxmlformats.org/officeDocument/2006/relationships" xmlns:p="http://schemas.openxmlformats.org/presentationml/2006/main">
   <p:cSld>
     <p:spTree>
@@ -8450,7 +8031,7 @@
               <a:pPr>
                 <a:defRPr/>
               </a:pPr>
-              <a:t>18</a:t>
+              <a:t>15</a:t>
             </a:fld>
             <a:endParaRPr lang="en-US" dirty="0"/>
           </a:p>
@@ -8537,6 +8118,655 @@
 </p:sld>
 </file>
 
+<file path=ppt/slides/slide16.xml><?xml version="1.0" encoding="utf-8"?>
+<p:sld xmlns:a="http://schemas.openxmlformats.org/drawingml/2006/main" xmlns:r="http://schemas.openxmlformats.org/officeDocument/2006/relationships" xmlns:p="http://schemas.openxmlformats.org/presentationml/2006/main">
+  <p:cSld>
+    <p:spTree>
+      <p:nvGrpSpPr>
+        <p:cNvPr id="1" name=""/>
+        <p:cNvGrpSpPr/>
+        <p:nvPr/>
+      </p:nvGrpSpPr>
+      <p:grpSpPr>
+        <a:xfrm>
+          <a:off x="0" y="0"/>
+          <a:ext cx="0" cy="0"/>
+          <a:chOff x="0" y="0"/>
+          <a:chExt cx="0" cy="0"/>
+        </a:xfrm>
+      </p:grpSpPr>
+      <p:sp>
+        <p:nvSpPr>
+          <p:cNvPr id="5122" name="Rectangle 2"/>
+          <p:cNvSpPr>
+            <a:spLocks noGrp="1" noChangeArrowheads="1"/>
+          </p:cNvSpPr>
+          <p:nvPr>
+            <p:ph type="title"/>
+          </p:nvPr>
+        </p:nvSpPr>
+        <p:spPr/>
+        <p:txBody>
+          <a:bodyPr/>
+          <a:lstStyle/>
+          <a:p>
+            <a:pPr>
+              <a:defRPr/>
+            </a:pPr>
+            <a:r>
+              <a:rPr lang="tr-TR" dirty="0" smtClean="0">
+                <a:latin typeface="Arial" panose="020B0604020202020204" pitchFamily="34" charset="0"/>
+                <a:cs typeface="Arial" panose="020B0604020202020204" pitchFamily="34" charset="0"/>
+              </a:rPr>
+              <a:t>Fast Inertia Support</a:t>
+            </a:r>
+            <a:endParaRPr lang="en-US" dirty="0" smtClean="0">
+              <a:latin typeface="Arial" panose="020B0604020202020204" pitchFamily="34" charset="0"/>
+              <a:cs typeface="Arial" panose="020B0604020202020204" pitchFamily="34" charset="0"/>
+            </a:endParaRPr>
+          </a:p>
+        </p:txBody>
+      </p:sp>
+      <p:sp>
+        <p:nvSpPr>
+          <p:cNvPr id="2" name="Date Placeholder 1"/>
+          <p:cNvSpPr>
+            <a:spLocks noGrp="1"/>
+          </p:cNvSpPr>
+          <p:nvPr>
+            <p:ph type="dt" sz="half" idx="2"/>
+          </p:nvPr>
+        </p:nvSpPr>
+        <p:spPr/>
+        <p:txBody>
+          <a:bodyPr/>
+          <a:lstStyle/>
+          <a:p>
+            <a:pPr marL="0" marR="0" lvl="0" indent="0" algn="l" defTabSz="914400" rtl="0" eaLnBrk="1" fontAlgn="auto" latinLnBrk="0" hangingPunct="1">
+              <a:lnSpc>
+                <a:spcPct val="100000"/>
+              </a:lnSpc>
+              <a:spcBef>
+                <a:spcPts val="0"/>
+              </a:spcBef>
+              <a:spcAft>
+                <a:spcPts val="0"/>
+              </a:spcAft>
+              <a:buClrTx/>
+              <a:buSzTx/>
+              <a:buFontTx/>
+              <a:buNone/>
+              <a:tabLst/>
+              <a:defRPr/>
+            </a:pPr>
+            <a:r>
+              <a:rPr kumimoji="0" lang="tr-TR" sz="1150" b="0" i="0" u="none" strike="noStrike" kern="1200" cap="none" spc="0" normalizeH="0" baseline="0" noProof="0" dirty="0" smtClean="0">
+                <a:ln>
+                  <a:noFill/>
+                </a:ln>
+                <a:solidFill>
+                  <a:srgbClr val="F2F2F2"/>
+                </a:solidFill>
+                <a:effectLst/>
+                <a:uLnTx/>
+                <a:uFillTx/>
+                <a:latin typeface="Century Gothic" panose="020B0502020202020204" pitchFamily="34" charset="0"/>
+                <a:ea typeface="+mn-ea"/>
+                <a:cs typeface="+mn-cs"/>
+              </a:rPr>
+              <a:t>18.01.2019</a:t>
+            </a:r>
+            <a:endParaRPr kumimoji="0" lang="en-US" sz="1150" b="0" i="0" u="none" strike="noStrike" kern="1200" cap="none" spc="0" normalizeH="0" baseline="0" noProof="0" dirty="0">
+              <a:ln>
+                <a:noFill/>
+              </a:ln>
+              <a:solidFill>
+                <a:srgbClr val="F2F2F2"/>
+              </a:solidFill>
+              <a:effectLst/>
+              <a:uLnTx/>
+              <a:uFillTx/>
+              <a:latin typeface="Century Gothic" panose="020B0502020202020204" pitchFamily="34" charset="0"/>
+              <a:ea typeface="+mn-ea"/>
+              <a:cs typeface="+mn-cs"/>
+            </a:endParaRPr>
+          </a:p>
+        </p:txBody>
+      </p:sp>
+      <p:sp>
+        <p:nvSpPr>
+          <p:cNvPr id="3" name="Slide Number Placeholder 2"/>
+          <p:cNvSpPr>
+            <a:spLocks noGrp="1"/>
+          </p:cNvSpPr>
+          <p:nvPr>
+            <p:ph type="sldNum" sz="quarter" idx="12"/>
+          </p:nvPr>
+        </p:nvSpPr>
+        <p:spPr/>
+        <p:txBody>
+          <a:bodyPr/>
+          <a:lstStyle/>
+          <a:p>
+            <a:pPr marL="0" marR="0" lvl="0" indent="0" algn="r" defTabSz="914400" rtl="0" eaLnBrk="1" fontAlgn="base" latinLnBrk="0" hangingPunct="1">
+              <a:lnSpc>
+                <a:spcPct val="100000"/>
+              </a:lnSpc>
+              <a:spcBef>
+                <a:spcPct val="0"/>
+              </a:spcBef>
+              <a:spcAft>
+                <a:spcPct val="0"/>
+              </a:spcAft>
+              <a:buClrTx/>
+              <a:buSzTx/>
+              <a:buFontTx/>
+              <a:buNone/>
+              <a:tabLst/>
+              <a:defRPr/>
+            </a:pPr>
+            <a:fld id="{C878F797-6006-4DDA-AFE9-456F280FE6C5}" type="slidenum">
+              <a:rPr kumimoji="0" lang="en-US" sz="1200" b="0" i="0" u="none" strike="noStrike" kern="1200" cap="none" spc="0" normalizeH="0" baseline="0" noProof="0" smtClean="0">
+                <a:ln>
+                  <a:noFill/>
+                </a:ln>
+                <a:solidFill>
+                  <a:srgbClr val="F2F2F2"/>
+                </a:solidFill>
+                <a:effectLst/>
+                <a:uLnTx/>
+                <a:uFillTx/>
+                <a:latin typeface="Arial" panose="020B0604020202020204" pitchFamily="34" charset="0"/>
+                <a:ea typeface="+mn-ea"/>
+                <a:cs typeface="+mn-cs"/>
+              </a:rPr>
+              <a:pPr marL="0" marR="0" lvl="0" indent="0" algn="r" defTabSz="914400" rtl="0" eaLnBrk="1" fontAlgn="base" latinLnBrk="0" hangingPunct="1">
+                <a:lnSpc>
+                  <a:spcPct val="100000"/>
+                </a:lnSpc>
+                <a:spcBef>
+                  <a:spcPct val="0"/>
+                </a:spcBef>
+                <a:spcAft>
+                  <a:spcPct val="0"/>
+                </a:spcAft>
+                <a:buClrTx/>
+                <a:buSzTx/>
+                <a:buFontTx/>
+                <a:buNone/>
+                <a:tabLst/>
+                <a:defRPr/>
+              </a:pPr>
+              <a:t>16</a:t>
+            </a:fld>
+            <a:endParaRPr kumimoji="0" lang="en-US" sz="1200" b="0" i="0" u="none" strike="noStrike" kern="1200" cap="none" spc="0" normalizeH="0" baseline="0" noProof="0" dirty="0">
+              <a:ln>
+                <a:noFill/>
+              </a:ln>
+              <a:solidFill>
+                <a:srgbClr val="F2F2F2"/>
+              </a:solidFill>
+              <a:effectLst/>
+              <a:uLnTx/>
+              <a:uFillTx/>
+              <a:latin typeface="Arial" panose="020B0604020202020204" pitchFamily="34" charset="0"/>
+              <a:ea typeface="+mn-ea"/>
+              <a:cs typeface="+mn-cs"/>
+            </a:endParaRPr>
+          </a:p>
+        </p:txBody>
+      </p:sp>
+      <p:pic>
+        <p:nvPicPr>
+          <p:cNvPr id="6" name="Picture 5"/>
+          <p:cNvPicPr>
+            <a:picLocks noChangeAspect="1"/>
+          </p:cNvPicPr>
+          <p:nvPr/>
+        </p:nvPicPr>
+        <p:blipFill>
+          <a:blip r:embed="rId3" cstate="print">
+            <a:extLst>
+              <a:ext uri="{28A0092B-C50C-407E-A947-70E740481C1C}">
+                <a14:useLocalDpi xmlns:a14="http://schemas.microsoft.com/office/drawing/2010/main" val="0"/>
+              </a:ext>
+            </a:extLst>
+          </a:blip>
+          <a:stretch>
+            <a:fillRect/>
+          </a:stretch>
+        </p:blipFill>
+        <p:spPr>
+          <a:xfrm>
+            <a:off x="-36512" y="1556793"/>
+            <a:ext cx="4892477" cy="3672408"/>
+          </a:xfrm>
+          <a:prstGeom prst="rect">
+            <a:avLst/>
+          </a:prstGeom>
+        </p:spPr>
+      </p:pic>
+      <p:pic>
+        <p:nvPicPr>
+          <p:cNvPr id="4" name="Picture 3"/>
+          <p:cNvPicPr>
+            <a:picLocks noChangeAspect="1"/>
+          </p:cNvPicPr>
+          <p:nvPr/>
+        </p:nvPicPr>
+        <p:blipFill>
+          <a:blip r:embed="rId4" cstate="print">
+            <a:extLst>
+              <a:ext uri="{28A0092B-C50C-407E-A947-70E740481C1C}">
+                <a14:useLocalDpi xmlns:a14="http://schemas.microsoft.com/office/drawing/2010/main" val="0"/>
+              </a:ext>
+            </a:extLst>
+          </a:blip>
+          <a:stretch>
+            <a:fillRect/>
+          </a:stretch>
+        </p:blipFill>
+        <p:spPr>
+          <a:xfrm>
+            <a:off x="4504059" y="1556793"/>
+            <a:ext cx="4892477" cy="3672408"/>
+          </a:xfrm>
+          <a:prstGeom prst="rect">
+            <a:avLst/>
+          </a:prstGeom>
+        </p:spPr>
+      </p:pic>
+    </p:spTree>
+    <p:extLst>
+      <p:ext uri="{BB962C8B-B14F-4D97-AF65-F5344CB8AC3E}">
+        <p14:creationId xmlns:p14="http://schemas.microsoft.com/office/powerpoint/2010/main" val="1156378508"/>
+      </p:ext>
+    </p:extLst>
+  </p:cSld>
+  <p:clrMapOvr>
+    <a:masterClrMapping/>
+  </p:clrMapOvr>
+  <p:transition/>
+  <p:timing>
+    <p:tnLst>
+      <p:par>
+        <p:cTn id="1" dur="indefinite" restart="never" nodeType="tmRoot"/>
+      </p:par>
+    </p:tnLst>
+  </p:timing>
+</p:sld>
+</file>
+
+<file path=ppt/slides/slide17.xml><?xml version="1.0" encoding="utf-8"?>
+<p:sld xmlns:a="http://schemas.openxmlformats.org/drawingml/2006/main" xmlns:r="http://schemas.openxmlformats.org/officeDocument/2006/relationships" xmlns:p="http://schemas.openxmlformats.org/presentationml/2006/main">
+  <p:cSld>
+    <p:spTree>
+      <p:nvGrpSpPr>
+        <p:cNvPr id="1" name=""/>
+        <p:cNvGrpSpPr/>
+        <p:nvPr/>
+      </p:nvGrpSpPr>
+      <p:grpSpPr>
+        <a:xfrm>
+          <a:off x="0" y="0"/>
+          <a:ext cx="0" cy="0"/>
+          <a:chOff x="0" y="0"/>
+          <a:chExt cx="0" cy="0"/>
+        </a:xfrm>
+      </p:grpSpPr>
+      <p:sp>
+        <p:nvSpPr>
+          <p:cNvPr id="5122" name="Rectangle 2"/>
+          <p:cNvSpPr>
+            <a:spLocks noGrp="1" noChangeArrowheads="1"/>
+          </p:cNvSpPr>
+          <p:nvPr>
+            <p:ph type="title"/>
+          </p:nvPr>
+        </p:nvSpPr>
+        <p:spPr/>
+        <p:txBody>
+          <a:bodyPr/>
+          <a:lstStyle/>
+          <a:p>
+            <a:pPr>
+              <a:defRPr/>
+            </a:pPr>
+            <a:r>
+              <a:rPr lang="tr-TR" dirty="0" smtClean="0">
+                <a:latin typeface="Arial" panose="020B0604020202020204" pitchFamily="34" charset="0"/>
+                <a:cs typeface="Arial" panose="020B0604020202020204" pitchFamily="34" charset="0"/>
+              </a:rPr>
+              <a:t>Fast Inertia Support</a:t>
+            </a:r>
+            <a:endParaRPr lang="en-US" dirty="0" smtClean="0">
+              <a:latin typeface="Arial" panose="020B0604020202020204" pitchFamily="34" charset="0"/>
+              <a:cs typeface="Arial" panose="020B0604020202020204" pitchFamily="34" charset="0"/>
+            </a:endParaRPr>
+          </a:p>
+        </p:txBody>
+      </p:sp>
+      <p:sp>
+        <p:nvSpPr>
+          <p:cNvPr id="2" name="Date Placeholder 1"/>
+          <p:cNvSpPr>
+            <a:spLocks noGrp="1"/>
+          </p:cNvSpPr>
+          <p:nvPr>
+            <p:ph type="dt" sz="half" idx="2"/>
+          </p:nvPr>
+        </p:nvSpPr>
+        <p:spPr/>
+        <p:txBody>
+          <a:bodyPr/>
+          <a:lstStyle/>
+          <a:p>
+            <a:pPr>
+              <a:defRPr/>
+            </a:pPr>
+            <a:r>
+              <a:rPr lang="tr-TR" dirty="0" smtClean="0"/>
+              <a:t>18.01.2019</a:t>
+            </a:r>
+            <a:endParaRPr lang="en-US" dirty="0"/>
+          </a:p>
+        </p:txBody>
+      </p:sp>
+      <p:sp>
+        <p:nvSpPr>
+          <p:cNvPr id="3" name="Slide Number Placeholder 2"/>
+          <p:cNvSpPr>
+            <a:spLocks noGrp="1"/>
+          </p:cNvSpPr>
+          <p:nvPr>
+            <p:ph type="sldNum" sz="quarter" idx="12"/>
+          </p:nvPr>
+        </p:nvSpPr>
+        <p:spPr/>
+        <p:txBody>
+          <a:bodyPr/>
+          <a:lstStyle/>
+          <a:p>
+            <a:pPr>
+              <a:defRPr/>
+            </a:pPr>
+            <a:fld id="{C878F797-6006-4DDA-AFE9-456F280FE6C5}" type="slidenum">
+              <a:rPr lang="en-US" smtClean="0"/>
+              <a:pPr>
+                <a:defRPr/>
+              </a:pPr>
+              <a:t>17</a:t>
+            </a:fld>
+            <a:endParaRPr lang="en-US" dirty="0"/>
+          </a:p>
+        </p:txBody>
+      </p:sp>
+      <p:pic>
+        <p:nvPicPr>
+          <p:cNvPr id="7" name="Picture 6"/>
+          <p:cNvPicPr>
+            <a:picLocks noChangeAspect="1"/>
+          </p:cNvPicPr>
+          <p:nvPr/>
+        </p:nvPicPr>
+        <p:blipFill>
+          <a:blip r:embed="rId3" cstate="print">
+            <a:extLst>
+              <a:ext uri="{28A0092B-C50C-407E-A947-70E740481C1C}">
+                <a14:useLocalDpi xmlns:a14="http://schemas.microsoft.com/office/drawing/2010/main" val="0"/>
+              </a:ext>
+            </a:extLst>
+          </a:blip>
+          <a:stretch>
+            <a:fillRect/>
+          </a:stretch>
+        </p:blipFill>
+        <p:spPr>
+          <a:xfrm>
+            <a:off x="39373" y="3873144"/>
+            <a:ext cx="5226868" cy="2490988"/>
+          </a:xfrm>
+          <a:prstGeom prst="rect">
+            <a:avLst/>
+          </a:prstGeom>
+        </p:spPr>
+      </p:pic>
+      <p:pic>
+        <p:nvPicPr>
+          <p:cNvPr id="5" name="Picture 4"/>
+          <p:cNvPicPr>
+            <a:picLocks noChangeAspect="1"/>
+          </p:cNvPicPr>
+          <p:nvPr/>
+        </p:nvPicPr>
+        <p:blipFill>
+          <a:blip r:embed="rId4" cstate="print">
+            <a:extLst>
+              <a:ext uri="{28A0092B-C50C-407E-A947-70E740481C1C}">
+                <a14:useLocalDpi xmlns:a14="http://schemas.microsoft.com/office/drawing/2010/main" val="0"/>
+              </a:ext>
+            </a:extLst>
+          </a:blip>
+          <a:stretch>
+            <a:fillRect/>
+          </a:stretch>
+        </p:blipFill>
+        <p:spPr>
+          <a:xfrm>
+            <a:off x="0" y="1506428"/>
+            <a:ext cx="5305615" cy="2528518"/>
+          </a:xfrm>
+          <a:prstGeom prst="rect">
+            <a:avLst/>
+          </a:prstGeom>
+        </p:spPr>
+      </p:pic>
+    </p:spTree>
+    <p:extLst>
+      <p:ext uri="{BB962C8B-B14F-4D97-AF65-F5344CB8AC3E}">
+        <p14:creationId xmlns:p14="http://schemas.microsoft.com/office/powerpoint/2010/main" val="4024107180"/>
+      </p:ext>
+    </p:extLst>
+  </p:cSld>
+  <p:clrMapOvr>
+    <a:masterClrMapping/>
+  </p:clrMapOvr>
+  <p:transition/>
+  <p:timing>
+    <p:tnLst>
+      <p:par>
+        <p:cTn id="1" dur="indefinite" restart="never" nodeType="tmRoot"/>
+      </p:par>
+    </p:tnLst>
+  </p:timing>
+</p:sld>
+</file>
+
+<file path=ppt/slides/slide18.xml><?xml version="1.0" encoding="utf-8"?>
+<p:sld xmlns:a="http://schemas.openxmlformats.org/drawingml/2006/main" xmlns:r="http://schemas.openxmlformats.org/officeDocument/2006/relationships" xmlns:p="http://schemas.openxmlformats.org/presentationml/2006/main">
+  <p:cSld>
+    <p:spTree>
+      <p:nvGrpSpPr>
+        <p:cNvPr id="1" name=""/>
+        <p:cNvGrpSpPr/>
+        <p:nvPr/>
+      </p:nvGrpSpPr>
+      <p:grpSpPr>
+        <a:xfrm>
+          <a:off x="0" y="0"/>
+          <a:ext cx="0" cy="0"/>
+          <a:chOff x="0" y="0"/>
+          <a:chExt cx="0" cy="0"/>
+        </a:xfrm>
+      </p:grpSpPr>
+      <p:sp>
+        <p:nvSpPr>
+          <p:cNvPr id="5122" name="Rectangle 2"/>
+          <p:cNvSpPr>
+            <a:spLocks noGrp="1" noChangeArrowheads="1"/>
+          </p:cNvSpPr>
+          <p:nvPr>
+            <p:ph type="title"/>
+          </p:nvPr>
+        </p:nvSpPr>
+        <p:spPr/>
+        <p:txBody>
+          <a:bodyPr/>
+          <a:lstStyle/>
+          <a:p>
+            <a:pPr>
+              <a:defRPr/>
+            </a:pPr>
+            <a:r>
+              <a:rPr lang="tr-TR" dirty="0" smtClean="0">
+                <a:latin typeface="Arial" panose="020B0604020202020204" pitchFamily="34" charset="0"/>
+                <a:cs typeface="Arial" panose="020B0604020202020204" pitchFamily="34" charset="0"/>
+              </a:rPr>
+              <a:t>Fast Inertia Support</a:t>
+            </a:r>
+            <a:endParaRPr lang="en-US" dirty="0" smtClean="0">
+              <a:latin typeface="Arial" panose="020B0604020202020204" pitchFamily="34" charset="0"/>
+              <a:cs typeface="Arial" panose="020B0604020202020204" pitchFamily="34" charset="0"/>
+            </a:endParaRPr>
+          </a:p>
+        </p:txBody>
+      </p:sp>
+      <p:sp>
+        <p:nvSpPr>
+          <p:cNvPr id="2" name="Date Placeholder 1"/>
+          <p:cNvSpPr>
+            <a:spLocks noGrp="1"/>
+          </p:cNvSpPr>
+          <p:nvPr>
+            <p:ph type="dt" sz="half" idx="2"/>
+          </p:nvPr>
+        </p:nvSpPr>
+        <p:spPr/>
+        <p:txBody>
+          <a:bodyPr/>
+          <a:lstStyle/>
+          <a:p>
+            <a:pPr>
+              <a:defRPr/>
+            </a:pPr>
+            <a:r>
+              <a:rPr lang="tr-TR" dirty="0" smtClean="0"/>
+              <a:t>18.01.2019</a:t>
+            </a:r>
+            <a:endParaRPr lang="en-US" dirty="0"/>
+          </a:p>
+        </p:txBody>
+      </p:sp>
+      <p:sp>
+        <p:nvSpPr>
+          <p:cNvPr id="3" name="Slide Number Placeholder 2"/>
+          <p:cNvSpPr>
+            <a:spLocks noGrp="1"/>
+          </p:cNvSpPr>
+          <p:nvPr>
+            <p:ph type="sldNum" sz="quarter" idx="12"/>
+          </p:nvPr>
+        </p:nvSpPr>
+        <p:spPr/>
+        <p:txBody>
+          <a:bodyPr/>
+          <a:lstStyle/>
+          <a:p>
+            <a:pPr>
+              <a:defRPr/>
+            </a:pPr>
+            <a:fld id="{C878F797-6006-4DDA-AFE9-456F280FE6C5}" type="slidenum">
+              <a:rPr lang="en-US" smtClean="0"/>
+              <a:pPr>
+                <a:defRPr/>
+              </a:pPr>
+              <a:t>18</a:t>
+            </a:fld>
+            <a:endParaRPr lang="en-US" dirty="0"/>
+          </a:p>
+        </p:txBody>
+      </p:sp>
+      <p:pic>
+        <p:nvPicPr>
+          <p:cNvPr id="6" name="Picture 5"/>
+          <p:cNvPicPr>
+            <a:picLocks noChangeAspect="1"/>
+          </p:cNvPicPr>
+          <p:nvPr/>
+        </p:nvPicPr>
+        <p:blipFill>
+          <a:blip r:embed="rId3" cstate="print">
+            <a:extLst>
+              <a:ext uri="{28A0092B-C50C-407E-A947-70E740481C1C}">
+                <a14:useLocalDpi xmlns:a14="http://schemas.microsoft.com/office/drawing/2010/main" val="0"/>
+              </a:ext>
+            </a:extLst>
+          </a:blip>
+          <a:stretch>
+            <a:fillRect/>
+          </a:stretch>
+        </p:blipFill>
+        <p:spPr>
+          <a:xfrm>
+            <a:off x="35496" y="3717032"/>
+            <a:ext cx="5544616" cy="2642419"/>
+          </a:xfrm>
+          <a:prstGeom prst="rect">
+            <a:avLst/>
+          </a:prstGeom>
+        </p:spPr>
+      </p:pic>
+      <p:pic>
+        <p:nvPicPr>
+          <p:cNvPr id="4" name="Picture 3"/>
+          <p:cNvPicPr>
+            <a:picLocks noChangeAspect="1"/>
+          </p:cNvPicPr>
+          <p:nvPr/>
+        </p:nvPicPr>
+        <p:blipFill>
+          <a:blip r:embed="rId4" cstate="print">
+            <a:extLst>
+              <a:ext uri="{28A0092B-C50C-407E-A947-70E740481C1C}">
+                <a14:useLocalDpi xmlns:a14="http://schemas.microsoft.com/office/drawing/2010/main" val="0"/>
+              </a:ext>
+            </a:extLst>
+          </a:blip>
+          <a:stretch>
+            <a:fillRect/>
+          </a:stretch>
+        </p:blipFill>
+        <p:spPr>
+          <a:xfrm>
+            <a:off x="138296" y="1363663"/>
+            <a:ext cx="5297800" cy="2524793"/>
+          </a:xfrm>
+          <a:prstGeom prst="rect">
+            <a:avLst/>
+          </a:prstGeom>
+        </p:spPr>
+      </p:pic>
+    </p:spTree>
+    <p:extLst>
+      <p:ext uri="{BB962C8B-B14F-4D97-AF65-F5344CB8AC3E}">
+        <p14:creationId xmlns:p14="http://schemas.microsoft.com/office/powerpoint/2010/main" val="3419743854"/>
+      </p:ext>
+    </p:extLst>
+  </p:cSld>
+  <p:clrMapOvr>
+    <a:masterClrMapping/>
+  </p:clrMapOvr>
+  <p:transition/>
+  <p:timing>
+    <p:tnLst>
+      <p:par>
+        <p:cTn id="1" dur="indefinite" restart="never" nodeType="tmRoot"/>
+      </p:par>
+    </p:tnLst>
+  </p:timing>
+</p:sld>
+</file>
+
 <file path=ppt/slides/slide19.xml><?xml version="1.0" encoding="utf-8"?>
 <p:sld xmlns:a="http://schemas.openxmlformats.org/drawingml/2006/main" xmlns:r="http://schemas.openxmlformats.org/officeDocument/2006/relationships" xmlns:p="http://schemas.openxmlformats.org/presentationml/2006/main">
   <p:cSld>
@@ -8829,7 +9059,14 @@
                 <a:latin typeface="Arial" panose="020B0604020202020204" pitchFamily="34" charset="0"/>
                 <a:cs typeface="Arial" panose="020B0604020202020204" pitchFamily="34" charset="0"/>
               </a:rPr>
-              <a:t>Problem Definition: Renewable Energy Problems</a:t>
+              <a:t>Renewable </a:t>
+            </a:r>
+            <a:r>
+              <a:rPr lang="tr-TR" sz="2400" dirty="0" smtClean="0">
+                <a:latin typeface="Arial" panose="020B0604020202020204" pitchFamily="34" charset="0"/>
+                <a:cs typeface="Arial" panose="020B0604020202020204" pitchFamily="34" charset="0"/>
+              </a:rPr>
+              <a:t>Energy Problems</a:t>
             </a:r>
           </a:p>
           <a:p>
@@ -8889,7 +9126,26 @@
                 <a:latin typeface="Arial" panose="020B0604020202020204" pitchFamily="34" charset="0"/>
                 <a:cs typeface="Arial" panose="020B0604020202020204" pitchFamily="34" charset="0"/>
               </a:rPr>
-              <a:t>Economical Perspective</a:t>
+              <a:t>Economical </a:t>
+            </a:r>
+            <a:r>
+              <a:rPr lang="tr-TR" sz="2400" dirty="0" smtClean="0">
+                <a:latin typeface="Arial" panose="020B0604020202020204" pitchFamily="34" charset="0"/>
+                <a:cs typeface="Arial" panose="020B0604020202020204" pitchFamily="34" charset="0"/>
+              </a:rPr>
+              <a:t>Perspective</a:t>
+            </a:r>
+          </a:p>
+          <a:p>
+            <a:pPr lvl="1">
+              <a:defRPr/>
+            </a:pPr>
+            <a:r>
+              <a:rPr lang="tr-TR" sz="2400" dirty="0" smtClean="0">
+                <a:latin typeface="Arial" panose="020B0604020202020204" pitchFamily="34" charset="0"/>
+                <a:cs typeface="Arial" panose="020B0604020202020204" pitchFamily="34" charset="0"/>
+              </a:rPr>
+              <a:t>Conclusion</a:t>
             </a:r>
             <a:endParaRPr lang="en-US" sz="2400" dirty="0" smtClean="0">
               <a:latin typeface="Arial" panose="020B0604020202020204" pitchFamily="34" charset="0"/>
@@ -11711,7 +11967,7 @@
         </p:blipFill>
         <p:spPr>
           <a:xfrm>
-            <a:off x="2317760" y="1436812"/>
+            <a:off x="2317760" y="1449388"/>
             <a:ext cx="4508479" cy="4987925"/>
           </a:xfrm>
         </p:spPr>
@@ -11876,7 +12132,21 @@
                 <a:latin typeface="Arial" panose="020B0604020202020204" pitchFamily="34" charset="0"/>
                 <a:cs typeface="Arial" panose="020B0604020202020204" pitchFamily="34" charset="0"/>
               </a:rPr>
-              <a:t>Let us only pay for increased period (neglect the decrease):</a:t>
+              <a:t>Let us only pay for </a:t>
+            </a:r>
+            <a:r>
+              <a:rPr lang="tr-TR" dirty="0" smtClean="0">
+                <a:latin typeface="Arial" panose="020B0604020202020204" pitchFamily="34" charset="0"/>
+                <a:cs typeface="Arial" panose="020B0604020202020204" pitchFamily="34" charset="0"/>
+              </a:rPr>
+              <a:t>the increased </a:t>
+            </a:r>
+            <a:r>
+              <a:rPr lang="tr-TR" dirty="0" smtClean="0">
+                <a:latin typeface="Arial" panose="020B0604020202020204" pitchFamily="34" charset="0"/>
+                <a:cs typeface="Arial" panose="020B0604020202020204" pitchFamily="34" charset="0"/>
+              </a:rPr>
+              <a:t>period (neglect the decrease):</a:t>
             </a:r>
           </a:p>
           <a:p>
@@ -11918,8 +12188,12 @@
                 <a:latin typeface="Arial" panose="020B0604020202020204" pitchFamily="34" charset="0"/>
                 <a:cs typeface="Arial" panose="020B0604020202020204" pitchFamily="34" charset="0"/>
               </a:rPr>
-              <a:t>Inertial support might be paid with incentives.</a:t>
-            </a:r>
+              <a:t>Incentives might convince the energy provider since it creates a significant rise on the profit (8.2% increase with 0.3¢/kWh).</a:t>
+            </a:r>
+            <a:endParaRPr lang="tr-TR" dirty="0" smtClean="0">
+              <a:latin typeface="Arial" panose="020B0604020202020204" pitchFamily="34" charset="0"/>
+              <a:cs typeface="Arial" panose="020B0604020202020204" pitchFamily="34" charset="0"/>
+            </a:endParaRPr>
           </a:p>
           <a:p>
             <a:endParaRPr lang="tr-TR" dirty="0">
@@ -11999,7 +12273,7 @@
                 <a:latin typeface="Arial" panose="020B0604020202020204" pitchFamily="34" charset="0"/>
                 <a:cs typeface="Arial" panose="020B0604020202020204" pitchFamily="34" charset="0"/>
               </a:rPr>
-              <a:t>References</a:t>
+              <a:t>Conclusions</a:t>
             </a:r>
             <a:endParaRPr lang="en-US" dirty="0" smtClean="0">
               <a:latin typeface="Arial" panose="020B0604020202020204" pitchFamily="34" charset="0"/>
@@ -12058,6 +12332,562 @@
                 <a:defRPr/>
               </a:pPr>
               <a:t>28</a:t>
+            </a:fld>
+            <a:endParaRPr lang="en-US" dirty="0"/>
+          </a:p>
+        </p:txBody>
+      </p:sp>
+      <p:sp>
+        <p:nvSpPr>
+          <p:cNvPr id="4" name="Content Placeholder 3"/>
+          <p:cNvSpPr>
+            <a:spLocks noGrp="1"/>
+          </p:cNvSpPr>
+          <p:nvPr>
+            <p:ph idx="1"/>
+          </p:nvPr>
+        </p:nvSpPr>
+        <p:spPr/>
+        <p:txBody>
+          <a:bodyPr/>
+          <a:lstStyle/>
+          <a:p>
+            <a:r>
+              <a:rPr lang="en-GB" dirty="0" smtClean="0">
+                <a:latin typeface="Arial" panose="020B0604020202020204" pitchFamily="34" charset="0"/>
+                <a:cs typeface="Arial" panose="020B0604020202020204" pitchFamily="34" charset="0"/>
+              </a:rPr>
+              <a:t>Renewable energy systems should possess the inertial support capability to avoid the reduction in the grid inertia.</a:t>
+            </a:r>
+          </a:p>
+          <a:p>
+            <a:pPr lvl="1"/>
+            <a:endParaRPr lang="en-GB" dirty="0" smtClean="0">
+              <a:latin typeface="Arial" panose="020B0604020202020204" pitchFamily="34" charset="0"/>
+              <a:cs typeface="Arial" panose="020B0604020202020204" pitchFamily="34" charset="0"/>
+            </a:endParaRPr>
+          </a:p>
+          <a:p>
+            <a:r>
+              <a:rPr lang="en-GB" dirty="0" smtClean="0">
+                <a:latin typeface="Arial" panose="020B0604020202020204" pitchFamily="34" charset="0"/>
+                <a:cs typeface="Arial" panose="020B0604020202020204" pitchFamily="34" charset="0"/>
+              </a:rPr>
+              <a:t>Inertial support capability of wind turbines with FSPC </a:t>
+            </a:r>
+            <a:r>
+              <a:rPr lang="en-GB" dirty="0" smtClean="0">
+                <a:latin typeface="Arial" panose="020B0604020202020204" pitchFamily="34" charset="0"/>
+                <a:cs typeface="Arial" panose="020B0604020202020204" pitchFamily="34" charset="0"/>
+              </a:rPr>
+              <a:t>is limited with 10% in high wind speeds. Maximum increase occurs in 6.5m/s with 48% increase. Average contribution is 30%.</a:t>
+            </a:r>
+          </a:p>
+          <a:p>
+            <a:pPr lvl="1"/>
+            <a:endParaRPr lang="en-GB" dirty="0" smtClean="0">
+              <a:latin typeface="Arial" panose="020B0604020202020204" pitchFamily="34" charset="0"/>
+              <a:cs typeface="Arial" panose="020B0604020202020204" pitchFamily="34" charset="0"/>
+            </a:endParaRPr>
+          </a:p>
+          <a:p>
+            <a:r>
+              <a:rPr lang="en-GB" dirty="0" smtClean="0">
+                <a:latin typeface="Arial" panose="020B0604020202020204" pitchFamily="34" charset="0"/>
+                <a:cs typeface="Arial" panose="020B0604020202020204" pitchFamily="34" charset="0"/>
+              </a:rPr>
+              <a:t>Wind turbine can emulate the inertia constant H=10m/s for the whole speed range. </a:t>
+            </a:r>
+          </a:p>
+          <a:p>
+            <a:pPr lvl="1"/>
+            <a:endParaRPr lang="en-GB" dirty="0" smtClean="0">
+              <a:latin typeface="Arial" panose="020B0604020202020204" pitchFamily="34" charset="0"/>
+              <a:cs typeface="Arial" panose="020B0604020202020204" pitchFamily="34" charset="0"/>
+            </a:endParaRPr>
+          </a:p>
+          <a:p>
+            <a:r>
+              <a:rPr lang="en-GB" dirty="0" smtClean="0">
+                <a:latin typeface="Arial" panose="020B0604020202020204" pitchFamily="34" charset="0"/>
+                <a:cs typeface="Arial" panose="020B0604020202020204" pitchFamily="34" charset="0"/>
+              </a:rPr>
+              <a:t>Grid stored kinetic energy can be improved by 8% with the synthetic inertia implementation.</a:t>
+            </a:r>
+          </a:p>
+          <a:p>
+            <a:pPr lvl="1"/>
+            <a:endParaRPr lang="en-GB" dirty="0" smtClean="0">
+              <a:latin typeface="Arial" panose="020B0604020202020204" pitchFamily="34" charset="0"/>
+              <a:cs typeface="Arial" panose="020B0604020202020204" pitchFamily="34" charset="0"/>
+            </a:endParaRPr>
+          </a:p>
+          <a:p>
+            <a:r>
+              <a:rPr lang="en-GB" dirty="0" smtClean="0">
+                <a:latin typeface="Arial" panose="020B0604020202020204" pitchFamily="34" charset="0"/>
+                <a:cs typeface="Arial" panose="020B0604020202020204" pitchFamily="34" charset="0"/>
+              </a:rPr>
+              <a:t>Energy providers cannot be convinced with solutions based on the additional payments but methods based on additional incentives.</a:t>
+            </a:r>
+            <a:endParaRPr lang="en-GB" dirty="0">
+              <a:latin typeface="Arial" panose="020B0604020202020204" pitchFamily="34" charset="0"/>
+              <a:cs typeface="Arial" panose="020B0604020202020204" pitchFamily="34" charset="0"/>
+            </a:endParaRPr>
+          </a:p>
+        </p:txBody>
+      </p:sp>
+    </p:spTree>
+    <p:extLst>
+      <p:ext uri="{BB962C8B-B14F-4D97-AF65-F5344CB8AC3E}">
+        <p14:creationId xmlns:p14="http://schemas.microsoft.com/office/powerpoint/2010/main" val="3676498581"/>
+      </p:ext>
+    </p:extLst>
+  </p:cSld>
+  <p:clrMapOvr>
+    <a:masterClrMapping/>
+  </p:clrMapOvr>
+  <p:transition/>
+  <p:timing>
+    <p:tnLst>
+      <p:par>
+        <p:cTn id="1" dur="indefinite" restart="never" nodeType="tmRoot">
+          <p:childTnLst>
+            <p:seq concurrent="1" nextAc="seek">
+              <p:cTn id="2" dur="indefinite" nodeType="mainSeq">
+                <p:childTnLst>
+                  <p:par>
+                    <p:cTn id="3" fill="hold">
+                      <p:stCondLst>
+                        <p:cond delay="indefinite"/>
+                      </p:stCondLst>
+                      <p:childTnLst>
+                        <p:par>
+                          <p:cTn id="4" fill="hold">
+                            <p:stCondLst>
+                              <p:cond delay="0"/>
+                            </p:stCondLst>
+                            <p:childTnLst>
+                              <p:par>
+                                <p:cTn id="5" presetID="10" presetClass="entr" presetSubtype="0" fill="hold" grpId="0" nodeType="clickEffect">
+                                  <p:stCondLst>
+                                    <p:cond delay="0"/>
+                                  </p:stCondLst>
+                                  <p:childTnLst>
+                                    <p:set>
+                                      <p:cBhvr>
+                                        <p:cTn id="6" dur="1" fill="hold">
+                                          <p:stCondLst>
+                                            <p:cond delay="0"/>
+                                          </p:stCondLst>
+                                        </p:cTn>
+                                        <p:tgtEl>
+                                          <p:spTgt spid="4">
+                                            <p:txEl>
+                                              <p:pRg st="0" end="0"/>
+                                            </p:txEl>
+                                          </p:spTgt>
+                                        </p:tgtEl>
+                                        <p:attrNameLst>
+                                          <p:attrName>style.visibility</p:attrName>
+                                        </p:attrNameLst>
+                                      </p:cBhvr>
+                                      <p:to>
+                                        <p:strVal val="visible"/>
+                                      </p:to>
+                                    </p:set>
+                                    <p:animEffect transition="in" filter="fade">
+                                      <p:cBhvr>
+                                        <p:cTn id="7" dur="500"/>
+                                        <p:tgtEl>
+                                          <p:spTgt spid="4">
+                                            <p:txEl>
+                                              <p:pRg st="0" end="0"/>
+                                            </p:txEl>
+                                          </p:spTgt>
+                                        </p:tgtEl>
+                                      </p:cBhvr>
+                                    </p:animEffect>
+                                  </p:childTnLst>
+                                </p:cTn>
+                              </p:par>
+                            </p:childTnLst>
+                          </p:cTn>
+                        </p:par>
+                      </p:childTnLst>
+                    </p:cTn>
+                  </p:par>
+                  <p:par>
+                    <p:cTn id="8" fill="hold">
+                      <p:stCondLst>
+                        <p:cond delay="indefinite"/>
+                      </p:stCondLst>
+                      <p:childTnLst>
+                        <p:par>
+                          <p:cTn id="9" fill="hold">
+                            <p:stCondLst>
+                              <p:cond delay="0"/>
+                            </p:stCondLst>
+                            <p:childTnLst>
+                              <p:par>
+                                <p:cTn id="10" presetID="10" presetClass="entr" presetSubtype="0" fill="hold" grpId="0" nodeType="clickEffect">
+                                  <p:stCondLst>
+                                    <p:cond delay="0"/>
+                                  </p:stCondLst>
+                                  <p:childTnLst>
+                                    <p:set>
+                                      <p:cBhvr>
+                                        <p:cTn id="11" dur="1" fill="hold">
+                                          <p:stCondLst>
+                                            <p:cond delay="0"/>
+                                          </p:stCondLst>
+                                        </p:cTn>
+                                        <p:tgtEl>
+                                          <p:spTgt spid="4">
+                                            <p:txEl>
+                                              <p:pRg st="2" end="2"/>
+                                            </p:txEl>
+                                          </p:spTgt>
+                                        </p:tgtEl>
+                                        <p:attrNameLst>
+                                          <p:attrName>style.visibility</p:attrName>
+                                        </p:attrNameLst>
+                                      </p:cBhvr>
+                                      <p:to>
+                                        <p:strVal val="visible"/>
+                                      </p:to>
+                                    </p:set>
+                                    <p:animEffect transition="in" filter="fade">
+                                      <p:cBhvr>
+                                        <p:cTn id="12" dur="500"/>
+                                        <p:tgtEl>
+                                          <p:spTgt spid="4">
+                                            <p:txEl>
+                                              <p:pRg st="2" end="2"/>
+                                            </p:txEl>
+                                          </p:spTgt>
+                                        </p:tgtEl>
+                                      </p:cBhvr>
+                                    </p:animEffect>
+                                  </p:childTnLst>
+                                </p:cTn>
+                              </p:par>
+                            </p:childTnLst>
+                          </p:cTn>
+                        </p:par>
+                      </p:childTnLst>
+                    </p:cTn>
+                  </p:par>
+                  <p:par>
+                    <p:cTn id="13" fill="hold">
+                      <p:stCondLst>
+                        <p:cond delay="indefinite"/>
+                      </p:stCondLst>
+                      <p:childTnLst>
+                        <p:par>
+                          <p:cTn id="14" fill="hold">
+                            <p:stCondLst>
+                              <p:cond delay="0"/>
+                            </p:stCondLst>
+                            <p:childTnLst>
+                              <p:par>
+                                <p:cTn id="15" presetID="10" presetClass="entr" presetSubtype="0" fill="hold" grpId="0" nodeType="clickEffect">
+                                  <p:stCondLst>
+                                    <p:cond delay="0"/>
+                                  </p:stCondLst>
+                                  <p:childTnLst>
+                                    <p:set>
+                                      <p:cBhvr>
+                                        <p:cTn id="16" dur="1" fill="hold">
+                                          <p:stCondLst>
+                                            <p:cond delay="0"/>
+                                          </p:stCondLst>
+                                        </p:cTn>
+                                        <p:tgtEl>
+                                          <p:spTgt spid="4">
+                                            <p:txEl>
+                                              <p:pRg st="4" end="4"/>
+                                            </p:txEl>
+                                          </p:spTgt>
+                                        </p:tgtEl>
+                                        <p:attrNameLst>
+                                          <p:attrName>style.visibility</p:attrName>
+                                        </p:attrNameLst>
+                                      </p:cBhvr>
+                                      <p:to>
+                                        <p:strVal val="visible"/>
+                                      </p:to>
+                                    </p:set>
+                                    <p:animEffect transition="in" filter="fade">
+                                      <p:cBhvr>
+                                        <p:cTn id="17" dur="500"/>
+                                        <p:tgtEl>
+                                          <p:spTgt spid="4">
+                                            <p:txEl>
+                                              <p:pRg st="4" end="4"/>
+                                            </p:txEl>
+                                          </p:spTgt>
+                                        </p:tgtEl>
+                                      </p:cBhvr>
+                                    </p:animEffect>
+                                  </p:childTnLst>
+                                </p:cTn>
+                              </p:par>
+                            </p:childTnLst>
+                          </p:cTn>
+                        </p:par>
+                      </p:childTnLst>
+                    </p:cTn>
+                  </p:par>
+                  <p:par>
+                    <p:cTn id="18" fill="hold">
+                      <p:stCondLst>
+                        <p:cond delay="indefinite"/>
+                      </p:stCondLst>
+                      <p:childTnLst>
+                        <p:par>
+                          <p:cTn id="19" fill="hold">
+                            <p:stCondLst>
+                              <p:cond delay="0"/>
+                            </p:stCondLst>
+                            <p:childTnLst>
+                              <p:par>
+                                <p:cTn id="20" presetID="10" presetClass="entr" presetSubtype="0" fill="hold" grpId="0" nodeType="clickEffect">
+                                  <p:stCondLst>
+                                    <p:cond delay="0"/>
+                                  </p:stCondLst>
+                                  <p:childTnLst>
+                                    <p:set>
+                                      <p:cBhvr>
+                                        <p:cTn id="21" dur="1" fill="hold">
+                                          <p:stCondLst>
+                                            <p:cond delay="0"/>
+                                          </p:stCondLst>
+                                        </p:cTn>
+                                        <p:tgtEl>
+                                          <p:spTgt spid="4">
+                                            <p:txEl>
+                                              <p:pRg st="6" end="6"/>
+                                            </p:txEl>
+                                          </p:spTgt>
+                                        </p:tgtEl>
+                                        <p:attrNameLst>
+                                          <p:attrName>style.visibility</p:attrName>
+                                        </p:attrNameLst>
+                                      </p:cBhvr>
+                                      <p:to>
+                                        <p:strVal val="visible"/>
+                                      </p:to>
+                                    </p:set>
+                                    <p:animEffect transition="in" filter="fade">
+                                      <p:cBhvr>
+                                        <p:cTn id="22" dur="500"/>
+                                        <p:tgtEl>
+                                          <p:spTgt spid="4">
+                                            <p:txEl>
+                                              <p:pRg st="6" end="6"/>
+                                            </p:txEl>
+                                          </p:spTgt>
+                                        </p:tgtEl>
+                                      </p:cBhvr>
+                                    </p:animEffect>
+                                  </p:childTnLst>
+                                </p:cTn>
+                              </p:par>
+                            </p:childTnLst>
+                          </p:cTn>
+                        </p:par>
+                      </p:childTnLst>
+                    </p:cTn>
+                  </p:par>
+                  <p:par>
+                    <p:cTn id="23" fill="hold">
+                      <p:stCondLst>
+                        <p:cond delay="indefinite"/>
+                      </p:stCondLst>
+                      <p:childTnLst>
+                        <p:par>
+                          <p:cTn id="24" fill="hold">
+                            <p:stCondLst>
+                              <p:cond delay="0"/>
+                            </p:stCondLst>
+                            <p:childTnLst>
+                              <p:par>
+                                <p:cTn id="25" presetID="10" presetClass="entr" presetSubtype="0" fill="hold" grpId="0" nodeType="clickEffect">
+                                  <p:stCondLst>
+                                    <p:cond delay="0"/>
+                                  </p:stCondLst>
+                                  <p:childTnLst>
+                                    <p:set>
+                                      <p:cBhvr>
+                                        <p:cTn id="26" dur="1" fill="hold">
+                                          <p:stCondLst>
+                                            <p:cond delay="0"/>
+                                          </p:stCondLst>
+                                        </p:cTn>
+                                        <p:tgtEl>
+                                          <p:spTgt spid="4">
+                                            <p:txEl>
+                                              <p:pRg st="8" end="8"/>
+                                            </p:txEl>
+                                          </p:spTgt>
+                                        </p:tgtEl>
+                                        <p:attrNameLst>
+                                          <p:attrName>style.visibility</p:attrName>
+                                        </p:attrNameLst>
+                                      </p:cBhvr>
+                                      <p:to>
+                                        <p:strVal val="visible"/>
+                                      </p:to>
+                                    </p:set>
+                                    <p:animEffect transition="in" filter="fade">
+                                      <p:cBhvr>
+                                        <p:cTn id="27" dur="500"/>
+                                        <p:tgtEl>
+                                          <p:spTgt spid="4">
+                                            <p:txEl>
+                                              <p:pRg st="8" end="8"/>
+                                            </p:txEl>
+                                          </p:spTgt>
+                                        </p:tgtEl>
+                                      </p:cBhvr>
+                                    </p:animEffect>
+                                  </p:childTnLst>
+                                </p:cTn>
+                              </p:par>
+                            </p:childTnLst>
+                          </p:cTn>
+                        </p:par>
+                      </p:childTnLst>
+                    </p:cTn>
+                  </p:par>
+                </p:childTnLst>
+              </p:cTn>
+              <p:prevCondLst>
+                <p:cond evt="onPrev" delay="0">
+                  <p:tgtEl>
+                    <p:sldTgt/>
+                  </p:tgtEl>
+                </p:cond>
+              </p:prevCondLst>
+              <p:nextCondLst>
+                <p:cond evt="onNext" delay="0">
+                  <p:tgtEl>
+                    <p:sldTgt/>
+                  </p:tgtEl>
+                </p:cond>
+              </p:nextCondLst>
+            </p:seq>
+          </p:childTnLst>
+        </p:cTn>
+      </p:par>
+    </p:tnLst>
+    <p:bldLst>
+      <p:bldP spid="4" grpId="0" build="p"/>
+    </p:bldLst>
+  </p:timing>
+</p:sld>
+</file>
+
+<file path=ppt/slides/slide29.xml><?xml version="1.0" encoding="utf-8"?>
+<p:sld xmlns:a="http://schemas.openxmlformats.org/drawingml/2006/main" xmlns:r="http://schemas.openxmlformats.org/officeDocument/2006/relationships" xmlns:p="http://schemas.openxmlformats.org/presentationml/2006/main">
+  <p:cSld>
+    <p:spTree>
+      <p:nvGrpSpPr>
+        <p:cNvPr id="1" name=""/>
+        <p:cNvGrpSpPr/>
+        <p:nvPr/>
+      </p:nvGrpSpPr>
+      <p:grpSpPr>
+        <a:xfrm>
+          <a:off x="0" y="0"/>
+          <a:ext cx="0" cy="0"/>
+          <a:chOff x="0" y="0"/>
+          <a:chExt cx="0" cy="0"/>
+        </a:xfrm>
+      </p:grpSpPr>
+      <p:sp>
+        <p:nvSpPr>
+          <p:cNvPr id="5122" name="Rectangle 2"/>
+          <p:cNvSpPr>
+            <a:spLocks noGrp="1" noChangeArrowheads="1"/>
+          </p:cNvSpPr>
+          <p:nvPr>
+            <p:ph type="title"/>
+          </p:nvPr>
+        </p:nvSpPr>
+        <p:spPr/>
+        <p:txBody>
+          <a:bodyPr/>
+          <a:lstStyle/>
+          <a:p>
+            <a:pPr>
+              <a:defRPr/>
+            </a:pPr>
+            <a:r>
+              <a:rPr lang="tr-TR" dirty="0" smtClean="0">
+                <a:latin typeface="Arial" panose="020B0604020202020204" pitchFamily="34" charset="0"/>
+                <a:cs typeface="Arial" panose="020B0604020202020204" pitchFamily="34" charset="0"/>
+              </a:rPr>
+              <a:t>References</a:t>
+            </a:r>
+            <a:endParaRPr lang="en-US" dirty="0" smtClean="0">
+              <a:latin typeface="Arial" panose="020B0604020202020204" pitchFamily="34" charset="0"/>
+              <a:cs typeface="Arial" panose="020B0604020202020204" pitchFamily="34" charset="0"/>
+            </a:endParaRPr>
+          </a:p>
+        </p:txBody>
+      </p:sp>
+      <p:sp>
+        <p:nvSpPr>
+          <p:cNvPr id="2" name="Date Placeholder 1"/>
+          <p:cNvSpPr>
+            <a:spLocks noGrp="1"/>
+          </p:cNvSpPr>
+          <p:nvPr>
+            <p:ph type="dt" sz="half" idx="2"/>
+          </p:nvPr>
+        </p:nvSpPr>
+        <p:spPr/>
+        <p:txBody>
+          <a:bodyPr/>
+          <a:lstStyle/>
+          <a:p>
+            <a:pPr>
+              <a:defRPr/>
+            </a:pPr>
+            <a:r>
+              <a:rPr lang="tr-TR" smtClean="0"/>
+              <a:t>18.01.2019</a:t>
+            </a:r>
+            <a:endParaRPr lang="en-US" dirty="0"/>
+          </a:p>
+        </p:txBody>
+      </p:sp>
+      <p:sp>
+        <p:nvSpPr>
+          <p:cNvPr id="3" name="Slide Number Placeholder 2"/>
+          <p:cNvSpPr>
+            <a:spLocks noGrp="1"/>
+          </p:cNvSpPr>
+          <p:nvPr>
+            <p:ph type="sldNum" sz="quarter" idx="12"/>
+          </p:nvPr>
+        </p:nvSpPr>
+        <p:spPr/>
+        <p:txBody>
+          <a:bodyPr/>
+          <a:lstStyle/>
+          <a:p>
+            <a:pPr>
+              <a:defRPr/>
+            </a:pPr>
+            <a:fld id="{C878F797-6006-4DDA-AFE9-456F280FE6C5}" type="slidenum">
+              <a:rPr lang="en-US" smtClean="0"/>
+              <a:pPr>
+                <a:defRPr/>
+              </a:pPr>
+              <a:t>29</a:t>
             </a:fld>
             <a:endParaRPr lang="en-US" dirty="0"/>
           </a:p>
@@ -12187,8 +13017,7 @@
             </a:r>
           </a:p>
           <a:p>
-            <a:pPr marL="457200" lvl="2" indent="0">
-              <a:buNone/>
+            <a:pPr lvl="3">
               <a:defRPr/>
             </a:pPr>
             <a:r>
@@ -12196,26 +13025,14 @@
                 <a:latin typeface="Arial" panose="020B0604020202020204" pitchFamily="34" charset="0"/>
                 <a:cs typeface="Arial" panose="020B0604020202020204" pitchFamily="34" charset="0"/>
               </a:rPr>
-              <a:t>Renewable Energy Reduces</a:t>
+              <a:t>Fossil </a:t>
             </a:r>
             <a:r>
               <a:rPr lang="tr-TR" sz="2000" dirty="0">
                 <a:latin typeface="Arial" panose="020B0604020202020204" pitchFamily="34" charset="0"/>
                 <a:cs typeface="Arial" panose="020B0604020202020204" pitchFamily="34" charset="0"/>
               </a:rPr>
-              <a:t>: </a:t>
-            </a:r>
-          </a:p>
-          <a:p>
-            <a:pPr lvl="3">
-              <a:defRPr/>
-            </a:pPr>
-            <a:r>
-              <a:rPr lang="tr-TR" sz="2000" dirty="0">
-                <a:latin typeface="Arial" panose="020B0604020202020204" pitchFamily="34" charset="0"/>
-                <a:cs typeface="Arial" panose="020B0604020202020204" pitchFamily="34" charset="0"/>
-              </a:rPr>
-              <a:t>Fossil Fuel Usage</a:t>
+              <a:t>Fuel Usage</a:t>
             </a:r>
           </a:p>
           <a:p>
@@ -12266,7 +13083,7 @@
             </a:r>
           </a:p>
           <a:p>
-            <a:pPr lvl="2">
+            <a:pPr lvl="3">
               <a:defRPr/>
             </a:pPr>
             <a:r>
@@ -12274,20 +13091,41 @@
                 <a:latin typeface="Arial" panose="020B0604020202020204" pitchFamily="34" charset="0"/>
                 <a:cs typeface="Arial" panose="020B0604020202020204" pitchFamily="34" charset="0"/>
               </a:rPr>
-              <a:t>Operational Problems:</a:t>
-            </a:r>
-          </a:p>
-          <a:p>
-            <a:pPr lvl="2">
+              <a:t>Operational </a:t>
+            </a:r>
+            <a:r>
+              <a:rPr lang="tr-TR" sz="2000" dirty="0" smtClean="0">
+                <a:latin typeface="Arial" panose="020B0604020202020204" pitchFamily="34" charset="0"/>
+                <a:cs typeface="Arial" panose="020B0604020202020204" pitchFamily="34" charset="0"/>
+              </a:rPr>
+              <a:t>Problems</a:t>
+            </a:r>
+          </a:p>
+          <a:p>
+            <a:pPr lvl="4">
               <a:defRPr/>
             </a:pPr>
+            <a:r>
+              <a:rPr lang="tr-TR" sz="2000" dirty="0">
+                <a:latin typeface="Arial" panose="020B0604020202020204" pitchFamily="34" charset="0"/>
+                <a:cs typeface="Arial" panose="020B0604020202020204" pitchFamily="34" charset="0"/>
+              </a:rPr>
+              <a:t>	</a:t>
+            </a:r>
+            <a:r>
+              <a:rPr lang="tr-TR" sz="2000" dirty="0" smtClean="0">
+                <a:latin typeface="Arial" panose="020B0604020202020204" pitchFamily="34" charset="0"/>
+                <a:cs typeface="Arial" panose="020B0604020202020204" pitchFamily="34" charset="0"/>
+              </a:rPr>
+              <a:t>variable and uncontrolled nature of renewable sources </a:t>
+            </a:r>
             <a:endParaRPr lang="tr-TR" sz="2000" dirty="0">
               <a:latin typeface="Arial" panose="020B0604020202020204" pitchFamily="34" charset="0"/>
               <a:cs typeface="Arial" panose="020B0604020202020204" pitchFamily="34" charset="0"/>
             </a:endParaRPr>
           </a:p>
           <a:p>
-            <a:pPr lvl="2">
+            <a:pPr lvl="3">
               <a:defRPr/>
             </a:pPr>
             <a:r>
@@ -12295,8 +13133,31 @@
                 <a:latin typeface="Arial" panose="020B0604020202020204" pitchFamily="34" charset="0"/>
                 <a:cs typeface="Arial" panose="020B0604020202020204" pitchFamily="34" charset="0"/>
               </a:rPr>
-              <a:t>Grid Inertia</a:t>
-            </a:r>
+              <a:t>Reduction in Grid Inertia</a:t>
+            </a:r>
+          </a:p>
+          <a:p>
+            <a:pPr lvl="4">
+              <a:defRPr/>
+            </a:pPr>
+            <a:r>
+              <a:rPr lang="tr-TR" sz="2000" dirty="0">
+                <a:latin typeface="Arial" panose="020B0604020202020204" pitchFamily="34" charset="0"/>
+                <a:cs typeface="Arial" panose="020B0604020202020204" pitchFamily="34" charset="0"/>
+              </a:rPr>
+              <a:t>	</a:t>
+            </a:r>
+            <a:r>
+              <a:rPr lang="tr-TR" sz="2000" dirty="0" smtClean="0">
+                <a:latin typeface="Arial" panose="020B0604020202020204" pitchFamily="34" charset="0"/>
+                <a:cs typeface="Arial" panose="020B0604020202020204" pitchFamily="34" charset="0"/>
+              </a:rPr>
+              <a:t>existing control structure of the wind turbines</a:t>
+            </a:r>
+            <a:endParaRPr lang="tr-TR" sz="2000" dirty="0" smtClean="0">
+              <a:latin typeface="Arial" panose="020B0604020202020204" pitchFamily="34" charset="0"/>
+              <a:cs typeface="Arial" panose="020B0604020202020204" pitchFamily="34" charset="0"/>
+            </a:endParaRPr>
           </a:p>
         </p:txBody>
       </p:sp>
@@ -12369,7 +13230,464 @@
   <p:timing>
     <p:tnLst>
       <p:par>
-        <p:cTn id="1" dur="indefinite" restart="never" nodeType="tmRoot"/>
+        <p:cTn id="1" dur="indefinite" restart="never" nodeType="tmRoot">
+          <p:childTnLst>
+            <p:seq concurrent="1" nextAc="seek">
+              <p:cTn id="2" dur="indefinite" nodeType="mainSeq">
+                <p:childTnLst>
+                  <p:par>
+                    <p:cTn id="3" fill="hold">
+                      <p:stCondLst>
+                        <p:cond delay="indefinite"/>
+                      </p:stCondLst>
+                      <p:childTnLst>
+                        <p:par>
+                          <p:cTn id="4" fill="hold">
+                            <p:stCondLst>
+                              <p:cond delay="0"/>
+                            </p:stCondLst>
+                            <p:childTnLst>
+                              <p:par>
+                                <p:cTn id="5" presetID="10" presetClass="entr" presetSubtype="0" fill="hold" nodeType="clickEffect">
+                                  <p:stCondLst>
+                                    <p:cond delay="0"/>
+                                  </p:stCondLst>
+                                  <p:childTnLst>
+                                    <p:set>
+                                      <p:cBhvr>
+                                        <p:cTn id="6" dur="1" fill="hold">
+                                          <p:stCondLst>
+                                            <p:cond delay="0"/>
+                                          </p:stCondLst>
+                                        </p:cTn>
+                                        <p:tgtEl>
+                                          <p:spTgt spid="5123">
+                                            <p:txEl>
+                                              <p:pRg st="0" end="0"/>
+                                            </p:txEl>
+                                          </p:spTgt>
+                                        </p:tgtEl>
+                                        <p:attrNameLst>
+                                          <p:attrName>style.visibility</p:attrName>
+                                        </p:attrNameLst>
+                                      </p:cBhvr>
+                                      <p:to>
+                                        <p:strVal val="visible"/>
+                                      </p:to>
+                                    </p:set>
+                                    <p:animEffect transition="in" filter="fade">
+                                      <p:cBhvr>
+                                        <p:cTn id="7" dur="500"/>
+                                        <p:tgtEl>
+                                          <p:spTgt spid="5123">
+                                            <p:txEl>
+                                              <p:pRg st="0" end="0"/>
+                                            </p:txEl>
+                                          </p:spTgt>
+                                        </p:tgtEl>
+                                      </p:cBhvr>
+                                    </p:animEffect>
+                                  </p:childTnLst>
+                                </p:cTn>
+                              </p:par>
+                            </p:childTnLst>
+                          </p:cTn>
+                        </p:par>
+                      </p:childTnLst>
+                    </p:cTn>
+                  </p:par>
+                  <p:par>
+                    <p:cTn id="8" fill="hold">
+                      <p:stCondLst>
+                        <p:cond delay="indefinite"/>
+                      </p:stCondLst>
+                      <p:childTnLst>
+                        <p:par>
+                          <p:cTn id="9" fill="hold">
+                            <p:stCondLst>
+                              <p:cond delay="0"/>
+                            </p:stCondLst>
+                            <p:childTnLst>
+                              <p:par>
+                                <p:cTn id="10" presetID="10" presetClass="entr" presetSubtype="0" fill="hold" nodeType="clickEffect">
+                                  <p:stCondLst>
+                                    <p:cond delay="0"/>
+                                  </p:stCondLst>
+                                  <p:childTnLst>
+                                    <p:set>
+                                      <p:cBhvr>
+                                        <p:cTn id="11" dur="1" fill="hold">
+                                          <p:stCondLst>
+                                            <p:cond delay="0"/>
+                                          </p:stCondLst>
+                                        </p:cTn>
+                                        <p:tgtEl>
+                                          <p:spTgt spid="5123">
+                                            <p:txEl>
+                                              <p:pRg st="1" end="1"/>
+                                            </p:txEl>
+                                          </p:spTgt>
+                                        </p:tgtEl>
+                                        <p:attrNameLst>
+                                          <p:attrName>style.visibility</p:attrName>
+                                        </p:attrNameLst>
+                                      </p:cBhvr>
+                                      <p:to>
+                                        <p:strVal val="visible"/>
+                                      </p:to>
+                                    </p:set>
+                                    <p:animEffect transition="in" filter="fade">
+                                      <p:cBhvr>
+                                        <p:cTn id="12" dur="500"/>
+                                        <p:tgtEl>
+                                          <p:spTgt spid="5123">
+                                            <p:txEl>
+                                              <p:pRg st="1" end="1"/>
+                                            </p:txEl>
+                                          </p:spTgt>
+                                        </p:tgtEl>
+                                      </p:cBhvr>
+                                    </p:animEffect>
+                                  </p:childTnLst>
+                                </p:cTn>
+                              </p:par>
+                              <p:par>
+                                <p:cTn id="13" presetID="10" presetClass="entr" presetSubtype="0" fill="hold" nodeType="withEffect">
+                                  <p:stCondLst>
+                                    <p:cond delay="0"/>
+                                  </p:stCondLst>
+                                  <p:childTnLst>
+                                    <p:set>
+                                      <p:cBhvr>
+                                        <p:cTn id="14" dur="1" fill="hold">
+                                          <p:stCondLst>
+                                            <p:cond delay="0"/>
+                                          </p:stCondLst>
+                                        </p:cTn>
+                                        <p:tgtEl>
+                                          <p:spTgt spid="5123">
+                                            <p:txEl>
+                                              <p:pRg st="2" end="2"/>
+                                            </p:txEl>
+                                          </p:spTgt>
+                                        </p:tgtEl>
+                                        <p:attrNameLst>
+                                          <p:attrName>style.visibility</p:attrName>
+                                        </p:attrNameLst>
+                                      </p:cBhvr>
+                                      <p:to>
+                                        <p:strVal val="visible"/>
+                                      </p:to>
+                                    </p:set>
+                                    <p:animEffect transition="in" filter="fade">
+                                      <p:cBhvr>
+                                        <p:cTn id="15" dur="500"/>
+                                        <p:tgtEl>
+                                          <p:spTgt spid="5123">
+                                            <p:txEl>
+                                              <p:pRg st="2" end="2"/>
+                                            </p:txEl>
+                                          </p:spTgt>
+                                        </p:tgtEl>
+                                      </p:cBhvr>
+                                    </p:animEffect>
+                                  </p:childTnLst>
+                                </p:cTn>
+                              </p:par>
+                            </p:childTnLst>
+                          </p:cTn>
+                        </p:par>
+                      </p:childTnLst>
+                    </p:cTn>
+                  </p:par>
+                  <p:par>
+                    <p:cTn id="16" fill="hold">
+                      <p:stCondLst>
+                        <p:cond delay="indefinite"/>
+                      </p:stCondLst>
+                      <p:childTnLst>
+                        <p:par>
+                          <p:cTn id="17" fill="hold">
+                            <p:stCondLst>
+                              <p:cond delay="0"/>
+                            </p:stCondLst>
+                            <p:childTnLst>
+                              <p:par>
+                                <p:cTn id="18" presetID="10" presetClass="entr" presetSubtype="0" fill="hold" nodeType="clickEffect">
+                                  <p:stCondLst>
+                                    <p:cond delay="0"/>
+                                  </p:stCondLst>
+                                  <p:childTnLst>
+                                    <p:set>
+                                      <p:cBhvr>
+                                        <p:cTn id="19" dur="1" fill="hold">
+                                          <p:stCondLst>
+                                            <p:cond delay="0"/>
+                                          </p:stCondLst>
+                                        </p:cTn>
+                                        <p:tgtEl>
+                                          <p:spTgt spid="5123">
+                                            <p:txEl>
+                                              <p:pRg st="4" end="4"/>
+                                            </p:txEl>
+                                          </p:spTgt>
+                                        </p:tgtEl>
+                                        <p:attrNameLst>
+                                          <p:attrName>style.visibility</p:attrName>
+                                        </p:attrNameLst>
+                                      </p:cBhvr>
+                                      <p:to>
+                                        <p:strVal val="visible"/>
+                                      </p:to>
+                                    </p:set>
+                                    <p:animEffect transition="in" filter="fade">
+                                      <p:cBhvr>
+                                        <p:cTn id="20" dur="500"/>
+                                        <p:tgtEl>
+                                          <p:spTgt spid="5123">
+                                            <p:txEl>
+                                              <p:pRg st="4" end="4"/>
+                                            </p:txEl>
+                                          </p:spTgt>
+                                        </p:tgtEl>
+                                      </p:cBhvr>
+                                    </p:animEffect>
+                                  </p:childTnLst>
+                                </p:cTn>
+                              </p:par>
+                            </p:childTnLst>
+                          </p:cTn>
+                        </p:par>
+                      </p:childTnLst>
+                    </p:cTn>
+                  </p:par>
+                  <p:par>
+                    <p:cTn id="21" fill="hold">
+                      <p:stCondLst>
+                        <p:cond delay="indefinite"/>
+                      </p:stCondLst>
+                      <p:childTnLst>
+                        <p:par>
+                          <p:cTn id="22" fill="hold">
+                            <p:stCondLst>
+                              <p:cond delay="0"/>
+                            </p:stCondLst>
+                            <p:childTnLst>
+                              <p:par>
+                                <p:cTn id="23" presetID="10" presetClass="entr" presetSubtype="0" fill="hold" nodeType="clickEffect">
+                                  <p:stCondLst>
+                                    <p:cond delay="0"/>
+                                  </p:stCondLst>
+                                  <p:childTnLst>
+                                    <p:set>
+                                      <p:cBhvr>
+                                        <p:cTn id="24" dur="1" fill="hold">
+                                          <p:stCondLst>
+                                            <p:cond delay="0"/>
+                                          </p:stCondLst>
+                                        </p:cTn>
+                                        <p:tgtEl>
+                                          <p:spTgt spid="5123">
+                                            <p:txEl>
+                                              <p:pRg st="5" end="5"/>
+                                            </p:txEl>
+                                          </p:spTgt>
+                                        </p:tgtEl>
+                                        <p:attrNameLst>
+                                          <p:attrName>style.visibility</p:attrName>
+                                        </p:attrNameLst>
+                                      </p:cBhvr>
+                                      <p:to>
+                                        <p:strVal val="visible"/>
+                                      </p:to>
+                                    </p:set>
+                                    <p:animEffect transition="in" filter="fade">
+                                      <p:cBhvr>
+                                        <p:cTn id="25" dur="500"/>
+                                        <p:tgtEl>
+                                          <p:spTgt spid="5123">
+                                            <p:txEl>
+                                              <p:pRg st="5" end="5"/>
+                                            </p:txEl>
+                                          </p:spTgt>
+                                        </p:tgtEl>
+                                      </p:cBhvr>
+                                    </p:animEffect>
+                                  </p:childTnLst>
+                                </p:cTn>
+                              </p:par>
+                              <p:par>
+                                <p:cTn id="26" presetID="10" presetClass="entr" presetSubtype="0" fill="hold" nodeType="withEffect">
+                                  <p:stCondLst>
+                                    <p:cond delay="0"/>
+                                  </p:stCondLst>
+                                  <p:childTnLst>
+                                    <p:set>
+                                      <p:cBhvr>
+                                        <p:cTn id="27" dur="1" fill="hold">
+                                          <p:stCondLst>
+                                            <p:cond delay="0"/>
+                                          </p:stCondLst>
+                                        </p:cTn>
+                                        <p:tgtEl>
+                                          <p:spTgt spid="5123">
+                                            <p:txEl>
+                                              <p:pRg st="6" end="6"/>
+                                            </p:txEl>
+                                          </p:spTgt>
+                                        </p:tgtEl>
+                                        <p:attrNameLst>
+                                          <p:attrName>style.visibility</p:attrName>
+                                        </p:attrNameLst>
+                                      </p:cBhvr>
+                                      <p:to>
+                                        <p:strVal val="visible"/>
+                                      </p:to>
+                                    </p:set>
+                                    <p:animEffect transition="in" filter="fade">
+                                      <p:cBhvr>
+                                        <p:cTn id="28" dur="500"/>
+                                        <p:tgtEl>
+                                          <p:spTgt spid="5123">
+                                            <p:txEl>
+                                              <p:pRg st="6" end="6"/>
+                                            </p:txEl>
+                                          </p:spTgt>
+                                        </p:tgtEl>
+                                      </p:cBhvr>
+                                    </p:animEffect>
+                                  </p:childTnLst>
+                                </p:cTn>
+                              </p:par>
+                            </p:childTnLst>
+                          </p:cTn>
+                        </p:par>
+                      </p:childTnLst>
+                    </p:cTn>
+                  </p:par>
+                  <p:par>
+                    <p:cTn id="29" fill="hold">
+                      <p:stCondLst>
+                        <p:cond delay="indefinite"/>
+                      </p:stCondLst>
+                      <p:childTnLst>
+                        <p:par>
+                          <p:cTn id="30" fill="hold">
+                            <p:stCondLst>
+                              <p:cond delay="0"/>
+                            </p:stCondLst>
+                            <p:childTnLst>
+                              <p:par>
+                                <p:cTn id="31" presetID="10" presetClass="entr" presetSubtype="0" fill="hold" nodeType="clickEffect">
+                                  <p:stCondLst>
+                                    <p:cond delay="0"/>
+                                  </p:stCondLst>
+                                  <p:childTnLst>
+                                    <p:set>
+                                      <p:cBhvr>
+                                        <p:cTn id="32" dur="1" fill="hold">
+                                          <p:stCondLst>
+                                            <p:cond delay="0"/>
+                                          </p:stCondLst>
+                                        </p:cTn>
+                                        <p:tgtEl>
+                                          <p:spTgt spid="5123">
+                                            <p:txEl>
+                                              <p:pRg st="7" end="7"/>
+                                            </p:txEl>
+                                          </p:spTgt>
+                                        </p:tgtEl>
+                                        <p:attrNameLst>
+                                          <p:attrName>style.visibility</p:attrName>
+                                        </p:attrNameLst>
+                                      </p:cBhvr>
+                                      <p:to>
+                                        <p:strVal val="visible"/>
+                                      </p:to>
+                                    </p:set>
+                                    <p:animEffect transition="in" filter="fade">
+                                      <p:cBhvr>
+                                        <p:cTn id="33" dur="500"/>
+                                        <p:tgtEl>
+                                          <p:spTgt spid="5123">
+                                            <p:txEl>
+                                              <p:pRg st="7" end="7"/>
+                                            </p:txEl>
+                                          </p:spTgt>
+                                        </p:tgtEl>
+                                      </p:cBhvr>
+                                    </p:animEffect>
+                                  </p:childTnLst>
+                                </p:cTn>
+                              </p:par>
+                              <p:par>
+                                <p:cTn id="34" presetID="10" presetClass="entr" presetSubtype="0" fill="hold" nodeType="withEffect">
+                                  <p:stCondLst>
+                                    <p:cond delay="0"/>
+                                  </p:stCondLst>
+                                  <p:childTnLst>
+                                    <p:set>
+                                      <p:cBhvr>
+                                        <p:cTn id="35" dur="1" fill="hold">
+                                          <p:stCondLst>
+                                            <p:cond delay="0"/>
+                                          </p:stCondLst>
+                                        </p:cTn>
+                                        <p:tgtEl>
+                                          <p:spTgt spid="5123">
+                                            <p:txEl>
+                                              <p:pRg st="8" end="8"/>
+                                            </p:txEl>
+                                          </p:spTgt>
+                                        </p:tgtEl>
+                                        <p:attrNameLst>
+                                          <p:attrName>style.visibility</p:attrName>
+                                        </p:attrNameLst>
+                                      </p:cBhvr>
+                                      <p:to>
+                                        <p:strVal val="visible"/>
+                                      </p:to>
+                                    </p:set>
+                                    <p:animEffect transition="in" filter="fade">
+                                      <p:cBhvr>
+                                        <p:cTn id="36" dur="500"/>
+                                        <p:tgtEl>
+                                          <p:spTgt spid="5123">
+                                            <p:txEl>
+                                              <p:pRg st="8" end="8"/>
+                                            </p:txEl>
+                                          </p:spTgt>
+                                        </p:tgtEl>
+                                      </p:cBhvr>
+                                    </p:animEffect>
+                                  </p:childTnLst>
+                                </p:cTn>
+                              </p:par>
+                            </p:childTnLst>
+                          </p:cTn>
+                        </p:par>
+                      </p:childTnLst>
+                    </p:cTn>
+                  </p:par>
+                </p:childTnLst>
+              </p:cTn>
+              <p:prevCondLst>
+                <p:cond evt="onPrev" delay="0">
+                  <p:tgtEl>
+                    <p:sldTgt/>
+                  </p:tgtEl>
+                </p:cond>
+              </p:prevCondLst>
+              <p:nextCondLst>
+                <p:cond evt="onNext" delay="0">
+                  <p:tgtEl>
+                    <p:sldTgt/>
+                  </p:tgtEl>
+                </p:cond>
+              </p:nextCondLst>
+            </p:seq>
+          </p:childTnLst>
+        </p:cTn>
       </p:par>
     </p:tnLst>
   </p:timing>
@@ -12829,8 +14147,8 @@
           </p:sp>
         </mc:Fallback>
       </mc:AlternateContent>
-      <mc:AlternateContent xmlns:mc="http://schemas.openxmlformats.org/markup-compatibility/2006" xmlns:a14="http://schemas.microsoft.com/office/drawing/2010/main">
-        <mc:Choice Requires="a14">
+      <mc:AlternateContent xmlns:mc="http://schemas.openxmlformats.org/markup-compatibility/2006">
+        <mc:Choice xmlns:a14="http://schemas.microsoft.com/office/drawing/2010/main" Requires="a14">
           <p:sp>
             <p:nvSpPr>
               <p:cNvPr id="4" name="Rectangle 3"/>
@@ -12840,7 +14158,7 @@
             <p:spPr>
               <a:xfrm>
                 <a:off x="775594" y="4162013"/>
-                <a:ext cx="3946846" cy="1015663"/>
+                <a:ext cx="3946846" cy="1323439"/>
               </a:xfrm>
               <a:prstGeom prst="rect">
                 <a:avLst/>
@@ -12883,8 +14201,13 @@
                 </a14:m>
                 <a:r>
                   <a:rPr lang="tr-TR" sz="2000" dirty="0" smtClean="0"/>
-                  <a:t>: Mechanical Input Torque</a:t>
+                  <a:t>: Mechanical Input </a:t>
                 </a:r>
+                <a:r>
+                  <a:rPr lang="tr-TR" sz="2000" dirty="0" smtClean="0"/>
+                  <a:t>Torque (water flow)</a:t>
+                </a:r>
+                <a:endParaRPr lang="tr-TR" sz="2000" dirty="0" smtClean="0"/>
               </a:p>
               <a:p>
                 <a14:m>
@@ -12925,7 +14248,7 @@
             </p:txBody>
           </p:sp>
         </mc:Choice>
-        <mc:Fallback xmlns="">
+        <mc:Fallback>
           <p:sp>
             <p:nvSpPr>
               <p:cNvPr id="4" name="Rectangle 3"/>
@@ -12937,7 +14260,7 @@
             <p:spPr>
               <a:xfrm>
                 <a:off x="775594" y="4162013"/>
-                <a:ext cx="3946846" cy="1015663"/>
+                <a:ext cx="3946846" cy="1323439"/>
               </a:xfrm>
               <a:prstGeom prst="rect">
                 <a:avLst/>
@@ -12945,7 +14268,7 @@
               <a:blipFill>
                 <a:blip r:embed="rId6"/>
                 <a:stretch>
-                  <a:fillRect l="-1543" t="-3012" b="-10843"/>
+                  <a:fillRect l="-1543" t="-2304" b="-7834"/>
                 </a:stretch>
               </a:blipFill>
             </p:spPr>
@@ -14162,7 +15485,7 @@
         <p:spPr>
           <a:xfrm>
             <a:off x="457199" y="2068243"/>
-            <a:ext cx="3384376" cy="3785652"/>
+            <a:ext cx="3384376" cy="4154984"/>
           </a:xfrm>
           <a:prstGeom prst="rect">
             <a:avLst/>
@@ -14190,8 +15513,13 @@
             </a:pPr>
             <a:r>
               <a:rPr lang="tr-TR" dirty="0" smtClean="0"/>
-              <a:t>Primary Frequency Control</a:t>
-            </a:r>
+              <a:t>Primary Frequency </a:t>
+            </a:r>
+            <a:r>
+              <a:rPr lang="tr-TR" dirty="0" smtClean="0"/>
+              <a:t>Control (no longer than 15s)</a:t>
+            </a:r>
+            <a:endParaRPr lang="tr-TR" dirty="0" smtClean="0"/>
           </a:p>
           <a:p>
             <a:pPr marL="342900" indent="-342900">
@@ -14461,36 +15789,6 @@
       </p:sp>
       <p:sp>
         <p:nvSpPr>
-          <p:cNvPr id="4" name="TextBox 3"/>
-          <p:cNvSpPr txBox="1"/>
-          <p:nvPr/>
-        </p:nvSpPr>
-        <p:spPr>
-          <a:xfrm>
-            <a:off x="611560" y="2060848"/>
-            <a:ext cx="3708776" cy="1569660"/>
-          </a:xfrm>
-          <a:prstGeom prst="rect">
-            <a:avLst/>
-          </a:prstGeom>
-          <a:noFill/>
-        </p:spPr>
-        <p:txBody>
-          <a:bodyPr wrap="square" rtlCol="0">
-            <a:spAutoFit/>
-          </a:bodyPr>
-          <a:lstStyle/>
-          <a:p>
-            <a:r>
-              <a:rPr lang="tr-TR" dirty="0" smtClean="0"/>
-              <a:t>Frequency decline is arrested by Inertial Support and Primary Frequency Controllers</a:t>
-            </a:r>
-            <a:endParaRPr lang="tr-TR" dirty="0"/>
-          </a:p>
-        </p:txBody>
-      </p:sp>
-      <p:sp>
-        <p:nvSpPr>
           <p:cNvPr id="11" name="TextBox 10"/>
           <p:cNvSpPr txBox="1"/>
           <p:nvPr/>
@@ -14521,6 +15819,59 @@
               </a:rPr>
               <a:t> Lower RoCoF</a:t>
             </a:r>
+            <a:endParaRPr lang="tr-TR" dirty="0"/>
+          </a:p>
+        </p:txBody>
+      </p:sp>
+      <p:sp>
+        <p:nvSpPr>
+          <p:cNvPr id="12" name="TextBox 11"/>
+          <p:cNvSpPr txBox="1"/>
+          <p:nvPr/>
+        </p:nvSpPr>
+        <p:spPr>
+          <a:xfrm>
+            <a:off x="748924" y="1660847"/>
+            <a:ext cx="3708776" cy="3416320"/>
+          </a:xfrm>
+          <a:prstGeom prst="rect">
+            <a:avLst/>
+          </a:prstGeom>
+          <a:noFill/>
+        </p:spPr>
+        <p:txBody>
+          <a:bodyPr wrap="square" rtlCol="0">
+            <a:spAutoFit/>
+          </a:bodyPr>
+          <a:lstStyle/>
+          <a:p>
+            <a:pPr marL="342900" indent="-342900">
+              <a:buFont typeface="Arial" panose="020B0604020202020204" pitchFamily="34" charset="0"/>
+              <a:buChar char="•"/>
+            </a:pPr>
+            <a:r>
+              <a:rPr lang="tr-TR" dirty="0" smtClean="0"/>
+              <a:t>Until the primary controller action, the frequency falls. </a:t>
+            </a:r>
+          </a:p>
+          <a:p>
+            <a:pPr marL="800100" lvl="1" indent="-342900">
+              <a:buFont typeface="Arial" panose="020B0604020202020204" pitchFamily="34" charset="0"/>
+              <a:buChar char="•"/>
+            </a:pPr>
+            <a:endParaRPr lang="tr-TR" dirty="0"/>
+          </a:p>
+          <a:p>
+            <a:pPr marL="342900" indent="-342900">
+              <a:buFont typeface="Arial" panose="020B0604020202020204" pitchFamily="34" charset="0"/>
+              <a:buChar char="•"/>
+            </a:pPr>
+            <a:r>
+              <a:rPr lang="tr-TR" dirty="0"/>
+              <a:t>Frequency decline is arrested by Inertial Support and Primary Frequency Controllers</a:t>
+            </a:r>
+          </a:p>
+          <a:p>
             <a:endParaRPr lang="tr-TR" dirty="0"/>
           </a:p>
         </p:txBody>
@@ -14808,7 +16159,7 @@
                 <a:latin typeface="Arial" panose="020B0604020202020204" pitchFamily="34" charset="0"/>
                 <a:cs typeface="Arial" panose="020B0604020202020204" pitchFamily="34" charset="0"/>
               </a:rPr>
-              <a:t>Swing Equation</a:t>
+              <a:t>Renewable Energy Problems</a:t>
             </a:r>
             <a:endParaRPr lang="en-US" dirty="0" smtClean="0">
               <a:latin typeface="Arial" panose="020B0604020202020204" pitchFamily="34" charset="0"/>
@@ -14872,15 +16223,58 @@
           </a:p>
         </p:txBody>
       </p:sp>
+      <p:sp>
+        <p:nvSpPr>
+          <p:cNvPr id="4" name="Content Placeholder 3"/>
+          <p:cNvSpPr>
+            <a:spLocks noGrp="1"/>
+          </p:cNvSpPr>
+          <p:nvPr>
+            <p:ph idx="1"/>
+          </p:nvPr>
+        </p:nvSpPr>
+        <p:spPr>
+          <a:xfrm>
+            <a:off x="457200" y="1430339"/>
+            <a:ext cx="8229600" cy="1782637"/>
+          </a:xfrm>
+        </p:spPr>
+        <p:txBody>
+          <a:bodyPr/>
+          <a:lstStyle/>
+          <a:p>
+            <a:r>
+              <a:rPr lang="tr-TR" dirty="0" smtClean="0">
+                <a:latin typeface="Arial" panose="020B0604020202020204" pitchFamily="34" charset="0"/>
+                <a:cs typeface="Arial" panose="020B0604020202020204" pitchFamily="34" charset="0"/>
+              </a:rPr>
+              <a:t>The synchronous generators contribute grid inertia by injecting more power in the frequency disturbances. </a:t>
+            </a:r>
+          </a:p>
+          <a:p>
+            <a:endParaRPr lang="tr-TR" dirty="0">
+              <a:latin typeface="Arial" panose="020B0604020202020204" pitchFamily="34" charset="0"/>
+              <a:cs typeface="Arial" panose="020B0604020202020204" pitchFamily="34" charset="0"/>
+            </a:endParaRPr>
+          </a:p>
+          <a:p>
+            <a:r>
+              <a:rPr lang="tr-TR" dirty="0" smtClean="0">
+                <a:latin typeface="Arial" panose="020B0604020202020204" pitchFamily="34" charset="0"/>
+                <a:cs typeface="Arial" panose="020B0604020202020204" pitchFamily="34" charset="0"/>
+              </a:rPr>
+              <a:t>The decrease in the grid inertia can be solved by emulating inertia support in the renewable energy systems. </a:t>
+            </a:r>
+          </a:p>
+        </p:txBody>
+      </p:sp>
       <p:pic>
         <p:nvPicPr>
-          <p:cNvPr id="6" name="Content Placeholder 5"/>
+          <p:cNvPr id="7" name="Picture 6"/>
           <p:cNvPicPr>
-            <a:picLocks noGrp="1" noChangeAspect="1"/>
+            <a:picLocks noChangeAspect="1"/>
           </p:cNvPicPr>
-          <p:nvPr>
-            <p:ph idx="1"/>
-          </p:nvPr>
+          <p:nvPr/>
         </p:nvPicPr>
         <p:blipFill>
           <a:blip r:embed="rId3">
@@ -14896,566 +16290,269 @@
         </p:blipFill>
         <p:spPr>
           <a:xfrm>
-            <a:off x="4722440" y="1556792"/>
-            <a:ext cx="3810000" cy="3971925"/>
+            <a:off x="4788024" y="3383052"/>
+            <a:ext cx="4127644" cy="2473743"/>
           </a:xfrm>
+          <a:prstGeom prst="rect">
+            <a:avLst/>
+          </a:prstGeom>
         </p:spPr>
       </p:pic>
-      <mc:AlternateContent xmlns:mc="http://schemas.openxmlformats.org/markup-compatibility/2006" xmlns:a14="http://schemas.microsoft.com/office/drawing/2010/main">
-        <mc:Choice Requires="a14">
-          <p:sp>
-            <p:nvSpPr>
-              <p:cNvPr id="8" name="TextBox 7"/>
-              <p:cNvSpPr txBox="1"/>
-              <p:nvPr/>
-            </p:nvSpPr>
-            <p:spPr>
-              <a:xfrm>
-                <a:off x="609599" y="2749203"/>
-                <a:ext cx="3630116" cy="1124282"/>
-              </a:xfrm>
-              <a:prstGeom prst="rect">
-                <a:avLst/>
-              </a:prstGeom>
-              <a:noFill/>
-            </p:spPr>
-            <p:txBody>
-              <a:bodyPr wrap="square" rtlCol="0">
-                <a:spAutoFit/>
-              </a:bodyPr>
-              <a:lstStyle/>
-              <a:p>
-                <a:pPr/>
-                <a14:m>
-                  <m:oMathPara xmlns:m="http://schemas.openxmlformats.org/officeDocument/2006/math">
-                    <m:oMathParaPr>
-                      <m:jc m:val="centerGroup"/>
-                    </m:oMathParaPr>
-                    <m:oMath xmlns:m="http://schemas.openxmlformats.org/officeDocument/2006/math">
-                      <m:r>
-                        <a:rPr lang="tr-TR" i="1" smtClean="0">
-                          <a:latin typeface="Cambria Math" panose="02040503050406030204" pitchFamily="18" charset="0"/>
-                        </a:rPr>
-                        <m:t>𝐻</m:t>
-                      </m:r>
-                      <m:r>
-                        <a:rPr lang="tr-TR" b="0" i="1" smtClean="0">
-                          <a:latin typeface="Cambria Math" panose="02040503050406030204" pitchFamily="18" charset="0"/>
-                        </a:rPr>
-                        <m:t>=</m:t>
-                      </m:r>
-                      <m:f>
-                        <m:fPr>
-                          <m:ctrlPr>
-                            <a:rPr lang="tr-TR" i="1" smtClean="0">
-                              <a:latin typeface="Cambria Math" panose="02040503050406030204" pitchFamily="18" charset="0"/>
-                            </a:rPr>
-                          </m:ctrlPr>
-                        </m:fPr>
-                        <m:num>
-                          <m:f>
-                            <m:fPr>
-                              <m:ctrlPr>
-                                <a:rPr lang="tr-TR" i="1">
-                                  <a:latin typeface="Cambria Math" panose="02040503050406030204" pitchFamily="18" charset="0"/>
-                                </a:rPr>
-                              </m:ctrlPr>
-                            </m:fPr>
-                            <m:num>
-                              <m:r>
-                                <a:rPr lang="tr-TR" b="0" i="1" smtClean="0">
-                                  <a:latin typeface="Cambria Math" panose="02040503050406030204" pitchFamily="18" charset="0"/>
-                                </a:rPr>
-                                <m:t>1</m:t>
-                              </m:r>
-                            </m:num>
-                            <m:den>
-                              <m:r>
-                                <a:rPr lang="tr-TR" b="0" i="1" smtClean="0">
-                                  <a:latin typeface="Cambria Math" panose="02040503050406030204" pitchFamily="18" charset="0"/>
-                                </a:rPr>
-                                <m:t>2</m:t>
-                              </m:r>
-                            </m:den>
-                          </m:f>
-                          <m:r>
-                            <a:rPr lang="tr-TR" b="0" i="1" smtClean="0">
-                              <a:latin typeface="Cambria Math" panose="02040503050406030204" pitchFamily="18" charset="0"/>
-                            </a:rPr>
-                            <m:t>𝐽</m:t>
-                          </m:r>
-                          <m:sSup>
-                            <m:sSupPr>
-                              <m:ctrlPr>
-                                <a:rPr lang="tr-TR" b="0" i="1" smtClean="0">
-                                  <a:latin typeface="Cambria Math" panose="02040503050406030204" pitchFamily="18" charset="0"/>
-                                </a:rPr>
-                              </m:ctrlPr>
-                            </m:sSupPr>
-                            <m:e>
-                              <m:r>
-                                <m:rPr>
-                                  <m:sty m:val="p"/>
-                                </m:rPr>
-                                <a:rPr lang="el-GR" i="1">
-                                  <a:latin typeface="Cambria Math" panose="02040503050406030204" pitchFamily="18" charset="0"/>
-                                </a:rPr>
-                                <m:t>ω</m:t>
-                              </m:r>
-                            </m:e>
-                            <m:sup>
-                              <m:r>
-                                <a:rPr lang="tr-TR" b="0" i="1" smtClean="0">
-                                  <a:latin typeface="Cambria Math" panose="02040503050406030204" pitchFamily="18" charset="0"/>
-                                </a:rPr>
-                                <m:t>2</m:t>
-                              </m:r>
-                            </m:sup>
-                          </m:sSup>
-                        </m:num>
-                        <m:den>
-                          <m:sSub>
-                            <m:sSubPr>
-                              <m:ctrlPr>
-                                <a:rPr lang="tr-TR" i="1">
-                                  <a:latin typeface="Cambria Math" panose="02040503050406030204" pitchFamily="18" charset="0"/>
-                                </a:rPr>
-                              </m:ctrlPr>
-                            </m:sSubPr>
-                            <m:e>
-                              <m:r>
-                                <a:rPr lang="tr-TR" b="0" i="1" smtClean="0">
-                                  <a:latin typeface="Cambria Math" panose="02040503050406030204" pitchFamily="18" charset="0"/>
-                                </a:rPr>
-                                <m:t>𝑆</m:t>
-                              </m:r>
-                            </m:e>
-                            <m:sub>
-                              <m:r>
-                                <a:rPr lang="tr-TR" b="0" i="1" smtClean="0">
-                                  <a:latin typeface="Cambria Math" panose="02040503050406030204" pitchFamily="18" charset="0"/>
-                                </a:rPr>
-                                <m:t>𝑏𝑎𝑠𝑒</m:t>
-                              </m:r>
-                            </m:sub>
-                          </m:sSub>
-                        </m:den>
-                      </m:f>
-                    </m:oMath>
-                  </m:oMathPara>
-                </a14:m>
-                <a:endParaRPr lang="tr-TR" dirty="0"/>
-              </a:p>
-            </p:txBody>
-          </p:sp>
-        </mc:Choice>
-        <mc:Fallback xmlns="">
-          <p:sp>
-            <p:nvSpPr>
-              <p:cNvPr id="8" name="TextBox 7"/>
-              <p:cNvSpPr txBox="1">
-                <a:spLocks noRot="1" noChangeAspect="1" noMove="1" noResize="1" noEditPoints="1" noAdjustHandles="1" noChangeArrowheads="1" noChangeShapeType="1" noTextEdit="1"/>
-              </p:cNvSpPr>
-              <p:nvPr/>
-            </p:nvSpPr>
-            <p:spPr>
-              <a:xfrm>
-                <a:off x="609599" y="2749203"/>
-                <a:ext cx="3630116" cy="1124282"/>
-              </a:xfrm>
-              <a:prstGeom prst="rect">
-                <a:avLst/>
-              </a:prstGeom>
-              <a:blipFill>
-                <a:blip r:embed="rId4"/>
-                <a:stretch>
-                  <a:fillRect/>
-                </a:stretch>
-              </a:blipFill>
-            </p:spPr>
-            <p:txBody>
-              <a:bodyPr/>
-              <a:lstStyle/>
-              <a:p>
-                <a:r>
-                  <a:rPr lang="tr-TR">
-                    <a:noFill/>
-                  </a:rPr>
-                  <a:t> </a:t>
-                </a:r>
-              </a:p>
-            </p:txBody>
-          </p:sp>
-        </mc:Fallback>
-      </mc:AlternateContent>
-      <mc:AlternateContent xmlns:mc="http://schemas.openxmlformats.org/markup-compatibility/2006" xmlns:a14="http://schemas.microsoft.com/office/drawing/2010/main">
-        <mc:Choice Requires="a14">
-          <p:sp>
-            <p:nvSpPr>
-              <p:cNvPr id="11" name="TextBox 10"/>
-              <p:cNvSpPr txBox="1"/>
-              <p:nvPr/>
-            </p:nvSpPr>
-            <p:spPr>
-              <a:xfrm>
-                <a:off x="360834" y="4169313"/>
-                <a:ext cx="3630116" cy="793551"/>
-              </a:xfrm>
-              <a:prstGeom prst="rect">
-                <a:avLst/>
-              </a:prstGeom>
-              <a:noFill/>
-            </p:spPr>
-            <p:txBody>
-              <a:bodyPr wrap="square" rtlCol="0">
-                <a:spAutoFit/>
-              </a:bodyPr>
-              <a:lstStyle/>
-              <a:p>
-                <a:pPr/>
-                <a14:m>
-                  <m:oMathPara xmlns:m="http://schemas.openxmlformats.org/officeDocument/2006/math">
-                    <m:oMathParaPr>
-                      <m:jc m:val="centerGroup"/>
-                    </m:oMathParaPr>
-                    <m:oMath xmlns:m="http://schemas.openxmlformats.org/officeDocument/2006/math">
-                      <m:r>
-                        <a:rPr lang="tr-TR" i="1" smtClean="0">
-                          <a:latin typeface="Cambria Math" panose="02040503050406030204" pitchFamily="18" charset="0"/>
-                        </a:rPr>
-                        <m:t>2</m:t>
-                      </m:r>
-                      <m:r>
-                        <a:rPr lang="tr-TR" b="0" i="1" smtClean="0">
-                          <a:latin typeface="Cambria Math" panose="02040503050406030204" pitchFamily="18" charset="0"/>
-                        </a:rPr>
-                        <m:t>𝐻</m:t>
-                      </m:r>
-                      <m:acc>
-                        <m:accPr>
-                          <m:chr m:val="̅"/>
-                          <m:ctrlPr>
-                            <a:rPr lang="tr-TR" i="1">
-                              <a:latin typeface="Cambria Math" panose="02040503050406030204" pitchFamily="18" charset="0"/>
-                            </a:rPr>
-                          </m:ctrlPr>
-                        </m:accPr>
-                        <m:e>
-                          <m:r>
-                            <a:rPr lang="el-GR" i="1" dirty="0">
-                              <a:latin typeface="Cambria Math" panose="02040503050406030204" pitchFamily="18" charset="0"/>
-                            </a:rPr>
-                            <m:t>𝜔</m:t>
-                          </m:r>
-                        </m:e>
-                      </m:acc>
-                      <m:f>
-                        <m:fPr>
-                          <m:ctrlPr>
-                            <a:rPr lang="tr-TR" i="1" smtClean="0">
-                              <a:latin typeface="Cambria Math" panose="02040503050406030204" pitchFamily="18" charset="0"/>
-                            </a:rPr>
-                          </m:ctrlPr>
-                        </m:fPr>
-                        <m:num>
-                          <m:r>
-                            <a:rPr lang="tr-TR" b="0" i="1" smtClean="0">
-                              <a:latin typeface="Cambria Math" panose="02040503050406030204" pitchFamily="18" charset="0"/>
-                            </a:rPr>
-                            <m:t>𝑑</m:t>
-                          </m:r>
-                          <m:acc>
-                            <m:accPr>
-                              <m:chr m:val="̅"/>
-                              <m:ctrlPr>
-                                <a:rPr lang="tr-TR" i="1">
-                                  <a:latin typeface="Cambria Math" panose="02040503050406030204" pitchFamily="18" charset="0"/>
-                                </a:rPr>
-                              </m:ctrlPr>
-                            </m:accPr>
-                            <m:e>
-                              <m:r>
-                                <a:rPr lang="el-GR" i="1" dirty="0" smtClean="0">
-                                  <a:latin typeface="Cambria Math" panose="02040503050406030204" pitchFamily="18" charset="0"/>
-                                </a:rPr>
-                                <m:t>𝜔</m:t>
-                              </m:r>
-                            </m:e>
-                          </m:acc>
-                        </m:num>
-                        <m:den>
-                          <m:r>
-                            <a:rPr lang="tr-TR" b="0" i="1" smtClean="0">
-                              <a:latin typeface="Cambria Math" panose="02040503050406030204" pitchFamily="18" charset="0"/>
-                            </a:rPr>
-                            <m:t>𝑑𝑡</m:t>
-                          </m:r>
-                        </m:den>
-                      </m:f>
-                      <m:r>
-                        <a:rPr lang="tr-TR" b="0" i="1" smtClean="0">
-                          <a:latin typeface="Cambria Math" panose="02040503050406030204" pitchFamily="18" charset="0"/>
-                        </a:rPr>
-                        <m:t>=</m:t>
-                      </m:r>
-                      <m:r>
-                        <m:rPr>
-                          <m:sty m:val="p"/>
-                        </m:rPr>
-                        <a:rPr lang="el-GR" b="0" i="1" smtClean="0">
-                          <a:latin typeface="Cambria Math" panose="02040503050406030204" pitchFamily="18" charset="0"/>
-                        </a:rPr>
-                        <m:t>Δ</m:t>
-                      </m:r>
-                      <m:acc>
-                        <m:accPr>
-                          <m:chr m:val="̅"/>
-                          <m:ctrlPr>
-                            <a:rPr lang="tr-TR" i="1">
-                              <a:latin typeface="Cambria Math" panose="02040503050406030204" pitchFamily="18" charset="0"/>
-                            </a:rPr>
-                          </m:ctrlPr>
-                        </m:accPr>
-                        <m:e>
-                          <m:r>
-                            <a:rPr lang="tr-TR" b="0" i="1" smtClean="0">
-                              <a:latin typeface="Cambria Math" panose="02040503050406030204" pitchFamily="18" charset="0"/>
-                            </a:rPr>
-                            <m:t>𝑃</m:t>
-                          </m:r>
-                        </m:e>
-                      </m:acc>
-                    </m:oMath>
-                  </m:oMathPara>
-                </a14:m>
-                <a:endParaRPr lang="tr-TR" dirty="0"/>
-              </a:p>
-            </p:txBody>
-          </p:sp>
-        </mc:Choice>
-        <mc:Fallback xmlns="">
-          <p:sp>
-            <p:nvSpPr>
-              <p:cNvPr id="11" name="TextBox 10"/>
-              <p:cNvSpPr txBox="1">
-                <a:spLocks noRot="1" noChangeAspect="1" noMove="1" noResize="1" noEditPoints="1" noAdjustHandles="1" noChangeArrowheads="1" noChangeShapeType="1" noTextEdit="1"/>
-              </p:cNvSpPr>
-              <p:nvPr/>
-            </p:nvSpPr>
-            <p:spPr>
-              <a:xfrm>
-                <a:off x="360834" y="4169313"/>
-                <a:ext cx="3630116" cy="793551"/>
-              </a:xfrm>
-              <a:prstGeom prst="rect">
-                <a:avLst/>
-              </a:prstGeom>
-              <a:blipFill>
-                <a:blip r:embed="rId5"/>
-                <a:stretch>
-                  <a:fillRect/>
-                </a:stretch>
-              </a:blipFill>
-            </p:spPr>
-            <p:txBody>
-              <a:bodyPr/>
-              <a:lstStyle/>
-              <a:p>
-                <a:r>
-                  <a:rPr lang="tr-TR">
-                    <a:noFill/>
-                  </a:rPr>
-                  <a:t> </a:t>
-                </a:r>
-              </a:p>
-            </p:txBody>
-          </p:sp>
-        </mc:Fallback>
-      </mc:AlternateContent>
-      <mc:AlternateContent xmlns:mc="http://schemas.openxmlformats.org/markup-compatibility/2006" xmlns:a14="http://schemas.microsoft.com/office/drawing/2010/main">
-        <mc:Choice Requires="a14">
-          <p:sp>
-            <p:nvSpPr>
-              <p:cNvPr id="9" name="TextBox 8"/>
-              <p:cNvSpPr txBox="1"/>
-              <p:nvPr/>
-            </p:nvSpPr>
-            <p:spPr>
-              <a:xfrm>
-                <a:off x="609599" y="1898238"/>
-                <a:ext cx="3630116" cy="793551"/>
-              </a:xfrm>
-              <a:prstGeom prst="rect">
-                <a:avLst/>
-              </a:prstGeom>
-              <a:noFill/>
-            </p:spPr>
-            <p:txBody>
-              <a:bodyPr wrap="square" rtlCol="0">
-                <a:spAutoFit/>
-              </a:bodyPr>
-              <a:lstStyle/>
-              <a:p>
-                <a:pPr/>
-                <a14:m>
-                  <m:oMathPara xmlns:m="http://schemas.openxmlformats.org/officeDocument/2006/math">
-                    <m:oMathParaPr>
-                      <m:jc m:val="centerGroup"/>
-                    </m:oMathParaPr>
-                    <m:oMath xmlns:m="http://schemas.openxmlformats.org/officeDocument/2006/math">
-                      <m:sSub>
-                        <m:sSubPr>
-                          <m:ctrlPr>
-                            <a:rPr lang="tr-TR" i="1" smtClean="0">
-                              <a:latin typeface="Cambria Math" panose="02040503050406030204" pitchFamily="18" charset="0"/>
-                            </a:rPr>
-                          </m:ctrlPr>
-                        </m:sSubPr>
-                        <m:e>
-                          <m:r>
-                            <a:rPr lang="tr-TR" i="1">
-                              <a:latin typeface="Cambria Math" panose="02040503050406030204" pitchFamily="18" charset="0"/>
-                            </a:rPr>
-                            <m:t>𝑇</m:t>
-                          </m:r>
-                        </m:e>
-                        <m:sub>
-                          <m:r>
-                            <a:rPr lang="tr-TR" b="0" i="1" smtClean="0">
-                              <a:latin typeface="Cambria Math" panose="02040503050406030204" pitchFamily="18" charset="0"/>
-                            </a:rPr>
-                            <m:t>𝑚</m:t>
-                          </m:r>
-                        </m:sub>
-                      </m:sSub>
-                      <m:r>
-                        <a:rPr lang="tr-TR" b="0" i="1" smtClean="0">
-                          <a:latin typeface="Cambria Math" panose="02040503050406030204" pitchFamily="18" charset="0"/>
-                        </a:rPr>
-                        <m:t>−</m:t>
-                      </m:r>
-                      <m:sSub>
-                        <m:sSubPr>
-                          <m:ctrlPr>
-                            <a:rPr lang="tr-TR" i="1" smtClean="0">
-                              <a:latin typeface="Cambria Math" panose="02040503050406030204" pitchFamily="18" charset="0"/>
-                            </a:rPr>
-                          </m:ctrlPr>
-                        </m:sSubPr>
-                        <m:e>
-                          <m:r>
-                            <a:rPr lang="tr-TR" i="1" smtClean="0">
-                              <a:latin typeface="Cambria Math" panose="02040503050406030204" pitchFamily="18" charset="0"/>
-                            </a:rPr>
-                            <m:t>𝑇</m:t>
-                          </m:r>
-                        </m:e>
-                        <m:sub>
-                          <m:r>
-                            <a:rPr lang="tr-TR" b="0" i="1" smtClean="0">
-                              <a:latin typeface="Cambria Math" panose="02040503050406030204" pitchFamily="18" charset="0"/>
-                            </a:rPr>
-                            <m:t>𝑒</m:t>
-                          </m:r>
-                        </m:sub>
-                      </m:sSub>
-                      <m:r>
-                        <a:rPr lang="tr-TR" b="0" i="1" smtClean="0">
-                          <a:latin typeface="Cambria Math" panose="02040503050406030204" pitchFamily="18" charset="0"/>
-                        </a:rPr>
-                        <m:t>=</m:t>
-                      </m:r>
-                      <m:r>
-                        <a:rPr lang="tr-TR" b="0" i="1" smtClean="0">
-                          <a:latin typeface="Cambria Math" panose="02040503050406030204" pitchFamily="18" charset="0"/>
-                        </a:rPr>
-                        <m:t>𝐽</m:t>
-                      </m:r>
-                      <m:f>
-                        <m:fPr>
-                          <m:ctrlPr>
-                            <a:rPr lang="tr-TR" i="1" smtClean="0">
-                              <a:latin typeface="Cambria Math" panose="02040503050406030204" pitchFamily="18" charset="0"/>
-                            </a:rPr>
-                          </m:ctrlPr>
-                        </m:fPr>
-                        <m:num>
-                          <m:r>
-                            <a:rPr lang="tr-TR" b="0" i="1" smtClean="0">
-                              <a:latin typeface="Cambria Math" panose="02040503050406030204" pitchFamily="18" charset="0"/>
-                            </a:rPr>
-                            <m:t>𝑑</m:t>
-                          </m:r>
-                          <m:r>
-                            <m:rPr>
-                              <m:sty m:val="p"/>
-                            </m:rPr>
-                            <a:rPr lang="el-GR" b="0" i="1" smtClean="0">
-                              <a:latin typeface="Cambria Math" panose="02040503050406030204" pitchFamily="18" charset="0"/>
-                            </a:rPr>
-                            <m:t>ω</m:t>
-                          </m:r>
-                        </m:num>
-                        <m:den>
-                          <m:r>
-                            <a:rPr lang="tr-TR" b="0" i="1" smtClean="0">
-                              <a:latin typeface="Cambria Math" panose="02040503050406030204" pitchFamily="18" charset="0"/>
-                            </a:rPr>
-                            <m:t>𝑑𝑡</m:t>
-                          </m:r>
-                        </m:den>
-                      </m:f>
-                    </m:oMath>
-                  </m:oMathPara>
-                </a14:m>
-                <a:endParaRPr lang="tr-TR" dirty="0"/>
-              </a:p>
-            </p:txBody>
-          </p:sp>
-        </mc:Choice>
-        <mc:Fallback xmlns="">
-          <p:sp>
-            <p:nvSpPr>
-              <p:cNvPr id="9" name="TextBox 8"/>
-              <p:cNvSpPr txBox="1">
-                <a:spLocks noRot="1" noChangeAspect="1" noMove="1" noResize="1" noEditPoints="1" noAdjustHandles="1" noChangeArrowheads="1" noChangeShapeType="1" noTextEdit="1"/>
-              </p:cNvSpPr>
-              <p:nvPr/>
-            </p:nvSpPr>
-            <p:spPr>
-              <a:xfrm>
-                <a:off x="609599" y="1898238"/>
-                <a:ext cx="3630116" cy="793551"/>
-              </a:xfrm>
-              <a:prstGeom prst="rect">
-                <a:avLst/>
-              </a:prstGeom>
-              <a:blipFill>
-                <a:blip r:embed="rId6"/>
-                <a:stretch>
-                  <a:fillRect/>
-                </a:stretch>
-              </a:blipFill>
-            </p:spPr>
-            <p:txBody>
-              <a:bodyPr/>
-              <a:lstStyle/>
-              <a:p>
-                <a:r>
-                  <a:rPr lang="tr-TR">
-                    <a:noFill/>
-                  </a:rPr>
-                  <a:t> </a:t>
-                </a:r>
-              </a:p>
-            </p:txBody>
-          </p:sp>
-        </mc:Fallback>
-      </mc:AlternateContent>
+      <p:sp>
+        <p:nvSpPr>
+          <p:cNvPr id="10" name="Content Placeholder 3"/>
+          <p:cNvSpPr txBox="1">
+            <a:spLocks/>
+          </p:cNvSpPr>
+          <p:nvPr/>
+        </p:nvSpPr>
+        <p:spPr bwMode="auto">
+          <a:xfrm>
+            <a:off x="457199" y="3466124"/>
+            <a:ext cx="4000501" cy="1782637"/>
+          </a:xfrm>
+          <a:prstGeom prst="rect">
+            <a:avLst/>
+          </a:prstGeom>
+          <a:noFill/>
+          <a:ln>
+            <a:noFill/>
+          </a:ln>
+          <a:extLst>
+            <a:ext uri="{909E8E84-426E-40DD-AFC4-6F175D3DCCD1}">
+              <a14:hiddenFill xmlns:a14="http://schemas.microsoft.com/office/drawing/2010/main">
+                <a:solidFill>
+                  <a:srgbClr val="FFFFFF"/>
+                </a:solidFill>
+              </a14:hiddenFill>
+            </a:ext>
+            <a:ext uri="{91240B29-F687-4F45-9708-019B960494DF}">
+              <a14:hiddenLine xmlns:a14="http://schemas.microsoft.com/office/drawing/2010/main" w="9525">
+                <a:solidFill>
+                  <a:srgbClr val="000000"/>
+                </a:solidFill>
+                <a:miter lim="800000"/>
+                <a:headEnd/>
+                <a:tailEnd/>
+              </a14:hiddenLine>
+            </a:ext>
+          </a:extLst>
+        </p:spPr>
+        <p:txBody>
+          <a:bodyPr vert="horz" wrap="square" lIns="91440" tIns="45720" rIns="91440" bIns="45720" numCol="1" anchor="t" anchorCtr="0" compatLnSpc="1">
+            <a:prstTxWarp prst="textNoShape">
+              <a:avLst/>
+            </a:prstTxWarp>
+          </a:bodyPr>
+          <a:lstStyle>
+            <a:lvl1pPr marL="342900" indent="-342900" algn="l" rtl="0" eaLnBrk="1" fontAlgn="base" hangingPunct="1">
+              <a:spcBef>
+                <a:spcPct val="20000"/>
+              </a:spcBef>
+              <a:spcAft>
+                <a:spcPct val="0"/>
+              </a:spcAft>
+              <a:buClr>
+                <a:srgbClr val="C20024"/>
+              </a:buClr>
+              <a:buSzPct val="90000"/>
+              <a:buFont typeface="Arial" panose="020B0604020202020204" pitchFamily="34" charset="0"/>
+              <a:buChar char="•"/>
+              <a:defRPr sz="2000" kern="1200" baseline="0">
+                <a:solidFill>
+                  <a:schemeClr val="tx1"/>
+                </a:solidFill>
+                <a:latin typeface="Century Gothic" panose="020B0502020202020204" pitchFamily="34" charset="0"/>
+                <a:ea typeface="+mn-ea"/>
+                <a:cs typeface="Arial"/>
+              </a:defRPr>
+            </a:lvl1pPr>
+            <a:lvl2pPr marL="639763" indent="-457200" algn="l" rtl="0" eaLnBrk="1" fontAlgn="base" hangingPunct="1">
+              <a:spcBef>
+                <a:spcPts val="438"/>
+              </a:spcBef>
+              <a:spcAft>
+                <a:spcPct val="0"/>
+              </a:spcAft>
+              <a:buClr>
+                <a:srgbClr val="C00000"/>
+              </a:buClr>
+              <a:buSzPct val="80000"/>
+              <a:buFont typeface="Arial" panose="020B0604020202020204" pitchFamily="34" charset="0"/>
+              <a:buChar char="•"/>
+              <a:defRPr kern="1200">
+                <a:solidFill>
+                  <a:schemeClr val="tx1"/>
+                </a:solidFill>
+                <a:latin typeface="Century Gothic" panose="020B0502020202020204" pitchFamily="34" charset="0"/>
+                <a:ea typeface="+mn-ea"/>
+                <a:cs typeface="Arial"/>
+              </a:defRPr>
+            </a:lvl2pPr>
+            <a:lvl3pPr marL="914400" indent="-457200" algn="l" rtl="0" eaLnBrk="1" fontAlgn="base" hangingPunct="1">
+              <a:spcBef>
+                <a:spcPct val="20000"/>
+              </a:spcBef>
+              <a:spcAft>
+                <a:spcPct val="0"/>
+              </a:spcAft>
+              <a:buClr>
+                <a:schemeClr val="accent2"/>
+              </a:buClr>
+              <a:buSzPct val="70000"/>
+              <a:buFont typeface="Arial" panose="020B0604020202020204" pitchFamily="34" charset="0"/>
+              <a:buChar char="•"/>
+              <a:defRPr kern="1200">
+                <a:solidFill>
+                  <a:schemeClr val="tx1"/>
+                </a:solidFill>
+                <a:latin typeface="Century Gothic" panose="020B0502020202020204" pitchFamily="34" charset="0"/>
+                <a:ea typeface="+mn-ea"/>
+                <a:cs typeface="Arial"/>
+              </a:defRPr>
+            </a:lvl3pPr>
+            <a:lvl4pPr marL="1187450" indent="-457200" algn="l" rtl="0" eaLnBrk="1" fontAlgn="base" hangingPunct="1">
+              <a:spcBef>
+                <a:spcPct val="20000"/>
+              </a:spcBef>
+              <a:spcAft>
+                <a:spcPct val="0"/>
+              </a:spcAft>
+              <a:buClr>
+                <a:srgbClr val="C20024"/>
+              </a:buClr>
+              <a:buSzPct val="65000"/>
+              <a:buFont typeface="Arial" panose="020B0604020202020204" pitchFamily="34" charset="0"/>
+              <a:buChar char="•"/>
+              <a:defRPr kern="1200">
+                <a:solidFill>
+                  <a:schemeClr val="tx1"/>
+                </a:solidFill>
+                <a:latin typeface="Century Gothic" panose="020B0502020202020204" pitchFamily="34" charset="0"/>
+                <a:ea typeface="+mn-ea"/>
+                <a:cs typeface="Arial"/>
+              </a:defRPr>
+            </a:lvl4pPr>
+            <a:lvl5pPr marL="1004888" indent="0" algn="l" rtl="0" eaLnBrk="1" fontAlgn="base" hangingPunct="1">
+              <a:spcBef>
+                <a:spcPct val="20000"/>
+              </a:spcBef>
+              <a:spcAft>
+                <a:spcPct val="0"/>
+              </a:spcAft>
+              <a:buClr>
+                <a:srgbClr val="10CF9B"/>
+              </a:buClr>
+              <a:buSzPct val="65000"/>
+              <a:buFont typeface="Arial" panose="020B0604020202020204" pitchFamily="34" charset="0"/>
+              <a:buNone/>
+              <a:defRPr kern="1200">
+                <a:solidFill>
+                  <a:schemeClr val="tx1"/>
+                </a:solidFill>
+                <a:latin typeface="Century Gothic" panose="020B0502020202020204" pitchFamily="34" charset="0"/>
+                <a:ea typeface="+mn-ea"/>
+                <a:cs typeface="Arial"/>
+              </a:defRPr>
+            </a:lvl5pPr>
+            <a:lvl6pPr marL="1737360" indent="-210312" algn="l" rtl="0" eaLnBrk="1" latinLnBrk="0" hangingPunct="1">
+              <a:spcBef>
+                <a:spcPct val="20000"/>
+              </a:spcBef>
+              <a:buClr>
+                <a:schemeClr val="accent5"/>
+              </a:buClr>
+              <a:buSzPct val="80000"/>
+              <a:buFont typeface="Wingdings 2"/>
+              <a:buChar char=""/>
+              <a:defRPr kumimoji="0" sz="1800" kern="1200">
+                <a:solidFill>
+                  <a:schemeClr val="tx1"/>
+                </a:solidFill>
+                <a:latin typeface="+mn-lt"/>
+                <a:ea typeface="+mn-ea"/>
+                <a:cs typeface="+mn-cs"/>
+              </a:defRPr>
+            </a:lvl6pPr>
+            <a:lvl7pPr marL="1920240" indent="-182880" algn="l" rtl="0" eaLnBrk="1" latinLnBrk="0" hangingPunct="1">
+              <a:spcBef>
+                <a:spcPct val="20000"/>
+              </a:spcBef>
+              <a:buClr>
+                <a:schemeClr val="accent6"/>
+              </a:buClr>
+              <a:buSzPct val="80000"/>
+              <a:buFont typeface="Wingdings 2"/>
+              <a:buChar char=""/>
+              <a:defRPr kumimoji="0" sz="1600" kern="1200" baseline="0">
+                <a:solidFill>
+                  <a:schemeClr val="tx1"/>
+                </a:solidFill>
+                <a:latin typeface="+mn-lt"/>
+                <a:ea typeface="+mn-ea"/>
+                <a:cs typeface="+mn-cs"/>
+              </a:defRPr>
+            </a:lvl7pPr>
+            <a:lvl8pPr marL="2194560" indent="-182880" algn="l" rtl="0" eaLnBrk="1" latinLnBrk="0" hangingPunct="1">
+              <a:spcBef>
+                <a:spcPct val="20000"/>
+              </a:spcBef>
+              <a:buClr>
+                <a:schemeClr val="tx2"/>
+              </a:buClr>
+              <a:buChar char="•"/>
+              <a:defRPr kumimoji="0" sz="1600" kern="1200">
+                <a:solidFill>
+                  <a:schemeClr val="tx1"/>
+                </a:solidFill>
+                <a:latin typeface="+mn-lt"/>
+                <a:ea typeface="+mn-ea"/>
+                <a:cs typeface="+mn-cs"/>
+              </a:defRPr>
+            </a:lvl8pPr>
+            <a:lvl9pPr marL="2468880" indent="-182880" algn="l" rtl="0" eaLnBrk="1" latinLnBrk="0" hangingPunct="1">
+              <a:spcBef>
+                <a:spcPct val="20000"/>
+              </a:spcBef>
+              <a:buClr>
+                <a:schemeClr val="tx2"/>
+              </a:buClr>
+              <a:buFontTx/>
+              <a:buChar char="•"/>
+              <a:defRPr kumimoji="0" sz="1400" kern="1200" baseline="0">
+                <a:solidFill>
+                  <a:schemeClr val="tx1"/>
+                </a:solidFill>
+                <a:latin typeface="+mn-lt"/>
+                <a:ea typeface="+mn-ea"/>
+                <a:cs typeface="+mn-cs"/>
+              </a:defRPr>
+            </a:lvl9pPr>
+          </a:lstStyle>
+          <a:p>
+            <a:pPr algn="just"/>
+            <a:r>
+              <a:rPr lang="tr-TR" dirty="0" smtClean="0">
+                <a:cs typeface="Arial" panose="020B0604020202020204" pitchFamily="34" charset="0"/>
+              </a:rPr>
+              <a:t>Wind </a:t>
+            </a:r>
+            <a:r>
+              <a:rPr lang="tr-TR" dirty="0">
+                <a:cs typeface="Arial" panose="020B0604020202020204" pitchFamily="34" charset="0"/>
+              </a:rPr>
+              <a:t>turbines with FSPC are the most promising type of renewable due to its kinetic energy in the turbine inertia and the ability to control active/reactive power. </a:t>
+            </a:r>
+            <a:endParaRPr lang="tr-TR" dirty="0">
+              <a:cs typeface="Arial" panose="020B0604020202020204" pitchFamily="34" charset="0"/>
+            </a:endParaRPr>
+          </a:p>
+        </p:txBody>
+      </p:sp>
     </p:spTree>
     <p:extLst>
       <p:ext uri="{BB962C8B-B14F-4D97-AF65-F5344CB8AC3E}">
-        <p14:creationId xmlns:p14="http://schemas.microsoft.com/office/powerpoint/2010/main" val="3464745149"/>
+        <p14:creationId xmlns:p14="http://schemas.microsoft.com/office/powerpoint/2010/main" val="3313184192"/>
       </p:ext>
     </p:extLst>
   </p:cSld>

--- a/Thesis/Thesis Defence/Erencan_Duymaz_thesis_defence.pptx
+++ b/Thesis/Thesis Defence/Erencan_Duymaz_thesis_defence.pptx
@@ -5,41 +5,44 @@
     <p:sldMasterId id="2147483662" r:id="rId1"/>
   </p:sldMasterIdLst>
   <p:notesMasterIdLst>
-    <p:notesMasterId r:id="rId31"/>
+    <p:notesMasterId r:id="rId34"/>
   </p:notesMasterIdLst>
   <p:handoutMasterIdLst>
-    <p:handoutMasterId r:id="rId32"/>
+    <p:handoutMasterId r:id="rId35"/>
   </p:handoutMasterIdLst>
   <p:sldIdLst>
     <p:sldId id="256" r:id="rId2"/>
     <p:sldId id="257" r:id="rId3"/>
     <p:sldId id="259" r:id="rId4"/>
-    <p:sldId id="273" r:id="rId5"/>
-    <p:sldId id="272" r:id="rId6"/>
-    <p:sldId id="275" r:id="rId7"/>
-    <p:sldId id="276" r:id="rId8"/>
-    <p:sldId id="260" r:id="rId9"/>
-    <p:sldId id="290" r:id="rId10"/>
-    <p:sldId id="266" r:id="rId11"/>
-    <p:sldId id="277" r:id="rId12"/>
-    <p:sldId id="283" r:id="rId13"/>
-    <p:sldId id="267" r:id="rId14"/>
-    <p:sldId id="284" r:id="rId15"/>
-    <p:sldId id="285" r:id="rId16"/>
-    <p:sldId id="289" r:id="rId17"/>
-    <p:sldId id="288" r:id="rId18"/>
-    <p:sldId id="287" r:id="rId19"/>
-    <p:sldId id="279" r:id="rId20"/>
-    <p:sldId id="280" r:id="rId21"/>
-    <p:sldId id="282" r:id="rId22"/>
-    <p:sldId id="281" r:id="rId23"/>
-    <p:sldId id="264" r:id="rId24"/>
-    <p:sldId id="278" r:id="rId25"/>
-    <p:sldId id="268" r:id="rId26"/>
-    <p:sldId id="261" r:id="rId27"/>
-    <p:sldId id="262" r:id="rId28"/>
-    <p:sldId id="286" r:id="rId29"/>
-    <p:sldId id="263" r:id="rId30"/>
+    <p:sldId id="291" r:id="rId5"/>
+    <p:sldId id="273" r:id="rId6"/>
+    <p:sldId id="272" r:id="rId7"/>
+    <p:sldId id="275" r:id="rId8"/>
+    <p:sldId id="276" r:id="rId9"/>
+    <p:sldId id="260" r:id="rId10"/>
+    <p:sldId id="290" r:id="rId11"/>
+    <p:sldId id="266" r:id="rId12"/>
+    <p:sldId id="277" r:id="rId13"/>
+    <p:sldId id="283" r:id="rId14"/>
+    <p:sldId id="267" r:id="rId15"/>
+    <p:sldId id="284" r:id="rId16"/>
+    <p:sldId id="285" r:id="rId17"/>
+    <p:sldId id="289" r:id="rId18"/>
+    <p:sldId id="293" r:id="rId19"/>
+    <p:sldId id="288" r:id="rId20"/>
+    <p:sldId id="292" r:id="rId21"/>
+    <p:sldId id="287" r:id="rId22"/>
+    <p:sldId id="279" r:id="rId23"/>
+    <p:sldId id="280" r:id="rId24"/>
+    <p:sldId id="282" r:id="rId25"/>
+    <p:sldId id="281" r:id="rId26"/>
+    <p:sldId id="264" r:id="rId27"/>
+    <p:sldId id="278" r:id="rId28"/>
+    <p:sldId id="268" r:id="rId29"/>
+    <p:sldId id="261" r:id="rId30"/>
+    <p:sldId id="262" r:id="rId31"/>
+    <p:sldId id="286" r:id="rId32"/>
+    <p:sldId id="263" r:id="rId33"/>
   </p:sldIdLst>
   <p:sldSz cx="9144000" cy="6858000" type="screen4x3"/>
   <p:notesSz cx="6746875" cy="9913938"/>
@@ -637,6 +640,14 @@
           <a:bodyPr/>
           <a:lstStyle/>
           <a:p>
+            <a:r>
+              <a:rPr lang="tr-TR" altLang="en-US" dirty="0" smtClean="0"/>
+              <a:t>Figure</a:t>
+            </a:r>
+            <a:r>
+              <a:rPr lang="tr-TR" altLang="en-US" baseline="0" dirty="0" smtClean="0"/>
+              <a:t> shows the modelling for the PMSG wind turbine that is connected to grid with FSPC. There are two converters in this type of the converter with different responsibilities. The one connected between DC-bus and grid is called Grid Side Converter and it is responsible for maintaining a constant DC-bus voltage and adjusting the reactive power that is injected to grid. The converter in between DC bus and PMSG is called Machine Side Controller. It is adjusts the generator and turbine speed to MPPT speed by controlling its output torque. When the output torque hits the limit, the speed cannot be regulated and exceeds the maximum allowable speeds. This is why Pitch angle controller is utilized. By increasing the pitch angle of the turbine, the aerodynamic power and aerodynamic torque is decreased. In this way, turbine speed is kept in the maximum in high speeds. </a:t>
+            </a:r>
             <a:endParaRPr lang="en-US" altLang="en-US" dirty="0" smtClean="0"/>
           </a:p>
         </p:txBody>
@@ -662,7 +673,7 @@
     </p:spTree>
     <p:extLst>
       <p:ext uri="{BB962C8B-B14F-4D97-AF65-F5344CB8AC3E}">
-        <p14:creationId xmlns:p14="http://schemas.microsoft.com/office/powerpoint/2010/main" val="1784535780"/>
+        <p14:creationId xmlns:p14="http://schemas.microsoft.com/office/powerpoint/2010/main" val="4238726091"/>
       </p:ext>
     </p:extLst>
   </p:cSld>
@@ -726,14 +737,6 @@
           <a:bodyPr/>
           <a:lstStyle/>
           <a:p>
-            <a:r>
-              <a:rPr lang="tr-TR" altLang="en-US" dirty="0" smtClean="0"/>
-              <a:t>In order to provide a inertial support, the wind</a:t>
-            </a:r>
-            <a:r>
-              <a:rPr lang="tr-TR" altLang="en-US" baseline="0" dirty="0" smtClean="0"/>
-              <a:t> turbine active power should be controlled. Therefore, the MPPT speed operation is leaved. The turbine torque is adjusted by controlling the q-axis current. The active power increase is either a defined percentage as in the case of fast inertial support or the active power increase according to Swing Equation.</a:t>
-            </a:r>
             <a:endParaRPr lang="en-US" altLang="en-US" dirty="0" smtClean="0"/>
           </a:p>
         </p:txBody>
@@ -759,7 +762,7 @@
     </p:spTree>
     <p:extLst>
       <p:ext uri="{BB962C8B-B14F-4D97-AF65-F5344CB8AC3E}">
-        <p14:creationId xmlns:p14="http://schemas.microsoft.com/office/powerpoint/2010/main" val="2034214963"/>
+        <p14:creationId xmlns:p14="http://schemas.microsoft.com/office/powerpoint/2010/main" val="1784535780"/>
       </p:ext>
     </p:extLst>
   </p:cSld>
@@ -823,7 +826,15 @@
           <a:bodyPr/>
           <a:lstStyle/>
           <a:p>
-            <a:endParaRPr lang="en-US" altLang="en-US" smtClean="0"/>
+            <a:r>
+              <a:rPr lang="tr-TR" altLang="en-US" dirty="0" smtClean="0"/>
+              <a:t>In order to provide a inertial support, the wind</a:t>
+            </a:r>
+            <a:r>
+              <a:rPr lang="tr-TR" altLang="en-US" baseline="0" dirty="0" smtClean="0"/>
+              <a:t> turbine active power should be controlled. Therefore, the MPPT speed operation is leaved. The turbine torque is adjusted by controlling the q-axis current. The active power increase is either a defined percentage as in the case of fast inertial support or the active power increase according to Swing Equation.</a:t>
+            </a:r>
+            <a:endParaRPr lang="en-US" altLang="en-US" dirty="0" smtClean="0"/>
           </a:p>
         </p:txBody>
       </p:sp>
@@ -848,7 +859,7 @@
     </p:spTree>
     <p:extLst>
       <p:ext uri="{BB962C8B-B14F-4D97-AF65-F5344CB8AC3E}">
-        <p14:creationId xmlns:p14="http://schemas.microsoft.com/office/powerpoint/2010/main" val="468962759"/>
+        <p14:creationId xmlns:p14="http://schemas.microsoft.com/office/powerpoint/2010/main" val="2034214963"/>
       </p:ext>
     </p:extLst>
   </p:cSld>
@@ -912,15 +923,7 @@
           <a:bodyPr/>
           <a:lstStyle/>
           <a:p>
-            <a:r>
-              <a:rPr lang="tr-TR" altLang="en-US" dirty="0" smtClean="0"/>
-              <a:t>Converter</a:t>
-            </a:r>
-            <a:r>
-              <a:rPr lang="tr-TR" altLang="en-US" baseline="0" dirty="0" smtClean="0"/>
-              <a:t> Limit</a:t>
-            </a:r>
-            <a:endParaRPr lang="en-US" altLang="en-US" dirty="0" smtClean="0"/>
+            <a:endParaRPr lang="en-US" altLang="en-US" smtClean="0"/>
           </a:p>
         </p:txBody>
       </p:sp>
@@ -945,7 +948,7 @@
     </p:spTree>
     <p:extLst>
       <p:ext uri="{BB962C8B-B14F-4D97-AF65-F5344CB8AC3E}">
-        <p14:creationId xmlns:p14="http://schemas.microsoft.com/office/powerpoint/2010/main" val="2769588"/>
+        <p14:creationId xmlns:p14="http://schemas.microsoft.com/office/powerpoint/2010/main" val="468962759"/>
       </p:ext>
     </p:extLst>
   </p:cSld>
@@ -1011,7 +1014,11 @@
           <a:p>
             <a:r>
               <a:rPr lang="tr-TR" altLang="en-US" dirty="0" smtClean="0"/>
-              <a:t>Main contribution of the wind turbine is in between the wind speed range of 3-10m/s.</a:t>
+              <a:t>Converter</a:t>
+            </a:r>
+            <a:r>
+              <a:rPr lang="tr-TR" altLang="en-US" baseline="0" dirty="0" smtClean="0"/>
+              <a:t> Limit</a:t>
             </a:r>
             <a:endParaRPr lang="en-US" altLang="en-US" dirty="0" smtClean="0"/>
           </a:p>
@@ -1038,7 +1045,7 @@
     </p:spTree>
     <p:extLst>
       <p:ext uri="{BB962C8B-B14F-4D97-AF65-F5344CB8AC3E}">
-        <p14:creationId xmlns:p14="http://schemas.microsoft.com/office/powerpoint/2010/main" val="3372365603"/>
+        <p14:creationId xmlns:p14="http://schemas.microsoft.com/office/powerpoint/2010/main" val="2769588"/>
       </p:ext>
     </p:extLst>
   </p:cSld>
@@ -1103,10 +1110,90 @@
           <a:lstStyle/>
           <a:p>
             <a:r>
+              <a:rPr lang="tr-TR" sz="1200" b="0" i="0" u="none" strike="noStrike" kern="1200" baseline="0" dirty="0" smtClean="0">
+                <a:solidFill>
+                  <a:schemeClr val="tx1"/>
+                </a:solidFill>
+                <a:latin typeface="Arial" pitchFamily="34" charset="0"/>
+                <a:ea typeface="+mn-ea"/>
+                <a:cs typeface="+mn-cs"/>
+              </a:rPr>
+              <a:t>Wind speed measurements </a:t>
+            </a:r>
+            <a:r>
+              <a:rPr lang="en-GB" sz="1200" b="0" i="0" u="none" strike="noStrike" kern="1200" baseline="0" dirty="0" smtClean="0">
+                <a:solidFill>
+                  <a:schemeClr val="tx1"/>
+                </a:solidFill>
+                <a:latin typeface="Arial" pitchFamily="34" charset="0"/>
+                <a:ea typeface="+mn-ea"/>
+                <a:cs typeface="+mn-cs"/>
+              </a:rPr>
+              <a:t>used in this thesis are taken from a real wind farm with GE 2.75-103 model</a:t>
+            </a:r>
+            <a:r>
+              <a:rPr lang="tr-TR" sz="1200" b="0" i="0" u="none" strike="noStrike" kern="1200" baseline="0" dirty="0" smtClean="0">
+                <a:solidFill>
+                  <a:schemeClr val="tx1"/>
+                </a:solidFill>
+                <a:latin typeface="Arial" pitchFamily="34" charset="0"/>
+                <a:ea typeface="+mn-ea"/>
+                <a:cs typeface="+mn-cs"/>
+              </a:rPr>
+              <a:t> </a:t>
+            </a:r>
+            <a:r>
+              <a:rPr lang="en-GB" sz="1200" b="0" i="0" u="none" strike="noStrike" kern="1200" baseline="0" dirty="0" smtClean="0">
+                <a:solidFill>
+                  <a:schemeClr val="tx1"/>
+                </a:solidFill>
+                <a:latin typeface="Arial" pitchFamily="34" charset="0"/>
+                <a:ea typeface="+mn-ea"/>
+                <a:cs typeface="+mn-cs"/>
+              </a:rPr>
+              <a:t>wind turbines between 01/01/2017 and 21/08/2017.</a:t>
+            </a:r>
+            <a:endParaRPr lang="tr-TR" sz="1200" b="0" i="0" u="none" strike="noStrike" kern="1200" baseline="0" dirty="0" smtClean="0">
+              <a:solidFill>
+                <a:schemeClr val="tx1"/>
+              </a:solidFill>
+              <a:latin typeface="Arial" pitchFamily="34" charset="0"/>
+              <a:ea typeface="+mn-ea"/>
+              <a:cs typeface="+mn-cs"/>
+            </a:endParaRPr>
+          </a:p>
+          <a:p>
+            <a:pPr marL="0" marR="0" indent="0" algn="l" defTabSz="914400" rtl="0" eaLnBrk="0" fontAlgn="base" latinLnBrk="0" hangingPunct="0">
+              <a:lnSpc>
+                <a:spcPct val="100000"/>
+              </a:lnSpc>
+              <a:spcBef>
+                <a:spcPct val="30000"/>
+              </a:spcBef>
+              <a:spcAft>
+                <a:spcPct val="0"/>
+              </a:spcAft>
+              <a:buClrTx/>
+              <a:buSzTx/>
+              <a:buFontTx/>
+              <a:buNone/>
+              <a:tabLst/>
+              <a:defRPr/>
+            </a:pPr>
+            <a:r>
               <a:rPr lang="tr-TR" altLang="en-US" dirty="0" smtClean="0"/>
-              <a:t>Main contribution of the wind turbine is in between the wind speed range of 3-10m/s.</a:t>
-            </a:r>
-            <a:endParaRPr lang="en-US" altLang="en-US" dirty="0" smtClean="0"/>
+              <a:t>Main contribution of the wind turbine is in between the wind speed range of 3-10m/s. </a:t>
+            </a:r>
+          </a:p>
+          <a:p>
+            <a:endParaRPr lang="tr-TR" altLang="en-US" sz="1200" b="0" i="0" u="none" strike="noStrike" kern="1200" baseline="0" dirty="0" smtClean="0">
+              <a:solidFill>
+                <a:schemeClr val="tx1"/>
+              </a:solidFill>
+              <a:latin typeface="Arial" pitchFamily="34" charset="0"/>
+              <a:ea typeface="+mn-ea"/>
+              <a:cs typeface="+mn-cs"/>
+            </a:endParaRPr>
           </a:p>
         </p:txBody>
       </p:sp>
@@ -1131,7 +1218,7 @@
     </p:spTree>
     <p:extLst>
       <p:ext uri="{BB962C8B-B14F-4D97-AF65-F5344CB8AC3E}">
-        <p14:creationId xmlns:p14="http://schemas.microsoft.com/office/powerpoint/2010/main" val="26789055"/>
+        <p14:creationId xmlns:p14="http://schemas.microsoft.com/office/powerpoint/2010/main" val="3372365603"/>
       </p:ext>
     </p:extLst>
   </p:cSld>
@@ -1197,7 +1284,7 @@
           <a:p>
             <a:r>
               <a:rPr lang="tr-TR" altLang="en-US" dirty="0" smtClean="0"/>
-              <a:t>Low wind scenario.</a:t>
+              <a:t>Main contribution of the wind turbine is in between the wind speed range of 3-10m/s.</a:t>
             </a:r>
             <a:endParaRPr lang="en-US" altLang="en-US" dirty="0" smtClean="0"/>
           </a:p>
@@ -1224,7 +1311,7 @@
     </p:spTree>
     <p:extLst>
       <p:ext uri="{BB962C8B-B14F-4D97-AF65-F5344CB8AC3E}">
-        <p14:creationId xmlns:p14="http://schemas.microsoft.com/office/powerpoint/2010/main" val="2507398154"/>
+        <p14:creationId xmlns:p14="http://schemas.microsoft.com/office/powerpoint/2010/main" val="26789055"/>
       </p:ext>
     </p:extLst>
   </p:cSld>
@@ -1317,7 +1404,7 @@
     </p:spTree>
     <p:extLst>
       <p:ext uri="{BB962C8B-B14F-4D97-AF65-F5344CB8AC3E}">
-        <p14:creationId xmlns:p14="http://schemas.microsoft.com/office/powerpoint/2010/main" val="882592538"/>
+        <p14:creationId xmlns:p14="http://schemas.microsoft.com/office/powerpoint/2010/main" val="1266963483"/>
       </p:ext>
     </p:extLst>
   </p:cSld>
@@ -1381,7 +1468,11 @@
           <a:bodyPr/>
           <a:lstStyle/>
           <a:p>
-            <a:endParaRPr lang="en-US" altLang="en-US" smtClean="0"/>
+            <a:r>
+              <a:rPr lang="tr-TR" altLang="en-US" dirty="0" smtClean="0"/>
+              <a:t>Low wind scenario.</a:t>
+            </a:r>
+            <a:endParaRPr lang="en-US" altLang="en-US" dirty="0" smtClean="0"/>
           </a:p>
         </p:txBody>
       </p:sp>
@@ -1406,7 +1497,7 @@
     </p:spTree>
     <p:extLst>
       <p:ext uri="{BB962C8B-B14F-4D97-AF65-F5344CB8AC3E}">
-        <p14:creationId xmlns:p14="http://schemas.microsoft.com/office/powerpoint/2010/main" val="241080979"/>
+        <p14:creationId xmlns:p14="http://schemas.microsoft.com/office/powerpoint/2010/main" val="2507398154"/>
       </p:ext>
     </p:extLst>
   </p:cSld>
@@ -1470,7 +1561,11 @@
           <a:bodyPr/>
           <a:lstStyle/>
           <a:p>
-            <a:endParaRPr lang="en-US" altLang="en-US" smtClean="0"/>
+            <a:r>
+              <a:rPr lang="tr-TR" altLang="en-US" dirty="0" smtClean="0"/>
+              <a:t>Low wind scenario.</a:t>
+            </a:r>
+            <a:endParaRPr lang="en-US" altLang="en-US" dirty="0" smtClean="0"/>
           </a:p>
         </p:txBody>
       </p:sp>
@@ -1495,7 +1590,7 @@
     </p:spTree>
     <p:extLst>
       <p:ext uri="{BB962C8B-B14F-4D97-AF65-F5344CB8AC3E}">
-        <p14:creationId xmlns:p14="http://schemas.microsoft.com/office/powerpoint/2010/main" val="1869415738"/>
+        <p14:creationId xmlns:p14="http://schemas.microsoft.com/office/powerpoint/2010/main" val="1605599515"/>
       </p:ext>
     </p:extLst>
   </p:cSld>
@@ -1648,7 +1743,11 @@
           <a:bodyPr/>
           <a:lstStyle/>
           <a:p>
-            <a:endParaRPr lang="en-US" altLang="en-US" smtClean="0"/>
+            <a:r>
+              <a:rPr lang="tr-TR" altLang="en-US" dirty="0" smtClean="0"/>
+              <a:t>High Wind Scenario.</a:t>
+            </a:r>
+            <a:endParaRPr lang="en-US" altLang="en-US" dirty="0" smtClean="0"/>
           </a:p>
         </p:txBody>
       </p:sp>
@@ -1673,7 +1772,7 @@
     </p:spTree>
     <p:extLst>
       <p:ext uri="{BB962C8B-B14F-4D97-AF65-F5344CB8AC3E}">
-        <p14:creationId xmlns:p14="http://schemas.microsoft.com/office/powerpoint/2010/main" val="1405241526"/>
+        <p14:creationId xmlns:p14="http://schemas.microsoft.com/office/powerpoint/2010/main" val="882592538"/>
       </p:ext>
     </p:extLst>
   </p:cSld>
@@ -1762,7 +1861,7 @@
     </p:spTree>
     <p:extLst>
       <p:ext uri="{BB962C8B-B14F-4D97-AF65-F5344CB8AC3E}">
-        <p14:creationId xmlns:p14="http://schemas.microsoft.com/office/powerpoint/2010/main" val="3768665643"/>
+        <p14:creationId xmlns:p14="http://schemas.microsoft.com/office/powerpoint/2010/main" val="241080979"/>
       </p:ext>
     </p:extLst>
   </p:cSld>
@@ -1826,30 +1925,7 @@
           <a:bodyPr/>
           <a:lstStyle/>
           <a:p>
-            <a:r>
-              <a:rPr lang="tr-TR" altLang="en-US" dirty="0" smtClean="0"/>
-              <a:t>In order to investigate the effect of the synthetic</a:t>
-            </a:r>
-            <a:r>
-              <a:rPr lang="tr-TR" altLang="en-US" baseline="0" dirty="0" smtClean="0"/>
-              <a:t> inertia implementation, the 2018 generation data has been used. In the figure, black line shows the variation of the generation meanwhile the red line shows the generation of wind + solar energy. The maximum generation occured in the 3th of August with a generation of 46GW. The minimum of the load has occured in  a religious holiday on the 16th of July with a generation of 18GW. </a:t>
-            </a:r>
-          </a:p>
-          <a:p>
-            <a:r>
-              <a:rPr lang="tr-TR" altLang="en-US" baseline="0" dirty="0" smtClean="0"/>
-              <a:t>The generation data can be used to roughly estimate the aggregated inertia constant in the grid.</a:t>
-            </a:r>
-          </a:p>
-          <a:p>
-            <a:endParaRPr lang="tr-TR" altLang="en-US" baseline="0" dirty="0" smtClean="0"/>
-          </a:p>
-          <a:p>
-            <a:r>
-              <a:rPr lang="tr-TR" altLang="en-US" baseline="0" dirty="0" smtClean="0"/>
-              <a:t>As stated before, the effective inertia contribution from wind and solar systems are zero. Moreover, the inertia constants of the synchronous generators vary between 2-9. By using zero inertia constant for wind and solar, H=5s for others, the effective inertia constant can be calculated.s</a:t>
-            </a:r>
-            <a:endParaRPr lang="en-US" altLang="en-US" dirty="0" smtClean="0"/>
+            <a:endParaRPr lang="en-US" altLang="en-US" smtClean="0"/>
           </a:p>
         </p:txBody>
       </p:sp>
@@ -1874,7 +1950,7 @@
     </p:spTree>
     <p:extLst>
       <p:ext uri="{BB962C8B-B14F-4D97-AF65-F5344CB8AC3E}">
-        <p14:creationId xmlns:p14="http://schemas.microsoft.com/office/powerpoint/2010/main" val="1200317172"/>
+        <p14:creationId xmlns:p14="http://schemas.microsoft.com/office/powerpoint/2010/main" val="1869415738"/>
       </p:ext>
     </p:extLst>
   </p:cSld>
@@ -1938,30 +2014,7 @@
           <a:bodyPr/>
           <a:lstStyle/>
           <a:p>
-            <a:r>
-              <a:rPr lang="tr-TR" altLang="en-US" dirty="0" smtClean="0"/>
-              <a:t>The effective</a:t>
-            </a:r>
-            <a:r>
-              <a:rPr lang="tr-TR" altLang="en-US" baseline="0" dirty="0" smtClean="0"/>
-              <a:t> aggregated inertia in the system is shown in the graph. Notice that the inertia constant decreases down to 3.97s when the 20% of the generation is supplied from wind and solar in 26/09/2019 on 3 pm. </a:t>
-            </a:r>
-          </a:p>
-          <a:p>
-            <a:endParaRPr lang="tr-TR" altLang="en-US" baseline="0" dirty="0" smtClean="0"/>
-          </a:p>
-          <a:p>
-            <a:r>
-              <a:rPr lang="tr-TR" altLang="en-US" baseline="0" dirty="0" smtClean="0"/>
-              <a:t>It is possible to improve the effective inertia constant of the grid with synthetic inertia implementation. Note that the 54% of the installed wind energy systems in Turkey has FSPC. By assuming that 54% of wind energy production is obtained from these wind turbines and implementin inertia constant of h=10s, the improvement can be calculated. </a:t>
-            </a:r>
-          </a:p>
-          <a:p>
-            <a:r>
-              <a:rPr lang="tr-TR" altLang="en-US" baseline="0" dirty="0" smtClean="0"/>
-              <a:t>When the method is implemented on the wind turbines with FSPCs, </a:t>
-            </a:r>
-            <a:endParaRPr lang="en-US" altLang="en-US" dirty="0" smtClean="0"/>
+            <a:endParaRPr lang="en-US" altLang="en-US" smtClean="0"/>
           </a:p>
         </p:txBody>
       </p:sp>
@@ -1986,7 +2039,7 @@
     </p:spTree>
     <p:extLst>
       <p:ext uri="{BB962C8B-B14F-4D97-AF65-F5344CB8AC3E}">
-        <p14:creationId xmlns:p14="http://schemas.microsoft.com/office/powerpoint/2010/main" val="2155285927"/>
+        <p14:creationId xmlns:p14="http://schemas.microsoft.com/office/powerpoint/2010/main" val="1405241526"/>
       </p:ext>
     </p:extLst>
   </p:cSld>
@@ -2050,15 +2103,7 @@
           <a:bodyPr/>
           <a:lstStyle/>
           <a:p>
-            <a:r>
-              <a:rPr lang="tr-TR" altLang="en-US" dirty="0" smtClean="0"/>
-              <a:t>The existing</a:t>
-            </a:r>
-            <a:r>
-              <a:rPr lang="tr-TR" altLang="en-US" baseline="0" dirty="0" smtClean="0"/>
-              <a:t> inertia constant and inertia constant with synthetic inertia is shown in the figure. Notice that the inertia constant is above the H=5s. That means the wind turbines can compensate the decrease in the inertia constant caused by them and also caused by solar energy. Note that the inertia constant is maximum where the existings case inertia constant is minimum. </a:t>
-            </a:r>
-            <a:endParaRPr lang="en-US" altLang="en-US" dirty="0" smtClean="0"/>
+            <a:endParaRPr lang="en-US" altLang="en-US" smtClean="0"/>
           </a:p>
         </p:txBody>
       </p:sp>
@@ -2083,7 +2128,7 @@
     </p:spTree>
     <p:extLst>
       <p:ext uri="{BB962C8B-B14F-4D97-AF65-F5344CB8AC3E}">
-        <p14:creationId xmlns:p14="http://schemas.microsoft.com/office/powerpoint/2010/main" val="1334382131"/>
+        <p14:creationId xmlns:p14="http://schemas.microsoft.com/office/powerpoint/2010/main" val="3768665643"/>
       </p:ext>
     </p:extLst>
   </p:cSld>
@@ -2147,7 +2192,30 @@
           <a:bodyPr/>
           <a:lstStyle/>
           <a:p>
-            <a:endParaRPr lang="en-US" altLang="en-US" smtClean="0"/>
+            <a:r>
+              <a:rPr lang="tr-TR" altLang="en-US" dirty="0" smtClean="0"/>
+              <a:t>In order to investigate the effect of the synthetic</a:t>
+            </a:r>
+            <a:r>
+              <a:rPr lang="tr-TR" altLang="en-US" baseline="0" dirty="0" smtClean="0"/>
+              <a:t> inertia implementation, the 2018 generation data has been used. In the figure, black line shows the variation of the generation meanwhile the red line shows the generation of wind + solar energy. The maximum generation occured in the 3th of August with a generation of 46GW. The minimum of the load has occured in  a religious holiday on the 16th of July with a generation of 18GW. </a:t>
+            </a:r>
+          </a:p>
+          <a:p>
+            <a:r>
+              <a:rPr lang="tr-TR" altLang="en-US" baseline="0" dirty="0" smtClean="0"/>
+              <a:t>The generation data can be used to roughly estimate the aggregated inertia constant in the grid.</a:t>
+            </a:r>
+          </a:p>
+          <a:p>
+            <a:endParaRPr lang="tr-TR" altLang="en-US" baseline="0" dirty="0" smtClean="0"/>
+          </a:p>
+          <a:p>
+            <a:r>
+              <a:rPr lang="tr-TR" altLang="en-US" baseline="0" dirty="0" smtClean="0"/>
+              <a:t>As stated before, the effective inertia contribution from wind and solar systems are zero. Moreover, the inertia constants of the synchronous generators vary between 2-9. By using zero inertia constant for wind and solar, H=5s for others, the effective inertia constant can be calculated.s</a:t>
+            </a:r>
+            <a:endParaRPr lang="en-US" altLang="en-US" dirty="0" smtClean="0"/>
           </a:p>
         </p:txBody>
       </p:sp>
@@ -2172,7 +2240,7 @@
     </p:spTree>
     <p:extLst>
       <p:ext uri="{BB962C8B-B14F-4D97-AF65-F5344CB8AC3E}">
-        <p14:creationId xmlns:p14="http://schemas.microsoft.com/office/powerpoint/2010/main" val="3797404516"/>
+        <p14:creationId xmlns:p14="http://schemas.microsoft.com/office/powerpoint/2010/main" val="1200317172"/>
       </p:ext>
     </p:extLst>
   </p:cSld>
@@ -2236,7 +2304,30 @@
           <a:bodyPr/>
           <a:lstStyle/>
           <a:p>
-            <a:endParaRPr lang="en-US" altLang="en-US" smtClean="0"/>
+            <a:r>
+              <a:rPr lang="tr-TR" altLang="en-US" dirty="0" smtClean="0"/>
+              <a:t>The effective</a:t>
+            </a:r>
+            <a:r>
+              <a:rPr lang="tr-TR" altLang="en-US" baseline="0" dirty="0" smtClean="0"/>
+              <a:t> aggregated inertia in the system is shown in the graph. Notice that the inertia constant decreases down to 3.97s when the 20% of the generation is supplied from wind and solar in 26/09/2019 on 3 pm. </a:t>
+            </a:r>
+          </a:p>
+          <a:p>
+            <a:endParaRPr lang="tr-TR" altLang="en-US" baseline="0" dirty="0" smtClean="0"/>
+          </a:p>
+          <a:p>
+            <a:r>
+              <a:rPr lang="tr-TR" altLang="en-US" baseline="0" dirty="0" smtClean="0"/>
+              <a:t>It is possible to improve the effective inertia constant of the grid with synthetic inertia implementation. Note that the 54% of the installed wind energy systems in Turkey has FSPC. By assuming that 54% of wind energy production is obtained from these wind turbines and implementin inertia constant of h=10s, the improvement can be calculated. </a:t>
+            </a:r>
+          </a:p>
+          <a:p>
+            <a:r>
+              <a:rPr lang="tr-TR" altLang="en-US" baseline="0" dirty="0" smtClean="0"/>
+              <a:t>When the method is implemented on the wind turbines with FSPCs, </a:t>
+            </a:r>
+            <a:endParaRPr lang="en-US" altLang="en-US" dirty="0" smtClean="0"/>
           </a:p>
         </p:txBody>
       </p:sp>
@@ -2261,7 +2352,7 @@
     </p:spTree>
     <p:extLst>
       <p:ext uri="{BB962C8B-B14F-4D97-AF65-F5344CB8AC3E}">
-        <p14:creationId xmlns:p14="http://schemas.microsoft.com/office/powerpoint/2010/main" val="1157825987"/>
+        <p14:creationId xmlns:p14="http://schemas.microsoft.com/office/powerpoint/2010/main" val="2155285927"/>
       </p:ext>
     </p:extLst>
   </p:cSld>
@@ -2325,7 +2416,15 @@
           <a:bodyPr/>
           <a:lstStyle/>
           <a:p>
-            <a:endParaRPr lang="en-US" altLang="en-US" smtClean="0"/>
+            <a:r>
+              <a:rPr lang="tr-TR" altLang="en-US" dirty="0" smtClean="0"/>
+              <a:t>The existing</a:t>
+            </a:r>
+            <a:r>
+              <a:rPr lang="tr-TR" altLang="en-US" baseline="0" dirty="0" smtClean="0"/>
+              <a:t> inertia constant and inertia constant with synthetic inertia is shown in the figure. Notice that the inertia constant is above the H=5s. That means the wind turbines can compensate the decrease in the inertia constant caused by them and also caused by solar energy. Note that the inertia constant is maximum where the existings case inertia constant is minimum. </a:t>
+            </a:r>
+            <a:endParaRPr lang="en-US" altLang="en-US" dirty="0" smtClean="0"/>
           </a:p>
         </p:txBody>
       </p:sp>
@@ -2350,7 +2449,7 @@
     </p:spTree>
     <p:extLst>
       <p:ext uri="{BB962C8B-B14F-4D97-AF65-F5344CB8AC3E}">
-        <p14:creationId xmlns:p14="http://schemas.microsoft.com/office/powerpoint/2010/main" val="3043029249"/>
+        <p14:creationId xmlns:p14="http://schemas.microsoft.com/office/powerpoint/2010/main" val="1334382131"/>
       </p:ext>
     </p:extLst>
   </p:cSld>
@@ -2439,7 +2538,96 @@
     </p:spTree>
     <p:extLst>
       <p:ext uri="{BB962C8B-B14F-4D97-AF65-F5344CB8AC3E}">
-        <p14:creationId xmlns:p14="http://schemas.microsoft.com/office/powerpoint/2010/main" val="2888767487"/>
+        <p14:creationId xmlns:p14="http://schemas.microsoft.com/office/powerpoint/2010/main" val="3797404516"/>
+      </p:ext>
+    </p:extLst>
+  </p:cSld>
+  <p:clrMapOvr>
+    <a:masterClrMapping/>
+  </p:clrMapOvr>
+</p:notes>
+</file>
+
+<file path=ppt/notesSlides/notesSlide29.xml><?xml version="1.0" encoding="utf-8"?>
+<p:notes xmlns:a="http://schemas.openxmlformats.org/drawingml/2006/main" xmlns:r="http://schemas.openxmlformats.org/officeDocument/2006/relationships" xmlns:p="http://schemas.openxmlformats.org/presentationml/2006/main">
+  <p:cSld>
+    <p:spTree>
+      <p:nvGrpSpPr>
+        <p:cNvPr id="1" name=""/>
+        <p:cNvGrpSpPr/>
+        <p:nvPr/>
+      </p:nvGrpSpPr>
+      <p:grpSpPr>
+        <a:xfrm>
+          <a:off x="0" y="0"/>
+          <a:ext cx="0" cy="0"/>
+          <a:chOff x="0" y="0"/>
+          <a:chExt cx="0" cy="0"/>
+        </a:xfrm>
+      </p:grpSpPr>
+      <p:sp>
+        <p:nvSpPr>
+          <p:cNvPr id="35842" name="Rectangle 2"/>
+          <p:cNvSpPr>
+            <a:spLocks noGrp="1" noChangeArrowheads="1"/>
+          </p:cNvSpPr>
+          <p:nvPr>
+            <p:ph type="body" idx="1"/>
+          </p:nvPr>
+        </p:nvSpPr>
+        <p:spPr>
+          <a:noFill/>
+          <a:ln w="9525"/>
+          <a:extLst>
+            <a:ext uri="{909E8E84-426E-40DD-AFC4-6F175D3DCCD1}">
+              <a14:hiddenFill xmlns:a14="http://schemas.microsoft.com/office/drawing/2010/main">
+                <a:solidFill>
+                  <a:srgbClr val="FFFFFF"/>
+                </a:solidFill>
+              </a14:hiddenFill>
+            </a:ext>
+            <a:ext uri="{91240B29-F687-4F45-9708-019B960494DF}">
+              <a14:hiddenLine xmlns:a14="http://schemas.microsoft.com/office/drawing/2010/main" w="9525">
+                <a:solidFill>
+                  <a:srgbClr val="000000"/>
+                </a:solidFill>
+                <a:miter lim="800000"/>
+                <a:headEnd/>
+                <a:tailEnd/>
+              </a14:hiddenLine>
+            </a:ext>
+          </a:extLst>
+        </p:spPr>
+        <p:txBody>
+          <a:bodyPr/>
+          <a:lstStyle/>
+          <a:p>
+            <a:endParaRPr lang="en-US" altLang="en-US" smtClean="0"/>
+          </a:p>
+        </p:txBody>
+      </p:sp>
+      <p:sp>
+        <p:nvSpPr>
+          <p:cNvPr id="35843" name="Rectangle 3"/>
+          <p:cNvSpPr>
+            <a:spLocks noGrp="1" noRot="1" noChangeAspect="1" noChangeArrowheads="1" noTextEdit="1"/>
+          </p:cNvSpPr>
+          <p:nvPr>
+            <p:ph type="sldImg"/>
+          </p:nvPr>
+        </p:nvSpPr>
+        <p:spPr>
+          <a:xfrm>
+            <a:off x="1057275" y="865188"/>
+            <a:ext cx="4632325" cy="3475037"/>
+          </a:xfrm>
+          <a:ln cap="flat"/>
+        </p:spPr>
+      </p:sp>
+    </p:spTree>
+    <p:extLst>
+      <p:ext uri="{BB962C8B-B14F-4D97-AF65-F5344CB8AC3E}">
+        <p14:creationId xmlns:p14="http://schemas.microsoft.com/office/powerpoint/2010/main" val="1157825987"/>
       </p:ext>
     </p:extLst>
   </p:cSld>
@@ -2503,20 +2691,7 @@
           <a:bodyPr/>
           <a:lstStyle/>
           <a:p>
-            <a:r>
-              <a:rPr lang="tr-TR" altLang="en-US" dirty="0" smtClean="0"/>
-              <a:t>Synchronous</a:t>
-            </a:r>
-            <a:r>
-              <a:rPr lang="tr-TR" altLang="en-US" baseline="0" dirty="0" smtClean="0"/>
-              <a:t> generators produces torque only in synchronous speed. </a:t>
-            </a:r>
-          </a:p>
-          <a:p>
-            <a:r>
-              <a:rPr lang="tr-TR" altLang="en-US" baseline="0" dirty="0" smtClean="0"/>
-              <a:t>When they are sycnhronized to grid frequency, Tm=Te</a:t>
-            </a:r>
+            <a:endParaRPr lang="en-US" altLang="en-US" smtClean="0"/>
           </a:p>
         </p:txBody>
       </p:sp>
@@ -2541,7 +2716,185 @@
     </p:spTree>
     <p:extLst>
       <p:ext uri="{BB962C8B-B14F-4D97-AF65-F5344CB8AC3E}">
-        <p14:creationId xmlns:p14="http://schemas.microsoft.com/office/powerpoint/2010/main" val="1295029688"/>
+        <p14:creationId xmlns:p14="http://schemas.microsoft.com/office/powerpoint/2010/main" val="3879353991"/>
+      </p:ext>
+    </p:extLst>
+  </p:cSld>
+  <p:clrMapOvr>
+    <a:masterClrMapping/>
+  </p:clrMapOvr>
+</p:notes>
+</file>
+
+<file path=ppt/notesSlides/notesSlide30.xml><?xml version="1.0" encoding="utf-8"?>
+<p:notes xmlns:a="http://schemas.openxmlformats.org/drawingml/2006/main" xmlns:r="http://schemas.openxmlformats.org/officeDocument/2006/relationships" xmlns:p="http://schemas.openxmlformats.org/presentationml/2006/main">
+  <p:cSld>
+    <p:spTree>
+      <p:nvGrpSpPr>
+        <p:cNvPr id="1" name=""/>
+        <p:cNvGrpSpPr/>
+        <p:nvPr/>
+      </p:nvGrpSpPr>
+      <p:grpSpPr>
+        <a:xfrm>
+          <a:off x="0" y="0"/>
+          <a:ext cx="0" cy="0"/>
+          <a:chOff x="0" y="0"/>
+          <a:chExt cx="0" cy="0"/>
+        </a:xfrm>
+      </p:grpSpPr>
+      <p:sp>
+        <p:nvSpPr>
+          <p:cNvPr id="35842" name="Rectangle 2"/>
+          <p:cNvSpPr>
+            <a:spLocks noGrp="1" noChangeArrowheads="1"/>
+          </p:cNvSpPr>
+          <p:nvPr>
+            <p:ph type="body" idx="1"/>
+          </p:nvPr>
+        </p:nvSpPr>
+        <p:spPr>
+          <a:noFill/>
+          <a:ln w="9525"/>
+          <a:extLst>
+            <a:ext uri="{909E8E84-426E-40DD-AFC4-6F175D3DCCD1}">
+              <a14:hiddenFill xmlns:a14="http://schemas.microsoft.com/office/drawing/2010/main">
+                <a:solidFill>
+                  <a:srgbClr val="FFFFFF"/>
+                </a:solidFill>
+              </a14:hiddenFill>
+            </a:ext>
+            <a:ext uri="{91240B29-F687-4F45-9708-019B960494DF}">
+              <a14:hiddenLine xmlns:a14="http://schemas.microsoft.com/office/drawing/2010/main" w="9525">
+                <a:solidFill>
+                  <a:srgbClr val="000000"/>
+                </a:solidFill>
+                <a:miter lim="800000"/>
+                <a:headEnd/>
+                <a:tailEnd/>
+              </a14:hiddenLine>
+            </a:ext>
+          </a:extLst>
+        </p:spPr>
+        <p:txBody>
+          <a:bodyPr/>
+          <a:lstStyle/>
+          <a:p>
+            <a:endParaRPr lang="en-US" altLang="en-US" smtClean="0"/>
+          </a:p>
+        </p:txBody>
+      </p:sp>
+      <p:sp>
+        <p:nvSpPr>
+          <p:cNvPr id="35843" name="Rectangle 3"/>
+          <p:cNvSpPr>
+            <a:spLocks noGrp="1" noRot="1" noChangeAspect="1" noChangeArrowheads="1" noTextEdit="1"/>
+          </p:cNvSpPr>
+          <p:nvPr>
+            <p:ph type="sldImg"/>
+          </p:nvPr>
+        </p:nvSpPr>
+        <p:spPr>
+          <a:xfrm>
+            <a:off x="1057275" y="865188"/>
+            <a:ext cx="4632325" cy="3475037"/>
+          </a:xfrm>
+          <a:ln cap="flat"/>
+        </p:spPr>
+      </p:sp>
+    </p:spTree>
+    <p:extLst>
+      <p:ext uri="{BB962C8B-B14F-4D97-AF65-F5344CB8AC3E}">
+        <p14:creationId xmlns:p14="http://schemas.microsoft.com/office/powerpoint/2010/main" val="3043029249"/>
+      </p:ext>
+    </p:extLst>
+  </p:cSld>
+  <p:clrMapOvr>
+    <a:masterClrMapping/>
+  </p:clrMapOvr>
+</p:notes>
+</file>
+
+<file path=ppt/notesSlides/notesSlide31.xml><?xml version="1.0" encoding="utf-8"?>
+<p:notes xmlns:a="http://schemas.openxmlformats.org/drawingml/2006/main" xmlns:r="http://schemas.openxmlformats.org/officeDocument/2006/relationships" xmlns:p="http://schemas.openxmlformats.org/presentationml/2006/main">
+  <p:cSld>
+    <p:spTree>
+      <p:nvGrpSpPr>
+        <p:cNvPr id="1" name=""/>
+        <p:cNvGrpSpPr/>
+        <p:nvPr/>
+      </p:nvGrpSpPr>
+      <p:grpSpPr>
+        <a:xfrm>
+          <a:off x="0" y="0"/>
+          <a:ext cx="0" cy="0"/>
+          <a:chOff x="0" y="0"/>
+          <a:chExt cx="0" cy="0"/>
+        </a:xfrm>
+      </p:grpSpPr>
+      <p:sp>
+        <p:nvSpPr>
+          <p:cNvPr id="35842" name="Rectangle 2"/>
+          <p:cNvSpPr>
+            <a:spLocks noGrp="1" noChangeArrowheads="1"/>
+          </p:cNvSpPr>
+          <p:nvPr>
+            <p:ph type="body" idx="1"/>
+          </p:nvPr>
+        </p:nvSpPr>
+        <p:spPr>
+          <a:noFill/>
+          <a:ln w="9525"/>
+          <a:extLst>
+            <a:ext uri="{909E8E84-426E-40DD-AFC4-6F175D3DCCD1}">
+              <a14:hiddenFill xmlns:a14="http://schemas.microsoft.com/office/drawing/2010/main">
+                <a:solidFill>
+                  <a:srgbClr val="FFFFFF"/>
+                </a:solidFill>
+              </a14:hiddenFill>
+            </a:ext>
+            <a:ext uri="{91240B29-F687-4F45-9708-019B960494DF}">
+              <a14:hiddenLine xmlns:a14="http://schemas.microsoft.com/office/drawing/2010/main" w="9525">
+                <a:solidFill>
+                  <a:srgbClr val="000000"/>
+                </a:solidFill>
+                <a:miter lim="800000"/>
+                <a:headEnd/>
+                <a:tailEnd/>
+              </a14:hiddenLine>
+            </a:ext>
+          </a:extLst>
+        </p:spPr>
+        <p:txBody>
+          <a:bodyPr/>
+          <a:lstStyle/>
+          <a:p>
+            <a:endParaRPr lang="en-US" altLang="en-US" smtClean="0"/>
+          </a:p>
+        </p:txBody>
+      </p:sp>
+      <p:sp>
+        <p:nvSpPr>
+          <p:cNvPr id="35843" name="Rectangle 3"/>
+          <p:cNvSpPr>
+            <a:spLocks noGrp="1" noRot="1" noChangeAspect="1" noChangeArrowheads="1" noTextEdit="1"/>
+          </p:cNvSpPr>
+          <p:nvPr>
+            <p:ph type="sldImg"/>
+          </p:nvPr>
+        </p:nvSpPr>
+        <p:spPr>
+          <a:xfrm>
+            <a:off x="1057275" y="865188"/>
+            <a:ext cx="4632325" cy="3475037"/>
+          </a:xfrm>
+          <a:ln cap="flat"/>
+        </p:spPr>
+      </p:sp>
+    </p:spTree>
+    <p:extLst>
+      <p:ext uri="{BB962C8B-B14F-4D97-AF65-F5344CB8AC3E}">
+        <p14:creationId xmlns:p14="http://schemas.microsoft.com/office/powerpoint/2010/main" val="2888767487"/>
       </p:ext>
     </p:extLst>
   </p:cSld>
@@ -2607,25 +2960,18 @@
           <a:p>
             <a:r>
               <a:rPr lang="tr-TR" altLang="en-US" dirty="0" smtClean="0"/>
-              <a:t>Swing Equation</a:t>
+              <a:t>Synchronous</a:t>
             </a:r>
             <a:r>
               <a:rPr lang="tr-TR" altLang="en-US" baseline="0" dirty="0" smtClean="0"/>
-              <a:t> is important for power system frequency stability and </a:t>
-            </a:r>
+              <a:t> generators produces torque only in synchronous speed. </a:t>
+            </a:r>
+          </a:p>
+          <a:p>
             <a:r>
               <a:rPr lang="tr-TR" altLang="en-US" baseline="0" dirty="0" smtClean="0"/>
-              <a:t>investigates </a:t>
-            </a:r>
-            <a:r>
-              <a:rPr lang="tr-TR" altLang="en-US" baseline="0" dirty="0" smtClean="0"/>
-              <a:t>the relation between speed and the power</a:t>
-            </a:r>
-            <a:r>
-              <a:rPr lang="tr-TR" altLang="en-US" baseline="0" dirty="0" smtClean="0"/>
-              <a:t>. As the frequency decreases, generator slows down and this creates an increase in the active power output.</a:t>
-            </a:r>
-            <a:endParaRPr lang="en-US" altLang="en-US" dirty="0" smtClean="0"/>
+              <a:t>When they are sycnhronized to grid frequency, Tm=Te</a:t>
+            </a:r>
           </a:p>
         </p:txBody>
       </p:sp>
@@ -2650,7 +2996,7 @@
     </p:spTree>
     <p:extLst>
       <p:ext uri="{BB962C8B-B14F-4D97-AF65-F5344CB8AC3E}">
-        <p14:creationId xmlns:p14="http://schemas.microsoft.com/office/powerpoint/2010/main" val="2535857714"/>
+        <p14:creationId xmlns:p14="http://schemas.microsoft.com/office/powerpoint/2010/main" val="1295029688"/>
       </p:ext>
     </p:extLst>
   </p:cSld>
@@ -2716,11 +3062,11 @@
           <a:p>
             <a:r>
               <a:rPr lang="tr-TR" altLang="en-US" dirty="0" smtClean="0"/>
-              <a:t>When all generators</a:t>
+              <a:t>Swing Equation</a:t>
             </a:r>
             <a:r>
               <a:rPr lang="tr-TR" altLang="en-US" baseline="0" dirty="0" smtClean="0"/>
-              <a:t> in the grid is considered as a single generator, </a:t>
+              <a:t> is important for power system frequency stability and investigates the relation between speed and the power. As the frequency decreases, generator slows down and this creates an increase in the active power output.</a:t>
             </a:r>
             <a:endParaRPr lang="en-US" altLang="en-US" dirty="0" smtClean="0"/>
           </a:p>
@@ -2747,7 +3093,7 @@
     </p:spTree>
     <p:extLst>
       <p:ext uri="{BB962C8B-B14F-4D97-AF65-F5344CB8AC3E}">
-        <p14:creationId xmlns:p14="http://schemas.microsoft.com/office/powerpoint/2010/main" val="259740434"/>
+        <p14:creationId xmlns:p14="http://schemas.microsoft.com/office/powerpoint/2010/main" val="2535857714"/>
       </p:ext>
     </p:extLst>
   </p:cSld>
@@ -2811,6 +3157,14 @@
           <a:bodyPr/>
           <a:lstStyle/>
           <a:p>
+            <a:r>
+              <a:rPr lang="tr-TR" altLang="en-US" dirty="0" smtClean="0"/>
+              <a:t>When all generators</a:t>
+            </a:r>
+            <a:r>
+              <a:rPr lang="tr-TR" altLang="en-US" baseline="0" dirty="0" smtClean="0"/>
+              <a:t> in the grid is considered as a single generator, </a:t>
+            </a:r>
             <a:endParaRPr lang="en-US" altLang="en-US" dirty="0" smtClean="0"/>
           </a:p>
         </p:txBody>
@@ -2836,7 +3190,7 @@
     </p:spTree>
     <p:extLst>
       <p:ext uri="{BB962C8B-B14F-4D97-AF65-F5344CB8AC3E}">
-        <p14:creationId xmlns:p14="http://schemas.microsoft.com/office/powerpoint/2010/main" val="1782739168"/>
+        <p14:creationId xmlns:p14="http://schemas.microsoft.com/office/powerpoint/2010/main" val="259740434"/>
       </p:ext>
     </p:extLst>
   </p:cSld>
@@ -2900,7 +3254,7 @@
           <a:bodyPr/>
           <a:lstStyle/>
           <a:p>
-            <a:endParaRPr lang="en-US" altLang="en-US" smtClean="0"/>
+            <a:endParaRPr lang="en-US" altLang="en-US" dirty="0" smtClean="0"/>
           </a:p>
         </p:txBody>
       </p:sp>
@@ -2925,7 +3279,7 @@
     </p:spTree>
     <p:extLst>
       <p:ext uri="{BB962C8B-B14F-4D97-AF65-F5344CB8AC3E}">
-        <p14:creationId xmlns:p14="http://schemas.microsoft.com/office/powerpoint/2010/main" val="4072548594"/>
+        <p14:creationId xmlns:p14="http://schemas.microsoft.com/office/powerpoint/2010/main" val="1782739168"/>
       </p:ext>
     </p:extLst>
   </p:cSld>
@@ -3014,7 +3368,7 @@
     </p:spTree>
     <p:extLst>
       <p:ext uri="{BB962C8B-B14F-4D97-AF65-F5344CB8AC3E}">
-        <p14:creationId xmlns:p14="http://schemas.microsoft.com/office/powerpoint/2010/main" val="1503054287"/>
+        <p14:creationId xmlns:p14="http://schemas.microsoft.com/office/powerpoint/2010/main" val="4072548594"/>
       </p:ext>
     </p:extLst>
   </p:cSld>
@@ -3078,15 +3432,7 @@
           <a:bodyPr/>
           <a:lstStyle/>
           <a:p>
-            <a:r>
-              <a:rPr lang="tr-TR" altLang="en-US" dirty="0" smtClean="0"/>
-              <a:t>Figure</a:t>
-            </a:r>
-            <a:r>
-              <a:rPr lang="tr-TR" altLang="en-US" baseline="0" dirty="0" smtClean="0"/>
-              <a:t> shows the modelling for the PMSG wind turbine that is connected to grid with FSPC. There are two converters in this type of the converter with different responsibilities. The one connected between DC-bus and grid is called Grid Side Converter and it is responsible for maintaining a constant DC-bus voltage and adjusting the reactive power that is injected to grid. The converter in between DC bus and PMSG is called Machine Side Controller. It is adjusts the generator and turbine speed to MPPT speed by controlling its output torque. When the output torque hits the limit, the speed cannot be regulated and exceeds the maximum allowable speeds. This is why Pitch angle controller is utilized. By increasing the pitch angle of the turbine, the aerodynamic power and aerodynamic torque is decreased. In this way, turbine speed is kept in the maximum in high speeds. </a:t>
-            </a:r>
-            <a:endParaRPr lang="en-US" altLang="en-US" dirty="0" smtClean="0"/>
+            <a:endParaRPr lang="en-US" altLang="en-US" smtClean="0"/>
           </a:p>
         </p:txBody>
       </p:sp>
@@ -3111,7 +3457,7 @@
     </p:spTree>
     <p:extLst>
       <p:ext uri="{BB962C8B-B14F-4D97-AF65-F5344CB8AC3E}">
-        <p14:creationId xmlns:p14="http://schemas.microsoft.com/office/powerpoint/2010/main" val="4238726091"/>
+        <p14:creationId xmlns:p14="http://schemas.microsoft.com/office/powerpoint/2010/main" val="1503054287"/>
       </p:ext>
     </p:extLst>
   </p:cSld>
@@ -6141,6 +6487,17 @@
               <a:rPr lang="tr-TR" dirty="0" smtClean="0"/>
               <a:t>The Degree of Master of Science</a:t>
             </a:r>
+          </a:p>
+          <a:p>
+            <a:pPr algn="ctr"/>
+            <a:r>
+              <a:rPr lang="tr-TR" dirty="0"/>
+              <a:t>i</a:t>
+            </a:r>
+            <a:r>
+              <a:rPr lang="tr-TR" dirty="0" smtClean="0"/>
+              <a:t>n Electrical and Electronics Engineering</a:t>
+            </a:r>
             <a:endParaRPr lang="tr-TR" dirty="0"/>
           </a:p>
         </p:txBody>
@@ -6201,7 +6558,7 @@
                 <a:latin typeface="Arial" panose="020B0604020202020204" pitchFamily="34" charset="0"/>
                 <a:cs typeface="Arial" panose="020B0604020202020204" pitchFamily="34" charset="0"/>
               </a:rPr>
-              <a:t>Wind Turbine Modelling</a:t>
+              <a:t>Renewable Energy Problems</a:t>
             </a:r>
             <a:endParaRPr lang="en-US" dirty="0" smtClean="0">
               <a:latin typeface="Arial" panose="020B0604020202020204" pitchFamily="34" charset="0"/>
@@ -6260,6 +6617,470 @@
                 <a:defRPr/>
               </a:pPr>
               <a:t>10</a:t>
+            </a:fld>
+            <a:endParaRPr lang="en-US" dirty="0"/>
+          </a:p>
+        </p:txBody>
+      </p:sp>
+      <p:sp>
+        <p:nvSpPr>
+          <p:cNvPr id="4" name="Content Placeholder 3"/>
+          <p:cNvSpPr>
+            <a:spLocks noGrp="1"/>
+          </p:cNvSpPr>
+          <p:nvPr>
+            <p:ph idx="1"/>
+          </p:nvPr>
+        </p:nvSpPr>
+        <p:spPr>
+          <a:xfrm>
+            <a:off x="457200" y="1430339"/>
+            <a:ext cx="8229600" cy="1782637"/>
+          </a:xfrm>
+        </p:spPr>
+        <p:txBody>
+          <a:bodyPr/>
+          <a:lstStyle/>
+          <a:p>
+            <a:r>
+              <a:rPr lang="tr-TR" dirty="0" smtClean="0">
+                <a:latin typeface="Arial" panose="020B0604020202020204" pitchFamily="34" charset="0"/>
+                <a:cs typeface="Arial" panose="020B0604020202020204" pitchFamily="34" charset="0"/>
+              </a:rPr>
+              <a:t>The synchronous generators contribute grid inertia by injecting more power in the frequency disturbances. </a:t>
+            </a:r>
+          </a:p>
+          <a:p>
+            <a:endParaRPr lang="tr-TR" dirty="0">
+              <a:latin typeface="Arial" panose="020B0604020202020204" pitchFamily="34" charset="0"/>
+              <a:cs typeface="Arial" panose="020B0604020202020204" pitchFamily="34" charset="0"/>
+            </a:endParaRPr>
+          </a:p>
+          <a:p>
+            <a:r>
+              <a:rPr lang="tr-TR" dirty="0" smtClean="0">
+                <a:latin typeface="Arial" panose="020B0604020202020204" pitchFamily="34" charset="0"/>
+                <a:cs typeface="Arial" panose="020B0604020202020204" pitchFamily="34" charset="0"/>
+              </a:rPr>
+              <a:t>The decrease in the grid inertia can be solved by emulating inertia support in the renewable energy systems. </a:t>
+            </a:r>
+          </a:p>
+        </p:txBody>
+      </p:sp>
+      <p:pic>
+        <p:nvPicPr>
+          <p:cNvPr id="7" name="Picture 6"/>
+          <p:cNvPicPr>
+            <a:picLocks noChangeAspect="1"/>
+          </p:cNvPicPr>
+          <p:nvPr/>
+        </p:nvPicPr>
+        <p:blipFill>
+          <a:blip r:embed="rId3">
+            <a:extLst>
+              <a:ext uri="{28A0092B-C50C-407E-A947-70E740481C1C}">
+                <a14:useLocalDpi xmlns:a14="http://schemas.microsoft.com/office/drawing/2010/main" val="0"/>
+              </a:ext>
+            </a:extLst>
+          </a:blip>
+          <a:stretch>
+            <a:fillRect/>
+          </a:stretch>
+        </p:blipFill>
+        <p:spPr>
+          <a:xfrm>
+            <a:off x="4788024" y="3383052"/>
+            <a:ext cx="4127644" cy="2473743"/>
+          </a:xfrm>
+          <a:prstGeom prst="rect">
+            <a:avLst/>
+          </a:prstGeom>
+        </p:spPr>
+      </p:pic>
+      <p:sp>
+        <p:nvSpPr>
+          <p:cNvPr id="10" name="Content Placeholder 3"/>
+          <p:cNvSpPr txBox="1">
+            <a:spLocks/>
+          </p:cNvSpPr>
+          <p:nvPr/>
+        </p:nvSpPr>
+        <p:spPr bwMode="auto">
+          <a:xfrm>
+            <a:off x="457199" y="3466124"/>
+            <a:ext cx="4000501" cy="1782637"/>
+          </a:xfrm>
+          <a:prstGeom prst="rect">
+            <a:avLst/>
+          </a:prstGeom>
+          <a:noFill/>
+          <a:ln>
+            <a:noFill/>
+          </a:ln>
+          <a:extLst>
+            <a:ext uri="{909E8E84-426E-40DD-AFC4-6F175D3DCCD1}">
+              <a14:hiddenFill xmlns:a14="http://schemas.microsoft.com/office/drawing/2010/main">
+                <a:solidFill>
+                  <a:srgbClr val="FFFFFF"/>
+                </a:solidFill>
+              </a14:hiddenFill>
+            </a:ext>
+            <a:ext uri="{91240B29-F687-4F45-9708-019B960494DF}">
+              <a14:hiddenLine xmlns:a14="http://schemas.microsoft.com/office/drawing/2010/main" w="9525">
+                <a:solidFill>
+                  <a:srgbClr val="000000"/>
+                </a:solidFill>
+                <a:miter lim="800000"/>
+                <a:headEnd/>
+                <a:tailEnd/>
+              </a14:hiddenLine>
+            </a:ext>
+          </a:extLst>
+        </p:spPr>
+        <p:txBody>
+          <a:bodyPr vert="horz" wrap="square" lIns="91440" tIns="45720" rIns="91440" bIns="45720" numCol="1" anchor="t" anchorCtr="0" compatLnSpc="1">
+            <a:prstTxWarp prst="textNoShape">
+              <a:avLst/>
+            </a:prstTxWarp>
+          </a:bodyPr>
+          <a:lstStyle>
+            <a:lvl1pPr marL="342900" indent="-342900" algn="l" rtl="0" eaLnBrk="1" fontAlgn="base" hangingPunct="1">
+              <a:spcBef>
+                <a:spcPct val="20000"/>
+              </a:spcBef>
+              <a:spcAft>
+                <a:spcPct val="0"/>
+              </a:spcAft>
+              <a:buClr>
+                <a:srgbClr val="C20024"/>
+              </a:buClr>
+              <a:buSzPct val="90000"/>
+              <a:buFont typeface="Arial" panose="020B0604020202020204" pitchFamily="34" charset="0"/>
+              <a:buChar char="•"/>
+              <a:defRPr sz="2000" kern="1200" baseline="0">
+                <a:solidFill>
+                  <a:schemeClr val="tx1"/>
+                </a:solidFill>
+                <a:latin typeface="Century Gothic" panose="020B0502020202020204" pitchFamily="34" charset="0"/>
+                <a:ea typeface="+mn-ea"/>
+                <a:cs typeface="Arial"/>
+              </a:defRPr>
+            </a:lvl1pPr>
+            <a:lvl2pPr marL="639763" indent="-457200" algn="l" rtl="0" eaLnBrk="1" fontAlgn="base" hangingPunct="1">
+              <a:spcBef>
+                <a:spcPts val="438"/>
+              </a:spcBef>
+              <a:spcAft>
+                <a:spcPct val="0"/>
+              </a:spcAft>
+              <a:buClr>
+                <a:srgbClr val="C00000"/>
+              </a:buClr>
+              <a:buSzPct val="80000"/>
+              <a:buFont typeface="Arial" panose="020B0604020202020204" pitchFamily="34" charset="0"/>
+              <a:buChar char="•"/>
+              <a:defRPr kern="1200">
+                <a:solidFill>
+                  <a:schemeClr val="tx1"/>
+                </a:solidFill>
+                <a:latin typeface="Century Gothic" panose="020B0502020202020204" pitchFamily="34" charset="0"/>
+                <a:ea typeface="+mn-ea"/>
+                <a:cs typeface="Arial"/>
+              </a:defRPr>
+            </a:lvl2pPr>
+            <a:lvl3pPr marL="914400" indent="-457200" algn="l" rtl="0" eaLnBrk="1" fontAlgn="base" hangingPunct="1">
+              <a:spcBef>
+                <a:spcPct val="20000"/>
+              </a:spcBef>
+              <a:spcAft>
+                <a:spcPct val="0"/>
+              </a:spcAft>
+              <a:buClr>
+                <a:schemeClr val="accent2"/>
+              </a:buClr>
+              <a:buSzPct val="70000"/>
+              <a:buFont typeface="Arial" panose="020B0604020202020204" pitchFamily="34" charset="0"/>
+              <a:buChar char="•"/>
+              <a:defRPr kern="1200">
+                <a:solidFill>
+                  <a:schemeClr val="tx1"/>
+                </a:solidFill>
+                <a:latin typeface="Century Gothic" panose="020B0502020202020204" pitchFamily="34" charset="0"/>
+                <a:ea typeface="+mn-ea"/>
+                <a:cs typeface="Arial"/>
+              </a:defRPr>
+            </a:lvl3pPr>
+            <a:lvl4pPr marL="1187450" indent="-457200" algn="l" rtl="0" eaLnBrk="1" fontAlgn="base" hangingPunct="1">
+              <a:spcBef>
+                <a:spcPct val="20000"/>
+              </a:spcBef>
+              <a:spcAft>
+                <a:spcPct val="0"/>
+              </a:spcAft>
+              <a:buClr>
+                <a:srgbClr val="C20024"/>
+              </a:buClr>
+              <a:buSzPct val="65000"/>
+              <a:buFont typeface="Arial" panose="020B0604020202020204" pitchFamily="34" charset="0"/>
+              <a:buChar char="•"/>
+              <a:defRPr kern="1200">
+                <a:solidFill>
+                  <a:schemeClr val="tx1"/>
+                </a:solidFill>
+                <a:latin typeface="Century Gothic" panose="020B0502020202020204" pitchFamily="34" charset="0"/>
+                <a:ea typeface="+mn-ea"/>
+                <a:cs typeface="Arial"/>
+              </a:defRPr>
+            </a:lvl4pPr>
+            <a:lvl5pPr marL="1004888" indent="0" algn="l" rtl="0" eaLnBrk="1" fontAlgn="base" hangingPunct="1">
+              <a:spcBef>
+                <a:spcPct val="20000"/>
+              </a:spcBef>
+              <a:spcAft>
+                <a:spcPct val="0"/>
+              </a:spcAft>
+              <a:buClr>
+                <a:srgbClr val="10CF9B"/>
+              </a:buClr>
+              <a:buSzPct val="65000"/>
+              <a:buFont typeface="Arial" panose="020B0604020202020204" pitchFamily="34" charset="0"/>
+              <a:buNone/>
+              <a:defRPr kern="1200">
+                <a:solidFill>
+                  <a:schemeClr val="tx1"/>
+                </a:solidFill>
+                <a:latin typeface="Century Gothic" panose="020B0502020202020204" pitchFamily="34" charset="0"/>
+                <a:ea typeface="+mn-ea"/>
+                <a:cs typeface="Arial"/>
+              </a:defRPr>
+            </a:lvl5pPr>
+            <a:lvl6pPr marL="1737360" indent="-210312" algn="l" rtl="0" eaLnBrk="1" latinLnBrk="0" hangingPunct="1">
+              <a:spcBef>
+                <a:spcPct val="20000"/>
+              </a:spcBef>
+              <a:buClr>
+                <a:schemeClr val="accent5"/>
+              </a:buClr>
+              <a:buSzPct val="80000"/>
+              <a:buFont typeface="Wingdings 2"/>
+              <a:buChar char=""/>
+              <a:defRPr kumimoji="0" sz="1800" kern="1200">
+                <a:solidFill>
+                  <a:schemeClr val="tx1"/>
+                </a:solidFill>
+                <a:latin typeface="+mn-lt"/>
+                <a:ea typeface="+mn-ea"/>
+                <a:cs typeface="+mn-cs"/>
+              </a:defRPr>
+            </a:lvl6pPr>
+            <a:lvl7pPr marL="1920240" indent="-182880" algn="l" rtl="0" eaLnBrk="1" latinLnBrk="0" hangingPunct="1">
+              <a:spcBef>
+                <a:spcPct val="20000"/>
+              </a:spcBef>
+              <a:buClr>
+                <a:schemeClr val="accent6"/>
+              </a:buClr>
+              <a:buSzPct val="80000"/>
+              <a:buFont typeface="Wingdings 2"/>
+              <a:buChar char=""/>
+              <a:defRPr kumimoji="0" sz="1600" kern="1200" baseline="0">
+                <a:solidFill>
+                  <a:schemeClr val="tx1"/>
+                </a:solidFill>
+                <a:latin typeface="+mn-lt"/>
+                <a:ea typeface="+mn-ea"/>
+                <a:cs typeface="+mn-cs"/>
+              </a:defRPr>
+            </a:lvl7pPr>
+            <a:lvl8pPr marL="2194560" indent="-182880" algn="l" rtl="0" eaLnBrk="1" latinLnBrk="0" hangingPunct="1">
+              <a:spcBef>
+                <a:spcPct val="20000"/>
+              </a:spcBef>
+              <a:buClr>
+                <a:schemeClr val="tx2"/>
+              </a:buClr>
+              <a:buChar char="•"/>
+              <a:defRPr kumimoji="0" sz="1600" kern="1200">
+                <a:solidFill>
+                  <a:schemeClr val="tx1"/>
+                </a:solidFill>
+                <a:latin typeface="+mn-lt"/>
+                <a:ea typeface="+mn-ea"/>
+                <a:cs typeface="+mn-cs"/>
+              </a:defRPr>
+            </a:lvl8pPr>
+            <a:lvl9pPr marL="2468880" indent="-182880" algn="l" rtl="0" eaLnBrk="1" latinLnBrk="0" hangingPunct="1">
+              <a:spcBef>
+                <a:spcPct val="20000"/>
+              </a:spcBef>
+              <a:buClr>
+                <a:schemeClr val="tx2"/>
+              </a:buClr>
+              <a:buFontTx/>
+              <a:buChar char="•"/>
+              <a:defRPr kumimoji="0" sz="1400" kern="1200" baseline="0">
+                <a:solidFill>
+                  <a:schemeClr val="tx1"/>
+                </a:solidFill>
+                <a:latin typeface="+mn-lt"/>
+                <a:ea typeface="+mn-ea"/>
+                <a:cs typeface="+mn-cs"/>
+              </a:defRPr>
+            </a:lvl9pPr>
+          </a:lstStyle>
+          <a:p>
+            <a:pPr algn="just"/>
+            <a:r>
+              <a:rPr lang="tr-TR" dirty="0" smtClean="0">
+                <a:latin typeface="Arial" panose="020B0604020202020204" pitchFamily="34" charset="0"/>
+                <a:cs typeface="Arial" panose="020B0604020202020204" pitchFamily="34" charset="0"/>
+              </a:rPr>
+              <a:t>Wind </a:t>
+            </a:r>
+            <a:r>
+              <a:rPr lang="tr-TR" dirty="0">
+                <a:latin typeface="Arial" panose="020B0604020202020204" pitchFamily="34" charset="0"/>
+                <a:cs typeface="Arial" panose="020B0604020202020204" pitchFamily="34" charset="0"/>
+              </a:rPr>
+              <a:t>turbines with FSPC are the most promising type of renewable </a:t>
+            </a:r>
+            <a:r>
+              <a:rPr lang="tr-TR" dirty="0" smtClean="0">
+                <a:latin typeface="Arial" panose="020B0604020202020204" pitchFamily="34" charset="0"/>
+                <a:cs typeface="Arial" panose="020B0604020202020204" pitchFamily="34" charset="0"/>
+              </a:rPr>
+              <a:t>energy system due </a:t>
+            </a:r>
+            <a:r>
+              <a:rPr lang="tr-TR" dirty="0">
+                <a:latin typeface="Arial" panose="020B0604020202020204" pitchFamily="34" charset="0"/>
+                <a:cs typeface="Arial" panose="020B0604020202020204" pitchFamily="34" charset="0"/>
+              </a:rPr>
+              <a:t>to its kinetic energy in the turbine inertia and the ability to control active/reactive power. </a:t>
+            </a:r>
+          </a:p>
+        </p:txBody>
+      </p:sp>
+    </p:spTree>
+    <p:extLst>
+      <p:ext uri="{BB962C8B-B14F-4D97-AF65-F5344CB8AC3E}">
+        <p14:creationId xmlns:p14="http://schemas.microsoft.com/office/powerpoint/2010/main" val="3313184192"/>
+      </p:ext>
+    </p:extLst>
+  </p:cSld>
+  <p:clrMapOvr>
+    <a:masterClrMapping/>
+  </p:clrMapOvr>
+  <p:transition/>
+  <p:timing>
+    <p:tnLst>
+      <p:par>
+        <p:cTn id="1" dur="indefinite" restart="never" nodeType="tmRoot"/>
+      </p:par>
+    </p:tnLst>
+  </p:timing>
+</p:sld>
+</file>
+
+<file path=ppt/slides/slide11.xml><?xml version="1.0" encoding="utf-8"?>
+<p:sld xmlns:a="http://schemas.openxmlformats.org/drawingml/2006/main" xmlns:r="http://schemas.openxmlformats.org/officeDocument/2006/relationships" xmlns:p="http://schemas.openxmlformats.org/presentationml/2006/main">
+  <p:cSld>
+    <p:spTree>
+      <p:nvGrpSpPr>
+        <p:cNvPr id="1" name=""/>
+        <p:cNvGrpSpPr/>
+        <p:nvPr/>
+      </p:nvGrpSpPr>
+      <p:grpSpPr>
+        <a:xfrm>
+          <a:off x="0" y="0"/>
+          <a:ext cx="0" cy="0"/>
+          <a:chOff x="0" y="0"/>
+          <a:chExt cx="0" cy="0"/>
+        </a:xfrm>
+      </p:grpSpPr>
+      <p:sp>
+        <p:nvSpPr>
+          <p:cNvPr id="5122" name="Rectangle 2"/>
+          <p:cNvSpPr>
+            <a:spLocks noGrp="1" noChangeArrowheads="1"/>
+          </p:cNvSpPr>
+          <p:nvPr>
+            <p:ph type="title"/>
+          </p:nvPr>
+        </p:nvSpPr>
+        <p:spPr/>
+        <p:txBody>
+          <a:bodyPr/>
+          <a:lstStyle/>
+          <a:p>
+            <a:pPr>
+              <a:defRPr/>
+            </a:pPr>
+            <a:r>
+              <a:rPr lang="tr-TR" dirty="0" smtClean="0">
+                <a:latin typeface="Arial" panose="020B0604020202020204" pitchFamily="34" charset="0"/>
+                <a:cs typeface="Arial" panose="020B0604020202020204" pitchFamily="34" charset="0"/>
+              </a:rPr>
+              <a:t>Wind Turbine Modelling</a:t>
+            </a:r>
+            <a:endParaRPr lang="en-US" dirty="0" smtClean="0">
+              <a:latin typeface="Arial" panose="020B0604020202020204" pitchFamily="34" charset="0"/>
+              <a:cs typeface="Arial" panose="020B0604020202020204" pitchFamily="34" charset="0"/>
+            </a:endParaRPr>
+          </a:p>
+        </p:txBody>
+      </p:sp>
+      <p:sp>
+        <p:nvSpPr>
+          <p:cNvPr id="2" name="Date Placeholder 1"/>
+          <p:cNvSpPr>
+            <a:spLocks noGrp="1"/>
+          </p:cNvSpPr>
+          <p:nvPr>
+            <p:ph type="dt" sz="half" idx="2"/>
+          </p:nvPr>
+        </p:nvSpPr>
+        <p:spPr/>
+        <p:txBody>
+          <a:bodyPr/>
+          <a:lstStyle/>
+          <a:p>
+            <a:pPr>
+              <a:defRPr/>
+            </a:pPr>
+            <a:r>
+              <a:rPr lang="tr-TR" smtClean="0"/>
+              <a:t>18.01.2019</a:t>
+            </a:r>
+            <a:endParaRPr lang="en-US" dirty="0"/>
+          </a:p>
+        </p:txBody>
+      </p:sp>
+      <p:sp>
+        <p:nvSpPr>
+          <p:cNvPr id="3" name="Slide Number Placeholder 2"/>
+          <p:cNvSpPr>
+            <a:spLocks noGrp="1"/>
+          </p:cNvSpPr>
+          <p:nvPr>
+            <p:ph type="sldNum" sz="quarter" idx="12"/>
+          </p:nvPr>
+        </p:nvSpPr>
+        <p:spPr/>
+        <p:txBody>
+          <a:bodyPr/>
+          <a:lstStyle/>
+          <a:p>
+            <a:pPr>
+              <a:defRPr/>
+            </a:pPr>
+            <a:fld id="{C878F797-6006-4DDA-AFE9-456F280FE6C5}" type="slidenum">
+              <a:rPr lang="en-US" smtClean="0"/>
+              <a:pPr>
+                <a:defRPr/>
+              </a:pPr>
+              <a:t>11</a:t>
             </a:fld>
             <a:endParaRPr lang="en-US" dirty="0"/>
           </a:p>
@@ -6315,7 +7136,7 @@
 </p:sld>
 </file>
 
-<file path=ppt/slides/slide11.xml><?xml version="1.0" encoding="utf-8"?>
+<file path=ppt/slides/slide12.xml><?xml version="1.0" encoding="utf-8"?>
 <p:sld xmlns:a="http://schemas.openxmlformats.org/drawingml/2006/main" xmlns:r="http://schemas.openxmlformats.org/officeDocument/2006/relationships" xmlns:p="http://schemas.openxmlformats.org/presentationml/2006/main">
   <p:cSld>
     <p:spTree>
@@ -6413,7 +7234,7 @@
               <a:pPr>
                 <a:defRPr/>
               </a:pPr>
-              <a:t>11</a:t>
+              <a:t>12</a:t>
             </a:fld>
             <a:endParaRPr lang="en-US" dirty="0"/>
           </a:p>
@@ -6469,7 +7290,7 @@
 </p:sld>
 </file>
 
-<file path=ppt/slides/slide12.xml><?xml version="1.0" encoding="utf-8"?>
+<file path=ppt/slides/slide13.xml><?xml version="1.0" encoding="utf-8"?>
 <p:sld xmlns:a="http://schemas.openxmlformats.org/drawingml/2006/main" xmlns:r="http://schemas.openxmlformats.org/officeDocument/2006/relationships" xmlns:p="http://schemas.openxmlformats.org/presentationml/2006/main">
   <p:cSld>
     <p:spTree>
@@ -6567,7 +7388,7 @@
               <a:pPr>
                 <a:defRPr/>
               </a:pPr>
-              <a:t>12</a:t>
+              <a:t>13</a:t>
             </a:fld>
             <a:endParaRPr lang="en-US" dirty="0"/>
           </a:p>
@@ -6623,7 +7444,7 @@
 </p:sld>
 </file>
 
-<file path=ppt/slides/slide13.xml><?xml version="1.0" encoding="utf-8"?>
+<file path=ppt/slides/slide14.xml><?xml version="1.0" encoding="utf-8"?>
 <p:sld xmlns:a="http://schemas.openxmlformats.org/drawingml/2006/main" xmlns:r="http://schemas.openxmlformats.org/officeDocument/2006/relationships" xmlns:p="http://schemas.openxmlformats.org/presentationml/2006/main">
   <p:cSld>
     <p:spTree>
@@ -6721,7 +7542,7 @@
               <a:pPr>
                 <a:defRPr/>
               </a:pPr>
-              <a:t>13</a:t>
+              <a:t>14</a:t>
             </a:fld>
             <a:endParaRPr lang="en-US" dirty="0"/>
           </a:p>
@@ -7278,7 +8099,7 @@
 </p:sld>
 </file>
 
-<file path=ppt/slides/slide14.xml><?xml version="1.0" encoding="utf-8"?>
+<file path=ppt/slides/slide15.xml><?xml version="1.0" encoding="utf-8"?>
 <p:sld xmlns:a="http://schemas.openxmlformats.org/drawingml/2006/main" xmlns:r="http://schemas.openxmlformats.org/officeDocument/2006/relationships" xmlns:p="http://schemas.openxmlformats.org/presentationml/2006/main">
   <p:cSld>
     <p:spTree>
@@ -7376,513 +8197,12 @@
               <a:pPr>
                 <a:defRPr/>
               </a:pPr>
-              <a:t>14</a:t>
+              <a:t>15</a:t>
             </a:fld>
             <a:endParaRPr lang="en-US" dirty="0"/>
           </a:p>
         </p:txBody>
       </p:sp>
-      <mc:AlternateContent xmlns:mc="http://schemas.openxmlformats.org/markup-compatibility/2006" xmlns:a14="http://schemas.microsoft.com/office/drawing/2010/main">
-        <mc:Choice Requires="a14">
-          <p:sp>
-            <p:nvSpPr>
-              <p:cNvPr id="6" name="Rectangle 5"/>
-              <p:cNvSpPr/>
-              <p:nvPr/>
-            </p:nvSpPr>
-            <p:spPr>
-              <a:xfrm>
-                <a:off x="3556332" y="4445912"/>
-                <a:ext cx="2031325" cy="491738"/>
-              </a:xfrm>
-              <a:prstGeom prst="rect">
-                <a:avLst/>
-              </a:prstGeom>
-            </p:spPr>
-            <p:txBody>
-              <a:bodyPr wrap="none">
-                <a:spAutoFit/>
-              </a:bodyPr>
-              <a:lstStyle/>
-              <a:p>
-                <a14:m>
-                  <m:oMath xmlns:m="http://schemas.openxmlformats.org/officeDocument/2006/math">
-                    <m:sSub>
-                      <m:sSubPr>
-                        <m:ctrlPr>
-                          <a:rPr lang="tr-TR" i="1" smtClean="0">
-                            <a:latin typeface="Cambria Math" panose="02040503050406030204" pitchFamily="18" charset="0"/>
-                          </a:rPr>
-                        </m:ctrlPr>
-                      </m:sSubPr>
-                      <m:e>
-                        <m:r>
-                          <a:rPr lang="tr-TR" b="0" i="1" smtClean="0">
-                            <a:latin typeface="Cambria Math" panose="02040503050406030204" pitchFamily="18" charset="0"/>
-                          </a:rPr>
-                          <m:t>𝑃</m:t>
-                        </m:r>
-                      </m:e>
-                      <m:sub>
-                        <m:r>
-                          <a:rPr lang="tr-TR" b="0" i="1" smtClean="0">
-                            <a:latin typeface="Cambria Math" panose="02040503050406030204" pitchFamily="18" charset="0"/>
-                          </a:rPr>
-                          <m:t>𝑔𝑒𝑛</m:t>
-                        </m:r>
-                      </m:sub>
-                    </m:sSub>
-                  </m:oMath>
-                </a14:m>
-                <a:r>
-                  <a:rPr lang="tr-TR" dirty="0" smtClean="0"/>
-                  <a:t>=</a:t>
-                </a:r>
-                <a14:m>
-                  <m:oMath xmlns:m="http://schemas.openxmlformats.org/officeDocument/2006/math">
-                    <m:sSub>
-                      <m:sSubPr>
-                        <m:ctrlPr>
-                          <a:rPr lang="tr-TR" i="1">
-                            <a:latin typeface="Cambria Math" panose="02040503050406030204" pitchFamily="18" charset="0"/>
-                          </a:rPr>
-                        </m:ctrlPr>
-                      </m:sSubPr>
-                      <m:e>
-                        <m:r>
-                          <a:rPr lang="tr-TR" b="0" i="1" smtClean="0">
-                            <a:latin typeface="Cambria Math" panose="02040503050406030204" pitchFamily="18" charset="0"/>
-                          </a:rPr>
-                          <m:t>𝑇</m:t>
-                        </m:r>
-                      </m:e>
-                      <m:sub>
-                        <m:r>
-                          <a:rPr lang="tr-TR" b="0" i="1" smtClean="0">
-                            <a:latin typeface="Cambria Math" panose="02040503050406030204" pitchFamily="18" charset="0"/>
-                          </a:rPr>
-                          <m:t>𝑒</m:t>
-                        </m:r>
-                      </m:sub>
-                    </m:sSub>
-                    <m:sSub>
-                      <m:sSubPr>
-                        <m:ctrlPr>
-                          <a:rPr lang="tr-TR" i="1">
-                            <a:latin typeface="Cambria Math" panose="02040503050406030204" pitchFamily="18" charset="0"/>
-                          </a:rPr>
-                        </m:ctrlPr>
-                      </m:sSubPr>
-                      <m:e>
-                        <m:r>
-                          <m:rPr>
-                            <m:nor/>
-                          </m:rPr>
-                          <a:rPr lang="el-GR" dirty="0"/>
-                          <m:t>ω</m:t>
-                        </m:r>
-                      </m:e>
-                      <m:sub>
-                        <m:r>
-                          <a:rPr lang="tr-TR" b="0" i="1" smtClean="0">
-                            <a:latin typeface="Cambria Math" panose="02040503050406030204" pitchFamily="18" charset="0"/>
-                          </a:rPr>
-                          <m:t>𝑚</m:t>
-                        </m:r>
-                      </m:sub>
-                    </m:sSub>
-                  </m:oMath>
-                </a14:m>
-                <a:r>
-                  <a:rPr lang="tr-TR" dirty="0" smtClean="0"/>
-                  <a:t>	</a:t>
-                </a:r>
-                <a:endParaRPr lang="tr-TR" dirty="0"/>
-              </a:p>
-            </p:txBody>
-          </p:sp>
-        </mc:Choice>
-        <mc:Fallback xmlns="">
-          <p:sp>
-            <p:nvSpPr>
-              <p:cNvPr id="6" name="Rectangle 5"/>
-              <p:cNvSpPr>
-                <a:spLocks noRot="1" noChangeAspect="1" noMove="1" noResize="1" noEditPoints="1" noAdjustHandles="1" noChangeArrowheads="1" noChangeShapeType="1" noTextEdit="1"/>
-              </p:cNvSpPr>
-              <p:nvPr/>
-            </p:nvSpPr>
-            <p:spPr>
-              <a:xfrm>
-                <a:off x="3556332" y="4445912"/>
-                <a:ext cx="2031325" cy="491738"/>
-              </a:xfrm>
-              <a:prstGeom prst="rect">
-                <a:avLst/>
-              </a:prstGeom>
-              <a:blipFill>
-                <a:blip r:embed="rId3"/>
-                <a:stretch>
-                  <a:fillRect l="-599" t="-9877" b="-20988"/>
-                </a:stretch>
-              </a:blipFill>
-            </p:spPr>
-            <p:txBody>
-              <a:bodyPr/>
-              <a:lstStyle/>
-              <a:p>
-                <a:r>
-                  <a:rPr lang="tr-TR">
-                    <a:noFill/>
-                  </a:rPr>
-                  <a:t> </a:t>
-                </a:r>
-              </a:p>
-            </p:txBody>
-          </p:sp>
-        </mc:Fallback>
-      </mc:AlternateContent>
-      <mc:AlternateContent xmlns:mc="http://schemas.openxmlformats.org/markup-compatibility/2006" xmlns:a14="http://schemas.microsoft.com/office/drawing/2010/main">
-        <mc:Choice Requires="a14">
-          <p:sp>
-            <p:nvSpPr>
-              <p:cNvPr id="9" name="Rectangle 8"/>
-              <p:cNvSpPr/>
-              <p:nvPr/>
-            </p:nvSpPr>
-            <p:spPr>
-              <a:xfrm>
-                <a:off x="3094666" y="4937650"/>
-                <a:ext cx="2954655" cy="461665"/>
-              </a:xfrm>
-              <a:prstGeom prst="rect">
-                <a:avLst/>
-              </a:prstGeom>
-            </p:spPr>
-            <p:txBody>
-              <a:bodyPr wrap="none">
-                <a:spAutoFit/>
-              </a:bodyPr>
-              <a:lstStyle/>
-              <a:p>
-                <a14:m>
-                  <m:oMath xmlns:m="http://schemas.openxmlformats.org/officeDocument/2006/math">
-                    <m:sSub>
-                      <m:sSubPr>
-                        <m:ctrlPr>
-                          <a:rPr lang="tr-TR" i="1" smtClean="0">
-                            <a:latin typeface="Cambria Math" panose="02040503050406030204" pitchFamily="18" charset="0"/>
-                          </a:rPr>
-                        </m:ctrlPr>
-                      </m:sSubPr>
-                      <m:e>
-                        <m:r>
-                          <a:rPr lang="tr-TR" b="0" i="1" smtClean="0">
-                            <a:latin typeface="Cambria Math" panose="02040503050406030204" pitchFamily="18" charset="0"/>
-                          </a:rPr>
-                          <m:t>𝑃</m:t>
-                        </m:r>
-                      </m:e>
-                      <m:sub>
-                        <m:r>
-                          <a:rPr lang="tr-TR" b="0" i="1" smtClean="0">
-                            <a:latin typeface="Cambria Math" panose="02040503050406030204" pitchFamily="18" charset="0"/>
-                          </a:rPr>
-                          <m:t>𝑟𝑎𝑡𝑒𝑑</m:t>
-                        </m:r>
-                      </m:sub>
-                    </m:sSub>
-                  </m:oMath>
-                </a14:m>
-                <a:r>
-                  <a:rPr lang="tr-TR" dirty="0" smtClean="0"/>
-                  <a:t>=</a:t>
-                </a:r>
-                <a14:m>
-                  <m:oMath xmlns:m="http://schemas.openxmlformats.org/officeDocument/2006/math">
-                    <m:sSub>
-                      <m:sSubPr>
-                        <m:ctrlPr>
-                          <a:rPr lang="tr-TR" i="1">
-                            <a:latin typeface="Cambria Math" panose="02040503050406030204" pitchFamily="18" charset="0"/>
-                          </a:rPr>
-                        </m:ctrlPr>
-                      </m:sSubPr>
-                      <m:e>
-                        <m:r>
-                          <a:rPr lang="tr-TR" b="0" i="1" smtClean="0">
-                            <a:latin typeface="Cambria Math" panose="02040503050406030204" pitchFamily="18" charset="0"/>
-                          </a:rPr>
-                          <m:t>𝑇</m:t>
-                        </m:r>
-                      </m:e>
-                      <m:sub>
-                        <m:r>
-                          <a:rPr lang="tr-TR" b="0" i="1" smtClean="0">
-                            <a:latin typeface="Cambria Math" panose="02040503050406030204" pitchFamily="18" charset="0"/>
-                          </a:rPr>
-                          <m:t>𝑃</m:t>
-                        </m:r>
-                        <m:r>
-                          <a:rPr lang="tr-TR" b="0" i="1" smtClean="0">
-                            <a:latin typeface="Cambria Math" panose="02040503050406030204" pitchFamily="18" charset="0"/>
-                          </a:rPr>
-                          <m:t>−</m:t>
-                        </m:r>
-                        <m:r>
-                          <a:rPr lang="tr-TR" b="0" i="1" smtClean="0">
-                            <a:latin typeface="Cambria Math" panose="02040503050406030204" pitchFamily="18" charset="0"/>
-                          </a:rPr>
-                          <m:t>𝑙𝑖𝑚</m:t>
-                        </m:r>
-                      </m:sub>
-                    </m:sSub>
-                    <m:sSub>
-                      <m:sSubPr>
-                        <m:ctrlPr>
-                          <a:rPr lang="tr-TR" i="1">
-                            <a:latin typeface="Cambria Math" panose="02040503050406030204" pitchFamily="18" charset="0"/>
-                          </a:rPr>
-                        </m:ctrlPr>
-                      </m:sSubPr>
-                      <m:e>
-                        <m:r>
-                          <m:rPr>
-                            <m:nor/>
-                          </m:rPr>
-                          <a:rPr lang="el-GR" dirty="0"/>
-                          <m:t>ω</m:t>
-                        </m:r>
-                      </m:e>
-                      <m:sub>
-                        <m:r>
-                          <a:rPr lang="tr-TR" b="0" i="1" smtClean="0">
-                            <a:latin typeface="Cambria Math" panose="02040503050406030204" pitchFamily="18" charset="0"/>
-                          </a:rPr>
-                          <m:t>𝑚𝑎𝑥</m:t>
-                        </m:r>
-                      </m:sub>
-                    </m:sSub>
-                  </m:oMath>
-                </a14:m>
-                <a:r>
-                  <a:rPr lang="tr-TR" dirty="0" smtClean="0"/>
-                  <a:t>	</a:t>
-                </a:r>
-                <a:endParaRPr lang="tr-TR" dirty="0"/>
-              </a:p>
-            </p:txBody>
-          </p:sp>
-        </mc:Choice>
-        <mc:Fallback xmlns="">
-          <p:sp>
-            <p:nvSpPr>
-              <p:cNvPr id="9" name="Rectangle 8"/>
-              <p:cNvSpPr>
-                <a:spLocks noRot="1" noChangeAspect="1" noMove="1" noResize="1" noEditPoints="1" noAdjustHandles="1" noChangeArrowheads="1" noChangeShapeType="1" noTextEdit="1"/>
-              </p:cNvSpPr>
-              <p:nvPr/>
-            </p:nvSpPr>
-            <p:spPr>
-              <a:xfrm>
-                <a:off x="3094666" y="4937650"/>
-                <a:ext cx="2954655" cy="461665"/>
-              </a:xfrm>
-              <a:prstGeom prst="rect">
-                <a:avLst/>
-              </a:prstGeom>
-              <a:blipFill>
-                <a:blip r:embed="rId4"/>
-                <a:stretch>
-                  <a:fillRect l="-620" t="-9211" b="-30263"/>
-                </a:stretch>
-              </a:blipFill>
-            </p:spPr>
-            <p:txBody>
-              <a:bodyPr/>
-              <a:lstStyle/>
-              <a:p>
-                <a:r>
-                  <a:rPr lang="tr-TR">
-                    <a:noFill/>
-                  </a:rPr>
-                  <a:t> </a:t>
-                </a:r>
-              </a:p>
-            </p:txBody>
-          </p:sp>
-        </mc:Fallback>
-      </mc:AlternateContent>
-      <mc:AlternateContent xmlns:mc="http://schemas.openxmlformats.org/markup-compatibility/2006" xmlns:a14="http://schemas.microsoft.com/office/drawing/2010/main">
-        <mc:Choice Requires="a14">
-          <p:sp>
-            <p:nvSpPr>
-              <p:cNvPr id="10" name="Rectangle 9"/>
-              <p:cNvSpPr/>
-              <p:nvPr/>
-            </p:nvSpPr>
-            <p:spPr>
-              <a:xfrm>
-                <a:off x="3098982" y="5499511"/>
-                <a:ext cx="2954655" cy="461665"/>
-              </a:xfrm>
-              <a:prstGeom prst="rect">
-                <a:avLst/>
-              </a:prstGeom>
-            </p:spPr>
-            <p:txBody>
-              <a:bodyPr wrap="none">
-                <a:spAutoFit/>
-              </a:bodyPr>
-              <a:lstStyle/>
-              <a:p>
-                <a14:m>
-                  <m:oMath xmlns:m="http://schemas.openxmlformats.org/officeDocument/2006/math">
-                    <m:sSub>
-                      <m:sSubPr>
-                        <m:ctrlPr>
-                          <a:rPr lang="tr-TR" i="1" smtClean="0">
-                            <a:latin typeface="Cambria Math" panose="02040503050406030204" pitchFamily="18" charset="0"/>
-                          </a:rPr>
-                        </m:ctrlPr>
-                      </m:sSubPr>
-                      <m:e>
-                        <m:r>
-                          <a:rPr lang="tr-TR" b="0" i="1" smtClean="0">
-                            <a:latin typeface="Cambria Math" panose="02040503050406030204" pitchFamily="18" charset="0"/>
-                          </a:rPr>
-                          <m:t>𝑃</m:t>
-                        </m:r>
-                      </m:e>
-                      <m:sub>
-                        <m:r>
-                          <a:rPr lang="tr-TR" b="0" i="1" smtClean="0">
-                            <a:latin typeface="Cambria Math" panose="02040503050406030204" pitchFamily="18" charset="0"/>
-                          </a:rPr>
-                          <m:t>𝑚𝑎𝑥</m:t>
-                        </m:r>
-                      </m:sub>
-                    </m:sSub>
-                  </m:oMath>
-                </a14:m>
-                <a:r>
-                  <a:rPr lang="tr-TR" dirty="0" smtClean="0"/>
-                  <a:t>=</a:t>
-                </a:r>
-                <a14:m>
-                  <m:oMath xmlns:m="http://schemas.openxmlformats.org/officeDocument/2006/math">
-                    <m:sSub>
-                      <m:sSubPr>
-                        <m:ctrlPr>
-                          <a:rPr lang="tr-TR" i="1">
-                            <a:latin typeface="Cambria Math" panose="02040503050406030204" pitchFamily="18" charset="0"/>
-                          </a:rPr>
-                        </m:ctrlPr>
-                      </m:sSubPr>
-                      <m:e>
-                        <m:r>
-                          <a:rPr lang="tr-TR" b="0" i="1" smtClean="0">
-                            <a:latin typeface="Cambria Math" panose="02040503050406030204" pitchFamily="18" charset="0"/>
-                          </a:rPr>
-                          <m:t>𝑇</m:t>
-                        </m:r>
-                      </m:e>
-                      <m:sub>
-                        <m:r>
-                          <a:rPr lang="tr-TR" b="0" i="1" smtClean="0">
-                            <a:latin typeface="Cambria Math" panose="02040503050406030204" pitchFamily="18" charset="0"/>
-                          </a:rPr>
-                          <m:t>𝑆</m:t>
-                        </m:r>
-                        <m:r>
-                          <a:rPr lang="tr-TR" b="0" i="1" smtClean="0">
-                            <a:latin typeface="Cambria Math" panose="02040503050406030204" pitchFamily="18" charset="0"/>
-                          </a:rPr>
-                          <m:t>−</m:t>
-                        </m:r>
-                        <m:r>
-                          <a:rPr lang="tr-TR" b="0" i="1" smtClean="0">
-                            <a:latin typeface="Cambria Math" panose="02040503050406030204" pitchFamily="18" charset="0"/>
-                          </a:rPr>
-                          <m:t>𝑙𝑖𝑚</m:t>
-                        </m:r>
-                      </m:sub>
-                    </m:sSub>
-                    <m:sSub>
-                      <m:sSubPr>
-                        <m:ctrlPr>
-                          <a:rPr lang="tr-TR" i="1">
-                            <a:latin typeface="Cambria Math" panose="02040503050406030204" pitchFamily="18" charset="0"/>
-                          </a:rPr>
-                        </m:ctrlPr>
-                      </m:sSubPr>
-                      <m:e>
-                        <m:r>
-                          <m:rPr>
-                            <m:nor/>
-                          </m:rPr>
-                          <a:rPr lang="el-GR" dirty="0"/>
-                          <m:t>ω</m:t>
-                        </m:r>
-                      </m:e>
-                      <m:sub>
-                        <m:r>
-                          <a:rPr lang="tr-TR" b="0" i="1" smtClean="0">
-                            <a:latin typeface="Cambria Math" panose="02040503050406030204" pitchFamily="18" charset="0"/>
-                          </a:rPr>
-                          <m:t>𝑚𝑎𝑥</m:t>
-                        </m:r>
-                      </m:sub>
-                    </m:sSub>
-                  </m:oMath>
-                </a14:m>
-                <a:r>
-                  <a:rPr lang="tr-TR" dirty="0" smtClean="0"/>
-                  <a:t>	</a:t>
-                </a:r>
-                <a:endParaRPr lang="tr-TR" dirty="0"/>
-              </a:p>
-            </p:txBody>
-          </p:sp>
-        </mc:Choice>
-        <mc:Fallback xmlns="">
-          <p:sp>
-            <p:nvSpPr>
-              <p:cNvPr id="10" name="Rectangle 9"/>
-              <p:cNvSpPr>
-                <a:spLocks noRot="1" noChangeAspect="1" noMove="1" noResize="1" noEditPoints="1" noAdjustHandles="1" noChangeArrowheads="1" noChangeShapeType="1" noTextEdit="1"/>
-              </p:cNvSpPr>
-              <p:nvPr/>
-            </p:nvSpPr>
-            <p:spPr>
-              <a:xfrm>
-                <a:off x="3098982" y="5499511"/>
-                <a:ext cx="2954655" cy="461665"/>
-              </a:xfrm>
-              <a:prstGeom prst="rect">
-                <a:avLst/>
-              </a:prstGeom>
-              <a:blipFill>
-                <a:blip r:embed="rId5"/>
-                <a:stretch>
-                  <a:fillRect l="-412" t="-9211" b="-30263"/>
-                </a:stretch>
-              </a:blipFill>
-            </p:spPr>
-            <p:txBody>
-              <a:bodyPr/>
-              <a:lstStyle/>
-              <a:p>
-                <a:r>
-                  <a:rPr lang="tr-TR">
-                    <a:noFill/>
-                  </a:rPr>
-                  <a:t> </a:t>
-                </a:r>
-              </a:p>
-            </p:txBody>
-          </p:sp>
-        </mc:Fallback>
-      </mc:AlternateContent>
       <p:pic>
         <p:nvPicPr>
           <p:cNvPr id="7" name="Content Placeholder 6"/>
@@ -7894,7 +8214,7 @@
           </p:nvPr>
         </p:nvPicPr>
         <p:blipFill>
-          <a:blip r:embed="rId6" cstate="print">
+          <a:blip r:embed="rId3" cstate="print">
             <a:extLst>
               <a:ext uri="{28A0092B-C50C-407E-A947-70E740481C1C}">
                 <a14:useLocalDpi xmlns:a14="http://schemas.microsoft.com/office/drawing/2010/main" val="0"/>
@@ -7907,8 +8227,8 @@
         </p:blipFill>
         <p:spPr>
           <a:xfrm>
-            <a:off x="1259632" y="1376735"/>
-            <a:ext cx="6645042" cy="4987925"/>
+            <a:off x="1691680" y="1363663"/>
+            <a:ext cx="5760640" cy="4324072"/>
           </a:xfrm>
         </p:spPr>
       </p:pic>
@@ -7933,7 +8253,7 @@
 </p:sld>
 </file>
 
-<file path=ppt/slides/slide15.xml><?xml version="1.0" encoding="utf-8"?>
+<file path=ppt/slides/slide16.xml><?xml version="1.0" encoding="utf-8"?>
 <p:sld xmlns:a="http://schemas.openxmlformats.org/drawingml/2006/main" xmlns:r="http://schemas.openxmlformats.org/officeDocument/2006/relationships" xmlns:p="http://schemas.openxmlformats.org/presentationml/2006/main">
   <p:cSld>
     <p:spTree>
@@ -8031,7 +8351,7 @@
               <a:pPr>
                 <a:defRPr/>
               </a:pPr>
-              <a:t>15</a:t>
+              <a:t>16</a:t>
             </a:fld>
             <a:endParaRPr lang="en-US" dirty="0"/>
           </a:p>
@@ -8118,7 +8438,7 @@
 </p:sld>
 </file>
 
-<file path=ppt/slides/slide16.xml><?xml version="1.0" encoding="utf-8"?>
+<file path=ppt/slides/slide17.xml><?xml version="1.0" encoding="utf-8"?>
 <p:sld xmlns:a="http://schemas.openxmlformats.org/drawingml/2006/main" xmlns:r="http://schemas.openxmlformats.org/officeDocument/2006/relationships" xmlns:p="http://schemas.openxmlformats.org/presentationml/2006/main">
   <p:cSld>
     <p:spTree>
@@ -8297,7 +8617,7 @@
                 <a:tabLst/>
                 <a:defRPr/>
               </a:pPr>
-              <a:t>16</a:t>
+              <a:t>17</a:t>
             </a:fld>
             <a:endParaRPr kumimoji="0" lang="en-US" sz="1200" b="0" i="0" u="none" strike="noStrike" kern="1200" cap="none" spc="0" normalizeH="0" baseline="0" noProof="0" dirty="0">
               <a:ln>
@@ -8397,7 +8717,7 @@
 </p:sld>
 </file>
 
-<file path=ppt/slides/slide17.xml><?xml version="1.0" encoding="utf-8"?>
+<file path=ppt/slides/slide18.xml><?xml version="1.0" encoding="utf-8"?>
 <p:sld xmlns:a="http://schemas.openxmlformats.org/drawingml/2006/main" xmlns:r="http://schemas.openxmlformats.org/officeDocument/2006/relationships" xmlns:p="http://schemas.openxmlformats.org/presentationml/2006/main">
   <p:cSld>
     <p:spTree>
@@ -8495,7 +8815,226 @@
               <a:pPr>
                 <a:defRPr/>
               </a:pPr>
-              <a:t>17</a:t>
+              <a:t>18</a:t>
+            </a:fld>
+            <a:endParaRPr lang="en-US" dirty="0"/>
+          </a:p>
+        </p:txBody>
+      </p:sp>
+      <p:pic>
+        <p:nvPicPr>
+          <p:cNvPr id="6" name="Picture 5"/>
+          <p:cNvPicPr>
+            <a:picLocks noChangeAspect="1"/>
+          </p:cNvPicPr>
+          <p:nvPr/>
+        </p:nvPicPr>
+        <p:blipFill>
+          <a:blip r:embed="rId3" cstate="print">
+            <a:extLst>
+              <a:ext uri="{28A0092B-C50C-407E-A947-70E740481C1C}">
+                <a14:useLocalDpi xmlns:a14="http://schemas.microsoft.com/office/drawing/2010/main" val="0"/>
+              </a:ext>
+            </a:extLst>
+          </a:blip>
+          <a:stretch>
+            <a:fillRect/>
+          </a:stretch>
+        </p:blipFill>
+        <p:spPr>
+          <a:xfrm>
+            <a:off x="35496" y="3717032"/>
+            <a:ext cx="5544616" cy="2642419"/>
+          </a:xfrm>
+          <a:prstGeom prst="rect">
+            <a:avLst/>
+          </a:prstGeom>
+        </p:spPr>
+      </p:pic>
+      <p:pic>
+        <p:nvPicPr>
+          <p:cNvPr id="4" name="Picture 3"/>
+          <p:cNvPicPr>
+            <a:picLocks noChangeAspect="1"/>
+          </p:cNvPicPr>
+          <p:nvPr/>
+        </p:nvPicPr>
+        <p:blipFill>
+          <a:blip r:embed="rId4" cstate="print">
+            <a:extLst>
+              <a:ext uri="{28A0092B-C50C-407E-A947-70E740481C1C}">
+                <a14:useLocalDpi xmlns:a14="http://schemas.microsoft.com/office/drawing/2010/main" val="0"/>
+              </a:ext>
+            </a:extLst>
+          </a:blip>
+          <a:stretch>
+            <a:fillRect/>
+          </a:stretch>
+        </p:blipFill>
+        <p:spPr>
+          <a:xfrm>
+            <a:off x="138296" y="1363663"/>
+            <a:ext cx="5297800" cy="2524793"/>
+          </a:xfrm>
+          <a:prstGeom prst="rect">
+            <a:avLst/>
+          </a:prstGeom>
+        </p:spPr>
+      </p:pic>
+      <p:sp>
+        <p:nvSpPr>
+          <p:cNvPr id="7" name="TextBox 6"/>
+          <p:cNvSpPr txBox="1"/>
+          <p:nvPr/>
+        </p:nvSpPr>
+        <p:spPr>
+          <a:xfrm>
+            <a:off x="5580112" y="1506428"/>
+            <a:ext cx="2880320" cy="830997"/>
+          </a:xfrm>
+          <a:prstGeom prst="rect">
+            <a:avLst/>
+          </a:prstGeom>
+          <a:noFill/>
+        </p:spPr>
+        <p:txBody>
+          <a:bodyPr wrap="square" rtlCol="0">
+            <a:spAutoFit/>
+          </a:bodyPr>
+          <a:lstStyle/>
+          <a:p>
+            <a:pPr marL="342900" indent="-342900">
+              <a:buFont typeface="Arial" panose="020B0604020202020204" pitchFamily="34" charset="0"/>
+              <a:buChar char="•"/>
+            </a:pPr>
+            <a:r>
+              <a:rPr lang="tr-TR" dirty="0" smtClean="0"/>
+              <a:t>High Wind Speed Scenario</a:t>
+            </a:r>
+            <a:endParaRPr lang="tr-TR" dirty="0"/>
+          </a:p>
+        </p:txBody>
+      </p:sp>
+    </p:spTree>
+    <p:extLst>
+      <p:ext uri="{BB962C8B-B14F-4D97-AF65-F5344CB8AC3E}">
+        <p14:creationId xmlns:p14="http://schemas.microsoft.com/office/powerpoint/2010/main" val="836894847"/>
+      </p:ext>
+    </p:extLst>
+  </p:cSld>
+  <p:clrMapOvr>
+    <a:masterClrMapping/>
+  </p:clrMapOvr>
+  <p:transition/>
+  <p:timing>
+    <p:tnLst>
+      <p:par>
+        <p:cTn id="1" dur="indefinite" restart="never" nodeType="tmRoot"/>
+      </p:par>
+    </p:tnLst>
+  </p:timing>
+</p:sld>
+</file>
+
+<file path=ppt/slides/slide19.xml><?xml version="1.0" encoding="utf-8"?>
+<p:sld xmlns:a="http://schemas.openxmlformats.org/drawingml/2006/main" xmlns:r="http://schemas.openxmlformats.org/officeDocument/2006/relationships" xmlns:p="http://schemas.openxmlformats.org/presentationml/2006/main">
+  <p:cSld>
+    <p:spTree>
+      <p:nvGrpSpPr>
+        <p:cNvPr id="1" name=""/>
+        <p:cNvGrpSpPr/>
+        <p:nvPr/>
+      </p:nvGrpSpPr>
+      <p:grpSpPr>
+        <a:xfrm>
+          <a:off x="0" y="0"/>
+          <a:ext cx="0" cy="0"/>
+          <a:chOff x="0" y="0"/>
+          <a:chExt cx="0" cy="0"/>
+        </a:xfrm>
+      </p:grpSpPr>
+      <p:sp>
+        <p:nvSpPr>
+          <p:cNvPr id="5122" name="Rectangle 2"/>
+          <p:cNvSpPr>
+            <a:spLocks noGrp="1" noChangeArrowheads="1"/>
+          </p:cNvSpPr>
+          <p:nvPr>
+            <p:ph type="title"/>
+          </p:nvPr>
+        </p:nvSpPr>
+        <p:spPr/>
+        <p:txBody>
+          <a:bodyPr/>
+          <a:lstStyle/>
+          <a:p>
+            <a:pPr>
+              <a:defRPr/>
+            </a:pPr>
+            <a:r>
+              <a:rPr lang="tr-TR" dirty="0" smtClean="0">
+                <a:latin typeface="Arial" panose="020B0604020202020204" pitchFamily="34" charset="0"/>
+                <a:cs typeface="Arial" panose="020B0604020202020204" pitchFamily="34" charset="0"/>
+              </a:rPr>
+              <a:t>Fast Inertia Support</a:t>
+            </a:r>
+            <a:endParaRPr lang="en-US" dirty="0" smtClean="0">
+              <a:latin typeface="Arial" panose="020B0604020202020204" pitchFamily="34" charset="0"/>
+              <a:cs typeface="Arial" panose="020B0604020202020204" pitchFamily="34" charset="0"/>
+            </a:endParaRPr>
+          </a:p>
+        </p:txBody>
+      </p:sp>
+      <p:sp>
+        <p:nvSpPr>
+          <p:cNvPr id="2" name="Date Placeholder 1"/>
+          <p:cNvSpPr>
+            <a:spLocks noGrp="1"/>
+          </p:cNvSpPr>
+          <p:nvPr>
+            <p:ph type="dt" sz="half" idx="2"/>
+          </p:nvPr>
+        </p:nvSpPr>
+        <p:spPr/>
+        <p:txBody>
+          <a:bodyPr/>
+          <a:lstStyle/>
+          <a:p>
+            <a:pPr>
+              <a:defRPr/>
+            </a:pPr>
+            <a:r>
+              <a:rPr lang="tr-TR" dirty="0" smtClean="0"/>
+              <a:t>18.01.2019</a:t>
+            </a:r>
+            <a:endParaRPr lang="en-US" dirty="0"/>
+          </a:p>
+        </p:txBody>
+      </p:sp>
+      <p:sp>
+        <p:nvSpPr>
+          <p:cNvPr id="3" name="Slide Number Placeholder 2"/>
+          <p:cNvSpPr>
+            <a:spLocks noGrp="1"/>
+          </p:cNvSpPr>
+          <p:nvPr>
+            <p:ph type="sldNum" sz="quarter" idx="12"/>
+          </p:nvPr>
+        </p:nvSpPr>
+        <p:spPr/>
+        <p:txBody>
+          <a:bodyPr/>
+          <a:lstStyle/>
+          <a:p>
+            <a:pPr>
+              <a:defRPr/>
+            </a:pPr>
+            <a:fld id="{C878F797-6006-4DDA-AFE9-456F280FE6C5}" type="slidenum">
+              <a:rPr lang="en-US" smtClean="0"/>
+              <a:pPr>
+                <a:defRPr/>
+              </a:pPr>
+              <a:t>19</a:t>
             </a:fld>
             <a:endParaRPr lang="en-US" dirty="0"/>
           </a:p>
@@ -8561,6 +9100,40 @@
           </a:prstGeom>
         </p:spPr>
       </p:pic>
+      <p:sp>
+        <p:nvSpPr>
+          <p:cNvPr id="4" name="TextBox 3"/>
+          <p:cNvSpPr txBox="1"/>
+          <p:nvPr/>
+        </p:nvSpPr>
+        <p:spPr>
+          <a:xfrm>
+            <a:off x="5580112" y="1506428"/>
+            <a:ext cx="2880320" cy="1200329"/>
+          </a:xfrm>
+          <a:prstGeom prst="rect">
+            <a:avLst/>
+          </a:prstGeom>
+          <a:noFill/>
+        </p:spPr>
+        <p:txBody>
+          <a:bodyPr wrap="square" rtlCol="0">
+            <a:spAutoFit/>
+          </a:bodyPr>
+          <a:lstStyle/>
+          <a:p>
+            <a:pPr marL="342900" indent="-342900">
+              <a:buFont typeface="Arial" panose="020B0604020202020204" pitchFamily="34" charset="0"/>
+              <a:buChar char="•"/>
+            </a:pPr>
+            <a:r>
+              <a:rPr lang="tr-TR" dirty="0" smtClean="0"/>
+              <a:t>Low Wind Speed Scenario Moderate Case</a:t>
+            </a:r>
+            <a:endParaRPr lang="tr-TR" dirty="0"/>
+          </a:p>
+        </p:txBody>
+      </p:sp>
     </p:spTree>
     <p:extLst>
       <p:ext uri="{BB962C8B-B14F-4D97-AF65-F5344CB8AC3E}">
@@ -8582,7 +9155,7 @@
 </p:sld>
 </file>
 
-<file path=ppt/slides/slide18.xml><?xml version="1.0" encoding="utf-8"?>
+<file path=ppt/slides/slide2.xml><?xml version="1.0" encoding="utf-8"?>
 <p:sld xmlns:a="http://schemas.openxmlformats.org/drawingml/2006/main" xmlns:r="http://schemas.openxmlformats.org/officeDocument/2006/relationships" xmlns:p="http://schemas.openxmlformats.org/presentationml/2006/main">
   <p:cSld>
     <p:spTree>
@@ -8622,9 +9195,130 @@
                 <a:latin typeface="Arial" panose="020B0604020202020204" pitchFamily="34" charset="0"/>
                 <a:cs typeface="Arial" panose="020B0604020202020204" pitchFamily="34" charset="0"/>
               </a:rPr>
-              <a:t>Fast Inertia Support</a:t>
+              <a:t>Agenda</a:t>
             </a:r>
             <a:endParaRPr lang="en-US" dirty="0" smtClean="0">
+              <a:latin typeface="Arial" panose="020B0604020202020204" pitchFamily="34" charset="0"/>
+              <a:cs typeface="Arial" panose="020B0604020202020204" pitchFamily="34" charset="0"/>
+            </a:endParaRPr>
+          </a:p>
+        </p:txBody>
+      </p:sp>
+      <p:sp>
+        <p:nvSpPr>
+          <p:cNvPr id="5123" name="Rectangle 3"/>
+          <p:cNvSpPr>
+            <a:spLocks noGrp="1" noChangeArrowheads="1"/>
+          </p:cNvSpPr>
+          <p:nvPr>
+            <p:ph idx="1"/>
+          </p:nvPr>
+        </p:nvSpPr>
+        <p:spPr>
+          <a:xfrm>
+            <a:off x="457198" y="1700808"/>
+            <a:ext cx="8229601" cy="4114800"/>
+          </a:xfrm>
+        </p:spPr>
+        <p:txBody>
+          <a:bodyPr/>
+          <a:lstStyle/>
+          <a:p>
+            <a:pPr lvl="1">
+              <a:defRPr/>
+            </a:pPr>
+            <a:r>
+              <a:rPr lang="tr-TR" sz="2400" dirty="0" smtClean="0">
+                <a:latin typeface="Arial" panose="020B0604020202020204" pitchFamily="34" charset="0"/>
+                <a:cs typeface="Arial" panose="020B0604020202020204" pitchFamily="34" charset="0"/>
+              </a:rPr>
+              <a:t>Renewable Energy Status and Problems</a:t>
+            </a:r>
+          </a:p>
+          <a:p>
+            <a:pPr lvl="1">
+              <a:defRPr/>
+            </a:pPr>
+            <a:r>
+              <a:rPr lang="tr-TR" sz="2400" dirty="0" smtClean="0">
+                <a:latin typeface="Arial" panose="020B0604020202020204" pitchFamily="34" charset="0"/>
+                <a:cs typeface="Arial" panose="020B0604020202020204" pitchFamily="34" charset="0"/>
+              </a:rPr>
+              <a:t>Inertia, Frequency and Inertial Support in the Grid</a:t>
+            </a:r>
+          </a:p>
+          <a:p>
+            <a:pPr lvl="1">
+              <a:defRPr/>
+            </a:pPr>
+            <a:r>
+              <a:rPr lang="tr-TR" sz="2400" dirty="0" smtClean="0">
+                <a:latin typeface="Arial" panose="020B0604020202020204" pitchFamily="34" charset="0"/>
+                <a:cs typeface="Arial" panose="020B0604020202020204" pitchFamily="34" charset="0"/>
+              </a:rPr>
+              <a:t>Wind Turbine Modelling</a:t>
+            </a:r>
+          </a:p>
+          <a:p>
+            <a:pPr lvl="1">
+              <a:defRPr/>
+            </a:pPr>
+            <a:r>
+              <a:rPr lang="tr-TR" sz="2400" dirty="0" smtClean="0">
+                <a:latin typeface="Arial" panose="020B0604020202020204" pitchFamily="34" charset="0"/>
+                <a:cs typeface="Arial" panose="020B0604020202020204" pitchFamily="34" charset="0"/>
+              </a:rPr>
+              <a:t>Fast Inertial Support</a:t>
+            </a:r>
+          </a:p>
+          <a:p>
+            <a:pPr lvl="1">
+              <a:defRPr/>
+            </a:pPr>
+            <a:r>
+              <a:rPr lang="tr-TR" sz="2400" dirty="0" smtClean="0">
+                <a:latin typeface="Arial" panose="020B0604020202020204" pitchFamily="34" charset="0"/>
+                <a:cs typeface="Arial" panose="020B0604020202020204" pitchFamily="34" charset="0"/>
+              </a:rPr>
+              <a:t>Synthetic Inertia Support</a:t>
+            </a:r>
+          </a:p>
+          <a:p>
+            <a:pPr lvl="1">
+              <a:defRPr/>
+            </a:pPr>
+            <a:r>
+              <a:rPr lang="tr-TR" sz="2400" dirty="0" smtClean="0">
+                <a:latin typeface="Arial" panose="020B0604020202020204" pitchFamily="34" charset="0"/>
+                <a:cs typeface="Arial" panose="020B0604020202020204" pitchFamily="34" charset="0"/>
+              </a:rPr>
+              <a:t>Effects on Turkish Electricity System</a:t>
+            </a:r>
+          </a:p>
+          <a:p>
+            <a:pPr lvl="1">
+              <a:defRPr/>
+            </a:pPr>
+            <a:r>
+              <a:rPr lang="tr-TR" sz="2400" dirty="0" smtClean="0">
+                <a:latin typeface="Arial" panose="020B0604020202020204" pitchFamily="34" charset="0"/>
+                <a:cs typeface="Arial" panose="020B0604020202020204" pitchFamily="34" charset="0"/>
+              </a:rPr>
+              <a:t>Economical Perspective</a:t>
+            </a:r>
+          </a:p>
+          <a:p>
+            <a:pPr lvl="1">
+              <a:defRPr/>
+            </a:pPr>
+            <a:r>
+              <a:rPr lang="tr-TR" sz="2400" dirty="0" smtClean="0">
+                <a:latin typeface="Arial" panose="020B0604020202020204" pitchFamily="34" charset="0"/>
+                <a:cs typeface="Arial" panose="020B0604020202020204" pitchFamily="34" charset="0"/>
+              </a:rPr>
+              <a:t>Conclusion</a:t>
+            </a:r>
+            <a:endParaRPr lang="en-US" sz="2400" dirty="0" smtClean="0">
               <a:latin typeface="Arial" panose="020B0604020202020204" pitchFamily="34" charset="0"/>
               <a:cs typeface="Arial" panose="020B0604020202020204" pitchFamily="34" charset="0"/>
             </a:endParaRPr>
@@ -8680,7 +9374,316 @@
               <a:pPr>
                 <a:defRPr/>
               </a:pPr>
-              <a:t>18</a:t>
+              <a:t>2</a:t>
+            </a:fld>
+            <a:endParaRPr lang="en-US" dirty="0"/>
+          </a:p>
+        </p:txBody>
+      </p:sp>
+    </p:spTree>
+  </p:cSld>
+  <p:clrMapOvr>
+    <a:masterClrMapping/>
+  </p:clrMapOvr>
+  <p:transition/>
+  <p:timing>
+    <p:tnLst>
+      <p:par>
+        <p:cTn id="1" dur="indefinite" restart="never" nodeType="tmRoot"/>
+      </p:par>
+    </p:tnLst>
+  </p:timing>
+</p:sld>
+</file>
+
+<file path=ppt/slides/slide20.xml><?xml version="1.0" encoding="utf-8"?>
+<p:sld xmlns:a="http://schemas.openxmlformats.org/drawingml/2006/main" xmlns:r="http://schemas.openxmlformats.org/officeDocument/2006/relationships" xmlns:p="http://schemas.openxmlformats.org/presentationml/2006/main">
+  <p:cSld>
+    <p:spTree>
+      <p:nvGrpSpPr>
+        <p:cNvPr id="1" name=""/>
+        <p:cNvGrpSpPr/>
+        <p:nvPr/>
+      </p:nvGrpSpPr>
+      <p:grpSpPr>
+        <a:xfrm>
+          <a:off x="0" y="0"/>
+          <a:ext cx="0" cy="0"/>
+          <a:chOff x="0" y="0"/>
+          <a:chExt cx="0" cy="0"/>
+        </a:xfrm>
+      </p:grpSpPr>
+      <p:sp>
+        <p:nvSpPr>
+          <p:cNvPr id="5122" name="Rectangle 2"/>
+          <p:cNvSpPr>
+            <a:spLocks noGrp="1" noChangeArrowheads="1"/>
+          </p:cNvSpPr>
+          <p:nvPr>
+            <p:ph type="title"/>
+          </p:nvPr>
+        </p:nvSpPr>
+        <p:spPr/>
+        <p:txBody>
+          <a:bodyPr/>
+          <a:lstStyle/>
+          <a:p>
+            <a:pPr>
+              <a:defRPr/>
+            </a:pPr>
+            <a:r>
+              <a:rPr lang="tr-TR" dirty="0" smtClean="0">
+                <a:latin typeface="Arial" panose="020B0604020202020204" pitchFamily="34" charset="0"/>
+                <a:cs typeface="Arial" panose="020B0604020202020204" pitchFamily="34" charset="0"/>
+              </a:rPr>
+              <a:t>Fast Inertia Support</a:t>
+            </a:r>
+            <a:endParaRPr lang="en-US" dirty="0" smtClean="0">
+              <a:latin typeface="Arial" panose="020B0604020202020204" pitchFamily="34" charset="0"/>
+              <a:cs typeface="Arial" panose="020B0604020202020204" pitchFamily="34" charset="0"/>
+            </a:endParaRPr>
+          </a:p>
+        </p:txBody>
+      </p:sp>
+      <p:sp>
+        <p:nvSpPr>
+          <p:cNvPr id="2" name="Date Placeholder 1"/>
+          <p:cNvSpPr>
+            <a:spLocks noGrp="1"/>
+          </p:cNvSpPr>
+          <p:nvPr>
+            <p:ph type="dt" sz="half" idx="2"/>
+          </p:nvPr>
+        </p:nvSpPr>
+        <p:spPr/>
+        <p:txBody>
+          <a:bodyPr/>
+          <a:lstStyle/>
+          <a:p>
+            <a:pPr>
+              <a:defRPr/>
+            </a:pPr>
+            <a:r>
+              <a:rPr lang="tr-TR" dirty="0" smtClean="0"/>
+              <a:t>18.01.2019</a:t>
+            </a:r>
+            <a:endParaRPr lang="en-US" dirty="0"/>
+          </a:p>
+        </p:txBody>
+      </p:sp>
+      <p:sp>
+        <p:nvSpPr>
+          <p:cNvPr id="3" name="Slide Number Placeholder 2"/>
+          <p:cNvSpPr>
+            <a:spLocks noGrp="1"/>
+          </p:cNvSpPr>
+          <p:nvPr>
+            <p:ph type="sldNum" sz="quarter" idx="12"/>
+          </p:nvPr>
+        </p:nvSpPr>
+        <p:spPr/>
+        <p:txBody>
+          <a:bodyPr/>
+          <a:lstStyle/>
+          <a:p>
+            <a:pPr>
+              <a:defRPr/>
+            </a:pPr>
+            <a:fld id="{C878F797-6006-4DDA-AFE9-456F280FE6C5}" type="slidenum">
+              <a:rPr lang="en-US" smtClean="0"/>
+              <a:pPr>
+                <a:defRPr/>
+              </a:pPr>
+              <a:t>20</a:t>
+            </a:fld>
+            <a:endParaRPr lang="en-US" dirty="0"/>
+          </a:p>
+        </p:txBody>
+      </p:sp>
+      <p:sp>
+        <p:nvSpPr>
+          <p:cNvPr id="4" name="TextBox 3"/>
+          <p:cNvSpPr txBox="1"/>
+          <p:nvPr/>
+        </p:nvSpPr>
+        <p:spPr>
+          <a:xfrm>
+            <a:off x="1037320" y="5517232"/>
+            <a:ext cx="6840760" cy="461665"/>
+          </a:xfrm>
+          <a:prstGeom prst="rect">
+            <a:avLst/>
+          </a:prstGeom>
+          <a:noFill/>
+        </p:spPr>
+        <p:txBody>
+          <a:bodyPr wrap="square" rtlCol="0">
+            <a:spAutoFit/>
+          </a:bodyPr>
+          <a:lstStyle/>
+          <a:p>
+            <a:pPr marL="342900" indent="-342900">
+              <a:buFont typeface="Arial" panose="020B0604020202020204" pitchFamily="34" charset="0"/>
+              <a:buChar char="•"/>
+            </a:pPr>
+            <a:r>
+              <a:rPr lang="tr-TR" dirty="0" smtClean="0"/>
+              <a:t>Low Wind Speed Scenario Limit Case Case</a:t>
+            </a:r>
+            <a:endParaRPr lang="tr-TR" dirty="0"/>
+          </a:p>
+        </p:txBody>
+      </p:sp>
+      <p:pic>
+        <p:nvPicPr>
+          <p:cNvPr id="6" name="Picture 5"/>
+          <p:cNvPicPr>
+            <a:picLocks noChangeAspect="1"/>
+          </p:cNvPicPr>
+          <p:nvPr/>
+        </p:nvPicPr>
+        <p:blipFill>
+          <a:blip r:embed="rId3">
+            <a:extLst>
+              <a:ext uri="{28A0092B-C50C-407E-A947-70E740481C1C}">
+                <a14:useLocalDpi xmlns:a14="http://schemas.microsoft.com/office/drawing/2010/main" val="0"/>
+              </a:ext>
+            </a:extLst>
+          </a:blip>
+          <a:stretch>
+            <a:fillRect/>
+          </a:stretch>
+        </p:blipFill>
+        <p:spPr>
+          <a:xfrm>
+            <a:off x="402431" y="1377895"/>
+            <a:ext cx="8110538" cy="3865271"/>
+          </a:xfrm>
+          <a:prstGeom prst="rect">
+            <a:avLst/>
+          </a:prstGeom>
+        </p:spPr>
+      </p:pic>
+    </p:spTree>
+    <p:extLst>
+      <p:ext uri="{BB962C8B-B14F-4D97-AF65-F5344CB8AC3E}">
+        <p14:creationId xmlns:p14="http://schemas.microsoft.com/office/powerpoint/2010/main" val="4138885392"/>
+      </p:ext>
+    </p:extLst>
+  </p:cSld>
+  <p:clrMapOvr>
+    <a:masterClrMapping/>
+  </p:clrMapOvr>
+  <p:transition/>
+  <p:timing>
+    <p:tnLst>
+      <p:par>
+        <p:cTn id="1" dur="indefinite" restart="never" nodeType="tmRoot"/>
+      </p:par>
+    </p:tnLst>
+  </p:timing>
+</p:sld>
+</file>
+
+<file path=ppt/slides/slide21.xml><?xml version="1.0" encoding="utf-8"?>
+<p:sld xmlns:a="http://schemas.openxmlformats.org/drawingml/2006/main" xmlns:r="http://schemas.openxmlformats.org/officeDocument/2006/relationships" xmlns:p="http://schemas.openxmlformats.org/presentationml/2006/main">
+  <p:cSld>
+    <p:spTree>
+      <p:nvGrpSpPr>
+        <p:cNvPr id="1" name=""/>
+        <p:cNvGrpSpPr/>
+        <p:nvPr/>
+      </p:nvGrpSpPr>
+      <p:grpSpPr>
+        <a:xfrm>
+          <a:off x="0" y="0"/>
+          <a:ext cx="0" cy="0"/>
+          <a:chOff x="0" y="0"/>
+          <a:chExt cx="0" cy="0"/>
+        </a:xfrm>
+      </p:grpSpPr>
+      <p:sp>
+        <p:nvSpPr>
+          <p:cNvPr id="5122" name="Rectangle 2"/>
+          <p:cNvSpPr>
+            <a:spLocks noGrp="1" noChangeArrowheads="1"/>
+          </p:cNvSpPr>
+          <p:nvPr>
+            <p:ph type="title"/>
+          </p:nvPr>
+        </p:nvSpPr>
+        <p:spPr/>
+        <p:txBody>
+          <a:bodyPr/>
+          <a:lstStyle/>
+          <a:p>
+            <a:pPr>
+              <a:defRPr/>
+            </a:pPr>
+            <a:r>
+              <a:rPr lang="tr-TR" dirty="0" smtClean="0">
+                <a:latin typeface="Arial" panose="020B0604020202020204" pitchFamily="34" charset="0"/>
+                <a:cs typeface="Arial" panose="020B0604020202020204" pitchFamily="34" charset="0"/>
+              </a:rPr>
+              <a:t>Fast Inertia Support</a:t>
+            </a:r>
+            <a:endParaRPr lang="en-US" dirty="0" smtClean="0">
+              <a:latin typeface="Arial" panose="020B0604020202020204" pitchFamily="34" charset="0"/>
+              <a:cs typeface="Arial" panose="020B0604020202020204" pitchFamily="34" charset="0"/>
+            </a:endParaRPr>
+          </a:p>
+        </p:txBody>
+      </p:sp>
+      <p:sp>
+        <p:nvSpPr>
+          <p:cNvPr id="2" name="Date Placeholder 1"/>
+          <p:cNvSpPr>
+            <a:spLocks noGrp="1"/>
+          </p:cNvSpPr>
+          <p:nvPr>
+            <p:ph type="dt" sz="half" idx="2"/>
+          </p:nvPr>
+        </p:nvSpPr>
+        <p:spPr/>
+        <p:txBody>
+          <a:bodyPr/>
+          <a:lstStyle/>
+          <a:p>
+            <a:pPr>
+              <a:defRPr/>
+            </a:pPr>
+            <a:r>
+              <a:rPr lang="tr-TR" dirty="0" smtClean="0"/>
+              <a:t>18.01.2019</a:t>
+            </a:r>
+            <a:endParaRPr lang="en-US" dirty="0"/>
+          </a:p>
+        </p:txBody>
+      </p:sp>
+      <p:sp>
+        <p:nvSpPr>
+          <p:cNvPr id="3" name="Slide Number Placeholder 2"/>
+          <p:cNvSpPr>
+            <a:spLocks noGrp="1"/>
+          </p:cNvSpPr>
+          <p:nvPr>
+            <p:ph type="sldNum" sz="quarter" idx="12"/>
+          </p:nvPr>
+        </p:nvSpPr>
+        <p:spPr/>
+        <p:txBody>
+          <a:bodyPr/>
+          <a:lstStyle/>
+          <a:p>
+            <a:pPr>
+              <a:defRPr/>
+            </a:pPr>
+            <a:fld id="{C878F797-6006-4DDA-AFE9-456F280FE6C5}" type="slidenum">
+              <a:rPr lang="en-US" smtClean="0"/>
+              <a:pPr>
+                <a:defRPr/>
+              </a:pPr>
+              <a:t>21</a:t>
             </a:fld>
             <a:endParaRPr lang="en-US" dirty="0"/>
           </a:p>
@@ -8746,6 +9749,40 @@
           </a:prstGeom>
         </p:spPr>
       </p:pic>
+      <p:sp>
+        <p:nvSpPr>
+          <p:cNvPr id="7" name="TextBox 6"/>
+          <p:cNvSpPr txBox="1"/>
+          <p:nvPr/>
+        </p:nvSpPr>
+        <p:spPr>
+          <a:xfrm>
+            <a:off x="5580112" y="1506428"/>
+            <a:ext cx="2880320" cy="830997"/>
+          </a:xfrm>
+          <a:prstGeom prst="rect">
+            <a:avLst/>
+          </a:prstGeom>
+          <a:noFill/>
+        </p:spPr>
+        <p:txBody>
+          <a:bodyPr wrap="square" rtlCol="0">
+            <a:spAutoFit/>
+          </a:bodyPr>
+          <a:lstStyle/>
+          <a:p>
+            <a:pPr marL="342900" indent="-342900">
+              <a:buFont typeface="Arial" panose="020B0604020202020204" pitchFamily="34" charset="0"/>
+              <a:buChar char="•"/>
+            </a:pPr>
+            <a:r>
+              <a:rPr lang="tr-TR" dirty="0" smtClean="0"/>
+              <a:t>High Wind Speed Scenario</a:t>
+            </a:r>
+            <a:endParaRPr lang="tr-TR" dirty="0"/>
+          </a:p>
+        </p:txBody>
+      </p:sp>
     </p:spTree>
     <p:extLst>
       <p:ext uri="{BB962C8B-B14F-4D97-AF65-F5344CB8AC3E}">
@@ -8767,7 +9804,7 @@
 </p:sld>
 </file>
 
-<file path=ppt/slides/slide19.xml><?xml version="1.0" encoding="utf-8"?>
+<file path=ppt/slides/slide22.xml><?xml version="1.0" encoding="utf-8"?>
 <p:sld xmlns:a="http://schemas.openxmlformats.org/drawingml/2006/main" xmlns:r="http://schemas.openxmlformats.org/officeDocument/2006/relationships" xmlns:p="http://schemas.openxmlformats.org/presentationml/2006/main">
   <p:cSld>
     <p:spTree>
@@ -8865,7 +9902,7 @@
               <a:pPr>
                 <a:defRPr/>
               </a:pPr>
-              <a:t>19</a:t>
+              <a:t>22</a:t>
             </a:fld>
             <a:endParaRPr lang="en-US" dirty="0"/>
           </a:p>
@@ -8982,7 +10019,7 @@
 </p:sld>
 </file>
 
-<file path=ppt/slides/slide2.xml><?xml version="1.0" encoding="utf-8"?>
+<file path=ppt/slides/slide23.xml><?xml version="1.0" encoding="utf-8"?>
 <p:sld xmlns:a="http://schemas.openxmlformats.org/drawingml/2006/main" xmlns:r="http://schemas.openxmlformats.org/officeDocument/2006/relationships" xmlns:p="http://schemas.openxmlformats.org/presentationml/2006/main">
   <p:cSld>
     <p:spTree>
@@ -9022,132 +10059,9 @@
                 <a:latin typeface="Arial" panose="020B0604020202020204" pitchFamily="34" charset="0"/>
                 <a:cs typeface="Arial" panose="020B0604020202020204" pitchFamily="34" charset="0"/>
               </a:rPr>
-              <a:t>Agenda</a:t>
+              <a:t>Implementation on a Test Case</a:t>
             </a:r>
             <a:endParaRPr lang="en-US" dirty="0" smtClean="0">
-              <a:latin typeface="Arial" panose="020B0604020202020204" pitchFamily="34" charset="0"/>
-              <a:cs typeface="Arial" panose="020B0604020202020204" pitchFamily="34" charset="0"/>
-            </a:endParaRPr>
-          </a:p>
-        </p:txBody>
-      </p:sp>
-      <p:sp>
-        <p:nvSpPr>
-          <p:cNvPr id="5123" name="Rectangle 3"/>
-          <p:cNvSpPr>
-            <a:spLocks noGrp="1" noChangeArrowheads="1"/>
-          </p:cNvSpPr>
-          <p:nvPr>
-            <p:ph idx="1"/>
-          </p:nvPr>
-        </p:nvSpPr>
-        <p:spPr>
-          <a:xfrm>
-            <a:off x="457198" y="1700808"/>
-            <a:ext cx="8229601" cy="4114800"/>
-          </a:xfrm>
-        </p:spPr>
-        <p:txBody>
-          <a:bodyPr/>
-          <a:lstStyle/>
-          <a:p>
-            <a:pPr lvl="1">
-              <a:defRPr/>
-            </a:pPr>
-            <a:r>
-              <a:rPr lang="tr-TR" sz="2400" dirty="0" smtClean="0">
-                <a:latin typeface="Arial" panose="020B0604020202020204" pitchFamily="34" charset="0"/>
-                <a:cs typeface="Arial" panose="020B0604020202020204" pitchFamily="34" charset="0"/>
-              </a:rPr>
-              <a:t>Renewable </a:t>
-            </a:r>
-            <a:r>
-              <a:rPr lang="tr-TR" sz="2400" dirty="0" smtClean="0">
-                <a:latin typeface="Arial" panose="020B0604020202020204" pitchFamily="34" charset="0"/>
-                <a:cs typeface="Arial" panose="020B0604020202020204" pitchFamily="34" charset="0"/>
-              </a:rPr>
-              <a:t>Energy Problems</a:t>
-            </a:r>
-          </a:p>
-          <a:p>
-            <a:pPr lvl="1">
-              <a:defRPr/>
-            </a:pPr>
-            <a:r>
-              <a:rPr lang="tr-TR" sz="2400" dirty="0" smtClean="0">
-                <a:latin typeface="Arial" panose="020B0604020202020204" pitchFamily="34" charset="0"/>
-                <a:cs typeface="Arial" panose="020B0604020202020204" pitchFamily="34" charset="0"/>
-              </a:rPr>
-              <a:t>Grid Inertia, Frequency and Inertial Support</a:t>
-            </a:r>
-          </a:p>
-          <a:p>
-            <a:pPr lvl="1">
-              <a:defRPr/>
-            </a:pPr>
-            <a:r>
-              <a:rPr lang="tr-TR" sz="2400" dirty="0" smtClean="0">
-                <a:latin typeface="Arial" panose="020B0604020202020204" pitchFamily="34" charset="0"/>
-                <a:cs typeface="Arial" panose="020B0604020202020204" pitchFamily="34" charset="0"/>
-              </a:rPr>
-              <a:t>Wind Turbine Modelling</a:t>
-            </a:r>
-          </a:p>
-          <a:p>
-            <a:pPr lvl="1">
-              <a:defRPr/>
-            </a:pPr>
-            <a:r>
-              <a:rPr lang="tr-TR" sz="2400" dirty="0" smtClean="0">
-                <a:latin typeface="Arial" panose="020B0604020202020204" pitchFamily="34" charset="0"/>
-                <a:cs typeface="Arial" panose="020B0604020202020204" pitchFamily="34" charset="0"/>
-              </a:rPr>
-              <a:t>Fast Inertial Support</a:t>
-            </a:r>
-          </a:p>
-          <a:p>
-            <a:pPr lvl="1">
-              <a:defRPr/>
-            </a:pPr>
-            <a:r>
-              <a:rPr lang="tr-TR" sz="2400" dirty="0" smtClean="0">
-                <a:latin typeface="Arial" panose="020B0604020202020204" pitchFamily="34" charset="0"/>
-                <a:cs typeface="Arial" panose="020B0604020202020204" pitchFamily="34" charset="0"/>
-              </a:rPr>
-              <a:t>Synthetic Inertia Support</a:t>
-            </a:r>
-          </a:p>
-          <a:p>
-            <a:pPr lvl="1">
-              <a:defRPr/>
-            </a:pPr>
-            <a:r>
-              <a:rPr lang="tr-TR" sz="2400" dirty="0" smtClean="0">
-                <a:latin typeface="Arial" panose="020B0604020202020204" pitchFamily="34" charset="0"/>
-                <a:cs typeface="Arial" panose="020B0604020202020204" pitchFamily="34" charset="0"/>
-              </a:rPr>
-              <a:t>Economical </a:t>
-            </a:r>
-            <a:r>
-              <a:rPr lang="tr-TR" sz="2400" dirty="0" smtClean="0">
-                <a:latin typeface="Arial" panose="020B0604020202020204" pitchFamily="34" charset="0"/>
-                <a:cs typeface="Arial" panose="020B0604020202020204" pitchFamily="34" charset="0"/>
-              </a:rPr>
-              <a:t>Perspective</a:t>
-            </a:r>
-          </a:p>
-          <a:p>
-            <a:pPr lvl="1">
-              <a:defRPr/>
-            </a:pPr>
-            <a:r>
-              <a:rPr lang="tr-TR" sz="2400" dirty="0" smtClean="0">
-                <a:latin typeface="Arial" panose="020B0604020202020204" pitchFamily="34" charset="0"/>
-                <a:cs typeface="Arial" panose="020B0604020202020204" pitchFamily="34" charset="0"/>
-              </a:rPr>
-              <a:t>Conclusion</a:t>
-            </a:r>
-            <a:endParaRPr lang="en-US" sz="2400" dirty="0" smtClean="0">
               <a:latin typeface="Arial" panose="020B0604020202020204" pitchFamily="34" charset="0"/>
               <a:cs typeface="Arial" panose="020B0604020202020204" pitchFamily="34" charset="0"/>
             </a:endParaRPr>
@@ -9203,127 +10117,7 @@
               <a:pPr>
                 <a:defRPr/>
               </a:pPr>
-              <a:t>2</a:t>
-            </a:fld>
-            <a:endParaRPr lang="en-US" dirty="0"/>
-          </a:p>
-        </p:txBody>
-      </p:sp>
-    </p:spTree>
-  </p:cSld>
-  <p:clrMapOvr>
-    <a:masterClrMapping/>
-  </p:clrMapOvr>
-  <p:transition/>
-  <p:timing>
-    <p:tnLst>
-      <p:par>
-        <p:cTn id="1" dur="indefinite" restart="never" nodeType="tmRoot"/>
-      </p:par>
-    </p:tnLst>
-  </p:timing>
-</p:sld>
-</file>
-
-<file path=ppt/slides/slide20.xml><?xml version="1.0" encoding="utf-8"?>
-<p:sld xmlns:a="http://schemas.openxmlformats.org/drawingml/2006/main" xmlns:r="http://schemas.openxmlformats.org/officeDocument/2006/relationships" xmlns:p="http://schemas.openxmlformats.org/presentationml/2006/main">
-  <p:cSld>
-    <p:spTree>
-      <p:nvGrpSpPr>
-        <p:cNvPr id="1" name=""/>
-        <p:cNvGrpSpPr/>
-        <p:nvPr/>
-      </p:nvGrpSpPr>
-      <p:grpSpPr>
-        <a:xfrm>
-          <a:off x="0" y="0"/>
-          <a:ext cx="0" cy="0"/>
-          <a:chOff x="0" y="0"/>
-          <a:chExt cx="0" cy="0"/>
-        </a:xfrm>
-      </p:grpSpPr>
-      <p:sp>
-        <p:nvSpPr>
-          <p:cNvPr id="5122" name="Rectangle 2"/>
-          <p:cNvSpPr>
-            <a:spLocks noGrp="1" noChangeArrowheads="1"/>
-          </p:cNvSpPr>
-          <p:nvPr>
-            <p:ph type="title"/>
-          </p:nvPr>
-        </p:nvSpPr>
-        <p:spPr/>
-        <p:txBody>
-          <a:bodyPr/>
-          <a:lstStyle/>
-          <a:p>
-            <a:pPr>
-              <a:defRPr/>
-            </a:pPr>
-            <a:r>
-              <a:rPr lang="tr-TR" dirty="0" smtClean="0">
-                <a:latin typeface="Arial" panose="020B0604020202020204" pitchFamily="34" charset="0"/>
-                <a:cs typeface="Arial" panose="020B0604020202020204" pitchFamily="34" charset="0"/>
-              </a:rPr>
-              <a:t>Implementation on a Test Case</a:t>
-            </a:r>
-            <a:endParaRPr lang="en-US" dirty="0" smtClean="0">
-              <a:latin typeface="Arial" panose="020B0604020202020204" pitchFamily="34" charset="0"/>
-              <a:cs typeface="Arial" panose="020B0604020202020204" pitchFamily="34" charset="0"/>
-            </a:endParaRPr>
-          </a:p>
-        </p:txBody>
-      </p:sp>
-      <p:sp>
-        <p:nvSpPr>
-          <p:cNvPr id="2" name="Date Placeholder 1"/>
-          <p:cNvSpPr>
-            <a:spLocks noGrp="1"/>
-          </p:cNvSpPr>
-          <p:nvPr>
-            <p:ph type="dt" sz="half" idx="2"/>
-          </p:nvPr>
-        </p:nvSpPr>
-        <p:spPr/>
-        <p:txBody>
-          <a:bodyPr/>
-          <a:lstStyle/>
-          <a:p>
-            <a:pPr>
-              <a:defRPr/>
-            </a:pPr>
-            <a:r>
-              <a:rPr lang="tr-TR" smtClean="0"/>
-              <a:t>18.01.2019</a:t>
-            </a:r>
-            <a:endParaRPr lang="en-US" dirty="0"/>
-          </a:p>
-        </p:txBody>
-      </p:sp>
-      <p:sp>
-        <p:nvSpPr>
-          <p:cNvPr id="3" name="Slide Number Placeholder 2"/>
-          <p:cNvSpPr>
-            <a:spLocks noGrp="1"/>
-          </p:cNvSpPr>
-          <p:nvPr>
-            <p:ph type="sldNum" sz="quarter" idx="12"/>
-          </p:nvPr>
-        </p:nvSpPr>
-        <p:spPr/>
-        <p:txBody>
-          <a:bodyPr/>
-          <a:lstStyle/>
-          <a:p>
-            <a:pPr>
-              <a:defRPr/>
-            </a:pPr>
-            <a:fld id="{C878F797-6006-4DDA-AFE9-456F280FE6C5}" type="slidenum">
-              <a:rPr lang="en-US" smtClean="0"/>
-              <a:pPr>
-                <a:defRPr/>
-              </a:pPr>
-              <a:t>20</a:t>
+              <a:t>23</a:t>
             </a:fld>
             <a:endParaRPr lang="en-US" dirty="0"/>
           </a:p>
@@ -9409,7 +10203,7 @@
 </p:sld>
 </file>
 
-<file path=ppt/slides/slide21.xml><?xml version="1.0" encoding="utf-8"?>
+<file path=ppt/slides/slide24.xml><?xml version="1.0" encoding="utf-8"?>
 <p:sld xmlns:a="http://schemas.openxmlformats.org/drawingml/2006/main" xmlns:r="http://schemas.openxmlformats.org/officeDocument/2006/relationships" xmlns:p="http://schemas.openxmlformats.org/presentationml/2006/main">
   <p:cSld>
     <p:spTree>
@@ -9507,7 +10301,7 @@
               <a:pPr>
                 <a:defRPr/>
               </a:pPr>
-              <a:t>21</a:t>
+              <a:t>24</a:t>
             </a:fld>
             <a:endParaRPr lang="en-US" dirty="0"/>
           </a:p>
@@ -10521,7 +11315,7 @@
 </p:sld>
 </file>
 
-<file path=ppt/slides/slide22.xml><?xml version="1.0" encoding="utf-8"?>
+<file path=ppt/slides/slide25.xml><?xml version="1.0" encoding="utf-8"?>
 <p:sld xmlns:a="http://schemas.openxmlformats.org/drawingml/2006/main" xmlns:r="http://schemas.openxmlformats.org/officeDocument/2006/relationships" xmlns:p="http://schemas.openxmlformats.org/presentationml/2006/main">
   <p:cSld>
     <p:spTree>
@@ -10619,7 +11413,7 @@
               <a:pPr>
                 <a:defRPr/>
               </a:pPr>
-              <a:t>22</a:t>
+              <a:t>25</a:t>
             </a:fld>
             <a:endParaRPr lang="en-US" dirty="0"/>
           </a:p>
@@ -10765,7 +11559,7 @@
 </p:sld>
 </file>
 
-<file path=ppt/slides/slide23.xml><?xml version="1.0" encoding="utf-8"?>
+<file path=ppt/slides/slide26.xml><?xml version="1.0" encoding="utf-8"?>
 <p:sld xmlns:a="http://schemas.openxmlformats.org/drawingml/2006/main" xmlns:r="http://schemas.openxmlformats.org/officeDocument/2006/relationships" xmlns:p="http://schemas.openxmlformats.org/presentationml/2006/main">
   <p:cSld>
     <p:spTree>
@@ -10863,7 +11657,7 @@
               <a:pPr>
                 <a:defRPr/>
               </a:pPr>
-              <a:t>23</a:t>
+              <a:t>26</a:t>
             </a:fld>
             <a:endParaRPr lang="en-US" dirty="0"/>
           </a:p>
@@ -10919,7 +11713,7 @@
 </p:sld>
 </file>
 
-<file path=ppt/slides/slide24.xml><?xml version="1.0" encoding="utf-8"?>
+<file path=ppt/slides/slide27.xml><?xml version="1.0" encoding="utf-8"?>
 <p:sld xmlns:a="http://schemas.openxmlformats.org/drawingml/2006/main" xmlns:r="http://schemas.openxmlformats.org/officeDocument/2006/relationships" xmlns:p="http://schemas.openxmlformats.org/presentationml/2006/main">
   <p:cSld>
     <p:spTree>
@@ -11017,7 +11811,7 @@
               <a:pPr>
                 <a:defRPr/>
               </a:pPr>
-              <a:t>24</a:t>
+              <a:t>27</a:t>
             </a:fld>
             <a:endParaRPr lang="en-US" dirty="0"/>
           </a:p>
@@ -11103,7 +11897,7 @@
 </p:sld>
 </file>
 
-<file path=ppt/slides/slide25.xml><?xml version="1.0" encoding="utf-8"?>
+<file path=ppt/slides/slide28.xml><?xml version="1.0" encoding="utf-8"?>
 <p:sld xmlns:a="http://schemas.openxmlformats.org/drawingml/2006/main" xmlns:r="http://schemas.openxmlformats.org/officeDocument/2006/relationships" xmlns:p="http://schemas.openxmlformats.org/presentationml/2006/main">
   <p:cSld>
     <p:spTree>
@@ -11201,7 +11995,7 @@
               <a:pPr>
                 <a:defRPr/>
               </a:pPr>
-              <a:t>25</a:t>
+              <a:t>28</a:t>
             </a:fld>
             <a:endParaRPr lang="en-US" dirty="0"/>
           </a:p>
@@ -11839,7 +12633,7 @@
 </p:sld>
 </file>
 
-<file path=ppt/slides/slide26.xml><?xml version="1.0" encoding="utf-8"?>
+<file path=ppt/slides/slide29.xml><?xml version="1.0" encoding="utf-8"?>
 <p:sld xmlns:a="http://schemas.openxmlformats.org/drawingml/2006/main" xmlns:r="http://schemas.openxmlformats.org/officeDocument/2006/relationships" xmlns:p="http://schemas.openxmlformats.org/presentationml/2006/main">
   <p:cSld>
     <p:spTree>
@@ -11937,7 +12731,7 @@
               <a:pPr>
                 <a:defRPr/>
               </a:pPr>
-              <a:t>26</a:t>
+              <a:t>29</a:t>
             </a:fld>
             <a:endParaRPr lang="en-US" dirty="0"/>
           </a:p>
@@ -11993,7 +12787,7 @@
 </p:sld>
 </file>
 
-<file path=ppt/slides/slide27.xml><?xml version="1.0" encoding="utf-8"?>
+<file path=ppt/slides/slide3.xml><?xml version="1.0" encoding="utf-8"?>
 <p:sld xmlns:a="http://schemas.openxmlformats.org/drawingml/2006/main" xmlns:r="http://schemas.openxmlformats.org/officeDocument/2006/relationships" xmlns:p="http://schemas.openxmlformats.org/presentationml/2006/main">
   <p:cSld>
     <p:spTree>
@@ -12033,7 +12827,7 @@
                 <a:latin typeface="Arial" panose="020B0604020202020204" pitchFamily="34" charset="0"/>
                 <a:cs typeface="Arial" panose="020B0604020202020204" pitchFamily="34" charset="0"/>
               </a:rPr>
-              <a:t>Economical Perspective</a:t>
+              <a:t>Renewable Energy Problems</a:t>
             </a:r>
             <a:endParaRPr lang="en-US" dirty="0" smtClean="0">
               <a:latin typeface="Arial" panose="020B0604020202020204" pitchFamily="34" charset="0"/>
@@ -12061,7 +12855,7 @@
               <a:defRPr/>
             </a:pPr>
             <a:r>
-              <a:rPr lang="tr-TR" smtClean="0"/>
+              <a:rPr lang="tr-TR" dirty="0" smtClean="0"/>
               <a:t>18.01.2019</a:t>
             </a:r>
             <a:endParaRPr lang="en-US" dirty="0"/>
@@ -12091,7 +12885,181 @@
               <a:pPr>
                 <a:defRPr/>
               </a:pPr>
-              <a:t>27</a:t>
+              <a:t>3</a:t>
+            </a:fld>
+            <a:endParaRPr lang="en-US" dirty="0"/>
+          </a:p>
+        </p:txBody>
+      </p:sp>
+      <p:sp>
+        <p:nvSpPr>
+          <p:cNvPr id="4" name="Content Placeholder 3"/>
+          <p:cNvSpPr>
+            <a:spLocks noGrp="1"/>
+          </p:cNvSpPr>
+          <p:nvPr>
+            <p:ph idx="1"/>
+          </p:nvPr>
+        </p:nvSpPr>
+        <p:spPr/>
+        <p:txBody>
+          <a:bodyPr/>
+          <a:lstStyle/>
+          <a:p>
+            <a:endParaRPr lang="tr-TR"/>
+          </a:p>
+        </p:txBody>
+      </p:sp>
+      <p:pic>
+        <p:nvPicPr>
+          <p:cNvPr id="7" name="Picture 6"/>
+          <p:cNvPicPr>
+            <a:picLocks noChangeAspect="1"/>
+          </p:cNvPicPr>
+          <p:nvPr/>
+        </p:nvPicPr>
+        <p:blipFill>
+          <a:blip r:embed="rId3">
+            <a:extLst>
+              <a:ext uri="{28A0092B-C50C-407E-A947-70E740481C1C}">
+                <a14:useLocalDpi xmlns:a14="http://schemas.microsoft.com/office/drawing/2010/main" val="0"/>
+              </a:ext>
+            </a:extLst>
+          </a:blip>
+          <a:stretch>
+            <a:fillRect/>
+          </a:stretch>
+        </p:blipFill>
+        <p:spPr>
+          <a:xfrm>
+            <a:off x="282351" y="1473795"/>
+            <a:ext cx="8579297" cy="4303053"/>
+          </a:xfrm>
+          <a:prstGeom prst="rect">
+            <a:avLst/>
+          </a:prstGeom>
+        </p:spPr>
+      </p:pic>
+    </p:spTree>
+    <p:extLst>
+      <p:ext uri="{BB962C8B-B14F-4D97-AF65-F5344CB8AC3E}">
+        <p14:creationId xmlns:p14="http://schemas.microsoft.com/office/powerpoint/2010/main" val="2211895997"/>
+      </p:ext>
+    </p:extLst>
+  </p:cSld>
+  <p:clrMapOvr>
+    <a:masterClrMapping/>
+  </p:clrMapOvr>
+  <p:transition/>
+  <p:timing>
+    <p:tnLst>
+      <p:par>
+        <p:cTn id="1" dur="indefinite" restart="never" nodeType="tmRoot"/>
+      </p:par>
+    </p:tnLst>
+  </p:timing>
+</p:sld>
+</file>
+
+<file path=ppt/slides/slide30.xml><?xml version="1.0" encoding="utf-8"?>
+<p:sld xmlns:a="http://schemas.openxmlformats.org/drawingml/2006/main" xmlns:r="http://schemas.openxmlformats.org/officeDocument/2006/relationships" xmlns:p="http://schemas.openxmlformats.org/presentationml/2006/main">
+  <p:cSld>
+    <p:spTree>
+      <p:nvGrpSpPr>
+        <p:cNvPr id="1" name=""/>
+        <p:cNvGrpSpPr/>
+        <p:nvPr/>
+      </p:nvGrpSpPr>
+      <p:grpSpPr>
+        <a:xfrm>
+          <a:off x="0" y="0"/>
+          <a:ext cx="0" cy="0"/>
+          <a:chOff x="0" y="0"/>
+          <a:chExt cx="0" cy="0"/>
+        </a:xfrm>
+      </p:grpSpPr>
+      <p:sp>
+        <p:nvSpPr>
+          <p:cNvPr id="5122" name="Rectangle 2"/>
+          <p:cNvSpPr>
+            <a:spLocks noGrp="1" noChangeArrowheads="1"/>
+          </p:cNvSpPr>
+          <p:nvPr>
+            <p:ph type="title"/>
+          </p:nvPr>
+        </p:nvSpPr>
+        <p:spPr/>
+        <p:txBody>
+          <a:bodyPr/>
+          <a:lstStyle/>
+          <a:p>
+            <a:pPr>
+              <a:defRPr/>
+            </a:pPr>
+            <a:r>
+              <a:rPr lang="tr-TR" dirty="0" smtClean="0">
+                <a:latin typeface="Arial" panose="020B0604020202020204" pitchFamily="34" charset="0"/>
+                <a:cs typeface="Arial" panose="020B0604020202020204" pitchFamily="34" charset="0"/>
+              </a:rPr>
+              <a:t>Economical Perspective</a:t>
+            </a:r>
+            <a:endParaRPr lang="en-US" dirty="0" smtClean="0">
+              <a:latin typeface="Arial" panose="020B0604020202020204" pitchFamily="34" charset="0"/>
+              <a:cs typeface="Arial" panose="020B0604020202020204" pitchFamily="34" charset="0"/>
+            </a:endParaRPr>
+          </a:p>
+        </p:txBody>
+      </p:sp>
+      <p:sp>
+        <p:nvSpPr>
+          <p:cNvPr id="2" name="Date Placeholder 1"/>
+          <p:cNvSpPr>
+            <a:spLocks noGrp="1"/>
+          </p:cNvSpPr>
+          <p:nvPr>
+            <p:ph type="dt" sz="half" idx="2"/>
+          </p:nvPr>
+        </p:nvSpPr>
+        <p:spPr/>
+        <p:txBody>
+          <a:bodyPr/>
+          <a:lstStyle/>
+          <a:p>
+            <a:pPr>
+              <a:defRPr/>
+            </a:pPr>
+            <a:r>
+              <a:rPr lang="tr-TR" smtClean="0"/>
+              <a:t>18.01.2019</a:t>
+            </a:r>
+            <a:endParaRPr lang="en-US" dirty="0"/>
+          </a:p>
+        </p:txBody>
+      </p:sp>
+      <p:sp>
+        <p:nvSpPr>
+          <p:cNvPr id="3" name="Slide Number Placeholder 2"/>
+          <p:cNvSpPr>
+            <a:spLocks noGrp="1"/>
+          </p:cNvSpPr>
+          <p:nvPr>
+            <p:ph type="sldNum" sz="quarter" idx="12"/>
+          </p:nvPr>
+        </p:nvSpPr>
+        <p:spPr/>
+        <p:txBody>
+          <a:bodyPr/>
+          <a:lstStyle/>
+          <a:p>
+            <a:pPr>
+              <a:defRPr/>
+            </a:pPr>
+            <a:fld id="{C878F797-6006-4DDA-AFE9-456F280FE6C5}" type="slidenum">
+              <a:rPr lang="en-US" smtClean="0"/>
+              <a:pPr>
+                <a:defRPr/>
+              </a:pPr>
+              <a:t>30</a:t>
             </a:fld>
             <a:endParaRPr lang="en-US" dirty="0"/>
           </a:p>
@@ -12132,21 +13100,7 @@
                 <a:latin typeface="Arial" panose="020B0604020202020204" pitchFamily="34" charset="0"/>
                 <a:cs typeface="Arial" panose="020B0604020202020204" pitchFamily="34" charset="0"/>
               </a:rPr>
-              <a:t>Let us only pay for </a:t>
-            </a:r>
-            <a:r>
-              <a:rPr lang="tr-TR" dirty="0" smtClean="0">
-                <a:latin typeface="Arial" panose="020B0604020202020204" pitchFamily="34" charset="0"/>
-                <a:cs typeface="Arial" panose="020B0604020202020204" pitchFamily="34" charset="0"/>
-              </a:rPr>
-              <a:t>the increased </a:t>
-            </a:r>
-            <a:r>
-              <a:rPr lang="tr-TR" dirty="0" smtClean="0">
-                <a:latin typeface="Arial" panose="020B0604020202020204" pitchFamily="34" charset="0"/>
-                <a:cs typeface="Arial" panose="020B0604020202020204" pitchFamily="34" charset="0"/>
-              </a:rPr>
-              <a:t>period (neglect the decrease):</a:t>
+              <a:t>Let us only pay for the increased period (neglect the decrease):</a:t>
             </a:r>
           </a:p>
           <a:p>
@@ -12190,10 +13144,6 @@
               </a:rPr>
               <a:t>Incentives might convince the energy provider since it creates a significant rise on the profit (8.2% increase with 0.3¢/kWh).</a:t>
             </a:r>
-            <a:endParaRPr lang="tr-TR" dirty="0" smtClean="0">
-              <a:latin typeface="Arial" panose="020B0604020202020204" pitchFamily="34" charset="0"/>
-              <a:cs typeface="Arial" panose="020B0604020202020204" pitchFamily="34" charset="0"/>
-            </a:endParaRPr>
           </a:p>
           <a:p>
             <a:endParaRPr lang="tr-TR" dirty="0">
@@ -12233,7 +13183,7 @@
 </p:sld>
 </file>
 
-<file path=ppt/slides/slide28.xml><?xml version="1.0" encoding="utf-8"?>
+<file path=ppt/slides/slide31.xml><?xml version="1.0" encoding="utf-8"?>
 <p:sld xmlns:a="http://schemas.openxmlformats.org/drawingml/2006/main" xmlns:r="http://schemas.openxmlformats.org/officeDocument/2006/relationships" xmlns:p="http://schemas.openxmlformats.org/presentationml/2006/main">
   <p:cSld>
     <p:spTree>
@@ -12331,7 +13281,7 @@
               <a:pPr>
                 <a:defRPr/>
               </a:pPr>
-              <a:t>28</a:t>
+              <a:t>31</a:t>
             </a:fld>
             <a:endParaRPr lang="en-US" dirty="0"/>
           </a:p>
@@ -12373,14 +13323,7 @@
                 <a:latin typeface="Arial" panose="020B0604020202020204" pitchFamily="34" charset="0"/>
                 <a:cs typeface="Arial" panose="020B0604020202020204" pitchFamily="34" charset="0"/>
               </a:rPr>
-              <a:t>Inertial support capability of wind turbines with FSPC </a:t>
-            </a:r>
-            <a:r>
-              <a:rPr lang="en-GB" dirty="0" smtClean="0">
-                <a:latin typeface="Arial" panose="020B0604020202020204" pitchFamily="34" charset="0"/>
-                <a:cs typeface="Arial" panose="020B0604020202020204" pitchFamily="34" charset="0"/>
-              </a:rPr>
-              <a:t>is limited with 10% in high wind speeds. Maximum increase occurs in 6.5m/s with 48% increase. Average contribution is 30%.</a:t>
+              <a:t>Inertial support capability of wind turbines with FSPC is limited with 10% in high wind speeds. Maximum increase occurs in 6.5m/s with 48% increase. Average contribution is 30%.</a:t>
             </a:r>
           </a:p>
           <a:p>
@@ -12396,7 +13339,7 @@
                 <a:latin typeface="Arial" panose="020B0604020202020204" pitchFamily="34" charset="0"/>
                 <a:cs typeface="Arial" panose="020B0604020202020204" pitchFamily="34" charset="0"/>
               </a:rPr>
-              <a:t>Wind turbine can emulate the inertia constant H=10m/s for the whole speed range. </a:t>
+              <a:t>Wind turbine can emulate the inertia constant H=10s for the whole speed range. </a:t>
             </a:r>
           </a:p>
           <a:p>
@@ -12789,7 +13732,7 @@
 </p:sld>
 </file>
 
-<file path=ppt/slides/slide29.xml><?xml version="1.0" encoding="utf-8"?>
+<file path=ppt/slides/slide32.xml><?xml version="1.0" encoding="utf-8"?>
 <p:sld xmlns:a="http://schemas.openxmlformats.org/drawingml/2006/main" xmlns:r="http://schemas.openxmlformats.org/officeDocument/2006/relationships" xmlns:p="http://schemas.openxmlformats.org/presentationml/2006/main">
   <p:cSld>
     <p:spTree>
@@ -12887,7 +13830,7 @@
               <a:pPr>
                 <a:defRPr/>
               </a:pPr>
-              <a:t>29</a:t>
+              <a:t>32</a:t>
             </a:fld>
             <a:endParaRPr lang="en-US" dirty="0"/>
           </a:p>
@@ -12936,7 +13879,7 @@
 </p:sld>
 </file>
 
-<file path=ppt/slides/slide3.xml><?xml version="1.0" encoding="utf-8"?>
+<file path=ppt/slides/slide4.xml><?xml version="1.0" encoding="utf-8"?>
 <p:sld xmlns:a="http://schemas.openxmlformats.org/drawingml/2006/main" xmlns:r="http://schemas.openxmlformats.org/officeDocument/2006/relationships" xmlns:p="http://schemas.openxmlformats.org/presentationml/2006/main">
   <p:cSld>
     <p:spTree>
@@ -13091,14 +14034,7 @@
                 <a:latin typeface="Arial" panose="020B0604020202020204" pitchFamily="34" charset="0"/>
                 <a:cs typeface="Arial" panose="020B0604020202020204" pitchFamily="34" charset="0"/>
               </a:rPr>
-              <a:t>Operational </a:t>
-            </a:r>
-            <a:r>
-              <a:rPr lang="tr-TR" sz="2000" dirty="0" smtClean="0">
-                <a:latin typeface="Arial" panose="020B0604020202020204" pitchFamily="34" charset="0"/>
-                <a:cs typeface="Arial" panose="020B0604020202020204" pitchFamily="34" charset="0"/>
-              </a:rPr>
-              <a:t>Problems</a:t>
+              <a:t>Operational Problems</a:t>
             </a:r>
           </a:p>
           <a:p>
@@ -13154,10 +14090,6 @@
               </a:rPr>
               <a:t>existing control structure of the wind turbines</a:t>
             </a:r>
-            <a:endParaRPr lang="tr-TR" sz="2000" dirty="0" smtClean="0">
-              <a:latin typeface="Arial" panose="020B0604020202020204" pitchFamily="34" charset="0"/>
-              <a:cs typeface="Arial" panose="020B0604020202020204" pitchFamily="34" charset="0"/>
-            </a:endParaRPr>
           </a:p>
         </p:txBody>
       </p:sp>
@@ -13210,7 +14142,7 @@
               <a:pPr>
                 <a:defRPr/>
               </a:pPr>
-              <a:t>3</a:t>
+              <a:t>4</a:t>
             </a:fld>
             <a:endParaRPr lang="en-US" dirty="0"/>
           </a:p>
@@ -13219,7 +14151,7 @@
     </p:spTree>
     <p:extLst>
       <p:ext uri="{BB962C8B-B14F-4D97-AF65-F5344CB8AC3E}">
-        <p14:creationId xmlns:p14="http://schemas.microsoft.com/office/powerpoint/2010/main" val="2211895997"/>
+        <p14:creationId xmlns:p14="http://schemas.microsoft.com/office/powerpoint/2010/main" val="3637430949"/>
       </p:ext>
     </p:extLst>
   </p:cSld>
@@ -13694,7 +14626,7 @@
 </p:sld>
 </file>
 
-<file path=ppt/slides/slide4.xml><?xml version="1.0" encoding="utf-8"?>
+<file path=ppt/slides/slide5.xml><?xml version="1.0" encoding="utf-8"?>
 <p:sld xmlns:a="http://schemas.openxmlformats.org/drawingml/2006/main" xmlns:r="http://schemas.openxmlformats.org/officeDocument/2006/relationships" xmlns:p="http://schemas.openxmlformats.org/presentationml/2006/main">
   <p:cSld>
     <p:spTree>
@@ -13792,7 +14724,7 @@
               <a:pPr>
                 <a:defRPr/>
               </a:pPr>
-              <a:t>4</a:t>
+              <a:t>5</a:t>
             </a:fld>
             <a:endParaRPr lang="en-US" dirty="0"/>
           </a:p>
@@ -14147,8 +15079,8 @@
           </p:sp>
         </mc:Fallback>
       </mc:AlternateContent>
-      <mc:AlternateContent xmlns:mc="http://schemas.openxmlformats.org/markup-compatibility/2006">
-        <mc:Choice xmlns:a14="http://schemas.microsoft.com/office/drawing/2010/main" Requires="a14">
+      <mc:AlternateContent xmlns:mc="http://schemas.openxmlformats.org/markup-compatibility/2006" xmlns:a14="http://schemas.microsoft.com/office/drawing/2010/main">
+        <mc:Choice Requires="a14">
           <p:sp>
             <p:nvSpPr>
               <p:cNvPr id="4" name="Rectangle 3"/>
@@ -14201,13 +15133,8 @@
                 </a14:m>
                 <a:r>
                   <a:rPr lang="tr-TR" sz="2000" dirty="0" smtClean="0"/>
-                  <a:t>: Mechanical Input </a:t>
+                  <a:t>: Mechanical Input Torque (water flow)</a:t>
                 </a:r>
-                <a:r>
-                  <a:rPr lang="tr-TR" sz="2000" dirty="0" smtClean="0"/>
-                  <a:t>Torque (water flow)</a:t>
-                </a:r>
-                <a:endParaRPr lang="tr-TR" sz="2000" dirty="0" smtClean="0"/>
               </a:p>
               <a:p>
                 <a14:m>
@@ -14248,7 +15175,7 @@
             </p:txBody>
           </p:sp>
         </mc:Choice>
-        <mc:Fallback>
+        <mc:Fallback xmlns="">
           <p:sp>
             <p:nvSpPr>
               <p:cNvPr id="4" name="Rectangle 3"/>
@@ -14308,7 +15235,7 @@
 </p:sld>
 </file>
 
-<file path=ppt/slides/slide5.xml><?xml version="1.0" encoding="utf-8"?>
+<file path=ppt/slides/slide6.xml><?xml version="1.0" encoding="utf-8"?>
 <p:sld xmlns:a="http://schemas.openxmlformats.org/drawingml/2006/main" xmlns:r="http://schemas.openxmlformats.org/officeDocument/2006/relationships" xmlns:p="http://schemas.openxmlformats.org/presentationml/2006/main">
   <p:cSld>
     <p:spTree>
@@ -14406,7 +15333,7 @@
               <a:pPr>
                 <a:defRPr/>
               </a:pPr>
-              <a:t>5</a:t>
+              <a:t>6</a:t>
             </a:fld>
             <a:endParaRPr lang="en-US" dirty="0"/>
           </a:p>
@@ -15013,7 +15940,7 @@
 </p:sld>
 </file>
 
-<file path=ppt/slides/slide6.xml><?xml version="1.0" encoding="utf-8"?>
+<file path=ppt/slides/slide7.xml><?xml version="1.0" encoding="utf-8"?>
 <p:sld xmlns:a="http://schemas.openxmlformats.org/drawingml/2006/main" xmlns:r="http://schemas.openxmlformats.org/officeDocument/2006/relationships" xmlns:p="http://schemas.openxmlformats.org/presentationml/2006/main">
   <p:cSld>
     <p:spTree>
@@ -15140,7 +16067,7 @@
               <a:pPr>
                 <a:defRPr/>
               </a:pPr>
-              <a:t>6</a:t>
+              <a:t>7</a:t>
             </a:fld>
             <a:endParaRPr lang="en-US" dirty="0"/>
           </a:p>
@@ -15513,13 +16440,8 @@
             </a:pPr>
             <a:r>
               <a:rPr lang="tr-TR" dirty="0" smtClean="0"/>
-              <a:t>Primary Frequency </a:t>
-            </a:r>
-            <a:r>
-              <a:rPr lang="tr-TR" dirty="0" smtClean="0"/>
-              <a:t>Control (no longer than 15s)</a:t>
-            </a:r>
-            <a:endParaRPr lang="tr-TR" dirty="0" smtClean="0"/>
+              <a:t>Primary Frequency Control (no longer than 15s)</a:t>
+            </a:r>
           </a:p>
           <a:p>
             <a:pPr marL="342900" indent="-342900">
@@ -15562,324 +16484,6 @@
     <p:extLst>
       <p:ext uri="{BB962C8B-B14F-4D97-AF65-F5344CB8AC3E}">
         <p14:creationId xmlns:p14="http://schemas.microsoft.com/office/powerpoint/2010/main" val="3720787453"/>
-      </p:ext>
-    </p:extLst>
-  </p:cSld>
-  <p:clrMapOvr>
-    <a:masterClrMapping/>
-  </p:clrMapOvr>
-  <p:transition/>
-  <p:timing>
-    <p:tnLst>
-      <p:par>
-        <p:cTn id="1" dur="indefinite" restart="never" nodeType="tmRoot"/>
-      </p:par>
-    </p:tnLst>
-  </p:timing>
-</p:sld>
-</file>
-
-<file path=ppt/slides/slide7.xml><?xml version="1.0" encoding="utf-8"?>
-<p:sld xmlns:a="http://schemas.openxmlformats.org/drawingml/2006/main" xmlns:r="http://schemas.openxmlformats.org/officeDocument/2006/relationships" xmlns:p="http://schemas.openxmlformats.org/presentationml/2006/main">
-  <p:cSld>
-    <p:spTree>
-      <p:nvGrpSpPr>
-        <p:cNvPr id="1" name=""/>
-        <p:cNvGrpSpPr/>
-        <p:nvPr/>
-      </p:nvGrpSpPr>
-      <p:grpSpPr>
-        <a:xfrm>
-          <a:off x="0" y="0"/>
-          <a:ext cx="0" cy="0"/>
-          <a:chOff x="0" y="0"/>
-          <a:chExt cx="0" cy="0"/>
-        </a:xfrm>
-      </p:grpSpPr>
-      <p:sp>
-        <p:nvSpPr>
-          <p:cNvPr id="5122" name="Rectangle 2"/>
-          <p:cNvSpPr>
-            <a:spLocks noGrp="1" noChangeArrowheads="1"/>
-          </p:cNvSpPr>
-          <p:nvPr>
-            <p:ph type="title"/>
-          </p:nvPr>
-        </p:nvSpPr>
-        <p:spPr/>
-        <p:txBody>
-          <a:bodyPr/>
-          <a:lstStyle/>
-          <a:p>
-            <a:pPr>
-              <a:defRPr/>
-            </a:pPr>
-            <a:r>
-              <a:rPr lang="tr-TR" dirty="0" smtClean="0">
-                <a:latin typeface="Arial" panose="020B0604020202020204" pitchFamily="34" charset="0"/>
-                <a:cs typeface="Arial" panose="020B0604020202020204" pitchFamily="34" charset="0"/>
-              </a:rPr>
-              <a:t>Frequeny Disturbance</a:t>
-            </a:r>
-            <a:endParaRPr lang="en-US" dirty="0" smtClean="0">
-              <a:latin typeface="Arial" panose="020B0604020202020204" pitchFamily="34" charset="0"/>
-              <a:cs typeface="Arial" panose="020B0604020202020204" pitchFamily="34" charset="0"/>
-            </a:endParaRPr>
-          </a:p>
-        </p:txBody>
-      </p:sp>
-      <p:sp>
-        <p:nvSpPr>
-          <p:cNvPr id="2" name="Date Placeholder 1"/>
-          <p:cNvSpPr>
-            <a:spLocks noGrp="1"/>
-          </p:cNvSpPr>
-          <p:nvPr>
-            <p:ph type="dt" sz="half" idx="2"/>
-          </p:nvPr>
-        </p:nvSpPr>
-        <p:spPr/>
-        <p:txBody>
-          <a:bodyPr/>
-          <a:lstStyle/>
-          <a:p>
-            <a:pPr>
-              <a:defRPr/>
-            </a:pPr>
-            <a:r>
-              <a:rPr lang="tr-TR" smtClean="0"/>
-              <a:t>18.01.2019</a:t>
-            </a:r>
-            <a:endParaRPr lang="en-US" dirty="0"/>
-          </a:p>
-        </p:txBody>
-      </p:sp>
-      <p:sp>
-        <p:nvSpPr>
-          <p:cNvPr id="3" name="Slide Number Placeholder 2"/>
-          <p:cNvSpPr>
-            <a:spLocks noGrp="1"/>
-          </p:cNvSpPr>
-          <p:nvPr>
-            <p:ph type="sldNum" sz="quarter" idx="12"/>
-          </p:nvPr>
-        </p:nvSpPr>
-        <p:spPr/>
-        <p:txBody>
-          <a:bodyPr/>
-          <a:lstStyle/>
-          <a:p>
-            <a:pPr>
-              <a:defRPr/>
-            </a:pPr>
-            <a:fld id="{C878F797-6006-4DDA-AFE9-456F280FE6C5}" type="slidenum">
-              <a:rPr lang="en-US" smtClean="0"/>
-              <a:pPr>
-                <a:defRPr/>
-              </a:pPr>
-              <a:t>7</a:t>
-            </a:fld>
-            <a:endParaRPr lang="en-US" dirty="0"/>
-          </a:p>
-        </p:txBody>
-      </p:sp>
-      <p:pic>
-        <p:nvPicPr>
-          <p:cNvPr id="5" name="Content Placeholder 4"/>
-          <p:cNvPicPr>
-            <a:picLocks noGrp="1" noChangeAspect="1"/>
-          </p:cNvPicPr>
-          <p:nvPr>
-            <p:ph idx="1"/>
-          </p:nvPr>
-        </p:nvPicPr>
-        <p:blipFill>
-          <a:blip r:embed="rId3">
-            <a:extLst>
-              <a:ext uri="{28A0092B-C50C-407E-A947-70E740481C1C}">
-                <a14:useLocalDpi xmlns:a14="http://schemas.microsoft.com/office/drawing/2010/main" val="0"/>
-              </a:ext>
-            </a:extLst>
-          </a:blip>
-          <a:stretch>
-            <a:fillRect/>
-          </a:stretch>
-        </p:blipFill>
-        <p:spPr>
-          <a:xfrm>
-            <a:off x="4320336" y="1522369"/>
-            <a:ext cx="4762872" cy="3283681"/>
-          </a:xfrm>
-        </p:spPr>
-      </p:pic>
-      <p:sp>
-        <p:nvSpPr>
-          <p:cNvPr id="9" name="Left Arrow 8"/>
-          <p:cNvSpPr/>
-          <p:nvPr/>
-        </p:nvSpPr>
-        <p:spPr>
-          <a:xfrm rot="8090536">
-            <a:off x="5306102" y="1757171"/>
-            <a:ext cx="1259776" cy="360290"/>
-          </a:xfrm>
-          <a:prstGeom prst="leftArrow">
-            <a:avLst/>
-          </a:prstGeom>
-          <a:noFill/>
-          <a:ln w="19050">
-            <a:solidFill>
-              <a:schemeClr val="tx1"/>
-            </a:solidFill>
-          </a:ln>
-          <a:effectLst/>
-        </p:spPr>
-        <p:style>
-          <a:lnRef idx="1">
-            <a:schemeClr val="accent1"/>
-          </a:lnRef>
-          <a:fillRef idx="3">
-            <a:schemeClr val="accent1"/>
-          </a:fillRef>
-          <a:effectRef idx="2">
-            <a:schemeClr val="accent1"/>
-          </a:effectRef>
-          <a:fontRef idx="minor">
-            <a:schemeClr val="lt1"/>
-          </a:fontRef>
-        </p:style>
-        <p:txBody>
-          <a:bodyPr rtlCol="0" anchor="ctr"/>
-          <a:lstStyle/>
-          <a:p>
-            <a:pPr algn="ctr"/>
-            <a:endParaRPr lang="tr-TR"/>
-          </a:p>
-        </p:txBody>
-      </p:sp>
-      <p:sp>
-        <p:nvSpPr>
-          <p:cNvPr id="10" name="TextBox 9"/>
-          <p:cNvSpPr txBox="1"/>
-          <p:nvPr/>
-        </p:nvSpPr>
-        <p:spPr>
-          <a:xfrm>
-            <a:off x="6507893" y="975661"/>
-            <a:ext cx="1512168" cy="830997"/>
-          </a:xfrm>
-          <a:prstGeom prst="rect">
-            <a:avLst/>
-          </a:prstGeom>
-          <a:noFill/>
-        </p:spPr>
-        <p:txBody>
-          <a:bodyPr wrap="square" rtlCol="0">
-            <a:spAutoFit/>
-          </a:bodyPr>
-          <a:lstStyle/>
-          <a:p>
-            <a:r>
-              <a:rPr lang="tr-TR" dirty="0" smtClean="0"/>
-              <a:t>Inertial Support</a:t>
-            </a:r>
-            <a:endParaRPr lang="tr-TR" dirty="0"/>
-          </a:p>
-        </p:txBody>
-      </p:sp>
-      <p:sp>
-        <p:nvSpPr>
-          <p:cNvPr id="11" name="TextBox 10"/>
-          <p:cNvSpPr txBox="1"/>
-          <p:nvPr/>
-        </p:nvSpPr>
-        <p:spPr>
-          <a:xfrm>
-            <a:off x="1369401" y="5433711"/>
-            <a:ext cx="6405197" cy="461665"/>
-          </a:xfrm>
-          <a:prstGeom prst="rect">
-            <a:avLst/>
-          </a:prstGeom>
-          <a:noFill/>
-        </p:spPr>
-        <p:txBody>
-          <a:bodyPr wrap="square" rtlCol="0">
-            <a:spAutoFit/>
-          </a:bodyPr>
-          <a:lstStyle/>
-          <a:p>
-            <a:r>
-              <a:rPr lang="tr-TR" dirty="0" smtClean="0"/>
-              <a:t>Higher Grid Inertia </a:t>
-            </a:r>
-            <a:r>
-              <a:rPr lang="tr-TR" dirty="0" smtClean="0">
-                <a:sym typeface="Wingdings" panose="05000000000000000000" pitchFamily="2" charset="2"/>
-              </a:rPr>
-              <a:t> Lower RoCoF</a:t>
-            </a:r>
-            <a:endParaRPr lang="tr-TR" dirty="0"/>
-          </a:p>
-        </p:txBody>
-      </p:sp>
-      <p:sp>
-        <p:nvSpPr>
-          <p:cNvPr id="12" name="TextBox 11"/>
-          <p:cNvSpPr txBox="1"/>
-          <p:nvPr/>
-        </p:nvSpPr>
-        <p:spPr>
-          <a:xfrm>
-            <a:off x="748924" y="1660847"/>
-            <a:ext cx="3708776" cy="3416320"/>
-          </a:xfrm>
-          <a:prstGeom prst="rect">
-            <a:avLst/>
-          </a:prstGeom>
-          <a:noFill/>
-        </p:spPr>
-        <p:txBody>
-          <a:bodyPr wrap="square" rtlCol="0">
-            <a:spAutoFit/>
-          </a:bodyPr>
-          <a:lstStyle/>
-          <a:p>
-            <a:pPr marL="342900" indent="-342900">
-              <a:buFont typeface="Arial" panose="020B0604020202020204" pitchFamily="34" charset="0"/>
-              <a:buChar char="•"/>
-            </a:pPr>
-            <a:r>
-              <a:rPr lang="tr-TR" dirty="0" smtClean="0"/>
-              <a:t>Until the primary controller action, the frequency falls. </a:t>
-            </a:r>
-          </a:p>
-          <a:p>
-            <a:pPr marL="800100" lvl="1" indent="-342900">
-              <a:buFont typeface="Arial" panose="020B0604020202020204" pitchFamily="34" charset="0"/>
-              <a:buChar char="•"/>
-            </a:pPr>
-            <a:endParaRPr lang="tr-TR" dirty="0"/>
-          </a:p>
-          <a:p>
-            <a:pPr marL="342900" indent="-342900">
-              <a:buFont typeface="Arial" panose="020B0604020202020204" pitchFamily="34" charset="0"/>
-              <a:buChar char="•"/>
-            </a:pPr>
-            <a:r>
-              <a:rPr lang="tr-TR" dirty="0"/>
-              <a:t>Frequency decline is arrested by Inertial Support and Primary Frequency Controllers</a:t>
-            </a:r>
-          </a:p>
-          <a:p>
-            <a:endParaRPr lang="tr-TR" dirty="0"/>
-          </a:p>
-        </p:txBody>
-      </p:sp>
-    </p:spTree>
-    <p:extLst>
-      <p:ext uri="{BB962C8B-B14F-4D97-AF65-F5344CB8AC3E}">
-        <p14:creationId xmlns:p14="http://schemas.microsoft.com/office/powerpoint/2010/main" val="3028529927"/>
       </p:ext>
     </p:extLst>
   </p:cSld>
@@ -15937,7 +16541,7 @@
                 <a:latin typeface="Arial" panose="020B0604020202020204" pitchFamily="34" charset="0"/>
                 <a:cs typeface="Arial" panose="020B0604020202020204" pitchFamily="34" charset="0"/>
               </a:rPr>
-              <a:t>Renewable Energy Problems</a:t>
+              <a:t>Frequeny Disturbance</a:t>
             </a:r>
             <a:endParaRPr lang="en-US" dirty="0" smtClean="0">
               <a:latin typeface="Arial" panose="020B0604020202020204" pitchFamily="34" charset="0"/>
@@ -16025,21 +16629,66 @@
         </p:blipFill>
         <p:spPr>
           <a:xfrm>
-            <a:off x="448509" y="1351087"/>
-            <a:ext cx="3842939" cy="4987925"/>
+            <a:off x="4320336" y="1522369"/>
+            <a:ext cx="4762872" cy="3283681"/>
           </a:xfrm>
         </p:spPr>
       </p:pic>
       <p:sp>
         <p:nvSpPr>
-          <p:cNvPr id="6" name="TextBox 5"/>
+          <p:cNvPr id="9" name="Left Arrow 8"/>
+          <p:cNvSpPr/>
+          <p:nvPr/>
+        </p:nvSpPr>
+        <p:spPr>
+          <a:xfrm rot="8090536">
+            <a:off x="5306102" y="1757171"/>
+            <a:ext cx="1259776" cy="360290"/>
+          </a:xfrm>
+          <a:prstGeom prst="leftArrow">
+            <a:avLst/>
+          </a:prstGeom>
+          <a:noFill/>
+          <a:ln w="19050">
+            <a:solidFill>
+              <a:schemeClr val="tx1"/>
+            </a:solidFill>
+          </a:ln>
+          <a:effectLst/>
+        </p:spPr>
+        <p:style>
+          <a:lnRef idx="1">
+            <a:schemeClr val="accent1"/>
+          </a:lnRef>
+          <a:fillRef idx="3">
+            <a:schemeClr val="accent1"/>
+          </a:fillRef>
+          <a:effectRef idx="2">
+            <a:schemeClr val="accent1"/>
+          </a:effectRef>
+          <a:fontRef idx="minor">
+            <a:schemeClr val="lt1"/>
+          </a:fontRef>
+        </p:style>
+        <p:txBody>
+          <a:bodyPr rtlCol="0" anchor="ctr"/>
+          <a:lstStyle/>
+          <a:p>
+            <a:pPr algn="ctr"/>
+            <a:endParaRPr lang="tr-TR"/>
+          </a:p>
+        </p:txBody>
+      </p:sp>
+      <p:sp>
+        <p:nvSpPr>
+          <p:cNvPr id="10" name="TextBox 9"/>
           <p:cNvSpPr txBox="1"/>
           <p:nvPr/>
         </p:nvSpPr>
         <p:spPr>
           <a:xfrm>
-            <a:off x="4860032" y="1700808"/>
-            <a:ext cx="3960440" cy="3785652"/>
+            <a:off x="6507893" y="975661"/>
+            <a:ext cx="1512168" cy="830997"/>
           </a:xfrm>
           <a:prstGeom prst="rect">
             <a:avLst/>
@@ -16052,48 +16701,99 @@
           </a:bodyPr>
           <a:lstStyle/>
           <a:p>
+            <a:r>
+              <a:rPr lang="tr-TR" dirty="0" smtClean="0"/>
+              <a:t>Inertial Support</a:t>
+            </a:r>
+            <a:endParaRPr lang="tr-TR" dirty="0"/>
+          </a:p>
+        </p:txBody>
+      </p:sp>
+      <p:sp>
+        <p:nvSpPr>
+          <p:cNvPr id="11" name="TextBox 10"/>
+          <p:cNvSpPr txBox="1"/>
+          <p:nvPr/>
+        </p:nvSpPr>
+        <p:spPr>
+          <a:xfrm>
+            <a:off x="1369401" y="5433711"/>
+            <a:ext cx="6405197" cy="461665"/>
+          </a:xfrm>
+          <a:prstGeom prst="rect">
+            <a:avLst/>
+          </a:prstGeom>
+          <a:noFill/>
+        </p:spPr>
+        <p:txBody>
+          <a:bodyPr wrap="square" rtlCol="0">
+            <a:spAutoFit/>
+          </a:bodyPr>
+          <a:lstStyle/>
+          <a:p>
+            <a:r>
+              <a:rPr lang="tr-TR" dirty="0" smtClean="0"/>
+              <a:t>Higher Grid Inertia </a:t>
+            </a:r>
+            <a:r>
+              <a:rPr lang="tr-TR" dirty="0" smtClean="0">
+                <a:sym typeface="Wingdings" panose="05000000000000000000" pitchFamily="2" charset="2"/>
+              </a:rPr>
+              <a:t> Lower RoCoF</a:t>
+            </a:r>
+            <a:endParaRPr lang="tr-TR" dirty="0"/>
+          </a:p>
+        </p:txBody>
+      </p:sp>
+      <p:sp>
+        <p:nvSpPr>
+          <p:cNvPr id="12" name="TextBox 11"/>
+          <p:cNvSpPr txBox="1"/>
+          <p:nvPr/>
+        </p:nvSpPr>
+        <p:spPr>
+          <a:xfrm>
+            <a:off x="748924" y="1660847"/>
+            <a:ext cx="3708776" cy="3416320"/>
+          </a:xfrm>
+          <a:prstGeom prst="rect">
+            <a:avLst/>
+          </a:prstGeom>
+          <a:noFill/>
+        </p:spPr>
+        <p:txBody>
+          <a:bodyPr wrap="square" rtlCol="0">
+            <a:spAutoFit/>
+          </a:bodyPr>
+          <a:lstStyle/>
+          <a:p>
             <a:pPr marL="342900" indent="-342900">
               <a:buFont typeface="Arial" panose="020B0604020202020204" pitchFamily="34" charset="0"/>
               <a:buChar char="•"/>
             </a:pPr>
             <a:r>
               <a:rPr lang="tr-TR" dirty="0" smtClean="0"/>
-              <a:t>The inertia in the wind turbine is not reflected to grid.</a:t>
-            </a:r>
+              <a:t>Until the primary controller action, the frequency falls. </a:t>
+            </a:r>
+          </a:p>
+          <a:p>
+            <a:pPr marL="800100" lvl="1" indent="-342900">
+              <a:buFont typeface="Arial" panose="020B0604020202020204" pitchFamily="34" charset="0"/>
+              <a:buChar char="•"/>
+            </a:pPr>
+            <a:endParaRPr lang="tr-TR" dirty="0"/>
           </a:p>
           <a:p>
             <a:pPr marL="342900" indent="-342900">
               <a:buFont typeface="Arial" panose="020B0604020202020204" pitchFamily="34" charset="0"/>
               <a:buChar char="•"/>
             </a:pPr>
-            <a:endParaRPr lang="tr-TR" dirty="0" smtClean="0"/>
-          </a:p>
-          <a:p>
-            <a:pPr marL="342900" indent="-342900">
-              <a:buFont typeface="Arial" panose="020B0604020202020204" pitchFamily="34" charset="0"/>
-              <a:buChar char="•"/>
-            </a:pPr>
-            <a:r>
-              <a:rPr lang="tr-TR" dirty="0" smtClean="0"/>
-              <a:t>The increase in the share of RE causes the risk of frequency stability.</a:t>
-            </a:r>
-          </a:p>
-          <a:p>
-            <a:pPr marL="342900" indent="-342900">
-              <a:buFont typeface="Arial" panose="020B0604020202020204" pitchFamily="34" charset="0"/>
-              <a:buChar char="•"/>
-            </a:pPr>
-            <a:endParaRPr lang="tr-TR" dirty="0"/>
-          </a:p>
-          <a:p>
-            <a:pPr marL="342900" indent="-342900">
-              <a:buFont typeface="Arial" panose="020B0604020202020204" pitchFamily="34" charset="0"/>
-              <a:buChar char="•"/>
-            </a:pPr>
-            <a:r>
-              <a:rPr lang="tr-TR" dirty="0" smtClean="0"/>
-              <a:t>Existing structure decreases grid inertia!</a:t>
-            </a:r>
+            <a:r>
+              <a:rPr lang="tr-TR" dirty="0"/>
+              <a:t>Frequency decline is arrested by Inertial Support and Primary Frequency Controllers</a:t>
+            </a:r>
+          </a:p>
+          <a:p>
             <a:endParaRPr lang="tr-TR" dirty="0"/>
           </a:p>
         </p:txBody>
@@ -16101,7 +16801,7 @@
     </p:spTree>
     <p:extLst>
       <p:ext uri="{BB962C8B-B14F-4D97-AF65-F5344CB8AC3E}">
-        <p14:creationId xmlns:p14="http://schemas.microsoft.com/office/powerpoint/2010/main" val="3933851754"/>
+        <p14:creationId xmlns:p14="http://schemas.microsoft.com/office/powerpoint/2010/main" val="3028529927"/>
       </p:ext>
     </p:extLst>
   </p:cSld>
@@ -16223,58 +16923,15 @@
           </a:p>
         </p:txBody>
       </p:sp>
-      <p:sp>
-        <p:nvSpPr>
-          <p:cNvPr id="4" name="Content Placeholder 3"/>
-          <p:cNvSpPr>
-            <a:spLocks noGrp="1"/>
-          </p:cNvSpPr>
-          <p:nvPr>
-            <p:ph idx="1"/>
-          </p:nvPr>
-        </p:nvSpPr>
-        <p:spPr>
-          <a:xfrm>
-            <a:off x="457200" y="1430339"/>
-            <a:ext cx="8229600" cy="1782637"/>
-          </a:xfrm>
-        </p:spPr>
-        <p:txBody>
-          <a:bodyPr/>
-          <a:lstStyle/>
-          <a:p>
-            <a:r>
-              <a:rPr lang="tr-TR" dirty="0" smtClean="0">
-                <a:latin typeface="Arial" panose="020B0604020202020204" pitchFamily="34" charset="0"/>
-                <a:cs typeface="Arial" panose="020B0604020202020204" pitchFamily="34" charset="0"/>
-              </a:rPr>
-              <a:t>The synchronous generators contribute grid inertia by injecting more power in the frequency disturbances. </a:t>
-            </a:r>
-          </a:p>
-          <a:p>
-            <a:endParaRPr lang="tr-TR" dirty="0">
-              <a:latin typeface="Arial" panose="020B0604020202020204" pitchFamily="34" charset="0"/>
-              <a:cs typeface="Arial" panose="020B0604020202020204" pitchFamily="34" charset="0"/>
-            </a:endParaRPr>
-          </a:p>
-          <a:p>
-            <a:r>
-              <a:rPr lang="tr-TR" dirty="0" smtClean="0">
-                <a:latin typeface="Arial" panose="020B0604020202020204" pitchFamily="34" charset="0"/>
-                <a:cs typeface="Arial" panose="020B0604020202020204" pitchFamily="34" charset="0"/>
-              </a:rPr>
-              <a:t>The decrease in the grid inertia can be solved by emulating inertia support in the renewable energy systems. </a:t>
-            </a:r>
-          </a:p>
-        </p:txBody>
-      </p:sp>
       <p:pic>
         <p:nvPicPr>
-          <p:cNvPr id="7" name="Picture 6"/>
+          <p:cNvPr id="5" name="Content Placeholder 4"/>
           <p:cNvPicPr>
-            <a:picLocks noChangeAspect="1"/>
+            <a:picLocks noGrp="1" noChangeAspect="1"/>
           </p:cNvPicPr>
-          <p:nvPr/>
+          <p:nvPr>
+            <p:ph idx="1"/>
+          </p:nvPr>
         </p:nvPicPr>
         <p:blipFill>
           <a:blip r:embed="rId3">
@@ -16290,269 +16947,83 @@
         </p:blipFill>
         <p:spPr>
           <a:xfrm>
-            <a:off x="4788024" y="3383052"/>
-            <a:ext cx="4127644" cy="2473743"/>
+            <a:off x="448509" y="1351087"/>
+            <a:ext cx="3842939" cy="4987925"/>
           </a:xfrm>
-          <a:prstGeom prst="rect">
-            <a:avLst/>
-          </a:prstGeom>
         </p:spPr>
       </p:pic>
       <p:sp>
         <p:nvSpPr>
-          <p:cNvPr id="10" name="Content Placeholder 3"/>
-          <p:cNvSpPr txBox="1">
-            <a:spLocks/>
-          </p:cNvSpPr>
+          <p:cNvPr id="6" name="TextBox 5"/>
+          <p:cNvSpPr txBox="1"/>
           <p:nvPr/>
         </p:nvSpPr>
-        <p:spPr bwMode="auto">
+        <p:spPr>
           <a:xfrm>
-            <a:off x="457199" y="3466124"/>
-            <a:ext cx="4000501" cy="1782637"/>
+            <a:off x="4860032" y="1700808"/>
+            <a:ext cx="3960440" cy="3785652"/>
           </a:xfrm>
           <a:prstGeom prst="rect">
             <a:avLst/>
           </a:prstGeom>
           <a:noFill/>
-          <a:ln>
-            <a:noFill/>
-          </a:ln>
-          <a:extLst>
-            <a:ext uri="{909E8E84-426E-40DD-AFC4-6F175D3DCCD1}">
-              <a14:hiddenFill xmlns:a14="http://schemas.microsoft.com/office/drawing/2010/main">
-                <a:solidFill>
-                  <a:srgbClr val="FFFFFF"/>
-                </a:solidFill>
-              </a14:hiddenFill>
-            </a:ext>
-            <a:ext uri="{91240B29-F687-4F45-9708-019B960494DF}">
-              <a14:hiddenLine xmlns:a14="http://schemas.microsoft.com/office/drawing/2010/main" w="9525">
-                <a:solidFill>
-                  <a:srgbClr val="000000"/>
-                </a:solidFill>
-                <a:miter lim="800000"/>
-                <a:headEnd/>
-                <a:tailEnd/>
-              </a14:hiddenLine>
-            </a:ext>
-          </a:extLst>
         </p:spPr>
         <p:txBody>
-          <a:bodyPr vert="horz" wrap="square" lIns="91440" tIns="45720" rIns="91440" bIns="45720" numCol="1" anchor="t" anchorCtr="0" compatLnSpc="1">
-            <a:prstTxWarp prst="textNoShape">
-              <a:avLst/>
-            </a:prstTxWarp>
+          <a:bodyPr wrap="square" rtlCol="0">
+            <a:spAutoFit/>
           </a:bodyPr>
-          <a:lstStyle>
-            <a:lvl1pPr marL="342900" indent="-342900" algn="l" rtl="0" eaLnBrk="1" fontAlgn="base" hangingPunct="1">
-              <a:spcBef>
-                <a:spcPct val="20000"/>
-              </a:spcBef>
-              <a:spcAft>
-                <a:spcPct val="0"/>
-              </a:spcAft>
-              <a:buClr>
-                <a:srgbClr val="C20024"/>
-              </a:buClr>
-              <a:buSzPct val="90000"/>
+          <a:lstStyle/>
+          <a:p>
+            <a:pPr marL="342900" indent="-342900">
               <a:buFont typeface="Arial" panose="020B0604020202020204" pitchFamily="34" charset="0"/>
               <a:buChar char="•"/>
-              <a:defRPr sz="2000" kern="1200" baseline="0">
-                <a:solidFill>
-                  <a:schemeClr val="tx1"/>
-                </a:solidFill>
-                <a:latin typeface="Century Gothic" panose="020B0502020202020204" pitchFamily="34" charset="0"/>
-                <a:ea typeface="+mn-ea"/>
-                <a:cs typeface="Arial"/>
-              </a:defRPr>
-            </a:lvl1pPr>
-            <a:lvl2pPr marL="639763" indent="-457200" algn="l" rtl="0" eaLnBrk="1" fontAlgn="base" hangingPunct="1">
-              <a:spcBef>
-                <a:spcPts val="438"/>
-              </a:spcBef>
-              <a:spcAft>
-                <a:spcPct val="0"/>
-              </a:spcAft>
-              <a:buClr>
-                <a:srgbClr val="C00000"/>
-              </a:buClr>
-              <a:buSzPct val="80000"/>
+            </a:pPr>
+            <a:r>
+              <a:rPr lang="tr-TR" dirty="0" smtClean="0"/>
+              <a:t>The inertia in the wind turbine is not reflected to grid.</a:t>
+            </a:r>
+          </a:p>
+          <a:p>
+            <a:pPr marL="342900" indent="-342900">
               <a:buFont typeface="Arial" panose="020B0604020202020204" pitchFamily="34" charset="0"/>
               <a:buChar char="•"/>
-              <a:defRPr kern="1200">
-                <a:solidFill>
-                  <a:schemeClr val="tx1"/>
-                </a:solidFill>
-                <a:latin typeface="Century Gothic" panose="020B0502020202020204" pitchFamily="34" charset="0"/>
-                <a:ea typeface="+mn-ea"/>
-                <a:cs typeface="Arial"/>
-              </a:defRPr>
-            </a:lvl2pPr>
-            <a:lvl3pPr marL="914400" indent="-457200" algn="l" rtl="0" eaLnBrk="1" fontAlgn="base" hangingPunct="1">
-              <a:spcBef>
-                <a:spcPct val="20000"/>
-              </a:spcBef>
-              <a:spcAft>
-                <a:spcPct val="0"/>
-              </a:spcAft>
-              <a:buClr>
-                <a:schemeClr val="accent2"/>
-              </a:buClr>
-              <a:buSzPct val="70000"/>
+            </a:pPr>
+            <a:endParaRPr lang="tr-TR" dirty="0" smtClean="0"/>
+          </a:p>
+          <a:p>
+            <a:pPr marL="342900" indent="-342900">
               <a:buFont typeface="Arial" panose="020B0604020202020204" pitchFamily="34" charset="0"/>
               <a:buChar char="•"/>
-              <a:defRPr kern="1200">
-                <a:solidFill>
-                  <a:schemeClr val="tx1"/>
-                </a:solidFill>
-                <a:latin typeface="Century Gothic" panose="020B0502020202020204" pitchFamily="34" charset="0"/>
-                <a:ea typeface="+mn-ea"/>
-                <a:cs typeface="Arial"/>
-              </a:defRPr>
-            </a:lvl3pPr>
-            <a:lvl4pPr marL="1187450" indent="-457200" algn="l" rtl="0" eaLnBrk="1" fontAlgn="base" hangingPunct="1">
-              <a:spcBef>
-                <a:spcPct val="20000"/>
-              </a:spcBef>
-              <a:spcAft>
-                <a:spcPct val="0"/>
-              </a:spcAft>
-              <a:buClr>
-                <a:srgbClr val="C20024"/>
-              </a:buClr>
-              <a:buSzPct val="65000"/>
+            </a:pPr>
+            <a:r>
+              <a:rPr lang="tr-TR" dirty="0" smtClean="0"/>
+              <a:t>The increase in the share of RE causes the risk of frequency stability.</a:t>
+            </a:r>
+          </a:p>
+          <a:p>
+            <a:pPr marL="342900" indent="-342900">
               <a:buFont typeface="Arial" panose="020B0604020202020204" pitchFamily="34" charset="0"/>
               <a:buChar char="•"/>
-              <a:defRPr kern="1200">
-                <a:solidFill>
-                  <a:schemeClr val="tx1"/>
-                </a:solidFill>
-                <a:latin typeface="Century Gothic" panose="020B0502020202020204" pitchFamily="34" charset="0"/>
-                <a:ea typeface="+mn-ea"/>
-                <a:cs typeface="Arial"/>
-              </a:defRPr>
-            </a:lvl4pPr>
-            <a:lvl5pPr marL="1004888" indent="0" algn="l" rtl="0" eaLnBrk="1" fontAlgn="base" hangingPunct="1">
-              <a:spcBef>
-                <a:spcPct val="20000"/>
-              </a:spcBef>
-              <a:spcAft>
-                <a:spcPct val="0"/>
-              </a:spcAft>
-              <a:buClr>
-                <a:srgbClr val="10CF9B"/>
-              </a:buClr>
-              <a:buSzPct val="65000"/>
+            </a:pPr>
+            <a:endParaRPr lang="tr-TR" dirty="0"/>
+          </a:p>
+          <a:p>
+            <a:pPr marL="342900" indent="-342900">
               <a:buFont typeface="Arial" panose="020B0604020202020204" pitchFamily="34" charset="0"/>
-              <a:buNone/>
-              <a:defRPr kern="1200">
-                <a:solidFill>
-                  <a:schemeClr val="tx1"/>
-                </a:solidFill>
-                <a:latin typeface="Century Gothic" panose="020B0502020202020204" pitchFamily="34" charset="0"/>
-                <a:ea typeface="+mn-ea"/>
-                <a:cs typeface="Arial"/>
-              </a:defRPr>
-            </a:lvl5pPr>
-            <a:lvl6pPr marL="1737360" indent="-210312" algn="l" rtl="0" eaLnBrk="1" latinLnBrk="0" hangingPunct="1">
-              <a:spcBef>
-                <a:spcPct val="20000"/>
-              </a:spcBef>
-              <a:buClr>
-                <a:schemeClr val="accent5"/>
-              </a:buClr>
-              <a:buSzPct val="80000"/>
-              <a:buFont typeface="Wingdings 2"/>
-              <a:buChar char=""/>
-              <a:defRPr kumimoji="0" sz="1800" kern="1200">
-                <a:solidFill>
-                  <a:schemeClr val="tx1"/>
-                </a:solidFill>
-                <a:latin typeface="+mn-lt"/>
-                <a:ea typeface="+mn-ea"/>
-                <a:cs typeface="+mn-cs"/>
-              </a:defRPr>
-            </a:lvl6pPr>
-            <a:lvl7pPr marL="1920240" indent="-182880" algn="l" rtl="0" eaLnBrk="1" latinLnBrk="0" hangingPunct="1">
-              <a:spcBef>
-                <a:spcPct val="20000"/>
-              </a:spcBef>
-              <a:buClr>
-                <a:schemeClr val="accent6"/>
-              </a:buClr>
-              <a:buSzPct val="80000"/>
-              <a:buFont typeface="Wingdings 2"/>
-              <a:buChar char=""/>
-              <a:defRPr kumimoji="0" sz="1600" kern="1200" baseline="0">
-                <a:solidFill>
-                  <a:schemeClr val="tx1"/>
-                </a:solidFill>
-                <a:latin typeface="+mn-lt"/>
-                <a:ea typeface="+mn-ea"/>
-                <a:cs typeface="+mn-cs"/>
-              </a:defRPr>
-            </a:lvl7pPr>
-            <a:lvl8pPr marL="2194560" indent="-182880" algn="l" rtl="0" eaLnBrk="1" latinLnBrk="0" hangingPunct="1">
-              <a:spcBef>
-                <a:spcPct val="20000"/>
-              </a:spcBef>
-              <a:buClr>
-                <a:schemeClr val="tx2"/>
-              </a:buClr>
               <a:buChar char="•"/>
-              <a:defRPr kumimoji="0" sz="1600" kern="1200">
-                <a:solidFill>
-                  <a:schemeClr val="tx1"/>
-                </a:solidFill>
-                <a:latin typeface="+mn-lt"/>
-                <a:ea typeface="+mn-ea"/>
-                <a:cs typeface="+mn-cs"/>
-              </a:defRPr>
-            </a:lvl8pPr>
-            <a:lvl9pPr marL="2468880" indent="-182880" algn="l" rtl="0" eaLnBrk="1" latinLnBrk="0" hangingPunct="1">
-              <a:spcBef>
-                <a:spcPct val="20000"/>
-              </a:spcBef>
-              <a:buClr>
-                <a:schemeClr val="tx2"/>
-              </a:buClr>
-              <a:buFontTx/>
-              <a:buChar char="•"/>
-              <a:defRPr kumimoji="0" sz="1400" kern="1200" baseline="0">
-                <a:solidFill>
-                  <a:schemeClr val="tx1"/>
-                </a:solidFill>
-                <a:latin typeface="+mn-lt"/>
-                <a:ea typeface="+mn-ea"/>
-                <a:cs typeface="+mn-cs"/>
-              </a:defRPr>
-            </a:lvl9pPr>
-          </a:lstStyle>
-          <a:p>
-            <a:pPr algn="just"/>
-            <a:r>
-              <a:rPr lang="tr-TR" dirty="0" smtClean="0">
-                <a:cs typeface="Arial" panose="020B0604020202020204" pitchFamily="34" charset="0"/>
-              </a:rPr>
-              <a:t>Wind </a:t>
-            </a:r>
-            <a:r>
-              <a:rPr lang="tr-TR" dirty="0">
-                <a:cs typeface="Arial" panose="020B0604020202020204" pitchFamily="34" charset="0"/>
-              </a:rPr>
-              <a:t>turbines with FSPC are the most promising type of renewable due to its kinetic energy in the turbine inertia and the ability to control active/reactive power. </a:t>
-            </a:r>
-            <a:endParaRPr lang="tr-TR" dirty="0">
-              <a:cs typeface="Arial" panose="020B0604020202020204" pitchFamily="34" charset="0"/>
-            </a:endParaRPr>
+            </a:pPr>
+            <a:r>
+              <a:rPr lang="tr-TR" dirty="0" smtClean="0"/>
+              <a:t>Existing structure decreases grid inertia!</a:t>
+            </a:r>
+            <a:endParaRPr lang="tr-TR" dirty="0"/>
           </a:p>
         </p:txBody>
       </p:sp>
     </p:spTree>
     <p:extLst>
       <p:ext uri="{BB962C8B-B14F-4D97-AF65-F5344CB8AC3E}">
-        <p14:creationId xmlns:p14="http://schemas.microsoft.com/office/powerpoint/2010/main" val="3313184192"/>
+        <p14:creationId xmlns:p14="http://schemas.microsoft.com/office/powerpoint/2010/main" val="3933851754"/>
       </p:ext>
     </p:extLst>
   </p:cSld>

--- a/Thesis/Thesis Defence/Erencan_Duymaz_thesis_defence.pptx
+++ b/Thesis/Thesis Defence/Erencan_Duymaz_thesis_defence.pptx
@@ -5,10 +5,10 @@
     <p:sldMasterId id="2147483662" r:id="rId1"/>
   </p:sldMasterIdLst>
   <p:notesMasterIdLst>
-    <p:notesMasterId r:id="rId34"/>
+    <p:notesMasterId r:id="rId36"/>
   </p:notesMasterIdLst>
   <p:handoutMasterIdLst>
-    <p:handoutMasterId r:id="rId35"/>
+    <p:handoutMasterId r:id="rId37"/>
   </p:handoutMasterIdLst>
   <p:sldIdLst>
     <p:sldId id="256" r:id="rId2"/>
@@ -29,20 +29,22 @@
     <p:sldId id="285" r:id="rId17"/>
     <p:sldId id="289" r:id="rId18"/>
     <p:sldId id="293" r:id="rId19"/>
-    <p:sldId id="288" r:id="rId20"/>
+    <p:sldId id="294" r:id="rId20"/>
     <p:sldId id="292" r:id="rId21"/>
-    <p:sldId id="287" r:id="rId22"/>
+    <p:sldId id="288" r:id="rId22"/>
     <p:sldId id="279" r:id="rId23"/>
     <p:sldId id="280" r:id="rId24"/>
-    <p:sldId id="282" r:id="rId25"/>
-    <p:sldId id="281" r:id="rId26"/>
-    <p:sldId id="264" r:id="rId27"/>
-    <p:sldId id="278" r:id="rId28"/>
-    <p:sldId id="268" r:id="rId29"/>
-    <p:sldId id="261" r:id="rId30"/>
-    <p:sldId id="262" r:id="rId31"/>
-    <p:sldId id="286" r:id="rId32"/>
-    <p:sldId id="263" r:id="rId33"/>
+    <p:sldId id="295" r:id="rId25"/>
+    <p:sldId id="282" r:id="rId26"/>
+    <p:sldId id="281" r:id="rId27"/>
+    <p:sldId id="264" r:id="rId28"/>
+    <p:sldId id="278" r:id="rId29"/>
+    <p:sldId id="268" r:id="rId30"/>
+    <p:sldId id="261" r:id="rId31"/>
+    <p:sldId id="262" r:id="rId32"/>
+    <p:sldId id="286" r:id="rId33"/>
+    <p:sldId id="263" r:id="rId34"/>
+    <p:sldId id="296" r:id="rId35"/>
   </p:sldIdLst>
   <p:sldSz cx="9144000" cy="6858000" type="screen4x3"/>
   <p:notesSz cx="6746875" cy="9913938"/>
@@ -1377,7 +1379,21 @@
           <a:p>
             <a:r>
               <a:rPr lang="tr-TR" altLang="en-US" dirty="0" smtClean="0"/>
-              <a:t>High Wind Scenario.</a:t>
+              <a:t>High Wind Scenario</a:t>
+            </a:r>
+            <a:r>
+              <a:rPr lang="tr-TR" altLang="en-US" dirty="0" smtClean="0"/>
+              <a:t>. </a:t>
+            </a:r>
+          </a:p>
+          <a:p>
+            <a:r>
+              <a:rPr lang="tr-TR" altLang="en-US" dirty="0" smtClean="0"/>
+              <a:t>Gen speed does</a:t>
+            </a:r>
+            <a:r>
+              <a:rPr lang="tr-TR" altLang="en-US" baseline="0" dirty="0" smtClean="0"/>
+              <a:t> not decreases thanks to pitch angle.</a:t>
             </a:r>
             <a:endParaRPr lang="en-US" altLang="en-US" dirty="0" smtClean="0"/>
           </a:p>
@@ -1470,7 +1486,7 @@
           <a:p>
             <a:r>
               <a:rPr lang="tr-TR" altLang="en-US" dirty="0" smtClean="0"/>
-              <a:t>Low wind scenario.</a:t>
+              <a:t>High Wind Scenario.</a:t>
             </a:r>
             <a:endParaRPr lang="en-US" altLang="en-US" dirty="0" smtClean="0"/>
           </a:p>
@@ -1497,7 +1513,7 @@
     </p:spTree>
     <p:extLst>
       <p:ext uri="{BB962C8B-B14F-4D97-AF65-F5344CB8AC3E}">
-        <p14:creationId xmlns:p14="http://schemas.microsoft.com/office/powerpoint/2010/main" val="2507398154"/>
+        <p14:creationId xmlns:p14="http://schemas.microsoft.com/office/powerpoint/2010/main" val="135247283"/>
       </p:ext>
     </p:extLst>
   </p:cSld>
@@ -1745,7 +1761,7 @@
           <a:p>
             <a:r>
               <a:rPr lang="tr-TR" altLang="en-US" dirty="0" smtClean="0"/>
-              <a:t>High Wind Scenario.</a:t>
+              <a:t>Low wind scenario.</a:t>
             </a:r>
             <a:endParaRPr lang="en-US" altLang="en-US" dirty="0" smtClean="0"/>
           </a:p>
@@ -1772,7 +1788,7 @@
     </p:spTree>
     <p:extLst>
       <p:ext uri="{BB962C8B-B14F-4D97-AF65-F5344CB8AC3E}">
-        <p14:creationId xmlns:p14="http://schemas.microsoft.com/office/powerpoint/2010/main" val="882592538"/>
+        <p14:creationId xmlns:p14="http://schemas.microsoft.com/office/powerpoint/2010/main" val="2507398154"/>
       </p:ext>
     </p:extLst>
   </p:cSld>
@@ -1836,7 +1852,7 @@
           <a:bodyPr/>
           <a:lstStyle/>
           <a:p>
-            <a:endParaRPr lang="en-US" altLang="en-US" smtClean="0"/>
+            <a:endParaRPr lang="en-US" altLang="en-US" dirty="0" smtClean="0"/>
           </a:p>
         </p:txBody>
       </p:sp>
@@ -2039,7 +2055,7 @@
     </p:spTree>
     <p:extLst>
       <p:ext uri="{BB962C8B-B14F-4D97-AF65-F5344CB8AC3E}">
-        <p14:creationId xmlns:p14="http://schemas.microsoft.com/office/powerpoint/2010/main" val="1405241526"/>
+        <p14:creationId xmlns:p14="http://schemas.microsoft.com/office/powerpoint/2010/main" val="705261938"/>
       </p:ext>
     </p:extLst>
   </p:cSld>
@@ -2128,7 +2144,7 @@
     </p:spTree>
     <p:extLst>
       <p:ext uri="{BB962C8B-B14F-4D97-AF65-F5344CB8AC3E}">
-        <p14:creationId xmlns:p14="http://schemas.microsoft.com/office/powerpoint/2010/main" val="3768665643"/>
+        <p14:creationId xmlns:p14="http://schemas.microsoft.com/office/powerpoint/2010/main" val="1405241526"/>
       </p:ext>
     </p:extLst>
   </p:cSld>
@@ -2192,30 +2208,7 @@
           <a:bodyPr/>
           <a:lstStyle/>
           <a:p>
-            <a:r>
-              <a:rPr lang="tr-TR" altLang="en-US" dirty="0" smtClean="0"/>
-              <a:t>In order to investigate the effect of the synthetic</a:t>
-            </a:r>
-            <a:r>
-              <a:rPr lang="tr-TR" altLang="en-US" baseline="0" dirty="0" smtClean="0"/>
-              <a:t> inertia implementation, the 2018 generation data has been used. In the figure, black line shows the variation of the generation meanwhile the red line shows the generation of wind + solar energy. The maximum generation occured in the 3th of August with a generation of 46GW. The minimum of the load has occured in  a religious holiday on the 16th of July with a generation of 18GW. </a:t>
-            </a:r>
-          </a:p>
-          <a:p>
-            <a:r>
-              <a:rPr lang="tr-TR" altLang="en-US" baseline="0" dirty="0" smtClean="0"/>
-              <a:t>The generation data can be used to roughly estimate the aggregated inertia constant in the grid.</a:t>
-            </a:r>
-          </a:p>
-          <a:p>
-            <a:endParaRPr lang="tr-TR" altLang="en-US" baseline="0" dirty="0" smtClean="0"/>
-          </a:p>
-          <a:p>
-            <a:r>
-              <a:rPr lang="tr-TR" altLang="en-US" baseline="0" dirty="0" smtClean="0"/>
-              <a:t>As stated before, the effective inertia contribution from wind and solar systems are zero. Moreover, the inertia constants of the synchronous generators vary between 2-9. By using zero inertia constant for wind and solar, H=5s for others, the effective inertia constant can be calculated.s</a:t>
-            </a:r>
-            <a:endParaRPr lang="en-US" altLang="en-US" dirty="0" smtClean="0"/>
+            <a:endParaRPr lang="en-US" altLang="en-US" smtClean="0"/>
           </a:p>
         </p:txBody>
       </p:sp>
@@ -2240,7 +2233,7 @@
     </p:spTree>
     <p:extLst>
       <p:ext uri="{BB962C8B-B14F-4D97-AF65-F5344CB8AC3E}">
-        <p14:creationId xmlns:p14="http://schemas.microsoft.com/office/powerpoint/2010/main" val="1200317172"/>
+        <p14:creationId xmlns:p14="http://schemas.microsoft.com/office/powerpoint/2010/main" val="3768665643"/>
       </p:ext>
     </p:extLst>
   </p:cSld>
@@ -2306,11 +2299,17 @@
           <a:p>
             <a:r>
               <a:rPr lang="tr-TR" altLang="en-US" dirty="0" smtClean="0"/>
-              <a:t>The effective</a:t>
+              <a:t>In order to investigate the effect of the synthetic</a:t>
             </a:r>
             <a:r>
               <a:rPr lang="tr-TR" altLang="en-US" baseline="0" dirty="0" smtClean="0"/>
-              <a:t> aggregated inertia in the system is shown in the graph. Notice that the inertia constant decreases down to 3.97s when the 20% of the generation is supplied from wind and solar in 26/09/2019 on 3 pm. </a:t>
+              <a:t> inertia implementation, the 2018 generation data has been used. In the figure, black line shows the variation of the generation meanwhile the red line shows the generation of wind + solar energy. The maximum generation occured in the 3th of August with a generation of 46GW. The minimum of the load has occured in  a religious holiday on the 16th of July with a generation of 18GW. </a:t>
+            </a:r>
+          </a:p>
+          <a:p>
+            <a:r>
+              <a:rPr lang="tr-TR" altLang="en-US" baseline="0" dirty="0" smtClean="0"/>
+              <a:t>The generation data can be used to roughly estimate the aggregated inertia constant in the grid.</a:t>
             </a:r>
           </a:p>
           <a:p>
@@ -2319,13 +2318,7 @@
           <a:p>
             <a:r>
               <a:rPr lang="tr-TR" altLang="en-US" baseline="0" dirty="0" smtClean="0"/>
-              <a:t>It is possible to improve the effective inertia constant of the grid with synthetic inertia implementation. Note that the 54% of the installed wind energy systems in Turkey has FSPC. By assuming that 54% of wind energy production is obtained from these wind turbines and implementin inertia constant of h=10s, the improvement can be calculated. </a:t>
-            </a:r>
-          </a:p>
-          <a:p>
-            <a:r>
-              <a:rPr lang="tr-TR" altLang="en-US" baseline="0" dirty="0" smtClean="0"/>
-              <a:t>When the method is implemented on the wind turbines with FSPCs, </a:t>
+              <a:t>As stated before, the effective inertia contribution from wind and solar systems are zero. Moreover, the inertia constants of the synchronous generators vary between 2-9. By using zero inertia constant for wind and solar, H=5s for others, the effective inertia constant can be calculated.s</a:t>
             </a:r>
             <a:endParaRPr lang="en-US" altLang="en-US" dirty="0" smtClean="0"/>
           </a:p>
@@ -2352,7 +2345,7 @@
     </p:spTree>
     <p:extLst>
       <p:ext uri="{BB962C8B-B14F-4D97-AF65-F5344CB8AC3E}">
-        <p14:creationId xmlns:p14="http://schemas.microsoft.com/office/powerpoint/2010/main" val="2155285927"/>
+        <p14:creationId xmlns:p14="http://schemas.microsoft.com/office/powerpoint/2010/main" val="1200317172"/>
       </p:ext>
     </p:extLst>
   </p:cSld>
@@ -2418,11 +2411,26 @@
           <a:p>
             <a:r>
               <a:rPr lang="tr-TR" altLang="en-US" dirty="0" smtClean="0"/>
-              <a:t>The existing</a:t>
+              <a:t>The effective</a:t>
             </a:r>
             <a:r>
               <a:rPr lang="tr-TR" altLang="en-US" baseline="0" dirty="0" smtClean="0"/>
-              <a:t> inertia constant and inertia constant with synthetic inertia is shown in the figure. Notice that the inertia constant is above the H=5s. That means the wind turbines can compensate the decrease in the inertia constant caused by them and also caused by solar energy. Note that the inertia constant is maximum where the existings case inertia constant is minimum. </a:t>
+              <a:t> aggregated inertia in the system is shown in the graph. Notice that the inertia constant decreases down to 3.97s when the 20% of the generation is supplied from wind and solar in 26/09/2019 on 3 pm. </a:t>
+            </a:r>
+          </a:p>
+          <a:p>
+            <a:endParaRPr lang="tr-TR" altLang="en-US" baseline="0" dirty="0" smtClean="0"/>
+          </a:p>
+          <a:p>
+            <a:r>
+              <a:rPr lang="tr-TR" altLang="en-US" baseline="0" dirty="0" smtClean="0"/>
+              <a:t>It is possible to improve the effective inertia constant of the grid with synthetic inertia implementation. Note that the 54% of the installed wind energy systems in Turkey has FSPC. By assuming that 54% of wind energy production is obtained from these wind turbines and implementin inertia constant of h=10s, the improvement can be calculated. </a:t>
+            </a:r>
+          </a:p>
+          <a:p>
+            <a:r>
+              <a:rPr lang="tr-TR" altLang="en-US" baseline="0" dirty="0" smtClean="0"/>
+              <a:t>When the method is implemented on the wind turbines with FSPCs, </a:t>
             </a:r>
             <a:endParaRPr lang="en-US" altLang="en-US" dirty="0" smtClean="0"/>
           </a:p>
@@ -2449,7 +2457,7 @@
     </p:spTree>
     <p:extLst>
       <p:ext uri="{BB962C8B-B14F-4D97-AF65-F5344CB8AC3E}">
-        <p14:creationId xmlns:p14="http://schemas.microsoft.com/office/powerpoint/2010/main" val="1334382131"/>
+        <p14:creationId xmlns:p14="http://schemas.microsoft.com/office/powerpoint/2010/main" val="2155285927"/>
       </p:ext>
     </p:extLst>
   </p:cSld>
@@ -2513,7 +2521,15 @@
           <a:bodyPr/>
           <a:lstStyle/>
           <a:p>
-            <a:endParaRPr lang="en-US" altLang="en-US" smtClean="0"/>
+            <a:r>
+              <a:rPr lang="tr-TR" altLang="en-US" dirty="0" smtClean="0"/>
+              <a:t>The existing</a:t>
+            </a:r>
+            <a:r>
+              <a:rPr lang="tr-TR" altLang="en-US" baseline="0" dirty="0" smtClean="0"/>
+              <a:t> inertia constant and inertia constant with synthetic inertia is shown in the figure. Notice that the inertia constant is above the H=5s. That means the wind turbines can compensate the decrease in the inertia constant caused by them and also caused by solar energy. Note that the inertia constant is maximum where the existings case inertia constant is minimum. </a:t>
+            </a:r>
+            <a:endParaRPr lang="en-US" altLang="en-US" dirty="0" smtClean="0"/>
           </a:p>
         </p:txBody>
       </p:sp>
@@ -2538,7 +2554,7 @@
     </p:spTree>
     <p:extLst>
       <p:ext uri="{BB962C8B-B14F-4D97-AF65-F5344CB8AC3E}">
-        <p14:creationId xmlns:p14="http://schemas.microsoft.com/office/powerpoint/2010/main" val="3797404516"/>
+        <p14:creationId xmlns:p14="http://schemas.microsoft.com/office/powerpoint/2010/main" val="1334382131"/>
       </p:ext>
     </p:extLst>
   </p:cSld>
@@ -2627,7 +2643,7 @@
     </p:spTree>
     <p:extLst>
       <p:ext uri="{BB962C8B-B14F-4D97-AF65-F5344CB8AC3E}">
-        <p14:creationId xmlns:p14="http://schemas.microsoft.com/office/powerpoint/2010/main" val="1157825987"/>
+        <p14:creationId xmlns:p14="http://schemas.microsoft.com/office/powerpoint/2010/main" val="3797404516"/>
       </p:ext>
     </p:extLst>
   </p:cSld>
@@ -2805,7 +2821,7 @@
     </p:spTree>
     <p:extLst>
       <p:ext uri="{BB962C8B-B14F-4D97-AF65-F5344CB8AC3E}">
-        <p14:creationId xmlns:p14="http://schemas.microsoft.com/office/powerpoint/2010/main" val="3043029249"/>
+        <p14:creationId xmlns:p14="http://schemas.microsoft.com/office/powerpoint/2010/main" val="1157825987"/>
       </p:ext>
     </p:extLst>
   </p:cSld>
@@ -2894,7 +2910,185 @@
     </p:spTree>
     <p:extLst>
       <p:ext uri="{BB962C8B-B14F-4D97-AF65-F5344CB8AC3E}">
+        <p14:creationId xmlns:p14="http://schemas.microsoft.com/office/powerpoint/2010/main" val="3043029249"/>
+      </p:ext>
+    </p:extLst>
+  </p:cSld>
+  <p:clrMapOvr>
+    <a:masterClrMapping/>
+  </p:clrMapOvr>
+</p:notes>
+</file>
+
+<file path=ppt/notesSlides/notesSlide32.xml><?xml version="1.0" encoding="utf-8"?>
+<p:notes xmlns:a="http://schemas.openxmlformats.org/drawingml/2006/main" xmlns:r="http://schemas.openxmlformats.org/officeDocument/2006/relationships" xmlns:p="http://schemas.openxmlformats.org/presentationml/2006/main">
+  <p:cSld>
+    <p:spTree>
+      <p:nvGrpSpPr>
+        <p:cNvPr id="1" name=""/>
+        <p:cNvGrpSpPr/>
+        <p:nvPr/>
+      </p:nvGrpSpPr>
+      <p:grpSpPr>
+        <a:xfrm>
+          <a:off x="0" y="0"/>
+          <a:ext cx="0" cy="0"/>
+          <a:chOff x="0" y="0"/>
+          <a:chExt cx="0" cy="0"/>
+        </a:xfrm>
+      </p:grpSpPr>
+      <p:sp>
+        <p:nvSpPr>
+          <p:cNvPr id="35842" name="Rectangle 2"/>
+          <p:cNvSpPr>
+            <a:spLocks noGrp="1" noChangeArrowheads="1"/>
+          </p:cNvSpPr>
+          <p:nvPr>
+            <p:ph type="body" idx="1"/>
+          </p:nvPr>
+        </p:nvSpPr>
+        <p:spPr>
+          <a:noFill/>
+          <a:ln w="9525"/>
+          <a:extLst>
+            <a:ext uri="{909E8E84-426E-40DD-AFC4-6F175D3DCCD1}">
+              <a14:hiddenFill xmlns:a14="http://schemas.microsoft.com/office/drawing/2010/main">
+                <a:solidFill>
+                  <a:srgbClr val="FFFFFF"/>
+                </a:solidFill>
+              </a14:hiddenFill>
+            </a:ext>
+            <a:ext uri="{91240B29-F687-4F45-9708-019B960494DF}">
+              <a14:hiddenLine xmlns:a14="http://schemas.microsoft.com/office/drawing/2010/main" w="9525">
+                <a:solidFill>
+                  <a:srgbClr val="000000"/>
+                </a:solidFill>
+                <a:miter lim="800000"/>
+                <a:headEnd/>
+                <a:tailEnd/>
+              </a14:hiddenLine>
+            </a:ext>
+          </a:extLst>
+        </p:spPr>
+        <p:txBody>
+          <a:bodyPr/>
+          <a:lstStyle/>
+          <a:p>
+            <a:endParaRPr lang="en-US" altLang="en-US" smtClean="0"/>
+          </a:p>
+        </p:txBody>
+      </p:sp>
+      <p:sp>
+        <p:nvSpPr>
+          <p:cNvPr id="35843" name="Rectangle 3"/>
+          <p:cNvSpPr>
+            <a:spLocks noGrp="1" noRot="1" noChangeAspect="1" noChangeArrowheads="1" noTextEdit="1"/>
+          </p:cNvSpPr>
+          <p:nvPr>
+            <p:ph type="sldImg"/>
+          </p:nvPr>
+        </p:nvSpPr>
+        <p:spPr>
+          <a:xfrm>
+            <a:off x="1057275" y="865188"/>
+            <a:ext cx="4632325" cy="3475037"/>
+          </a:xfrm>
+          <a:ln cap="flat"/>
+        </p:spPr>
+      </p:sp>
+    </p:spTree>
+    <p:extLst>
+      <p:ext uri="{BB962C8B-B14F-4D97-AF65-F5344CB8AC3E}">
         <p14:creationId xmlns:p14="http://schemas.microsoft.com/office/powerpoint/2010/main" val="2888767487"/>
+      </p:ext>
+    </p:extLst>
+  </p:cSld>
+  <p:clrMapOvr>
+    <a:masterClrMapping/>
+  </p:clrMapOvr>
+</p:notes>
+</file>
+
+<file path=ppt/notesSlides/notesSlide33.xml><?xml version="1.0" encoding="utf-8"?>
+<p:notes xmlns:a="http://schemas.openxmlformats.org/drawingml/2006/main" xmlns:r="http://schemas.openxmlformats.org/officeDocument/2006/relationships" xmlns:p="http://schemas.openxmlformats.org/presentationml/2006/main">
+  <p:cSld>
+    <p:spTree>
+      <p:nvGrpSpPr>
+        <p:cNvPr id="1" name=""/>
+        <p:cNvGrpSpPr/>
+        <p:nvPr/>
+      </p:nvGrpSpPr>
+      <p:grpSpPr>
+        <a:xfrm>
+          <a:off x="0" y="0"/>
+          <a:ext cx="0" cy="0"/>
+          <a:chOff x="0" y="0"/>
+          <a:chExt cx="0" cy="0"/>
+        </a:xfrm>
+      </p:grpSpPr>
+      <p:sp>
+        <p:nvSpPr>
+          <p:cNvPr id="35842" name="Rectangle 2"/>
+          <p:cNvSpPr>
+            <a:spLocks noGrp="1" noChangeArrowheads="1"/>
+          </p:cNvSpPr>
+          <p:nvPr>
+            <p:ph type="body" idx="1"/>
+          </p:nvPr>
+        </p:nvSpPr>
+        <p:spPr>
+          <a:noFill/>
+          <a:ln w="9525"/>
+          <a:extLst>
+            <a:ext uri="{909E8E84-426E-40DD-AFC4-6F175D3DCCD1}">
+              <a14:hiddenFill xmlns:a14="http://schemas.microsoft.com/office/drawing/2010/main">
+                <a:solidFill>
+                  <a:srgbClr val="FFFFFF"/>
+                </a:solidFill>
+              </a14:hiddenFill>
+            </a:ext>
+            <a:ext uri="{91240B29-F687-4F45-9708-019B960494DF}">
+              <a14:hiddenLine xmlns:a14="http://schemas.microsoft.com/office/drawing/2010/main" w="9525">
+                <a:solidFill>
+                  <a:srgbClr val="000000"/>
+                </a:solidFill>
+                <a:miter lim="800000"/>
+                <a:headEnd/>
+                <a:tailEnd/>
+              </a14:hiddenLine>
+            </a:ext>
+          </a:extLst>
+        </p:spPr>
+        <p:txBody>
+          <a:bodyPr/>
+          <a:lstStyle/>
+          <a:p>
+            <a:endParaRPr lang="en-US" altLang="en-US" smtClean="0"/>
+          </a:p>
+        </p:txBody>
+      </p:sp>
+      <p:sp>
+        <p:nvSpPr>
+          <p:cNvPr id="35843" name="Rectangle 3"/>
+          <p:cNvSpPr>
+            <a:spLocks noGrp="1" noRot="1" noChangeAspect="1" noChangeArrowheads="1" noTextEdit="1"/>
+          </p:cNvSpPr>
+          <p:nvPr>
+            <p:ph type="sldImg"/>
+          </p:nvPr>
+        </p:nvSpPr>
+        <p:spPr>
+          <a:xfrm>
+            <a:off x="1057275" y="865188"/>
+            <a:ext cx="4632325" cy="3475037"/>
+          </a:xfrm>
+          <a:ln cap="flat"/>
+        </p:spPr>
+      </p:sp>
+    </p:spTree>
+    <p:extLst>
+      <p:ext uri="{BB962C8B-B14F-4D97-AF65-F5344CB8AC3E}">
+        <p14:creationId xmlns:p14="http://schemas.microsoft.com/office/powerpoint/2010/main" val="3997243762"/>
       </p:ext>
     </p:extLst>
   </p:cSld>
@@ -6643,7 +6837,7 @@
           <a:lstStyle/>
           <a:p>
             <a:r>
-              <a:rPr lang="tr-TR" dirty="0" smtClean="0">
+              <a:rPr lang="en-GB" dirty="0" smtClean="0">
                 <a:latin typeface="Arial" panose="020B0604020202020204" pitchFamily="34" charset="0"/>
                 <a:cs typeface="Arial" panose="020B0604020202020204" pitchFamily="34" charset="0"/>
               </a:rPr>
@@ -6651,14 +6845,14 @@
             </a:r>
           </a:p>
           <a:p>
-            <a:endParaRPr lang="tr-TR" dirty="0">
+            <a:endParaRPr lang="en-GB" dirty="0" smtClean="0">
               <a:latin typeface="Arial" panose="020B0604020202020204" pitchFamily="34" charset="0"/>
               <a:cs typeface="Arial" panose="020B0604020202020204" pitchFamily="34" charset="0"/>
             </a:endParaRPr>
           </a:p>
           <a:p>
             <a:r>
-              <a:rPr lang="tr-TR" dirty="0" smtClean="0">
+              <a:rPr lang="en-GB" dirty="0" smtClean="0">
                 <a:latin typeface="Arial" panose="020B0604020202020204" pitchFamily="34" charset="0"/>
                 <a:cs typeface="Arial" panose="020B0604020202020204" pitchFamily="34" charset="0"/>
               </a:rPr>
@@ -6931,33 +7125,46 @@
           <a:p>
             <a:pPr algn="just"/>
             <a:r>
-              <a:rPr lang="tr-TR" dirty="0" smtClean="0">
+              <a:rPr lang="en-GB" dirty="0" smtClean="0">
                 <a:latin typeface="Arial" panose="020B0604020202020204" pitchFamily="34" charset="0"/>
                 <a:cs typeface="Arial" panose="020B0604020202020204" pitchFamily="34" charset="0"/>
               </a:rPr>
-              <a:t>Wind </a:t>
-            </a:r>
-            <a:r>
-              <a:rPr lang="tr-TR" dirty="0">
-                <a:latin typeface="Arial" panose="020B0604020202020204" pitchFamily="34" charset="0"/>
-                <a:cs typeface="Arial" panose="020B0604020202020204" pitchFamily="34" charset="0"/>
-              </a:rPr>
-              <a:t>turbines with FSPC are the most promising type of renewable </a:t>
-            </a:r>
-            <a:r>
-              <a:rPr lang="tr-TR" dirty="0" smtClean="0">
-                <a:latin typeface="Arial" panose="020B0604020202020204" pitchFamily="34" charset="0"/>
-                <a:cs typeface="Arial" panose="020B0604020202020204" pitchFamily="34" charset="0"/>
-              </a:rPr>
-              <a:t>energy system due </a:t>
-            </a:r>
-            <a:r>
-              <a:rPr lang="tr-TR" dirty="0">
-                <a:latin typeface="Arial" panose="020B0604020202020204" pitchFamily="34" charset="0"/>
-                <a:cs typeface="Arial" panose="020B0604020202020204" pitchFamily="34" charset="0"/>
-              </a:rPr>
-              <a:t>to its kinetic energy in the turbine inertia and the ability to control active/reactive power. </a:t>
-            </a:r>
+              <a:t>Wind turbines with FSPC are the most promising type of renewable energy system due to its kinetic energy in the turbine inertia and the ability to control active/reactive power. </a:t>
+            </a:r>
+            <a:endParaRPr lang="en-GB" dirty="0">
+              <a:latin typeface="Arial" panose="020B0604020202020204" pitchFamily="34" charset="0"/>
+              <a:cs typeface="Arial" panose="020B0604020202020204" pitchFamily="34" charset="0"/>
+            </a:endParaRPr>
+          </a:p>
+        </p:txBody>
+      </p:sp>
+      <p:sp>
+        <p:nvSpPr>
+          <p:cNvPr id="8" name="TextBox 7"/>
+          <p:cNvSpPr txBox="1"/>
+          <p:nvPr/>
+        </p:nvSpPr>
+        <p:spPr>
+          <a:xfrm>
+            <a:off x="4673858" y="5856795"/>
+            <a:ext cx="4355976" cy="369332"/>
+          </a:xfrm>
+          <a:prstGeom prst="rect">
+            <a:avLst/>
+          </a:prstGeom>
+          <a:noFill/>
+        </p:spPr>
+        <p:txBody>
+          <a:bodyPr wrap="square" rtlCol="0">
+            <a:spAutoFit/>
+          </a:bodyPr>
+          <a:lstStyle/>
+          <a:p>
+            <a:r>
+              <a:rPr lang="tr-TR" sz="1800" dirty="0" smtClean="0"/>
+              <a:t>Figure 7: Typical Fast Inertial Support [4]</a:t>
+            </a:r>
+            <a:endParaRPr lang="tr-TR" sz="1800" dirty="0"/>
           </a:p>
         </p:txBody>
       </p:sp>
@@ -7110,11 +7317,42 @@
         </p:blipFill>
         <p:spPr>
           <a:xfrm>
-            <a:off x="337729" y="1700808"/>
+            <a:off x="337729" y="2038794"/>
             <a:ext cx="8468542" cy="2592288"/>
           </a:xfrm>
         </p:spPr>
       </p:pic>
+      <p:sp>
+        <p:nvSpPr>
+          <p:cNvPr id="6" name="TextBox 5"/>
+          <p:cNvSpPr txBox="1"/>
+          <p:nvPr/>
+        </p:nvSpPr>
+        <p:spPr>
+          <a:xfrm>
+            <a:off x="822412" y="4962081"/>
+            <a:ext cx="7499176" cy="369332"/>
+          </a:xfrm>
+          <a:prstGeom prst="rect">
+            <a:avLst/>
+          </a:prstGeom>
+          <a:noFill/>
+        </p:spPr>
+        <p:txBody>
+          <a:bodyPr wrap="square" rtlCol="0">
+            <a:spAutoFit/>
+          </a:bodyPr>
+          <a:lstStyle/>
+          <a:p>
+            <a:pPr algn="ctr"/>
+            <a:r>
+              <a:rPr lang="tr-TR" sz="1800" dirty="0" smtClean="0"/>
+              <a:t>Figure 8: Geared PMSG Wind Turbine Modelling</a:t>
+            </a:r>
+            <a:endParaRPr lang="tr-TR" sz="1800" dirty="0"/>
+          </a:p>
+        </p:txBody>
+      </p:sp>
     </p:spTree>
     <p:extLst>
       <p:ext uri="{BB962C8B-B14F-4D97-AF65-F5344CB8AC3E}">
@@ -7269,6 +7507,37 @@
           </a:xfrm>
         </p:spPr>
       </p:pic>
+      <p:sp>
+        <p:nvSpPr>
+          <p:cNvPr id="7" name="TextBox 6"/>
+          <p:cNvSpPr txBox="1"/>
+          <p:nvPr/>
+        </p:nvSpPr>
+        <p:spPr>
+          <a:xfrm>
+            <a:off x="799531" y="5003313"/>
+            <a:ext cx="7499176" cy="369332"/>
+          </a:xfrm>
+          <a:prstGeom prst="rect">
+            <a:avLst/>
+          </a:prstGeom>
+          <a:noFill/>
+        </p:spPr>
+        <p:txBody>
+          <a:bodyPr wrap="square" rtlCol="0">
+            <a:spAutoFit/>
+          </a:bodyPr>
+          <a:lstStyle/>
+          <a:p>
+            <a:pPr algn="ctr"/>
+            <a:r>
+              <a:rPr lang="tr-TR" sz="1800" dirty="0" smtClean="0"/>
+              <a:t>Figure 9: Existing Machine Side Controller Diagram</a:t>
+            </a:r>
+            <a:endParaRPr lang="tr-TR" sz="1800" dirty="0"/>
+          </a:p>
+        </p:txBody>
+      </p:sp>
     </p:spTree>
     <p:extLst>
       <p:ext uri="{BB962C8B-B14F-4D97-AF65-F5344CB8AC3E}">
@@ -7358,7 +7627,7 @@
               <a:defRPr/>
             </a:pPr>
             <a:r>
-              <a:rPr lang="tr-TR" smtClean="0"/>
+              <a:rPr lang="tr-TR" dirty="0" smtClean="0"/>
               <a:t>18.01.2019</a:t>
             </a:r>
             <a:endParaRPr lang="en-US" dirty="0"/>
@@ -7423,6 +7692,37 @@
           </a:xfrm>
         </p:spPr>
       </p:pic>
+      <p:sp>
+        <p:nvSpPr>
+          <p:cNvPr id="6" name="TextBox 5"/>
+          <p:cNvSpPr txBox="1"/>
+          <p:nvPr/>
+        </p:nvSpPr>
+        <p:spPr>
+          <a:xfrm>
+            <a:off x="822411" y="5129437"/>
+            <a:ext cx="7499176" cy="646331"/>
+          </a:xfrm>
+          <a:prstGeom prst="rect">
+            <a:avLst/>
+          </a:prstGeom>
+          <a:noFill/>
+        </p:spPr>
+        <p:txBody>
+          <a:bodyPr wrap="square" rtlCol="0">
+            <a:spAutoFit/>
+          </a:bodyPr>
+          <a:lstStyle/>
+          <a:p>
+            <a:pPr algn="ctr"/>
+            <a:r>
+              <a:rPr lang="tr-TR" sz="1800" dirty="0" smtClean="0"/>
+              <a:t>Figure 10: Modification of Machine Side Controller Diagram for Synthetic Inertia Method</a:t>
+            </a:r>
+            <a:endParaRPr lang="tr-TR" sz="1800" dirty="0"/>
+          </a:p>
+        </p:txBody>
+      </p:sp>
     </p:spTree>
     <p:extLst>
       <p:ext uri="{BB962C8B-B14F-4D97-AF65-F5344CB8AC3E}">
@@ -7577,8 +7877,8 @@
           </a:xfrm>
         </p:spPr>
       </p:pic>
-      <mc:AlternateContent xmlns:mc="http://schemas.openxmlformats.org/markup-compatibility/2006" xmlns:a14="http://schemas.microsoft.com/office/drawing/2010/main">
-        <mc:Choice Requires="a14">
+      <mc:AlternateContent xmlns:mc="http://schemas.openxmlformats.org/markup-compatibility/2006">
+        <mc:Choice xmlns:a14="http://schemas.microsoft.com/office/drawing/2010/main" Requires="a14">
           <p:sp>
             <p:nvSpPr>
               <p:cNvPr id="6" name="Rectangle 5"/>
@@ -7587,7 +7887,7 @@
             </p:nvSpPr>
             <p:spPr>
               <a:xfrm>
-                <a:off x="3556332" y="4445912"/>
+                <a:off x="3538949" y="4509391"/>
                 <a:ext cx="2031325" cy="491738"/>
               </a:xfrm>
               <a:prstGeom prst="rect">
@@ -7697,7 +7997,7 @@
             </p:txBody>
           </p:sp>
         </mc:Choice>
-        <mc:Fallback xmlns="">
+        <mc:Fallback>
           <p:sp>
             <p:nvSpPr>
               <p:cNvPr id="6" name="Rectangle 5"/>
@@ -7708,7 +8008,7 @@
             </p:nvSpPr>
             <p:spPr>
               <a:xfrm>
-                <a:off x="3556332" y="4445912"/>
+                <a:off x="3538949" y="4509391"/>
                 <a:ext cx="2031325" cy="491738"/>
               </a:xfrm>
               <a:prstGeom prst="rect">
@@ -7717,7 +8017,7 @@
               <a:blipFill>
                 <a:blip r:embed="rId4"/>
                 <a:stretch>
-                  <a:fillRect l="-599" t="-9877" b="-20988"/>
+                  <a:fillRect l="-901" t="-10000" b="-22500"/>
                 </a:stretch>
               </a:blipFill>
             </p:spPr>
@@ -7736,8 +8036,8 @@
           </p:sp>
         </mc:Fallback>
       </mc:AlternateContent>
-      <mc:AlternateContent xmlns:mc="http://schemas.openxmlformats.org/markup-compatibility/2006" xmlns:a14="http://schemas.microsoft.com/office/drawing/2010/main">
-        <mc:Choice Requires="a14">
+      <mc:AlternateContent xmlns:mc="http://schemas.openxmlformats.org/markup-compatibility/2006">
+        <mc:Choice xmlns:a14="http://schemas.microsoft.com/office/drawing/2010/main" Requires="a14">
           <p:sp>
             <p:nvSpPr>
               <p:cNvPr id="9" name="Rectangle 8"/>
@@ -7746,7 +8046,7 @@
             </p:nvSpPr>
             <p:spPr>
               <a:xfrm>
-                <a:off x="3094666" y="4937650"/>
+                <a:off x="3101932" y="5046767"/>
                 <a:ext cx="2954655" cy="461665"/>
               </a:xfrm>
               <a:prstGeom prst="rect">
@@ -7868,7 +8168,7 @@
             </p:txBody>
           </p:sp>
         </mc:Choice>
-        <mc:Fallback xmlns="">
+        <mc:Fallback>
           <p:sp>
             <p:nvSpPr>
               <p:cNvPr id="9" name="Rectangle 8"/>
@@ -7879,7 +8179,7 @@
             </p:nvSpPr>
             <p:spPr>
               <a:xfrm>
-                <a:off x="3094666" y="4937650"/>
+                <a:off x="3101932" y="5046767"/>
                 <a:ext cx="2954655" cy="461665"/>
               </a:xfrm>
               <a:prstGeom prst="rect">
@@ -7888,7 +8188,7 @@
               <a:blipFill>
                 <a:blip r:embed="rId5"/>
                 <a:stretch>
-                  <a:fillRect l="-620" t="-9211" b="-30263"/>
+                  <a:fillRect l="-619" t="-9211" b="-30263"/>
                 </a:stretch>
               </a:blipFill>
             </p:spPr>
@@ -7907,8 +8207,8 @@
           </p:sp>
         </mc:Fallback>
       </mc:AlternateContent>
-      <mc:AlternateContent xmlns:mc="http://schemas.openxmlformats.org/markup-compatibility/2006" xmlns:a14="http://schemas.microsoft.com/office/drawing/2010/main">
-        <mc:Choice Requires="a14">
+      <mc:AlternateContent xmlns:mc="http://schemas.openxmlformats.org/markup-compatibility/2006">
+        <mc:Choice xmlns:a14="http://schemas.microsoft.com/office/drawing/2010/main" Requires="a14">
           <p:sp>
             <p:nvSpPr>
               <p:cNvPr id="10" name="Rectangle 9"/>
@@ -7917,7 +8217,7 @@
             </p:nvSpPr>
             <p:spPr>
               <a:xfrm>
-                <a:off x="3098982" y="5499511"/>
+                <a:off x="3077285" y="5599708"/>
                 <a:ext cx="2954655" cy="461665"/>
               </a:xfrm>
               <a:prstGeom prst="rect">
@@ -8039,7 +8339,7 @@
             </p:txBody>
           </p:sp>
         </mc:Choice>
-        <mc:Fallback xmlns="">
+        <mc:Fallback>
           <p:sp>
             <p:nvSpPr>
               <p:cNvPr id="10" name="Rectangle 9"/>
@@ -8050,7 +8350,7 @@
             </p:nvSpPr>
             <p:spPr>
               <a:xfrm>
-                <a:off x="3098982" y="5499511"/>
+                <a:off x="3077285" y="5599708"/>
                 <a:ext cx="2954655" cy="461665"/>
               </a:xfrm>
               <a:prstGeom prst="rect">
@@ -8059,7 +8359,7 @@
               <a:blipFill>
                 <a:blip r:embed="rId6"/>
                 <a:stretch>
-                  <a:fillRect l="-412" t="-9211" b="-30263"/>
+                  <a:fillRect l="-620" t="-9333" b="-32000"/>
                 </a:stretch>
               </a:blipFill>
             </p:spPr>
@@ -8078,6 +8378,41 @@
           </p:sp>
         </mc:Fallback>
       </mc:AlternateContent>
+      <p:sp>
+        <p:nvSpPr>
+          <p:cNvPr id="11" name="TextBox 10"/>
+          <p:cNvSpPr txBox="1"/>
+          <p:nvPr/>
+        </p:nvSpPr>
+        <p:spPr>
+          <a:xfrm>
+            <a:off x="457193" y="4015377"/>
+            <a:ext cx="8229600" cy="369332"/>
+          </a:xfrm>
+          <a:prstGeom prst="rect">
+            <a:avLst/>
+          </a:prstGeom>
+          <a:noFill/>
+        </p:spPr>
+        <p:txBody>
+          <a:bodyPr wrap="square" rtlCol="0">
+            <a:spAutoFit/>
+          </a:bodyPr>
+          <a:lstStyle/>
+          <a:p>
+            <a:pPr algn="ctr"/>
+            <a:r>
+              <a:rPr lang="tr-TR" sz="1800" smtClean="0"/>
+              <a:t>Figure 11: </a:t>
+            </a:r>
+            <a:r>
+              <a:rPr lang="tr-TR" sz="1800" dirty="0" smtClean="0"/>
+              <a:t>Power Flow inside the Wind Turbine</a:t>
+            </a:r>
+            <a:endParaRPr lang="tr-TR" sz="1800" dirty="0"/>
+          </a:p>
+        </p:txBody>
+      </p:sp>
     </p:spTree>
     <p:extLst>
       <p:ext uri="{BB962C8B-B14F-4D97-AF65-F5344CB8AC3E}">
@@ -8232,6 +8567,37 @@
           </a:xfrm>
         </p:spPr>
       </p:pic>
+      <p:sp>
+        <p:nvSpPr>
+          <p:cNvPr id="6" name="TextBox 5"/>
+          <p:cNvSpPr txBox="1"/>
+          <p:nvPr/>
+        </p:nvSpPr>
+        <p:spPr>
+          <a:xfrm>
+            <a:off x="342900" y="5736054"/>
+            <a:ext cx="8229600" cy="369332"/>
+          </a:xfrm>
+          <a:prstGeom prst="rect">
+            <a:avLst/>
+          </a:prstGeom>
+          <a:noFill/>
+        </p:spPr>
+        <p:txBody>
+          <a:bodyPr wrap="square" rtlCol="0">
+            <a:spAutoFit/>
+          </a:bodyPr>
+          <a:lstStyle/>
+          <a:p>
+            <a:pPr algn="ctr"/>
+            <a:r>
+              <a:rPr lang="tr-TR" sz="1800" dirty="0" smtClean="0"/>
+              <a:t>Figure 12: Incresed Active Power for Varying Wind Speed</a:t>
+            </a:r>
+            <a:endParaRPr lang="tr-TR" sz="1800" dirty="0"/>
+          </a:p>
+        </p:txBody>
+      </p:sp>
     </p:spTree>
     <p:extLst>
       <p:ext uri="{BB962C8B-B14F-4D97-AF65-F5344CB8AC3E}">
@@ -8417,6 +8783,75 @@
           </a:prstGeom>
         </p:spPr>
       </p:pic>
+      <p:sp>
+        <p:nvSpPr>
+          <p:cNvPr id="7" name="TextBox 6"/>
+          <p:cNvSpPr txBox="1"/>
+          <p:nvPr/>
+        </p:nvSpPr>
+        <p:spPr>
+          <a:xfrm>
+            <a:off x="437344" y="5082816"/>
+            <a:ext cx="3797052" cy="1200329"/>
+          </a:xfrm>
+          <a:prstGeom prst="rect">
+            <a:avLst/>
+          </a:prstGeom>
+          <a:noFill/>
+        </p:spPr>
+        <p:txBody>
+          <a:bodyPr wrap="square" rtlCol="0">
+            <a:spAutoFit/>
+          </a:bodyPr>
+          <a:lstStyle/>
+          <a:p>
+            <a:pPr algn="ctr"/>
+            <a:r>
+              <a:rPr lang="tr-TR" sz="1800" dirty="0" smtClean="0"/>
+              <a:t>Figure 13: Probability Density Function of the Wind Speed Measurements</a:t>
+            </a:r>
+          </a:p>
+          <a:p>
+            <a:pPr algn="ctr"/>
+            <a:r>
+              <a:rPr lang="tr-TR" sz="1800" dirty="0" smtClean="0"/>
+              <a:t>(01/01/2017-21/08/2017)</a:t>
+            </a:r>
+            <a:endParaRPr lang="tr-TR" sz="1800" dirty="0"/>
+          </a:p>
+        </p:txBody>
+      </p:sp>
+      <p:sp>
+        <p:nvSpPr>
+          <p:cNvPr id="10" name="TextBox 9"/>
+          <p:cNvSpPr txBox="1"/>
+          <p:nvPr/>
+        </p:nvSpPr>
+        <p:spPr>
+          <a:xfrm>
+            <a:off x="4889748" y="5082815"/>
+            <a:ext cx="3797052" cy="646331"/>
+          </a:xfrm>
+          <a:prstGeom prst="rect">
+            <a:avLst/>
+          </a:prstGeom>
+          <a:noFill/>
+        </p:spPr>
+        <p:txBody>
+          <a:bodyPr wrap="square" rtlCol="0">
+            <a:spAutoFit/>
+          </a:bodyPr>
+          <a:lstStyle/>
+          <a:p>
+            <a:pPr algn="ctr"/>
+            <a:r>
+              <a:rPr lang="tr-TR" sz="1800" dirty="0" smtClean="0"/>
+              <a:t>Figure 14: Net Power Contribution of the Different Wind Speeds</a:t>
+            </a:r>
+            <a:endParaRPr lang="tr-TR" sz="1800" dirty="0"/>
+          </a:p>
+        </p:txBody>
+      </p:sp>
     </p:spTree>
     <p:extLst>
       <p:ext uri="{BB962C8B-B14F-4D97-AF65-F5344CB8AC3E}">
@@ -8696,6 +9131,68 @@
           </a:prstGeom>
         </p:spPr>
       </p:pic>
+      <p:sp>
+        <p:nvSpPr>
+          <p:cNvPr id="7" name="TextBox 6"/>
+          <p:cNvSpPr txBox="1"/>
+          <p:nvPr/>
+        </p:nvSpPr>
+        <p:spPr>
+          <a:xfrm>
+            <a:off x="456095" y="5305353"/>
+            <a:ext cx="4001605" cy="646331"/>
+          </a:xfrm>
+          <a:prstGeom prst="rect">
+            <a:avLst/>
+          </a:prstGeom>
+          <a:noFill/>
+        </p:spPr>
+        <p:txBody>
+          <a:bodyPr wrap="square" rtlCol="0">
+            <a:spAutoFit/>
+          </a:bodyPr>
+          <a:lstStyle/>
+          <a:p>
+            <a:pPr algn="ctr"/>
+            <a:r>
+              <a:rPr lang="tr-TR" sz="1800" dirty="0" smtClean="0"/>
+              <a:t>Figure 15: Available Kinetic Energy for Inertial Support</a:t>
+            </a:r>
+            <a:endParaRPr lang="tr-TR" sz="1800" dirty="0"/>
+          </a:p>
+        </p:txBody>
+      </p:sp>
+      <p:sp>
+        <p:nvSpPr>
+          <p:cNvPr id="8" name="TextBox 7"/>
+          <p:cNvSpPr txBox="1"/>
+          <p:nvPr/>
+        </p:nvSpPr>
+        <p:spPr>
+          <a:xfrm>
+            <a:off x="4855965" y="5422331"/>
+            <a:ext cx="4001605" cy="646331"/>
+          </a:xfrm>
+          <a:prstGeom prst="rect">
+            <a:avLst/>
+          </a:prstGeom>
+          <a:noFill/>
+        </p:spPr>
+        <p:txBody>
+          <a:bodyPr wrap="square" rtlCol="0">
+            <a:spAutoFit/>
+          </a:bodyPr>
+          <a:lstStyle/>
+          <a:p>
+            <a:pPr algn="ctr"/>
+            <a:r>
+              <a:rPr lang="tr-TR" sz="1800" dirty="0" smtClean="0"/>
+              <a:t>Figure 16: Support Durations on the Limit Case</a:t>
+            </a:r>
+            <a:endParaRPr lang="tr-TR" sz="1800" dirty="0"/>
+          </a:p>
+        </p:txBody>
+      </p:sp>
     </p:spTree>
     <p:extLst>
       <p:ext uri="{BB962C8B-B14F-4D97-AF65-F5344CB8AC3E}">
@@ -8744,7 +9241,12 @@
             <p:ph type="title"/>
           </p:nvPr>
         </p:nvSpPr>
-        <p:spPr/>
+        <p:spPr>
+          <a:xfrm>
+            <a:off x="457200" y="338139"/>
+            <a:ext cx="8229600" cy="570582"/>
+          </a:xfrm>
+        </p:spPr>
         <p:txBody>
           <a:bodyPr/>
           <a:lstStyle/>
@@ -8823,7 +9325,7 @@
       </p:sp>
       <p:pic>
         <p:nvPicPr>
-          <p:cNvPr id="6" name="Picture 5"/>
+          <p:cNvPr id="4" name="Picture 3"/>
           <p:cNvPicPr>
             <a:picLocks noChangeAspect="1"/>
           </p:cNvPicPr>
@@ -8843,54 +9345,24 @@
         </p:blipFill>
         <p:spPr>
           <a:xfrm>
-            <a:off x="35496" y="3717032"/>
-            <a:ext cx="5544616" cy="2642419"/>
+            <a:off x="287523" y="908721"/>
+            <a:ext cx="8568953" cy="4083739"/>
           </a:xfrm>
           <a:prstGeom prst="rect">
             <a:avLst/>
           </a:prstGeom>
         </p:spPr>
       </p:pic>
-      <p:pic>
-        <p:nvPicPr>
-          <p:cNvPr id="4" name="Picture 3"/>
-          <p:cNvPicPr>
-            <a:picLocks noChangeAspect="1"/>
-          </p:cNvPicPr>
+      <p:sp>
+        <p:nvSpPr>
+          <p:cNvPr id="8" name="TextBox 7"/>
+          <p:cNvSpPr txBox="1"/>
           <p:nvPr/>
-        </p:nvPicPr>
-        <p:blipFill>
-          <a:blip r:embed="rId4" cstate="print">
-            <a:extLst>
-              <a:ext uri="{28A0092B-C50C-407E-A947-70E740481C1C}">
-                <a14:useLocalDpi xmlns:a14="http://schemas.microsoft.com/office/drawing/2010/main" val="0"/>
-              </a:ext>
-            </a:extLst>
-          </a:blip>
-          <a:stretch>
-            <a:fillRect/>
-          </a:stretch>
-        </p:blipFill>
+        </p:nvSpPr>
         <p:spPr>
           <a:xfrm>
-            <a:off x="138296" y="1363663"/>
-            <a:ext cx="5297800" cy="2524793"/>
-          </a:xfrm>
-          <a:prstGeom prst="rect">
-            <a:avLst/>
-          </a:prstGeom>
-        </p:spPr>
-      </p:pic>
-      <p:sp>
-        <p:nvSpPr>
-          <p:cNvPr id="7" name="TextBox 6"/>
-          <p:cNvSpPr txBox="1"/>
-          <p:nvPr/>
-        </p:nvSpPr>
-        <p:spPr>
-          <a:xfrm>
-            <a:off x="5580112" y="1506428"/>
-            <a:ext cx="2880320" cy="830997"/>
+            <a:off x="458579" y="4992460"/>
+            <a:ext cx="8230705" cy="646331"/>
           </a:xfrm>
           <a:prstGeom prst="rect">
             <a:avLst/>
@@ -8903,15 +9375,19 @@
           </a:bodyPr>
           <a:lstStyle/>
           <a:p>
-            <a:pPr marL="342900" indent="-342900">
-              <a:buFont typeface="Arial" panose="020B0604020202020204" pitchFamily="34" charset="0"/>
-              <a:buChar char="•"/>
-            </a:pPr>
-            <a:r>
-              <a:rPr lang="tr-TR" dirty="0" smtClean="0"/>
-              <a:t>High Wind Speed Scenario</a:t>
-            </a:r>
-            <a:endParaRPr lang="tr-TR" dirty="0"/>
+            <a:pPr algn="ctr"/>
+            <a:r>
+              <a:rPr lang="tr-TR" sz="1800" dirty="0" smtClean="0"/>
+              <a:t>Figure 17: Limit Case Turbine Power, Generator Power and Speed </a:t>
+            </a:r>
+          </a:p>
+          <a:p>
+            <a:pPr algn="ctr"/>
+            <a:r>
+              <a:rPr lang="tr-TR" sz="1800" dirty="0" smtClean="0"/>
+              <a:t>İn High Wind Speed (11.4 m/s)</a:t>
+            </a:r>
+            <a:endParaRPr lang="tr-TR" sz="1800" dirty="0"/>
           </a:p>
         </p:txBody>
       </p:sp>
@@ -8963,7 +9439,12 @@
             <p:ph type="title"/>
           </p:nvPr>
         </p:nvSpPr>
-        <p:spPr/>
+        <p:spPr>
+          <a:xfrm>
+            <a:off x="457200" y="338139"/>
+            <a:ext cx="8229600" cy="570582"/>
+          </a:xfrm>
+        </p:spPr>
         <p:txBody>
           <a:bodyPr/>
           <a:lstStyle/>
@@ -9042,7 +9523,7 @@
       </p:sp>
       <p:pic>
         <p:nvPicPr>
-          <p:cNvPr id="7" name="Picture 6"/>
+          <p:cNvPr id="6" name="Picture 5"/>
           <p:cNvPicPr>
             <a:picLocks noChangeAspect="1"/>
           </p:cNvPicPr>
@@ -9062,54 +9543,24 @@
         </p:blipFill>
         <p:spPr>
           <a:xfrm>
-            <a:off x="39373" y="3873144"/>
-            <a:ext cx="5226868" cy="2490988"/>
+            <a:off x="137645" y="941115"/>
+            <a:ext cx="8868709" cy="4226595"/>
           </a:xfrm>
           <a:prstGeom prst="rect">
             <a:avLst/>
           </a:prstGeom>
         </p:spPr>
       </p:pic>
-      <p:pic>
-        <p:nvPicPr>
-          <p:cNvPr id="5" name="Picture 4"/>
-          <p:cNvPicPr>
-            <a:picLocks noChangeAspect="1"/>
-          </p:cNvPicPr>
+      <p:sp>
+        <p:nvSpPr>
+          <p:cNvPr id="8" name="TextBox 7"/>
+          <p:cNvSpPr txBox="1"/>
           <p:nvPr/>
-        </p:nvPicPr>
-        <p:blipFill>
-          <a:blip r:embed="rId4" cstate="print">
-            <a:extLst>
-              <a:ext uri="{28A0092B-C50C-407E-A947-70E740481C1C}">
-                <a14:useLocalDpi xmlns:a14="http://schemas.microsoft.com/office/drawing/2010/main" val="0"/>
-              </a:ext>
-            </a:extLst>
-          </a:blip>
-          <a:stretch>
-            <a:fillRect/>
-          </a:stretch>
-        </p:blipFill>
+        </p:nvSpPr>
         <p:spPr>
           <a:xfrm>
-            <a:off x="0" y="1506428"/>
-            <a:ext cx="5305615" cy="2528518"/>
-          </a:xfrm>
-          <a:prstGeom prst="rect">
-            <a:avLst/>
-          </a:prstGeom>
-        </p:spPr>
-      </p:pic>
-      <p:sp>
-        <p:nvSpPr>
-          <p:cNvPr id="4" name="TextBox 3"/>
-          <p:cNvSpPr txBox="1"/>
-          <p:nvPr/>
-        </p:nvSpPr>
-        <p:spPr>
-          <a:xfrm>
-            <a:off x="5580112" y="1506428"/>
-            <a:ext cx="2880320" cy="1200329"/>
+            <a:off x="457199" y="5167710"/>
+            <a:ext cx="8230705" cy="646331"/>
           </a:xfrm>
           <a:prstGeom prst="rect">
             <a:avLst/>
@@ -9122,22 +9573,26 @@
           </a:bodyPr>
           <a:lstStyle/>
           <a:p>
-            <a:pPr marL="342900" indent="-342900">
-              <a:buFont typeface="Arial" panose="020B0604020202020204" pitchFamily="34" charset="0"/>
-              <a:buChar char="•"/>
-            </a:pPr>
-            <a:r>
-              <a:rPr lang="tr-TR" dirty="0" smtClean="0"/>
-              <a:t>Low Wind Speed Scenario Moderate Case</a:t>
-            </a:r>
-            <a:endParaRPr lang="tr-TR" dirty="0"/>
+            <a:pPr algn="ctr"/>
+            <a:r>
+              <a:rPr lang="tr-TR" sz="1800" dirty="0" smtClean="0"/>
+              <a:t>Figure 18: Limit Case Pitch Angle and Pitch Rate</a:t>
+            </a:r>
+          </a:p>
+          <a:p>
+            <a:pPr algn="ctr"/>
+            <a:r>
+              <a:rPr lang="tr-TR" sz="1800" dirty="0" smtClean="0"/>
+              <a:t>in High Wind Speed (11.4 m/s)</a:t>
+            </a:r>
+            <a:endParaRPr lang="tr-TR" sz="1800" dirty="0"/>
           </a:p>
         </p:txBody>
       </p:sp>
     </p:spTree>
     <p:extLst>
       <p:ext uri="{BB962C8B-B14F-4D97-AF65-F5344CB8AC3E}">
-        <p14:creationId xmlns:p14="http://schemas.microsoft.com/office/powerpoint/2010/main" val="4024107180"/>
+        <p14:creationId xmlns:p14="http://schemas.microsoft.com/office/powerpoint/2010/main" val="3365861649"/>
       </p:ext>
     </p:extLst>
   </p:cSld>
@@ -9228,79 +9683,111 @@
               <a:defRPr/>
             </a:pPr>
             <a:r>
+              <a:rPr lang="en-GB" sz="2400" dirty="0" smtClean="0">
+                <a:latin typeface="Arial" panose="020B0604020202020204" pitchFamily="34" charset="0"/>
+                <a:cs typeface="Arial" panose="020B0604020202020204" pitchFamily="34" charset="0"/>
+              </a:rPr>
+              <a:t>Renewable Energy Status and Problems</a:t>
+            </a:r>
+          </a:p>
+          <a:p>
+            <a:pPr lvl="1">
+              <a:defRPr/>
+            </a:pPr>
+            <a:r>
+              <a:rPr lang="en-GB" sz="2400" dirty="0" smtClean="0">
+                <a:latin typeface="Arial" panose="020B0604020202020204" pitchFamily="34" charset="0"/>
+                <a:cs typeface="Arial" panose="020B0604020202020204" pitchFamily="34" charset="0"/>
+              </a:rPr>
+              <a:t>Inertia, Frequency and Inertial Support in the Grid</a:t>
+            </a:r>
+          </a:p>
+          <a:p>
+            <a:pPr lvl="1">
+              <a:defRPr/>
+            </a:pPr>
+            <a:r>
+              <a:rPr lang="en-GB" sz="2400" dirty="0" smtClean="0">
+                <a:latin typeface="Arial" panose="020B0604020202020204" pitchFamily="34" charset="0"/>
+                <a:cs typeface="Arial" panose="020B0604020202020204" pitchFamily="34" charset="0"/>
+              </a:rPr>
+              <a:t>Wind Turbine Modelling</a:t>
+            </a:r>
+          </a:p>
+          <a:p>
+            <a:pPr lvl="1">
+              <a:defRPr/>
+            </a:pPr>
+            <a:r>
+              <a:rPr lang="en-GB" sz="2400" dirty="0" smtClean="0">
+                <a:latin typeface="Arial" panose="020B0604020202020204" pitchFamily="34" charset="0"/>
+                <a:cs typeface="Arial" panose="020B0604020202020204" pitchFamily="34" charset="0"/>
+              </a:rPr>
+              <a:t>Fast Inertial Support</a:t>
+            </a:r>
+          </a:p>
+          <a:p>
+            <a:pPr lvl="1">
+              <a:defRPr/>
+            </a:pPr>
+            <a:r>
+              <a:rPr lang="en-GB" sz="2400" dirty="0" smtClean="0">
+                <a:latin typeface="Arial" panose="020B0604020202020204" pitchFamily="34" charset="0"/>
+                <a:cs typeface="Arial" panose="020B0604020202020204" pitchFamily="34" charset="0"/>
+              </a:rPr>
+              <a:t>Synthetic Inertia Support</a:t>
+            </a:r>
+          </a:p>
+          <a:p>
+            <a:pPr lvl="1">
+              <a:defRPr/>
+            </a:pPr>
+            <a:r>
+              <a:rPr lang="en-GB" sz="2400" dirty="0" smtClean="0">
+                <a:latin typeface="Arial" panose="020B0604020202020204" pitchFamily="34" charset="0"/>
+                <a:cs typeface="Arial" panose="020B0604020202020204" pitchFamily="34" charset="0"/>
+              </a:rPr>
+              <a:t>Effects on </a:t>
+            </a:r>
+            <a:r>
               <a:rPr lang="tr-TR" sz="2400" dirty="0" smtClean="0">
                 <a:latin typeface="Arial" panose="020B0604020202020204" pitchFamily="34" charset="0"/>
                 <a:cs typeface="Arial" panose="020B0604020202020204" pitchFamily="34" charset="0"/>
               </a:rPr>
-              <a:t>Renewable Energy Status and Problems</a:t>
-            </a:r>
-          </a:p>
-          <a:p>
-            <a:pPr lvl="1">
-              <a:defRPr/>
-            </a:pPr>
+              <a:t>the </a:t>
+            </a:r>
+            <a:r>
+              <a:rPr lang="en-GB" sz="2400" dirty="0" smtClean="0">
+                <a:latin typeface="Arial" panose="020B0604020202020204" pitchFamily="34" charset="0"/>
+                <a:cs typeface="Arial" panose="020B0604020202020204" pitchFamily="34" charset="0"/>
+              </a:rPr>
+              <a:t>Turkish </a:t>
+            </a:r>
+            <a:r>
+              <a:rPr lang="en-GB" sz="2400" dirty="0" smtClean="0">
+                <a:latin typeface="Arial" panose="020B0604020202020204" pitchFamily="34" charset="0"/>
+                <a:cs typeface="Arial" panose="020B0604020202020204" pitchFamily="34" charset="0"/>
+              </a:rPr>
+              <a:t>Electricity </a:t>
+            </a:r>
             <a:r>
               <a:rPr lang="tr-TR" sz="2400" dirty="0" smtClean="0">
                 <a:latin typeface="Arial" panose="020B0604020202020204" pitchFamily="34" charset="0"/>
                 <a:cs typeface="Arial" panose="020B0604020202020204" pitchFamily="34" charset="0"/>
               </a:rPr>
-              <a:t>Inertia, Frequency and Inertial Support in the Grid</a:t>
-            </a:r>
+              <a:t>Network</a:t>
+            </a:r>
+            <a:endParaRPr lang="en-GB" sz="2400" dirty="0" smtClean="0">
+              <a:latin typeface="Arial" panose="020B0604020202020204" pitchFamily="34" charset="0"/>
+              <a:cs typeface="Arial" panose="020B0604020202020204" pitchFamily="34" charset="0"/>
+            </a:endParaRPr>
           </a:p>
           <a:p>
             <a:pPr lvl="1">
               <a:defRPr/>
             </a:pPr>
             <a:r>
-              <a:rPr lang="tr-TR" sz="2400" dirty="0" smtClean="0">
-                <a:latin typeface="Arial" panose="020B0604020202020204" pitchFamily="34" charset="0"/>
-                <a:cs typeface="Arial" panose="020B0604020202020204" pitchFamily="34" charset="0"/>
-              </a:rPr>
-              <a:t>Wind Turbine Modelling</a:t>
-            </a:r>
-          </a:p>
-          <a:p>
-            <a:pPr lvl="1">
-              <a:defRPr/>
-            </a:pPr>
-            <a:r>
-              <a:rPr lang="tr-TR" sz="2400" dirty="0" smtClean="0">
-                <a:latin typeface="Arial" panose="020B0604020202020204" pitchFamily="34" charset="0"/>
-                <a:cs typeface="Arial" panose="020B0604020202020204" pitchFamily="34" charset="0"/>
-              </a:rPr>
-              <a:t>Fast Inertial Support</a:t>
-            </a:r>
-          </a:p>
-          <a:p>
-            <a:pPr lvl="1">
-              <a:defRPr/>
-            </a:pPr>
-            <a:r>
-              <a:rPr lang="tr-TR" sz="2400" dirty="0" smtClean="0">
-                <a:latin typeface="Arial" panose="020B0604020202020204" pitchFamily="34" charset="0"/>
-                <a:cs typeface="Arial" panose="020B0604020202020204" pitchFamily="34" charset="0"/>
-              </a:rPr>
-              <a:t>Synthetic Inertia Support</a:t>
-            </a:r>
-          </a:p>
-          <a:p>
-            <a:pPr lvl="1">
-              <a:defRPr/>
-            </a:pPr>
-            <a:r>
-              <a:rPr lang="tr-TR" sz="2400" dirty="0" smtClean="0">
-                <a:latin typeface="Arial" panose="020B0604020202020204" pitchFamily="34" charset="0"/>
-                <a:cs typeface="Arial" panose="020B0604020202020204" pitchFamily="34" charset="0"/>
-              </a:rPr>
-              <a:t>Effects on Turkish Electricity System</a:t>
-            </a:r>
-          </a:p>
-          <a:p>
-            <a:pPr lvl="1">
-              <a:defRPr/>
-            </a:pPr>
-            <a:r>
-              <a:rPr lang="tr-TR" sz="2400" dirty="0" smtClean="0">
+              <a:rPr lang="en-GB" sz="2400" dirty="0" smtClean="0">
                 <a:latin typeface="Arial" panose="020B0604020202020204" pitchFamily="34" charset="0"/>
                 <a:cs typeface="Arial" panose="020B0604020202020204" pitchFamily="34" charset="0"/>
               </a:rPr>
@@ -9312,16 +9799,12 @@
               <a:defRPr/>
             </a:pPr>
             <a:r>
-              <a:rPr lang="tr-TR" sz="2400" dirty="0" smtClean="0">
+              <a:rPr lang="en-GB" sz="2400" dirty="0" smtClean="0">
                 <a:latin typeface="Arial" panose="020B0604020202020204" pitchFamily="34" charset="0"/>
                 <a:cs typeface="Arial" panose="020B0604020202020204" pitchFamily="34" charset="0"/>
               </a:rPr>
               <a:t>Conclusion</a:t>
             </a:r>
-            <a:endParaRPr lang="en-US" sz="2400" dirty="0" smtClean="0">
-              <a:latin typeface="Arial" panose="020B0604020202020204" pitchFamily="34" charset="0"/>
-              <a:cs typeface="Arial" panose="020B0604020202020204" pitchFamily="34" charset="0"/>
-            </a:endParaRPr>
           </a:p>
         </p:txBody>
       </p:sp>
@@ -9500,40 +9983,6 @@
           </a:p>
         </p:txBody>
       </p:sp>
-      <p:sp>
-        <p:nvSpPr>
-          <p:cNvPr id="4" name="TextBox 3"/>
-          <p:cNvSpPr txBox="1"/>
-          <p:nvPr/>
-        </p:nvSpPr>
-        <p:spPr>
-          <a:xfrm>
-            <a:off x="1037320" y="5517232"/>
-            <a:ext cx="6840760" cy="461665"/>
-          </a:xfrm>
-          <a:prstGeom prst="rect">
-            <a:avLst/>
-          </a:prstGeom>
-          <a:noFill/>
-        </p:spPr>
-        <p:txBody>
-          <a:bodyPr wrap="square" rtlCol="0">
-            <a:spAutoFit/>
-          </a:bodyPr>
-          <a:lstStyle/>
-          <a:p>
-            <a:pPr marL="342900" indent="-342900">
-              <a:buFont typeface="Arial" panose="020B0604020202020204" pitchFamily="34" charset="0"/>
-              <a:buChar char="•"/>
-            </a:pPr>
-            <a:r>
-              <a:rPr lang="tr-TR" dirty="0" smtClean="0"/>
-              <a:t>Low Wind Speed Scenario Limit Case Case</a:t>
-            </a:r>
-            <a:endParaRPr lang="tr-TR" dirty="0"/>
-          </a:p>
-        </p:txBody>
-      </p:sp>
       <p:pic>
         <p:nvPicPr>
           <p:cNvPr id="6" name="Picture 5"/>
@@ -9564,6 +10013,44 @@
           </a:prstGeom>
         </p:spPr>
       </p:pic>
+      <p:sp>
+        <p:nvSpPr>
+          <p:cNvPr id="7" name="TextBox 6"/>
+          <p:cNvSpPr txBox="1"/>
+          <p:nvPr/>
+        </p:nvSpPr>
+        <p:spPr>
+          <a:xfrm>
+            <a:off x="1063286" y="5373216"/>
+            <a:ext cx="6788828" cy="646331"/>
+          </a:xfrm>
+          <a:prstGeom prst="rect">
+            <a:avLst/>
+          </a:prstGeom>
+          <a:noFill/>
+        </p:spPr>
+        <p:txBody>
+          <a:bodyPr wrap="square" rtlCol="0">
+            <a:spAutoFit/>
+          </a:bodyPr>
+          <a:lstStyle/>
+          <a:p>
+            <a:pPr algn="ctr"/>
+            <a:r>
+              <a:rPr lang="tr-TR" sz="1800" dirty="0" smtClean="0"/>
+              <a:t>Figure 19: Limit Case Generator Torque, Power and Speed</a:t>
+            </a:r>
+          </a:p>
+          <a:p>
+            <a:pPr algn="ctr"/>
+            <a:r>
+              <a:rPr lang="tr-TR" sz="1800" dirty="0" smtClean="0"/>
+              <a:t>for Low Wind Speed (3.12m/s)</a:t>
+            </a:r>
+            <a:endParaRPr lang="tr-TR" sz="1800" dirty="0"/>
+          </a:p>
+        </p:txBody>
+      </p:sp>
     </p:spTree>
     <p:extLst>
       <p:ext uri="{BB962C8B-B14F-4D97-AF65-F5344CB8AC3E}">
@@ -9612,7 +10099,12 @@
             <p:ph type="title"/>
           </p:nvPr>
         </p:nvSpPr>
-        <p:spPr/>
+        <p:spPr>
+          <a:xfrm>
+            <a:off x="457200" y="338139"/>
+            <a:ext cx="8229600" cy="570582"/>
+          </a:xfrm>
+        </p:spPr>
         <p:txBody>
           <a:bodyPr/>
           <a:lstStyle/>
@@ -9691,7 +10183,7 @@
       </p:sp>
       <p:pic>
         <p:nvPicPr>
-          <p:cNvPr id="6" name="Picture 5"/>
+          <p:cNvPr id="7" name="Picture 6"/>
           <p:cNvPicPr>
             <a:picLocks noChangeAspect="1"/>
           </p:cNvPicPr>
@@ -9711,8 +10203,8 @@
         </p:blipFill>
         <p:spPr>
           <a:xfrm>
-            <a:off x="35496" y="3717032"/>
-            <a:ext cx="5544616" cy="2642419"/>
+            <a:off x="-36512" y="3314276"/>
+            <a:ext cx="5226868" cy="2490988"/>
           </a:xfrm>
           <a:prstGeom prst="rect">
             <a:avLst/>
@@ -9721,7 +10213,7 @@
       </p:pic>
       <p:pic>
         <p:nvPicPr>
-          <p:cNvPr id="4" name="Picture 3"/>
+          <p:cNvPr id="5" name="Picture 4"/>
           <p:cNvPicPr>
             <a:picLocks noChangeAspect="1"/>
           </p:cNvPicPr>
@@ -9741,8 +10233,8 @@
         </p:blipFill>
         <p:spPr>
           <a:xfrm>
-            <a:off x="138296" y="1363663"/>
-            <a:ext cx="5297800" cy="2524793"/>
+            <a:off x="-39374" y="908721"/>
+            <a:ext cx="5305615" cy="2528518"/>
           </a:xfrm>
           <a:prstGeom prst="rect">
             <a:avLst/>
@@ -9751,14 +10243,14 @@
       </p:pic>
       <p:sp>
         <p:nvSpPr>
-          <p:cNvPr id="7" name="TextBox 6"/>
+          <p:cNvPr id="4" name="TextBox 3"/>
           <p:cNvSpPr txBox="1"/>
           <p:nvPr/>
         </p:nvSpPr>
         <p:spPr>
           <a:xfrm>
-            <a:off x="5580112" y="1506428"/>
-            <a:ext cx="2880320" cy="830997"/>
+            <a:off x="5355461" y="1183380"/>
+            <a:ext cx="3456384" cy="3785652"/>
           </a:xfrm>
           <a:prstGeom prst="rect">
             <a:avLst/>
@@ -9777,16 +10269,88 @@
             </a:pPr>
             <a:r>
               <a:rPr lang="tr-TR" dirty="0" smtClean="0"/>
-              <a:t>High Wind Speed Scenario</a:t>
-            </a:r>
+              <a:t>Active power is increased by </a:t>
+            </a:r>
+            <a:r>
+              <a:rPr lang="tr-TR" dirty="0"/>
+              <a:t>10% </a:t>
+            </a:r>
+            <a:r>
+              <a:rPr lang="tr-TR" dirty="0" smtClean="0"/>
+              <a:t>for 5s, 10s and 15s.</a:t>
+            </a:r>
+          </a:p>
+          <a:p>
+            <a:pPr marL="342900" indent="-342900">
+              <a:buFont typeface="Arial" panose="020B0604020202020204" pitchFamily="34" charset="0"/>
+              <a:buChar char="•"/>
+            </a:pPr>
             <a:endParaRPr lang="tr-TR" dirty="0"/>
+          </a:p>
+          <a:p>
+            <a:pPr marL="342900" indent="-342900">
+              <a:buFont typeface="Arial" panose="020B0604020202020204" pitchFamily="34" charset="0"/>
+              <a:buChar char="•"/>
+            </a:pPr>
+            <a:r>
+              <a:rPr lang="tr-TR" dirty="0" smtClean="0"/>
+              <a:t>Power decreases higher for return process. </a:t>
+            </a:r>
+          </a:p>
+          <a:p>
+            <a:pPr marL="342900" indent="-342900">
+              <a:buFont typeface="Arial" panose="020B0604020202020204" pitchFamily="34" charset="0"/>
+              <a:buChar char="•"/>
+            </a:pPr>
+            <a:endParaRPr lang="tr-TR" dirty="0"/>
+          </a:p>
+          <a:p>
+            <a:pPr marL="342900" indent="-342900">
+              <a:buFont typeface="Arial" panose="020B0604020202020204" pitchFamily="34" charset="0"/>
+              <a:buChar char="•"/>
+            </a:pPr>
+            <a:r>
+              <a:rPr lang="tr-TR" dirty="0" smtClean="0"/>
+              <a:t>Speed Recovery is completed 10s. </a:t>
+            </a:r>
+            <a:endParaRPr lang="tr-TR" dirty="0"/>
+          </a:p>
+        </p:txBody>
+      </p:sp>
+      <p:sp>
+        <p:nvSpPr>
+          <p:cNvPr id="8" name="TextBox 7"/>
+          <p:cNvSpPr txBox="1"/>
+          <p:nvPr/>
+        </p:nvSpPr>
+        <p:spPr>
+          <a:xfrm>
+            <a:off x="431191" y="5800085"/>
+            <a:ext cx="5869001" cy="646331"/>
+          </a:xfrm>
+          <a:prstGeom prst="rect">
+            <a:avLst/>
+          </a:prstGeom>
+          <a:noFill/>
+        </p:spPr>
+        <p:txBody>
+          <a:bodyPr wrap="square" rtlCol="0">
+            <a:spAutoFit/>
+          </a:bodyPr>
+          <a:lstStyle/>
+          <a:p>
+            <a:r>
+              <a:rPr lang="tr-TR" sz="1800" dirty="0" smtClean="0"/>
+              <a:t>Figure 20: Active Power and Generator Speed for Different Support Time Durations in Low Wind (3.12m/s)</a:t>
+            </a:r>
+            <a:endParaRPr lang="tr-TR" sz="1800" dirty="0"/>
           </a:p>
         </p:txBody>
       </p:sp>
     </p:spTree>
     <p:extLst>
       <p:ext uri="{BB962C8B-B14F-4D97-AF65-F5344CB8AC3E}">
-        <p14:creationId xmlns:p14="http://schemas.microsoft.com/office/powerpoint/2010/main" val="3419743854"/>
+        <p14:creationId xmlns:p14="http://schemas.microsoft.com/office/powerpoint/2010/main" val="4024107180"/>
       </p:ext>
     </p:extLst>
   </p:cSld>
@@ -9933,7 +10497,7 @@
         <p:spPr>
           <a:xfrm>
             <a:off x="467544" y="1357833"/>
-            <a:ext cx="5707043" cy="4987925"/>
+            <a:ext cx="5088625" cy="4447431"/>
           </a:xfrm>
         </p:spPr>
       </p:pic>
@@ -9995,6 +10559,41 @@
               <a:t>Reduced Inertia Case</a:t>
             </a:r>
             <a:endParaRPr lang="tr-TR" dirty="0"/>
+          </a:p>
+        </p:txBody>
+      </p:sp>
+      <p:sp>
+        <p:nvSpPr>
+          <p:cNvPr id="7" name="TextBox 6"/>
+          <p:cNvSpPr txBox="1"/>
+          <p:nvPr/>
+        </p:nvSpPr>
+        <p:spPr>
+          <a:xfrm>
+            <a:off x="269275" y="5949910"/>
+            <a:ext cx="5484057" cy="369332"/>
+          </a:xfrm>
+          <a:prstGeom prst="rect">
+            <a:avLst/>
+          </a:prstGeom>
+          <a:noFill/>
+        </p:spPr>
+        <p:txBody>
+          <a:bodyPr wrap="square" rtlCol="0">
+            <a:spAutoFit/>
+          </a:bodyPr>
+          <a:lstStyle/>
+          <a:p>
+            <a:pPr algn="ctr"/>
+            <a:r>
+              <a:rPr lang="tr-TR" sz="1800" dirty="0"/>
+              <a:t>Figure 20: P.M.Anderson Test Case </a:t>
+            </a:r>
+            <a:r>
+              <a:rPr lang="tr-TR" sz="1800" dirty="0" smtClean="0"/>
+              <a:t>[5] </a:t>
+            </a:r>
+            <a:endParaRPr lang="tr-TR" sz="1800" dirty="0"/>
           </a:p>
         </p:txBody>
       </p:sp>
@@ -10147,8 +10746,8 @@
         </p:blipFill>
         <p:spPr>
           <a:xfrm>
-            <a:off x="0" y="1916832"/>
-            <a:ext cx="4572000" cy="3429000"/>
+            <a:off x="-1" y="1628800"/>
+            <a:ext cx="4818221" cy="3613666"/>
           </a:xfrm>
         </p:spPr>
       </p:pic>
@@ -10174,14 +10773,49 @@
         </p:blipFill>
         <p:spPr>
           <a:xfrm>
-            <a:off x="4345823" y="1996666"/>
-            <a:ext cx="4465554" cy="3349166"/>
+            <a:off x="4416491" y="1484784"/>
+            <a:ext cx="5052053" cy="3789040"/>
           </a:xfrm>
           <a:prstGeom prst="rect">
             <a:avLst/>
           </a:prstGeom>
         </p:spPr>
       </p:pic>
+      <p:sp>
+        <p:nvSpPr>
+          <p:cNvPr id="10" name="TextBox 9"/>
+          <p:cNvSpPr txBox="1"/>
+          <p:nvPr/>
+        </p:nvSpPr>
+        <p:spPr>
+          <a:xfrm>
+            <a:off x="1674462" y="5416949"/>
+            <a:ext cx="5484057" cy="646331"/>
+          </a:xfrm>
+          <a:prstGeom prst="rect">
+            <a:avLst/>
+          </a:prstGeom>
+          <a:noFill/>
+        </p:spPr>
+        <p:txBody>
+          <a:bodyPr wrap="square" rtlCol="0">
+            <a:spAutoFit/>
+          </a:bodyPr>
+          <a:lstStyle/>
+          <a:p>
+            <a:pPr algn="ctr"/>
+            <a:r>
+              <a:rPr lang="tr-TR" sz="1800" dirty="0"/>
+              <a:t>Figure </a:t>
+            </a:r>
+            <a:r>
+              <a:rPr lang="tr-TR" sz="1800" dirty="0" smtClean="0"/>
+              <a:t>21: Frequency and RoCoF for Base Case, 10% Renewable Case and Reduced Inertia Case</a:t>
+            </a:r>
+            <a:endParaRPr lang="tr-TR" sz="1800" dirty="0"/>
+          </a:p>
+        </p:txBody>
+      </p:sp>
     </p:spTree>
     <p:extLst>
       <p:ext uri="{BB962C8B-B14F-4D97-AF65-F5344CB8AC3E}">
@@ -10220,6 +10854,35 @@
           <a:chExt cx="0" cy="0"/>
         </a:xfrm>
       </p:grpSpPr>
+      <p:pic>
+        <p:nvPicPr>
+          <p:cNvPr id="5" name="Content Placeholder 4"/>
+          <p:cNvPicPr>
+            <a:picLocks noGrp="1" noChangeAspect="1"/>
+          </p:cNvPicPr>
+          <p:nvPr>
+            <p:ph idx="1"/>
+          </p:nvPr>
+        </p:nvPicPr>
+        <p:blipFill>
+          <a:blip r:embed="rId3" cstate="print">
+            <a:extLst>
+              <a:ext uri="{28A0092B-C50C-407E-A947-70E740481C1C}">
+                <a14:useLocalDpi xmlns:a14="http://schemas.microsoft.com/office/drawing/2010/main" val="0"/>
+              </a:ext>
+            </a:extLst>
+          </a:blip>
+          <a:stretch>
+            <a:fillRect/>
+          </a:stretch>
+        </p:blipFill>
+        <p:spPr>
+          <a:xfrm>
+            <a:off x="-21704" y="3284984"/>
+            <a:ext cx="5421888" cy="2583930"/>
+          </a:xfrm>
+        </p:spPr>
+      </p:pic>
       <p:sp>
         <p:nvSpPr>
           <p:cNvPr id="5122" name="Rectangle 2"/>
@@ -10230,7 +10893,12 @@
             <p:ph type="title"/>
           </p:nvPr>
         </p:nvSpPr>
-        <p:spPr/>
+        <p:spPr>
+          <a:xfrm>
+            <a:off x="457200" y="338139"/>
+            <a:ext cx="8229600" cy="544052"/>
+          </a:xfrm>
+        </p:spPr>
         <p:txBody>
           <a:bodyPr/>
           <a:lstStyle/>
@@ -10302,6 +10970,196 @@
                 <a:defRPr/>
               </a:pPr>
               <a:t>24</a:t>
+            </a:fld>
+            <a:endParaRPr lang="en-US" dirty="0"/>
+          </a:p>
+        </p:txBody>
+      </p:sp>
+      <p:pic>
+        <p:nvPicPr>
+          <p:cNvPr id="6" name="Picture 5"/>
+          <p:cNvPicPr>
+            <a:picLocks noChangeAspect="1"/>
+          </p:cNvPicPr>
+          <p:nvPr/>
+        </p:nvPicPr>
+        <p:blipFill>
+          <a:blip r:embed="rId4" cstate="print">
+            <a:extLst>
+              <a:ext uri="{28A0092B-C50C-407E-A947-70E740481C1C}">
+                <a14:useLocalDpi xmlns:a14="http://schemas.microsoft.com/office/drawing/2010/main" val="0"/>
+              </a:ext>
+            </a:extLst>
+          </a:blip>
+          <a:stretch>
+            <a:fillRect/>
+          </a:stretch>
+        </p:blipFill>
+        <p:spPr>
+          <a:xfrm>
+            <a:off x="0" y="882191"/>
+            <a:ext cx="5495090" cy="2618817"/>
+          </a:xfrm>
+          <a:prstGeom prst="rect">
+            <a:avLst/>
+          </a:prstGeom>
+        </p:spPr>
+      </p:pic>
+      <p:sp>
+        <p:nvSpPr>
+          <p:cNvPr id="7" name="TextBox 6"/>
+          <p:cNvSpPr txBox="1"/>
+          <p:nvPr/>
+        </p:nvSpPr>
+        <p:spPr>
+          <a:xfrm>
+            <a:off x="-83873" y="5868914"/>
+            <a:ext cx="5484057" cy="646331"/>
+          </a:xfrm>
+          <a:prstGeom prst="rect">
+            <a:avLst/>
+          </a:prstGeom>
+          <a:noFill/>
+        </p:spPr>
+        <p:txBody>
+          <a:bodyPr wrap="square" rtlCol="0">
+            <a:spAutoFit/>
+          </a:bodyPr>
+          <a:lstStyle/>
+          <a:p>
+            <a:pPr algn="ctr"/>
+            <a:r>
+              <a:rPr lang="tr-TR" sz="1800" dirty="0"/>
+              <a:t>Figure </a:t>
+            </a:r>
+            <a:r>
+              <a:rPr lang="tr-TR" sz="1800" dirty="0" smtClean="0"/>
+              <a:t>22: RoCoF and Frequency for the Reduced Case with Synthetic Inertia Implementation</a:t>
+            </a:r>
+            <a:endParaRPr lang="tr-TR" sz="1800" dirty="0"/>
+          </a:p>
+        </p:txBody>
+      </p:sp>
+    </p:spTree>
+    <p:extLst>
+      <p:ext uri="{BB962C8B-B14F-4D97-AF65-F5344CB8AC3E}">
+        <p14:creationId xmlns:p14="http://schemas.microsoft.com/office/powerpoint/2010/main" val="2808818082"/>
+      </p:ext>
+    </p:extLst>
+  </p:cSld>
+  <p:clrMapOvr>
+    <a:masterClrMapping/>
+  </p:clrMapOvr>
+  <p:transition/>
+  <p:timing>
+    <p:tnLst>
+      <p:par>
+        <p:cTn id="1" dur="indefinite" restart="never" nodeType="tmRoot"/>
+      </p:par>
+    </p:tnLst>
+  </p:timing>
+</p:sld>
+</file>
+
+<file path=ppt/slides/slide25.xml><?xml version="1.0" encoding="utf-8"?>
+<p:sld xmlns:a="http://schemas.openxmlformats.org/drawingml/2006/main" xmlns:r="http://schemas.openxmlformats.org/officeDocument/2006/relationships" xmlns:p="http://schemas.openxmlformats.org/presentationml/2006/main">
+  <p:cSld>
+    <p:spTree>
+      <p:nvGrpSpPr>
+        <p:cNvPr id="1" name=""/>
+        <p:cNvGrpSpPr/>
+        <p:nvPr/>
+      </p:nvGrpSpPr>
+      <p:grpSpPr>
+        <a:xfrm>
+          <a:off x="0" y="0"/>
+          <a:ext cx="0" cy="0"/>
+          <a:chOff x="0" y="0"/>
+          <a:chExt cx="0" cy="0"/>
+        </a:xfrm>
+      </p:grpSpPr>
+      <p:sp>
+        <p:nvSpPr>
+          <p:cNvPr id="5122" name="Rectangle 2"/>
+          <p:cNvSpPr>
+            <a:spLocks noGrp="1" noChangeArrowheads="1"/>
+          </p:cNvSpPr>
+          <p:nvPr>
+            <p:ph type="title"/>
+          </p:nvPr>
+        </p:nvSpPr>
+        <p:spPr/>
+        <p:txBody>
+          <a:bodyPr/>
+          <a:lstStyle/>
+          <a:p>
+            <a:pPr>
+              <a:defRPr/>
+            </a:pPr>
+            <a:r>
+              <a:rPr lang="tr-TR" dirty="0" smtClean="0">
+                <a:latin typeface="Arial" panose="020B0604020202020204" pitchFamily="34" charset="0"/>
+                <a:cs typeface="Arial" panose="020B0604020202020204" pitchFamily="34" charset="0"/>
+              </a:rPr>
+              <a:t>Implementation on a Test Case</a:t>
+            </a:r>
+            <a:endParaRPr lang="en-US" dirty="0" smtClean="0">
+              <a:latin typeface="Arial" panose="020B0604020202020204" pitchFamily="34" charset="0"/>
+              <a:cs typeface="Arial" panose="020B0604020202020204" pitchFamily="34" charset="0"/>
+            </a:endParaRPr>
+          </a:p>
+        </p:txBody>
+      </p:sp>
+      <p:sp>
+        <p:nvSpPr>
+          <p:cNvPr id="2" name="Date Placeholder 1"/>
+          <p:cNvSpPr>
+            <a:spLocks noGrp="1"/>
+          </p:cNvSpPr>
+          <p:nvPr>
+            <p:ph type="dt" sz="half" idx="2"/>
+          </p:nvPr>
+        </p:nvSpPr>
+        <p:spPr/>
+        <p:txBody>
+          <a:bodyPr/>
+          <a:lstStyle/>
+          <a:p>
+            <a:pPr>
+              <a:defRPr/>
+            </a:pPr>
+            <a:r>
+              <a:rPr lang="tr-TR" smtClean="0"/>
+              <a:t>18.01.2019</a:t>
+            </a:r>
+            <a:endParaRPr lang="en-US" dirty="0"/>
+          </a:p>
+        </p:txBody>
+      </p:sp>
+      <p:sp>
+        <p:nvSpPr>
+          <p:cNvPr id="3" name="Slide Number Placeholder 2"/>
+          <p:cNvSpPr>
+            <a:spLocks noGrp="1"/>
+          </p:cNvSpPr>
+          <p:nvPr>
+            <p:ph type="sldNum" sz="quarter" idx="12"/>
+          </p:nvPr>
+        </p:nvSpPr>
+        <p:spPr/>
+        <p:txBody>
+          <a:bodyPr/>
+          <a:lstStyle/>
+          <a:p>
+            <a:pPr>
+              <a:defRPr/>
+            </a:pPr>
+            <a:fld id="{C878F797-6006-4DDA-AFE9-456F280FE6C5}" type="slidenum">
+              <a:rPr lang="en-US" smtClean="0"/>
+              <a:pPr>
+                <a:defRPr/>
+              </a:pPr>
+              <a:t>25</a:t>
             </a:fld>
             <a:endParaRPr lang="en-US" dirty="0"/>
           </a:p>
@@ -11294,6 +12152,41 @@
           </a:graphicData>
         </a:graphic>
       </p:graphicFrame>
+      <p:sp>
+        <p:nvSpPr>
+          <p:cNvPr id="6" name="TextBox 5"/>
+          <p:cNvSpPr txBox="1"/>
+          <p:nvPr/>
+        </p:nvSpPr>
+        <p:spPr>
+          <a:xfrm>
+            <a:off x="534380" y="5868914"/>
+            <a:ext cx="8075242" cy="646331"/>
+          </a:xfrm>
+          <a:prstGeom prst="rect">
+            <a:avLst/>
+          </a:prstGeom>
+          <a:noFill/>
+        </p:spPr>
+        <p:txBody>
+          <a:bodyPr wrap="square" rtlCol="0">
+            <a:spAutoFit/>
+          </a:bodyPr>
+          <a:lstStyle/>
+          <a:p>
+            <a:pPr algn="ctr"/>
+            <a:r>
+              <a:rPr lang="tr-TR" sz="1800" dirty="0"/>
+              <a:t>Figure </a:t>
+            </a:r>
+            <a:r>
+              <a:rPr lang="tr-TR" sz="1800" dirty="0" smtClean="0"/>
+              <a:t>23: Effect of the Synthetic Inertia in System Frequency Response Parameters</a:t>
+            </a:r>
+            <a:endParaRPr lang="tr-TR" sz="1800" dirty="0"/>
+          </a:p>
+        </p:txBody>
+      </p:sp>
     </p:spTree>
     <p:extLst>
       <p:ext uri="{BB962C8B-B14F-4D97-AF65-F5344CB8AC3E}">
@@ -11315,7 +12208,7 @@
 </p:sld>
 </file>
 
-<file path=ppt/slides/slide25.xml><?xml version="1.0" encoding="utf-8"?>
+<file path=ppt/slides/slide26.xml><?xml version="1.0" encoding="utf-8"?>
 <p:sld xmlns:a="http://schemas.openxmlformats.org/drawingml/2006/main" xmlns:r="http://schemas.openxmlformats.org/officeDocument/2006/relationships" xmlns:p="http://schemas.openxmlformats.org/presentationml/2006/main">
   <p:cSld>
     <p:spTree>
@@ -11413,7 +12306,7 @@
               <a:pPr>
                 <a:defRPr/>
               </a:pPr>
-              <a:t>25</a:t>
+              <a:t>26</a:t>
             </a:fld>
             <a:endParaRPr lang="en-US" dirty="0"/>
           </a:p>
@@ -11538,164 +12431,45 @@
           </a:prstGeom>
         </p:spPr>
       </p:pic>
+      <p:sp>
+        <p:nvSpPr>
+          <p:cNvPr id="11" name="TextBox 10"/>
+          <p:cNvSpPr txBox="1"/>
+          <p:nvPr/>
+        </p:nvSpPr>
+        <p:spPr>
+          <a:xfrm>
+            <a:off x="457199" y="5802091"/>
+            <a:ext cx="8770673" cy="646331"/>
+          </a:xfrm>
+          <a:prstGeom prst="rect">
+            <a:avLst/>
+          </a:prstGeom>
+          <a:noFill/>
+        </p:spPr>
+        <p:txBody>
+          <a:bodyPr wrap="square" rtlCol="0">
+            <a:spAutoFit/>
+          </a:bodyPr>
+          <a:lstStyle/>
+          <a:p>
+            <a:pPr algn="ctr"/>
+            <a:r>
+              <a:rPr lang="tr-TR" sz="1800" dirty="0"/>
+              <a:t>Figure </a:t>
+            </a:r>
+            <a:r>
+              <a:rPr lang="tr-TR" sz="1800" dirty="0" smtClean="0"/>
+              <a:t>24: Comparison between Fast Inertial Support and Synthetic Inertia based on the 400kJ Energy Extraction</a:t>
+            </a:r>
+            <a:endParaRPr lang="tr-TR" sz="1800" dirty="0"/>
+          </a:p>
+        </p:txBody>
+      </p:sp>
     </p:spTree>
     <p:extLst>
       <p:ext uri="{BB962C8B-B14F-4D97-AF65-F5344CB8AC3E}">
         <p14:creationId xmlns:p14="http://schemas.microsoft.com/office/powerpoint/2010/main" val="1043681184"/>
-      </p:ext>
-    </p:extLst>
-  </p:cSld>
-  <p:clrMapOvr>
-    <a:masterClrMapping/>
-  </p:clrMapOvr>
-  <p:transition/>
-  <p:timing>
-    <p:tnLst>
-      <p:par>
-        <p:cTn id="1" dur="indefinite" restart="never" nodeType="tmRoot"/>
-      </p:par>
-    </p:tnLst>
-  </p:timing>
-</p:sld>
-</file>
-
-<file path=ppt/slides/slide26.xml><?xml version="1.0" encoding="utf-8"?>
-<p:sld xmlns:a="http://schemas.openxmlformats.org/drawingml/2006/main" xmlns:r="http://schemas.openxmlformats.org/officeDocument/2006/relationships" xmlns:p="http://schemas.openxmlformats.org/presentationml/2006/main">
-  <p:cSld>
-    <p:spTree>
-      <p:nvGrpSpPr>
-        <p:cNvPr id="1" name=""/>
-        <p:cNvGrpSpPr/>
-        <p:nvPr/>
-      </p:nvGrpSpPr>
-      <p:grpSpPr>
-        <a:xfrm>
-          <a:off x="0" y="0"/>
-          <a:ext cx="0" cy="0"/>
-          <a:chOff x="0" y="0"/>
-          <a:chExt cx="0" cy="0"/>
-        </a:xfrm>
-      </p:grpSpPr>
-      <p:sp>
-        <p:nvSpPr>
-          <p:cNvPr id="5122" name="Rectangle 2"/>
-          <p:cNvSpPr>
-            <a:spLocks noGrp="1" noChangeArrowheads="1"/>
-          </p:cNvSpPr>
-          <p:nvPr>
-            <p:ph type="title"/>
-          </p:nvPr>
-        </p:nvSpPr>
-        <p:spPr/>
-        <p:txBody>
-          <a:bodyPr/>
-          <a:lstStyle/>
-          <a:p>
-            <a:pPr>
-              <a:defRPr/>
-            </a:pPr>
-            <a:r>
-              <a:rPr lang="tr-TR" dirty="0" smtClean="0">
-                <a:latin typeface="Arial" panose="020B0604020202020204" pitchFamily="34" charset="0"/>
-                <a:cs typeface="Arial" panose="020B0604020202020204" pitchFamily="34" charset="0"/>
-              </a:rPr>
-              <a:t>Effects on the Turkish Electricity System</a:t>
-            </a:r>
-            <a:endParaRPr lang="en-US" dirty="0" smtClean="0">
-              <a:latin typeface="Arial" panose="020B0604020202020204" pitchFamily="34" charset="0"/>
-              <a:cs typeface="Arial" panose="020B0604020202020204" pitchFamily="34" charset="0"/>
-            </a:endParaRPr>
-          </a:p>
-        </p:txBody>
-      </p:sp>
-      <p:sp>
-        <p:nvSpPr>
-          <p:cNvPr id="2" name="Date Placeholder 1"/>
-          <p:cNvSpPr>
-            <a:spLocks noGrp="1"/>
-          </p:cNvSpPr>
-          <p:nvPr>
-            <p:ph type="dt" sz="half" idx="2"/>
-          </p:nvPr>
-        </p:nvSpPr>
-        <p:spPr/>
-        <p:txBody>
-          <a:bodyPr/>
-          <a:lstStyle/>
-          <a:p>
-            <a:pPr>
-              <a:defRPr/>
-            </a:pPr>
-            <a:r>
-              <a:rPr lang="tr-TR" smtClean="0"/>
-              <a:t>18.01.2019</a:t>
-            </a:r>
-            <a:endParaRPr lang="en-US" dirty="0"/>
-          </a:p>
-        </p:txBody>
-      </p:sp>
-      <p:sp>
-        <p:nvSpPr>
-          <p:cNvPr id="3" name="Slide Number Placeholder 2"/>
-          <p:cNvSpPr>
-            <a:spLocks noGrp="1"/>
-          </p:cNvSpPr>
-          <p:nvPr>
-            <p:ph type="sldNum" sz="quarter" idx="12"/>
-          </p:nvPr>
-        </p:nvSpPr>
-        <p:spPr/>
-        <p:txBody>
-          <a:bodyPr/>
-          <a:lstStyle/>
-          <a:p>
-            <a:pPr>
-              <a:defRPr/>
-            </a:pPr>
-            <a:fld id="{C878F797-6006-4DDA-AFE9-456F280FE6C5}" type="slidenum">
-              <a:rPr lang="en-US" smtClean="0"/>
-              <a:pPr>
-                <a:defRPr/>
-              </a:pPr>
-              <a:t>26</a:t>
-            </a:fld>
-            <a:endParaRPr lang="en-US" dirty="0"/>
-          </a:p>
-        </p:txBody>
-      </p:sp>
-      <p:pic>
-        <p:nvPicPr>
-          <p:cNvPr id="5" name="Content Placeholder 4"/>
-          <p:cNvPicPr>
-            <a:picLocks noGrp="1" noChangeAspect="1"/>
-          </p:cNvPicPr>
-          <p:nvPr>
-            <p:ph idx="1"/>
-          </p:nvPr>
-        </p:nvPicPr>
-        <p:blipFill>
-          <a:blip r:embed="rId3">
-            <a:extLst>
-              <a:ext uri="{28A0092B-C50C-407E-A947-70E740481C1C}">
-                <a14:useLocalDpi xmlns:a14="http://schemas.microsoft.com/office/drawing/2010/main" val="0"/>
-              </a:ext>
-            </a:extLst>
-          </a:blip>
-          <a:stretch>
-            <a:fillRect/>
-          </a:stretch>
-        </p:blipFill>
-        <p:spPr>
-          <a:xfrm>
-            <a:off x="520924" y="1628800"/>
-            <a:ext cx="8102152" cy="3861274"/>
-          </a:xfrm>
-        </p:spPr>
-      </p:pic>
-    </p:spTree>
-    <p:extLst>
-      <p:ext uri="{BB962C8B-B14F-4D97-AF65-F5344CB8AC3E}">
-        <p14:creationId xmlns:p14="http://schemas.microsoft.com/office/powerpoint/2010/main" val="668286389"/>
       </p:ext>
     </p:extLst>
   </p:cSld>
@@ -11753,7 +12527,14 @@
                 <a:latin typeface="Arial" panose="020B0604020202020204" pitchFamily="34" charset="0"/>
                 <a:cs typeface="Arial" panose="020B0604020202020204" pitchFamily="34" charset="0"/>
               </a:rPr>
-              <a:t>Effects on the Turkish Electricity System</a:t>
+              <a:t>Effects on the Turkish Electricity </a:t>
+            </a:r>
+            <a:r>
+              <a:rPr lang="tr-TR" dirty="0" smtClean="0">
+                <a:latin typeface="Arial" panose="020B0604020202020204" pitchFamily="34" charset="0"/>
+                <a:cs typeface="Arial" panose="020B0604020202020204" pitchFamily="34" charset="0"/>
+              </a:rPr>
+              <a:t>Network</a:t>
             </a:r>
             <a:endParaRPr lang="en-US" dirty="0" smtClean="0">
               <a:latin typeface="Arial" panose="020B0604020202020204" pitchFamily="34" charset="0"/>
@@ -11819,7 +12600,7 @@
       </p:sp>
       <p:pic>
         <p:nvPicPr>
-          <p:cNvPr id="9" name="Content Placeholder 8"/>
+          <p:cNvPr id="5" name="Content Placeholder 4"/>
           <p:cNvPicPr>
             <a:picLocks noGrp="1" noChangeAspect="1"/>
           </p:cNvPicPr>
@@ -11841,21 +12622,21 @@
         </p:blipFill>
         <p:spPr>
           <a:xfrm>
-            <a:off x="533121" y="1412776"/>
-            <a:ext cx="8077758" cy="3849648"/>
+            <a:off x="520924" y="1628800"/>
+            <a:ext cx="8102152" cy="3861274"/>
           </a:xfrm>
         </p:spPr>
       </p:pic>
       <p:sp>
         <p:nvSpPr>
-          <p:cNvPr id="14" name="TextBox 13"/>
+          <p:cNvPr id="6" name="TextBox 5"/>
           <p:cNvSpPr txBox="1"/>
           <p:nvPr/>
         </p:nvSpPr>
         <p:spPr>
           <a:xfrm>
-            <a:off x="457199" y="5443406"/>
-            <a:ext cx="8153680" cy="830997"/>
+            <a:off x="1715671" y="5490074"/>
+            <a:ext cx="5484057" cy="646331"/>
           </a:xfrm>
           <a:prstGeom prst="rect">
             <a:avLst/>
@@ -11868,18 +12649,23 @@
           </a:bodyPr>
           <a:lstStyle/>
           <a:p>
-            <a:r>
-              <a:rPr lang="tr-TR" dirty="0" smtClean="0"/>
-              <a:t>The aggregated inertia constant can be improved with synthetic inertia implementation.</a:t>
-            </a:r>
-            <a:endParaRPr lang="tr-TR" dirty="0"/>
+            <a:pPr algn="ctr"/>
+            <a:r>
+              <a:rPr lang="tr-TR" sz="1800" dirty="0"/>
+              <a:t>Figure </a:t>
+            </a:r>
+            <a:r>
+              <a:rPr lang="tr-TR" sz="1800" dirty="0" smtClean="0"/>
+              <a:t>25: Variation of the Total Power and Wind Power in 2018 [6]</a:t>
+            </a:r>
+            <a:endParaRPr lang="tr-TR" sz="1800" dirty="0"/>
           </a:p>
         </p:txBody>
       </p:sp>
     </p:spTree>
     <p:extLst>
       <p:ext uri="{BB962C8B-B14F-4D97-AF65-F5344CB8AC3E}">
-        <p14:creationId xmlns:p14="http://schemas.microsoft.com/office/powerpoint/2010/main" val="591568862"/>
+        <p14:creationId xmlns:p14="http://schemas.microsoft.com/office/powerpoint/2010/main" val="668286389"/>
       </p:ext>
     </p:extLst>
   </p:cSld>
@@ -11933,11 +12719,18 @@
               <a:defRPr/>
             </a:pPr>
             <a:r>
+              <a:rPr lang="tr-TR" dirty="0" smtClean="0">
+                <a:latin typeface="Arial" panose="020B0604020202020204" pitchFamily="34" charset="0"/>
+                <a:cs typeface="Arial" panose="020B0604020202020204" pitchFamily="34" charset="0"/>
+              </a:rPr>
+              <a:t>Effects on the Turkish Electricity </a:t>
+            </a:r>
+            <a:r>
               <a:rPr lang="tr-TR" dirty="0">
                 <a:latin typeface="Arial" panose="020B0604020202020204" pitchFamily="34" charset="0"/>
                 <a:cs typeface="Arial" panose="020B0604020202020204" pitchFamily="34" charset="0"/>
               </a:rPr>
-              <a:t>Effects on the Turkish Electricity System</a:t>
+              <a:t>Network</a:t>
             </a:r>
             <a:endParaRPr lang="en-US" dirty="0" smtClean="0">
               <a:latin typeface="Arial" panose="020B0604020202020204" pitchFamily="34" charset="0"/>
@@ -12003,7 +12796,7 @@
       </p:sp>
       <p:pic>
         <p:nvPicPr>
-          <p:cNvPr id="6" name="Content Placeholder 5"/>
+          <p:cNvPr id="9" name="Content Placeholder 8"/>
           <p:cNvPicPr>
             <a:picLocks noGrp="1" noChangeAspect="1"/>
           </p:cNvPicPr>
@@ -12025,11 +12818,214 @@
         </p:blipFill>
         <p:spPr>
           <a:xfrm>
-            <a:off x="2771800" y="1363663"/>
+            <a:off x="533121" y="1412776"/>
+            <a:ext cx="8077758" cy="3849648"/>
+          </a:xfrm>
+        </p:spPr>
+      </p:pic>
+      <p:sp>
+        <p:nvSpPr>
+          <p:cNvPr id="7" name="TextBox 6"/>
+          <p:cNvSpPr txBox="1"/>
+          <p:nvPr/>
+        </p:nvSpPr>
+        <p:spPr>
+          <a:xfrm>
+            <a:off x="1259633" y="5490074"/>
+            <a:ext cx="6696744" cy="646331"/>
+          </a:xfrm>
+          <a:prstGeom prst="rect">
+            <a:avLst/>
+          </a:prstGeom>
+          <a:noFill/>
+        </p:spPr>
+        <p:txBody>
+          <a:bodyPr wrap="square" rtlCol="0">
+            <a:spAutoFit/>
+          </a:bodyPr>
+          <a:lstStyle/>
+          <a:p>
+            <a:pPr algn="ctr"/>
+            <a:r>
+              <a:rPr lang="tr-TR" sz="1800" dirty="0"/>
+              <a:t>Figure </a:t>
+            </a:r>
+            <a:r>
+              <a:rPr lang="tr-TR" sz="1800" dirty="0" smtClean="0"/>
+              <a:t>26: Variation of Aggregated Inertia Constant </a:t>
+            </a:r>
+          </a:p>
+          <a:p>
+            <a:pPr algn="ctr"/>
+            <a:r>
+              <a:rPr lang="tr-TR" sz="1800" dirty="0" smtClean="0"/>
+              <a:t>(based on H=0 for Wind and Solar, H=5s for others)</a:t>
+            </a:r>
+            <a:endParaRPr lang="tr-TR" sz="1800" dirty="0"/>
+          </a:p>
+        </p:txBody>
+      </p:sp>
+    </p:spTree>
+    <p:extLst>
+      <p:ext uri="{BB962C8B-B14F-4D97-AF65-F5344CB8AC3E}">
+        <p14:creationId xmlns:p14="http://schemas.microsoft.com/office/powerpoint/2010/main" val="591568862"/>
+      </p:ext>
+    </p:extLst>
+  </p:cSld>
+  <p:clrMapOvr>
+    <a:masterClrMapping/>
+  </p:clrMapOvr>
+  <p:transition/>
+  <p:timing>
+    <p:tnLst>
+      <p:par>
+        <p:cTn id="1" dur="indefinite" restart="never" nodeType="tmRoot"/>
+      </p:par>
+    </p:tnLst>
+  </p:timing>
+</p:sld>
+</file>
+
+<file path=ppt/slides/slide29.xml><?xml version="1.0" encoding="utf-8"?>
+<p:sld xmlns:a="http://schemas.openxmlformats.org/drawingml/2006/main" xmlns:r="http://schemas.openxmlformats.org/officeDocument/2006/relationships" xmlns:p="http://schemas.openxmlformats.org/presentationml/2006/main">
+  <p:cSld>
+    <p:spTree>
+      <p:nvGrpSpPr>
+        <p:cNvPr id="1" name=""/>
+        <p:cNvGrpSpPr/>
+        <p:nvPr/>
+      </p:nvGrpSpPr>
+      <p:grpSpPr>
+        <a:xfrm>
+          <a:off x="0" y="0"/>
+          <a:ext cx="0" cy="0"/>
+          <a:chOff x="0" y="0"/>
+          <a:chExt cx="0" cy="0"/>
+        </a:xfrm>
+      </p:grpSpPr>
+      <p:pic>
+        <p:nvPicPr>
+          <p:cNvPr id="6" name="Content Placeholder 5"/>
+          <p:cNvPicPr>
+            <a:picLocks noGrp="1" noChangeAspect="1"/>
+          </p:cNvPicPr>
+          <p:nvPr>
+            <p:ph idx="1"/>
+          </p:nvPr>
+        </p:nvPicPr>
+        <p:blipFill>
+          <a:blip r:embed="rId3">
+            <a:extLst>
+              <a:ext uri="{28A0092B-C50C-407E-A947-70E740481C1C}">
+                <a14:useLocalDpi xmlns:a14="http://schemas.microsoft.com/office/drawing/2010/main" val="0"/>
+              </a:ext>
+            </a:extLst>
+          </a:blip>
+          <a:stretch>
+            <a:fillRect/>
+          </a:stretch>
+        </p:blipFill>
+        <p:spPr>
+          <a:xfrm>
+            <a:off x="2771800" y="1268760"/>
             <a:ext cx="6306177" cy="4729633"/>
           </a:xfrm>
         </p:spPr>
       </p:pic>
+      <p:sp>
+        <p:nvSpPr>
+          <p:cNvPr id="5122" name="Rectangle 2"/>
+          <p:cNvSpPr>
+            <a:spLocks noGrp="1" noChangeArrowheads="1"/>
+          </p:cNvSpPr>
+          <p:nvPr>
+            <p:ph type="title"/>
+          </p:nvPr>
+        </p:nvSpPr>
+        <p:spPr/>
+        <p:txBody>
+          <a:bodyPr/>
+          <a:lstStyle/>
+          <a:p>
+            <a:pPr>
+              <a:defRPr/>
+            </a:pPr>
+            <a:r>
+              <a:rPr lang="tr-TR" dirty="0">
+                <a:latin typeface="Arial" panose="020B0604020202020204" pitchFamily="34" charset="0"/>
+                <a:cs typeface="Arial" panose="020B0604020202020204" pitchFamily="34" charset="0"/>
+              </a:rPr>
+              <a:t>Effects on the Turkish Electricity </a:t>
+            </a:r>
+            <a:r>
+              <a:rPr lang="tr-TR" dirty="0">
+                <a:latin typeface="Arial" panose="020B0604020202020204" pitchFamily="34" charset="0"/>
+                <a:cs typeface="Arial" panose="020B0604020202020204" pitchFamily="34" charset="0"/>
+              </a:rPr>
+              <a:t>Network</a:t>
+            </a:r>
+            <a:endParaRPr lang="en-US" dirty="0" smtClean="0">
+              <a:latin typeface="Arial" panose="020B0604020202020204" pitchFamily="34" charset="0"/>
+              <a:cs typeface="Arial" panose="020B0604020202020204" pitchFamily="34" charset="0"/>
+            </a:endParaRPr>
+          </a:p>
+        </p:txBody>
+      </p:sp>
+      <p:sp>
+        <p:nvSpPr>
+          <p:cNvPr id="2" name="Date Placeholder 1"/>
+          <p:cNvSpPr>
+            <a:spLocks noGrp="1"/>
+          </p:cNvSpPr>
+          <p:nvPr>
+            <p:ph type="dt" sz="half" idx="2"/>
+          </p:nvPr>
+        </p:nvSpPr>
+        <p:spPr/>
+        <p:txBody>
+          <a:bodyPr/>
+          <a:lstStyle/>
+          <a:p>
+            <a:pPr>
+              <a:defRPr/>
+            </a:pPr>
+            <a:r>
+              <a:rPr lang="tr-TR" smtClean="0"/>
+              <a:t>18.01.2019</a:t>
+            </a:r>
+            <a:endParaRPr lang="en-US" dirty="0"/>
+          </a:p>
+        </p:txBody>
+      </p:sp>
+      <p:sp>
+        <p:nvSpPr>
+          <p:cNvPr id="3" name="Slide Number Placeholder 2"/>
+          <p:cNvSpPr>
+            <a:spLocks noGrp="1"/>
+          </p:cNvSpPr>
+          <p:nvPr>
+            <p:ph type="sldNum" sz="quarter" idx="12"/>
+          </p:nvPr>
+        </p:nvSpPr>
+        <p:spPr/>
+        <p:txBody>
+          <a:bodyPr/>
+          <a:lstStyle/>
+          <a:p>
+            <a:pPr>
+              <a:defRPr/>
+            </a:pPr>
+            <a:fld id="{C878F797-6006-4DDA-AFE9-456F280FE6C5}" type="slidenum">
+              <a:rPr lang="en-US" smtClean="0"/>
+              <a:pPr>
+                <a:defRPr/>
+              </a:pPr>
+              <a:t>29</a:t>
+            </a:fld>
+            <a:endParaRPr lang="en-US" dirty="0"/>
+          </a:p>
+        </p:txBody>
+      </p:sp>
       <p:graphicFrame>
         <p:nvGraphicFramePr>
           <p:cNvPr id="4" name="Table 3"/>
@@ -12039,13 +13035,13 @@
           <p:nvPr>
             <p:extLst>
               <p:ext uri="{D42A27DB-BD31-4B8C-83A1-F6EECF244321}">
-                <p14:modId xmlns:p14="http://schemas.microsoft.com/office/powerpoint/2010/main" val="206889318"/>
+                <p14:modId xmlns:p14="http://schemas.microsoft.com/office/powerpoint/2010/main" val="99646829"/>
               </p:ext>
             </p:extLst>
           </p:nvPr>
         </p:nvGraphicFramePr>
         <p:xfrm>
-          <a:off x="383952" y="2204865"/>
+          <a:off x="288651" y="2094522"/>
           <a:ext cx="2603872" cy="3267913"/>
         </p:xfrm>
         <a:graphic>
@@ -12055,14 +13051,14 @@
                 <a:tableStyleId>{5C22544A-7EE6-4342-B048-85BDC9FD1C3A}</a:tableStyleId>
               </a:tblPr>
               <a:tblGrid>
-                <a:gridCol w="1170648">
+                <a:gridCol w="1523752">
                   <a:extLst>
                     <a:ext uri="{9D8B030D-6E8A-4147-A177-3AD203B41FA5}">
                       <a16:colId xmlns:a16="http://schemas.microsoft.com/office/drawing/2014/main" val="177217349"/>
                     </a:ext>
                   </a:extLst>
                 </a:gridCol>
-                <a:gridCol w="1433224">
+                <a:gridCol w="1080120">
                   <a:extLst>
                     <a:ext uri="{9D8B030D-6E8A-4147-A177-3AD203B41FA5}">
                       <a16:colId xmlns:a16="http://schemas.microsoft.com/office/drawing/2014/main" val="2812683723"/>
@@ -12314,14 +13310,14 @@
                     <a:p>
                       <a:pPr algn="ctr" fontAlgn="b"/>
                       <a:r>
-                        <a:rPr lang="tr-TR" sz="1400" u="none" strike="noStrike">
+                        <a:rPr lang="tr-TR" sz="1400" u="none" strike="noStrike" dirty="0">
                           <a:effectLst/>
                           <a:latin typeface="Arial" panose="020B0604020202020204" pitchFamily="34" charset="0"/>
                           <a:cs typeface="Arial" panose="020B0604020202020204" pitchFamily="34" charset="0"/>
                         </a:rPr>
                         <a:t>Wind (Other) (MW)</a:t>
                       </a:r>
-                      <a:endParaRPr lang="tr-TR" sz="1400" b="0" i="0" u="none" strike="noStrike">
+                      <a:endParaRPr lang="tr-TR" sz="1400" b="0" i="0" u="none" strike="noStrike" dirty="0">
                         <a:solidFill>
                           <a:srgbClr val="000000"/>
                         </a:solidFill>
@@ -12612,164 +13608,52 @@
           </a:graphicData>
         </a:graphic>
       </p:graphicFrame>
+      <p:sp>
+        <p:nvSpPr>
+          <p:cNvPr id="7" name="TextBox 6"/>
+          <p:cNvSpPr txBox="1"/>
+          <p:nvPr/>
+        </p:nvSpPr>
+        <p:spPr>
+          <a:xfrm>
+            <a:off x="2576516" y="5877272"/>
+            <a:ext cx="6696744" cy="646331"/>
+          </a:xfrm>
+          <a:prstGeom prst="rect">
+            <a:avLst/>
+          </a:prstGeom>
+          <a:noFill/>
+        </p:spPr>
+        <p:txBody>
+          <a:bodyPr wrap="square" rtlCol="0">
+            <a:spAutoFit/>
+          </a:bodyPr>
+          <a:lstStyle/>
+          <a:p>
+            <a:pPr algn="ctr"/>
+            <a:r>
+              <a:rPr lang="tr-TR" sz="1800" dirty="0"/>
+              <a:t>Figure </a:t>
+            </a:r>
+            <a:r>
+              <a:rPr lang="tr-TR" sz="1800" dirty="0" smtClean="0"/>
+              <a:t>26: Variation of Aggregated Inertia Constant </a:t>
+            </a:r>
+          </a:p>
+          <a:p>
+            <a:pPr algn="ctr"/>
+            <a:r>
+              <a:rPr lang="tr-TR" sz="1800" dirty="0" smtClean="0"/>
+              <a:t>(based on H=10s for Wind Turbines with FSPC)</a:t>
+            </a:r>
+            <a:endParaRPr lang="tr-TR" sz="1800" dirty="0"/>
+          </a:p>
+        </p:txBody>
+      </p:sp>
     </p:spTree>
     <p:extLst>
       <p:ext uri="{BB962C8B-B14F-4D97-AF65-F5344CB8AC3E}">
         <p14:creationId xmlns:p14="http://schemas.microsoft.com/office/powerpoint/2010/main" val="1617488484"/>
-      </p:ext>
-    </p:extLst>
-  </p:cSld>
-  <p:clrMapOvr>
-    <a:masterClrMapping/>
-  </p:clrMapOvr>
-  <p:transition/>
-  <p:timing>
-    <p:tnLst>
-      <p:par>
-        <p:cTn id="1" dur="indefinite" restart="never" nodeType="tmRoot"/>
-      </p:par>
-    </p:tnLst>
-  </p:timing>
-</p:sld>
-</file>
-
-<file path=ppt/slides/slide29.xml><?xml version="1.0" encoding="utf-8"?>
-<p:sld xmlns:a="http://schemas.openxmlformats.org/drawingml/2006/main" xmlns:r="http://schemas.openxmlformats.org/officeDocument/2006/relationships" xmlns:p="http://schemas.openxmlformats.org/presentationml/2006/main">
-  <p:cSld>
-    <p:spTree>
-      <p:nvGrpSpPr>
-        <p:cNvPr id="1" name=""/>
-        <p:cNvGrpSpPr/>
-        <p:nvPr/>
-      </p:nvGrpSpPr>
-      <p:grpSpPr>
-        <a:xfrm>
-          <a:off x="0" y="0"/>
-          <a:ext cx="0" cy="0"/>
-          <a:chOff x="0" y="0"/>
-          <a:chExt cx="0" cy="0"/>
-        </a:xfrm>
-      </p:grpSpPr>
-      <p:sp>
-        <p:nvSpPr>
-          <p:cNvPr id="5122" name="Rectangle 2"/>
-          <p:cNvSpPr>
-            <a:spLocks noGrp="1" noChangeArrowheads="1"/>
-          </p:cNvSpPr>
-          <p:nvPr>
-            <p:ph type="title"/>
-          </p:nvPr>
-        </p:nvSpPr>
-        <p:spPr/>
-        <p:txBody>
-          <a:bodyPr/>
-          <a:lstStyle/>
-          <a:p>
-            <a:pPr>
-              <a:defRPr/>
-            </a:pPr>
-            <a:r>
-              <a:rPr lang="tr-TR" dirty="0" smtClean="0">
-                <a:latin typeface="Arial" panose="020B0604020202020204" pitchFamily="34" charset="0"/>
-                <a:cs typeface="Arial" panose="020B0604020202020204" pitchFamily="34" charset="0"/>
-              </a:rPr>
-              <a:t>Economical Perspective</a:t>
-            </a:r>
-            <a:endParaRPr lang="en-US" dirty="0" smtClean="0">
-              <a:latin typeface="Arial" panose="020B0604020202020204" pitchFamily="34" charset="0"/>
-              <a:cs typeface="Arial" panose="020B0604020202020204" pitchFamily="34" charset="0"/>
-            </a:endParaRPr>
-          </a:p>
-        </p:txBody>
-      </p:sp>
-      <p:sp>
-        <p:nvSpPr>
-          <p:cNvPr id="2" name="Date Placeholder 1"/>
-          <p:cNvSpPr>
-            <a:spLocks noGrp="1"/>
-          </p:cNvSpPr>
-          <p:nvPr>
-            <p:ph type="dt" sz="half" idx="2"/>
-          </p:nvPr>
-        </p:nvSpPr>
-        <p:spPr/>
-        <p:txBody>
-          <a:bodyPr/>
-          <a:lstStyle/>
-          <a:p>
-            <a:pPr>
-              <a:defRPr/>
-            </a:pPr>
-            <a:r>
-              <a:rPr lang="tr-TR" smtClean="0"/>
-              <a:t>18.01.2019</a:t>
-            </a:r>
-            <a:endParaRPr lang="en-US" dirty="0"/>
-          </a:p>
-        </p:txBody>
-      </p:sp>
-      <p:sp>
-        <p:nvSpPr>
-          <p:cNvPr id="3" name="Slide Number Placeholder 2"/>
-          <p:cNvSpPr>
-            <a:spLocks noGrp="1"/>
-          </p:cNvSpPr>
-          <p:nvPr>
-            <p:ph type="sldNum" sz="quarter" idx="12"/>
-          </p:nvPr>
-        </p:nvSpPr>
-        <p:spPr/>
-        <p:txBody>
-          <a:bodyPr/>
-          <a:lstStyle/>
-          <a:p>
-            <a:pPr>
-              <a:defRPr/>
-            </a:pPr>
-            <a:fld id="{C878F797-6006-4DDA-AFE9-456F280FE6C5}" type="slidenum">
-              <a:rPr lang="en-US" smtClean="0"/>
-              <a:pPr>
-                <a:defRPr/>
-              </a:pPr>
-              <a:t>29</a:t>
-            </a:fld>
-            <a:endParaRPr lang="en-US" dirty="0"/>
-          </a:p>
-        </p:txBody>
-      </p:sp>
-      <p:pic>
-        <p:nvPicPr>
-          <p:cNvPr id="6" name="Content Placeholder 5"/>
-          <p:cNvPicPr>
-            <a:picLocks noGrp="1" noChangeAspect="1"/>
-          </p:cNvPicPr>
-          <p:nvPr>
-            <p:ph idx="1"/>
-          </p:nvPr>
-        </p:nvPicPr>
-        <p:blipFill>
-          <a:blip r:embed="rId3">
-            <a:extLst>
-              <a:ext uri="{28A0092B-C50C-407E-A947-70E740481C1C}">
-                <a14:useLocalDpi xmlns:a14="http://schemas.microsoft.com/office/drawing/2010/main" val="0"/>
-              </a:ext>
-            </a:extLst>
-          </a:blip>
-          <a:stretch>
-            <a:fillRect/>
-          </a:stretch>
-        </p:blipFill>
-        <p:spPr>
-          <a:xfrm>
-            <a:off x="2317760" y="1449388"/>
-            <a:ext cx="4508479" cy="4987925"/>
-          </a:xfrm>
-        </p:spPr>
-      </p:pic>
-    </p:spTree>
-    <p:extLst>
-      <p:ext uri="{BB962C8B-B14F-4D97-AF65-F5344CB8AC3E}">
-        <p14:creationId xmlns:p14="http://schemas.microsoft.com/office/powerpoint/2010/main" val="3911174233"/>
       </p:ext>
     </p:extLst>
   </p:cSld>
@@ -12891,25 +13775,6 @@
           </a:p>
         </p:txBody>
       </p:sp>
-      <p:sp>
-        <p:nvSpPr>
-          <p:cNvPr id="4" name="Content Placeholder 3"/>
-          <p:cNvSpPr>
-            <a:spLocks noGrp="1"/>
-          </p:cNvSpPr>
-          <p:nvPr>
-            <p:ph idx="1"/>
-          </p:nvPr>
-        </p:nvSpPr>
-        <p:spPr/>
-        <p:txBody>
-          <a:bodyPr/>
-          <a:lstStyle/>
-          <a:p>
-            <a:endParaRPr lang="tr-TR"/>
-          </a:p>
-        </p:txBody>
-      </p:sp>
       <p:pic>
         <p:nvPicPr>
           <p:cNvPr id="7" name="Picture 6"/>
@@ -12932,7 +13797,7 @@
         </p:blipFill>
         <p:spPr>
           <a:xfrm>
-            <a:off x="282351" y="1473795"/>
+            <a:off x="282351" y="1511718"/>
             <a:ext cx="8579297" cy="4303053"/>
           </a:xfrm>
           <a:prstGeom prst="rect">
@@ -12940,6 +13805,37 @@
           </a:prstGeom>
         </p:spPr>
       </p:pic>
+      <p:sp>
+        <p:nvSpPr>
+          <p:cNvPr id="6" name="TextBox 5"/>
+          <p:cNvSpPr txBox="1"/>
+          <p:nvPr/>
+        </p:nvSpPr>
+        <p:spPr>
+          <a:xfrm>
+            <a:off x="282351" y="5814771"/>
+            <a:ext cx="8579297" cy="369332"/>
+          </a:xfrm>
+          <a:prstGeom prst="rect">
+            <a:avLst/>
+          </a:prstGeom>
+          <a:noFill/>
+        </p:spPr>
+        <p:txBody>
+          <a:bodyPr wrap="square" rtlCol="0">
+            <a:spAutoFit/>
+          </a:bodyPr>
+          <a:lstStyle/>
+          <a:p>
+            <a:pPr algn="ctr"/>
+            <a:r>
+              <a:rPr lang="tr-TR" sz="1800" dirty="0" smtClean="0"/>
+              <a:t>Figure 1: Variation of the Installed Capacity based on Primary Energy Source [1]</a:t>
+            </a:r>
+            <a:endParaRPr lang="tr-TR" sz="1800" dirty="0"/>
+          </a:p>
+        </p:txBody>
+      </p:sp>
     </p:spTree>
     <p:extLst>
       <p:ext uri="{BB962C8B-B14F-4D97-AF65-F5344CB8AC3E}">
@@ -12988,7 +13884,12 @@
             <p:ph type="title"/>
           </p:nvPr>
         </p:nvSpPr>
-        <p:spPr/>
+        <p:spPr>
+          <a:xfrm>
+            <a:off x="457200" y="338138"/>
+            <a:ext cx="8229600" cy="656193"/>
+          </a:xfrm>
+        </p:spPr>
         <p:txBody>
           <a:bodyPr/>
           <a:lstStyle/>
@@ -13065,107 +13966,146 @@
           </a:p>
         </p:txBody>
       </p:sp>
-      <p:sp>
-        <p:nvSpPr>
-          <p:cNvPr id="4" name="Content Placeholder 3"/>
-          <p:cNvSpPr>
-            <a:spLocks noGrp="1"/>
-          </p:cNvSpPr>
+      <p:pic>
+        <p:nvPicPr>
+          <p:cNvPr id="6" name="Content Placeholder 5"/>
+          <p:cNvPicPr>
+            <a:picLocks noGrp="1" noChangeAspect="1"/>
+          </p:cNvPicPr>
           <p:nvPr>
             <p:ph idx="1"/>
           </p:nvPr>
-        </p:nvSpPr>
-        <p:spPr/>
-        <p:txBody>
-          <a:bodyPr/>
+        </p:nvPicPr>
+        <p:blipFill>
+          <a:blip r:embed="rId3">
+            <a:extLst>
+              <a:ext uri="{28A0092B-C50C-407E-A947-70E740481C1C}">
+                <a14:useLocalDpi xmlns:a14="http://schemas.microsoft.com/office/drawing/2010/main" val="0"/>
+              </a:ext>
+            </a:extLst>
+          </a:blip>
+          <a:stretch>
+            <a:fillRect/>
+          </a:stretch>
+        </p:blipFill>
+        <p:spPr>
+          <a:xfrm>
+            <a:off x="768080" y="1005832"/>
+            <a:ext cx="4511496" cy="4991263"/>
+          </a:xfrm>
+        </p:spPr>
+      </p:pic>
+      <p:sp>
+        <p:nvSpPr>
+          <p:cNvPr id="7" name="TextBox 6"/>
+          <p:cNvSpPr txBox="1"/>
+          <p:nvPr/>
+        </p:nvSpPr>
+        <p:spPr>
+          <a:xfrm>
+            <a:off x="-324544" y="6008596"/>
+            <a:ext cx="6696744" cy="369332"/>
+          </a:xfrm>
+          <a:prstGeom prst="rect">
+            <a:avLst/>
+          </a:prstGeom>
+          <a:noFill/>
+        </p:spPr>
+        <p:txBody>
+          <a:bodyPr wrap="square" rtlCol="0">
+            <a:spAutoFit/>
+          </a:bodyPr>
           <a:lstStyle/>
           <a:p>
-            <a:r>
-              <a:rPr lang="tr-TR" dirty="0" smtClean="0">
-                <a:latin typeface="Arial" panose="020B0604020202020204" pitchFamily="34" charset="0"/>
-                <a:cs typeface="Arial" panose="020B0604020202020204" pitchFamily="34" charset="0"/>
-              </a:rPr>
-              <a:t>Net additional energy is zero! (There exists losses due to deviation from MPPT, inside the gearbox, converter etc.)</a:t>
-            </a:r>
-          </a:p>
-          <a:p>
-            <a:endParaRPr lang="tr-TR" dirty="0">
-              <a:latin typeface="Arial" panose="020B0604020202020204" pitchFamily="34" charset="0"/>
-              <a:cs typeface="Arial" panose="020B0604020202020204" pitchFamily="34" charset="0"/>
-            </a:endParaRPr>
-          </a:p>
-          <a:p>
-            <a:r>
-              <a:rPr lang="tr-TR" dirty="0" smtClean="0">
-                <a:latin typeface="Arial" panose="020B0604020202020204" pitchFamily="34" charset="0"/>
-                <a:cs typeface="Arial" panose="020B0604020202020204" pitchFamily="34" charset="0"/>
-              </a:rPr>
-              <a:t>Let us only pay for the increased period (neglect the decrease):</a:t>
-            </a:r>
-          </a:p>
-          <a:p>
-            <a:pPr marL="0" indent="0" algn="ctr">
-              <a:buNone/>
+            <a:pPr algn="ctr"/>
+            <a:r>
+              <a:rPr lang="tr-TR" sz="1800" dirty="0"/>
+              <a:t>Figure </a:t>
+            </a:r>
+            <a:r>
+              <a:rPr lang="tr-TR" sz="1800" dirty="0" smtClean="0"/>
+              <a:t>27: Economical Perspective of Synthetic Inertia</a:t>
+            </a:r>
+            <a:endParaRPr lang="tr-TR" sz="1800" dirty="0"/>
+          </a:p>
+        </p:txBody>
+      </p:sp>
+      <p:sp>
+        <p:nvSpPr>
+          <p:cNvPr id="8" name="TextBox 7"/>
+          <p:cNvSpPr txBox="1"/>
+          <p:nvPr/>
+        </p:nvSpPr>
+        <p:spPr>
+          <a:xfrm>
+            <a:off x="5508104" y="1005832"/>
+            <a:ext cx="3384375" cy="3046988"/>
+          </a:xfrm>
+          <a:prstGeom prst="rect">
+            <a:avLst/>
+          </a:prstGeom>
+          <a:noFill/>
+        </p:spPr>
+        <p:txBody>
+          <a:bodyPr wrap="square" rtlCol="0">
+            <a:spAutoFit/>
+          </a:bodyPr>
+          <a:lstStyle/>
+          <a:p>
+            <a:pPr marL="342900" indent="-342900">
+              <a:buFont typeface="Arial" panose="020B0604020202020204" pitchFamily="34" charset="0"/>
+              <a:buChar char="•"/>
             </a:pPr>
             <a:r>
-              <a:rPr lang="tr-TR" dirty="0" smtClean="0">
-                <a:latin typeface="Arial" panose="020B0604020202020204" pitchFamily="34" charset="0"/>
-                <a:cs typeface="Arial" panose="020B0604020202020204" pitchFamily="34" charset="0"/>
-              </a:rPr>
-              <a:t>A single support profit: $0.276 vs Daily Generation=$1679</a:t>
-            </a:r>
-          </a:p>
-          <a:p>
-            <a:endParaRPr lang="tr-TR" dirty="0">
-              <a:latin typeface="Arial" panose="020B0604020202020204" pitchFamily="34" charset="0"/>
-              <a:cs typeface="Arial" panose="020B0604020202020204" pitchFamily="34" charset="0"/>
-            </a:endParaRPr>
-          </a:p>
-          <a:p>
-            <a:r>
-              <a:rPr lang="tr-TR" dirty="0" smtClean="0">
-                <a:latin typeface="Arial" panose="020B0604020202020204" pitchFamily="34" charset="0"/>
-                <a:cs typeface="Arial" panose="020B0604020202020204" pitchFamily="34" charset="0"/>
-              </a:rPr>
-              <a:t>Not possible with additional energy!</a:t>
-            </a:r>
-          </a:p>
-          <a:p>
-            <a:endParaRPr lang="tr-TR" dirty="0">
-              <a:latin typeface="Arial" panose="020B0604020202020204" pitchFamily="34" charset="0"/>
-              <a:cs typeface="Arial" panose="020B0604020202020204" pitchFamily="34" charset="0"/>
-            </a:endParaRPr>
-          </a:p>
-          <a:p>
-            <a:r>
-              <a:rPr lang="tr-TR" dirty="0" smtClean="0">
-                <a:latin typeface="Arial" panose="020B0604020202020204" pitchFamily="34" charset="0"/>
-                <a:cs typeface="Arial" panose="020B0604020202020204" pitchFamily="34" charset="0"/>
-              </a:rPr>
-              <a:t>Incentives might convince the energy provider since it creates a significant rise on the profit (8.2% increase with 0.3¢/kWh).</a:t>
-            </a:r>
-          </a:p>
-          <a:p>
-            <a:endParaRPr lang="tr-TR" dirty="0">
-              <a:latin typeface="Arial" panose="020B0604020202020204" pitchFamily="34" charset="0"/>
-              <a:cs typeface="Arial" panose="020B0604020202020204" pitchFamily="34" charset="0"/>
-            </a:endParaRPr>
-          </a:p>
-          <a:p>
-            <a:r>
-              <a:rPr lang="tr-TR" dirty="0" smtClean="0">
-                <a:latin typeface="Arial" panose="020B0604020202020204" pitchFamily="34" charset="0"/>
-                <a:cs typeface="Arial" panose="020B0604020202020204" pitchFamily="34" charset="0"/>
-              </a:rPr>
-              <a:t>Incentives will end at the end of 2020 for the new generation renewable energy systems. A new incentive might be inertial support from renewable energy systems!</a:t>
-            </a:r>
+              <a:rPr lang="tr-TR" dirty="0" smtClean="0"/>
+              <a:t>Profit by Additional Energy:</a:t>
+            </a:r>
+          </a:p>
+          <a:p>
+            <a:pPr lvl="1"/>
+            <a:r>
+              <a:rPr lang="tr-TR" dirty="0"/>
+              <a:t>+</a:t>
+            </a:r>
+            <a:r>
+              <a:rPr lang="tr-TR" dirty="0" smtClean="0"/>
+              <a:t>0.16%</a:t>
+            </a:r>
+          </a:p>
+          <a:p>
+            <a:pPr lvl="1"/>
+            <a:endParaRPr lang="tr-TR" dirty="0" smtClean="0"/>
+          </a:p>
+          <a:p>
+            <a:pPr marL="342900" indent="-342900">
+              <a:buFont typeface="Arial" panose="020B0604020202020204" pitchFamily="34" charset="0"/>
+              <a:buChar char="•"/>
+            </a:pPr>
+            <a:r>
+              <a:rPr lang="tr-TR" dirty="0" smtClean="0"/>
+              <a:t>Profit by Incentive (0.6¢/kWh):</a:t>
+            </a:r>
+          </a:p>
+          <a:p>
+            <a:pPr lvl="1"/>
+            <a:r>
+              <a:rPr lang="tr-TR" dirty="0" smtClean="0"/>
+              <a:t>+8.2%</a:t>
+            </a:r>
+          </a:p>
+          <a:p>
+            <a:pPr marL="342900" indent="-342900">
+              <a:buFont typeface="Arial" panose="020B0604020202020204" pitchFamily="34" charset="0"/>
+              <a:buChar char="•"/>
+            </a:pPr>
+            <a:endParaRPr lang="tr-TR" dirty="0"/>
           </a:p>
         </p:txBody>
       </p:sp>
     </p:spTree>
     <p:extLst>
       <p:ext uri="{BB962C8B-B14F-4D97-AF65-F5344CB8AC3E}">
-        <p14:creationId xmlns:p14="http://schemas.microsoft.com/office/powerpoint/2010/main" val="1491138312"/>
+        <p14:creationId xmlns:p14="http://schemas.microsoft.com/office/powerpoint/2010/main" val="3911174233"/>
       </p:ext>
     </p:extLst>
   </p:cSld>
@@ -13223,7 +14163,7 @@
                 <a:latin typeface="Arial" panose="020B0604020202020204" pitchFamily="34" charset="0"/>
                 <a:cs typeface="Arial" panose="020B0604020202020204" pitchFamily="34" charset="0"/>
               </a:rPr>
-              <a:t>Conclusions</a:t>
+              <a:t>Economical Perspective</a:t>
             </a:r>
             <a:endParaRPr lang="en-US" dirty="0" smtClean="0">
               <a:latin typeface="Arial" panose="020B0604020202020204" pitchFamily="34" charset="0"/>
@@ -13282,6 +14222,228 @@
                 <a:defRPr/>
               </a:pPr>
               <a:t>31</a:t>
+            </a:fld>
+            <a:endParaRPr lang="en-US" dirty="0"/>
+          </a:p>
+        </p:txBody>
+      </p:sp>
+      <p:sp>
+        <p:nvSpPr>
+          <p:cNvPr id="4" name="Content Placeholder 3"/>
+          <p:cNvSpPr>
+            <a:spLocks noGrp="1"/>
+          </p:cNvSpPr>
+          <p:nvPr>
+            <p:ph idx="1"/>
+          </p:nvPr>
+        </p:nvSpPr>
+        <p:spPr/>
+        <p:txBody>
+          <a:bodyPr/>
+          <a:lstStyle/>
+          <a:p>
+            <a:r>
+              <a:rPr lang="tr-TR" dirty="0" smtClean="0">
+                <a:latin typeface="Arial" panose="020B0604020202020204" pitchFamily="34" charset="0"/>
+                <a:cs typeface="Arial" panose="020B0604020202020204" pitchFamily="34" charset="0"/>
+              </a:rPr>
+              <a:t>Net additional energy is zero! (There exists losses due to deviation from MPPT, inside the gearbox, converter etc.)</a:t>
+            </a:r>
+          </a:p>
+          <a:p>
+            <a:endParaRPr lang="tr-TR" dirty="0">
+              <a:latin typeface="Arial" panose="020B0604020202020204" pitchFamily="34" charset="0"/>
+              <a:cs typeface="Arial" panose="020B0604020202020204" pitchFamily="34" charset="0"/>
+            </a:endParaRPr>
+          </a:p>
+          <a:p>
+            <a:r>
+              <a:rPr lang="tr-TR" dirty="0" smtClean="0">
+                <a:latin typeface="Arial" panose="020B0604020202020204" pitchFamily="34" charset="0"/>
+                <a:cs typeface="Arial" panose="020B0604020202020204" pitchFamily="34" charset="0"/>
+              </a:rPr>
+              <a:t>Let us only pay for the increased period (neglect the decrease):</a:t>
+            </a:r>
+          </a:p>
+          <a:p>
+            <a:pPr marL="0" indent="0" algn="ctr">
+              <a:buNone/>
+            </a:pPr>
+            <a:r>
+              <a:rPr lang="tr-TR" dirty="0" smtClean="0">
+                <a:latin typeface="Arial" panose="020B0604020202020204" pitchFamily="34" charset="0"/>
+                <a:cs typeface="Arial" panose="020B0604020202020204" pitchFamily="34" charset="0"/>
+              </a:rPr>
+              <a:t>A single support profit: $0.276 vs Daily Generation=$1679</a:t>
+            </a:r>
+          </a:p>
+          <a:p>
+            <a:endParaRPr lang="tr-TR" dirty="0">
+              <a:latin typeface="Arial" panose="020B0604020202020204" pitchFamily="34" charset="0"/>
+              <a:cs typeface="Arial" panose="020B0604020202020204" pitchFamily="34" charset="0"/>
+            </a:endParaRPr>
+          </a:p>
+          <a:p>
+            <a:r>
+              <a:rPr lang="tr-TR" dirty="0" smtClean="0">
+                <a:latin typeface="Arial" panose="020B0604020202020204" pitchFamily="34" charset="0"/>
+                <a:cs typeface="Arial" panose="020B0604020202020204" pitchFamily="34" charset="0"/>
+              </a:rPr>
+              <a:t>Not possible with additional energy!</a:t>
+            </a:r>
+          </a:p>
+          <a:p>
+            <a:endParaRPr lang="tr-TR" dirty="0">
+              <a:latin typeface="Arial" panose="020B0604020202020204" pitchFamily="34" charset="0"/>
+              <a:cs typeface="Arial" panose="020B0604020202020204" pitchFamily="34" charset="0"/>
+            </a:endParaRPr>
+          </a:p>
+          <a:p>
+            <a:r>
+              <a:rPr lang="tr-TR" dirty="0" smtClean="0">
+                <a:latin typeface="Arial" panose="020B0604020202020204" pitchFamily="34" charset="0"/>
+                <a:cs typeface="Arial" panose="020B0604020202020204" pitchFamily="34" charset="0"/>
+              </a:rPr>
+              <a:t>Incentives might convince the energy provider since it creates a significant rise on the profit (8.2% increase with 0.3¢/kWh).</a:t>
+            </a:r>
+          </a:p>
+          <a:p>
+            <a:endParaRPr lang="tr-TR" dirty="0">
+              <a:latin typeface="Arial" panose="020B0604020202020204" pitchFamily="34" charset="0"/>
+              <a:cs typeface="Arial" panose="020B0604020202020204" pitchFamily="34" charset="0"/>
+            </a:endParaRPr>
+          </a:p>
+          <a:p>
+            <a:r>
+              <a:rPr lang="tr-TR" dirty="0" smtClean="0">
+                <a:latin typeface="Arial" panose="020B0604020202020204" pitchFamily="34" charset="0"/>
+                <a:cs typeface="Arial" panose="020B0604020202020204" pitchFamily="34" charset="0"/>
+              </a:rPr>
+              <a:t>Incentives will end at the end of 2020 for the new generation renewable energy systems. A new incentive might be inertial support from renewable energy systems!</a:t>
+            </a:r>
+          </a:p>
+        </p:txBody>
+      </p:sp>
+    </p:spTree>
+    <p:extLst>
+      <p:ext uri="{BB962C8B-B14F-4D97-AF65-F5344CB8AC3E}">
+        <p14:creationId xmlns:p14="http://schemas.microsoft.com/office/powerpoint/2010/main" val="1491138312"/>
+      </p:ext>
+    </p:extLst>
+  </p:cSld>
+  <p:clrMapOvr>
+    <a:masterClrMapping/>
+  </p:clrMapOvr>
+  <p:transition/>
+  <p:timing>
+    <p:tnLst>
+      <p:par>
+        <p:cTn id="1" dur="indefinite" restart="never" nodeType="tmRoot"/>
+      </p:par>
+    </p:tnLst>
+  </p:timing>
+</p:sld>
+</file>
+
+<file path=ppt/slides/slide32.xml><?xml version="1.0" encoding="utf-8"?>
+<p:sld xmlns:a="http://schemas.openxmlformats.org/drawingml/2006/main" xmlns:r="http://schemas.openxmlformats.org/officeDocument/2006/relationships" xmlns:p="http://schemas.openxmlformats.org/presentationml/2006/main">
+  <p:cSld>
+    <p:spTree>
+      <p:nvGrpSpPr>
+        <p:cNvPr id="1" name=""/>
+        <p:cNvGrpSpPr/>
+        <p:nvPr/>
+      </p:nvGrpSpPr>
+      <p:grpSpPr>
+        <a:xfrm>
+          <a:off x="0" y="0"/>
+          <a:ext cx="0" cy="0"/>
+          <a:chOff x="0" y="0"/>
+          <a:chExt cx="0" cy="0"/>
+        </a:xfrm>
+      </p:grpSpPr>
+      <p:sp>
+        <p:nvSpPr>
+          <p:cNvPr id="5122" name="Rectangle 2"/>
+          <p:cNvSpPr>
+            <a:spLocks noGrp="1" noChangeArrowheads="1"/>
+          </p:cNvSpPr>
+          <p:nvPr>
+            <p:ph type="title"/>
+          </p:nvPr>
+        </p:nvSpPr>
+        <p:spPr/>
+        <p:txBody>
+          <a:bodyPr/>
+          <a:lstStyle/>
+          <a:p>
+            <a:pPr>
+              <a:defRPr/>
+            </a:pPr>
+            <a:r>
+              <a:rPr lang="tr-TR" dirty="0" smtClean="0">
+                <a:latin typeface="Arial" panose="020B0604020202020204" pitchFamily="34" charset="0"/>
+                <a:cs typeface="Arial" panose="020B0604020202020204" pitchFamily="34" charset="0"/>
+              </a:rPr>
+              <a:t>Conclusions</a:t>
+            </a:r>
+            <a:endParaRPr lang="en-US" dirty="0" smtClean="0">
+              <a:latin typeface="Arial" panose="020B0604020202020204" pitchFamily="34" charset="0"/>
+              <a:cs typeface="Arial" panose="020B0604020202020204" pitchFamily="34" charset="0"/>
+            </a:endParaRPr>
+          </a:p>
+        </p:txBody>
+      </p:sp>
+      <p:sp>
+        <p:nvSpPr>
+          <p:cNvPr id="2" name="Date Placeholder 1"/>
+          <p:cNvSpPr>
+            <a:spLocks noGrp="1"/>
+          </p:cNvSpPr>
+          <p:nvPr>
+            <p:ph type="dt" sz="half" idx="2"/>
+          </p:nvPr>
+        </p:nvSpPr>
+        <p:spPr/>
+        <p:txBody>
+          <a:bodyPr/>
+          <a:lstStyle/>
+          <a:p>
+            <a:pPr>
+              <a:defRPr/>
+            </a:pPr>
+            <a:r>
+              <a:rPr lang="tr-TR" smtClean="0"/>
+              <a:t>18.01.2019</a:t>
+            </a:r>
+            <a:endParaRPr lang="en-US" dirty="0"/>
+          </a:p>
+        </p:txBody>
+      </p:sp>
+      <p:sp>
+        <p:nvSpPr>
+          <p:cNvPr id="3" name="Slide Number Placeholder 2"/>
+          <p:cNvSpPr>
+            <a:spLocks noGrp="1"/>
+          </p:cNvSpPr>
+          <p:nvPr>
+            <p:ph type="sldNum" sz="quarter" idx="12"/>
+          </p:nvPr>
+        </p:nvSpPr>
+        <p:spPr/>
+        <p:txBody>
+          <a:bodyPr/>
+          <a:lstStyle/>
+          <a:p>
+            <a:pPr>
+              <a:defRPr/>
+            </a:pPr>
+            <a:fld id="{C878F797-6006-4DDA-AFE9-456F280FE6C5}" type="slidenum">
+              <a:rPr lang="en-US" smtClean="0"/>
+              <a:pPr>
+                <a:defRPr/>
+              </a:pPr>
+              <a:t>32</a:t>
             </a:fld>
             <a:endParaRPr lang="en-US" dirty="0"/>
           </a:p>
@@ -13732,7 +14894,7 @@
 </p:sld>
 </file>
 
-<file path=ppt/slides/slide32.xml><?xml version="1.0" encoding="utf-8"?>
+<file path=ppt/slides/slide33.xml><?xml version="1.0" encoding="utf-8"?>
 <p:sld xmlns:a="http://schemas.openxmlformats.org/drawingml/2006/main" xmlns:r="http://schemas.openxmlformats.org/officeDocument/2006/relationships" xmlns:p="http://schemas.openxmlformats.org/presentationml/2006/main">
   <p:cSld>
     <p:spTree>
@@ -13830,7 +14992,7 @@
               <a:pPr>
                 <a:defRPr/>
               </a:pPr>
-              <a:t>32</a:t>
+              <a:t>33</a:t>
             </a:fld>
             <a:endParaRPr lang="en-US" dirty="0"/>
           </a:p>
@@ -13851,6 +15013,316 @@
           <a:bodyPr/>
           <a:lstStyle/>
           <a:p>
+            <a:pPr marL="0" indent="0" algn="just">
+              <a:buNone/>
+              <a:tabLst>
+                <a:tab pos="449263" algn="l"/>
+              </a:tabLst>
+            </a:pPr>
+            <a:r>
+              <a:rPr lang="tr-TR" dirty="0">
+                <a:latin typeface="Arial" panose="020B0604020202020204" pitchFamily="34" charset="0"/>
+                <a:cs typeface="Arial" panose="020B0604020202020204" pitchFamily="34" charset="0"/>
+              </a:rPr>
+              <a:t>[1] TEİAŞ, “Türkiye Kurulu Gücünün Birincil Enerji Kaynaklarına Göre </a:t>
+            </a:r>
+            <a:r>
+              <a:rPr lang="tr-TR" dirty="0" smtClean="0">
+                <a:latin typeface="Arial" panose="020B0604020202020204" pitchFamily="34" charset="0"/>
+                <a:cs typeface="Arial" panose="020B0604020202020204" pitchFamily="34" charset="0"/>
+              </a:rPr>
+              <a:t>	Yıllar </a:t>
+            </a:r>
+            <a:r>
+              <a:rPr lang="tr-TR" dirty="0">
+                <a:latin typeface="Arial" panose="020B0604020202020204" pitchFamily="34" charset="0"/>
+                <a:cs typeface="Arial" panose="020B0604020202020204" pitchFamily="34" charset="0"/>
+              </a:rPr>
+              <a:t>İtibariyle Gelişimi (2006-2016),” https://www.teias.gov.tr/. </a:t>
+            </a:r>
+            <a:r>
+              <a:rPr lang="tr-TR" dirty="0" smtClean="0">
+                <a:latin typeface="Arial" panose="020B0604020202020204" pitchFamily="34" charset="0"/>
+                <a:cs typeface="Arial" panose="020B0604020202020204" pitchFamily="34" charset="0"/>
+              </a:rPr>
+              <a:t>	[Online</a:t>
+            </a:r>
+            <a:r>
+              <a:rPr lang="tr-TR" dirty="0">
+                <a:latin typeface="Arial" panose="020B0604020202020204" pitchFamily="34" charset="0"/>
+                <a:cs typeface="Arial" panose="020B0604020202020204" pitchFamily="34" charset="0"/>
+              </a:rPr>
+              <a:t>]. Available: https://www.teias.gov.tr/tr/i-kurulu-guc. </a:t>
+            </a:r>
+            <a:r>
+              <a:rPr lang="tr-TR" dirty="0" smtClean="0">
+                <a:latin typeface="Arial" panose="020B0604020202020204" pitchFamily="34" charset="0"/>
+                <a:cs typeface="Arial" panose="020B0604020202020204" pitchFamily="34" charset="0"/>
+              </a:rPr>
+              <a:t>	[</a:t>
+            </a:r>
+            <a:r>
+              <a:rPr lang="tr-TR" dirty="0">
+                <a:latin typeface="Arial" panose="020B0604020202020204" pitchFamily="34" charset="0"/>
+                <a:cs typeface="Arial" panose="020B0604020202020204" pitchFamily="34" charset="0"/>
+              </a:rPr>
+              <a:t>Accessed: 07-Jan-2019</a:t>
+            </a:r>
+            <a:r>
+              <a:rPr lang="tr-TR" dirty="0" smtClean="0">
+                <a:latin typeface="Arial" panose="020B0604020202020204" pitchFamily="34" charset="0"/>
+                <a:cs typeface="Arial" panose="020B0604020202020204" pitchFamily="34" charset="0"/>
+              </a:rPr>
+              <a:t>].</a:t>
+            </a:r>
+          </a:p>
+          <a:p>
+            <a:pPr marL="0" indent="0" algn="just" defTabSz="449263">
+              <a:buNone/>
+            </a:pPr>
+            <a:r>
+              <a:rPr lang="tr-TR" dirty="0" smtClean="0">
+                <a:latin typeface="Arial" panose="020B0604020202020204" pitchFamily="34" charset="0"/>
+                <a:cs typeface="Arial" panose="020B0604020202020204" pitchFamily="34" charset="0"/>
+              </a:rPr>
+              <a:t>[2</a:t>
+            </a:r>
+            <a:r>
+              <a:rPr lang="tr-TR" dirty="0">
+                <a:latin typeface="Arial" panose="020B0604020202020204" pitchFamily="34" charset="0"/>
+                <a:cs typeface="Arial" panose="020B0604020202020204" pitchFamily="34" charset="0"/>
+              </a:rPr>
+              <a:t>] J. Eto, J. Undrill, P. Mackin, R. Daschmans, B. Williams, B. Haney, </a:t>
+            </a:r>
+            <a:r>
+              <a:rPr lang="tr-TR" dirty="0" smtClean="0">
+                <a:latin typeface="Arial" panose="020B0604020202020204" pitchFamily="34" charset="0"/>
+                <a:cs typeface="Arial" panose="020B0604020202020204" pitchFamily="34" charset="0"/>
+              </a:rPr>
+              <a:t>	R</a:t>
+            </a:r>
+            <a:r>
+              <a:rPr lang="tr-TR" dirty="0">
+                <a:latin typeface="Arial" panose="020B0604020202020204" pitchFamily="34" charset="0"/>
+                <a:cs typeface="Arial" panose="020B0604020202020204" pitchFamily="34" charset="0"/>
+              </a:rPr>
+              <a:t>. Hunt</a:t>
+            </a:r>
+            <a:r>
+              <a:rPr lang="tr-TR" dirty="0" smtClean="0">
+                <a:latin typeface="Arial" panose="020B0604020202020204" pitchFamily="34" charset="0"/>
+                <a:cs typeface="Arial" panose="020B0604020202020204" pitchFamily="34" charset="0"/>
+              </a:rPr>
+              <a:t>, J</a:t>
+            </a:r>
+            <a:r>
+              <a:rPr lang="tr-TR" dirty="0">
+                <a:latin typeface="Arial" panose="020B0604020202020204" pitchFamily="34" charset="0"/>
+                <a:cs typeface="Arial" panose="020B0604020202020204" pitchFamily="34" charset="0"/>
+              </a:rPr>
+              <a:t>. Ellis, H. Illian, C. Martinez, M. OMalley, K. Coughlin, and </a:t>
+            </a:r>
+            <a:r>
+              <a:rPr lang="tr-TR" dirty="0" smtClean="0">
+                <a:latin typeface="Arial" panose="020B0604020202020204" pitchFamily="34" charset="0"/>
+                <a:cs typeface="Arial" panose="020B0604020202020204" pitchFamily="34" charset="0"/>
+              </a:rPr>
+              <a:t>	K</a:t>
+            </a:r>
+            <a:r>
+              <a:rPr lang="tr-TR" dirty="0">
+                <a:latin typeface="Arial" panose="020B0604020202020204" pitchFamily="34" charset="0"/>
+                <a:cs typeface="Arial" panose="020B0604020202020204" pitchFamily="34" charset="0"/>
+              </a:rPr>
+              <a:t>. </a:t>
+            </a:r>
+            <a:r>
+              <a:rPr lang="tr-TR" dirty="0" smtClean="0">
+                <a:latin typeface="Arial" panose="020B0604020202020204" pitchFamily="34" charset="0"/>
+                <a:cs typeface="Arial" panose="020B0604020202020204" pitchFamily="34" charset="0"/>
+              </a:rPr>
+              <a:t>Hamachi- LaCommare</a:t>
+            </a:r>
+            <a:r>
+              <a:rPr lang="tr-TR" dirty="0">
+                <a:latin typeface="Arial" panose="020B0604020202020204" pitchFamily="34" charset="0"/>
+                <a:cs typeface="Arial" panose="020B0604020202020204" pitchFamily="34" charset="0"/>
+              </a:rPr>
+              <a:t>, “Use of Frequency Response Metrics to </a:t>
+            </a:r>
+            <a:r>
+              <a:rPr lang="tr-TR" dirty="0" smtClean="0">
+                <a:latin typeface="Arial" panose="020B0604020202020204" pitchFamily="34" charset="0"/>
+                <a:cs typeface="Arial" panose="020B0604020202020204" pitchFamily="34" charset="0"/>
+              </a:rPr>
+              <a:t>	Assess </a:t>
+            </a:r>
+            <a:r>
+              <a:rPr lang="tr-TR" dirty="0">
+                <a:latin typeface="Arial" panose="020B0604020202020204" pitchFamily="34" charset="0"/>
+                <a:cs typeface="Arial" panose="020B0604020202020204" pitchFamily="34" charset="0"/>
+              </a:rPr>
+              <a:t>the Planning </a:t>
+            </a:r>
+            <a:r>
+              <a:rPr lang="tr-TR" dirty="0" smtClean="0">
+                <a:latin typeface="Arial" panose="020B0604020202020204" pitchFamily="34" charset="0"/>
+                <a:cs typeface="Arial" panose="020B0604020202020204" pitchFamily="34" charset="0"/>
+              </a:rPr>
+              <a:t>and Operating </a:t>
+            </a:r>
+            <a:r>
+              <a:rPr lang="tr-TR" dirty="0">
+                <a:latin typeface="Arial" panose="020B0604020202020204" pitchFamily="34" charset="0"/>
+                <a:cs typeface="Arial" panose="020B0604020202020204" pitchFamily="34" charset="0"/>
+              </a:rPr>
+              <a:t>Requirements for Reliable </a:t>
+            </a:r>
+            <a:r>
+              <a:rPr lang="tr-TR" dirty="0" smtClean="0">
+                <a:latin typeface="Arial" panose="020B0604020202020204" pitchFamily="34" charset="0"/>
+                <a:cs typeface="Arial" panose="020B0604020202020204" pitchFamily="34" charset="0"/>
+              </a:rPr>
+              <a:t>	Integration </a:t>
+            </a:r>
+            <a:r>
+              <a:rPr lang="tr-TR" dirty="0">
+                <a:latin typeface="Arial" panose="020B0604020202020204" pitchFamily="34" charset="0"/>
+                <a:cs typeface="Arial" panose="020B0604020202020204" pitchFamily="34" charset="0"/>
+              </a:rPr>
+              <a:t>of Variable Renewable Generation</a:t>
+            </a:r>
+            <a:r>
+              <a:rPr lang="tr-TR" dirty="0" smtClean="0">
+                <a:latin typeface="Arial" panose="020B0604020202020204" pitchFamily="34" charset="0"/>
+                <a:cs typeface="Arial" panose="020B0604020202020204" pitchFamily="34" charset="0"/>
+              </a:rPr>
+              <a:t>,” no</a:t>
+            </a:r>
+            <a:r>
+              <a:rPr lang="tr-TR" dirty="0">
+                <a:latin typeface="Arial" panose="020B0604020202020204" pitchFamily="34" charset="0"/>
+                <a:cs typeface="Arial" panose="020B0604020202020204" pitchFamily="34" charset="0"/>
+              </a:rPr>
+              <a:t>. December </a:t>
+            </a:r>
+            <a:r>
+              <a:rPr lang="tr-TR" dirty="0" smtClean="0">
+                <a:latin typeface="Arial" panose="020B0604020202020204" pitchFamily="34" charset="0"/>
+                <a:cs typeface="Arial" panose="020B0604020202020204" pitchFamily="34" charset="0"/>
+              </a:rPr>
+              <a:t>	2010</a:t>
+            </a:r>
+            <a:r>
+              <a:rPr lang="tr-TR" dirty="0">
+                <a:latin typeface="Arial" panose="020B0604020202020204" pitchFamily="34" charset="0"/>
+                <a:cs typeface="Arial" panose="020B0604020202020204" pitchFamily="34" charset="0"/>
+              </a:rPr>
+              <a:t>, pp. </a:t>
+            </a:r>
+            <a:r>
+              <a:rPr lang="tr-TR" dirty="0" smtClean="0">
+                <a:latin typeface="Arial" panose="020B0604020202020204" pitchFamily="34" charset="0"/>
+                <a:cs typeface="Arial" panose="020B0604020202020204" pitchFamily="34" charset="0"/>
+              </a:rPr>
+              <a:t>LBNL– 142E</a:t>
+            </a:r>
+            <a:r>
+              <a:rPr lang="tr-TR" dirty="0">
+                <a:latin typeface="Arial" panose="020B0604020202020204" pitchFamily="34" charset="0"/>
+                <a:cs typeface="Arial" panose="020B0604020202020204" pitchFamily="34" charset="0"/>
+              </a:rPr>
+              <a:t>, 2010</a:t>
+            </a:r>
+            <a:r>
+              <a:rPr lang="tr-TR" dirty="0" smtClean="0">
+                <a:latin typeface="Arial" panose="020B0604020202020204" pitchFamily="34" charset="0"/>
+                <a:cs typeface="Arial" panose="020B0604020202020204" pitchFamily="34" charset="0"/>
+              </a:rPr>
+              <a:t>.</a:t>
+            </a:r>
+          </a:p>
+          <a:p>
+            <a:pPr marL="0" indent="0" algn="just" defTabSz="449263">
+              <a:buNone/>
+            </a:pPr>
+            <a:r>
+              <a:rPr lang="tr-TR" dirty="0" smtClean="0">
+                <a:latin typeface="Arial" panose="020B0604020202020204" pitchFamily="34" charset="0"/>
+                <a:cs typeface="Arial" panose="020B0604020202020204" pitchFamily="34" charset="0"/>
+              </a:rPr>
+              <a:t>[3] E</a:t>
+            </a:r>
+            <a:r>
+              <a:rPr lang="tr-TR" dirty="0">
+                <a:latin typeface="Arial" panose="020B0604020202020204" pitchFamily="34" charset="0"/>
+                <a:cs typeface="Arial" panose="020B0604020202020204" pitchFamily="34" charset="0"/>
+              </a:rPr>
+              <a:t>. Muljadi, V. Gevorgian, and M. Singh, “Understanding Inertial and </a:t>
+            </a:r>
+            <a:r>
+              <a:rPr lang="tr-TR" dirty="0" smtClean="0">
+                <a:latin typeface="Arial" panose="020B0604020202020204" pitchFamily="34" charset="0"/>
+                <a:cs typeface="Arial" panose="020B0604020202020204" pitchFamily="34" charset="0"/>
+              </a:rPr>
+              <a:t>	Frequency Response </a:t>
+            </a:r>
+            <a:r>
+              <a:rPr lang="tr-TR" dirty="0">
+                <a:latin typeface="Arial" panose="020B0604020202020204" pitchFamily="34" charset="0"/>
+                <a:cs typeface="Arial" panose="020B0604020202020204" pitchFamily="34" charset="0"/>
+              </a:rPr>
+              <a:t>of Wind Power Plants Preprint,” 2012 IEEE </a:t>
+            </a:r>
+            <a:r>
+              <a:rPr lang="tr-TR" dirty="0" smtClean="0">
+                <a:latin typeface="Arial" panose="020B0604020202020204" pitchFamily="34" charset="0"/>
+                <a:cs typeface="Arial" panose="020B0604020202020204" pitchFamily="34" charset="0"/>
+              </a:rPr>
+              <a:t>	Power </a:t>
+            </a:r>
+            <a:r>
+              <a:rPr lang="tr-TR" dirty="0">
+                <a:latin typeface="Arial" panose="020B0604020202020204" pitchFamily="34" charset="0"/>
+                <a:cs typeface="Arial" panose="020B0604020202020204" pitchFamily="34" charset="0"/>
+              </a:rPr>
+              <a:t>Electronics </a:t>
+            </a:r>
+            <a:r>
+              <a:rPr lang="tr-TR" dirty="0" smtClean="0">
+                <a:latin typeface="Arial" panose="020B0604020202020204" pitchFamily="34" charset="0"/>
+                <a:cs typeface="Arial" panose="020B0604020202020204" pitchFamily="34" charset="0"/>
+              </a:rPr>
+              <a:t>and Machines </a:t>
+            </a:r>
+            <a:r>
+              <a:rPr lang="tr-TR" dirty="0">
+                <a:latin typeface="Arial" panose="020B0604020202020204" pitchFamily="34" charset="0"/>
+                <a:cs typeface="Arial" panose="020B0604020202020204" pitchFamily="34" charset="0"/>
+              </a:rPr>
+              <a:t>in Wind Applications (PEMWA), </a:t>
+            </a:r>
+            <a:r>
+              <a:rPr lang="tr-TR" dirty="0" smtClean="0">
+                <a:latin typeface="Arial" panose="020B0604020202020204" pitchFamily="34" charset="0"/>
+                <a:cs typeface="Arial" panose="020B0604020202020204" pitchFamily="34" charset="0"/>
+              </a:rPr>
+              <a:t>	no</a:t>
+            </a:r>
+            <a:r>
+              <a:rPr lang="tr-TR" dirty="0">
+                <a:latin typeface="Arial" panose="020B0604020202020204" pitchFamily="34" charset="0"/>
+                <a:cs typeface="Arial" panose="020B0604020202020204" pitchFamily="34" charset="0"/>
+              </a:rPr>
+              <a:t>. July, pp. 1–8, 2012</a:t>
+            </a:r>
+            <a:r>
+              <a:rPr lang="tr-TR" dirty="0" smtClean="0">
+                <a:latin typeface="Arial" panose="020B0604020202020204" pitchFamily="34" charset="0"/>
+                <a:cs typeface="Arial" panose="020B0604020202020204" pitchFamily="34" charset="0"/>
+              </a:rPr>
+              <a:t>.</a:t>
+            </a:r>
             <a:endParaRPr lang="tr-TR" dirty="0" smtClean="0">
               <a:latin typeface="Arial" panose="020B0604020202020204" pitchFamily="34" charset="0"/>
               <a:cs typeface="Arial" panose="020B0604020202020204" pitchFamily="34" charset="0"/>
@@ -13862,6 +15334,422 @@
     <p:extLst>
       <p:ext uri="{BB962C8B-B14F-4D97-AF65-F5344CB8AC3E}">
         <p14:creationId xmlns:p14="http://schemas.microsoft.com/office/powerpoint/2010/main" val="2845534785"/>
+      </p:ext>
+    </p:extLst>
+  </p:cSld>
+  <p:clrMapOvr>
+    <a:masterClrMapping/>
+  </p:clrMapOvr>
+  <p:transition/>
+  <p:timing>
+    <p:tnLst>
+      <p:par>
+        <p:cTn id="1" dur="indefinite" restart="never" nodeType="tmRoot"/>
+      </p:par>
+    </p:tnLst>
+  </p:timing>
+</p:sld>
+</file>
+
+<file path=ppt/slides/slide34.xml><?xml version="1.0" encoding="utf-8"?>
+<p:sld xmlns:a="http://schemas.openxmlformats.org/drawingml/2006/main" xmlns:r="http://schemas.openxmlformats.org/officeDocument/2006/relationships" xmlns:p="http://schemas.openxmlformats.org/presentationml/2006/main">
+  <p:cSld>
+    <p:spTree>
+      <p:nvGrpSpPr>
+        <p:cNvPr id="1" name=""/>
+        <p:cNvGrpSpPr/>
+        <p:nvPr/>
+      </p:nvGrpSpPr>
+      <p:grpSpPr>
+        <a:xfrm>
+          <a:off x="0" y="0"/>
+          <a:ext cx="0" cy="0"/>
+          <a:chOff x="0" y="0"/>
+          <a:chExt cx="0" cy="0"/>
+        </a:xfrm>
+      </p:grpSpPr>
+      <p:sp>
+        <p:nvSpPr>
+          <p:cNvPr id="5122" name="Rectangle 2"/>
+          <p:cNvSpPr>
+            <a:spLocks noGrp="1" noChangeArrowheads="1"/>
+          </p:cNvSpPr>
+          <p:nvPr>
+            <p:ph type="title"/>
+          </p:nvPr>
+        </p:nvSpPr>
+        <p:spPr/>
+        <p:txBody>
+          <a:bodyPr/>
+          <a:lstStyle/>
+          <a:p>
+            <a:pPr>
+              <a:defRPr/>
+            </a:pPr>
+            <a:r>
+              <a:rPr lang="tr-TR" dirty="0" smtClean="0">
+                <a:latin typeface="Arial" panose="020B0604020202020204" pitchFamily="34" charset="0"/>
+                <a:cs typeface="Arial" panose="020B0604020202020204" pitchFamily="34" charset="0"/>
+              </a:rPr>
+              <a:t>References (cont’d)</a:t>
+            </a:r>
+            <a:endParaRPr lang="en-US" dirty="0" smtClean="0">
+              <a:latin typeface="Arial" panose="020B0604020202020204" pitchFamily="34" charset="0"/>
+              <a:cs typeface="Arial" panose="020B0604020202020204" pitchFamily="34" charset="0"/>
+            </a:endParaRPr>
+          </a:p>
+        </p:txBody>
+      </p:sp>
+      <p:sp>
+        <p:nvSpPr>
+          <p:cNvPr id="2" name="Date Placeholder 1"/>
+          <p:cNvSpPr>
+            <a:spLocks noGrp="1"/>
+          </p:cNvSpPr>
+          <p:nvPr>
+            <p:ph type="dt" sz="half" idx="2"/>
+          </p:nvPr>
+        </p:nvSpPr>
+        <p:spPr/>
+        <p:txBody>
+          <a:bodyPr/>
+          <a:lstStyle/>
+          <a:p>
+            <a:pPr>
+              <a:defRPr/>
+            </a:pPr>
+            <a:r>
+              <a:rPr lang="tr-TR" smtClean="0"/>
+              <a:t>18.01.2019</a:t>
+            </a:r>
+            <a:endParaRPr lang="en-US" dirty="0"/>
+          </a:p>
+        </p:txBody>
+      </p:sp>
+      <p:sp>
+        <p:nvSpPr>
+          <p:cNvPr id="3" name="Slide Number Placeholder 2"/>
+          <p:cNvSpPr>
+            <a:spLocks noGrp="1"/>
+          </p:cNvSpPr>
+          <p:nvPr>
+            <p:ph type="sldNum" sz="quarter" idx="12"/>
+          </p:nvPr>
+        </p:nvSpPr>
+        <p:spPr/>
+        <p:txBody>
+          <a:bodyPr/>
+          <a:lstStyle/>
+          <a:p>
+            <a:pPr>
+              <a:defRPr/>
+            </a:pPr>
+            <a:fld id="{C878F797-6006-4DDA-AFE9-456F280FE6C5}" type="slidenum">
+              <a:rPr lang="en-US" smtClean="0"/>
+              <a:pPr>
+                <a:defRPr/>
+              </a:pPr>
+              <a:t>34</a:t>
+            </a:fld>
+            <a:endParaRPr lang="en-US" dirty="0"/>
+          </a:p>
+        </p:txBody>
+      </p:sp>
+      <p:sp>
+        <p:nvSpPr>
+          <p:cNvPr id="4" name="Content Placeholder 3"/>
+          <p:cNvSpPr>
+            <a:spLocks noGrp="1"/>
+          </p:cNvSpPr>
+          <p:nvPr>
+            <p:ph idx="1"/>
+          </p:nvPr>
+        </p:nvSpPr>
+        <p:spPr/>
+        <p:txBody>
+          <a:bodyPr/>
+          <a:lstStyle/>
+          <a:p>
+            <a:pPr marL="0" indent="0">
+              <a:buNone/>
+              <a:tabLst>
+                <a:tab pos="449263" algn="l"/>
+              </a:tabLst>
+            </a:pPr>
+            <a:r>
+              <a:rPr lang="tr-TR" dirty="0" smtClean="0">
+                <a:latin typeface="Arial" panose="020B0604020202020204" pitchFamily="34" charset="0"/>
+                <a:cs typeface="Arial" panose="020B0604020202020204" pitchFamily="34" charset="0"/>
+              </a:rPr>
+              <a:t>[4] </a:t>
+            </a:r>
+            <a:r>
+              <a:rPr lang="en-GB" dirty="0">
+                <a:latin typeface="Arial" panose="020B0604020202020204" pitchFamily="34" charset="0"/>
+                <a:cs typeface="Arial" panose="020B0604020202020204" pitchFamily="34" charset="0"/>
+              </a:rPr>
+              <a:t>A. D. Hansen, M. </a:t>
+            </a:r>
+            <a:r>
+              <a:rPr lang="en-GB" dirty="0" err="1">
+                <a:latin typeface="Arial" panose="020B0604020202020204" pitchFamily="34" charset="0"/>
+                <a:cs typeface="Arial" panose="020B0604020202020204" pitchFamily="34" charset="0"/>
+              </a:rPr>
+              <a:t>Altin</a:t>
+            </a:r>
+            <a:r>
+              <a:rPr lang="en-GB" dirty="0">
+                <a:latin typeface="Arial" panose="020B0604020202020204" pitchFamily="34" charset="0"/>
+                <a:cs typeface="Arial" panose="020B0604020202020204" pitchFamily="34" charset="0"/>
+              </a:rPr>
+              <a:t>, I. D. </a:t>
+            </a:r>
+            <a:r>
+              <a:rPr lang="en-GB" dirty="0" err="1">
+                <a:latin typeface="Arial" panose="020B0604020202020204" pitchFamily="34" charset="0"/>
+                <a:cs typeface="Arial" panose="020B0604020202020204" pitchFamily="34" charset="0"/>
+              </a:rPr>
+              <a:t>Margaris</a:t>
+            </a:r>
+            <a:r>
+              <a:rPr lang="en-GB" dirty="0">
+                <a:latin typeface="Arial" panose="020B0604020202020204" pitchFamily="34" charset="0"/>
+                <a:cs typeface="Arial" panose="020B0604020202020204" pitchFamily="34" charset="0"/>
+              </a:rPr>
+              <a:t>, F. </a:t>
+            </a:r>
+            <a:r>
+              <a:rPr lang="en-GB" dirty="0" err="1">
+                <a:latin typeface="Arial" panose="020B0604020202020204" pitchFamily="34" charset="0"/>
+                <a:cs typeface="Arial" panose="020B0604020202020204" pitchFamily="34" charset="0"/>
+              </a:rPr>
+              <a:t>Iov</a:t>
+            </a:r>
+            <a:r>
+              <a:rPr lang="en-GB" dirty="0">
+                <a:latin typeface="Arial" panose="020B0604020202020204" pitchFamily="34" charset="0"/>
+                <a:cs typeface="Arial" panose="020B0604020202020204" pitchFamily="34" charset="0"/>
+              </a:rPr>
+              <a:t>, and G. C. </a:t>
+            </a:r>
+            <a:r>
+              <a:rPr lang="en-GB" dirty="0" err="1">
+                <a:latin typeface="Arial" panose="020B0604020202020204" pitchFamily="34" charset="0"/>
+                <a:cs typeface="Arial" panose="020B0604020202020204" pitchFamily="34" charset="0"/>
+              </a:rPr>
+              <a:t>Tarnowski</a:t>
+            </a:r>
+            <a:r>
+              <a:rPr lang="en-GB" dirty="0">
+                <a:latin typeface="Arial" panose="020B0604020202020204" pitchFamily="34" charset="0"/>
+                <a:cs typeface="Arial" panose="020B0604020202020204" pitchFamily="34" charset="0"/>
+              </a:rPr>
+              <a:t>, </a:t>
+            </a:r>
+            <a:r>
+              <a:rPr lang="tr-TR" dirty="0" smtClean="0">
+                <a:latin typeface="Arial" panose="020B0604020202020204" pitchFamily="34" charset="0"/>
+                <a:cs typeface="Arial" panose="020B0604020202020204" pitchFamily="34" charset="0"/>
+              </a:rPr>
+              <a:t>	</a:t>
+            </a:r>
+            <a:r>
+              <a:rPr lang="en-GB" dirty="0" smtClean="0">
+                <a:latin typeface="Arial" panose="020B0604020202020204" pitchFamily="34" charset="0"/>
+                <a:cs typeface="Arial" panose="020B0604020202020204" pitchFamily="34" charset="0"/>
+              </a:rPr>
+              <a:t>“Analysis</a:t>
+            </a:r>
+            <a:r>
+              <a:rPr lang="tr-TR" dirty="0" smtClean="0">
+                <a:latin typeface="Arial" panose="020B0604020202020204" pitchFamily="34" charset="0"/>
+                <a:cs typeface="Arial" panose="020B0604020202020204" pitchFamily="34" charset="0"/>
+              </a:rPr>
+              <a:t> </a:t>
+            </a:r>
+            <a:r>
+              <a:rPr lang="en-GB" dirty="0" smtClean="0">
+                <a:latin typeface="Arial" panose="020B0604020202020204" pitchFamily="34" charset="0"/>
+                <a:cs typeface="Arial" panose="020B0604020202020204" pitchFamily="34" charset="0"/>
+              </a:rPr>
+              <a:t>of </a:t>
+            </a:r>
+            <a:r>
+              <a:rPr lang="en-GB" dirty="0">
+                <a:latin typeface="Arial" panose="020B0604020202020204" pitchFamily="34" charset="0"/>
+                <a:cs typeface="Arial" panose="020B0604020202020204" pitchFamily="34" charset="0"/>
+              </a:rPr>
+              <a:t>the short-term overproduction capability of variable </a:t>
+            </a:r>
+            <a:r>
+              <a:rPr lang="tr-TR" dirty="0" smtClean="0">
+                <a:latin typeface="Arial" panose="020B0604020202020204" pitchFamily="34" charset="0"/>
+                <a:cs typeface="Arial" panose="020B0604020202020204" pitchFamily="34" charset="0"/>
+              </a:rPr>
+              <a:t>	</a:t>
+            </a:r>
+            <a:r>
+              <a:rPr lang="en-GB" dirty="0" smtClean="0">
+                <a:latin typeface="Arial" panose="020B0604020202020204" pitchFamily="34" charset="0"/>
+                <a:cs typeface="Arial" panose="020B0604020202020204" pitchFamily="34" charset="0"/>
+              </a:rPr>
+              <a:t>speed </a:t>
+            </a:r>
+            <a:r>
+              <a:rPr lang="en-GB" dirty="0">
+                <a:latin typeface="Arial" panose="020B0604020202020204" pitchFamily="34" charset="0"/>
+                <a:cs typeface="Arial" panose="020B0604020202020204" pitchFamily="34" charset="0"/>
+              </a:rPr>
+              <a:t>wind turbines</a:t>
+            </a:r>
+            <a:r>
+              <a:rPr lang="en-GB" dirty="0" smtClean="0">
+                <a:latin typeface="Arial" panose="020B0604020202020204" pitchFamily="34" charset="0"/>
+                <a:cs typeface="Arial" panose="020B0604020202020204" pitchFamily="34" charset="0"/>
+              </a:rPr>
+              <a:t>,”</a:t>
+            </a:r>
+            <a:r>
+              <a:rPr lang="tr-TR" dirty="0" smtClean="0">
+                <a:latin typeface="Arial" panose="020B0604020202020204" pitchFamily="34" charset="0"/>
+                <a:cs typeface="Arial" panose="020B0604020202020204" pitchFamily="34" charset="0"/>
+              </a:rPr>
+              <a:t> </a:t>
+            </a:r>
+            <a:r>
+              <a:rPr lang="en-GB" dirty="0" smtClean="0">
+                <a:latin typeface="Arial" panose="020B0604020202020204" pitchFamily="34" charset="0"/>
+                <a:cs typeface="Arial" panose="020B0604020202020204" pitchFamily="34" charset="0"/>
+              </a:rPr>
+              <a:t>Renewable </a:t>
+            </a:r>
+            <a:r>
+              <a:rPr lang="en-GB" dirty="0">
+                <a:latin typeface="Arial" panose="020B0604020202020204" pitchFamily="34" charset="0"/>
+                <a:cs typeface="Arial" panose="020B0604020202020204" pitchFamily="34" charset="0"/>
+              </a:rPr>
+              <a:t>Energy, vol. 68, pp. 326–336, </a:t>
+            </a:r>
+            <a:r>
+              <a:rPr lang="tr-TR" dirty="0" smtClean="0">
+                <a:latin typeface="Arial" panose="020B0604020202020204" pitchFamily="34" charset="0"/>
+                <a:cs typeface="Arial" panose="020B0604020202020204" pitchFamily="34" charset="0"/>
+              </a:rPr>
+              <a:t>	</a:t>
+            </a:r>
+            <a:r>
+              <a:rPr lang="en-GB" dirty="0" smtClean="0">
+                <a:latin typeface="Arial" panose="020B0604020202020204" pitchFamily="34" charset="0"/>
+                <a:cs typeface="Arial" panose="020B0604020202020204" pitchFamily="34" charset="0"/>
+              </a:rPr>
+              <a:t>2014.</a:t>
+            </a:r>
+            <a:endParaRPr lang="tr-TR" dirty="0" smtClean="0">
+              <a:latin typeface="Arial" panose="020B0604020202020204" pitchFamily="34" charset="0"/>
+              <a:cs typeface="Arial" panose="020B0604020202020204" pitchFamily="34" charset="0"/>
+            </a:endParaRPr>
+          </a:p>
+          <a:p>
+            <a:pPr marL="0" indent="0">
+              <a:buNone/>
+              <a:tabLst>
+                <a:tab pos="449263" algn="l"/>
+              </a:tabLst>
+            </a:pPr>
+            <a:r>
+              <a:rPr lang="tr-TR" dirty="0" smtClean="0">
+                <a:latin typeface="Arial" panose="020B0604020202020204" pitchFamily="34" charset="0"/>
+                <a:cs typeface="Arial" panose="020B0604020202020204" pitchFamily="34" charset="0"/>
+              </a:rPr>
+              <a:t>[5] </a:t>
+            </a:r>
+            <a:r>
+              <a:rPr lang="en-GB" dirty="0" smtClean="0">
+                <a:latin typeface="Arial" panose="020B0604020202020204" pitchFamily="34" charset="0"/>
+                <a:cs typeface="Arial" panose="020B0604020202020204" pitchFamily="34" charset="0"/>
+              </a:rPr>
+              <a:t>P. M. Anderson and A. A. Fouad, Power System Control and </a:t>
+            </a:r>
+            <a:r>
+              <a:rPr lang="tr-TR" dirty="0" smtClean="0">
+                <a:latin typeface="Arial" panose="020B0604020202020204" pitchFamily="34" charset="0"/>
+                <a:cs typeface="Arial" panose="020B0604020202020204" pitchFamily="34" charset="0"/>
+              </a:rPr>
+              <a:t>	</a:t>
+            </a:r>
+            <a:r>
+              <a:rPr lang="en-GB" dirty="0" smtClean="0">
+                <a:latin typeface="Arial" panose="020B0604020202020204" pitchFamily="34" charset="0"/>
+                <a:cs typeface="Arial" panose="020B0604020202020204" pitchFamily="34" charset="0"/>
+              </a:rPr>
+              <a:t>Stability. 2 ed.,</a:t>
+            </a:r>
+            <a:r>
+              <a:rPr lang="tr-TR" dirty="0" smtClean="0">
+                <a:latin typeface="Arial" panose="020B0604020202020204" pitchFamily="34" charset="0"/>
+                <a:cs typeface="Arial" panose="020B0604020202020204" pitchFamily="34" charset="0"/>
+              </a:rPr>
+              <a:t> </a:t>
+            </a:r>
+            <a:r>
+              <a:rPr lang="en-GB" dirty="0" smtClean="0">
+                <a:latin typeface="Arial" panose="020B0604020202020204" pitchFamily="34" charset="0"/>
+                <a:cs typeface="Arial" panose="020B0604020202020204" pitchFamily="34" charset="0"/>
+              </a:rPr>
+              <a:t>2003.</a:t>
+            </a:r>
+            <a:endParaRPr lang="tr-TR" dirty="0" smtClean="0">
+              <a:latin typeface="Arial" panose="020B0604020202020204" pitchFamily="34" charset="0"/>
+              <a:cs typeface="Arial" panose="020B0604020202020204" pitchFamily="34" charset="0"/>
+            </a:endParaRPr>
+          </a:p>
+          <a:p>
+            <a:pPr marL="0" indent="0" defTabSz="449263">
+              <a:buNone/>
+            </a:pPr>
+            <a:r>
+              <a:rPr lang="tr-TR" dirty="0" smtClean="0">
+                <a:latin typeface="Arial" panose="020B0604020202020204" pitchFamily="34" charset="0"/>
+                <a:cs typeface="Arial" panose="020B0604020202020204" pitchFamily="34" charset="0"/>
+              </a:rPr>
+              <a:t>[6]</a:t>
+            </a:r>
+            <a:r>
+              <a:rPr lang="tr-TR" dirty="0" smtClean="0"/>
+              <a:t> </a:t>
+            </a:r>
+            <a:r>
+              <a:rPr lang="tr-TR" dirty="0" smtClean="0">
+                <a:latin typeface="Arial" panose="020B0604020202020204" pitchFamily="34" charset="0"/>
+                <a:cs typeface="Arial" panose="020B0604020202020204" pitchFamily="34" charset="0"/>
+              </a:rPr>
+              <a:t>TEİAŞ, “Gerçekleşen Üretim,” </a:t>
+            </a:r>
+            <a:r>
+              <a:rPr lang="tr-TR" i="1" dirty="0" smtClean="0">
+                <a:latin typeface="Arial" panose="020B0604020202020204" pitchFamily="34" charset="0"/>
+                <a:cs typeface="Arial" panose="020B0604020202020204" pitchFamily="34" charset="0"/>
+              </a:rPr>
+              <a:t>EPİAŞ ŞEFFAFLIK PLATFORMU</a:t>
+            </a:r>
+            <a:r>
+              <a:rPr lang="tr-TR" dirty="0" smtClean="0">
+                <a:latin typeface="Arial" panose="020B0604020202020204" pitchFamily="34" charset="0"/>
+                <a:cs typeface="Arial" panose="020B0604020202020204" pitchFamily="34" charset="0"/>
+              </a:rPr>
+              <a:t>. 	[Online]. Available: https://seffaflik.epias.com.tr/transparency/. 	[Accessed: 07-Jan-2019].</a:t>
+            </a:r>
+            <a:endParaRPr lang="tr-TR" dirty="0" smtClean="0">
+              <a:latin typeface="Arial" panose="020B0604020202020204" pitchFamily="34" charset="0"/>
+              <a:cs typeface="Arial" panose="020B0604020202020204" pitchFamily="34" charset="0"/>
+            </a:endParaRPr>
+          </a:p>
+        </p:txBody>
+      </p:sp>
+    </p:spTree>
+    <p:extLst>
+      <p:ext uri="{BB962C8B-B14F-4D97-AF65-F5344CB8AC3E}">
+        <p14:creationId xmlns:p14="http://schemas.microsoft.com/office/powerpoint/2010/main" val="3554839379"/>
       </p:ext>
     </p:extLst>
   </p:cSld>
@@ -13952,144 +15840,162 @@
               <a:defRPr/>
             </a:pPr>
             <a:r>
+              <a:rPr lang="en-GB" sz="2000" dirty="0" smtClean="0">
+                <a:latin typeface="Arial" panose="020B0604020202020204" pitchFamily="34" charset="0"/>
+                <a:cs typeface="Arial" panose="020B0604020202020204" pitchFamily="34" charset="0"/>
+              </a:rPr>
+              <a:t>Benefits:</a:t>
+            </a:r>
+          </a:p>
+          <a:p>
+            <a:pPr lvl="3">
+              <a:defRPr/>
+            </a:pPr>
+            <a:r>
+              <a:rPr lang="en-GB" sz="2000" dirty="0" smtClean="0">
+                <a:latin typeface="Arial" panose="020B0604020202020204" pitchFamily="34" charset="0"/>
+                <a:cs typeface="Arial" panose="020B0604020202020204" pitchFamily="34" charset="0"/>
+              </a:rPr>
+              <a:t>Fossil Fuel Usage</a:t>
+            </a:r>
+          </a:p>
+          <a:p>
+            <a:pPr lvl="3">
+              <a:defRPr/>
+            </a:pPr>
+            <a:r>
+              <a:rPr lang="en-GB" sz="2000" dirty="0" smtClean="0">
+                <a:latin typeface="Arial" panose="020B0604020202020204" pitchFamily="34" charset="0"/>
+                <a:cs typeface="Arial" panose="020B0604020202020204" pitchFamily="34" charset="0"/>
+              </a:rPr>
+              <a:t>CO</a:t>
+            </a:r>
+            <a:r>
+              <a:rPr lang="en-GB" sz="2000" baseline="-25000" dirty="0" smtClean="0">
+                <a:latin typeface="Arial" panose="020B0604020202020204" pitchFamily="34" charset="0"/>
+                <a:cs typeface="Arial" panose="020B0604020202020204" pitchFamily="34" charset="0"/>
+              </a:rPr>
+              <a:t>2</a:t>
+            </a:r>
+            <a:r>
+              <a:rPr lang="en-GB" sz="2000" dirty="0" smtClean="0">
+                <a:latin typeface="Arial" panose="020B0604020202020204" pitchFamily="34" charset="0"/>
+                <a:cs typeface="Arial" panose="020B0604020202020204" pitchFamily="34" charset="0"/>
+              </a:rPr>
+              <a:t> Emission</a:t>
+            </a:r>
+          </a:p>
+          <a:p>
+            <a:pPr lvl="1">
+              <a:defRPr/>
+            </a:pPr>
+            <a:endParaRPr lang="en-GB" sz="2000" dirty="0" smtClean="0">
+              <a:latin typeface="Arial" panose="020B0604020202020204" pitchFamily="34" charset="0"/>
+              <a:cs typeface="Arial" panose="020B0604020202020204" pitchFamily="34" charset="0"/>
+            </a:endParaRPr>
+          </a:p>
+          <a:p>
+            <a:pPr lvl="1">
+              <a:defRPr/>
+            </a:pPr>
+            <a:r>
+              <a:rPr lang="en-GB" sz="2000" dirty="0" smtClean="0">
+                <a:latin typeface="Arial" panose="020B0604020202020204" pitchFamily="34" charset="0"/>
+                <a:cs typeface="Arial" panose="020B0604020202020204" pitchFamily="34" charset="0"/>
+              </a:rPr>
+              <a:t>Challenges:</a:t>
+            </a:r>
+          </a:p>
+          <a:p>
+            <a:pPr lvl="3">
+              <a:defRPr/>
+            </a:pPr>
+            <a:r>
+              <a:rPr lang="en-GB" sz="2000" dirty="0" smtClean="0">
+                <a:latin typeface="Arial" panose="020B0604020202020204" pitchFamily="34" charset="0"/>
+                <a:cs typeface="Arial" panose="020B0604020202020204" pitchFamily="34" charset="0"/>
+              </a:rPr>
+              <a:t>Operational </a:t>
+            </a:r>
+            <a:r>
+              <a:rPr lang="en-GB" sz="2000" dirty="0" smtClean="0">
+                <a:latin typeface="Arial" panose="020B0604020202020204" pitchFamily="34" charset="0"/>
+                <a:cs typeface="Arial" panose="020B0604020202020204" pitchFamily="34" charset="0"/>
+              </a:rPr>
+              <a:t>Problems</a:t>
+            </a:r>
+            <a:r>
               <a:rPr lang="tr-TR" sz="2000" dirty="0" smtClean="0">
                 <a:latin typeface="Arial" panose="020B0604020202020204" pitchFamily="34" charset="0"/>
                 <a:cs typeface="Arial" panose="020B0604020202020204" pitchFamily="34" charset="0"/>
               </a:rPr>
-              <a:t>Benefits:</a:t>
+              <a:t> due to the </a:t>
+            </a:r>
+            <a:r>
+              <a:rPr lang="en-GB" sz="2000" dirty="0" smtClean="0">
+                <a:latin typeface="Arial" panose="020B0604020202020204" pitchFamily="34" charset="0"/>
+                <a:cs typeface="Arial" panose="020B0604020202020204" pitchFamily="34" charset="0"/>
+              </a:rPr>
+              <a:t>variable </a:t>
+            </a:r>
+            <a:r>
+              <a:rPr lang="en-GB" sz="2000" dirty="0" smtClean="0">
+                <a:latin typeface="Arial" panose="020B0604020202020204" pitchFamily="34" charset="0"/>
+                <a:cs typeface="Arial" panose="020B0604020202020204" pitchFamily="34" charset="0"/>
+              </a:rPr>
+              <a:t>and uncontrolled nature of renewable sources </a:t>
             </a:r>
           </a:p>
           <a:p>
             <a:pPr lvl="3">
               <a:defRPr/>
             </a:pPr>
+            <a:r>
+              <a:rPr lang="en-GB" sz="2000" dirty="0" smtClean="0">
+                <a:latin typeface="Arial" panose="020B0604020202020204" pitchFamily="34" charset="0"/>
+                <a:cs typeface="Arial" panose="020B0604020202020204" pitchFamily="34" charset="0"/>
+              </a:rPr>
+              <a:t>Reduction in Grid </a:t>
+            </a:r>
+            <a:r>
+              <a:rPr lang="en-GB" sz="2000" dirty="0" smtClean="0">
+                <a:latin typeface="Arial" panose="020B0604020202020204" pitchFamily="34" charset="0"/>
+                <a:cs typeface="Arial" panose="020B0604020202020204" pitchFamily="34" charset="0"/>
+              </a:rPr>
+              <a:t>Inertia</a:t>
+            </a:r>
             <a:r>
               <a:rPr lang="tr-TR" sz="2000" dirty="0" smtClean="0">
                 <a:latin typeface="Arial" panose="020B0604020202020204" pitchFamily="34" charset="0"/>
                 <a:cs typeface="Arial" panose="020B0604020202020204" pitchFamily="34" charset="0"/>
               </a:rPr>
-              <a:t>Fossil </a:t>
-            </a:r>
-            <a:r>
-              <a:rPr lang="tr-TR" sz="2000" dirty="0">
+              <a:t> due to </a:t>
+            </a:r>
+            <a:r>
+              <a:rPr lang="en-GB" sz="2000" dirty="0" smtClean="0">
                 <a:latin typeface="Arial" panose="020B0604020202020204" pitchFamily="34" charset="0"/>
                 <a:cs typeface="Arial" panose="020B0604020202020204" pitchFamily="34" charset="0"/>
               </a:rPr>
-              <a:t>Fuel Usage</a:t>
-            </a:r>
-          </a:p>
-          <a:p>
-            <a:pPr lvl="3">
-              <a:defRPr/>
-            </a:pPr>
-            <a:r>
-              <a:rPr lang="tr-TR" sz="2000" dirty="0">
+              <a:t>existing </a:t>
+            </a:r>
+            <a:r>
+              <a:rPr lang="en-GB" sz="2000" dirty="0" smtClean="0">
                 <a:latin typeface="Arial" panose="020B0604020202020204" pitchFamily="34" charset="0"/>
                 <a:cs typeface="Arial" panose="020B0604020202020204" pitchFamily="34" charset="0"/>
               </a:rPr>
-              <a:t>CO</a:t>
-            </a:r>
-            <a:r>
-              <a:rPr lang="tr-TR" sz="2000" baseline="-25000" dirty="0">
-                <a:latin typeface="Arial" panose="020B0604020202020204" pitchFamily="34" charset="0"/>
-                <a:cs typeface="Arial" panose="020B0604020202020204" pitchFamily="34" charset="0"/>
-              </a:rPr>
-              <a:t>2</a:t>
-            </a:r>
-            <a:r>
-              <a:rPr lang="tr-TR" sz="2000" dirty="0">
-                <a:latin typeface="Arial" panose="020B0604020202020204" pitchFamily="34" charset="0"/>
-                <a:cs typeface="Arial" panose="020B0604020202020204" pitchFamily="34" charset="0"/>
-              </a:rPr>
-              <a:t> Emission</a:t>
-            </a:r>
-          </a:p>
-          <a:p>
-            <a:pPr lvl="1">
-              <a:defRPr/>
-            </a:pPr>
-            <a:endParaRPr lang="tr-TR" sz="2000" dirty="0" smtClean="0">
-              <a:latin typeface="Arial" panose="020B0604020202020204" pitchFamily="34" charset="0"/>
-              <a:cs typeface="Arial" panose="020B0604020202020204" pitchFamily="34" charset="0"/>
-            </a:endParaRPr>
-          </a:p>
-          <a:p>
-            <a:pPr lvl="1">
-              <a:defRPr/>
-            </a:pPr>
+              <a:t>control structure of </a:t>
+            </a:r>
             <a:r>
               <a:rPr lang="tr-TR" sz="2000" dirty="0" smtClean="0">
                 <a:latin typeface="Arial" panose="020B0604020202020204" pitchFamily="34" charset="0"/>
                 <a:cs typeface="Arial" panose="020B0604020202020204" pitchFamily="34" charset="0"/>
               </a:rPr>
-              <a:t>Challanges:</a:t>
-            </a:r>
-          </a:p>
-          <a:p>
-            <a:pPr lvl="3">
-              <a:defRPr/>
-            </a:pPr>
-            <a:r>
-              <a:rPr lang="tr-TR" sz="2000" dirty="0" smtClean="0">
-                <a:latin typeface="Arial" panose="020B0604020202020204" pitchFamily="34" charset="0"/>
-                <a:cs typeface="Arial" panose="020B0604020202020204" pitchFamily="34" charset="0"/>
-              </a:rPr>
-              <a:t>Operational Problems</a:t>
-            </a:r>
-          </a:p>
-          <a:p>
-            <a:pPr lvl="4">
-              <a:defRPr/>
-            </a:pPr>
-            <a:r>
-              <a:rPr lang="tr-TR" sz="2000" dirty="0">
-                <a:latin typeface="Arial" panose="020B0604020202020204" pitchFamily="34" charset="0"/>
-                <a:cs typeface="Arial" panose="020B0604020202020204" pitchFamily="34" charset="0"/>
-              </a:rPr>
-              <a:t>	</a:t>
-            </a:r>
-            <a:r>
-              <a:rPr lang="tr-TR" sz="2000" dirty="0" smtClean="0">
-                <a:latin typeface="Arial" panose="020B0604020202020204" pitchFamily="34" charset="0"/>
-                <a:cs typeface="Arial" panose="020B0604020202020204" pitchFamily="34" charset="0"/>
-              </a:rPr>
-              <a:t>variable and uncontrolled nature of renewable sources </a:t>
-            </a:r>
-            <a:endParaRPr lang="tr-TR" sz="2000" dirty="0">
+              <a:t>units with power electronics</a:t>
+            </a:r>
+            <a:endParaRPr lang="en-GB" sz="2000" dirty="0" smtClean="0">
               <a:latin typeface="Arial" panose="020B0604020202020204" pitchFamily="34" charset="0"/>
               <a:cs typeface="Arial" panose="020B0604020202020204" pitchFamily="34" charset="0"/>
             </a:endParaRPr>
-          </a:p>
-          <a:p>
-            <a:pPr lvl="3">
-              <a:defRPr/>
-            </a:pPr>
-            <a:r>
-              <a:rPr lang="tr-TR" sz="2000" dirty="0" smtClean="0">
-                <a:latin typeface="Arial" panose="020B0604020202020204" pitchFamily="34" charset="0"/>
-                <a:cs typeface="Arial" panose="020B0604020202020204" pitchFamily="34" charset="0"/>
-              </a:rPr>
-              <a:t>Reduction in Grid Inertia</a:t>
-            </a:r>
-          </a:p>
-          <a:p>
-            <a:pPr lvl="4">
-              <a:defRPr/>
-            </a:pPr>
-            <a:r>
-              <a:rPr lang="tr-TR" sz="2000" dirty="0">
-                <a:latin typeface="Arial" panose="020B0604020202020204" pitchFamily="34" charset="0"/>
-                <a:cs typeface="Arial" panose="020B0604020202020204" pitchFamily="34" charset="0"/>
-              </a:rPr>
-              <a:t>	</a:t>
-            </a:r>
-            <a:r>
-              <a:rPr lang="tr-TR" sz="2000" dirty="0" smtClean="0">
-                <a:latin typeface="Arial" panose="020B0604020202020204" pitchFamily="34" charset="0"/>
-                <a:cs typeface="Arial" panose="020B0604020202020204" pitchFamily="34" charset="0"/>
-              </a:rPr>
-              <a:t>existing control structure of the wind turbines</a:t>
-            </a:r>
           </a:p>
         </p:txBody>
       </p:sp>
@@ -14448,15 +16354,33 @@
                                   </p:childTnLst>
                                 </p:cTn>
                               </p:par>
+                            </p:childTnLst>
+                          </p:cTn>
+                        </p:par>
+                      </p:childTnLst>
+                    </p:cTn>
+                  </p:par>
+                  <p:par>
+                    <p:cTn id="26" fill="hold">
+                      <p:stCondLst>
+                        <p:cond delay="indefinite"/>
+                      </p:stCondLst>
+                      <p:childTnLst>
+                        <p:par>
+                          <p:cTn id="27" fill="hold">
+                            <p:stCondLst>
+                              <p:cond delay="0"/>
+                            </p:stCondLst>
+                            <p:childTnLst>
                               <p:par>
-                                <p:cTn id="26" presetID="10" presetClass="entr" presetSubtype="0" fill="hold" nodeType="withEffect">
+                                <p:cTn id="28" presetID="10" presetClass="entr" presetSubtype="0" fill="hold" nodeType="clickEffect">
                                   <p:stCondLst>
                                     <p:cond delay="0"/>
                                   </p:stCondLst>
                                   <p:childTnLst>
                                     <p:set>
                                       <p:cBhvr>
-                                        <p:cTn id="27" dur="1" fill="hold">
+                                        <p:cTn id="29" dur="1" fill="hold">
                                           <p:stCondLst>
                                             <p:cond delay="0"/>
                                           </p:stCondLst>
@@ -14478,115 +16402,11 @@
                                     </p:set>
                                     <p:animEffect transition="in" filter="fade">
                                       <p:cBhvr>
-                                        <p:cTn id="28" dur="500"/>
+                                        <p:cTn id="30" dur="500"/>
                                         <p:tgtEl>
                                           <p:spTgt spid="5123">
                                             <p:txEl>
                                               <p:pRg st="6" end="6"/>
-                                            </p:txEl>
-                                          </p:spTgt>
-                                        </p:tgtEl>
-                                      </p:cBhvr>
-                                    </p:animEffect>
-                                  </p:childTnLst>
-                                </p:cTn>
-                              </p:par>
-                            </p:childTnLst>
-                          </p:cTn>
-                        </p:par>
-                      </p:childTnLst>
-                    </p:cTn>
-                  </p:par>
-                  <p:par>
-                    <p:cTn id="29" fill="hold">
-                      <p:stCondLst>
-                        <p:cond delay="indefinite"/>
-                      </p:stCondLst>
-                      <p:childTnLst>
-                        <p:par>
-                          <p:cTn id="30" fill="hold">
-                            <p:stCondLst>
-                              <p:cond delay="0"/>
-                            </p:stCondLst>
-                            <p:childTnLst>
-                              <p:par>
-                                <p:cTn id="31" presetID="10" presetClass="entr" presetSubtype="0" fill="hold" nodeType="clickEffect">
-                                  <p:stCondLst>
-                                    <p:cond delay="0"/>
-                                  </p:stCondLst>
-                                  <p:childTnLst>
-                                    <p:set>
-                                      <p:cBhvr>
-                                        <p:cTn id="32" dur="1" fill="hold">
-                                          <p:stCondLst>
-                                            <p:cond delay="0"/>
-                                          </p:stCondLst>
-                                        </p:cTn>
-                                        <p:tgtEl>
-                                          <p:spTgt spid="5123">
-                                            <p:txEl>
-                                              <p:pRg st="7" end="7"/>
-                                            </p:txEl>
-                                          </p:spTgt>
-                                        </p:tgtEl>
-                                        <p:attrNameLst>
-                                          <p:attrName>style.visibility</p:attrName>
-                                        </p:attrNameLst>
-                                      </p:cBhvr>
-                                      <p:to>
-                                        <p:strVal val="visible"/>
-                                      </p:to>
-                                    </p:set>
-                                    <p:animEffect transition="in" filter="fade">
-                                      <p:cBhvr>
-                                        <p:cTn id="33" dur="500"/>
-                                        <p:tgtEl>
-                                          <p:spTgt spid="5123">
-                                            <p:txEl>
-                                              <p:pRg st="7" end="7"/>
-                                            </p:txEl>
-                                          </p:spTgt>
-                                        </p:tgtEl>
-                                      </p:cBhvr>
-                                    </p:animEffect>
-                                  </p:childTnLst>
-                                </p:cTn>
-                              </p:par>
-                              <p:par>
-                                <p:cTn id="34" presetID="10" presetClass="entr" presetSubtype="0" fill="hold" nodeType="withEffect">
-                                  <p:stCondLst>
-                                    <p:cond delay="0"/>
-                                  </p:stCondLst>
-                                  <p:childTnLst>
-                                    <p:set>
-                                      <p:cBhvr>
-                                        <p:cTn id="35" dur="1" fill="hold">
-                                          <p:stCondLst>
-                                            <p:cond delay="0"/>
-                                          </p:stCondLst>
-                                        </p:cTn>
-                                        <p:tgtEl>
-                                          <p:spTgt spid="5123">
-                                            <p:txEl>
-                                              <p:pRg st="8" end="8"/>
-                                            </p:txEl>
-                                          </p:spTgt>
-                                        </p:tgtEl>
-                                        <p:attrNameLst>
-                                          <p:attrName>style.visibility</p:attrName>
-                                        </p:attrNameLst>
-                                      </p:cBhvr>
-                                      <p:to>
-                                        <p:strVal val="visible"/>
-                                      </p:to>
-                                    </p:set>
-                                    <p:animEffect transition="in" filter="fade">
-                                      <p:cBhvr>
-                                        <p:cTn id="36" dur="500"/>
-                                        <p:tgtEl>
-                                          <p:spTgt spid="5123">
-                                            <p:txEl>
-                                              <p:pRg st="8" end="8"/>
                                             </p:txEl>
                                           </p:spTgt>
                                         </p:tgtEl>
@@ -15107,14 +16927,14 @@
                     <m:sSub>
                       <m:sSubPr>
                         <m:ctrlPr>
-                          <a:rPr lang="tr-TR" sz="2000" i="1" smtClean="0">
+                          <a:rPr lang="en-GB" sz="2000" i="1" smtClean="0">
                             <a:latin typeface="Cambria Math" panose="02040503050406030204" pitchFamily="18" charset="0"/>
                           </a:rPr>
                         </m:ctrlPr>
                       </m:sSubPr>
                       <m:e>
                         <m:r>
-                          <a:rPr lang="tr-TR" sz="2000" i="1">
+                          <a:rPr lang="en-GB" sz="2000" i="1">
                             <a:latin typeface="Cambria Math" panose="02040503050406030204" pitchFamily="18" charset="0"/>
                           </a:rPr>
                           <m:t>𝑇</m:t>
@@ -15122,7 +16942,7 @@
                       </m:e>
                       <m:sub>
                         <m:r>
-                          <a:rPr lang="tr-TR" sz="2000" i="1">
+                          <a:rPr lang="en-GB" sz="2000" i="1">
                             <a:latin typeface="Cambria Math" panose="02040503050406030204" pitchFamily="18" charset="0"/>
                           </a:rPr>
                           <m:t>𝑚</m:t>
@@ -15132,7 +16952,7 @@
                   </m:oMath>
                 </a14:m>
                 <a:r>
-                  <a:rPr lang="tr-TR" sz="2000" dirty="0" smtClean="0"/>
+                  <a:rPr lang="en-GB" sz="2000" dirty="0" smtClean="0"/>
                   <a:t>: Mechanical Input Torque (water flow)</a:t>
                 </a:r>
               </a:p>
@@ -15142,14 +16962,14 @@
                     <m:sSub>
                       <m:sSubPr>
                         <m:ctrlPr>
-                          <a:rPr lang="tr-TR" sz="2000" i="1" smtClean="0">
+                          <a:rPr lang="en-GB" sz="2000" i="1" smtClean="0">
                             <a:latin typeface="Cambria Math" panose="02040503050406030204" pitchFamily="18" charset="0"/>
                           </a:rPr>
                         </m:ctrlPr>
                       </m:sSubPr>
                       <m:e>
                         <m:r>
-                          <a:rPr lang="tr-TR" sz="2000" i="1">
+                          <a:rPr lang="en-GB" sz="2000" i="1">
                             <a:latin typeface="Cambria Math" panose="02040503050406030204" pitchFamily="18" charset="0"/>
                           </a:rPr>
                           <m:t>𝑇</m:t>
@@ -15157,7 +16977,7 @@
                       </m:e>
                       <m:sub>
                         <m:r>
-                          <a:rPr lang="tr-TR" sz="2000" b="0" i="1" smtClean="0">
+                          <a:rPr lang="en-GB" sz="2000" b="0" i="1" smtClean="0">
                             <a:latin typeface="Cambria Math" panose="02040503050406030204" pitchFamily="18" charset="0"/>
                           </a:rPr>
                           <m:t>𝑒</m:t>
@@ -15167,10 +16987,10 @@
                   </m:oMath>
                 </a14:m>
                 <a:r>
-                  <a:rPr lang="tr-TR" sz="2000" dirty="0" smtClean="0"/>
+                  <a:rPr lang="en-GB" sz="2000" dirty="0" smtClean="0"/>
                   <a:t> : Electromechanical Output Torque</a:t>
                 </a:r>
-                <a:endParaRPr lang="tr-TR" sz="2000" dirty="0"/>
+                <a:endParaRPr lang="en-GB" sz="2000" dirty="0"/>
               </a:p>
             </p:txBody>
           </p:sp>
@@ -15214,6 +17034,37 @@
           </p:sp>
         </mc:Fallback>
       </mc:AlternateContent>
+      <p:sp>
+        <p:nvSpPr>
+          <p:cNvPr id="9" name="TextBox 8"/>
+          <p:cNvSpPr txBox="1"/>
+          <p:nvPr/>
+        </p:nvSpPr>
+        <p:spPr>
+          <a:xfrm>
+            <a:off x="4993704" y="5630816"/>
+            <a:ext cx="3538736" cy="646331"/>
+          </a:xfrm>
+          <a:prstGeom prst="rect">
+            <a:avLst/>
+          </a:prstGeom>
+          <a:noFill/>
+        </p:spPr>
+        <p:txBody>
+          <a:bodyPr wrap="square" rtlCol="0">
+            <a:spAutoFit/>
+          </a:bodyPr>
+          <a:lstStyle/>
+          <a:p>
+            <a:pPr algn="ctr"/>
+            <a:r>
+              <a:rPr lang="tr-TR" sz="1800" dirty="0" smtClean="0"/>
+              <a:t>Figure 2: Turbine and Generator of a Hydro Power Plant</a:t>
+            </a:r>
+            <a:endParaRPr lang="tr-TR" sz="1800" dirty="0"/>
+          </a:p>
+        </p:txBody>
+      </p:sp>
     </p:spTree>
     <p:extLst>
       <p:ext uri="{BB962C8B-B14F-4D97-AF65-F5344CB8AC3E}">
@@ -15919,6 +17770,37 @@
           </p:sp>
         </mc:Fallback>
       </mc:AlternateContent>
+      <p:sp>
+        <p:nvSpPr>
+          <p:cNvPr id="10" name="TextBox 9"/>
+          <p:cNvSpPr txBox="1"/>
+          <p:nvPr/>
+        </p:nvSpPr>
+        <p:spPr>
+          <a:xfrm>
+            <a:off x="4993704" y="5630816"/>
+            <a:ext cx="3538736" cy="646331"/>
+          </a:xfrm>
+          <a:prstGeom prst="rect">
+            <a:avLst/>
+          </a:prstGeom>
+          <a:noFill/>
+        </p:spPr>
+        <p:txBody>
+          <a:bodyPr wrap="square" rtlCol="0">
+            <a:spAutoFit/>
+          </a:bodyPr>
+          <a:lstStyle/>
+          <a:p>
+            <a:pPr algn="ctr"/>
+            <a:r>
+              <a:rPr lang="tr-TR" sz="1800" dirty="0" smtClean="0"/>
+              <a:t>Figure 3: Turbine and Generator of a Hydro Power Plant</a:t>
+            </a:r>
+            <a:endParaRPr lang="tr-TR" sz="1800" dirty="0"/>
+          </a:p>
+        </p:txBody>
+      </p:sp>
     </p:spTree>
     <p:extLst>
       <p:ext uri="{BB962C8B-B14F-4D97-AF65-F5344CB8AC3E}">
@@ -16013,8 +17895,8 @@
         </p:blipFill>
         <p:spPr>
           <a:xfrm>
-            <a:off x="3095328" y="970623"/>
-            <a:ext cx="6048672" cy="2972727"/>
+            <a:off x="0" y="2737262"/>
+            <a:ext cx="5580112" cy="2742445"/>
           </a:xfrm>
         </p:spPr>
       </p:pic>
@@ -16073,8 +17955,8 @@
           </a:p>
         </p:txBody>
       </p:sp>
-      <mc:AlternateContent xmlns:mc="http://schemas.openxmlformats.org/markup-compatibility/2006" xmlns:a14="http://schemas.microsoft.com/office/drawing/2010/main">
-        <mc:Choice Requires="a14">
+      <mc:AlternateContent xmlns:mc="http://schemas.openxmlformats.org/markup-compatibility/2006">
+        <mc:Choice xmlns:a14="http://schemas.microsoft.com/office/drawing/2010/main" Requires="a14">
           <p:sp>
             <p:nvSpPr>
               <p:cNvPr id="6" name="TextBox 5"/>
@@ -16083,7 +17965,7 @@
             </p:nvSpPr>
             <p:spPr>
               <a:xfrm>
-                <a:off x="3869160" y="4424346"/>
+                <a:off x="539552" y="1728780"/>
                 <a:ext cx="4501008" cy="1222964"/>
               </a:xfrm>
               <a:prstGeom prst="rect">
@@ -16364,7 +18246,7 @@
             </p:txBody>
           </p:sp>
         </mc:Choice>
-        <mc:Fallback xmlns="">
+        <mc:Fallback>
           <p:sp>
             <p:nvSpPr>
               <p:cNvPr id="6" name="TextBox 5"/>
@@ -16375,7 +18257,7 @@
             </p:nvSpPr>
             <p:spPr>
               <a:xfrm>
-                <a:off x="3869160" y="4424346"/>
+                <a:off x="539552" y="1728780"/>
                 <a:ext cx="4501008" cy="1222964"/>
               </a:xfrm>
               <a:prstGeom prst="rect">
@@ -16411,7 +18293,7 @@
         </p:nvSpPr>
         <p:spPr>
           <a:xfrm>
-            <a:off x="457199" y="2068243"/>
+            <a:off x="5580112" y="1348231"/>
             <a:ext cx="3384376" cy="4154984"/>
           </a:xfrm>
           <a:prstGeom prst="rect">
@@ -16426,12 +18308,12 @@
           <a:lstStyle/>
           <a:p>
             <a:r>
-              <a:rPr lang="tr-TR" dirty="0" smtClean="0"/>
+              <a:rPr lang="en-GB" dirty="0" smtClean="0"/>
               <a:t>Frequency Regulating Mechanisms in Grid:</a:t>
             </a:r>
           </a:p>
           <a:p>
-            <a:endParaRPr lang="tr-TR" dirty="0" smtClean="0"/>
+            <a:endParaRPr lang="en-GB" dirty="0" smtClean="0"/>
           </a:p>
           <a:p>
             <a:pPr marL="342900" indent="-342900">
@@ -16439,7 +18321,7 @@
               <a:buChar char="•"/>
             </a:pPr>
             <a:r>
-              <a:rPr lang="tr-TR" dirty="0" smtClean="0"/>
+              <a:rPr lang="en-GB" dirty="0" smtClean="0"/>
               <a:t>Primary Frequency Control (no longer than 15s)</a:t>
             </a:r>
           </a:p>
@@ -16448,7 +18330,7 @@
               <a:buFont typeface="Arial" panose="020B0604020202020204" pitchFamily="34" charset="0"/>
               <a:buChar char="•"/>
             </a:pPr>
-            <a:endParaRPr lang="tr-TR" dirty="0" smtClean="0"/>
+            <a:endParaRPr lang="en-GB" dirty="0" smtClean="0"/>
           </a:p>
           <a:p>
             <a:pPr marL="342900" indent="-342900">
@@ -16456,7 +18338,7 @@
               <a:buChar char="•"/>
             </a:pPr>
             <a:r>
-              <a:rPr lang="tr-TR" dirty="0" smtClean="0"/>
+              <a:rPr lang="en-GB" dirty="0" smtClean="0"/>
               <a:t>Secondary Control</a:t>
             </a:r>
           </a:p>
@@ -16465,7 +18347,7 @@
               <a:buFont typeface="Arial" panose="020B0604020202020204" pitchFamily="34" charset="0"/>
               <a:buChar char="•"/>
             </a:pPr>
-            <a:endParaRPr lang="tr-TR" dirty="0" smtClean="0"/>
+            <a:endParaRPr lang="en-GB" dirty="0" smtClean="0"/>
           </a:p>
           <a:p>
             <a:pPr marL="342900" indent="-342900">
@@ -16473,10 +18355,73 @@
               <a:buChar char="•"/>
             </a:pPr>
             <a:r>
-              <a:rPr lang="tr-TR" dirty="0" smtClean="0"/>
+              <a:rPr lang="en-GB" dirty="0" smtClean="0"/>
               <a:t>Tertiary Frequency Control</a:t>
             </a:r>
-            <a:endParaRPr lang="tr-TR" dirty="0"/>
+            <a:endParaRPr lang="en-GB" dirty="0"/>
+          </a:p>
+        </p:txBody>
+      </p:sp>
+      <p:sp>
+        <p:nvSpPr>
+          <p:cNvPr id="8" name="TextBox 7"/>
+          <p:cNvSpPr txBox="1"/>
+          <p:nvPr/>
+        </p:nvSpPr>
+        <p:spPr>
+          <a:xfrm>
+            <a:off x="179512" y="5545166"/>
+            <a:ext cx="6059016" cy="646331"/>
+          </a:xfrm>
+          <a:prstGeom prst="rect">
+            <a:avLst/>
+          </a:prstGeom>
+          <a:noFill/>
+        </p:spPr>
+        <p:txBody>
+          <a:bodyPr wrap="square" rtlCol="0">
+            <a:spAutoFit/>
+          </a:bodyPr>
+          <a:lstStyle/>
+          <a:p>
+            <a:pPr algn="ctr"/>
+            <a:r>
+              <a:rPr lang="tr-TR" sz="1800" dirty="0" smtClean="0"/>
+              <a:t>Figure 4: </a:t>
+            </a:r>
+            <a:r>
+              <a:rPr lang="en-GB" sz="1800" dirty="0"/>
+              <a:t>Frequency behaviour in electric grid with the water level in </a:t>
+            </a:r>
+            <a:r>
+              <a:rPr lang="en-GB" sz="1800" dirty="0" smtClean="0"/>
+              <a:t>a</a:t>
+            </a:r>
+            <a:r>
+              <a:rPr lang="tr-TR" sz="1800" dirty="0" smtClean="0"/>
+              <a:t> </a:t>
+            </a:r>
+            <a:r>
+              <a:rPr lang="en-GB" sz="1800" dirty="0" smtClean="0"/>
+              <a:t>container</a:t>
+            </a:r>
+            <a:r>
+              <a:rPr lang="tr-TR" sz="1800" dirty="0" smtClean="0"/>
+              <a:t> </a:t>
+            </a:r>
+            <a:r>
+              <a:rPr lang="en-GB" sz="1800" dirty="0" smtClean="0"/>
+              <a:t>analogy [</a:t>
+            </a:r>
+            <a:r>
+              <a:rPr lang="tr-TR" sz="1800" dirty="0" smtClean="0"/>
+              <a:t>2</a:t>
+            </a:r>
+            <a:r>
+              <a:rPr lang="en-GB" sz="1800" dirty="0" smtClean="0"/>
+              <a:t>]</a:t>
+            </a:r>
+            <a:endParaRPr lang="tr-TR" sz="1800" dirty="0"/>
           </a:p>
         </p:txBody>
       </p:sp>
@@ -16629,7 +18574,7 @@
         </p:blipFill>
         <p:spPr>
           <a:xfrm>
-            <a:off x="4320336" y="1522369"/>
+            <a:off x="4320336" y="1801503"/>
             <a:ext cx="4762872" cy="3283681"/>
           </a:xfrm>
         </p:spPr>
@@ -16642,7 +18587,7 @@
         </p:nvSpPr>
         <p:spPr>
           <a:xfrm rot="8090536">
-            <a:off x="5306102" y="1757171"/>
+            <a:off x="5306104" y="2098326"/>
             <a:ext cx="1259776" cy="360290"/>
           </a:xfrm>
           <a:prstGeom prst="leftArrow">
@@ -16687,8 +18632,8 @@
         </p:nvSpPr>
         <p:spPr>
           <a:xfrm>
-            <a:off x="6507893" y="975661"/>
-            <a:ext cx="1512168" cy="830997"/>
+            <a:off x="6507893" y="684145"/>
+            <a:ext cx="2575315" cy="1200329"/>
           </a:xfrm>
           <a:prstGeom prst="rect">
             <a:avLst/>
@@ -16703,7 +18648,11 @@
           <a:p>
             <a:r>
               <a:rPr lang="tr-TR" dirty="0" smtClean="0"/>
-              <a:t>Inertial Support</a:t>
+              <a:t>Inertial </a:t>
+            </a:r>
+            <a:r>
+              <a:rPr lang="tr-TR" dirty="0" smtClean="0"/>
+              <a:t>Support decreases the RoCOF</a:t>
             </a:r>
             <a:endParaRPr lang="tr-TR" dirty="0"/>
           </a:p>
@@ -16717,8 +18666,8 @@
         </p:nvSpPr>
         <p:spPr>
           <a:xfrm>
-            <a:off x="1369401" y="5433711"/>
-            <a:ext cx="6405197" cy="461665"/>
+            <a:off x="460892" y="4922859"/>
+            <a:ext cx="4111108" cy="1569660"/>
           </a:xfrm>
           <a:prstGeom prst="rect">
             <a:avLst/>
@@ -16731,15 +18680,41 @@
           </a:bodyPr>
           <a:lstStyle/>
           <a:p>
+            <a:pPr algn="ctr"/>
             <a:r>
               <a:rPr lang="tr-TR" dirty="0" smtClean="0"/>
-              <a:t>Higher Grid Inertia </a:t>
-            </a:r>
+              <a:t>Higher Grid </a:t>
+            </a:r>
+            <a:r>
+              <a:rPr lang="tr-TR" dirty="0" smtClean="0"/>
+              <a:t>Inertia</a:t>
+            </a:r>
+          </a:p>
+          <a:p>
+            <a:pPr algn="ctr"/>
+            <a:endParaRPr lang="tr-TR" dirty="0" smtClean="0">
+              <a:sym typeface="Wingdings" panose="05000000000000000000" pitchFamily="2" charset="2"/>
+            </a:endParaRPr>
+          </a:p>
+          <a:p>
+            <a:pPr algn="ctr"/>
+            <a:endParaRPr lang="tr-TR" dirty="0" smtClean="0">
+              <a:sym typeface="Wingdings" panose="05000000000000000000" pitchFamily="2" charset="2"/>
+            </a:endParaRPr>
+          </a:p>
+          <a:p>
+            <a:pPr algn="ctr"/>
             <a:r>
               <a:rPr lang="tr-TR" dirty="0" smtClean="0">
                 <a:sym typeface="Wingdings" panose="05000000000000000000" pitchFamily="2" charset="2"/>
               </a:rPr>
-              <a:t> Lower RoCoF</a:t>
+              <a:t> </a:t>
+            </a:r>
+            <a:r>
+              <a:rPr lang="tr-TR" dirty="0" smtClean="0">
+                <a:sym typeface="Wingdings" panose="05000000000000000000" pitchFamily="2" charset="2"/>
+              </a:rPr>
+              <a:t>Lower RoCoF</a:t>
             </a:r>
             <a:endParaRPr lang="tr-TR" dirty="0"/>
           </a:p>
@@ -16753,7 +18728,7 @@
         </p:nvSpPr>
         <p:spPr>
           <a:xfrm>
-            <a:off x="748924" y="1660847"/>
+            <a:off x="421450" y="1801503"/>
             <a:ext cx="3708776" cy="3416320"/>
           </a:xfrm>
           <a:prstGeom prst="rect">
@@ -16772,7 +18747,7 @@
               <a:buChar char="•"/>
             </a:pPr>
             <a:r>
-              <a:rPr lang="tr-TR" dirty="0" smtClean="0"/>
+              <a:rPr lang="en-GB" dirty="0" smtClean="0"/>
               <a:t>Until the primary controller action, the frequency falls. </a:t>
             </a:r>
           </a:p>
@@ -16781,7 +18756,7 @@
               <a:buFont typeface="Arial" panose="020B0604020202020204" pitchFamily="34" charset="0"/>
               <a:buChar char="•"/>
             </a:pPr>
-            <a:endParaRPr lang="tr-TR" dirty="0"/>
+            <a:endParaRPr lang="en-GB" dirty="0" smtClean="0"/>
           </a:p>
           <a:p>
             <a:pPr marL="342900" indent="-342900">
@@ -16789,12 +18764,87 @@
               <a:buChar char="•"/>
             </a:pPr>
             <a:r>
-              <a:rPr lang="tr-TR" dirty="0"/>
+              <a:rPr lang="en-GB" dirty="0" smtClean="0"/>
               <a:t>Frequency decline is arrested by Inertial Support and Primary Frequency Controllers</a:t>
             </a:r>
           </a:p>
           <a:p>
-            <a:endParaRPr lang="tr-TR" dirty="0"/>
+            <a:endParaRPr lang="en-GB" dirty="0"/>
+          </a:p>
+        </p:txBody>
+      </p:sp>
+      <p:sp>
+        <p:nvSpPr>
+          <p:cNvPr id="13" name="TextBox 12"/>
+          <p:cNvSpPr txBox="1"/>
+          <p:nvPr/>
+        </p:nvSpPr>
+        <p:spPr>
+          <a:xfrm>
+            <a:off x="4494260" y="5288740"/>
+            <a:ext cx="4590328" cy="369332"/>
+          </a:xfrm>
+          <a:prstGeom prst="rect">
+            <a:avLst/>
+          </a:prstGeom>
+          <a:noFill/>
+        </p:spPr>
+        <p:txBody>
+          <a:bodyPr wrap="square" rtlCol="0">
+            <a:spAutoFit/>
+          </a:bodyPr>
+          <a:lstStyle/>
+          <a:p>
+            <a:r>
+              <a:rPr lang="tr-TR" sz="1800" dirty="0" smtClean="0"/>
+              <a:t>Figure 5: Typical Frequency Disturbance</a:t>
+            </a:r>
+            <a:endParaRPr lang="tr-TR" sz="1800" dirty="0"/>
+          </a:p>
+        </p:txBody>
+      </p:sp>
+      <p:sp>
+        <p:nvSpPr>
+          <p:cNvPr id="4" name="Down Arrow 3"/>
+          <p:cNvSpPr/>
+          <p:nvPr/>
+        </p:nvSpPr>
+        <p:spPr>
+          <a:xfrm>
+            <a:off x="2300273" y="5406804"/>
+            <a:ext cx="314351" cy="601769"/>
+          </a:xfrm>
+          <a:prstGeom prst="downArrow">
+            <a:avLst/>
+          </a:prstGeom>
+          <a:noFill/>
+          <a:ln w="19050">
+            <a:solidFill>
+              <a:schemeClr val="tx1"/>
+            </a:solidFill>
+          </a:ln>
+          <a:effectLst/>
+        </p:spPr>
+        <p:style>
+          <a:lnRef idx="1">
+            <a:schemeClr val="accent1"/>
+          </a:lnRef>
+          <a:fillRef idx="3">
+            <a:schemeClr val="accent1"/>
+          </a:fillRef>
+          <a:effectRef idx="2">
+            <a:schemeClr val="accent1"/>
+          </a:effectRef>
+          <a:fontRef idx="minor">
+            <a:schemeClr val="lt1"/>
+          </a:fontRef>
+        </p:style>
+        <p:txBody>
+          <a:bodyPr rtlCol="0" anchor="ctr"/>
+          <a:lstStyle/>
+          <a:p>
+            <a:pPr algn="ctr"/>
+            <a:endParaRPr lang="tr-TR"/>
           </a:p>
         </p:txBody>
       </p:sp>
@@ -16836,93 +18886,6 @@
           <a:chExt cx="0" cy="0"/>
         </a:xfrm>
       </p:grpSpPr>
-      <p:sp>
-        <p:nvSpPr>
-          <p:cNvPr id="5122" name="Rectangle 2"/>
-          <p:cNvSpPr>
-            <a:spLocks noGrp="1" noChangeArrowheads="1"/>
-          </p:cNvSpPr>
-          <p:nvPr>
-            <p:ph type="title"/>
-          </p:nvPr>
-        </p:nvSpPr>
-        <p:spPr/>
-        <p:txBody>
-          <a:bodyPr/>
-          <a:lstStyle/>
-          <a:p>
-            <a:pPr>
-              <a:defRPr/>
-            </a:pPr>
-            <a:r>
-              <a:rPr lang="tr-TR" dirty="0" smtClean="0">
-                <a:latin typeface="Arial" panose="020B0604020202020204" pitchFamily="34" charset="0"/>
-                <a:cs typeface="Arial" panose="020B0604020202020204" pitchFamily="34" charset="0"/>
-              </a:rPr>
-              <a:t>Renewable Energy Problems</a:t>
-            </a:r>
-            <a:endParaRPr lang="en-US" dirty="0" smtClean="0">
-              <a:latin typeface="Arial" panose="020B0604020202020204" pitchFamily="34" charset="0"/>
-              <a:cs typeface="Arial" panose="020B0604020202020204" pitchFamily="34" charset="0"/>
-            </a:endParaRPr>
-          </a:p>
-        </p:txBody>
-      </p:sp>
-      <p:sp>
-        <p:nvSpPr>
-          <p:cNvPr id="2" name="Date Placeholder 1"/>
-          <p:cNvSpPr>
-            <a:spLocks noGrp="1"/>
-          </p:cNvSpPr>
-          <p:nvPr>
-            <p:ph type="dt" sz="half" idx="2"/>
-          </p:nvPr>
-        </p:nvSpPr>
-        <p:spPr/>
-        <p:txBody>
-          <a:bodyPr/>
-          <a:lstStyle/>
-          <a:p>
-            <a:pPr>
-              <a:defRPr/>
-            </a:pPr>
-            <a:r>
-              <a:rPr lang="tr-TR" smtClean="0"/>
-              <a:t>18.01.2019</a:t>
-            </a:r>
-            <a:endParaRPr lang="en-US" dirty="0"/>
-          </a:p>
-        </p:txBody>
-      </p:sp>
-      <p:sp>
-        <p:nvSpPr>
-          <p:cNvPr id="3" name="Slide Number Placeholder 2"/>
-          <p:cNvSpPr>
-            <a:spLocks noGrp="1"/>
-          </p:cNvSpPr>
-          <p:nvPr>
-            <p:ph type="sldNum" sz="quarter" idx="12"/>
-          </p:nvPr>
-        </p:nvSpPr>
-        <p:spPr/>
-        <p:txBody>
-          <a:bodyPr/>
-          <a:lstStyle/>
-          <a:p>
-            <a:pPr>
-              <a:defRPr/>
-            </a:pPr>
-            <a:fld id="{C878F797-6006-4DDA-AFE9-456F280FE6C5}" type="slidenum">
-              <a:rPr lang="en-US" smtClean="0"/>
-              <a:pPr>
-                <a:defRPr/>
-              </a:pPr>
-              <a:t>9</a:t>
-            </a:fld>
-            <a:endParaRPr lang="en-US" dirty="0"/>
-          </a:p>
-        </p:txBody>
-      </p:sp>
       <p:pic>
         <p:nvPicPr>
           <p:cNvPr id="5" name="Content Placeholder 4"/>
@@ -16947,20 +18910,107 @@
         </p:blipFill>
         <p:spPr>
           <a:xfrm>
-            <a:off x="448509" y="1351087"/>
+            <a:off x="5004048" y="908720"/>
             <a:ext cx="3842939" cy="4987925"/>
           </a:xfrm>
         </p:spPr>
       </p:pic>
       <p:sp>
         <p:nvSpPr>
+          <p:cNvPr id="5122" name="Rectangle 2"/>
+          <p:cNvSpPr>
+            <a:spLocks noGrp="1" noChangeArrowheads="1"/>
+          </p:cNvSpPr>
+          <p:nvPr>
+            <p:ph type="title"/>
+          </p:nvPr>
+        </p:nvSpPr>
+        <p:spPr/>
+        <p:txBody>
+          <a:bodyPr/>
+          <a:lstStyle/>
+          <a:p>
+            <a:pPr>
+              <a:defRPr/>
+            </a:pPr>
+            <a:r>
+              <a:rPr lang="tr-TR" dirty="0" smtClean="0">
+                <a:latin typeface="Arial" panose="020B0604020202020204" pitchFamily="34" charset="0"/>
+                <a:cs typeface="Arial" panose="020B0604020202020204" pitchFamily="34" charset="0"/>
+              </a:rPr>
+              <a:t>Renewable Energy Problems</a:t>
+            </a:r>
+            <a:endParaRPr lang="en-US" dirty="0" smtClean="0">
+              <a:latin typeface="Arial" panose="020B0604020202020204" pitchFamily="34" charset="0"/>
+              <a:cs typeface="Arial" panose="020B0604020202020204" pitchFamily="34" charset="0"/>
+            </a:endParaRPr>
+          </a:p>
+        </p:txBody>
+      </p:sp>
+      <p:sp>
+        <p:nvSpPr>
+          <p:cNvPr id="2" name="Date Placeholder 1"/>
+          <p:cNvSpPr>
+            <a:spLocks noGrp="1"/>
+          </p:cNvSpPr>
+          <p:nvPr>
+            <p:ph type="dt" sz="half" idx="2"/>
+          </p:nvPr>
+        </p:nvSpPr>
+        <p:spPr/>
+        <p:txBody>
+          <a:bodyPr/>
+          <a:lstStyle/>
+          <a:p>
+            <a:pPr>
+              <a:defRPr/>
+            </a:pPr>
+            <a:r>
+              <a:rPr lang="tr-TR" smtClean="0"/>
+              <a:t>18.01.2019</a:t>
+            </a:r>
+            <a:endParaRPr lang="en-US" dirty="0"/>
+          </a:p>
+        </p:txBody>
+      </p:sp>
+      <p:sp>
+        <p:nvSpPr>
+          <p:cNvPr id="3" name="Slide Number Placeholder 2"/>
+          <p:cNvSpPr>
+            <a:spLocks noGrp="1"/>
+          </p:cNvSpPr>
+          <p:nvPr>
+            <p:ph type="sldNum" sz="quarter" idx="12"/>
+          </p:nvPr>
+        </p:nvSpPr>
+        <p:spPr/>
+        <p:txBody>
+          <a:bodyPr/>
+          <a:lstStyle/>
+          <a:p>
+            <a:pPr>
+              <a:defRPr/>
+            </a:pPr>
+            <a:fld id="{C878F797-6006-4DDA-AFE9-456F280FE6C5}" type="slidenum">
+              <a:rPr lang="en-US" smtClean="0"/>
+              <a:pPr>
+                <a:defRPr/>
+              </a:pPr>
+              <a:t>9</a:t>
+            </a:fld>
+            <a:endParaRPr lang="en-US" dirty="0"/>
+          </a:p>
+        </p:txBody>
+      </p:sp>
+      <p:sp>
+        <p:nvSpPr>
           <p:cNvPr id="6" name="TextBox 5"/>
           <p:cNvSpPr txBox="1"/>
           <p:nvPr/>
         </p:nvSpPr>
         <p:spPr>
           <a:xfrm>
-            <a:off x="4860032" y="1700808"/>
+            <a:off x="611560" y="1700807"/>
             <a:ext cx="3960440" cy="3785652"/>
           </a:xfrm>
           <a:prstGeom prst="rect">
@@ -16979,7 +19029,7 @@
               <a:buChar char="•"/>
             </a:pPr>
             <a:r>
-              <a:rPr lang="tr-TR" dirty="0" smtClean="0"/>
+              <a:rPr lang="en-GB" dirty="0" smtClean="0"/>
               <a:t>The inertia in the wind turbine is not reflected to grid.</a:t>
             </a:r>
           </a:p>
@@ -16988,7 +19038,7 @@
               <a:buFont typeface="Arial" panose="020B0604020202020204" pitchFamily="34" charset="0"/>
               <a:buChar char="•"/>
             </a:pPr>
-            <a:endParaRPr lang="tr-TR" dirty="0" smtClean="0"/>
+            <a:endParaRPr lang="en-GB" dirty="0" smtClean="0"/>
           </a:p>
           <a:p>
             <a:pPr marL="342900" indent="-342900">
@@ -16996,7 +19046,7 @@
               <a:buChar char="•"/>
             </a:pPr>
             <a:r>
-              <a:rPr lang="tr-TR" dirty="0" smtClean="0"/>
+              <a:rPr lang="en-GB" dirty="0" smtClean="0"/>
               <a:t>The increase in the share of RE causes the risk of frequency stability.</a:t>
             </a:r>
           </a:p>
@@ -17005,7 +19055,7 @@
               <a:buFont typeface="Arial" panose="020B0604020202020204" pitchFamily="34" charset="0"/>
               <a:buChar char="•"/>
             </a:pPr>
-            <a:endParaRPr lang="tr-TR" dirty="0"/>
+            <a:endParaRPr lang="en-GB" dirty="0" smtClean="0"/>
           </a:p>
           <a:p>
             <a:pPr marL="342900" indent="-342900">
@@ -17013,10 +19063,40 @@
               <a:buChar char="•"/>
             </a:pPr>
             <a:r>
-              <a:rPr lang="tr-TR" dirty="0" smtClean="0"/>
+              <a:rPr lang="en-GB" dirty="0" smtClean="0"/>
               <a:t>Existing structure decreases grid inertia!</a:t>
             </a:r>
-            <a:endParaRPr lang="tr-TR" dirty="0"/>
+            <a:endParaRPr lang="en-GB" dirty="0"/>
+          </a:p>
+        </p:txBody>
+      </p:sp>
+      <p:sp>
+        <p:nvSpPr>
+          <p:cNvPr id="7" name="TextBox 6"/>
+          <p:cNvSpPr txBox="1"/>
+          <p:nvPr/>
+        </p:nvSpPr>
+        <p:spPr>
+          <a:xfrm>
+            <a:off x="4693269" y="5876707"/>
+            <a:ext cx="4464496" cy="646331"/>
+          </a:xfrm>
+          <a:prstGeom prst="rect">
+            <a:avLst/>
+          </a:prstGeom>
+          <a:noFill/>
+        </p:spPr>
+        <p:txBody>
+          <a:bodyPr wrap="square" rtlCol="0">
+            <a:spAutoFit/>
+          </a:bodyPr>
+          <a:lstStyle/>
+          <a:p>
+            <a:r>
+              <a:rPr lang="tr-TR" sz="1800" dirty="0" smtClean="0"/>
+              <a:t>Figure 6: Wind Turbine Generator Configurations [3]</a:t>
+            </a:r>
+            <a:endParaRPr lang="tr-TR" sz="1800" dirty="0"/>
           </a:p>
         </p:txBody>
       </p:sp>

--- a/Thesis/Thesis Defence/Erencan_Duymaz_thesis_defence.pptx
+++ b/Thesis/Thesis Defence/Erencan_Duymaz_thesis_defence.pptx
@@ -5,10 +5,10 @@
     <p:sldMasterId id="2147483662" r:id="rId1"/>
   </p:sldMasterIdLst>
   <p:notesMasterIdLst>
-    <p:notesMasterId r:id="rId36"/>
+    <p:notesMasterId r:id="rId43"/>
   </p:notesMasterIdLst>
   <p:handoutMasterIdLst>
-    <p:handoutMasterId r:id="rId37"/>
+    <p:handoutMasterId r:id="rId44"/>
   </p:handoutMasterIdLst>
   <p:sldIdLst>
     <p:sldId id="256" r:id="rId2"/>
@@ -45,6 +45,13 @@
     <p:sldId id="286" r:id="rId33"/>
     <p:sldId id="263" r:id="rId34"/>
     <p:sldId id="296" r:id="rId35"/>
+    <p:sldId id="297" r:id="rId36"/>
+    <p:sldId id="298" r:id="rId37"/>
+    <p:sldId id="299" r:id="rId38"/>
+    <p:sldId id="303" r:id="rId39"/>
+    <p:sldId id="300" r:id="rId40"/>
+    <p:sldId id="301" r:id="rId41"/>
+    <p:sldId id="302" r:id="rId42"/>
   </p:sldIdLst>
   <p:sldSz cx="9144000" cy="6858000" type="screen4x3"/>
   <p:notesSz cx="6746875" cy="9913938"/>
@@ -1379,11 +1386,7 @@
           <a:p>
             <a:r>
               <a:rPr lang="tr-TR" altLang="en-US" dirty="0" smtClean="0"/>
-              <a:t>High Wind Scenario</a:t>
-            </a:r>
-            <a:r>
-              <a:rPr lang="tr-TR" altLang="en-US" dirty="0" smtClean="0"/>
-              <a:t>. </a:t>
+              <a:t>High Wind Scenario. </a:t>
             </a:r>
           </a:p>
           <a:p>
@@ -3098,7 +3101,7 @@
 </p:notes>
 </file>
 
-<file path=ppt/notesSlides/notesSlide4.xml><?xml version="1.0" encoding="utf-8"?>
+<file path=ppt/notesSlides/notesSlide34.xml><?xml version="1.0" encoding="utf-8"?>
 <p:notes xmlns:a="http://schemas.openxmlformats.org/drawingml/2006/main" xmlns:r="http://schemas.openxmlformats.org/officeDocument/2006/relationships" xmlns:p="http://schemas.openxmlformats.org/presentationml/2006/main">
   <p:cSld>
     <p:spTree>
@@ -3152,20 +3155,7 @@
           <a:bodyPr/>
           <a:lstStyle/>
           <a:p>
-            <a:r>
-              <a:rPr lang="tr-TR" altLang="en-US" dirty="0" smtClean="0"/>
-              <a:t>Synchronous</a:t>
-            </a:r>
-            <a:r>
-              <a:rPr lang="tr-TR" altLang="en-US" baseline="0" dirty="0" smtClean="0"/>
-              <a:t> generators produces torque only in synchronous speed. </a:t>
-            </a:r>
-          </a:p>
-          <a:p>
-            <a:r>
-              <a:rPr lang="tr-TR" altLang="en-US" baseline="0" dirty="0" smtClean="0"/>
-              <a:t>When they are sycnhronized to grid frequency, Tm=Te</a:t>
-            </a:r>
+            <a:endParaRPr lang="en-US" altLang="en-US" smtClean="0"/>
           </a:p>
         </p:txBody>
       </p:sp>
@@ -3190,7 +3180,643 @@
     </p:spTree>
     <p:extLst>
       <p:ext uri="{BB962C8B-B14F-4D97-AF65-F5344CB8AC3E}">
+        <p14:creationId xmlns:p14="http://schemas.microsoft.com/office/powerpoint/2010/main" val="844472906"/>
+      </p:ext>
+    </p:extLst>
+  </p:cSld>
+  <p:clrMapOvr>
+    <a:masterClrMapping/>
+  </p:clrMapOvr>
+</p:notes>
+</file>
+
+<file path=ppt/notesSlides/notesSlide35.xml><?xml version="1.0" encoding="utf-8"?>
+<p:notes xmlns:a="http://schemas.openxmlformats.org/drawingml/2006/main" xmlns:r="http://schemas.openxmlformats.org/officeDocument/2006/relationships" xmlns:p="http://schemas.openxmlformats.org/presentationml/2006/main">
+  <p:cSld>
+    <p:spTree>
+      <p:nvGrpSpPr>
+        <p:cNvPr id="1" name=""/>
+        <p:cNvGrpSpPr/>
+        <p:nvPr/>
+      </p:nvGrpSpPr>
+      <p:grpSpPr>
+        <a:xfrm>
+          <a:off x="0" y="0"/>
+          <a:ext cx="0" cy="0"/>
+          <a:chOff x="0" y="0"/>
+          <a:chExt cx="0" cy="0"/>
+        </a:xfrm>
+      </p:grpSpPr>
+      <p:sp>
+        <p:nvSpPr>
+          <p:cNvPr id="35842" name="Rectangle 2"/>
+          <p:cNvSpPr>
+            <a:spLocks noGrp="1" noChangeArrowheads="1"/>
+          </p:cNvSpPr>
+          <p:nvPr>
+            <p:ph type="body" idx="1"/>
+          </p:nvPr>
+        </p:nvSpPr>
+        <p:spPr>
+          <a:noFill/>
+          <a:ln w="9525"/>
+          <a:extLst>
+            <a:ext uri="{909E8E84-426E-40DD-AFC4-6F175D3DCCD1}">
+              <a14:hiddenFill xmlns:a14="http://schemas.microsoft.com/office/drawing/2010/main">
+                <a:solidFill>
+                  <a:srgbClr val="FFFFFF"/>
+                </a:solidFill>
+              </a14:hiddenFill>
+            </a:ext>
+            <a:ext uri="{91240B29-F687-4F45-9708-019B960494DF}">
+              <a14:hiddenLine xmlns:a14="http://schemas.microsoft.com/office/drawing/2010/main" w="9525">
+                <a:solidFill>
+                  <a:srgbClr val="000000"/>
+                </a:solidFill>
+                <a:miter lim="800000"/>
+                <a:headEnd/>
+                <a:tailEnd/>
+              </a14:hiddenLine>
+            </a:ext>
+          </a:extLst>
+        </p:spPr>
+        <p:txBody>
+          <a:bodyPr/>
+          <a:lstStyle/>
+          <a:p>
+            <a:endParaRPr lang="en-US" altLang="en-US" smtClean="0"/>
+          </a:p>
+        </p:txBody>
+      </p:sp>
+      <p:sp>
+        <p:nvSpPr>
+          <p:cNvPr id="35843" name="Rectangle 3"/>
+          <p:cNvSpPr>
+            <a:spLocks noGrp="1" noRot="1" noChangeAspect="1" noChangeArrowheads="1" noTextEdit="1"/>
+          </p:cNvSpPr>
+          <p:nvPr>
+            <p:ph type="sldImg"/>
+          </p:nvPr>
+        </p:nvSpPr>
+        <p:spPr>
+          <a:xfrm>
+            <a:off x="1057275" y="865188"/>
+            <a:ext cx="4632325" cy="3475037"/>
+          </a:xfrm>
+          <a:ln cap="flat"/>
+        </p:spPr>
+      </p:sp>
+    </p:spTree>
+    <p:extLst>
+      <p:ext uri="{BB962C8B-B14F-4D97-AF65-F5344CB8AC3E}">
+        <p14:creationId xmlns:p14="http://schemas.microsoft.com/office/powerpoint/2010/main" val="3219408087"/>
+      </p:ext>
+    </p:extLst>
+  </p:cSld>
+  <p:clrMapOvr>
+    <a:masterClrMapping/>
+  </p:clrMapOvr>
+</p:notes>
+</file>
+
+<file path=ppt/notesSlides/notesSlide36.xml><?xml version="1.0" encoding="utf-8"?>
+<p:notes xmlns:a="http://schemas.openxmlformats.org/drawingml/2006/main" xmlns:r="http://schemas.openxmlformats.org/officeDocument/2006/relationships" xmlns:p="http://schemas.openxmlformats.org/presentationml/2006/main">
+  <p:cSld>
+    <p:spTree>
+      <p:nvGrpSpPr>
+        <p:cNvPr id="1" name=""/>
+        <p:cNvGrpSpPr/>
+        <p:nvPr/>
+      </p:nvGrpSpPr>
+      <p:grpSpPr>
+        <a:xfrm>
+          <a:off x="0" y="0"/>
+          <a:ext cx="0" cy="0"/>
+          <a:chOff x="0" y="0"/>
+          <a:chExt cx="0" cy="0"/>
+        </a:xfrm>
+      </p:grpSpPr>
+      <p:sp>
+        <p:nvSpPr>
+          <p:cNvPr id="35842" name="Rectangle 2"/>
+          <p:cNvSpPr>
+            <a:spLocks noGrp="1" noChangeArrowheads="1"/>
+          </p:cNvSpPr>
+          <p:nvPr>
+            <p:ph type="body" idx="1"/>
+          </p:nvPr>
+        </p:nvSpPr>
+        <p:spPr>
+          <a:noFill/>
+          <a:ln w="9525"/>
+          <a:extLst>
+            <a:ext uri="{909E8E84-426E-40DD-AFC4-6F175D3DCCD1}">
+              <a14:hiddenFill xmlns:a14="http://schemas.microsoft.com/office/drawing/2010/main">
+                <a:solidFill>
+                  <a:srgbClr val="FFFFFF"/>
+                </a:solidFill>
+              </a14:hiddenFill>
+            </a:ext>
+            <a:ext uri="{91240B29-F687-4F45-9708-019B960494DF}">
+              <a14:hiddenLine xmlns:a14="http://schemas.microsoft.com/office/drawing/2010/main" w="9525">
+                <a:solidFill>
+                  <a:srgbClr val="000000"/>
+                </a:solidFill>
+                <a:miter lim="800000"/>
+                <a:headEnd/>
+                <a:tailEnd/>
+              </a14:hiddenLine>
+            </a:ext>
+          </a:extLst>
+        </p:spPr>
+        <p:txBody>
+          <a:bodyPr/>
+          <a:lstStyle/>
+          <a:p>
+            <a:endParaRPr lang="en-US" altLang="en-US" smtClean="0"/>
+          </a:p>
+        </p:txBody>
+      </p:sp>
+      <p:sp>
+        <p:nvSpPr>
+          <p:cNvPr id="35843" name="Rectangle 3"/>
+          <p:cNvSpPr>
+            <a:spLocks noGrp="1" noRot="1" noChangeAspect="1" noChangeArrowheads="1" noTextEdit="1"/>
+          </p:cNvSpPr>
+          <p:nvPr>
+            <p:ph type="sldImg"/>
+          </p:nvPr>
+        </p:nvSpPr>
+        <p:spPr>
+          <a:xfrm>
+            <a:off x="1057275" y="865188"/>
+            <a:ext cx="4632325" cy="3475037"/>
+          </a:xfrm>
+          <a:ln cap="flat"/>
+        </p:spPr>
+      </p:sp>
+    </p:spTree>
+    <p:extLst>
+      <p:ext uri="{BB962C8B-B14F-4D97-AF65-F5344CB8AC3E}">
+        <p14:creationId xmlns:p14="http://schemas.microsoft.com/office/powerpoint/2010/main" val="3461037492"/>
+      </p:ext>
+    </p:extLst>
+  </p:cSld>
+  <p:clrMapOvr>
+    <a:masterClrMapping/>
+  </p:clrMapOvr>
+</p:notes>
+</file>
+
+<file path=ppt/notesSlides/notesSlide37.xml><?xml version="1.0" encoding="utf-8"?>
+<p:notes xmlns:a="http://schemas.openxmlformats.org/drawingml/2006/main" xmlns:r="http://schemas.openxmlformats.org/officeDocument/2006/relationships" xmlns:p="http://schemas.openxmlformats.org/presentationml/2006/main">
+  <p:cSld>
+    <p:spTree>
+      <p:nvGrpSpPr>
+        <p:cNvPr id="1" name=""/>
+        <p:cNvGrpSpPr/>
+        <p:nvPr/>
+      </p:nvGrpSpPr>
+      <p:grpSpPr>
+        <a:xfrm>
+          <a:off x="0" y="0"/>
+          <a:ext cx="0" cy="0"/>
+          <a:chOff x="0" y="0"/>
+          <a:chExt cx="0" cy="0"/>
+        </a:xfrm>
+      </p:grpSpPr>
+      <p:sp>
+        <p:nvSpPr>
+          <p:cNvPr id="35842" name="Rectangle 2"/>
+          <p:cNvSpPr>
+            <a:spLocks noGrp="1" noChangeArrowheads="1"/>
+          </p:cNvSpPr>
+          <p:nvPr>
+            <p:ph type="body" idx="1"/>
+          </p:nvPr>
+        </p:nvSpPr>
+        <p:spPr>
+          <a:noFill/>
+          <a:ln w="9525"/>
+          <a:extLst>
+            <a:ext uri="{909E8E84-426E-40DD-AFC4-6F175D3DCCD1}">
+              <a14:hiddenFill xmlns:a14="http://schemas.microsoft.com/office/drawing/2010/main">
+                <a:solidFill>
+                  <a:srgbClr val="FFFFFF"/>
+                </a:solidFill>
+              </a14:hiddenFill>
+            </a:ext>
+            <a:ext uri="{91240B29-F687-4F45-9708-019B960494DF}">
+              <a14:hiddenLine xmlns:a14="http://schemas.microsoft.com/office/drawing/2010/main" w="9525">
+                <a:solidFill>
+                  <a:srgbClr val="000000"/>
+                </a:solidFill>
+                <a:miter lim="800000"/>
+                <a:headEnd/>
+                <a:tailEnd/>
+              </a14:hiddenLine>
+            </a:ext>
+          </a:extLst>
+        </p:spPr>
+        <p:txBody>
+          <a:bodyPr/>
+          <a:lstStyle/>
+          <a:p>
+            <a:endParaRPr lang="en-US" altLang="en-US" smtClean="0"/>
+          </a:p>
+        </p:txBody>
+      </p:sp>
+      <p:sp>
+        <p:nvSpPr>
+          <p:cNvPr id="35843" name="Rectangle 3"/>
+          <p:cNvSpPr>
+            <a:spLocks noGrp="1" noRot="1" noChangeAspect="1" noChangeArrowheads="1" noTextEdit="1"/>
+          </p:cNvSpPr>
+          <p:nvPr>
+            <p:ph type="sldImg"/>
+          </p:nvPr>
+        </p:nvSpPr>
+        <p:spPr>
+          <a:xfrm>
+            <a:off x="1057275" y="865188"/>
+            <a:ext cx="4632325" cy="3475037"/>
+          </a:xfrm>
+          <a:ln cap="flat"/>
+        </p:spPr>
+      </p:sp>
+    </p:spTree>
+    <p:extLst>
+      <p:ext uri="{BB962C8B-B14F-4D97-AF65-F5344CB8AC3E}">
+        <p14:creationId xmlns:p14="http://schemas.microsoft.com/office/powerpoint/2010/main" val="728642395"/>
+      </p:ext>
+    </p:extLst>
+  </p:cSld>
+  <p:clrMapOvr>
+    <a:masterClrMapping/>
+  </p:clrMapOvr>
+</p:notes>
+</file>
+
+<file path=ppt/notesSlides/notesSlide38.xml><?xml version="1.0" encoding="utf-8"?>
+<p:notes xmlns:a="http://schemas.openxmlformats.org/drawingml/2006/main" xmlns:r="http://schemas.openxmlformats.org/officeDocument/2006/relationships" xmlns:p="http://schemas.openxmlformats.org/presentationml/2006/main">
+  <p:cSld>
+    <p:spTree>
+      <p:nvGrpSpPr>
+        <p:cNvPr id="1" name=""/>
+        <p:cNvGrpSpPr/>
+        <p:nvPr/>
+      </p:nvGrpSpPr>
+      <p:grpSpPr>
+        <a:xfrm>
+          <a:off x="0" y="0"/>
+          <a:ext cx="0" cy="0"/>
+          <a:chOff x="0" y="0"/>
+          <a:chExt cx="0" cy="0"/>
+        </a:xfrm>
+      </p:grpSpPr>
+      <p:sp>
+        <p:nvSpPr>
+          <p:cNvPr id="35842" name="Rectangle 2"/>
+          <p:cNvSpPr>
+            <a:spLocks noGrp="1" noChangeArrowheads="1"/>
+          </p:cNvSpPr>
+          <p:nvPr>
+            <p:ph type="body" idx="1"/>
+          </p:nvPr>
+        </p:nvSpPr>
+        <p:spPr>
+          <a:noFill/>
+          <a:ln w="9525"/>
+          <a:extLst>
+            <a:ext uri="{909E8E84-426E-40DD-AFC4-6F175D3DCCD1}">
+              <a14:hiddenFill xmlns:a14="http://schemas.microsoft.com/office/drawing/2010/main">
+                <a:solidFill>
+                  <a:srgbClr val="FFFFFF"/>
+                </a:solidFill>
+              </a14:hiddenFill>
+            </a:ext>
+            <a:ext uri="{91240B29-F687-4F45-9708-019B960494DF}">
+              <a14:hiddenLine xmlns:a14="http://schemas.microsoft.com/office/drawing/2010/main" w="9525">
+                <a:solidFill>
+                  <a:srgbClr val="000000"/>
+                </a:solidFill>
+                <a:miter lim="800000"/>
+                <a:headEnd/>
+                <a:tailEnd/>
+              </a14:hiddenLine>
+            </a:ext>
+          </a:extLst>
+        </p:spPr>
+        <p:txBody>
+          <a:bodyPr/>
+          <a:lstStyle/>
+          <a:p>
+            <a:endParaRPr lang="en-US" altLang="en-US" smtClean="0"/>
+          </a:p>
+        </p:txBody>
+      </p:sp>
+      <p:sp>
+        <p:nvSpPr>
+          <p:cNvPr id="35843" name="Rectangle 3"/>
+          <p:cNvSpPr>
+            <a:spLocks noGrp="1" noRot="1" noChangeAspect="1" noChangeArrowheads="1" noTextEdit="1"/>
+          </p:cNvSpPr>
+          <p:nvPr>
+            <p:ph type="sldImg"/>
+          </p:nvPr>
+        </p:nvSpPr>
+        <p:spPr>
+          <a:xfrm>
+            <a:off x="1057275" y="865188"/>
+            <a:ext cx="4632325" cy="3475037"/>
+          </a:xfrm>
+          <a:ln cap="flat"/>
+        </p:spPr>
+      </p:sp>
+    </p:spTree>
+    <p:extLst>
+      <p:ext uri="{BB962C8B-B14F-4D97-AF65-F5344CB8AC3E}">
+        <p14:creationId xmlns:p14="http://schemas.microsoft.com/office/powerpoint/2010/main" val="1235942237"/>
+      </p:ext>
+    </p:extLst>
+  </p:cSld>
+  <p:clrMapOvr>
+    <a:masterClrMapping/>
+  </p:clrMapOvr>
+</p:notes>
+</file>
+
+<file path=ppt/notesSlides/notesSlide39.xml><?xml version="1.0" encoding="utf-8"?>
+<p:notes xmlns:a="http://schemas.openxmlformats.org/drawingml/2006/main" xmlns:r="http://schemas.openxmlformats.org/officeDocument/2006/relationships" xmlns:p="http://schemas.openxmlformats.org/presentationml/2006/main">
+  <p:cSld>
+    <p:spTree>
+      <p:nvGrpSpPr>
+        <p:cNvPr id="1" name=""/>
+        <p:cNvGrpSpPr/>
+        <p:nvPr/>
+      </p:nvGrpSpPr>
+      <p:grpSpPr>
+        <a:xfrm>
+          <a:off x="0" y="0"/>
+          <a:ext cx="0" cy="0"/>
+          <a:chOff x="0" y="0"/>
+          <a:chExt cx="0" cy="0"/>
+        </a:xfrm>
+      </p:grpSpPr>
+      <p:sp>
+        <p:nvSpPr>
+          <p:cNvPr id="35842" name="Rectangle 2"/>
+          <p:cNvSpPr>
+            <a:spLocks noGrp="1" noChangeArrowheads="1"/>
+          </p:cNvSpPr>
+          <p:nvPr>
+            <p:ph type="body" idx="1"/>
+          </p:nvPr>
+        </p:nvSpPr>
+        <p:spPr>
+          <a:noFill/>
+          <a:ln w="9525"/>
+          <a:extLst>
+            <a:ext uri="{909E8E84-426E-40DD-AFC4-6F175D3DCCD1}">
+              <a14:hiddenFill xmlns:a14="http://schemas.microsoft.com/office/drawing/2010/main">
+                <a:solidFill>
+                  <a:srgbClr val="FFFFFF"/>
+                </a:solidFill>
+              </a14:hiddenFill>
+            </a:ext>
+            <a:ext uri="{91240B29-F687-4F45-9708-019B960494DF}">
+              <a14:hiddenLine xmlns:a14="http://schemas.microsoft.com/office/drawing/2010/main" w="9525">
+                <a:solidFill>
+                  <a:srgbClr val="000000"/>
+                </a:solidFill>
+                <a:miter lim="800000"/>
+                <a:headEnd/>
+                <a:tailEnd/>
+              </a14:hiddenLine>
+            </a:ext>
+          </a:extLst>
+        </p:spPr>
+        <p:txBody>
+          <a:bodyPr/>
+          <a:lstStyle/>
+          <a:p>
+            <a:endParaRPr lang="en-US" altLang="en-US" smtClean="0"/>
+          </a:p>
+        </p:txBody>
+      </p:sp>
+      <p:sp>
+        <p:nvSpPr>
+          <p:cNvPr id="35843" name="Rectangle 3"/>
+          <p:cNvSpPr>
+            <a:spLocks noGrp="1" noRot="1" noChangeAspect="1" noChangeArrowheads="1" noTextEdit="1"/>
+          </p:cNvSpPr>
+          <p:nvPr>
+            <p:ph type="sldImg"/>
+          </p:nvPr>
+        </p:nvSpPr>
+        <p:spPr>
+          <a:xfrm>
+            <a:off x="1057275" y="865188"/>
+            <a:ext cx="4632325" cy="3475037"/>
+          </a:xfrm>
+          <a:ln cap="flat"/>
+        </p:spPr>
+      </p:sp>
+    </p:spTree>
+    <p:extLst>
+      <p:ext uri="{BB962C8B-B14F-4D97-AF65-F5344CB8AC3E}">
+        <p14:creationId xmlns:p14="http://schemas.microsoft.com/office/powerpoint/2010/main" val="2562472704"/>
+      </p:ext>
+    </p:extLst>
+  </p:cSld>
+  <p:clrMapOvr>
+    <a:masterClrMapping/>
+  </p:clrMapOvr>
+</p:notes>
+</file>
+
+<file path=ppt/notesSlides/notesSlide4.xml><?xml version="1.0" encoding="utf-8"?>
+<p:notes xmlns:a="http://schemas.openxmlformats.org/drawingml/2006/main" xmlns:r="http://schemas.openxmlformats.org/officeDocument/2006/relationships" xmlns:p="http://schemas.openxmlformats.org/presentationml/2006/main">
+  <p:cSld>
+    <p:spTree>
+      <p:nvGrpSpPr>
+        <p:cNvPr id="1" name=""/>
+        <p:cNvGrpSpPr/>
+        <p:nvPr/>
+      </p:nvGrpSpPr>
+      <p:grpSpPr>
+        <a:xfrm>
+          <a:off x="0" y="0"/>
+          <a:ext cx="0" cy="0"/>
+          <a:chOff x="0" y="0"/>
+          <a:chExt cx="0" cy="0"/>
+        </a:xfrm>
+      </p:grpSpPr>
+      <p:sp>
+        <p:nvSpPr>
+          <p:cNvPr id="35842" name="Rectangle 2"/>
+          <p:cNvSpPr>
+            <a:spLocks noGrp="1" noChangeArrowheads="1"/>
+          </p:cNvSpPr>
+          <p:nvPr>
+            <p:ph type="body" idx="1"/>
+          </p:nvPr>
+        </p:nvSpPr>
+        <p:spPr>
+          <a:noFill/>
+          <a:ln w="9525"/>
+          <a:extLst>
+            <a:ext uri="{909E8E84-426E-40DD-AFC4-6F175D3DCCD1}">
+              <a14:hiddenFill xmlns:a14="http://schemas.microsoft.com/office/drawing/2010/main">
+                <a:solidFill>
+                  <a:srgbClr val="FFFFFF"/>
+                </a:solidFill>
+              </a14:hiddenFill>
+            </a:ext>
+            <a:ext uri="{91240B29-F687-4F45-9708-019B960494DF}">
+              <a14:hiddenLine xmlns:a14="http://schemas.microsoft.com/office/drawing/2010/main" w="9525">
+                <a:solidFill>
+                  <a:srgbClr val="000000"/>
+                </a:solidFill>
+                <a:miter lim="800000"/>
+                <a:headEnd/>
+                <a:tailEnd/>
+              </a14:hiddenLine>
+            </a:ext>
+          </a:extLst>
+        </p:spPr>
+        <p:txBody>
+          <a:bodyPr/>
+          <a:lstStyle/>
+          <a:p>
+            <a:r>
+              <a:rPr lang="tr-TR" altLang="en-US" dirty="0" smtClean="0"/>
+              <a:t>Synchronous</a:t>
+            </a:r>
+            <a:r>
+              <a:rPr lang="tr-TR" altLang="en-US" baseline="0" dirty="0" smtClean="0"/>
+              <a:t> generators produces torque only in synchronous speed. </a:t>
+            </a:r>
+          </a:p>
+          <a:p>
+            <a:r>
+              <a:rPr lang="tr-TR" altLang="en-US" baseline="0" dirty="0" smtClean="0"/>
+              <a:t>When they are sycnhronized to grid frequency, Tm=Te</a:t>
+            </a:r>
+          </a:p>
+        </p:txBody>
+      </p:sp>
+      <p:sp>
+        <p:nvSpPr>
+          <p:cNvPr id="35843" name="Rectangle 3"/>
+          <p:cNvSpPr>
+            <a:spLocks noGrp="1" noRot="1" noChangeAspect="1" noChangeArrowheads="1" noTextEdit="1"/>
+          </p:cNvSpPr>
+          <p:nvPr>
+            <p:ph type="sldImg"/>
+          </p:nvPr>
+        </p:nvSpPr>
+        <p:spPr>
+          <a:xfrm>
+            <a:off x="1057275" y="865188"/>
+            <a:ext cx="4632325" cy="3475037"/>
+          </a:xfrm>
+          <a:ln cap="flat"/>
+        </p:spPr>
+      </p:sp>
+    </p:spTree>
+    <p:extLst>
+      <p:ext uri="{BB962C8B-B14F-4D97-AF65-F5344CB8AC3E}">
         <p14:creationId xmlns:p14="http://schemas.microsoft.com/office/powerpoint/2010/main" val="1295029688"/>
+      </p:ext>
+    </p:extLst>
+  </p:cSld>
+  <p:clrMapOvr>
+    <a:masterClrMapping/>
+  </p:clrMapOvr>
+</p:notes>
+</file>
+
+<file path=ppt/notesSlides/notesSlide40.xml><?xml version="1.0" encoding="utf-8"?>
+<p:notes xmlns:a="http://schemas.openxmlformats.org/drawingml/2006/main" xmlns:r="http://schemas.openxmlformats.org/officeDocument/2006/relationships" xmlns:p="http://schemas.openxmlformats.org/presentationml/2006/main">
+  <p:cSld>
+    <p:spTree>
+      <p:nvGrpSpPr>
+        <p:cNvPr id="1" name=""/>
+        <p:cNvGrpSpPr/>
+        <p:nvPr/>
+      </p:nvGrpSpPr>
+      <p:grpSpPr>
+        <a:xfrm>
+          <a:off x="0" y="0"/>
+          <a:ext cx="0" cy="0"/>
+          <a:chOff x="0" y="0"/>
+          <a:chExt cx="0" cy="0"/>
+        </a:xfrm>
+      </p:grpSpPr>
+      <p:sp>
+        <p:nvSpPr>
+          <p:cNvPr id="35842" name="Rectangle 2"/>
+          <p:cNvSpPr>
+            <a:spLocks noGrp="1" noChangeArrowheads="1"/>
+          </p:cNvSpPr>
+          <p:nvPr>
+            <p:ph type="body" idx="1"/>
+          </p:nvPr>
+        </p:nvSpPr>
+        <p:spPr>
+          <a:noFill/>
+          <a:ln w="9525"/>
+          <a:extLst>
+            <a:ext uri="{909E8E84-426E-40DD-AFC4-6F175D3DCCD1}">
+              <a14:hiddenFill xmlns:a14="http://schemas.microsoft.com/office/drawing/2010/main">
+                <a:solidFill>
+                  <a:srgbClr val="FFFFFF"/>
+                </a:solidFill>
+              </a14:hiddenFill>
+            </a:ext>
+            <a:ext uri="{91240B29-F687-4F45-9708-019B960494DF}">
+              <a14:hiddenLine xmlns:a14="http://schemas.microsoft.com/office/drawing/2010/main" w="9525">
+                <a:solidFill>
+                  <a:srgbClr val="000000"/>
+                </a:solidFill>
+                <a:miter lim="800000"/>
+                <a:headEnd/>
+                <a:tailEnd/>
+              </a14:hiddenLine>
+            </a:ext>
+          </a:extLst>
+        </p:spPr>
+        <p:txBody>
+          <a:bodyPr/>
+          <a:lstStyle/>
+          <a:p>
+            <a:endParaRPr lang="en-US" altLang="en-US" smtClean="0"/>
+          </a:p>
+        </p:txBody>
+      </p:sp>
+      <p:sp>
+        <p:nvSpPr>
+          <p:cNvPr id="35843" name="Rectangle 3"/>
+          <p:cNvSpPr>
+            <a:spLocks noGrp="1" noRot="1" noChangeAspect="1" noChangeArrowheads="1" noTextEdit="1"/>
+          </p:cNvSpPr>
+          <p:nvPr>
+            <p:ph type="sldImg"/>
+          </p:nvPr>
+        </p:nvSpPr>
+        <p:spPr>
+          <a:xfrm>
+            <a:off x="1057275" y="865188"/>
+            <a:ext cx="4632325" cy="3475037"/>
+          </a:xfrm>
+          <a:ln cap="flat"/>
+        </p:spPr>
+      </p:sp>
+    </p:spTree>
+    <p:extLst>
+      <p:ext uri="{BB962C8B-B14F-4D97-AF65-F5344CB8AC3E}">
+        <p14:creationId xmlns:p14="http://schemas.microsoft.com/office/powerpoint/2010/main" val="554175807"/>
       </p:ext>
     </p:extLst>
   </p:cSld>
@@ -6829,7 +7455,7 @@
         <p:spPr>
           <a:xfrm>
             <a:off x="457200" y="1430339"/>
-            <a:ext cx="8229600" cy="1782637"/>
+            <a:ext cx="8229600" cy="2286693"/>
           </a:xfrm>
         </p:spPr>
         <p:txBody>
@@ -6837,14 +7463,33 @@
           <a:lstStyle/>
           <a:p>
             <a:r>
-              <a:rPr lang="en-GB" dirty="0" smtClean="0">
+              <a:rPr lang="tr-TR" dirty="0" smtClean="0">
                 <a:latin typeface="Arial" panose="020B0604020202020204" pitchFamily="34" charset="0"/>
                 <a:cs typeface="Arial" panose="020B0604020202020204" pitchFamily="34" charset="0"/>
               </a:rPr>
-              <a:t>The synchronous generators contribute grid inertia by injecting more power in the frequency disturbances. </a:t>
-            </a:r>
-          </a:p>
-          <a:p>
+              <a:t>The behaviour </a:t>
+            </a:r>
+            <a:r>
+              <a:rPr lang="tr-TR" dirty="0">
+                <a:latin typeface="Arial" panose="020B0604020202020204" pitchFamily="34" charset="0"/>
+                <a:cs typeface="Arial" panose="020B0604020202020204" pitchFamily="34" charset="0"/>
+              </a:rPr>
+              <a:t>of the synchrnous generators can be applied to Type-4 wind </a:t>
+            </a:r>
+            <a:r>
+              <a:rPr lang="tr-TR" dirty="0" smtClean="0">
+                <a:latin typeface="Arial" panose="020B0604020202020204" pitchFamily="34" charset="0"/>
+                <a:cs typeface="Arial" panose="020B0604020202020204" pitchFamily="34" charset="0"/>
+              </a:rPr>
+              <a:t>turbines since the FSPC has the ability control active and reactive powers.</a:t>
+            </a:r>
+            <a:endParaRPr lang="tr-TR" dirty="0">
+              <a:latin typeface="Arial" panose="020B0604020202020204" pitchFamily="34" charset="0"/>
+              <a:cs typeface="Arial" panose="020B0604020202020204" pitchFamily="34" charset="0"/>
+            </a:endParaRPr>
+          </a:p>
+          <a:p>
+            <a:pPr lvl="1"/>
             <a:endParaRPr lang="en-GB" dirty="0" smtClean="0">
               <a:latin typeface="Arial" panose="020B0604020202020204" pitchFamily="34" charset="0"/>
               <a:cs typeface="Arial" panose="020B0604020202020204" pitchFamily="34" charset="0"/>
@@ -6858,6 +7503,16 @@
               </a:rPr>
               <a:t>The decrease in the grid inertia can be solved by emulating inertia support in the renewable energy systems. </a:t>
             </a:r>
+            <a:endParaRPr lang="tr-TR" dirty="0" smtClean="0">
+              <a:latin typeface="Arial" panose="020B0604020202020204" pitchFamily="34" charset="0"/>
+              <a:cs typeface="Arial" panose="020B0604020202020204" pitchFamily="34" charset="0"/>
+            </a:endParaRPr>
+          </a:p>
+          <a:p>
+            <a:endParaRPr lang="tr-TR" dirty="0" smtClean="0">
+              <a:latin typeface="Arial" panose="020B0604020202020204" pitchFamily="34" charset="0"/>
+              <a:cs typeface="Arial" panose="020B0604020202020204" pitchFamily="34" charset="0"/>
+            </a:endParaRPr>
           </a:p>
         </p:txBody>
       </p:sp>
@@ -6901,7 +7556,7 @@
         </p:nvSpPr>
         <p:spPr bwMode="auto">
           <a:xfrm>
-            <a:off x="457199" y="3466124"/>
+            <a:off x="453953" y="3728604"/>
             <a:ext cx="4000501" cy="1782637"/>
           </a:xfrm>
           <a:prstGeom prst="rect">
@@ -7877,8 +8532,8 @@
           </a:xfrm>
         </p:spPr>
       </p:pic>
-      <mc:AlternateContent xmlns:mc="http://schemas.openxmlformats.org/markup-compatibility/2006">
-        <mc:Choice xmlns:a14="http://schemas.microsoft.com/office/drawing/2010/main" Requires="a14">
+      <mc:AlternateContent xmlns:mc="http://schemas.openxmlformats.org/markup-compatibility/2006" xmlns:a14="http://schemas.microsoft.com/office/drawing/2010/main">
+        <mc:Choice Requires="a14">
           <p:sp>
             <p:nvSpPr>
               <p:cNvPr id="6" name="Rectangle 5"/>
@@ -7997,7 +8652,7 @@
             </p:txBody>
           </p:sp>
         </mc:Choice>
-        <mc:Fallback>
+        <mc:Fallback xmlns="">
           <p:sp>
             <p:nvSpPr>
               <p:cNvPr id="6" name="Rectangle 5"/>
@@ -8036,8 +8691,8 @@
           </p:sp>
         </mc:Fallback>
       </mc:AlternateContent>
-      <mc:AlternateContent xmlns:mc="http://schemas.openxmlformats.org/markup-compatibility/2006">
-        <mc:Choice xmlns:a14="http://schemas.microsoft.com/office/drawing/2010/main" Requires="a14">
+      <mc:AlternateContent xmlns:mc="http://schemas.openxmlformats.org/markup-compatibility/2006" xmlns:a14="http://schemas.microsoft.com/office/drawing/2010/main">
+        <mc:Choice Requires="a14">
           <p:sp>
             <p:nvSpPr>
               <p:cNvPr id="9" name="Rectangle 8"/>
@@ -8168,7 +8823,7 @@
             </p:txBody>
           </p:sp>
         </mc:Choice>
-        <mc:Fallback>
+        <mc:Fallback xmlns="">
           <p:sp>
             <p:nvSpPr>
               <p:cNvPr id="9" name="Rectangle 8"/>
@@ -8207,8 +8862,8 @@
           </p:sp>
         </mc:Fallback>
       </mc:AlternateContent>
-      <mc:AlternateContent xmlns:mc="http://schemas.openxmlformats.org/markup-compatibility/2006">
-        <mc:Choice xmlns:a14="http://schemas.microsoft.com/office/drawing/2010/main" Requires="a14">
+      <mc:AlternateContent xmlns:mc="http://schemas.openxmlformats.org/markup-compatibility/2006" xmlns:a14="http://schemas.microsoft.com/office/drawing/2010/main">
+        <mc:Choice Requires="a14">
           <p:sp>
             <p:nvSpPr>
               <p:cNvPr id="10" name="Rectangle 9"/>
@@ -8339,7 +8994,7 @@
             </p:txBody>
           </p:sp>
         </mc:Choice>
-        <mc:Fallback>
+        <mc:Fallback xmlns="">
           <p:sp>
             <p:nvSpPr>
               <p:cNvPr id="10" name="Rectangle 9"/>
@@ -9699,8 +10354,19 @@
                 <a:latin typeface="Arial" panose="020B0604020202020204" pitchFamily="34" charset="0"/>
                 <a:cs typeface="Arial" panose="020B0604020202020204" pitchFamily="34" charset="0"/>
               </a:rPr>
-              <a:t>Inertia, Frequency and Inertial Support in the Grid</a:t>
-            </a:r>
+              <a:t>Inertia, Frequency and Inertial Support </a:t>
+            </a:r>
+            <a:r>
+              <a:rPr lang="tr-TR" sz="2400" dirty="0" smtClean="0">
+                <a:latin typeface="Arial" panose="020B0604020202020204" pitchFamily="34" charset="0"/>
+                <a:cs typeface="Arial" panose="020B0604020202020204" pitchFamily="34" charset="0"/>
+              </a:rPr>
+              <a:t>Concepts</a:t>
+            </a:r>
+            <a:endParaRPr lang="en-GB" sz="2400" dirty="0" smtClean="0">
+              <a:latin typeface="Arial" panose="020B0604020202020204" pitchFamily="34" charset="0"/>
+              <a:cs typeface="Arial" panose="020B0604020202020204" pitchFamily="34" charset="0"/>
+            </a:endParaRPr>
           </a:p>
           <a:p>
             <a:pPr lvl="1">
@@ -9761,14 +10427,7 @@
                 <a:latin typeface="Arial" panose="020B0604020202020204" pitchFamily="34" charset="0"/>
                 <a:cs typeface="Arial" panose="020B0604020202020204" pitchFamily="34" charset="0"/>
               </a:rPr>
-              <a:t>Turkish </a:t>
-            </a:r>
-            <a:r>
-              <a:rPr lang="en-GB" sz="2400" dirty="0" smtClean="0">
-                <a:latin typeface="Arial" panose="020B0604020202020204" pitchFamily="34" charset="0"/>
-                <a:cs typeface="Arial" panose="020B0604020202020204" pitchFamily="34" charset="0"/>
-              </a:rPr>
-              <a:t>Electricity </a:t>
+              <a:t>Turkish Electricity </a:t>
             </a:r>
             <a:r>
               <a:rPr lang="tr-TR" sz="2400" dirty="0" smtClean="0">
@@ -12527,14 +13186,7 @@
                 <a:latin typeface="Arial" panose="020B0604020202020204" pitchFamily="34" charset="0"/>
                 <a:cs typeface="Arial" panose="020B0604020202020204" pitchFamily="34" charset="0"/>
               </a:rPr>
-              <a:t>Effects on the Turkish Electricity </a:t>
-            </a:r>
-            <a:r>
-              <a:rPr lang="tr-TR" dirty="0" smtClean="0">
-                <a:latin typeface="Arial" panose="020B0604020202020204" pitchFamily="34" charset="0"/>
-                <a:cs typeface="Arial" panose="020B0604020202020204" pitchFamily="34" charset="0"/>
-              </a:rPr>
-              <a:t>Network</a:t>
+              <a:t>Effects on the Turkish Electricity Network</a:t>
             </a:r>
             <a:endParaRPr lang="en-US" dirty="0" smtClean="0">
               <a:latin typeface="Arial" panose="020B0604020202020204" pitchFamily="34" charset="0"/>
@@ -12955,14 +13607,7 @@
                 <a:latin typeface="Arial" panose="020B0604020202020204" pitchFamily="34" charset="0"/>
                 <a:cs typeface="Arial" panose="020B0604020202020204" pitchFamily="34" charset="0"/>
               </a:rPr>
-              <a:t>Effects on the Turkish Electricity </a:t>
-            </a:r>
-            <a:r>
-              <a:rPr lang="tr-TR" dirty="0">
-                <a:latin typeface="Arial" panose="020B0604020202020204" pitchFamily="34" charset="0"/>
-                <a:cs typeface="Arial" panose="020B0604020202020204" pitchFamily="34" charset="0"/>
-              </a:rPr>
-              <a:t>Network</a:t>
+              <a:t>Effects on the Turkish Electricity Network</a:t>
             </a:r>
             <a:endParaRPr lang="en-US" dirty="0" smtClean="0">
               <a:latin typeface="Arial" panose="020B0604020202020204" pitchFamily="34" charset="0"/>
@@ -15323,10 +15968,6 @@
               </a:rPr>
               <a:t>.</a:t>
             </a:r>
-            <a:endParaRPr lang="tr-TR" dirty="0" smtClean="0">
-              <a:latin typeface="Arial" panose="020B0604020202020204" pitchFamily="34" charset="0"/>
-              <a:cs typeface="Arial" panose="020B0604020202020204" pitchFamily="34" charset="0"/>
-            </a:endParaRPr>
           </a:p>
         </p:txBody>
       </p:sp>
@@ -15739,10 +16380,6 @@
               </a:rPr>
               <a:t>. 	[Online]. Available: https://seffaflik.epias.com.tr/transparency/. 	[Accessed: 07-Jan-2019].</a:t>
             </a:r>
-            <a:endParaRPr lang="tr-TR" dirty="0" smtClean="0">
-              <a:latin typeface="Arial" panose="020B0604020202020204" pitchFamily="34" charset="0"/>
-              <a:cs typeface="Arial" panose="020B0604020202020204" pitchFamily="34" charset="0"/>
-            </a:endParaRPr>
           </a:p>
         </p:txBody>
       </p:sp>
@@ -15750,6 +16387,969 @@
     <p:extLst>
       <p:ext uri="{BB962C8B-B14F-4D97-AF65-F5344CB8AC3E}">
         <p14:creationId xmlns:p14="http://schemas.microsoft.com/office/powerpoint/2010/main" val="3554839379"/>
+      </p:ext>
+    </p:extLst>
+  </p:cSld>
+  <p:clrMapOvr>
+    <a:masterClrMapping/>
+  </p:clrMapOvr>
+  <p:transition/>
+  <p:timing>
+    <p:tnLst>
+      <p:par>
+        <p:cTn id="1" dur="indefinite" restart="never" nodeType="tmRoot"/>
+      </p:par>
+    </p:tnLst>
+  </p:timing>
+</p:sld>
+</file>
+
+<file path=ppt/slides/slide35.xml><?xml version="1.0" encoding="utf-8"?>
+<p:sld xmlns:a="http://schemas.openxmlformats.org/drawingml/2006/main" xmlns:r="http://schemas.openxmlformats.org/officeDocument/2006/relationships" xmlns:p="http://schemas.openxmlformats.org/presentationml/2006/main">
+  <p:cSld>
+    <p:spTree>
+      <p:nvGrpSpPr>
+        <p:cNvPr id="1" name=""/>
+        <p:cNvGrpSpPr/>
+        <p:nvPr/>
+      </p:nvGrpSpPr>
+      <p:grpSpPr>
+        <a:xfrm>
+          <a:off x="0" y="0"/>
+          <a:ext cx="0" cy="0"/>
+          <a:chOff x="0" y="0"/>
+          <a:chExt cx="0" cy="0"/>
+        </a:xfrm>
+      </p:grpSpPr>
+      <p:sp>
+        <p:nvSpPr>
+          <p:cNvPr id="5122" name="Rectangle 2"/>
+          <p:cNvSpPr>
+            <a:spLocks noGrp="1" noChangeArrowheads="1"/>
+          </p:cNvSpPr>
+          <p:nvPr>
+            <p:ph type="title"/>
+          </p:nvPr>
+        </p:nvSpPr>
+        <p:spPr/>
+        <p:txBody>
+          <a:bodyPr/>
+          <a:lstStyle/>
+          <a:p>
+            <a:pPr>
+              <a:defRPr/>
+            </a:pPr>
+            <a:r>
+              <a:rPr lang="tr-TR" dirty="0" smtClean="0">
+                <a:latin typeface="Arial" panose="020B0604020202020204" pitchFamily="34" charset="0"/>
+                <a:cs typeface="Arial" panose="020B0604020202020204" pitchFamily="34" charset="0"/>
+              </a:rPr>
+              <a:t>Frequency Disturbance from Northern Cyprus</a:t>
+            </a:r>
+            <a:endParaRPr lang="en-US" dirty="0" smtClean="0">
+              <a:latin typeface="Arial" panose="020B0604020202020204" pitchFamily="34" charset="0"/>
+              <a:cs typeface="Arial" panose="020B0604020202020204" pitchFamily="34" charset="0"/>
+            </a:endParaRPr>
+          </a:p>
+        </p:txBody>
+      </p:sp>
+      <p:sp>
+        <p:nvSpPr>
+          <p:cNvPr id="2" name="Date Placeholder 1"/>
+          <p:cNvSpPr>
+            <a:spLocks noGrp="1"/>
+          </p:cNvSpPr>
+          <p:nvPr>
+            <p:ph type="dt" sz="half" idx="2"/>
+          </p:nvPr>
+        </p:nvSpPr>
+        <p:spPr/>
+        <p:txBody>
+          <a:bodyPr/>
+          <a:lstStyle/>
+          <a:p>
+            <a:pPr>
+              <a:defRPr/>
+            </a:pPr>
+            <a:r>
+              <a:rPr lang="tr-TR" smtClean="0"/>
+              <a:t>18.01.2019</a:t>
+            </a:r>
+            <a:endParaRPr lang="en-US" dirty="0"/>
+          </a:p>
+        </p:txBody>
+      </p:sp>
+      <p:sp>
+        <p:nvSpPr>
+          <p:cNvPr id="3" name="Slide Number Placeholder 2"/>
+          <p:cNvSpPr>
+            <a:spLocks noGrp="1"/>
+          </p:cNvSpPr>
+          <p:nvPr>
+            <p:ph type="sldNum" sz="quarter" idx="12"/>
+          </p:nvPr>
+        </p:nvSpPr>
+        <p:spPr/>
+        <p:txBody>
+          <a:bodyPr/>
+          <a:lstStyle/>
+          <a:p>
+            <a:pPr>
+              <a:defRPr/>
+            </a:pPr>
+            <a:fld id="{C878F797-6006-4DDA-AFE9-456F280FE6C5}" type="slidenum">
+              <a:rPr lang="en-US" smtClean="0"/>
+              <a:pPr>
+                <a:defRPr/>
+              </a:pPr>
+              <a:t>35</a:t>
+            </a:fld>
+            <a:endParaRPr lang="en-US" dirty="0"/>
+          </a:p>
+        </p:txBody>
+      </p:sp>
+      <p:pic>
+        <p:nvPicPr>
+          <p:cNvPr id="8" name="Content Placeholder 7"/>
+          <p:cNvPicPr>
+            <a:picLocks noGrp="1" noChangeAspect="1"/>
+          </p:cNvPicPr>
+          <p:nvPr>
+            <p:ph idx="1"/>
+          </p:nvPr>
+        </p:nvPicPr>
+        <p:blipFill>
+          <a:blip r:embed="rId3" cstate="print">
+            <a:extLst>
+              <a:ext uri="{28A0092B-C50C-407E-A947-70E740481C1C}">
+                <a14:useLocalDpi xmlns:a14="http://schemas.microsoft.com/office/drawing/2010/main" val="0"/>
+              </a:ext>
+            </a:extLst>
+          </a:blip>
+          <a:stretch>
+            <a:fillRect/>
+          </a:stretch>
+        </p:blipFill>
+        <p:spPr>
+          <a:xfrm>
+            <a:off x="1676084" y="1523460"/>
+            <a:ext cx="5791832" cy="4801680"/>
+          </a:xfrm>
+        </p:spPr>
+      </p:pic>
+    </p:spTree>
+    <p:extLst>
+      <p:ext uri="{BB962C8B-B14F-4D97-AF65-F5344CB8AC3E}">
+        <p14:creationId xmlns:p14="http://schemas.microsoft.com/office/powerpoint/2010/main" val="3495129771"/>
+      </p:ext>
+    </p:extLst>
+  </p:cSld>
+  <p:clrMapOvr>
+    <a:masterClrMapping/>
+  </p:clrMapOvr>
+  <p:transition/>
+  <p:timing>
+    <p:tnLst>
+      <p:par>
+        <p:cTn id="1" dur="indefinite" restart="never" nodeType="tmRoot"/>
+      </p:par>
+    </p:tnLst>
+  </p:timing>
+</p:sld>
+</file>
+
+<file path=ppt/slides/slide36.xml><?xml version="1.0" encoding="utf-8"?>
+<p:sld xmlns:a="http://schemas.openxmlformats.org/drawingml/2006/main" xmlns:r="http://schemas.openxmlformats.org/officeDocument/2006/relationships" xmlns:p="http://schemas.openxmlformats.org/presentationml/2006/main">
+  <p:cSld>
+    <p:spTree>
+      <p:nvGrpSpPr>
+        <p:cNvPr id="1" name=""/>
+        <p:cNvGrpSpPr/>
+        <p:nvPr/>
+      </p:nvGrpSpPr>
+      <p:grpSpPr>
+        <a:xfrm>
+          <a:off x="0" y="0"/>
+          <a:ext cx="0" cy="0"/>
+          <a:chOff x="0" y="0"/>
+          <a:chExt cx="0" cy="0"/>
+        </a:xfrm>
+      </p:grpSpPr>
+      <p:pic>
+        <p:nvPicPr>
+          <p:cNvPr id="10" name="Content Placeholder 9"/>
+          <p:cNvPicPr>
+            <a:picLocks noGrp="1" noChangeAspect="1"/>
+          </p:cNvPicPr>
+          <p:nvPr>
+            <p:ph idx="1"/>
+          </p:nvPr>
+        </p:nvPicPr>
+        <p:blipFill>
+          <a:blip r:embed="rId3">
+            <a:extLst>
+              <a:ext uri="{28A0092B-C50C-407E-A947-70E740481C1C}">
+                <a14:useLocalDpi xmlns:a14="http://schemas.microsoft.com/office/drawing/2010/main" val="0"/>
+              </a:ext>
+            </a:extLst>
+          </a:blip>
+          <a:stretch>
+            <a:fillRect/>
+          </a:stretch>
+        </p:blipFill>
+        <p:spPr>
+          <a:xfrm>
+            <a:off x="1246717" y="1196752"/>
+            <a:ext cx="6650566" cy="4987925"/>
+          </a:xfrm>
+        </p:spPr>
+      </p:pic>
+      <p:sp>
+        <p:nvSpPr>
+          <p:cNvPr id="5122" name="Rectangle 2"/>
+          <p:cNvSpPr>
+            <a:spLocks noGrp="1" noChangeArrowheads="1"/>
+          </p:cNvSpPr>
+          <p:nvPr>
+            <p:ph type="title"/>
+          </p:nvPr>
+        </p:nvSpPr>
+        <p:spPr/>
+        <p:txBody>
+          <a:bodyPr/>
+          <a:lstStyle/>
+          <a:p>
+            <a:pPr>
+              <a:defRPr/>
+            </a:pPr>
+            <a:r>
+              <a:rPr lang="tr-TR" dirty="0" smtClean="0">
+                <a:latin typeface="Arial" panose="020B0604020202020204" pitchFamily="34" charset="0"/>
+                <a:cs typeface="Arial" panose="020B0604020202020204" pitchFamily="34" charset="0"/>
+              </a:rPr>
+              <a:t>Frequency Disturbance</a:t>
+            </a:r>
+            <a:endParaRPr lang="en-US" dirty="0" smtClean="0">
+              <a:latin typeface="Arial" panose="020B0604020202020204" pitchFamily="34" charset="0"/>
+              <a:cs typeface="Arial" panose="020B0604020202020204" pitchFamily="34" charset="0"/>
+            </a:endParaRPr>
+          </a:p>
+        </p:txBody>
+      </p:sp>
+      <p:sp>
+        <p:nvSpPr>
+          <p:cNvPr id="2" name="Date Placeholder 1"/>
+          <p:cNvSpPr>
+            <a:spLocks noGrp="1"/>
+          </p:cNvSpPr>
+          <p:nvPr>
+            <p:ph type="dt" sz="half" idx="2"/>
+          </p:nvPr>
+        </p:nvSpPr>
+        <p:spPr/>
+        <p:txBody>
+          <a:bodyPr/>
+          <a:lstStyle/>
+          <a:p>
+            <a:pPr>
+              <a:defRPr/>
+            </a:pPr>
+            <a:r>
+              <a:rPr lang="tr-TR" smtClean="0"/>
+              <a:t>18.01.2019</a:t>
+            </a:r>
+            <a:endParaRPr lang="en-US" dirty="0"/>
+          </a:p>
+        </p:txBody>
+      </p:sp>
+      <p:sp>
+        <p:nvSpPr>
+          <p:cNvPr id="3" name="Slide Number Placeholder 2"/>
+          <p:cNvSpPr>
+            <a:spLocks noGrp="1"/>
+          </p:cNvSpPr>
+          <p:nvPr>
+            <p:ph type="sldNum" sz="quarter" idx="12"/>
+          </p:nvPr>
+        </p:nvSpPr>
+        <p:spPr/>
+        <p:txBody>
+          <a:bodyPr/>
+          <a:lstStyle/>
+          <a:p>
+            <a:pPr>
+              <a:defRPr/>
+            </a:pPr>
+            <a:fld id="{C878F797-6006-4DDA-AFE9-456F280FE6C5}" type="slidenum">
+              <a:rPr lang="en-US" smtClean="0"/>
+              <a:pPr>
+                <a:defRPr/>
+              </a:pPr>
+              <a:t>36</a:t>
+            </a:fld>
+            <a:endParaRPr lang="en-US" dirty="0"/>
+          </a:p>
+        </p:txBody>
+      </p:sp>
+    </p:spTree>
+    <p:extLst>
+      <p:ext uri="{BB962C8B-B14F-4D97-AF65-F5344CB8AC3E}">
+        <p14:creationId xmlns:p14="http://schemas.microsoft.com/office/powerpoint/2010/main" val="2368532966"/>
+      </p:ext>
+    </p:extLst>
+  </p:cSld>
+  <p:clrMapOvr>
+    <a:masterClrMapping/>
+  </p:clrMapOvr>
+  <p:transition/>
+  <p:timing>
+    <p:tnLst>
+      <p:par>
+        <p:cTn id="1" dur="indefinite" restart="never" nodeType="tmRoot"/>
+      </p:par>
+    </p:tnLst>
+  </p:timing>
+</p:sld>
+</file>
+
+<file path=ppt/slides/slide37.xml><?xml version="1.0" encoding="utf-8"?>
+<p:sld xmlns:a="http://schemas.openxmlformats.org/drawingml/2006/main" xmlns:r="http://schemas.openxmlformats.org/officeDocument/2006/relationships" xmlns:p="http://schemas.openxmlformats.org/presentationml/2006/main">
+  <p:cSld>
+    <p:spTree>
+      <p:nvGrpSpPr>
+        <p:cNvPr id="1" name=""/>
+        <p:cNvGrpSpPr/>
+        <p:nvPr/>
+      </p:nvGrpSpPr>
+      <p:grpSpPr>
+        <a:xfrm>
+          <a:off x="0" y="0"/>
+          <a:ext cx="0" cy="0"/>
+          <a:chOff x="0" y="0"/>
+          <a:chExt cx="0" cy="0"/>
+        </a:xfrm>
+      </p:grpSpPr>
+      <p:sp>
+        <p:nvSpPr>
+          <p:cNvPr id="5122" name="Rectangle 2"/>
+          <p:cNvSpPr>
+            <a:spLocks noGrp="1" noChangeArrowheads="1"/>
+          </p:cNvSpPr>
+          <p:nvPr>
+            <p:ph type="title"/>
+          </p:nvPr>
+        </p:nvSpPr>
+        <p:spPr/>
+        <p:txBody>
+          <a:bodyPr/>
+          <a:lstStyle/>
+          <a:p>
+            <a:pPr>
+              <a:defRPr/>
+            </a:pPr>
+            <a:r>
+              <a:rPr lang="tr-TR" dirty="0" smtClean="0">
+                <a:latin typeface="Arial" panose="020B0604020202020204" pitchFamily="34" charset="0"/>
+                <a:cs typeface="Arial" panose="020B0604020202020204" pitchFamily="34" charset="0"/>
+              </a:rPr>
+              <a:t>Frequency Disturbance</a:t>
+            </a:r>
+            <a:endParaRPr lang="en-US" dirty="0" smtClean="0">
+              <a:latin typeface="Arial" panose="020B0604020202020204" pitchFamily="34" charset="0"/>
+              <a:cs typeface="Arial" panose="020B0604020202020204" pitchFamily="34" charset="0"/>
+            </a:endParaRPr>
+          </a:p>
+        </p:txBody>
+      </p:sp>
+      <p:sp>
+        <p:nvSpPr>
+          <p:cNvPr id="2" name="Date Placeholder 1"/>
+          <p:cNvSpPr>
+            <a:spLocks noGrp="1"/>
+          </p:cNvSpPr>
+          <p:nvPr>
+            <p:ph type="dt" sz="half" idx="2"/>
+          </p:nvPr>
+        </p:nvSpPr>
+        <p:spPr/>
+        <p:txBody>
+          <a:bodyPr/>
+          <a:lstStyle/>
+          <a:p>
+            <a:pPr>
+              <a:defRPr/>
+            </a:pPr>
+            <a:r>
+              <a:rPr lang="tr-TR" smtClean="0"/>
+              <a:t>18.01.2019</a:t>
+            </a:r>
+            <a:endParaRPr lang="en-US" dirty="0"/>
+          </a:p>
+        </p:txBody>
+      </p:sp>
+      <p:sp>
+        <p:nvSpPr>
+          <p:cNvPr id="3" name="Slide Number Placeholder 2"/>
+          <p:cNvSpPr>
+            <a:spLocks noGrp="1"/>
+          </p:cNvSpPr>
+          <p:nvPr>
+            <p:ph type="sldNum" sz="quarter" idx="12"/>
+          </p:nvPr>
+        </p:nvSpPr>
+        <p:spPr/>
+        <p:txBody>
+          <a:bodyPr/>
+          <a:lstStyle/>
+          <a:p>
+            <a:pPr>
+              <a:defRPr/>
+            </a:pPr>
+            <a:fld id="{C878F797-6006-4DDA-AFE9-456F280FE6C5}" type="slidenum">
+              <a:rPr lang="en-US" smtClean="0"/>
+              <a:pPr>
+                <a:defRPr/>
+              </a:pPr>
+              <a:t>37</a:t>
+            </a:fld>
+            <a:endParaRPr lang="en-US" dirty="0"/>
+          </a:p>
+        </p:txBody>
+      </p:sp>
+      <p:pic>
+        <p:nvPicPr>
+          <p:cNvPr id="7" name="Content Placeholder 5"/>
+          <p:cNvPicPr>
+            <a:picLocks noChangeAspect="1"/>
+          </p:cNvPicPr>
+          <p:nvPr/>
+        </p:nvPicPr>
+        <p:blipFill>
+          <a:blip r:embed="rId3">
+            <a:extLst>
+              <a:ext uri="{28A0092B-C50C-407E-A947-70E740481C1C}">
+                <a14:useLocalDpi xmlns:a14="http://schemas.microsoft.com/office/drawing/2010/main" val="0"/>
+              </a:ext>
+            </a:extLst>
+          </a:blip>
+          <a:stretch>
+            <a:fillRect/>
+          </a:stretch>
+        </p:blipFill>
+        <p:spPr bwMode="auto">
+          <a:xfrm>
+            <a:off x="1484056" y="1363663"/>
+            <a:ext cx="6175887" cy="4631916"/>
+          </a:xfrm>
+          <a:prstGeom prst="rect">
+            <a:avLst/>
+          </a:prstGeom>
+          <a:noFill/>
+          <a:ln>
+            <a:noFill/>
+          </a:ln>
+          <a:extLst>
+            <a:ext uri="{909E8E84-426E-40DD-AFC4-6F175D3DCCD1}">
+              <a14:hiddenFill xmlns:a14="http://schemas.microsoft.com/office/drawing/2010/main">
+                <a:solidFill>
+                  <a:srgbClr val="FFFFFF"/>
+                </a:solidFill>
+              </a14:hiddenFill>
+            </a:ext>
+            <a:ext uri="{91240B29-F687-4F45-9708-019B960494DF}">
+              <a14:hiddenLine xmlns:a14="http://schemas.microsoft.com/office/drawing/2010/main" w="9525">
+                <a:solidFill>
+                  <a:srgbClr val="000000"/>
+                </a:solidFill>
+                <a:miter lim="800000"/>
+                <a:headEnd/>
+                <a:tailEnd/>
+              </a14:hiddenLine>
+            </a:ext>
+          </a:extLst>
+        </p:spPr>
+      </p:pic>
+    </p:spTree>
+    <p:extLst>
+      <p:ext uri="{BB962C8B-B14F-4D97-AF65-F5344CB8AC3E}">
+        <p14:creationId xmlns:p14="http://schemas.microsoft.com/office/powerpoint/2010/main" val="1281654791"/>
+      </p:ext>
+    </p:extLst>
+  </p:cSld>
+  <p:clrMapOvr>
+    <a:masterClrMapping/>
+  </p:clrMapOvr>
+  <p:transition/>
+  <p:timing>
+    <p:tnLst>
+      <p:par>
+        <p:cTn id="1" dur="indefinite" restart="never" nodeType="tmRoot"/>
+      </p:par>
+    </p:tnLst>
+  </p:timing>
+</p:sld>
+</file>
+
+<file path=ppt/slides/slide38.xml><?xml version="1.0" encoding="utf-8"?>
+<p:sld xmlns:a="http://schemas.openxmlformats.org/drawingml/2006/main" xmlns:r="http://schemas.openxmlformats.org/officeDocument/2006/relationships" xmlns:p="http://schemas.openxmlformats.org/presentationml/2006/main">
+  <p:cSld>
+    <p:spTree>
+      <p:nvGrpSpPr>
+        <p:cNvPr id="1" name=""/>
+        <p:cNvGrpSpPr/>
+        <p:nvPr/>
+      </p:nvGrpSpPr>
+      <p:grpSpPr>
+        <a:xfrm>
+          <a:off x="0" y="0"/>
+          <a:ext cx="0" cy="0"/>
+          <a:chOff x="0" y="0"/>
+          <a:chExt cx="0" cy="0"/>
+        </a:xfrm>
+      </p:grpSpPr>
+      <p:sp>
+        <p:nvSpPr>
+          <p:cNvPr id="5122" name="Rectangle 2"/>
+          <p:cNvSpPr>
+            <a:spLocks noGrp="1" noChangeArrowheads="1"/>
+          </p:cNvSpPr>
+          <p:nvPr>
+            <p:ph type="title"/>
+          </p:nvPr>
+        </p:nvSpPr>
+        <p:spPr/>
+        <p:txBody>
+          <a:bodyPr/>
+          <a:lstStyle/>
+          <a:p>
+            <a:pPr>
+              <a:defRPr/>
+            </a:pPr>
+            <a:r>
+              <a:rPr lang="tr-TR" dirty="0" smtClean="0">
+                <a:latin typeface="Arial" panose="020B0604020202020204" pitchFamily="34" charset="0"/>
+                <a:cs typeface="Arial" panose="020B0604020202020204" pitchFamily="34" charset="0"/>
+              </a:rPr>
+              <a:t>Frequency </a:t>
+            </a:r>
+            <a:r>
+              <a:rPr lang="tr-TR" dirty="0" smtClean="0">
+                <a:latin typeface="Arial" panose="020B0604020202020204" pitchFamily="34" charset="0"/>
+                <a:cs typeface="Arial" panose="020B0604020202020204" pitchFamily="34" charset="0"/>
+              </a:rPr>
+              <a:t>Disturbance with Droop=4%</a:t>
+            </a:r>
+            <a:endParaRPr lang="en-US" dirty="0" smtClean="0">
+              <a:latin typeface="Arial" panose="020B0604020202020204" pitchFamily="34" charset="0"/>
+              <a:cs typeface="Arial" panose="020B0604020202020204" pitchFamily="34" charset="0"/>
+            </a:endParaRPr>
+          </a:p>
+        </p:txBody>
+      </p:sp>
+      <p:sp>
+        <p:nvSpPr>
+          <p:cNvPr id="2" name="Date Placeholder 1"/>
+          <p:cNvSpPr>
+            <a:spLocks noGrp="1"/>
+          </p:cNvSpPr>
+          <p:nvPr>
+            <p:ph type="dt" sz="half" idx="2"/>
+          </p:nvPr>
+        </p:nvSpPr>
+        <p:spPr/>
+        <p:txBody>
+          <a:bodyPr/>
+          <a:lstStyle/>
+          <a:p>
+            <a:pPr>
+              <a:defRPr/>
+            </a:pPr>
+            <a:r>
+              <a:rPr lang="tr-TR" smtClean="0"/>
+              <a:t>18.01.2019</a:t>
+            </a:r>
+            <a:endParaRPr lang="en-US" dirty="0"/>
+          </a:p>
+        </p:txBody>
+      </p:sp>
+      <p:sp>
+        <p:nvSpPr>
+          <p:cNvPr id="3" name="Slide Number Placeholder 2"/>
+          <p:cNvSpPr>
+            <a:spLocks noGrp="1"/>
+          </p:cNvSpPr>
+          <p:nvPr>
+            <p:ph type="sldNum" sz="quarter" idx="12"/>
+          </p:nvPr>
+        </p:nvSpPr>
+        <p:spPr/>
+        <p:txBody>
+          <a:bodyPr/>
+          <a:lstStyle/>
+          <a:p>
+            <a:pPr>
+              <a:defRPr/>
+            </a:pPr>
+            <a:fld id="{C878F797-6006-4DDA-AFE9-456F280FE6C5}" type="slidenum">
+              <a:rPr lang="en-US" smtClean="0"/>
+              <a:pPr>
+                <a:defRPr/>
+              </a:pPr>
+              <a:t>38</a:t>
+            </a:fld>
+            <a:endParaRPr lang="en-US" dirty="0"/>
+          </a:p>
+        </p:txBody>
+      </p:sp>
+      <p:pic>
+        <p:nvPicPr>
+          <p:cNvPr id="5" name="Picture 4"/>
+          <p:cNvPicPr>
+            <a:picLocks noChangeAspect="1"/>
+          </p:cNvPicPr>
+          <p:nvPr/>
+        </p:nvPicPr>
+        <p:blipFill>
+          <a:blip r:embed="rId3">
+            <a:extLst>
+              <a:ext uri="{28A0092B-C50C-407E-A947-70E740481C1C}">
+                <a14:useLocalDpi xmlns:a14="http://schemas.microsoft.com/office/drawing/2010/main" val="0"/>
+              </a:ext>
+            </a:extLst>
+          </a:blip>
+          <a:stretch>
+            <a:fillRect/>
+          </a:stretch>
+        </p:blipFill>
+        <p:spPr>
+          <a:xfrm>
+            <a:off x="824694" y="1916832"/>
+            <a:ext cx="7494612" cy="3575900"/>
+          </a:xfrm>
+          <a:prstGeom prst="rect">
+            <a:avLst/>
+          </a:prstGeom>
+        </p:spPr>
+      </p:pic>
+    </p:spTree>
+    <p:extLst>
+      <p:ext uri="{BB962C8B-B14F-4D97-AF65-F5344CB8AC3E}">
+        <p14:creationId xmlns:p14="http://schemas.microsoft.com/office/powerpoint/2010/main" val="1704028793"/>
+      </p:ext>
+    </p:extLst>
+  </p:cSld>
+  <p:clrMapOvr>
+    <a:masterClrMapping/>
+  </p:clrMapOvr>
+  <p:transition/>
+  <p:timing>
+    <p:tnLst>
+      <p:par>
+        <p:cTn id="1" dur="indefinite" restart="never" nodeType="tmRoot"/>
+      </p:par>
+    </p:tnLst>
+  </p:timing>
+</p:sld>
+</file>
+
+<file path=ppt/slides/slide39.xml><?xml version="1.0" encoding="utf-8"?>
+<p:sld xmlns:a="http://schemas.openxmlformats.org/drawingml/2006/main" xmlns:r="http://schemas.openxmlformats.org/officeDocument/2006/relationships" xmlns:p="http://schemas.openxmlformats.org/presentationml/2006/main">
+  <p:cSld>
+    <p:spTree>
+      <p:nvGrpSpPr>
+        <p:cNvPr id="1" name=""/>
+        <p:cNvGrpSpPr/>
+        <p:nvPr/>
+      </p:nvGrpSpPr>
+      <p:grpSpPr>
+        <a:xfrm>
+          <a:off x="0" y="0"/>
+          <a:ext cx="0" cy="0"/>
+          <a:chOff x="0" y="0"/>
+          <a:chExt cx="0" cy="0"/>
+        </a:xfrm>
+      </p:grpSpPr>
+      <p:sp>
+        <p:nvSpPr>
+          <p:cNvPr id="5122" name="Rectangle 2"/>
+          <p:cNvSpPr>
+            <a:spLocks noGrp="1" noChangeArrowheads="1"/>
+          </p:cNvSpPr>
+          <p:nvPr>
+            <p:ph type="title"/>
+          </p:nvPr>
+        </p:nvSpPr>
+        <p:spPr/>
+        <p:txBody>
+          <a:bodyPr/>
+          <a:lstStyle/>
+          <a:p>
+            <a:pPr>
+              <a:defRPr/>
+            </a:pPr>
+            <a:r>
+              <a:rPr lang="tr-TR" dirty="0" smtClean="0">
+                <a:latin typeface="Arial" panose="020B0604020202020204" pitchFamily="34" charset="0"/>
+                <a:cs typeface="Arial" panose="020B0604020202020204" pitchFamily="34" charset="0"/>
+              </a:rPr>
+              <a:t>Aerodynamic Power</a:t>
+            </a:r>
+            <a:endParaRPr lang="en-US" dirty="0" smtClean="0">
+              <a:latin typeface="Arial" panose="020B0604020202020204" pitchFamily="34" charset="0"/>
+              <a:cs typeface="Arial" panose="020B0604020202020204" pitchFamily="34" charset="0"/>
+            </a:endParaRPr>
+          </a:p>
+        </p:txBody>
+      </p:sp>
+      <p:sp>
+        <p:nvSpPr>
+          <p:cNvPr id="2" name="Date Placeholder 1"/>
+          <p:cNvSpPr>
+            <a:spLocks noGrp="1"/>
+          </p:cNvSpPr>
+          <p:nvPr>
+            <p:ph type="dt" sz="half" idx="2"/>
+          </p:nvPr>
+        </p:nvSpPr>
+        <p:spPr/>
+        <p:txBody>
+          <a:bodyPr/>
+          <a:lstStyle/>
+          <a:p>
+            <a:pPr>
+              <a:defRPr/>
+            </a:pPr>
+            <a:r>
+              <a:rPr lang="tr-TR" smtClean="0"/>
+              <a:t>18.01.2019</a:t>
+            </a:r>
+            <a:endParaRPr lang="en-US" dirty="0"/>
+          </a:p>
+        </p:txBody>
+      </p:sp>
+      <p:sp>
+        <p:nvSpPr>
+          <p:cNvPr id="3" name="Slide Number Placeholder 2"/>
+          <p:cNvSpPr>
+            <a:spLocks noGrp="1"/>
+          </p:cNvSpPr>
+          <p:nvPr>
+            <p:ph type="sldNum" sz="quarter" idx="12"/>
+          </p:nvPr>
+        </p:nvSpPr>
+        <p:spPr/>
+        <p:txBody>
+          <a:bodyPr/>
+          <a:lstStyle/>
+          <a:p>
+            <a:pPr>
+              <a:defRPr/>
+            </a:pPr>
+            <a:fld id="{C878F797-6006-4DDA-AFE9-456F280FE6C5}" type="slidenum">
+              <a:rPr lang="en-US" smtClean="0"/>
+              <a:pPr>
+                <a:defRPr/>
+              </a:pPr>
+              <a:t>39</a:t>
+            </a:fld>
+            <a:endParaRPr lang="en-US" dirty="0"/>
+          </a:p>
+        </p:txBody>
+      </p:sp>
+      <p:pic>
+        <p:nvPicPr>
+          <p:cNvPr id="6" name="Picture 5"/>
+          <p:cNvPicPr>
+            <a:picLocks noChangeAspect="1"/>
+          </p:cNvPicPr>
+          <p:nvPr/>
+        </p:nvPicPr>
+        <p:blipFill>
+          <a:blip r:embed="rId3"/>
+          <a:stretch>
+            <a:fillRect/>
+          </a:stretch>
+        </p:blipFill>
+        <p:spPr>
+          <a:xfrm>
+            <a:off x="1979712" y="1700808"/>
+            <a:ext cx="4511626" cy="770752"/>
+          </a:xfrm>
+          <a:prstGeom prst="rect">
+            <a:avLst/>
+          </a:prstGeom>
+        </p:spPr>
+      </p:pic>
+      <p:pic>
+        <p:nvPicPr>
+          <p:cNvPr id="9" name="Picture 8"/>
+          <p:cNvPicPr>
+            <a:picLocks noChangeAspect="1"/>
+          </p:cNvPicPr>
+          <p:nvPr/>
+        </p:nvPicPr>
+        <p:blipFill>
+          <a:blip r:embed="rId4"/>
+          <a:stretch>
+            <a:fillRect/>
+          </a:stretch>
+        </p:blipFill>
+        <p:spPr>
+          <a:xfrm>
+            <a:off x="2916300" y="2453913"/>
+            <a:ext cx="2638450" cy="682260"/>
+          </a:xfrm>
+          <a:prstGeom prst="rect">
+            <a:avLst/>
+          </a:prstGeom>
+        </p:spPr>
+      </p:pic>
+      <p:pic>
+        <p:nvPicPr>
+          <p:cNvPr id="10" name="Picture 9"/>
+          <p:cNvPicPr>
+            <a:picLocks noChangeAspect="1"/>
+          </p:cNvPicPr>
+          <p:nvPr/>
+        </p:nvPicPr>
+        <p:blipFill>
+          <a:blip r:embed="rId5"/>
+          <a:stretch>
+            <a:fillRect/>
+          </a:stretch>
+        </p:blipFill>
+        <p:spPr>
+          <a:xfrm>
+            <a:off x="3119643" y="3154385"/>
+            <a:ext cx="2231764" cy="895276"/>
+          </a:xfrm>
+          <a:prstGeom prst="rect">
+            <a:avLst/>
+          </a:prstGeom>
+        </p:spPr>
+      </p:pic>
+      <p:pic>
+        <p:nvPicPr>
+          <p:cNvPr id="11" name="Picture 10"/>
+          <p:cNvPicPr>
+            <a:picLocks noChangeAspect="1"/>
+          </p:cNvPicPr>
+          <p:nvPr/>
+        </p:nvPicPr>
+        <p:blipFill>
+          <a:blip r:embed="rId6"/>
+          <a:stretch>
+            <a:fillRect/>
+          </a:stretch>
+        </p:blipFill>
+        <p:spPr>
+          <a:xfrm>
+            <a:off x="2135981" y="4049661"/>
+            <a:ext cx="4872038" cy="600280"/>
+          </a:xfrm>
+          <a:prstGeom prst="rect">
+            <a:avLst/>
+          </a:prstGeom>
+        </p:spPr>
+      </p:pic>
+      <p:pic>
+        <p:nvPicPr>
+          <p:cNvPr id="12" name="Picture 11"/>
+          <p:cNvPicPr>
+            <a:picLocks noChangeAspect="1"/>
+          </p:cNvPicPr>
+          <p:nvPr/>
+        </p:nvPicPr>
+        <p:blipFill>
+          <a:blip r:embed="rId7"/>
+          <a:stretch>
+            <a:fillRect/>
+          </a:stretch>
+        </p:blipFill>
+        <p:spPr>
+          <a:xfrm>
+            <a:off x="2965092" y="4714274"/>
+            <a:ext cx="3213816" cy="935279"/>
+          </a:xfrm>
+          <a:prstGeom prst="rect">
+            <a:avLst/>
+          </a:prstGeom>
+        </p:spPr>
+      </p:pic>
+      <p:sp>
+        <p:nvSpPr>
+          <p:cNvPr id="13" name="TextBox 12"/>
+          <p:cNvSpPr txBox="1"/>
+          <p:nvPr/>
+        </p:nvSpPr>
+        <p:spPr>
+          <a:xfrm>
+            <a:off x="1187624" y="5517232"/>
+            <a:ext cx="7632848" cy="461665"/>
+          </a:xfrm>
+          <a:prstGeom prst="rect">
+            <a:avLst/>
+          </a:prstGeom>
+          <a:noFill/>
+        </p:spPr>
+        <p:txBody>
+          <a:bodyPr wrap="square" rtlCol="0">
+            <a:spAutoFit/>
+          </a:bodyPr>
+          <a:lstStyle/>
+          <a:p>
+            <a:r>
+              <a:rPr lang="tr-TR" dirty="0" smtClean="0"/>
+              <a:t>c</a:t>
+            </a:r>
+            <a:r>
+              <a:rPr lang="tr-TR" baseline="-25000" dirty="0" smtClean="0"/>
+              <a:t>1</a:t>
+            </a:r>
+            <a:r>
+              <a:rPr lang="tr-TR" dirty="0" smtClean="0"/>
+              <a:t>=0.5176,c</a:t>
+            </a:r>
+            <a:r>
+              <a:rPr lang="tr-TR" baseline="-25000" dirty="0" smtClean="0"/>
+              <a:t>2</a:t>
+            </a:r>
+            <a:r>
+              <a:rPr lang="tr-TR" dirty="0" smtClean="0"/>
+              <a:t>=116,c</a:t>
+            </a:r>
+            <a:r>
+              <a:rPr lang="tr-TR" baseline="-25000" dirty="0" smtClean="0"/>
+              <a:t>3</a:t>
+            </a:r>
+            <a:r>
+              <a:rPr lang="tr-TR" dirty="0" smtClean="0"/>
+              <a:t>=0.4,c</a:t>
+            </a:r>
+            <a:r>
+              <a:rPr lang="tr-TR" baseline="-25000" dirty="0" smtClean="0"/>
+              <a:t>4</a:t>
+            </a:r>
+            <a:r>
+              <a:rPr lang="tr-TR" dirty="0" smtClean="0"/>
+              <a:t>=5,c5=21,c</a:t>
+            </a:r>
+            <a:r>
+              <a:rPr lang="tr-TR" baseline="-25000" dirty="0" smtClean="0"/>
+              <a:t>6</a:t>
+            </a:r>
+            <a:r>
+              <a:rPr lang="tr-TR" dirty="0" smtClean="0"/>
+              <a:t>=0.0068</a:t>
+            </a:r>
+            <a:endParaRPr lang="tr-TR" dirty="0"/>
+          </a:p>
+        </p:txBody>
+      </p:sp>
+    </p:spTree>
+    <p:extLst>
+      <p:ext uri="{BB962C8B-B14F-4D97-AF65-F5344CB8AC3E}">
+        <p14:creationId xmlns:p14="http://schemas.microsoft.com/office/powerpoint/2010/main" val="366334618"/>
       </p:ext>
     </p:extLst>
   </p:cSld>
@@ -15915,14 +17515,7 @@
                 <a:latin typeface="Arial" panose="020B0604020202020204" pitchFamily="34" charset="0"/>
                 <a:cs typeface="Arial" panose="020B0604020202020204" pitchFamily="34" charset="0"/>
               </a:rPr>
-              <a:t>Operational </a:t>
-            </a:r>
-            <a:r>
-              <a:rPr lang="en-GB" sz="2000" dirty="0" smtClean="0">
-                <a:latin typeface="Arial" panose="020B0604020202020204" pitchFamily="34" charset="0"/>
-                <a:cs typeface="Arial" panose="020B0604020202020204" pitchFamily="34" charset="0"/>
-              </a:rPr>
-              <a:t>Problems</a:t>
+              <a:t>Operational Problems</a:t>
             </a:r>
             <a:r>
               <a:rPr lang="tr-TR" sz="2000" dirty="0" smtClean="0">
@@ -15936,33 +17529,19 @@
                 <a:latin typeface="Arial" panose="020B0604020202020204" pitchFamily="34" charset="0"/>
                 <a:cs typeface="Arial" panose="020B0604020202020204" pitchFamily="34" charset="0"/>
               </a:rPr>
-              <a:t>variable </a:t>
-            </a:r>
+              <a:t>variable and uncontrolled nature of renewable sources </a:t>
+            </a:r>
+          </a:p>
+          <a:p>
+            <a:pPr lvl="3">
+              <a:defRPr/>
+            </a:pPr>
             <a:r>
               <a:rPr lang="en-GB" sz="2000" dirty="0" smtClean="0">
                 <a:latin typeface="Arial" panose="020B0604020202020204" pitchFamily="34" charset="0"/>
                 <a:cs typeface="Arial" panose="020B0604020202020204" pitchFamily="34" charset="0"/>
               </a:rPr>
-              <a:t>and uncontrolled nature of renewable sources </a:t>
-            </a:r>
-          </a:p>
-          <a:p>
-            <a:pPr lvl="3">
-              <a:defRPr/>
-            </a:pPr>
-            <a:r>
-              <a:rPr lang="en-GB" sz="2000" dirty="0" smtClean="0">
-                <a:latin typeface="Arial" panose="020B0604020202020204" pitchFamily="34" charset="0"/>
-                <a:cs typeface="Arial" panose="020B0604020202020204" pitchFamily="34" charset="0"/>
-              </a:rPr>
-              <a:t>Reduction in Grid </a:t>
-            </a:r>
-            <a:r>
-              <a:rPr lang="en-GB" sz="2000" dirty="0" smtClean="0">
-                <a:latin typeface="Arial" panose="020B0604020202020204" pitchFamily="34" charset="0"/>
-                <a:cs typeface="Arial" panose="020B0604020202020204" pitchFamily="34" charset="0"/>
-              </a:rPr>
-              <a:t>Inertia</a:t>
+              <a:t>Reduction in Grid Inertia</a:t>
             </a:r>
             <a:r>
               <a:rPr lang="tr-TR" sz="2000" dirty="0" smtClean="0">
@@ -15976,14 +17555,7 @@
                 <a:latin typeface="Arial" panose="020B0604020202020204" pitchFamily="34" charset="0"/>
                 <a:cs typeface="Arial" panose="020B0604020202020204" pitchFamily="34" charset="0"/>
               </a:rPr>
-              <a:t>existing </a:t>
-            </a:r>
-            <a:r>
-              <a:rPr lang="en-GB" sz="2000" dirty="0" smtClean="0">
-                <a:latin typeface="Arial" panose="020B0604020202020204" pitchFamily="34" charset="0"/>
-                <a:cs typeface="Arial" panose="020B0604020202020204" pitchFamily="34" charset="0"/>
-              </a:rPr>
-              <a:t>control structure of </a:t>
+              <a:t>existing control structure of </a:t>
             </a:r>
             <a:r>
               <a:rPr lang="tr-TR" sz="2000" dirty="0" smtClean="0">
@@ -16440,6 +18012,394 @@
             </p:seq>
           </p:childTnLst>
         </p:cTn>
+      </p:par>
+    </p:tnLst>
+  </p:timing>
+</p:sld>
+</file>
+
+<file path=ppt/slides/slide40.xml><?xml version="1.0" encoding="utf-8"?>
+<p:sld xmlns:a="http://schemas.openxmlformats.org/drawingml/2006/main" xmlns:r="http://schemas.openxmlformats.org/officeDocument/2006/relationships" xmlns:p="http://schemas.openxmlformats.org/presentationml/2006/main">
+  <p:cSld>
+    <p:spTree>
+      <p:nvGrpSpPr>
+        <p:cNvPr id="1" name=""/>
+        <p:cNvGrpSpPr/>
+        <p:nvPr/>
+      </p:nvGrpSpPr>
+      <p:grpSpPr>
+        <a:xfrm>
+          <a:off x="0" y="0"/>
+          <a:ext cx="0" cy="0"/>
+          <a:chOff x="0" y="0"/>
+          <a:chExt cx="0" cy="0"/>
+        </a:xfrm>
+      </p:grpSpPr>
+      <p:sp>
+        <p:nvSpPr>
+          <p:cNvPr id="5122" name="Rectangle 2"/>
+          <p:cNvSpPr>
+            <a:spLocks noGrp="1" noChangeArrowheads="1"/>
+          </p:cNvSpPr>
+          <p:nvPr>
+            <p:ph type="title"/>
+          </p:nvPr>
+        </p:nvSpPr>
+        <p:spPr/>
+        <p:txBody>
+          <a:bodyPr/>
+          <a:lstStyle/>
+          <a:p>
+            <a:pPr>
+              <a:defRPr/>
+            </a:pPr>
+            <a:r>
+              <a:rPr lang="tr-TR" dirty="0" smtClean="0">
+                <a:latin typeface="Arial" panose="020B0604020202020204" pitchFamily="34" charset="0"/>
+                <a:cs typeface="Arial" panose="020B0604020202020204" pitchFamily="34" charset="0"/>
+              </a:rPr>
+              <a:t>Pitch Control</a:t>
+            </a:r>
+            <a:endParaRPr lang="en-US" dirty="0" smtClean="0">
+              <a:latin typeface="Arial" panose="020B0604020202020204" pitchFamily="34" charset="0"/>
+              <a:cs typeface="Arial" panose="020B0604020202020204" pitchFamily="34" charset="0"/>
+            </a:endParaRPr>
+          </a:p>
+        </p:txBody>
+      </p:sp>
+      <p:sp>
+        <p:nvSpPr>
+          <p:cNvPr id="2" name="Date Placeholder 1"/>
+          <p:cNvSpPr>
+            <a:spLocks noGrp="1"/>
+          </p:cNvSpPr>
+          <p:nvPr>
+            <p:ph type="dt" sz="half" idx="2"/>
+          </p:nvPr>
+        </p:nvSpPr>
+        <p:spPr/>
+        <p:txBody>
+          <a:bodyPr/>
+          <a:lstStyle/>
+          <a:p>
+            <a:pPr>
+              <a:defRPr/>
+            </a:pPr>
+            <a:r>
+              <a:rPr lang="tr-TR" smtClean="0"/>
+              <a:t>18.01.2019</a:t>
+            </a:r>
+            <a:endParaRPr lang="en-US" dirty="0"/>
+          </a:p>
+        </p:txBody>
+      </p:sp>
+      <p:sp>
+        <p:nvSpPr>
+          <p:cNvPr id="3" name="Slide Number Placeholder 2"/>
+          <p:cNvSpPr>
+            <a:spLocks noGrp="1"/>
+          </p:cNvSpPr>
+          <p:nvPr>
+            <p:ph type="sldNum" sz="quarter" idx="12"/>
+          </p:nvPr>
+        </p:nvSpPr>
+        <p:spPr/>
+        <p:txBody>
+          <a:bodyPr/>
+          <a:lstStyle/>
+          <a:p>
+            <a:pPr>
+              <a:defRPr/>
+            </a:pPr>
+            <a:fld id="{C878F797-6006-4DDA-AFE9-456F280FE6C5}" type="slidenum">
+              <a:rPr lang="en-US" smtClean="0"/>
+              <a:pPr>
+                <a:defRPr/>
+              </a:pPr>
+              <a:t>40</a:t>
+            </a:fld>
+            <a:endParaRPr lang="en-US" dirty="0"/>
+          </a:p>
+        </p:txBody>
+      </p:sp>
+      <p:pic>
+        <p:nvPicPr>
+          <p:cNvPr id="4" name="Picture 3"/>
+          <p:cNvPicPr>
+            <a:picLocks noChangeAspect="1"/>
+          </p:cNvPicPr>
+          <p:nvPr/>
+        </p:nvPicPr>
+        <p:blipFill>
+          <a:blip r:embed="rId3">
+            <a:extLst>
+              <a:ext uri="{28A0092B-C50C-407E-A947-70E740481C1C}">
+                <a14:useLocalDpi xmlns:a14="http://schemas.microsoft.com/office/drawing/2010/main" val="0"/>
+              </a:ext>
+            </a:extLst>
+          </a:blip>
+          <a:stretch>
+            <a:fillRect/>
+          </a:stretch>
+        </p:blipFill>
+        <p:spPr>
+          <a:xfrm>
+            <a:off x="773832" y="1646376"/>
+            <a:ext cx="7596336" cy="2296974"/>
+          </a:xfrm>
+          <a:prstGeom prst="rect">
+            <a:avLst/>
+          </a:prstGeom>
+        </p:spPr>
+      </p:pic>
+      <p:sp>
+        <p:nvSpPr>
+          <p:cNvPr id="5" name="TextBox 4"/>
+          <p:cNvSpPr txBox="1"/>
+          <p:nvPr/>
+        </p:nvSpPr>
+        <p:spPr>
+          <a:xfrm>
+            <a:off x="457199" y="4516851"/>
+            <a:ext cx="4968552" cy="461665"/>
+          </a:xfrm>
+          <a:prstGeom prst="rect">
+            <a:avLst/>
+          </a:prstGeom>
+          <a:noFill/>
+        </p:spPr>
+        <p:txBody>
+          <a:bodyPr wrap="square" rtlCol="0">
+            <a:spAutoFit/>
+          </a:bodyPr>
+          <a:lstStyle/>
+          <a:p>
+            <a:r>
+              <a:rPr lang="tr-TR" smtClean="0"/>
+              <a:t>Pitch Rate is limited with 10°/s.</a:t>
+            </a:r>
+            <a:endParaRPr lang="tr-TR"/>
+          </a:p>
+        </p:txBody>
+      </p:sp>
+      <p:sp>
+        <p:nvSpPr>
+          <p:cNvPr id="8" name="TextBox 7"/>
+          <p:cNvSpPr txBox="1"/>
+          <p:nvPr/>
+        </p:nvSpPr>
+        <p:spPr>
+          <a:xfrm>
+            <a:off x="457198" y="5163039"/>
+            <a:ext cx="6347049" cy="461665"/>
+          </a:xfrm>
+          <a:prstGeom prst="rect">
+            <a:avLst/>
+          </a:prstGeom>
+          <a:noFill/>
+        </p:spPr>
+        <p:txBody>
+          <a:bodyPr wrap="square" rtlCol="0">
+            <a:spAutoFit/>
+          </a:bodyPr>
+          <a:lstStyle/>
+          <a:p>
+            <a:r>
+              <a:rPr lang="tr-TR" dirty="0" smtClean="0"/>
+              <a:t>Maximum Pitch Rate is 0.8°/s in the system.</a:t>
+            </a:r>
+            <a:endParaRPr lang="tr-TR" dirty="0"/>
+          </a:p>
+        </p:txBody>
+      </p:sp>
+    </p:spTree>
+    <p:extLst>
+      <p:ext uri="{BB962C8B-B14F-4D97-AF65-F5344CB8AC3E}">
+        <p14:creationId xmlns:p14="http://schemas.microsoft.com/office/powerpoint/2010/main" val="1807666550"/>
+      </p:ext>
+    </p:extLst>
+  </p:cSld>
+  <p:clrMapOvr>
+    <a:masterClrMapping/>
+  </p:clrMapOvr>
+  <p:transition/>
+  <p:timing>
+    <p:tnLst>
+      <p:par>
+        <p:cTn id="1" dur="indefinite" restart="never" nodeType="tmRoot"/>
+      </p:par>
+    </p:tnLst>
+  </p:timing>
+</p:sld>
+</file>
+
+<file path=ppt/slides/slide41.xml><?xml version="1.0" encoding="utf-8"?>
+<p:sld xmlns:a="http://schemas.openxmlformats.org/drawingml/2006/main" xmlns:r="http://schemas.openxmlformats.org/officeDocument/2006/relationships" xmlns:p="http://schemas.openxmlformats.org/presentationml/2006/main">
+  <p:cSld>
+    <p:spTree>
+      <p:nvGrpSpPr>
+        <p:cNvPr id="1" name=""/>
+        <p:cNvGrpSpPr/>
+        <p:nvPr/>
+      </p:nvGrpSpPr>
+      <p:grpSpPr>
+        <a:xfrm>
+          <a:off x="0" y="0"/>
+          <a:ext cx="0" cy="0"/>
+          <a:chOff x="0" y="0"/>
+          <a:chExt cx="0" cy="0"/>
+        </a:xfrm>
+      </p:grpSpPr>
+      <p:sp>
+        <p:nvSpPr>
+          <p:cNvPr id="5122" name="Rectangle 2"/>
+          <p:cNvSpPr>
+            <a:spLocks noGrp="1" noChangeArrowheads="1"/>
+          </p:cNvSpPr>
+          <p:nvPr>
+            <p:ph type="title"/>
+          </p:nvPr>
+        </p:nvSpPr>
+        <p:spPr/>
+        <p:txBody>
+          <a:bodyPr/>
+          <a:lstStyle/>
+          <a:p>
+            <a:pPr>
+              <a:defRPr/>
+            </a:pPr>
+            <a:r>
+              <a:rPr lang="tr-TR" dirty="0" smtClean="0">
+                <a:latin typeface="Arial" panose="020B0604020202020204" pitchFamily="34" charset="0"/>
+                <a:cs typeface="Arial" panose="020B0604020202020204" pitchFamily="34" charset="0"/>
+              </a:rPr>
+              <a:t>Vector Control of PMSG</a:t>
+            </a:r>
+            <a:endParaRPr lang="en-US" dirty="0" smtClean="0">
+              <a:latin typeface="Arial" panose="020B0604020202020204" pitchFamily="34" charset="0"/>
+              <a:cs typeface="Arial" panose="020B0604020202020204" pitchFamily="34" charset="0"/>
+            </a:endParaRPr>
+          </a:p>
+        </p:txBody>
+      </p:sp>
+      <p:sp>
+        <p:nvSpPr>
+          <p:cNvPr id="2" name="Date Placeholder 1"/>
+          <p:cNvSpPr>
+            <a:spLocks noGrp="1"/>
+          </p:cNvSpPr>
+          <p:nvPr>
+            <p:ph type="dt" sz="half" idx="2"/>
+          </p:nvPr>
+        </p:nvSpPr>
+        <p:spPr/>
+        <p:txBody>
+          <a:bodyPr/>
+          <a:lstStyle/>
+          <a:p>
+            <a:pPr>
+              <a:defRPr/>
+            </a:pPr>
+            <a:r>
+              <a:rPr lang="tr-TR" smtClean="0"/>
+              <a:t>18.01.2019</a:t>
+            </a:r>
+            <a:endParaRPr lang="en-US" dirty="0"/>
+          </a:p>
+        </p:txBody>
+      </p:sp>
+      <p:sp>
+        <p:nvSpPr>
+          <p:cNvPr id="3" name="Slide Number Placeholder 2"/>
+          <p:cNvSpPr>
+            <a:spLocks noGrp="1"/>
+          </p:cNvSpPr>
+          <p:nvPr>
+            <p:ph type="sldNum" sz="quarter" idx="12"/>
+          </p:nvPr>
+        </p:nvSpPr>
+        <p:spPr/>
+        <p:txBody>
+          <a:bodyPr/>
+          <a:lstStyle/>
+          <a:p>
+            <a:pPr>
+              <a:defRPr/>
+            </a:pPr>
+            <a:fld id="{C878F797-6006-4DDA-AFE9-456F280FE6C5}" type="slidenum">
+              <a:rPr lang="en-US" smtClean="0"/>
+              <a:pPr>
+                <a:defRPr/>
+              </a:pPr>
+              <a:t>41</a:t>
+            </a:fld>
+            <a:endParaRPr lang="en-US" dirty="0"/>
+          </a:p>
+        </p:txBody>
+      </p:sp>
+      <p:pic>
+        <p:nvPicPr>
+          <p:cNvPr id="7" name="Picture 6"/>
+          <p:cNvPicPr>
+            <a:picLocks noChangeAspect="1"/>
+          </p:cNvPicPr>
+          <p:nvPr/>
+        </p:nvPicPr>
+        <p:blipFill>
+          <a:blip r:embed="rId3"/>
+          <a:stretch>
+            <a:fillRect/>
+          </a:stretch>
+        </p:blipFill>
+        <p:spPr>
+          <a:xfrm>
+            <a:off x="1601837" y="1484784"/>
+            <a:ext cx="5940326" cy="4132033"/>
+          </a:xfrm>
+          <a:prstGeom prst="rect">
+            <a:avLst/>
+          </a:prstGeom>
+        </p:spPr>
+      </p:pic>
+      <p:pic>
+        <p:nvPicPr>
+          <p:cNvPr id="9" name="Picture 8"/>
+          <p:cNvPicPr>
+            <a:picLocks noChangeAspect="1"/>
+          </p:cNvPicPr>
+          <p:nvPr/>
+        </p:nvPicPr>
+        <p:blipFill>
+          <a:blip r:embed="rId4"/>
+          <a:stretch>
+            <a:fillRect/>
+          </a:stretch>
+        </p:blipFill>
+        <p:spPr>
+          <a:xfrm>
+            <a:off x="2986087" y="5476040"/>
+            <a:ext cx="3171825" cy="1038225"/>
+          </a:xfrm>
+          <a:prstGeom prst="rect">
+            <a:avLst/>
+          </a:prstGeom>
+        </p:spPr>
+      </p:pic>
+    </p:spTree>
+    <p:extLst>
+      <p:ext uri="{BB962C8B-B14F-4D97-AF65-F5344CB8AC3E}">
+        <p14:creationId xmlns:p14="http://schemas.microsoft.com/office/powerpoint/2010/main" val="2084864853"/>
+      </p:ext>
+    </p:extLst>
+  </p:cSld>
+  <p:clrMapOvr>
+    <a:masterClrMapping/>
+  </p:clrMapOvr>
+  <p:transition/>
+  <p:timing>
+    <p:tnLst>
+      <p:par>
+        <p:cTn id="1" dur="indefinite" restart="never" nodeType="tmRoot"/>
       </p:par>
     </p:tnLst>
   </p:timing>
@@ -17410,190 +19370,6 @@
         <mc:Choice Requires="a14">
           <p:sp>
             <p:nvSpPr>
-              <p:cNvPr id="11" name="TextBox 10"/>
-              <p:cNvSpPr txBox="1"/>
-              <p:nvPr/>
-            </p:nvSpPr>
-            <p:spPr>
-              <a:xfrm>
-                <a:off x="643598" y="4401361"/>
-                <a:ext cx="3630116" cy="793551"/>
-              </a:xfrm>
-              <a:prstGeom prst="rect">
-                <a:avLst/>
-              </a:prstGeom>
-              <a:noFill/>
-            </p:spPr>
-            <p:txBody>
-              <a:bodyPr wrap="square" rtlCol="0">
-                <a:spAutoFit/>
-              </a:bodyPr>
-              <a:lstStyle/>
-              <a:p>
-                <a:pPr/>
-                <a14:m>
-                  <m:oMathPara xmlns:m="http://schemas.openxmlformats.org/officeDocument/2006/math">
-                    <m:oMathParaPr>
-                      <m:jc m:val="centerGroup"/>
-                    </m:oMathParaPr>
-                    <m:oMath xmlns:m="http://schemas.openxmlformats.org/officeDocument/2006/math">
-                      <m:r>
-                        <a:rPr lang="tr-TR" i="1" smtClean="0">
-                          <a:latin typeface="Cambria Math" panose="02040503050406030204" pitchFamily="18" charset="0"/>
-                        </a:rPr>
-                        <m:t>2</m:t>
-                      </m:r>
-                      <m:r>
-                        <a:rPr lang="tr-TR" b="0" i="1" smtClean="0">
-                          <a:latin typeface="Cambria Math" panose="02040503050406030204" pitchFamily="18" charset="0"/>
-                        </a:rPr>
-                        <m:t>𝐻</m:t>
-                      </m:r>
-                      <m:acc>
-                        <m:accPr>
-                          <m:chr m:val="̅"/>
-                          <m:ctrlPr>
-                            <a:rPr lang="tr-TR" i="1">
-                              <a:latin typeface="Cambria Math" panose="02040503050406030204" pitchFamily="18" charset="0"/>
-                            </a:rPr>
-                          </m:ctrlPr>
-                        </m:accPr>
-                        <m:e>
-                          <m:r>
-                            <a:rPr lang="el-GR" i="1" dirty="0">
-                              <a:latin typeface="Cambria Math" panose="02040503050406030204" pitchFamily="18" charset="0"/>
-                            </a:rPr>
-                            <m:t>𝜔</m:t>
-                          </m:r>
-                        </m:e>
-                      </m:acc>
-                      <m:f>
-                        <m:fPr>
-                          <m:ctrlPr>
-                            <a:rPr lang="tr-TR" i="1" smtClean="0">
-                              <a:latin typeface="Cambria Math" panose="02040503050406030204" pitchFamily="18" charset="0"/>
-                            </a:rPr>
-                          </m:ctrlPr>
-                        </m:fPr>
-                        <m:num>
-                          <m:r>
-                            <a:rPr lang="tr-TR" b="0" i="1" smtClean="0">
-                              <a:latin typeface="Cambria Math" panose="02040503050406030204" pitchFamily="18" charset="0"/>
-                            </a:rPr>
-                            <m:t>𝑑</m:t>
-                          </m:r>
-                          <m:acc>
-                            <m:accPr>
-                              <m:chr m:val="̅"/>
-                              <m:ctrlPr>
-                                <a:rPr lang="tr-TR" i="1">
-                                  <a:latin typeface="Cambria Math" panose="02040503050406030204" pitchFamily="18" charset="0"/>
-                                </a:rPr>
-                              </m:ctrlPr>
-                            </m:accPr>
-                            <m:e>
-                              <m:r>
-                                <a:rPr lang="el-GR" i="1" dirty="0" smtClean="0">
-                                  <a:latin typeface="Cambria Math" panose="02040503050406030204" pitchFamily="18" charset="0"/>
-                                </a:rPr>
-                                <m:t>𝜔</m:t>
-                              </m:r>
-                            </m:e>
-                          </m:acc>
-                        </m:num>
-                        <m:den>
-                          <m:r>
-                            <a:rPr lang="tr-TR" b="0" i="1" smtClean="0">
-                              <a:latin typeface="Cambria Math" panose="02040503050406030204" pitchFamily="18" charset="0"/>
-                            </a:rPr>
-                            <m:t>𝑑𝑡</m:t>
-                          </m:r>
-                        </m:den>
-                      </m:f>
-                      <m:r>
-                        <a:rPr lang="tr-TR" b="0" i="1" smtClean="0">
-                          <a:latin typeface="Cambria Math" panose="02040503050406030204" pitchFamily="18" charset="0"/>
-                        </a:rPr>
-                        <m:t>=</m:t>
-                      </m:r>
-                      <m:r>
-                        <m:rPr>
-                          <m:sty m:val="p"/>
-                        </m:rPr>
-                        <a:rPr lang="el-GR" b="0" i="1" smtClean="0">
-                          <a:latin typeface="Cambria Math" panose="02040503050406030204" pitchFamily="18" charset="0"/>
-                        </a:rPr>
-                        <m:t>Δ</m:t>
-                      </m:r>
-                      <m:acc>
-                        <m:accPr>
-                          <m:chr m:val="̅"/>
-                          <m:ctrlPr>
-                            <a:rPr lang="tr-TR" i="1">
-                              <a:latin typeface="Cambria Math" panose="02040503050406030204" pitchFamily="18" charset="0"/>
-                            </a:rPr>
-                          </m:ctrlPr>
-                        </m:accPr>
-                        <m:e>
-                          <m:r>
-                            <a:rPr lang="tr-TR" b="0" i="1" smtClean="0">
-                              <a:latin typeface="Cambria Math" panose="02040503050406030204" pitchFamily="18" charset="0"/>
-                            </a:rPr>
-                            <m:t>𝑃</m:t>
-                          </m:r>
-                        </m:e>
-                      </m:acc>
-                    </m:oMath>
-                  </m:oMathPara>
-                </a14:m>
-                <a:endParaRPr lang="tr-TR" dirty="0"/>
-              </a:p>
-            </p:txBody>
-          </p:sp>
-        </mc:Choice>
-        <mc:Fallback xmlns="">
-          <p:sp>
-            <p:nvSpPr>
-              <p:cNvPr id="11" name="TextBox 10"/>
-              <p:cNvSpPr txBox="1">
-                <a:spLocks noRot="1" noChangeAspect="1" noMove="1" noResize="1" noEditPoints="1" noAdjustHandles="1" noChangeArrowheads="1" noChangeShapeType="1" noTextEdit="1"/>
-              </p:cNvSpPr>
-              <p:nvPr/>
-            </p:nvSpPr>
-            <p:spPr>
-              <a:xfrm>
-                <a:off x="643598" y="4401361"/>
-                <a:ext cx="3630116" cy="793551"/>
-              </a:xfrm>
-              <a:prstGeom prst="rect">
-                <a:avLst/>
-              </a:prstGeom>
-              <a:blipFill>
-                <a:blip r:embed="rId5"/>
-                <a:stretch>
-                  <a:fillRect/>
-                </a:stretch>
-              </a:blipFill>
-            </p:spPr>
-            <p:txBody>
-              <a:bodyPr/>
-              <a:lstStyle/>
-              <a:p>
-                <a:r>
-                  <a:rPr lang="tr-TR">
-                    <a:noFill/>
-                  </a:rPr>
-                  <a:t> </a:t>
-                </a:r>
-              </a:p>
-            </p:txBody>
-          </p:sp>
-        </mc:Fallback>
-      </mc:AlternateContent>
-      <mc:AlternateContent xmlns:mc="http://schemas.openxmlformats.org/markup-compatibility/2006" xmlns:a14="http://schemas.microsoft.com/office/drawing/2010/main">
-        <mc:Choice Requires="a14">
-          <p:sp>
-            <p:nvSpPr>
               <p:cNvPr id="9" name="TextBox 8"/>
               <p:cNvSpPr txBox="1"/>
               <p:nvPr/>
@@ -17749,7 +19525,7 @@
                 <a:avLst/>
               </a:prstGeom>
               <a:blipFill>
-                <a:blip r:embed="rId6"/>
+                <a:blip r:embed="rId5"/>
                 <a:stretch>
                   <a:fillRect/>
                 </a:stretch>
@@ -17801,6 +19577,274 @@
           </a:p>
         </p:txBody>
       </p:sp>
+      <mc:AlternateContent xmlns:mc="http://schemas.openxmlformats.org/markup-compatibility/2006" xmlns:a14="http://schemas.microsoft.com/office/drawing/2010/main">
+        <mc:Choice Requires="a14">
+          <p:sp>
+            <p:nvSpPr>
+              <p:cNvPr id="12" name="TextBox 11"/>
+              <p:cNvSpPr txBox="1"/>
+              <p:nvPr/>
+            </p:nvSpPr>
+            <p:spPr>
+              <a:xfrm>
+                <a:off x="643598" y="4401361"/>
+                <a:ext cx="3630116" cy="624273"/>
+              </a:xfrm>
+              <a:prstGeom prst="rect">
+                <a:avLst/>
+              </a:prstGeom>
+              <a:noFill/>
+            </p:spPr>
+            <p:txBody>
+              <a:bodyPr wrap="square" rtlCol="0">
+                <a:spAutoFit/>
+              </a:bodyPr>
+              <a:lstStyle/>
+              <a:p>
+                <a14:m>
+                  <m:oMath xmlns:m="http://schemas.openxmlformats.org/officeDocument/2006/math">
+                    <m:r>
+                      <a:rPr lang="tr-TR" i="1" smtClean="0">
+                        <a:latin typeface="Cambria Math" panose="02040503050406030204" pitchFamily="18" charset="0"/>
+                      </a:rPr>
+                      <m:t>2</m:t>
+                    </m:r>
+                    <m:r>
+                      <a:rPr lang="tr-TR" b="0" i="1" smtClean="0">
+                        <a:latin typeface="Cambria Math" panose="02040503050406030204" pitchFamily="18" charset="0"/>
+                      </a:rPr>
+                      <m:t>𝐻</m:t>
+                    </m:r>
+                    <m:acc>
+                      <m:accPr>
+                        <m:chr m:val="̅"/>
+                        <m:ctrlPr>
+                          <a:rPr lang="tr-TR" i="1">
+                            <a:latin typeface="Cambria Math" panose="02040503050406030204" pitchFamily="18" charset="0"/>
+                          </a:rPr>
+                        </m:ctrlPr>
+                      </m:accPr>
+                      <m:e>
+                        <m:r>
+                          <a:rPr lang="el-GR" i="1" dirty="0">
+                            <a:latin typeface="Cambria Math" panose="02040503050406030204" pitchFamily="18" charset="0"/>
+                          </a:rPr>
+                          <m:t>𝜔</m:t>
+                        </m:r>
+                      </m:e>
+                    </m:acc>
+                    <m:f>
+                      <m:fPr>
+                        <m:ctrlPr>
+                          <a:rPr lang="tr-TR" i="1" smtClean="0">
+                            <a:latin typeface="Cambria Math" panose="02040503050406030204" pitchFamily="18" charset="0"/>
+                          </a:rPr>
+                        </m:ctrlPr>
+                      </m:fPr>
+                      <m:num>
+                        <m:r>
+                          <a:rPr lang="tr-TR" b="0" i="1" smtClean="0">
+                            <a:latin typeface="Cambria Math" panose="02040503050406030204" pitchFamily="18" charset="0"/>
+                          </a:rPr>
+                          <m:t>𝑑</m:t>
+                        </m:r>
+                        <m:acc>
+                          <m:accPr>
+                            <m:chr m:val="̅"/>
+                            <m:ctrlPr>
+                              <a:rPr lang="tr-TR" i="1">
+                                <a:latin typeface="Cambria Math" panose="02040503050406030204" pitchFamily="18" charset="0"/>
+                              </a:rPr>
+                            </m:ctrlPr>
+                          </m:accPr>
+                          <m:e>
+                            <m:r>
+                              <a:rPr lang="el-GR" i="1" dirty="0" smtClean="0">
+                                <a:latin typeface="Cambria Math" panose="02040503050406030204" pitchFamily="18" charset="0"/>
+                              </a:rPr>
+                              <m:t>𝜔</m:t>
+                            </m:r>
+                          </m:e>
+                        </m:acc>
+                      </m:num>
+                      <m:den>
+                        <m:r>
+                          <a:rPr lang="tr-TR" b="0" i="1" smtClean="0">
+                            <a:latin typeface="Cambria Math" panose="02040503050406030204" pitchFamily="18" charset="0"/>
+                          </a:rPr>
+                          <m:t>𝑑𝑡</m:t>
+                        </m:r>
+                      </m:den>
+                    </m:f>
+                    <m:r>
+                      <a:rPr lang="tr-TR" b="0" i="1" smtClean="0">
+                        <a:latin typeface="Cambria Math" panose="02040503050406030204" pitchFamily="18" charset="0"/>
+                      </a:rPr>
+                      <m:t>=</m:t>
+                    </m:r>
+                    <m:r>
+                      <m:rPr>
+                        <m:sty m:val="p"/>
+                      </m:rPr>
+                      <a:rPr lang="el-GR" b="0" i="1" smtClean="0">
+                        <a:latin typeface="Cambria Math" panose="02040503050406030204" pitchFamily="18" charset="0"/>
+                      </a:rPr>
+                      <m:t>Δ</m:t>
+                    </m:r>
+                    <m:acc>
+                      <m:accPr>
+                        <m:chr m:val="̅"/>
+                        <m:ctrlPr>
+                          <a:rPr lang="tr-TR" i="1">
+                            <a:latin typeface="Cambria Math" panose="02040503050406030204" pitchFamily="18" charset="0"/>
+                          </a:rPr>
+                        </m:ctrlPr>
+                      </m:accPr>
+                      <m:e>
+                        <m:r>
+                          <a:rPr lang="tr-TR" b="0" i="1" smtClean="0">
+                            <a:latin typeface="Cambria Math" panose="02040503050406030204" pitchFamily="18" charset="0"/>
+                          </a:rPr>
+                          <m:t>𝑃</m:t>
+                        </m:r>
+                      </m:e>
+                    </m:acc>
+                  </m:oMath>
+                </a14:m>
+                <a:r>
+                  <a:rPr lang="tr-TR" dirty="0" smtClean="0"/>
+                  <a:t>=</a:t>
+                </a:r>
+                <a14:m>
+                  <m:oMath xmlns:m="http://schemas.openxmlformats.org/officeDocument/2006/math">
+                    <m:acc>
+                      <m:accPr>
+                        <m:chr m:val="̅"/>
+                        <m:ctrlPr>
+                          <a:rPr lang="tr-TR" i="1">
+                            <a:latin typeface="Cambria Math" panose="02040503050406030204" pitchFamily="18" charset="0"/>
+                          </a:rPr>
+                        </m:ctrlPr>
+                      </m:accPr>
+                      <m:e>
+                        <m:sSub>
+                          <m:sSubPr>
+                            <m:ctrlPr>
+                              <a:rPr lang="tr-TR" i="1">
+                                <a:latin typeface="Cambria Math" panose="02040503050406030204" pitchFamily="18" charset="0"/>
+                              </a:rPr>
+                            </m:ctrlPr>
+                          </m:sSubPr>
+                          <m:e>
+                            <m:r>
+                              <a:rPr lang="tr-TR" b="0" i="1" smtClean="0">
+                                <a:latin typeface="Cambria Math" panose="02040503050406030204" pitchFamily="18" charset="0"/>
+                              </a:rPr>
+                              <m:t>𝑃</m:t>
+                            </m:r>
+                          </m:e>
+                          <m:sub>
+                            <m:r>
+                              <a:rPr lang="tr-TR" i="1">
+                                <a:latin typeface="Cambria Math" panose="02040503050406030204" pitchFamily="18" charset="0"/>
+                              </a:rPr>
+                              <m:t>𝑚</m:t>
+                            </m:r>
+                          </m:sub>
+                        </m:sSub>
+                      </m:e>
+                    </m:acc>
+                  </m:oMath>
+                </a14:m>
+                <a:r>
+                  <a:rPr lang="tr-TR" dirty="0" smtClean="0"/>
+                  <a:t>-</a:t>
+                </a:r>
+                <a14:m>
+                  <m:oMath xmlns:m="http://schemas.openxmlformats.org/officeDocument/2006/math">
+                    <m:acc>
+                      <m:accPr>
+                        <m:chr m:val="̅"/>
+                        <m:ctrlPr>
+                          <a:rPr lang="tr-TR" i="1">
+                            <a:latin typeface="Cambria Math" panose="02040503050406030204" pitchFamily="18" charset="0"/>
+                          </a:rPr>
+                        </m:ctrlPr>
+                      </m:accPr>
+                      <m:e>
+                        <m:sSub>
+                          <m:sSubPr>
+                            <m:ctrlPr>
+                              <a:rPr lang="tr-TR" i="1">
+                                <a:latin typeface="Cambria Math" panose="02040503050406030204" pitchFamily="18" charset="0"/>
+                              </a:rPr>
+                            </m:ctrlPr>
+                          </m:sSubPr>
+                          <m:e>
+                            <m:r>
+                              <a:rPr lang="tr-TR" b="0" i="1" smtClean="0">
+                                <a:latin typeface="Cambria Math" panose="02040503050406030204" pitchFamily="18" charset="0"/>
+                              </a:rPr>
+                              <m:t>𝑃</m:t>
+                            </m:r>
+                          </m:e>
+                          <m:sub>
+                            <m:r>
+                              <a:rPr lang="tr-TR" b="0" i="1" smtClean="0">
+                                <a:latin typeface="Cambria Math" panose="02040503050406030204" pitchFamily="18" charset="0"/>
+                              </a:rPr>
+                              <m:t>𝑒</m:t>
+                            </m:r>
+                          </m:sub>
+                        </m:sSub>
+                      </m:e>
+                    </m:acc>
+                  </m:oMath>
+                </a14:m>
+                <a:endParaRPr lang="tr-TR" dirty="0"/>
+              </a:p>
+            </p:txBody>
+          </p:sp>
+        </mc:Choice>
+        <mc:Fallback xmlns="">
+          <p:sp>
+            <p:nvSpPr>
+              <p:cNvPr id="12" name="TextBox 11"/>
+              <p:cNvSpPr txBox="1">
+                <a:spLocks noRot="1" noChangeAspect="1" noMove="1" noResize="1" noEditPoints="1" noAdjustHandles="1" noChangeArrowheads="1" noChangeShapeType="1" noTextEdit="1"/>
+              </p:cNvSpPr>
+              <p:nvPr/>
+            </p:nvSpPr>
+            <p:spPr>
+              <a:xfrm>
+                <a:off x="643598" y="4401361"/>
+                <a:ext cx="3630116" cy="624273"/>
+              </a:xfrm>
+              <a:prstGeom prst="rect">
+                <a:avLst/>
+              </a:prstGeom>
+              <a:blipFill>
+                <a:blip r:embed="rId6"/>
+                <a:stretch>
+                  <a:fillRect b="-8824"/>
+                </a:stretch>
+              </a:blipFill>
+            </p:spPr>
+            <p:txBody>
+              <a:bodyPr/>
+              <a:lstStyle/>
+              <a:p>
+                <a:r>
+                  <a:rPr lang="tr-TR">
+                    <a:noFill/>
+                  </a:rPr>
+                  <a:t> </a:t>
+                </a:r>
+              </a:p>
+            </p:txBody>
+          </p:sp>
+        </mc:Fallback>
+      </mc:AlternateContent>
     </p:spTree>
     <p:extLst>
       <p:ext uri="{BB962C8B-B14F-4D97-AF65-F5344CB8AC3E}">
@@ -17955,8 +19999,8 @@
           </a:p>
         </p:txBody>
       </p:sp>
-      <mc:AlternateContent xmlns:mc="http://schemas.openxmlformats.org/markup-compatibility/2006">
-        <mc:Choice xmlns:a14="http://schemas.microsoft.com/office/drawing/2010/main" Requires="a14">
+      <mc:AlternateContent xmlns:mc="http://schemas.openxmlformats.org/markup-compatibility/2006" xmlns:a14="http://schemas.microsoft.com/office/drawing/2010/main">
+        <mc:Choice Requires="a14">
           <p:sp>
             <p:nvSpPr>
               <p:cNvPr id="6" name="TextBox 5"/>
@@ -18246,7 +20290,7 @@
             </p:txBody>
           </p:sp>
         </mc:Choice>
-        <mc:Fallback>
+        <mc:Fallback xmlns="">
           <p:sp>
             <p:nvSpPr>
               <p:cNvPr id="6" name="TextBox 5"/>
@@ -18648,11 +20692,7 @@
           <a:p>
             <a:r>
               <a:rPr lang="tr-TR" dirty="0" smtClean="0"/>
-              <a:t>Inertial </a:t>
-            </a:r>
-            <a:r>
-              <a:rPr lang="tr-TR" dirty="0" smtClean="0"/>
-              <a:t>Support decreases the RoCOF</a:t>
+              <a:t>Inertial Support decreases the RoCOF</a:t>
             </a:r>
             <a:endParaRPr lang="tr-TR" dirty="0"/>
           </a:p>
@@ -18683,11 +20723,7 @@
             <a:pPr algn="ctr"/>
             <a:r>
               <a:rPr lang="tr-TR" dirty="0" smtClean="0"/>
-              <a:t>Higher Grid </a:t>
-            </a:r>
-            <a:r>
-              <a:rPr lang="tr-TR" dirty="0" smtClean="0"/>
-              <a:t>Inertia</a:t>
+              <a:t>Higher Grid Inertia</a:t>
             </a:r>
           </a:p>
           <a:p>
@@ -18708,13 +20744,7 @@
               <a:rPr lang="tr-TR" dirty="0" smtClean="0">
                 <a:sym typeface="Wingdings" panose="05000000000000000000" pitchFamily="2" charset="2"/>
               </a:rPr>
-              <a:t> </a:t>
-            </a:r>
-            <a:r>
-              <a:rPr lang="tr-TR" dirty="0" smtClean="0">
-                <a:sym typeface="Wingdings" panose="05000000000000000000" pitchFamily="2" charset="2"/>
-              </a:rPr>
-              <a:t>Lower RoCoF</a:t>
+              <a:t> Lower RoCoF</a:t>
             </a:r>
             <a:endParaRPr lang="tr-TR" dirty="0"/>
           </a:p>
@@ -19011,7 +21041,7 @@
         <p:spPr>
           <a:xfrm>
             <a:off x="611560" y="1700807"/>
-            <a:ext cx="3960440" cy="3785652"/>
+            <a:ext cx="3960440" cy="4524315"/>
           </a:xfrm>
           <a:prstGeom prst="rect">
             <a:avLst/>
@@ -19029,9 +21059,10 @@
               <a:buChar char="•"/>
             </a:pPr>
             <a:r>
-              <a:rPr lang="en-GB" dirty="0" smtClean="0"/>
-              <a:t>The inertia in the wind turbine is not reflected to grid.</a:t>
-            </a:r>
+              <a:rPr lang="tr-TR" dirty="0" smtClean="0"/>
+              <a:t>Frequency changes create small deviations in Type-1 and Type-2 turbines. </a:t>
+            </a:r>
+            <a:endParaRPr lang="en-GB" dirty="0" smtClean="0"/>
           </a:p>
           <a:p>
             <a:pPr marL="342900" indent="-342900">
@@ -19046,9 +21077,26 @@
               <a:buChar char="•"/>
             </a:pPr>
             <a:r>
-              <a:rPr lang="en-GB" dirty="0" smtClean="0"/>
-              <a:t>The increase in the share of RE causes the risk of frequency stability.</a:t>
-            </a:r>
+              <a:rPr lang="tr-TR" dirty="0"/>
+              <a:t>Frequency changes </a:t>
+            </a:r>
+            <a:r>
+              <a:rPr lang="tr-TR" dirty="0" smtClean="0"/>
+              <a:t>do not affect Type-3 </a:t>
+            </a:r>
+            <a:r>
+              <a:rPr lang="tr-TR" dirty="0"/>
+              <a:t>and </a:t>
+            </a:r>
+            <a:r>
+              <a:rPr lang="tr-TR" dirty="0" smtClean="0"/>
+              <a:t>Type-4 </a:t>
+            </a:r>
+            <a:r>
+              <a:rPr lang="tr-TR" dirty="0"/>
+              <a:t>turbines. </a:t>
+            </a:r>
+            <a:endParaRPr lang="en-GB" dirty="0"/>
           </a:p>
           <a:p>
             <a:pPr marL="342900" indent="-342900">
@@ -19064,7 +21112,15 @@
             </a:pPr>
             <a:r>
               <a:rPr lang="en-GB" dirty="0" smtClean="0"/>
-              <a:t>Existing structure decreases grid inertia!</a:t>
+              <a:t>Existing structure decreases grid </a:t>
+            </a:r>
+            <a:r>
+              <a:rPr lang="tr-TR" dirty="0" smtClean="0"/>
+              <a:t>effective </a:t>
+            </a:r>
+            <a:r>
+              <a:rPr lang="en-GB" dirty="0" smtClean="0"/>
+              <a:t>inertia!</a:t>
             </a:r>
             <a:endParaRPr lang="en-GB" dirty="0"/>
           </a:p>

--- a/Thesis/Thesis Defence/Erencan_Duymaz_thesis_defence.pptx
+++ b/Thesis/Thesis Defence/Erencan_Duymaz_thesis_defence.pptx
@@ -5,10 +5,10 @@
     <p:sldMasterId id="2147483662" r:id="rId1"/>
   </p:sldMasterIdLst>
   <p:notesMasterIdLst>
-    <p:notesMasterId r:id="rId43"/>
+    <p:notesMasterId r:id="rId44"/>
   </p:notesMasterIdLst>
   <p:handoutMasterIdLst>
-    <p:handoutMasterId r:id="rId44"/>
+    <p:handoutMasterId r:id="rId45"/>
   </p:handoutMasterIdLst>
   <p:sldIdLst>
     <p:sldId id="256" r:id="rId2"/>
@@ -28,10 +28,10 @@
     <p:sldId id="284" r:id="rId16"/>
     <p:sldId id="285" r:id="rId17"/>
     <p:sldId id="289" r:id="rId18"/>
-    <p:sldId id="293" r:id="rId19"/>
-    <p:sldId id="294" r:id="rId20"/>
-    <p:sldId id="292" r:id="rId21"/>
-    <p:sldId id="288" r:id="rId22"/>
+    <p:sldId id="304" r:id="rId19"/>
+    <p:sldId id="305" r:id="rId20"/>
+    <p:sldId id="293" r:id="rId21"/>
+    <p:sldId id="294" r:id="rId22"/>
     <p:sldId id="279" r:id="rId23"/>
     <p:sldId id="280" r:id="rId24"/>
     <p:sldId id="295" r:id="rId25"/>
@@ -45,13 +45,14 @@
     <p:sldId id="286" r:id="rId33"/>
     <p:sldId id="263" r:id="rId34"/>
     <p:sldId id="296" r:id="rId35"/>
-    <p:sldId id="297" r:id="rId36"/>
-    <p:sldId id="298" r:id="rId37"/>
-    <p:sldId id="299" r:id="rId38"/>
-    <p:sldId id="303" r:id="rId39"/>
-    <p:sldId id="300" r:id="rId40"/>
-    <p:sldId id="301" r:id="rId41"/>
-    <p:sldId id="302" r:id="rId42"/>
+    <p:sldId id="306" r:id="rId36"/>
+    <p:sldId id="297" r:id="rId37"/>
+    <p:sldId id="298" r:id="rId38"/>
+    <p:sldId id="299" r:id="rId39"/>
+    <p:sldId id="303" r:id="rId40"/>
+    <p:sldId id="300" r:id="rId41"/>
+    <p:sldId id="301" r:id="rId42"/>
+    <p:sldId id="302" r:id="rId43"/>
   </p:sldIdLst>
   <p:sldSz cx="9144000" cy="6858000" type="screen4x3"/>
   <p:notesSz cx="6746875" cy="9913938"/>
@@ -1386,17 +1387,22 @@
           <a:p>
             <a:r>
               <a:rPr lang="tr-TR" altLang="en-US" dirty="0" smtClean="0"/>
-              <a:t>High Wind Scenario. </a:t>
-            </a:r>
+              <a:t>Low wind scenario. Generator</a:t>
+            </a:r>
+            <a:r>
+              <a:rPr lang="tr-TR" altLang="en-US" baseline="0" dirty="0" smtClean="0"/>
+              <a:t> 25%</a:t>
+            </a:r>
+            <a:endParaRPr lang="tr-TR" altLang="en-US" dirty="0" smtClean="0"/>
           </a:p>
           <a:p>
             <a:r>
               <a:rPr lang="tr-TR" altLang="en-US" dirty="0" smtClean="0"/>
-              <a:t>Gen speed does</a:t>
+              <a:t>Power</a:t>
             </a:r>
             <a:r>
               <a:rPr lang="tr-TR" altLang="en-US" baseline="0" dirty="0" smtClean="0"/>
-              <a:t> not decreases thanks to pitch angle.</a:t>
+              <a:t> increases up to 0.35pu.</a:t>
             </a:r>
             <a:endParaRPr lang="en-US" altLang="en-US" dirty="0" smtClean="0"/>
           </a:p>
@@ -1423,7 +1429,7 @@
     </p:spTree>
     <p:extLst>
       <p:ext uri="{BB962C8B-B14F-4D97-AF65-F5344CB8AC3E}">
-        <p14:creationId xmlns:p14="http://schemas.microsoft.com/office/powerpoint/2010/main" val="1266963483"/>
+        <p14:creationId xmlns:p14="http://schemas.microsoft.com/office/powerpoint/2010/main" val="2988723814"/>
       </p:ext>
     </p:extLst>
   </p:cSld>
@@ -1489,7 +1495,7 @@
           <a:p>
             <a:r>
               <a:rPr lang="tr-TR" altLang="en-US" dirty="0" smtClean="0"/>
-              <a:t>High Wind Scenario.</a:t>
+              <a:t>Low wind scenario.</a:t>
             </a:r>
             <a:endParaRPr lang="en-US" altLang="en-US" dirty="0" smtClean="0"/>
           </a:p>
@@ -1516,7 +1522,7 @@
     </p:spTree>
     <p:extLst>
       <p:ext uri="{BB962C8B-B14F-4D97-AF65-F5344CB8AC3E}">
-        <p14:creationId xmlns:p14="http://schemas.microsoft.com/office/powerpoint/2010/main" val="135247283"/>
+        <p14:creationId xmlns:p14="http://schemas.microsoft.com/office/powerpoint/2010/main" val="667473744"/>
       </p:ext>
     </p:extLst>
   </p:cSld>
@@ -1582,7 +1588,17 @@
           <a:p>
             <a:r>
               <a:rPr lang="tr-TR" altLang="en-US" dirty="0" smtClean="0"/>
-              <a:t>Low wind scenario.</a:t>
+              <a:t>High Wind Scenario. </a:t>
+            </a:r>
+          </a:p>
+          <a:p>
+            <a:r>
+              <a:rPr lang="tr-TR" altLang="en-US" dirty="0" smtClean="0"/>
+              <a:t>Gen speed does</a:t>
+            </a:r>
+            <a:r>
+              <a:rPr lang="tr-TR" altLang="en-US" baseline="0" dirty="0" smtClean="0"/>
+              <a:t> not decreases thanks to pitch angle.</a:t>
             </a:r>
             <a:endParaRPr lang="en-US" altLang="en-US" dirty="0" smtClean="0"/>
           </a:p>
@@ -1609,7 +1625,7 @@
     </p:spTree>
     <p:extLst>
       <p:ext uri="{BB962C8B-B14F-4D97-AF65-F5344CB8AC3E}">
-        <p14:creationId xmlns:p14="http://schemas.microsoft.com/office/powerpoint/2010/main" val="1605599515"/>
+        <p14:creationId xmlns:p14="http://schemas.microsoft.com/office/powerpoint/2010/main" val="1266963483"/>
       </p:ext>
     </p:extLst>
   </p:cSld>
@@ -1764,7 +1780,7 @@
           <a:p>
             <a:r>
               <a:rPr lang="tr-TR" altLang="en-US" dirty="0" smtClean="0"/>
-              <a:t>Low wind scenario.</a:t>
+              <a:t>High Wind Scenario.</a:t>
             </a:r>
             <a:endParaRPr lang="en-US" altLang="en-US" dirty="0" smtClean="0"/>
           </a:p>
@@ -1791,7 +1807,7 @@
     </p:spTree>
     <p:extLst>
       <p:ext uri="{BB962C8B-B14F-4D97-AF65-F5344CB8AC3E}">
-        <p14:creationId xmlns:p14="http://schemas.microsoft.com/office/powerpoint/2010/main" val="2507398154"/>
+        <p14:creationId xmlns:p14="http://schemas.microsoft.com/office/powerpoint/2010/main" val="135247283"/>
       </p:ext>
     </p:extLst>
   </p:cSld>
@@ -2621,7 +2637,11 @@
           <a:bodyPr/>
           <a:lstStyle/>
           <a:p>
-            <a:endParaRPr lang="en-US" altLang="en-US" smtClean="0"/>
+            <a:r>
+              <a:rPr lang="tr-TR" altLang="en-US" dirty="0" smtClean="0"/>
+              <a:t>How the inertia support should be paid to energy provider?</a:t>
+            </a:r>
+            <a:endParaRPr lang="en-US" altLang="en-US" dirty="0" smtClean="0"/>
           </a:p>
         </p:txBody>
       </p:sp>
@@ -3180,7 +3200,7 @@
     </p:spTree>
     <p:extLst>
       <p:ext uri="{BB962C8B-B14F-4D97-AF65-F5344CB8AC3E}">
-        <p14:creationId xmlns:p14="http://schemas.microsoft.com/office/powerpoint/2010/main" val="844472906"/>
+        <p14:creationId xmlns:p14="http://schemas.microsoft.com/office/powerpoint/2010/main" val="1789962894"/>
       </p:ext>
     </p:extLst>
   </p:cSld>
@@ -3269,7 +3289,7 @@
     </p:spTree>
     <p:extLst>
       <p:ext uri="{BB962C8B-B14F-4D97-AF65-F5344CB8AC3E}">
-        <p14:creationId xmlns:p14="http://schemas.microsoft.com/office/powerpoint/2010/main" val="3219408087"/>
+        <p14:creationId xmlns:p14="http://schemas.microsoft.com/office/powerpoint/2010/main" val="844472906"/>
       </p:ext>
     </p:extLst>
   </p:cSld>
@@ -3358,7 +3378,7 @@
     </p:spTree>
     <p:extLst>
       <p:ext uri="{BB962C8B-B14F-4D97-AF65-F5344CB8AC3E}">
-        <p14:creationId xmlns:p14="http://schemas.microsoft.com/office/powerpoint/2010/main" val="3461037492"/>
+        <p14:creationId xmlns:p14="http://schemas.microsoft.com/office/powerpoint/2010/main" val="3219408087"/>
       </p:ext>
     </p:extLst>
   </p:cSld>
@@ -3447,7 +3467,7 @@
     </p:spTree>
     <p:extLst>
       <p:ext uri="{BB962C8B-B14F-4D97-AF65-F5344CB8AC3E}">
-        <p14:creationId xmlns:p14="http://schemas.microsoft.com/office/powerpoint/2010/main" val="728642395"/>
+        <p14:creationId xmlns:p14="http://schemas.microsoft.com/office/powerpoint/2010/main" val="3461037492"/>
       </p:ext>
     </p:extLst>
   </p:cSld>
@@ -3536,7 +3556,7 @@
     </p:spTree>
     <p:extLst>
       <p:ext uri="{BB962C8B-B14F-4D97-AF65-F5344CB8AC3E}">
-        <p14:creationId xmlns:p14="http://schemas.microsoft.com/office/powerpoint/2010/main" val="1235942237"/>
+        <p14:creationId xmlns:p14="http://schemas.microsoft.com/office/powerpoint/2010/main" val="728642395"/>
       </p:ext>
     </p:extLst>
   </p:cSld>
@@ -3625,7 +3645,7 @@
     </p:spTree>
     <p:extLst>
       <p:ext uri="{BB962C8B-B14F-4D97-AF65-F5344CB8AC3E}">
-        <p14:creationId xmlns:p14="http://schemas.microsoft.com/office/powerpoint/2010/main" val="2562472704"/>
+        <p14:creationId xmlns:p14="http://schemas.microsoft.com/office/powerpoint/2010/main" val="1235942237"/>
       </p:ext>
     </p:extLst>
   </p:cSld>
@@ -3738,6 +3758,95 @@
 </file>
 
 <file path=ppt/notesSlides/notesSlide40.xml><?xml version="1.0" encoding="utf-8"?>
+<p:notes xmlns:a="http://schemas.openxmlformats.org/drawingml/2006/main" xmlns:r="http://schemas.openxmlformats.org/officeDocument/2006/relationships" xmlns:p="http://schemas.openxmlformats.org/presentationml/2006/main">
+  <p:cSld>
+    <p:spTree>
+      <p:nvGrpSpPr>
+        <p:cNvPr id="1" name=""/>
+        <p:cNvGrpSpPr/>
+        <p:nvPr/>
+      </p:nvGrpSpPr>
+      <p:grpSpPr>
+        <a:xfrm>
+          <a:off x="0" y="0"/>
+          <a:ext cx="0" cy="0"/>
+          <a:chOff x="0" y="0"/>
+          <a:chExt cx="0" cy="0"/>
+        </a:xfrm>
+      </p:grpSpPr>
+      <p:sp>
+        <p:nvSpPr>
+          <p:cNvPr id="35842" name="Rectangle 2"/>
+          <p:cNvSpPr>
+            <a:spLocks noGrp="1" noChangeArrowheads="1"/>
+          </p:cNvSpPr>
+          <p:nvPr>
+            <p:ph type="body" idx="1"/>
+          </p:nvPr>
+        </p:nvSpPr>
+        <p:spPr>
+          <a:noFill/>
+          <a:ln w="9525"/>
+          <a:extLst>
+            <a:ext uri="{909E8E84-426E-40DD-AFC4-6F175D3DCCD1}">
+              <a14:hiddenFill xmlns:a14="http://schemas.microsoft.com/office/drawing/2010/main">
+                <a:solidFill>
+                  <a:srgbClr val="FFFFFF"/>
+                </a:solidFill>
+              </a14:hiddenFill>
+            </a:ext>
+            <a:ext uri="{91240B29-F687-4F45-9708-019B960494DF}">
+              <a14:hiddenLine xmlns:a14="http://schemas.microsoft.com/office/drawing/2010/main" w="9525">
+                <a:solidFill>
+                  <a:srgbClr val="000000"/>
+                </a:solidFill>
+                <a:miter lim="800000"/>
+                <a:headEnd/>
+                <a:tailEnd/>
+              </a14:hiddenLine>
+            </a:ext>
+          </a:extLst>
+        </p:spPr>
+        <p:txBody>
+          <a:bodyPr/>
+          <a:lstStyle/>
+          <a:p>
+            <a:endParaRPr lang="en-US" altLang="en-US" smtClean="0"/>
+          </a:p>
+        </p:txBody>
+      </p:sp>
+      <p:sp>
+        <p:nvSpPr>
+          <p:cNvPr id="35843" name="Rectangle 3"/>
+          <p:cNvSpPr>
+            <a:spLocks noGrp="1" noRot="1" noChangeAspect="1" noChangeArrowheads="1" noTextEdit="1"/>
+          </p:cNvSpPr>
+          <p:nvPr>
+            <p:ph type="sldImg"/>
+          </p:nvPr>
+        </p:nvSpPr>
+        <p:spPr>
+          <a:xfrm>
+            <a:off x="1057275" y="865188"/>
+            <a:ext cx="4632325" cy="3475037"/>
+          </a:xfrm>
+          <a:ln cap="flat"/>
+        </p:spPr>
+      </p:sp>
+    </p:spTree>
+    <p:extLst>
+      <p:ext uri="{BB962C8B-B14F-4D97-AF65-F5344CB8AC3E}">
+        <p14:creationId xmlns:p14="http://schemas.microsoft.com/office/powerpoint/2010/main" val="2562472704"/>
+      </p:ext>
+    </p:extLst>
+  </p:cSld>
+  <p:clrMapOvr>
+    <a:masterClrMapping/>
+  </p:clrMapOvr>
+</p:notes>
+</file>
+
+<file path=ppt/notesSlides/notesSlide41.xml><?xml version="1.0" encoding="utf-8"?>
 <p:notes xmlns:a="http://schemas.openxmlformats.org/drawingml/2006/main" xmlns:r="http://schemas.openxmlformats.org/officeDocument/2006/relationships" xmlns:p="http://schemas.openxmlformats.org/presentationml/2006/main">
   <p:cSld>
     <p:spTree>
@@ -7463,40 +7572,6 @@
           <a:lstStyle/>
           <a:p>
             <a:r>
-              <a:rPr lang="tr-TR" dirty="0" smtClean="0">
-                <a:latin typeface="Arial" panose="020B0604020202020204" pitchFamily="34" charset="0"/>
-                <a:cs typeface="Arial" panose="020B0604020202020204" pitchFamily="34" charset="0"/>
-              </a:rPr>
-              <a:t>The behaviour </a:t>
-            </a:r>
-            <a:r>
-              <a:rPr lang="tr-TR" dirty="0">
-                <a:latin typeface="Arial" panose="020B0604020202020204" pitchFamily="34" charset="0"/>
-                <a:cs typeface="Arial" panose="020B0604020202020204" pitchFamily="34" charset="0"/>
-              </a:rPr>
-              <a:t>of the synchrnous generators can be applied to Type-4 wind </a:t>
-            </a:r>
-            <a:r>
-              <a:rPr lang="tr-TR" dirty="0" smtClean="0">
-                <a:latin typeface="Arial" panose="020B0604020202020204" pitchFamily="34" charset="0"/>
-                <a:cs typeface="Arial" panose="020B0604020202020204" pitchFamily="34" charset="0"/>
-              </a:rPr>
-              <a:t>turbines since the FSPC has the ability control active and reactive powers.</a:t>
-            </a:r>
-            <a:endParaRPr lang="tr-TR" dirty="0">
-              <a:latin typeface="Arial" panose="020B0604020202020204" pitchFamily="34" charset="0"/>
-              <a:cs typeface="Arial" panose="020B0604020202020204" pitchFamily="34" charset="0"/>
-            </a:endParaRPr>
-          </a:p>
-          <a:p>
-            <a:pPr lvl="1"/>
-            <a:endParaRPr lang="en-GB" dirty="0" smtClean="0">
-              <a:latin typeface="Arial" panose="020B0604020202020204" pitchFamily="34" charset="0"/>
-              <a:cs typeface="Arial" panose="020B0604020202020204" pitchFamily="34" charset="0"/>
-            </a:endParaRPr>
-          </a:p>
-          <a:p>
-            <a:r>
               <a:rPr lang="en-GB" dirty="0" smtClean="0">
                 <a:latin typeface="Arial" panose="020B0604020202020204" pitchFamily="34" charset="0"/>
                 <a:cs typeface="Arial" panose="020B0604020202020204" pitchFamily="34" charset="0"/>
@@ -7507,6 +7582,21 @@
               <a:latin typeface="Arial" panose="020B0604020202020204" pitchFamily="34" charset="0"/>
               <a:cs typeface="Arial" panose="020B0604020202020204" pitchFamily="34" charset="0"/>
             </a:endParaRPr>
+          </a:p>
+          <a:p>
+            <a:endParaRPr lang="tr-TR" dirty="0" smtClean="0">
+              <a:latin typeface="Arial" panose="020B0604020202020204" pitchFamily="34" charset="0"/>
+              <a:cs typeface="Arial" panose="020B0604020202020204" pitchFamily="34" charset="0"/>
+            </a:endParaRPr>
+          </a:p>
+          <a:p>
+            <a:r>
+              <a:rPr lang="en-GB" dirty="0">
+                <a:latin typeface="Arial" panose="020B0604020202020204" pitchFamily="34" charset="0"/>
+                <a:cs typeface="Arial" panose="020B0604020202020204" pitchFamily="34" charset="0"/>
+              </a:rPr>
+              <a:t>Wind turbines with FSPC are the most promising type of renewable energy system due to its kinetic energy in the turbine inertia and the ability to control active/reactive power. </a:t>
+            </a:r>
           </a:p>
           <a:p>
             <a:endParaRPr lang="tr-TR" dirty="0" smtClean="0">
@@ -7538,7 +7628,7 @@
         </p:blipFill>
         <p:spPr>
           <a:xfrm>
-            <a:off x="4788024" y="3383052"/>
+            <a:off x="4429333" y="3383049"/>
             <a:ext cx="4127644" cy="2473743"/>
           </a:xfrm>
           <a:prstGeom prst="rect">
@@ -7779,13 +7869,6 @@
           </a:lstStyle>
           <a:p>
             <a:pPr algn="just"/>
-            <a:r>
-              <a:rPr lang="en-GB" dirty="0" smtClean="0">
-                <a:latin typeface="Arial" panose="020B0604020202020204" pitchFamily="34" charset="0"/>
-                <a:cs typeface="Arial" panose="020B0604020202020204" pitchFamily="34" charset="0"/>
-              </a:rPr>
-              <a:t>Wind turbines with FSPC are the most promising type of renewable energy system due to its kinetic energy in the turbine inertia and the ability to control active/reactive power. </a:t>
-            </a:r>
             <a:endParaRPr lang="en-GB" dirty="0">
               <a:latin typeface="Arial" panose="020B0604020202020204" pitchFamily="34" charset="0"/>
               <a:cs typeface="Arial" panose="020B0604020202020204" pitchFamily="34" charset="0"/>
@@ -7801,8 +7884,8 @@
         </p:nvSpPr>
         <p:spPr>
           <a:xfrm>
-            <a:off x="4673858" y="5856795"/>
-            <a:ext cx="4355976" cy="369332"/>
+            <a:off x="1403648" y="5897307"/>
+            <a:ext cx="6336704" cy="369332"/>
           </a:xfrm>
           <a:prstGeom prst="rect">
             <a:avLst/>
@@ -7815,14 +7898,55 @@
           </a:bodyPr>
           <a:lstStyle/>
           <a:p>
+            <a:pPr algn="ctr"/>
             <a:r>
               <a:rPr lang="tr-TR" sz="1800" dirty="0" smtClean="0"/>
-              <a:t>Figure 7: Typical Fast Inertial Support [4]</a:t>
+              <a:t>Figure 7: </a:t>
+            </a:r>
+            <a:r>
+              <a:rPr lang="tr-TR" sz="1800" dirty="0" smtClean="0"/>
+              <a:t>Synthetic Inertia vs Fast </a:t>
+            </a:r>
+            <a:r>
+              <a:rPr lang="tr-TR" sz="1800" dirty="0" smtClean="0"/>
+              <a:t>Inertial Support [4</a:t>
+            </a:r>
+            <a:r>
+              <a:rPr lang="tr-TR" sz="1800" dirty="0"/>
+              <a:t>], </a:t>
+            </a:r>
+            <a:r>
+              <a:rPr lang="tr-TR" sz="1800" dirty="0" smtClean="0"/>
+              <a:t>[5]</a:t>
             </a:r>
             <a:endParaRPr lang="tr-TR" sz="1800" dirty="0"/>
           </a:p>
         </p:txBody>
       </p:sp>
+      <p:pic>
+        <p:nvPicPr>
+          <p:cNvPr id="5" name="Picture 4"/>
+          <p:cNvPicPr>
+            <a:picLocks noChangeAspect="1"/>
+          </p:cNvPicPr>
+          <p:nvPr/>
+        </p:nvPicPr>
+        <p:blipFill>
+          <a:blip r:embed="rId4"/>
+          <a:stretch>
+            <a:fillRect/>
+          </a:stretch>
+        </p:blipFill>
+        <p:spPr>
+          <a:xfrm>
+            <a:off x="696543" y="3499660"/>
+            <a:ext cx="3732790" cy="2377612"/>
+          </a:xfrm>
+          <a:prstGeom prst="rect">
+            <a:avLst/>
+          </a:prstGeom>
+        </p:spPr>
+      </p:pic>
     </p:spTree>
     <p:extLst>
       <p:ext uri="{BB962C8B-B14F-4D97-AF65-F5344CB8AC3E}">
@@ -8439,7 +8563,7 @@
                 <a:latin typeface="Arial" panose="020B0604020202020204" pitchFamily="34" charset="0"/>
                 <a:cs typeface="Arial" panose="020B0604020202020204" pitchFamily="34" charset="0"/>
               </a:rPr>
-              <a:t>Fast Inertia Support</a:t>
+              <a:t>Fast Inertial Support</a:t>
             </a:r>
             <a:endParaRPr lang="en-US" dirty="0" smtClean="0">
               <a:latin typeface="Arial" panose="020B0604020202020204" pitchFamily="34" charset="0"/>
@@ -8542,7 +8666,7 @@
             </p:nvSpPr>
             <p:spPr>
               <a:xfrm>
-                <a:off x="3538949" y="4509391"/>
+                <a:off x="5462531" y="4491728"/>
                 <a:ext cx="2031325" cy="491738"/>
               </a:xfrm>
               <a:prstGeom prst="rect">
@@ -8663,7 +8787,7 @@
             </p:nvSpPr>
             <p:spPr>
               <a:xfrm>
-                <a:off x="3538949" y="4509391"/>
+                <a:off x="5462531" y="4491728"/>
                 <a:ext cx="2031325" cy="491738"/>
               </a:xfrm>
               <a:prstGeom prst="rect">
@@ -8672,7 +8796,7 @@
               <a:blipFill>
                 <a:blip r:embed="rId4"/>
                 <a:stretch>
-                  <a:fillRect l="-901" t="-10000" b="-22500"/>
+                  <a:fillRect l="-601" t="-10000" b="-22500"/>
                 </a:stretch>
               </a:blipFill>
             </p:spPr>
@@ -8701,7 +8825,7 @@
             </p:nvSpPr>
             <p:spPr>
               <a:xfrm>
-                <a:off x="3101932" y="5046767"/>
+                <a:off x="5000865" y="5060754"/>
                 <a:ext cx="2954655" cy="461665"/>
               </a:xfrm>
               <a:prstGeom prst="rect">
@@ -8834,7 +8958,7 @@
             </p:nvSpPr>
             <p:spPr>
               <a:xfrm>
-                <a:off x="3101932" y="5046767"/>
+                <a:off x="5000865" y="5060754"/>
                 <a:ext cx="2954655" cy="461665"/>
               </a:xfrm>
               <a:prstGeom prst="rect">
@@ -8843,7 +8967,7 @@
               <a:blipFill>
                 <a:blip r:embed="rId5"/>
                 <a:stretch>
-                  <a:fillRect l="-619" t="-9211" b="-30263"/>
+                  <a:fillRect l="-412" t="-9211" b="-30263"/>
                 </a:stretch>
               </a:blipFill>
             </p:spPr>
@@ -8872,7 +8996,7 @@
             </p:nvSpPr>
             <p:spPr>
               <a:xfrm>
-                <a:off x="3077285" y="5599708"/>
+                <a:off x="5000864" y="5599707"/>
                 <a:ext cx="2954655" cy="461665"/>
               </a:xfrm>
               <a:prstGeom prst="rect">
@@ -9005,7 +9129,7 @@
             </p:nvSpPr>
             <p:spPr>
               <a:xfrm>
-                <a:off x="3077285" y="5599708"/>
+                <a:off x="5000864" y="5599707"/>
                 <a:ext cx="2954655" cy="461665"/>
               </a:xfrm>
               <a:prstGeom prst="rect">
@@ -9014,7 +9138,7 @@
               <a:blipFill>
                 <a:blip r:embed="rId6"/>
                 <a:stretch>
-                  <a:fillRect l="-620" t="-9333" b="-32000"/>
+                  <a:fillRect l="-412" t="-9333" b="-32000"/>
                 </a:stretch>
               </a:blipFill>
             </p:spPr>
@@ -9068,6 +9192,324 @@
           </a:p>
         </p:txBody>
       </p:sp>
+      <mc:AlternateContent xmlns:mc="http://schemas.openxmlformats.org/markup-compatibility/2006" xmlns:a14="http://schemas.microsoft.com/office/drawing/2010/main">
+        <mc:Choice Requires="a14">
+          <p:sp>
+            <p:nvSpPr>
+              <p:cNvPr id="12" name="Rectangle 11"/>
+              <p:cNvSpPr/>
+              <p:nvPr/>
+            </p:nvSpPr>
+            <p:spPr>
+              <a:xfrm>
+                <a:off x="427865" y="4552922"/>
+                <a:ext cx="3784093" cy="1015663"/>
+              </a:xfrm>
+              <a:prstGeom prst="rect">
+                <a:avLst/>
+              </a:prstGeom>
+            </p:spPr>
+            <p:txBody>
+              <a:bodyPr wrap="square">
+                <a:spAutoFit/>
+              </a:bodyPr>
+              <a:lstStyle/>
+              <a:p>
+                <a14:m>
+                  <m:oMath xmlns:m="http://schemas.openxmlformats.org/officeDocument/2006/math">
+                    <m:sSub>
+                      <m:sSubPr>
+                        <m:ctrlPr>
+                          <a:rPr lang="tr-TR" sz="2000" i="1" smtClean="0">
+                            <a:latin typeface="Cambria Math" panose="02040503050406030204" pitchFamily="18" charset="0"/>
+                          </a:rPr>
+                        </m:ctrlPr>
+                      </m:sSubPr>
+                      <m:e>
+                        <m:r>
+                          <a:rPr lang="tr-TR" sz="2000" i="1">
+                            <a:latin typeface="Cambria Math" panose="02040503050406030204" pitchFamily="18" charset="0"/>
+                          </a:rPr>
+                          <m:t>𝑇</m:t>
+                        </m:r>
+                      </m:e>
+                      <m:sub>
+                        <m:r>
+                          <a:rPr lang="tr-TR" sz="2000" i="1">
+                            <a:latin typeface="Cambria Math" panose="02040503050406030204" pitchFamily="18" charset="0"/>
+                          </a:rPr>
+                          <m:t>𝑃</m:t>
+                        </m:r>
+                        <m:r>
+                          <a:rPr lang="tr-TR" sz="2000" i="1">
+                            <a:latin typeface="Cambria Math" panose="02040503050406030204" pitchFamily="18" charset="0"/>
+                          </a:rPr>
+                          <m:t>−</m:t>
+                        </m:r>
+                        <m:r>
+                          <a:rPr lang="tr-TR" sz="2000" i="1">
+                            <a:latin typeface="Cambria Math" panose="02040503050406030204" pitchFamily="18" charset="0"/>
+                          </a:rPr>
+                          <m:t>𝑙𝑖𝑚</m:t>
+                        </m:r>
+                      </m:sub>
+                    </m:sSub>
+                    <m:r>
+                      <a:rPr lang="tr-TR" sz="2000" b="0" i="1" smtClean="0">
+                        <a:latin typeface="Cambria Math" panose="02040503050406030204" pitchFamily="18" charset="0"/>
+                      </a:rPr>
+                      <m:t>:</m:t>
+                    </m:r>
+                  </m:oMath>
+                </a14:m>
+                <a:r>
+                  <a:rPr lang="tr-TR" sz="2000" dirty="0" smtClean="0"/>
+                  <a:t> limits maximum power to rated active power </a:t>
+                </a:r>
+                <a14:m>
+                  <m:oMath xmlns:m="http://schemas.openxmlformats.org/officeDocument/2006/math">
+                    <m:sSub>
+                      <m:sSubPr>
+                        <m:ctrlPr>
+                          <a:rPr lang="tr-TR" sz="2000" i="1">
+                            <a:latin typeface="Cambria Math" panose="02040503050406030204" pitchFamily="18" charset="0"/>
+                          </a:rPr>
+                        </m:ctrlPr>
+                      </m:sSubPr>
+                      <m:e>
+                        <m:r>
+                          <a:rPr lang="tr-TR" sz="2000" b="0" i="1" smtClean="0">
+                            <a:latin typeface="Cambria Math" panose="02040503050406030204" pitchFamily="18" charset="0"/>
+                          </a:rPr>
+                          <m:t>𝑃</m:t>
+                        </m:r>
+                      </m:e>
+                      <m:sub>
+                        <m:r>
+                          <a:rPr lang="tr-TR" sz="2000" i="1">
+                            <a:latin typeface="Cambria Math" panose="02040503050406030204" pitchFamily="18" charset="0"/>
+                          </a:rPr>
+                          <m:t>𝑟𝑎𝑡𝑒𝑑</m:t>
+                        </m:r>
+                      </m:sub>
+                    </m:sSub>
+                  </m:oMath>
+                </a14:m>
+                <a:r>
+                  <a:rPr lang="tr-TR" sz="2000" dirty="0" smtClean="0"/>
+                  <a:t>!</a:t>
+                </a:r>
+                <a:r>
+                  <a:rPr lang="tr-TR" sz="2000" dirty="0"/>
+                  <a:t>	</a:t>
+                </a:r>
+              </a:p>
+            </p:txBody>
+          </p:sp>
+        </mc:Choice>
+        <mc:Fallback xmlns="">
+          <p:sp>
+            <p:nvSpPr>
+              <p:cNvPr id="12" name="Rectangle 11"/>
+              <p:cNvSpPr>
+                <a:spLocks noRot="1" noChangeAspect="1" noMove="1" noResize="1" noEditPoints="1" noAdjustHandles="1" noChangeArrowheads="1" noChangeShapeType="1" noTextEdit="1"/>
+              </p:cNvSpPr>
+              <p:nvPr/>
+            </p:nvSpPr>
+            <p:spPr>
+              <a:xfrm>
+                <a:off x="427865" y="4552922"/>
+                <a:ext cx="3784093" cy="1015663"/>
+              </a:xfrm>
+              <a:prstGeom prst="rect">
+                <a:avLst/>
+              </a:prstGeom>
+              <a:blipFill>
+                <a:blip r:embed="rId7"/>
+                <a:stretch>
+                  <a:fillRect l="-1610" t="-3012"/>
+                </a:stretch>
+              </a:blipFill>
+            </p:spPr>
+            <p:txBody>
+              <a:bodyPr/>
+              <a:lstStyle/>
+              <a:p>
+                <a:r>
+                  <a:rPr lang="tr-TR">
+                    <a:noFill/>
+                  </a:rPr>
+                  <a:t> </a:t>
+                </a:r>
+              </a:p>
+            </p:txBody>
+          </p:sp>
+        </mc:Fallback>
+      </mc:AlternateContent>
+      <mc:AlternateContent xmlns:mc="http://schemas.openxmlformats.org/markup-compatibility/2006" xmlns:a14="http://schemas.microsoft.com/office/drawing/2010/main">
+        <mc:Choice Requires="a14">
+          <p:sp>
+            <p:nvSpPr>
+              <p:cNvPr id="13" name="Rectangle 12"/>
+              <p:cNvSpPr/>
+              <p:nvPr/>
+            </p:nvSpPr>
+            <p:spPr>
+              <a:xfrm>
+                <a:off x="427865" y="5339162"/>
+                <a:ext cx="3784093" cy="1015663"/>
+              </a:xfrm>
+              <a:prstGeom prst="rect">
+                <a:avLst/>
+              </a:prstGeom>
+            </p:spPr>
+            <p:txBody>
+              <a:bodyPr wrap="square">
+                <a:spAutoFit/>
+              </a:bodyPr>
+              <a:lstStyle/>
+              <a:p>
+                <a14:m>
+                  <m:oMath xmlns:m="http://schemas.openxmlformats.org/officeDocument/2006/math">
+                    <m:sSub>
+                      <m:sSubPr>
+                        <m:ctrlPr>
+                          <a:rPr lang="tr-TR" sz="2000" i="1" smtClean="0">
+                            <a:latin typeface="Cambria Math" panose="02040503050406030204" pitchFamily="18" charset="0"/>
+                          </a:rPr>
+                        </m:ctrlPr>
+                      </m:sSubPr>
+                      <m:e>
+                        <m:r>
+                          <a:rPr lang="tr-TR" sz="2000" i="1">
+                            <a:latin typeface="Cambria Math" panose="02040503050406030204" pitchFamily="18" charset="0"/>
+                          </a:rPr>
+                          <m:t>𝑇</m:t>
+                        </m:r>
+                      </m:e>
+                      <m:sub>
+                        <m:r>
+                          <a:rPr lang="tr-TR" sz="2000" b="0" i="1" smtClean="0">
+                            <a:latin typeface="Cambria Math" panose="02040503050406030204" pitchFamily="18" charset="0"/>
+                          </a:rPr>
+                          <m:t>𝑆</m:t>
+                        </m:r>
+                        <m:r>
+                          <a:rPr lang="tr-TR" sz="2000" i="1">
+                            <a:latin typeface="Cambria Math" panose="02040503050406030204" pitchFamily="18" charset="0"/>
+                          </a:rPr>
+                          <m:t>−</m:t>
+                        </m:r>
+                        <m:r>
+                          <a:rPr lang="tr-TR" sz="2000" i="1">
+                            <a:latin typeface="Cambria Math" panose="02040503050406030204" pitchFamily="18" charset="0"/>
+                          </a:rPr>
+                          <m:t>𝑙𝑖𝑚</m:t>
+                        </m:r>
+                      </m:sub>
+                    </m:sSub>
+                    <m:r>
+                      <a:rPr lang="tr-TR" sz="2000" b="0" i="1" smtClean="0">
+                        <a:latin typeface="Cambria Math" panose="02040503050406030204" pitchFamily="18" charset="0"/>
+                      </a:rPr>
+                      <m:t>:</m:t>
+                    </m:r>
+                  </m:oMath>
+                </a14:m>
+                <a:r>
+                  <a:rPr lang="tr-TR" sz="2000" dirty="0" smtClean="0"/>
+                  <a:t> limits maximum power to apparent power </a:t>
+                </a:r>
+                <a14:m>
+                  <m:oMath xmlns:m="http://schemas.openxmlformats.org/officeDocument/2006/math">
+                    <m:sSub>
+                      <m:sSubPr>
+                        <m:ctrlPr>
+                          <a:rPr lang="tr-TR" sz="2000" i="1">
+                            <a:latin typeface="Cambria Math" panose="02040503050406030204" pitchFamily="18" charset="0"/>
+                          </a:rPr>
+                        </m:ctrlPr>
+                      </m:sSubPr>
+                      <m:e>
+                        <m:r>
+                          <a:rPr lang="tr-TR" sz="2000" b="0" i="1" smtClean="0">
+                            <a:latin typeface="Cambria Math" panose="02040503050406030204" pitchFamily="18" charset="0"/>
+                          </a:rPr>
+                          <m:t>𝑆</m:t>
+                        </m:r>
+                      </m:e>
+                      <m:sub>
+                        <m:r>
+                          <a:rPr lang="tr-TR" sz="2000" b="0" i="1" smtClean="0">
+                            <a:latin typeface="Cambria Math" panose="02040503050406030204" pitchFamily="18" charset="0"/>
+                          </a:rPr>
+                          <m:t>𝑟𝑎𝑡𝑒𝑑</m:t>
+                        </m:r>
+                      </m:sub>
+                    </m:sSub>
+                    <m:r>
+                      <a:rPr lang="tr-TR" sz="2000" i="1">
+                        <a:latin typeface="Cambria Math" panose="02040503050406030204" pitchFamily="18" charset="0"/>
+                      </a:rPr>
+                      <m:t>:</m:t>
+                    </m:r>
+                  </m:oMath>
+                </a14:m>
+                <a:r>
+                  <a:rPr lang="tr-TR" sz="2000" dirty="0"/>
+                  <a:t> </a:t>
+                </a:r>
+                <a:r>
+                  <a:rPr lang="tr-TR" sz="2000" dirty="0" smtClean="0"/>
+                  <a:t>!</a:t>
+                </a:r>
+                <a:r>
+                  <a:rPr lang="tr-TR" sz="2000" dirty="0"/>
+                  <a:t>	</a:t>
+                </a:r>
+              </a:p>
+            </p:txBody>
+          </p:sp>
+        </mc:Choice>
+        <mc:Fallback xmlns="">
+          <p:sp>
+            <p:nvSpPr>
+              <p:cNvPr id="13" name="Rectangle 12"/>
+              <p:cNvSpPr>
+                <a:spLocks noRot="1" noChangeAspect="1" noMove="1" noResize="1" noEditPoints="1" noAdjustHandles="1" noChangeArrowheads="1" noChangeShapeType="1" noTextEdit="1"/>
+              </p:cNvSpPr>
+              <p:nvPr/>
+            </p:nvSpPr>
+            <p:spPr>
+              <a:xfrm>
+                <a:off x="427865" y="5339162"/>
+                <a:ext cx="3784093" cy="1015663"/>
+              </a:xfrm>
+              <a:prstGeom prst="rect">
+                <a:avLst/>
+              </a:prstGeom>
+              <a:blipFill>
+                <a:blip r:embed="rId8"/>
+                <a:stretch>
+                  <a:fillRect l="-1610" t="-3012"/>
+                </a:stretch>
+              </a:blipFill>
+            </p:spPr>
+            <p:txBody>
+              <a:bodyPr/>
+              <a:lstStyle/>
+              <a:p>
+                <a:r>
+                  <a:rPr lang="tr-TR">
+                    <a:noFill/>
+                  </a:rPr>
+                  <a:t> </a:t>
+                </a:r>
+              </a:p>
+            </p:txBody>
+          </p:sp>
+        </mc:Fallback>
+      </mc:AlternateContent>
     </p:spTree>
     <p:extLst>
       <p:ext uri="{BB962C8B-B14F-4D97-AF65-F5344CB8AC3E}">
@@ -9129,7 +9571,7 @@
                 <a:latin typeface="Arial" panose="020B0604020202020204" pitchFamily="34" charset="0"/>
                 <a:cs typeface="Arial" panose="020B0604020202020204" pitchFamily="34" charset="0"/>
               </a:rPr>
-              <a:t>Fast Inertia Support</a:t>
+              <a:t>Fast Inertial Support</a:t>
             </a:r>
             <a:endParaRPr lang="en-US" dirty="0" smtClean="0">
               <a:latin typeface="Arial" panose="020B0604020202020204" pitchFamily="34" charset="0"/>
@@ -9568,7 +10010,7 @@
                 <a:latin typeface="Arial" panose="020B0604020202020204" pitchFamily="34" charset="0"/>
                 <a:cs typeface="Arial" panose="020B0604020202020204" pitchFamily="34" charset="0"/>
               </a:rPr>
-              <a:t>Fast Inertia Support</a:t>
+              <a:t>Fast Inertial Support</a:t>
             </a:r>
             <a:endParaRPr lang="en-US" dirty="0" smtClean="0">
               <a:latin typeface="Arial" panose="020B0604020202020204" pitchFamily="34" charset="0"/>
@@ -9896,12 +10338,7 @@
             <p:ph type="title"/>
           </p:nvPr>
         </p:nvSpPr>
-        <p:spPr>
-          <a:xfrm>
-            <a:off x="457200" y="338139"/>
-            <a:ext cx="8229600" cy="570582"/>
-          </a:xfrm>
-        </p:spPr>
+        <p:spPr/>
         <p:txBody>
           <a:bodyPr/>
           <a:lstStyle/>
@@ -9914,7 +10351,7 @@
                 <a:latin typeface="Arial" panose="020B0604020202020204" pitchFamily="34" charset="0"/>
                 <a:cs typeface="Arial" panose="020B0604020202020204" pitchFamily="34" charset="0"/>
               </a:rPr>
-              <a:t>Fast Inertia Support</a:t>
+              <a:t>Fast Inertial Support</a:t>
             </a:r>
             <a:endParaRPr lang="en-US" dirty="0" smtClean="0">
               <a:latin typeface="Arial" panose="020B0604020202020204" pitchFamily="34" charset="0"/>
@@ -9980,14 +10417,14 @@
       </p:sp>
       <p:pic>
         <p:nvPicPr>
-          <p:cNvPr id="4" name="Picture 3"/>
+          <p:cNvPr id="6" name="Picture 5"/>
           <p:cNvPicPr>
             <a:picLocks noChangeAspect="1"/>
           </p:cNvPicPr>
           <p:nvPr/>
         </p:nvPicPr>
         <p:blipFill>
-          <a:blip r:embed="rId3" cstate="print">
+          <a:blip r:embed="rId3">
             <a:extLst>
               <a:ext uri="{28A0092B-C50C-407E-A947-70E740481C1C}">
                 <a14:useLocalDpi xmlns:a14="http://schemas.microsoft.com/office/drawing/2010/main" val="0"/>
@@ -10000,8 +10437,8 @@
         </p:blipFill>
         <p:spPr>
           <a:xfrm>
-            <a:off x="287523" y="908721"/>
-            <a:ext cx="8568953" cy="4083739"/>
+            <a:off x="402431" y="1377895"/>
+            <a:ext cx="8110538" cy="3865271"/>
           </a:xfrm>
           <a:prstGeom prst="rect">
             <a:avLst/>
@@ -10010,14 +10447,14 @@
       </p:pic>
       <p:sp>
         <p:nvSpPr>
-          <p:cNvPr id="8" name="TextBox 7"/>
+          <p:cNvPr id="7" name="TextBox 6"/>
           <p:cNvSpPr txBox="1"/>
           <p:nvPr/>
         </p:nvSpPr>
         <p:spPr>
           <a:xfrm>
-            <a:off x="458579" y="4992460"/>
-            <a:ext cx="8230705" cy="646331"/>
+            <a:off x="1063286" y="5373216"/>
+            <a:ext cx="6788828" cy="646331"/>
           </a:xfrm>
           <a:prstGeom prst="rect">
             <a:avLst/>
@@ -10033,14 +10470,14 @@
             <a:pPr algn="ctr"/>
             <a:r>
               <a:rPr lang="tr-TR" sz="1800" dirty="0" smtClean="0"/>
-              <a:t>Figure 17: Limit Case Turbine Power, Generator Power and Speed </a:t>
+              <a:t>Figure 19: Limit Case Generator Torque, Power and Speed</a:t>
             </a:r>
           </a:p>
           <a:p>
             <a:pPr algn="ctr"/>
             <a:r>
               <a:rPr lang="tr-TR" sz="1800" dirty="0" smtClean="0"/>
-              <a:t>İn High Wind Speed (11.4 m/s)</a:t>
+              <a:t>for Low Wind Speed (3.12m/s)</a:t>
             </a:r>
             <a:endParaRPr lang="tr-TR" sz="1800" dirty="0"/>
           </a:p>
@@ -10049,7 +10486,7 @@
     </p:spTree>
     <p:extLst>
       <p:ext uri="{BB962C8B-B14F-4D97-AF65-F5344CB8AC3E}">
-        <p14:creationId xmlns:p14="http://schemas.microsoft.com/office/powerpoint/2010/main" val="836894847"/>
+        <p14:creationId xmlns:p14="http://schemas.microsoft.com/office/powerpoint/2010/main" val="1410137819"/>
       </p:ext>
     </p:extLst>
   </p:cSld>
@@ -10112,7 +10549,7 @@
                 <a:latin typeface="Arial" panose="020B0604020202020204" pitchFamily="34" charset="0"/>
                 <a:cs typeface="Arial" panose="020B0604020202020204" pitchFamily="34" charset="0"/>
               </a:rPr>
-              <a:t>Fast Inertia Support</a:t>
+              <a:t>Fast Inertial Support</a:t>
             </a:r>
             <a:endParaRPr lang="en-US" dirty="0" smtClean="0">
               <a:latin typeface="Arial" panose="020B0604020202020204" pitchFamily="34" charset="0"/>
@@ -10171,670 +10608,6 @@
                 <a:defRPr/>
               </a:pPr>
               <a:t>19</a:t>
-            </a:fld>
-            <a:endParaRPr lang="en-US" dirty="0"/>
-          </a:p>
-        </p:txBody>
-      </p:sp>
-      <p:pic>
-        <p:nvPicPr>
-          <p:cNvPr id="6" name="Picture 5"/>
-          <p:cNvPicPr>
-            <a:picLocks noChangeAspect="1"/>
-          </p:cNvPicPr>
-          <p:nvPr/>
-        </p:nvPicPr>
-        <p:blipFill>
-          <a:blip r:embed="rId3" cstate="print">
-            <a:extLst>
-              <a:ext uri="{28A0092B-C50C-407E-A947-70E740481C1C}">
-                <a14:useLocalDpi xmlns:a14="http://schemas.microsoft.com/office/drawing/2010/main" val="0"/>
-              </a:ext>
-            </a:extLst>
-          </a:blip>
-          <a:stretch>
-            <a:fillRect/>
-          </a:stretch>
-        </p:blipFill>
-        <p:spPr>
-          <a:xfrm>
-            <a:off x="137645" y="941115"/>
-            <a:ext cx="8868709" cy="4226595"/>
-          </a:xfrm>
-          <a:prstGeom prst="rect">
-            <a:avLst/>
-          </a:prstGeom>
-        </p:spPr>
-      </p:pic>
-      <p:sp>
-        <p:nvSpPr>
-          <p:cNvPr id="8" name="TextBox 7"/>
-          <p:cNvSpPr txBox="1"/>
-          <p:nvPr/>
-        </p:nvSpPr>
-        <p:spPr>
-          <a:xfrm>
-            <a:off x="457199" y="5167710"/>
-            <a:ext cx="8230705" cy="646331"/>
-          </a:xfrm>
-          <a:prstGeom prst="rect">
-            <a:avLst/>
-          </a:prstGeom>
-          <a:noFill/>
-        </p:spPr>
-        <p:txBody>
-          <a:bodyPr wrap="square" rtlCol="0">
-            <a:spAutoFit/>
-          </a:bodyPr>
-          <a:lstStyle/>
-          <a:p>
-            <a:pPr algn="ctr"/>
-            <a:r>
-              <a:rPr lang="tr-TR" sz="1800" dirty="0" smtClean="0"/>
-              <a:t>Figure 18: Limit Case Pitch Angle and Pitch Rate</a:t>
-            </a:r>
-          </a:p>
-          <a:p>
-            <a:pPr algn="ctr"/>
-            <a:r>
-              <a:rPr lang="tr-TR" sz="1800" dirty="0" smtClean="0"/>
-              <a:t>in High Wind Speed (11.4 m/s)</a:t>
-            </a:r>
-            <a:endParaRPr lang="tr-TR" sz="1800" dirty="0"/>
-          </a:p>
-        </p:txBody>
-      </p:sp>
-    </p:spTree>
-    <p:extLst>
-      <p:ext uri="{BB962C8B-B14F-4D97-AF65-F5344CB8AC3E}">
-        <p14:creationId xmlns:p14="http://schemas.microsoft.com/office/powerpoint/2010/main" val="3365861649"/>
-      </p:ext>
-    </p:extLst>
-  </p:cSld>
-  <p:clrMapOvr>
-    <a:masterClrMapping/>
-  </p:clrMapOvr>
-  <p:transition/>
-  <p:timing>
-    <p:tnLst>
-      <p:par>
-        <p:cTn id="1" dur="indefinite" restart="never" nodeType="tmRoot"/>
-      </p:par>
-    </p:tnLst>
-  </p:timing>
-</p:sld>
-</file>
-
-<file path=ppt/slides/slide2.xml><?xml version="1.0" encoding="utf-8"?>
-<p:sld xmlns:a="http://schemas.openxmlformats.org/drawingml/2006/main" xmlns:r="http://schemas.openxmlformats.org/officeDocument/2006/relationships" xmlns:p="http://schemas.openxmlformats.org/presentationml/2006/main">
-  <p:cSld>
-    <p:spTree>
-      <p:nvGrpSpPr>
-        <p:cNvPr id="1" name=""/>
-        <p:cNvGrpSpPr/>
-        <p:nvPr/>
-      </p:nvGrpSpPr>
-      <p:grpSpPr>
-        <a:xfrm>
-          <a:off x="0" y="0"/>
-          <a:ext cx="0" cy="0"/>
-          <a:chOff x="0" y="0"/>
-          <a:chExt cx="0" cy="0"/>
-        </a:xfrm>
-      </p:grpSpPr>
-      <p:sp>
-        <p:nvSpPr>
-          <p:cNvPr id="5122" name="Rectangle 2"/>
-          <p:cNvSpPr>
-            <a:spLocks noGrp="1" noChangeArrowheads="1"/>
-          </p:cNvSpPr>
-          <p:nvPr>
-            <p:ph type="title"/>
-          </p:nvPr>
-        </p:nvSpPr>
-        <p:spPr/>
-        <p:txBody>
-          <a:bodyPr/>
-          <a:lstStyle/>
-          <a:p>
-            <a:pPr>
-              <a:defRPr/>
-            </a:pPr>
-            <a:r>
-              <a:rPr lang="tr-TR" dirty="0" smtClean="0">
-                <a:latin typeface="Arial" panose="020B0604020202020204" pitchFamily="34" charset="0"/>
-                <a:cs typeface="Arial" panose="020B0604020202020204" pitchFamily="34" charset="0"/>
-              </a:rPr>
-              <a:t>Agenda</a:t>
-            </a:r>
-            <a:endParaRPr lang="en-US" dirty="0" smtClean="0">
-              <a:latin typeface="Arial" panose="020B0604020202020204" pitchFamily="34" charset="0"/>
-              <a:cs typeface="Arial" panose="020B0604020202020204" pitchFamily="34" charset="0"/>
-            </a:endParaRPr>
-          </a:p>
-        </p:txBody>
-      </p:sp>
-      <p:sp>
-        <p:nvSpPr>
-          <p:cNvPr id="5123" name="Rectangle 3"/>
-          <p:cNvSpPr>
-            <a:spLocks noGrp="1" noChangeArrowheads="1"/>
-          </p:cNvSpPr>
-          <p:nvPr>
-            <p:ph idx="1"/>
-          </p:nvPr>
-        </p:nvSpPr>
-        <p:spPr>
-          <a:xfrm>
-            <a:off x="457198" y="1700808"/>
-            <a:ext cx="8229601" cy="4114800"/>
-          </a:xfrm>
-        </p:spPr>
-        <p:txBody>
-          <a:bodyPr/>
-          <a:lstStyle/>
-          <a:p>
-            <a:pPr lvl="1">
-              <a:defRPr/>
-            </a:pPr>
-            <a:r>
-              <a:rPr lang="en-GB" sz="2400" dirty="0" smtClean="0">
-                <a:latin typeface="Arial" panose="020B0604020202020204" pitchFamily="34" charset="0"/>
-                <a:cs typeface="Arial" panose="020B0604020202020204" pitchFamily="34" charset="0"/>
-              </a:rPr>
-              <a:t>Renewable Energy Status and Problems</a:t>
-            </a:r>
-          </a:p>
-          <a:p>
-            <a:pPr lvl="1">
-              <a:defRPr/>
-            </a:pPr>
-            <a:r>
-              <a:rPr lang="en-GB" sz="2400" dirty="0" smtClean="0">
-                <a:latin typeface="Arial" panose="020B0604020202020204" pitchFamily="34" charset="0"/>
-                <a:cs typeface="Arial" panose="020B0604020202020204" pitchFamily="34" charset="0"/>
-              </a:rPr>
-              <a:t>Inertia, Frequency and Inertial Support </a:t>
-            </a:r>
-            <a:r>
-              <a:rPr lang="tr-TR" sz="2400" dirty="0" smtClean="0">
-                <a:latin typeface="Arial" panose="020B0604020202020204" pitchFamily="34" charset="0"/>
-                <a:cs typeface="Arial" panose="020B0604020202020204" pitchFamily="34" charset="0"/>
-              </a:rPr>
-              <a:t>Concepts</a:t>
-            </a:r>
-            <a:endParaRPr lang="en-GB" sz="2400" dirty="0" smtClean="0">
-              <a:latin typeface="Arial" panose="020B0604020202020204" pitchFamily="34" charset="0"/>
-              <a:cs typeface="Arial" panose="020B0604020202020204" pitchFamily="34" charset="0"/>
-            </a:endParaRPr>
-          </a:p>
-          <a:p>
-            <a:pPr lvl="1">
-              <a:defRPr/>
-            </a:pPr>
-            <a:r>
-              <a:rPr lang="en-GB" sz="2400" dirty="0" smtClean="0">
-                <a:latin typeface="Arial" panose="020B0604020202020204" pitchFamily="34" charset="0"/>
-                <a:cs typeface="Arial" panose="020B0604020202020204" pitchFamily="34" charset="0"/>
-              </a:rPr>
-              <a:t>Wind Turbine Modelling</a:t>
-            </a:r>
-          </a:p>
-          <a:p>
-            <a:pPr lvl="1">
-              <a:defRPr/>
-            </a:pPr>
-            <a:r>
-              <a:rPr lang="en-GB" sz="2400" dirty="0" smtClean="0">
-                <a:latin typeface="Arial" panose="020B0604020202020204" pitchFamily="34" charset="0"/>
-                <a:cs typeface="Arial" panose="020B0604020202020204" pitchFamily="34" charset="0"/>
-              </a:rPr>
-              <a:t>Fast Inertial Support</a:t>
-            </a:r>
-          </a:p>
-          <a:p>
-            <a:pPr lvl="1">
-              <a:defRPr/>
-            </a:pPr>
-            <a:r>
-              <a:rPr lang="en-GB" sz="2400" dirty="0" smtClean="0">
-                <a:latin typeface="Arial" panose="020B0604020202020204" pitchFamily="34" charset="0"/>
-                <a:cs typeface="Arial" panose="020B0604020202020204" pitchFamily="34" charset="0"/>
-              </a:rPr>
-              <a:t>Synthetic Inertia Support</a:t>
-            </a:r>
-          </a:p>
-          <a:p>
-            <a:pPr lvl="1">
-              <a:defRPr/>
-            </a:pPr>
-            <a:r>
-              <a:rPr lang="en-GB" sz="2400" dirty="0" smtClean="0">
-                <a:latin typeface="Arial" panose="020B0604020202020204" pitchFamily="34" charset="0"/>
-                <a:cs typeface="Arial" panose="020B0604020202020204" pitchFamily="34" charset="0"/>
-              </a:rPr>
-              <a:t>Effects on </a:t>
-            </a:r>
-            <a:r>
-              <a:rPr lang="tr-TR" sz="2400" dirty="0" smtClean="0">
-                <a:latin typeface="Arial" panose="020B0604020202020204" pitchFamily="34" charset="0"/>
-                <a:cs typeface="Arial" panose="020B0604020202020204" pitchFamily="34" charset="0"/>
-              </a:rPr>
-              <a:t>the </a:t>
-            </a:r>
-            <a:r>
-              <a:rPr lang="en-GB" sz="2400" dirty="0" smtClean="0">
-                <a:latin typeface="Arial" panose="020B0604020202020204" pitchFamily="34" charset="0"/>
-                <a:cs typeface="Arial" panose="020B0604020202020204" pitchFamily="34" charset="0"/>
-              </a:rPr>
-              <a:t>Turkish Electricity </a:t>
-            </a:r>
-            <a:r>
-              <a:rPr lang="tr-TR" sz="2400" dirty="0" smtClean="0">
-                <a:latin typeface="Arial" panose="020B0604020202020204" pitchFamily="34" charset="0"/>
-                <a:cs typeface="Arial" panose="020B0604020202020204" pitchFamily="34" charset="0"/>
-              </a:rPr>
-              <a:t>Network</a:t>
-            </a:r>
-            <a:endParaRPr lang="en-GB" sz="2400" dirty="0" smtClean="0">
-              <a:latin typeface="Arial" panose="020B0604020202020204" pitchFamily="34" charset="0"/>
-              <a:cs typeface="Arial" panose="020B0604020202020204" pitchFamily="34" charset="0"/>
-            </a:endParaRPr>
-          </a:p>
-          <a:p>
-            <a:pPr lvl="1">
-              <a:defRPr/>
-            </a:pPr>
-            <a:r>
-              <a:rPr lang="en-GB" sz="2400" dirty="0" smtClean="0">
-                <a:latin typeface="Arial" panose="020B0604020202020204" pitchFamily="34" charset="0"/>
-                <a:cs typeface="Arial" panose="020B0604020202020204" pitchFamily="34" charset="0"/>
-              </a:rPr>
-              <a:t>Economical Perspective</a:t>
-            </a:r>
-          </a:p>
-          <a:p>
-            <a:pPr lvl="1">
-              <a:defRPr/>
-            </a:pPr>
-            <a:r>
-              <a:rPr lang="en-GB" sz="2400" dirty="0" smtClean="0">
-                <a:latin typeface="Arial" panose="020B0604020202020204" pitchFamily="34" charset="0"/>
-                <a:cs typeface="Arial" panose="020B0604020202020204" pitchFamily="34" charset="0"/>
-              </a:rPr>
-              <a:t>Conclusion</a:t>
-            </a:r>
-          </a:p>
-        </p:txBody>
-      </p:sp>
-      <p:sp>
-        <p:nvSpPr>
-          <p:cNvPr id="2" name="Date Placeholder 1"/>
-          <p:cNvSpPr>
-            <a:spLocks noGrp="1"/>
-          </p:cNvSpPr>
-          <p:nvPr>
-            <p:ph type="dt" sz="half" idx="2"/>
-          </p:nvPr>
-        </p:nvSpPr>
-        <p:spPr/>
-        <p:txBody>
-          <a:bodyPr/>
-          <a:lstStyle/>
-          <a:p>
-            <a:pPr>
-              <a:defRPr/>
-            </a:pPr>
-            <a:r>
-              <a:rPr lang="tr-TR" dirty="0" smtClean="0"/>
-              <a:t>18.01.2019</a:t>
-            </a:r>
-            <a:endParaRPr lang="en-US" dirty="0"/>
-          </a:p>
-        </p:txBody>
-      </p:sp>
-      <p:sp>
-        <p:nvSpPr>
-          <p:cNvPr id="3" name="Slide Number Placeholder 2"/>
-          <p:cNvSpPr>
-            <a:spLocks noGrp="1"/>
-          </p:cNvSpPr>
-          <p:nvPr>
-            <p:ph type="sldNum" sz="quarter" idx="12"/>
-          </p:nvPr>
-        </p:nvSpPr>
-        <p:spPr/>
-        <p:txBody>
-          <a:bodyPr/>
-          <a:lstStyle/>
-          <a:p>
-            <a:pPr>
-              <a:defRPr/>
-            </a:pPr>
-            <a:fld id="{C878F797-6006-4DDA-AFE9-456F280FE6C5}" type="slidenum">
-              <a:rPr lang="en-US" smtClean="0"/>
-              <a:pPr>
-                <a:defRPr/>
-              </a:pPr>
-              <a:t>2</a:t>
-            </a:fld>
-            <a:endParaRPr lang="en-US" dirty="0"/>
-          </a:p>
-        </p:txBody>
-      </p:sp>
-    </p:spTree>
-  </p:cSld>
-  <p:clrMapOvr>
-    <a:masterClrMapping/>
-  </p:clrMapOvr>
-  <p:transition/>
-  <p:timing>
-    <p:tnLst>
-      <p:par>
-        <p:cTn id="1" dur="indefinite" restart="never" nodeType="tmRoot"/>
-      </p:par>
-    </p:tnLst>
-  </p:timing>
-</p:sld>
-</file>
-
-<file path=ppt/slides/slide20.xml><?xml version="1.0" encoding="utf-8"?>
-<p:sld xmlns:a="http://schemas.openxmlformats.org/drawingml/2006/main" xmlns:r="http://schemas.openxmlformats.org/officeDocument/2006/relationships" xmlns:p="http://schemas.openxmlformats.org/presentationml/2006/main">
-  <p:cSld>
-    <p:spTree>
-      <p:nvGrpSpPr>
-        <p:cNvPr id="1" name=""/>
-        <p:cNvGrpSpPr/>
-        <p:nvPr/>
-      </p:nvGrpSpPr>
-      <p:grpSpPr>
-        <a:xfrm>
-          <a:off x="0" y="0"/>
-          <a:ext cx="0" cy="0"/>
-          <a:chOff x="0" y="0"/>
-          <a:chExt cx="0" cy="0"/>
-        </a:xfrm>
-      </p:grpSpPr>
-      <p:sp>
-        <p:nvSpPr>
-          <p:cNvPr id="5122" name="Rectangle 2"/>
-          <p:cNvSpPr>
-            <a:spLocks noGrp="1" noChangeArrowheads="1"/>
-          </p:cNvSpPr>
-          <p:nvPr>
-            <p:ph type="title"/>
-          </p:nvPr>
-        </p:nvSpPr>
-        <p:spPr/>
-        <p:txBody>
-          <a:bodyPr/>
-          <a:lstStyle/>
-          <a:p>
-            <a:pPr>
-              <a:defRPr/>
-            </a:pPr>
-            <a:r>
-              <a:rPr lang="tr-TR" dirty="0" smtClean="0">
-                <a:latin typeface="Arial" panose="020B0604020202020204" pitchFamily="34" charset="0"/>
-                <a:cs typeface="Arial" panose="020B0604020202020204" pitchFamily="34" charset="0"/>
-              </a:rPr>
-              <a:t>Fast Inertia Support</a:t>
-            </a:r>
-            <a:endParaRPr lang="en-US" dirty="0" smtClean="0">
-              <a:latin typeface="Arial" panose="020B0604020202020204" pitchFamily="34" charset="0"/>
-              <a:cs typeface="Arial" panose="020B0604020202020204" pitchFamily="34" charset="0"/>
-            </a:endParaRPr>
-          </a:p>
-        </p:txBody>
-      </p:sp>
-      <p:sp>
-        <p:nvSpPr>
-          <p:cNvPr id="2" name="Date Placeholder 1"/>
-          <p:cNvSpPr>
-            <a:spLocks noGrp="1"/>
-          </p:cNvSpPr>
-          <p:nvPr>
-            <p:ph type="dt" sz="half" idx="2"/>
-          </p:nvPr>
-        </p:nvSpPr>
-        <p:spPr/>
-        <p:txBody>
-          <a:bodyPr/>
-          <a:lstStyle/>
-          <a:p>
-            <a:pPr>
-              <a:defRPr/>
-            </a:pPr>
-            <a:r>
-              <a:rPr lang="tr-TR" dirty="0" smtClean="0"/>
-              <a:t>18.01.2019</a:t>
-            </a:r>
-            <a:endParaRPr lang="en-US" dirty="0"/>
-          </a:p>
-        </p:txBody>
-      </p:sp>
-      <p:sp>
-        <p:nvSpPr>
-          <p:cNvPr id="3" name="Slide Number Placeholder 2"/>
-          <p:cNvSpPr>
-            <a:spLocks noGrp="1"/>
-          </p:cNvSpPr>
-          <p:nvPr>
-            <p:ph type="sldNum" sz="quarter" idx="12"/>
-          </p:nvPr>
-        </p:nvSpPr>
-        <p:spPr/>
-        <p:txBody>
-          <a:bodyPr/>
-          <a:lstStyle/>
-          <a:p>
-            <a:pPr>
-              <a:defRPr/>
-            </a:pPr>
-            <a:fld id="{C878F797-6006-4DDA-AFE9-456F280FE6C5}" type="slidenum">
-              <a:rPr lang="en-US" smtClean="0"/>
-              <a:pPr>
-                <a:defRPr/>
-              </a:pPr>
-              <a:t>20</a:t>
-            </a:fld>
-            <a:endParaRPr lang="en-US" dirty="0"/>
-          </a:p>
-        </p:txBody>
-      </p:sp>
-      <p:pic>
-        <p:nvPicPr>
-          <p:cNvPr id="6" name="Picture 5"/>
-          <p:cNvPicPr>
-            <a:picLocks noChangeAspect="1"/>
-          </p:cNvPicPr>
-          <p:nvPr/>
-        </p:nvPicPr>
-        <p:blipFill>
-          <a:blip r:embed="rId3">
-            <a:extLst>
-              <a:ext uri="{28A0092B-C50C-407E-A947-70E740481C1C}">
-                <a14:useLocalDpi xmlns:a14="http://schemas.microsoft.com/office/drawing/2010/main" val="0"/>
-              </a:ext>
-            </a:extLst>
-          </a:blip>
-          <a:stretch>
-            <a:fillRect/>
-          </a:stretch>
-        </p:blipFill>
-        <p:spPr>
-          <a:xfrm>
-            <a:off x="402431" y="1377895"/>
-            <a:ext cx="8110538" cy="3865271"/>
-          </a:xfrm>
-          <a:prstGeom prst="rect">
-            <a:avLst/>
-          </a:prstGeom>
-        </p:spPr>
-      </p:pic>
-      <p:sp>
-        <p:nvSpPr>
-          <p:cNvPr id="7" name="TextBox 6"/>
-          <p:cNvSpPr txBox="1"/>
-          <p:nvPr/>
-        </p:nvSpPr>
-        <p:spPr>
-          <a:xfrm>
-            <a:off x="1063286" y="5373216"/>
-            <a:ext cx="6788828" cy="646331"/>
-          </a:xfrm>
-          <a:prstGeom prst="rect">
-            <a:avLst/>
-          </a:prstGeom>
-          <a:noFill/>
-        </p:spPr>
-        <p:txBody>
-          <a:bodyPr wrap="square" rtlCol="0">
-            <a:spAutoFit/>
-          </a:bodyPr>
-          <a:lstStyle/>
-          <a:p>
-            <a:pPr algn="ctr"/>
-            <a:r>
-              <a:rPr lang="tr-TR" sz="1800" dirty="0" smtClean="0"/>
-              <a:t>Figure 19: Limit Case Generator Torque, Power and Speed</a:t>
-            </a:r>
-          </a:p>
-          <a:p>
-            <a:pPr algn="ctr"/>
-            <a:r>
-              <a:rPr lang="tr-TR" sz="1800" dirty="0" smtClean="0"/>
-              <a:t>for Low Wind Speed (3.12m/s)</a:t>
-            </a:r>
-            <a:endParaRPr lang="tr-TR" sz="1800" dirty="0"/>
-          </a:p>
-        </p:txBody>
-      </p:sp>
-    </p:spTree>
-    <p:extLst>
-      <p:ext uri="{BB962C8B-B14F-4D97-AF65-F5344CB8AC3E}">
-        <p14:creationId xmlns:p14="http://schemas.microsoft.com/office/powerpoint/2010/main" val="4138885392"/>
-      </p:ext>
-    </p:extLst>
-  </p:cSld>
-  <p:clrMapOvr>
-    <a:masterClrMapping/>
-  </p:clrMapOvr>
-  <p:transition/>
-  <p:timing>
-    <p:tnLst>
-      <p:par>
-        <p:cTn id="1" dur="indefinite" restart="never" nodeType="tmRoot"/>
-      </p:par>
-    </p:tnLst>
-  </p:timing>
-</p:sld>
-</file>
-
-<file path=ppt/slides/slide21.xml><?xml version="1.0" encoding="utf-8"?>
-<p:sld xmlns:a="http://schemas.openxmlformats.org/drawingml/2006/main" xmlns:r="http://schemas.openxmlformats.org/officeDocument/2006/relationships" xmlns:p="http://schemas.openxmlformats.org/presentationml/2006/main">
-  <p:cSld>
-    <p:spTree>
-      <p:nvGrpSpPr>
-        <p:cNvPr id="1" name=""/>
-        <p:cNvGrpSpPr/>
-        <p:nvPr/>
-      </p:nvGrpSpPr>
-      <p:grpSpPr>
-        <a:xfrm>
-          <a:off x="0" y="0"/>
-          <a:ext cx="0" cy="0"/>
-          <a:chOff x="0" y="0"/>
-          <a:chExt cx="0" cy="0"/>
-        </a:xfrm>
-      </p:grpSpPr>
-      <p:sp>
-        <p:nvSpPr>
-          <p:cNvPr id="5122" name="Rectangle 2"/>
-          <p:cNvSpPr>
-            <a:spLocks noGrp="1" noChangeArrowheads="1"/>
-          </p:cNvSpPr>
-          <p:nvPr>
-            <p:ph type="title"/>
-          </p:nvPr>
-        </p:nvSpPr>
-        <p:spPr>
-          <a:xfrm>
-            <a:off x="457200" y="338139"/>
-            <a:ext cx="8229600" cy="570582"/>
-          </a:xfrm>
-        </p:spPr>
-        <p:txBody>
-          <a:bodyPr/>
-          <a:lstStyle/>
-          <a:p>
-            <a:pPr>
-              <a:defRPr/>
-            </a:pPr>
-            <a:r>
-              <a:rPr lang="tr-TR" dirty="0" smtClean="0">
-                <a:latin typeface="Arial" panose="020B0604020202020204" pitchFamily="34" charset="0"/>
-                <a:cs typeface="Arial" panose="020B0604020202020204" pitchFamily="34" charset="0"/>
-              </a:rPr>
-              <a:t>Fast Inertia Support</a:t>
-            </a:r>
-            <a:endParaRPr lang="en-US" dirty="0" smtClean="0">
-              <a:latin typeface="Arial" panose="020B0604020202020204" pitchFamily="34" charset="0"/>
-              <a:cs typeface="Arial" panose="020B0604020202020204" pitchFamily="34" charset="0"/>
-            </a:endParaRPr>
-          </a:p>
-        </p:txBody>
-      </p:sp>
-      <p:sp>
-        <p:nvSpPr>
-          <p:cNvPr id="2" name="Date Placeholder 1"/>
-          <p:cNvSpPr>
-            <a:spLocks noGrp="1"/>
-          </p:cNvSpPr>
-          <p:nvPr>
-            <p:ph type="dt" sz="half" idx="2"/>
-          </p:nvPr>
-        </p:nvSpPr>
-        <p:spPr/>
-        <p:txBody>
-          <a:bodyPr/>
-          <a:lstStyle/>
-          <a:p>
-            <a:pPr>
-              <a:defRPr/>
-            </a:pPr>
-            <a:r>
-              <a:rPr lang="tr-TR" dirty="0" smtClean="0"/>
-              <a:t>18.01.2019</a:t>
-            </a:r>
-            <a:endParaRPr lang="en-US" dirty="0"/>
-          </a:p>
-        </p:txBody>
-      </p:sp>
-      <p:sp>
-        <p:nvSpPr>
-          <p:cNvPr id="3" name="Slide Number Placeholder 2"/>
-          <p:cNvSpPr>
-            <a:spLocks noGrp="1"/>
-          </p:cNvSpPr>
-          <p:nvPr>
-            <p:ph type="sldNum" sz="quarter" idx="12"/>
-          </p:nvPr>
-        </p:nvSpPr>
-        <p:spPr/>
-        <p:txBody>
-          <a:bodyPr/>
-          <a:lstStyle/>
-          <a:p>
-            <a:pPr>
-              <a:defRPr/>
-            </a:pPr>
-            <a:fld id="{C878F797-6006-4DDA-AFE9-456F280FE6C5}" type="slidenum">
-              <a:rPr lang="en-US" smtClean="0"/>
-              <a:pPr>
-                <a:defRPr/>
-              </a:pPr>
-              <a:t>21</a:t>
             </a:fld>
             <a:endParaRPr lang="en-US" dirty="0"/>
           </a:p>
@@ -10936,7 +10709,19 @@
             </a:r>
             <a:r>
               <a:rPr lang="tr-TR" dirty="0" smtClean="0"/>
-              <a:t>for 5s, 10s and 15s.</a:t>
+              <a:t>for 5s, 10s and </a:t>
+            </a:r>
+            <a:r>
+              <a:rPr lang="tr-TR" dirty="0" smtClean="0"/>
+              <a:t>20</a:t>
+            </a:r>
+            <a:r>
+              <a:rPr lang="tr-TR" dirty="0" smtClean="0"/>
+              <a:t>s</a:t>
+            </a:r>
+            <a:r>
+              <a:rPr lang="tr-TR" dirty="0" smtClean="0"/>
+              <a:t>.</a:t>
             </a:r>
           </a:p>
           <a:p>
@@ -11009,7 +10794,680 @@
     </p:spTree>
     <p:extLst>
       <p:ext uri="{BB962C8B-B14F-4D97-AF65-F5344CB8AC3E}">
-        <p14:creationId xmlns:p14="http://schemas.microsoft.com/office/powerpoint/2010/main" val="4024107180"/>
+        <p14:creationId xmlns:p14="http://schemas.microsoft.com/office/powerpoint/2010/main" val="3433687998"/>
+      </p:ext>
+    </p:extLst>
+  </p:cSld>
+  <p:clrMapOvr>
+    <a:masterClrMapping/>
+  </p:clrMapOvr>
+  <p:transition/>
+  <p:timing>
+    <p:tnLst>
+      <p:par>
+        <p:cTn id="1" dur="indefinite" restart="never" nodeType="tmRoot"/>
+      </p:par>
+    </p:tnLst>
+  </p:timing>
+</p:sld>
+</file>
+
+<file path=ppt/slides/slide2.xml><?xml version="1.0" encoding="utf-8"?>
+<p:sld xmlns:a="http://schemas.openxmlformats.org/drawingml/2006/main" xmlns:r="http://schemas.openxmlformats.org/officeDocument/2006/relationships" xmlns:p="http://schemas.openxmlformats.org/presentationml/2006/main">
+  <p:cSld>
+    <p:spTree>
+      <p:nvGrpSpPr>
+        <p:cNvPr id="1" name=""/>
+        <p:cNvGrpSpPr/>
+        <p:nvPr/>
+      </p:nvGrpSpPr>
+      <p:grpSpPr>
+        <a:xfrm>
+          <a:off x="0" y="0"/>
+          <a:ext cx="0" cy="0"/>
+          <a:chOff x="0" y="0"/>
+          <a:chExt cx="0" cy="0"/>
+        </a:xfrm>
+      </p:grpSpPr>
+      <p:sp>
+        <p:nvSpPr>
+          <p:cNvPr id="5122" name="Rectangle 2"/>
+          <p:cNvSpPr>
+            <a:spLocks noGrp="1" noChangeArrowheads="1"/>
+          </p:cNvSpPr>
+          <p:nvPr>
+            <p:ph type="title"/>
+          </p:nvPr>
+        </p:nvSpPr>
+        <p:spPr/>
+        <p:txBody>
+          <a:bodyPr/>
+          <a:lstStyle/>
+          <a:p>
+            <a:pPr>
+              <a:defRPr/>
+            </a:pPr>
+            <a:r>
+              <a:rPr lang="tr-TR" dirty="0" smtClean="0">
+                <a:latin typeface="Arial" panose="020B0604020202020204" pitchFamily="34" charset="0"/>
+                <a:cs typeface="Arial" panose="020B0604020202020204" pitchFamily="34" charset="0"/>
+              </a:rPr>
+              <a:t>Agenda</a:t>
+            </a:r>
+            <a:endParaRPr lang="en-US" dirty="0" smtClean="0">
+              <a:latin typeface="Arial" panose="020B0604020202020204" pitchFamily="34" charset="0"/>
+              <a:cs typeface="Arial" panose="020B0604020202020204" pitchFamily="34" charset="0"/>
+            </a:endParaRPr>
+          </a:p>
+        </p:txBody>
+      </p:sp>
+      <p:sp>
+        <p:nvSpPr>
+          <p:cNvPr id="5123" name="Rectangle 3"/>
+          <p:cNvSpPr>
+            <a:spLocks noGrp="1" noChangeArrowheads="1"/>
+          </p:cNvSpPr>
+          <p:nvPr>
+            <p:ph idx="1"/>
+          </p:nvPr>
+        </p:nvSpPr>
+        <p:spPr>
+          <a:xfrm>
+            <a:off x="457198" y="1700808"/>
+            <a:ext cx="8229601" cy="4114800"/>
+          </a:xfrm>
+        </p:spPr>
+        <p:txBody>
+          <a:bodyPr/>
+          <a:lstStyle/>
+          <a:p>
+            <a:pPr lvl="1">
+              <a:defRPr/>
+            </a:pPr>
+            <a:r>
+              <a:rPr lang="en-GB" sz="2400" dirty="0" smtClean="0">
+                <a:latin typeface="Arial" panose="020B0604020202020204" pitchFamily="34" charset="0"/>
+                <a:cs typeface="Arial" panose="020B0604020202020204" pitchFamily="34" charset="0"/>
+              </a:rPr>
+              <a:t>Renewable Energy Status and Problems</a:t>
+            </a:r>
+          </a:p>
+          <a:p>
+            <a:pPr lvl="1">
+              <a:defRPr/>
+            </a:pPr>
+            <a:r>
+              <a:rPr lang="en-GB" sz="2400" dirty="0" smtClean="0">
+                <a:latin typeface="Arial" panose="020B0604020202020204" pitchFamily="34" charset="0"/>
+                <a:cs typeface="Arial" panose="020B0604020202020204" pitchFamily="34" charset="0"/>
+              </a:rPr>
+              <a:t>Inertia, Frequency and Inertial Support </a:t>
+            </a:r>
+            <a:r>
+              <a:rPr lang="tr-TR" sz="2400" dirty="0" smtClean="0">
+                <a:latin typeface="Arial" panose="020B0604020202020204" pitchFamily="34" charset="0"/>
+                <a:cs typeface="Arial" panose="020B0604020202020204" pitchFamily="34" charset="0"/>
+              </a:rPr>
+              <a:t>Concepts</a:t>
+            </a:r>
+            <a:endParaRPr lang="en-GB" sz="2400" dirty="0" smtClean="0">
+              <a:latin typeface="Arial" panose="020B0604020202020204" pitchFamily="34" charset="0"/>
+              <a:cs typeface="Arial" panose="020B0604020202020204" pitchFamily="34" charset="0"/>
+            </a:endParaRPr>
+          </a:p>
+          <a:p>
+            <a:pPr lvl="1">
+              <a:defRPr/>
+            </a:pPr>
+            <a:r>
+              <a:rPr lang="en-GB" sz="2400" dirty="0" smtClean="0">
+                <a:latin typeface="Arial" panose="020B0604020202020204" pitchFamily="34" charset="0"/>
+                <a:cs typeface="Arial" panose="020B0604020202020204" pitchFamily="34" charset="0"/>
+              </a:rPr>
+              <a:t>Wind Turbine Modelling</a:t>
+            </a:r>
+          </a:p>
+          <a:p>
+            <a:pPr lvl="1">
+              <a:defRPr/>
+            </a:pPr>
+            <a:r>
+              <a:rPr lang="en-GB" sz="2400" dirty="0" smtClean="0">
+                <a:latin typeface="Arial" panose="020B0604020202020204" pitchFamily="34" charset="0"/>
+                <a:cs typeface="Arial" panose="020B0604020202020204" pitchFamily="34" charset="0"/>
+              </a:rPr>
+              <a:t>Fast Inertial Support</a:t>
+            </a:r>
+          </a:p>
+          <a:p>
+            <a:pPr lvl="1">
+              <a:defRPr/>
+            </a:pPr>
+            <a:r>
+              <a:rPr lang="en-GB" sz="2400" dirty="0" smtClean="0">
+                <a:latin typeface="Arial" panose="020B0604020202020204" pitchFamily="34" charset="0"/>
+                <a:cs typeface="Arial" panose="020B0604020202020204" pitchFamily="34" charset="0"/>
+              </a:rPr>
+              <a:t>Synthetic Inertia Support</a:t>
+            </a:r>
+          </a:p>
+          <a:p>
+            <a:pPr lvl="1">
+              <a:defRPr/>
+            </a:pPr>
+            <a:r>
+              <a:rPr lang="en-GB" sz="2400" dirty="0" smtClean="0">
+                <a:latin typeface="Arial" panose="020B0604020202020204" pitchFamily="34" charset="0"/>
+                <a:cs typeface="Arial" panose="020B0604020202020204" pitchFamily="34" charset="0"/>
+              </a:rPr>
+              <a:t>Effects on </a:t>
+            </a:r>
+            <a:r>
+              <a:rPr lang="tr-TR" sz="2400" dirty="0" smtClean="0">
+                <a:latin typeface="Arial" panose="020B0604020202020204" pitchFamily="34" charset="0"/>
+                <a:cs typeface="Arial" panose="020B0604020202020204" pitchFamily="34" charset="0"/>
+              </a:rPr>
+              <a:t>the </a:t>
+            </a:r>
+            <a:r>
+              <a:rPr lang="en-GB" sz="2400" dirty="0" smtClean="0">
+                <a:latin typeface="Arial" panose="020B0604020202020204" pitchFamily="34" charset="0"/>
+                <a:cs typeface="Arial" panose="020B0604020202020204" pitchFamily="34" charset="0"/>
+              </a:rPr>
+              <a:t>Turkish Electricity </a:t>
+            </a:r>
+            <a:r>
+              <a:rPr lang="tr-TR" sz="2400" dirty="0" smtClean="0">
+                <a:latin typeface="Arial" panose="020B0604020202020204" pitchFamily="34" charset="0"/>
+                <a:cs typeface="Arial" panose="020B0604020202020204" pitchFamily="34" charset="0"/>
+              </a:rPr>
+              <a:t>Network</a:t>
+            </a:r>
+            <a:endParaRPr lang="en-GB" sz="2400" dirty="0" smtClean="0">
+              <a:latin typeface="Arial" panose="020B0604020202020204" pitchFamily="34" charset="0"/>
+              <a:cs typeface="Arial" panose="020B0604020202020204" pitchFamily="34" charset="0"/>
+            </a:endParaRPr>
+          </a:p>
+          <a:p>
+            <a:pPr lvl="1">
+              <a:defRPr/>
+            </a:pPr>
+            <a:r>
+              <a:rPr lang="en-GB" sz="2400" dirty="0" smtClean="0">
+                <a:latin typeface="Arial" panose="020B0604020202020204" pitchFamily="34" charset="0"/>
+                <a:cs typeface="Arial" panose="020B0604020202020204" pitchFamily="34" charset="0"/>
+              </a:rPr>
+              <a:t>Economical Perspective</a:t>
+            </a:r>
+          </a:p>
+          <a:p>
+            <a:pPr lvl="1">
+              <a:defRPr/>
+            </a:pPr>
+            <a:r>
+              <a:rPr lang="en-GB" sz="2400" dirty="0" smtClean="0">
+                <a:latin typeface="Arial" panose="020B0604020202020204" pitchFamily="34" charset="0"/>
+                <a:cs typeface="Arial" panose="020B0604020202020204" pitchFamily="34" charset="0"/>
+              </a:rPr>
+              <a:t>Conclusion</a:t>
+            </a:r>
+          </a:p>
+        </p:txBody>
+      </p:sp>
+      <p:sp>
+        <p:nvSpPr>
+          <p:cNvPr id="2" name="Date Placeholder 1"/>
+          <p:cNvSpPr>
+            <a:spLocks noGrp="1"/>
+          </p:cNvSpPr>
+          <p:nvPr>
+            <p:ph type="dt" sz="half" idx="2"/>
+          </p:nvPr>
+        </p:nvSpPr>
+        <p:spPr/>
+        <p:txBody>
+          <a:bodyPr/>
+          <a:lstStyle/>
+          <a:p>
+            <a:pPr>
+              <a:defRPr/>
+            </a:pPr>
+            <a:r>
+              <a:rPr lang="tr-TR" dirty="0" smtClean="0"/>
+              <a:t>18.01.2019</a:t>
+            </a:r>
+            <a:endParaRPr lang="en-US" dirty="0"/>
+          </a:p>
+        </p:txBody>
+      </p:sp>
+      <p:sp>
+        <p:nvSpPr>
+          <p:cNvPr id="3" name="Slide Number Placeholder 2"/>
+          <p:cNvSpPr>
+            <a:spLocks noGrp="1"/>
+          </p:cNvSpPr>
+          <p:nvPr>
+            <p:ph type="sldNum" sz="quarter" idx="12"/>
+          </p:nvPr>
+        </p:nvSpPr>
+        <p:spPr/>
+        <p:txBody>
+          <a:bodyPr/>
+          <a:lstStyle/>
+          <a:p>
+            <a:pPr>
+              <a:defRPr/>
+            </a:pPr>
+            <a:fld id="{C878F797-6006-4DDA-AFE9-456F280FE6C5}" type="slidenum">
+              <a:rPr lang="en-US" smtClean="0"/>
+              <a:pPr>
+                <a:defRPr/>
+              </a:pPr>
+              <a:t>2</a:t>
+            </a:fld>
+            <a:endParaRPr lang="en-US" dirty="0"/>
+          </a:p>
+        </p:txBody>
+      </p:sp>
+    </p:spTree>
+  </p:cSld>
+  <p:clrMapOvr>
+    <a:masterClrMapping/>
+  </p:clrMapOvr>
+  <p:transition/>
+  <p:timing>
+    <p:tnLst>
+      <p:par>
+        <p:cTn id="1" dur="indefinite" restart="never" nodeType="tmRoot"/>
+      </p:par>
+    </p:tnLst>
+  </p:timing>
+</p:sld>
+</file>
+
+<file path=ppt/slides/slide20.xml><?xml version="1.0" encoding="utf-8"?>
+<p:sld xmlns:a="http://schemas.openxmlformats.org/drawingml/2006/main" xmlns:r="http://schemas.openxmlformats.org/officeDocument/2006/relationships" xmlns:p="http://schemas.openxmlformats.org/presentationml/2006/main">
+  <p:cSld>
+    <p:spTree>
+      <p:nvGrpSpPr>
+        <p:cNvPr id="1" name=""/>
+        <p:cNvGrpSpPr/>
+        <p:nvPr/>
+      </p:nvGrpSpPr>
+      <p:grpSpPr>
+        <a:xfrm>
+          <a:off x="0" y="0"/>
+          <a:ext cx="0" cy="0"/>
+          <a:chOff x="0" y="0"/>
+          <a:chExt cx="0" cy="0"/>
+        </a:xfrm>
+      </p:grpSpPr>
+      <p:sp>
+        <p:nvSpPr>
+          <p:cNvPr id="5122" name="Rectangle 2"/>
+          <p:cNvSpPr>
+            <a:spLocks noGrp="1" noChangeArrowheads="1"/>
+          </p:cNvSpPr>
+          <p:nvPr>
+            <p:ph type="title"/>
+          </p:nvPr>
+        </p:nvSpPr>
+        <p:spPr>
+          <a:xfrm>
+            <a:off x="457200" y="338139"/>
+            <a:ext cx="8229600" cy="570582"/>
+          </a:xfrm>
+        </p:spPr>
+        <p:txBody>
+          <a:bodyPr/>
+          <a:lstStyle/>
+          <a:p>
+            <a:pPr>
+              <a:defRPr/>
+            </a:pPr>
+            <a:r>
+              <a:rPr lang="tr-TR" dirty="0" smtClean="0">
+                <a:latin typeface="Arial" panose="020B0604020202020204" pitchFamily="34" charset="0"/>
+                <a:cs typeface="Arial" panose="020B0604020202020204" pitchFamily="34" charset="0"/>
+              </a:rPr>
+              <a:t>Fast Inertial Support</a:t>
+            </a:r>
+            <a:endParaRPr lang="en-US" dirty="0" smtClean="0">
+              <a:latin typeface="Arial" panose="020B0604020202020204" pitchFamily="34" charset="0"/>
+              <a:cs typeface="Arial" panose="020B0604020202020204" pitchFamily="34" charset="0"/>
+            </a:endParaRPr>
+          </a:p>
+        </p:txBody>
+      </p:sp>
+      <p:sp>
+        <p:nvSpPr>
+          <p:cNvPr id="2" name="Date Placeholder 1"/>
+          <p:cNvSpPr>
+            <a:spLocks noGrp="1"/>
+          </p:cNvSpPr>
+          <p:nvPr>
+            <p:ph type="dt" sz="half" idx="2"/>
+          </p:nvPr>
+        </p:nvSpPr>
+        <p:spPr/>
+        <p:txBody>
+          <a:bodyPr/>
+          <a:lstStyle/>
+          <a:p>
+            <a:pPr>
+              <a:defRPr/>
+            </a:pPr>
+            <a:r>
+              <a:rPr lang="tr-TR" dirty="0" smtClean="0"/>
+              <a:t>18.01.2019</a:t>
+            </a:r>
+            <a:endParaRPr lang="en-US" dirty="0"/>
+          </a:p>
+        </p:txBody>
+      </p:sp>
+      <p:sp>
+        <p:nvSpPr>
+          <p:cNvPr id="3" name="Slide Number Placeholder 2"/>
+          <p:cNvSpPr>
+            <a:spLocks noGrp="1"/>
+          </p:cNvSpPr>
+          <p:nvPr>
+            <p:ph type="sldNum" sz="quarter" idx="12"/>
+          </p:nvPr>
+        </p:nvSpPr>
+        <p:spPr/>
+        <p:txBody>
+          <a:bodyPr/>
+          <a:lstStyle/>
+          <a:p>
+            <a:pPr>
+              <a:defRPr/>
+            </a:pPr>
+            <a:fld id="{C878F797-6006-4DDA-AFE9-456F280FE6C5}" type="slidenum">
+              <a:rPr lang="en-US" smtClean="0"/>
+              <a:pPr>
+                <a:defRPr/>
+              </a:pPr>
+              <a:t>20</a:t>
+            </a:fld>
+            <a:endParaRPr lang="en-US" dirty="0"/>
+          </a:p>
+        </p:txBody>
+      </p:sp>
+      <p:pic>
+        <p:nvPicPr>
+          <p:cNvPr id="4" name="Picture 3"/>
+          <p:cNvPicPr>
+            <a:picLocks noChangeAspect="1"/>
+          </p:cNvPicPr>
+          <p:nvPr/>
+        </p:nvPicPr>
+        <p:blipFill>
+          <a:blip r:embed="rId3" cstate="print">
+            <a:extLst>
+              <a:ext uri="{28A0092B-C50C-407E-A947-70E740481C1C}">
+                <a14:useLocalDpi xmlns:a14="http://schemas.microsoft.com/office/drawing/2010/main" val="0"/>
+              </a:ext>
+            </a:extLst>
+          </a:blip>
+          <a:stretch>
+            <a:fillRect/>
+          </a:stretch>
+        </p:blipFill>
+        <p:spPr>
+          <a:xfrm>
+            <a:off x="287523" y="908721"/>
+            <a:ext cx="8568953" cy="4083739"/>
+          </a:xfrm>
+          <a:prstGeom prst="rect">
+            <a:avLst/>
+          </a:prstGeom>
+        </p:spPr>
+      </p:pic>
+      <p:sp>
+        <p:nvSpPr>
+          <p:cNvPr id="8" name="TextBox 7"/>
+          <p:cNvSpPr txBox="1"/>
+          <p:nvPr/>
+        </p:nvSpPr>
+        <p:spPr>
+          <a:xfrm>
+            <a:off x="458579" y="4992460"/>
+            <a:ext cx="8230705" cy="646331"/>
+          </a:xfrm>
+          <a:prstGeom prst="rect">
+            <a:avLst/>
+          </a:prstGeom>
+          <a:noFill/>
+        </p:spPr>
+        <p:txBody>
+          <a:bodyPr wrap="square" rtlCol="0">
+            <a:spAutoFit/>
+          </a:bodyPr>
+          <a:lstStyle/>
+          <a:p>
+            <a:pPr algn="ctr"/>
+            <a:r>
+              <a:rPr lang="tr-TR" sz="1800" dirty="0" smtClean="0"/>
+              <a:t>Figure 17: Limit Case Turbine Power, Generator Power and Speed </a:t>
+            </a:r>
+          </a:p>
+          <a:p>
+            <a:pPr algn="ctr"/>
+            <a:r>
+              <a:rPr lang="tr-TR" sz="1800" dirty="0"/>
+              <a:t>i</a:t>
+            </a:r>
+            <a:r>
+              <a:rPr lang="tr-TR" sz="1800" dirty="0" smtClean="0"/>
+              <a:t>n High Wind Speed (11.4 m/s)</a:t>
+            </a:r>
+            <a:endParaRPr lang="tr-TR" sz="1800" dirty="0"/>
+          </a:p>
+        </p:txBody>
+      </p:sp>
+    </p:spTree>
+    <p:extLst>
+      <p:ext uri="{BB962C8B-B14F-4D97-AF65-F5344CB8AC3E}">
+        <p14:creationId xmlns:p14="http://schemas.microsoft.com/office/powerpoint/2010/main" val="836894847"/>
+      </p:ext>
+    </p:extLst>
+  </p:cSld>
+  <p:clrMapOvr>
+    <a:masterClrMapping/>
+  </p:clrMapOvr>
+  <p:transition/>
+  <p:timing>
+    <p:tnLst>
+      <p:par>
+        <p:cTn id="1" dur="indefinite" restart="never" nodeType="tmRoot"/>
+      </p:par>
+    </p:tnLst>
+  </p:timing>
+</p:sld>
+</file>
+
+<file path=ppt/slides/slide21.xml><?xml version="1.0" encoding="utf-8"?>
+<p:sld xmlns:a="http://schemas.openxmlformats.org/drawingml/2006/main" xmlns:r="http://schemas.openxmlformats.org/officeDocument/2006/relationships" xmlns:p="http://schemas.openxmlformats.org/presentationml/2006/main">
+  <p:cSld>
+    <p:spTree>
+      <p:nvGrpSpPr>
+        <p:cNvPr id="1" name=""/>
+        <p:cNvGrpSpPr/>
+        <p:nvPr/>
+      </p:nvGrpSpPr>
+      <p:grpSpPr>
+        <a:xfrm>
+          <a:off x="0" y="0"/>
+          <a:ext cx="0" cy="0"/>
+          <a:chOff x="0" y="0"/>
+          <a:chExt cx="0" cy="0"/>
+        </a:xfrm>
+      </p:grpSpPr>
+      <p:sp>
+        <p:nvSpPr>
+          <p:cNvPr id="5122" name="Rectangle 2"/>
+          <p:cNvSpPr>
+            <a:spLocks noGrp="1" noChangeArrowheads="1"/>
+          </p:cNvSpPr>
+          <p:nvPr>
+            <p:ph type="title"/>
+          </p:nvPr>
+        </p:nvSpPr>
+        <p:spPr>
+          <a:xfrm>
+            <a:off x="457200" y="338139"/>
+            <a:ext cx="8229600" cy="570582"/>
+          </a:xfrm>
+        </p:spPr>
+        <p:txBody>
+          <a:bodyPr/>
+          <a:lstStyle/>
+          <a:p>
+            <a:pPr>
+              <a:defRPr/>
+            </a:pPr>
+            <a:r>
+              <a:rPr lang="tr-TR" dirty="0" smtClean="0">
+                <a:latin typeface="Arial" panose="020B0604020202020204" pitchFamily="34" charset="0"/>
+                <a:cs typeface="Arial" panose="020B0604020202020204" pitchFamily="34" charset="0"/>
+              </a:rPr>
+              <a:t>Fast Inertial Support</a:t>
+            </a:r>
+            <a:endParaRPr lang="en-US" dirty="0" smtClean="0">
+              <a:latin typeface="Arial" panose="020B0604020202020204" pitchFamily="34" charset="0"/>
+              <a:cs typeface="Arial" panose="020B0604020202020204" pitchFamily="34" charset="0"/>
+            </a:endParaRPr>
+          </a:p>
+        </p:txBody>
+      </p:sp>
+      <p:sp>
+        <p:nvSpPr>
+          <p:cNvPr id="2" name="Date Placeholder 1"/>
+          <p:cNvSpPr>
+            <a:spLocks noGrp="1"/>
+          </p:cNvSpPr>
+          <p:nvPr>
+            <p:ph type="dt" sz="half" idx="2"/>
+          </p:nvPr>
+        </p:nvSpPr>
+        <p:spPr/>
+        <p:txBody>
+          <a:bodyPr/>
+          <a:lstStyle/>
+          <a:p>
+            <a:pPr>
+              <a:defRPr/>
+            </a:pPr>
+            <a:r>
+              <a:rPr lang="tr-TR" dirty="0" smtClean="0"/>
+              <a:t>18.01.2019</a:t>
+            </a:r>
+            <a:endParaRPr lang="en-US" dirty="0"/>
+          </a:p>
+        </p:txBody>
+      </p:sp>
+      <p:sp>
+        <p:nvSpPr>
+          <p:cNvPr id="3" name="Slide Number Placeholder 2"/>
+          <p:cNvSpPr>
+            <a:spLocks noGrp="1"/>
+          </p:cNvSpPr>
+          <p:nvPr>
+            <p:ph type="sldNum" sz="quarter" idx="12"/>
+          </p:nvPr>
+        </p:nvSpPr>
+        <p:spPr/>
+        <p:txBody>
+          <a:bodyPr/>
+          <a:lstStyle/>
+          <a:p>
+            <a:pPr>
+              <a:defRPr/>
+            </a:pPr>
+            <a:fld id="{C878F797-6006-4DDA-AFE9-456F280FE6C5}" type="slidenum">
+              <a:rPr lang="en-US" smtClean="0"/>
+              <a:pPr>
+                <a:defRPr/>
+              </a:pPr>
+              <a:t>21</a:t>
+            </a:fld>
+            <a:endParaRPr lang="en-US" dirty="0"/>
+          </a:p>
+        </p:txBody>
+      </p:sp>
+      <p:pic>
+        <p:nvPicPr>
+          <p:cNvPr id="6" name="Picture 5"/>
+          <p:cNvPicPr>
+            <a:picLocks noChangeAspect="1"/>
+          </p:cNvPicPr>
+          <p:nvPr/>
+        </p:nvPicPr>
+        <p:blipFill>
+          <a:blip r:embed="rId3" cstate="print">
+            <a:extLst>
+              <a:ext uri="{28A0092B-C50C-407E-A947-70E740481C1C}">
+                <a14:useLocalDpi xmlns:a14="http://schemas.microsoft.com/office/drawing/2010/main" val="0"/>
+              </a:ext>
+            </a:extLst>
+          </a:blip>
+          <a:stretch>
+            <a:fillRect/>
+          </a:stretch>
+        </p:blipFill>
+        <p:spPr>
+          <a:xfrm>
+            <a:off x="137645" y="941115"/>
+            <a:ext cx="8868709" cy="4226595"/>
+          </a:xfrm>
+          <a:prstGeom prst="rect">
+            <a:avLst/>
+          </a:prstGeom>
+        </p:spPr>
+      </p:pic>
+      <p:sp>
+        <p:nvSpPr>
+          <p:cNvPr id="8" name="TextBox 7"/>
+          <p:cNvSpPr txBox="1"/>
+          <p:nvPr/>
+        </p:nvSpPr>
+        <p:spPr>
+          <a:xfrm>
+            <a:off x="457199" y="5167710"/>
+            <a:ext cx="8230705" cy="646331"/>
+          </a:xfrm>
+          <a:prstGeom prst="rect">
+            <a:avLst/>
+          </a:prstGeom>
+          <a:noFill/>
+        </p:spPr>
+        <p:txBody>
+          <a:bodyPr wrap="square" rtlCol="0">
+            <a:spAutoFit/>
+          </a:bodyPr>
+          <a:lstStyle/>
+          <a:p>
+            <a:pPr algn="ctr"/>
+            <a:r>
+              <a:rPr lang="tr-TR" sz="1800" dirty="0" smtClean="0"/>
+              <a:t>Figure 18: Limit Case Pitch Angle and Pitch Rate</a:t>
+            </a:r>
+          </a:p>
+          <a:p>
+            <a:pPr algn="ctr"/>
+            <a:r>
+              <a:rPr lang="tr-TR" sz="1800" dirty="0" smtClean="0"/>
+              <a:t>in High Wind Speed (11.4 m/s)</a:t>
+            </a:r>
+            <a:endParaRPr lang="tr-TR" sz="1800" dirty="0"/>
+          </a:p>
+        </p:txBody>
+      </p:sp>
+    </p:spTree>
+    <p:extLst>
+      <p:ext uri="{BB962C8B-B14F-4D97-AF65-F5344CB8AC3E}">
+        <p14:creationId xmlns:p14="http://schemas.microsoft.com/office/powerpoint/2010/main" val="3365861649"/>
       </p:ext>
     </p:extLst>
   </p:cSld>
@@ -11168,8 +11626,8 @@
         </p:nvSpPr>
         <p:spPr>
           <a:xfrm>
-            <a:off x="5950496" y="3272254"/>
-            <a:ext cx="2736304" cy="3046988"/>
+            <a:off x="6156176" y="2060969"/>
+            <a:ext cx="2987824" cy="3046988"/>
           </a:xfrm>
           <a:prstGeom prst="rect">
             <a:avLst/>
@@ -11196,17 +11654,30 @@
               <a:rPr lang="tr-TR" dirty="0" smtClean="0"/>
               <a:t>Base Case</a:t>
             </a:r>
-            <a:endParaRPr lang="tr-TR" dirty="0"/>
           </a:p>
           <a:p>
             <a:pPr marL="342900" indent="-342900">
               <a:buFont typeface="Arial" panose="020B0604020202020204" pitchFamily="34" charset="0"/>
               <a:buChar char="•"/>
             </a:pPr>
+            <a:endParaRPr lang="tr-TR" dirty="0"/>
+          </a:p>
+          <a:p>
+            <a:pPr marL="342900" indent="-342900">
+              <a:buFont typeface="Arial" panose="020B0604020202020204" pitchFamily="34" charset="0"/>
+              <a:buChar char="•"/>
+            </a:pPr>
             <a:r>
               <a:rPr lang="tr-TR" dirty="0" smtClean="0"/>
               <a:t>10% Renewable Generation Case</a:t>
             </a:r>
+          </a:p>
+          <a:p>
+            <a:pPr marL="342900" indent="-342900">
+              <a:buFont typeface="Arial" panose="020B0604020202020204" pitchFamily="34" charset="0"/>
+              <a:buChar char="•"/>
+            </a:pPr>
+            <a:endParaRPr lang="tr-TR" dirty="0" smtClean="0"/>
           </a:p>
           <a:p>
             <a:pPr marL="342900" indent="-342900">
@@ -11250,7 +11721,7 @@
             </a:r>
             <a:r>
               <a:rPr lang="tr-TR" sz="1800" dirty="0" smtClean="0"/>
-              <a:t>[5] </a:t>
+              <a:t>[6] </a:t>
             </a:r>
             <a:endParaRPr lang="tr-TR" sz="1800" dirty="0"/>
           </a:p>
@@ -11696,6 +12167,53 @@
               <a:t>22: RoCoF and Frequency for the Reduced Case with Synthetic Inertia Implementation</a:t>
             </a:r>
             <a:endParaRPr lang="tr-TR" sz="1800" dirty="0"/>
+          </a:p>
+        </p:txBody>
+      </p:sp>
+      <p:sp>
+        <p:nvSpPr>
+          <p:cNvPr id="8" name="TextBox 7"/>
+          <p:cNvSpPr txBox="1"/>
+          <p:nvPr/>
+        </p:nvSpPr>
+        <p:spPr>
+          <a:xfrm>
+            <a:off x="5516794" y="980728"/>
+            <a:ext cx="3375686" cy="3416320"/>
+          </a:xfrm>
+          <a:prstGeom prst="rect">
+            <a:avLst/>
+          </a:prstGeom>
+          <a:noFill/>
+        </p:spPr>
+        <p:txBody>
+          <a:bodyPr wrap="square" rtlCol="0">
+            <a:spAutoFit/>
+          </a:bodyPr>
+          <a:lstStyle/>
+          <a:p>
+            <a:pPr marL="342900" indent="-342900">
+              <a:buFont typeface="Arial" panose="020B0604020202020204" pitchFamily="34" charset="0"/>
+              <a:buChar char="•"/>
+            </a:pPr>
+            <a:r>
+              <a:rPr lang="tr-TR" dirty="0" smtClean="0"/>
+              <a:t>Reduced Case Response is improved with synthetic inertia implementation.</a:t>
+            </a:r>
+          </a:p>
+          <a:p>
+            <a:pPr algn="just"/>
+            <a:endParaRPr lang="tr-TR" dirty="0"/>
+          </a:p>
+          <a:p>
+            <a:pPr marL="342900" indent="-342900" algn="just">
+              <a:buFont typeface="Arial" panose="020B0604020202020204" pitchFamily="34" charset="0"/>
+              <a:buChar char="•"/>
+            </a:pPr>
+            <a:r>
+              <a:rPr lang="tr-TR" dirty="0" smtClean="0"/>
+              <a:t>RoCoF is improved by 16% when the H=10s is used. </a:t>
+            </a:r>
           </a:p>
         </p:txBody>
       </p:sp>
@@ -13308,7 +13826,11 @@
             </a:r>
             <a:r>
               <a:rPr lang="tr-TR" sz="1800" dirty="0" smtClean="0"/>
-              <a:t>25: Variation of the Total Power and Wind Power in 2018 [6]</a:t>
+              <a:t>25: Variation of the Total Power and Wind+Solar Power in </a:t>
+            </a:r>
+            <a:r>
+              <a:rPr lang="tr-TR" sz="1800" dirty="0" smtClean="0"/>
+              <a:t>2018 [7]</a:t>
             </a:r>
             <a:endParaRPr lang="tr-TR" sz="1800" dirty="0"/>
           </a:p>
@@ -14459,7 +14981,7 @@
         <p:spPr>
           <a:xfrm>
             <a:off x="282351" y="5814771"/>
-            <a:ext cx="8579297" cy="369332"/>
+            <a:ext cx="8579297" cy="646331"/>
           </a:xfrm>
           <a:prstGeom prst="rect">
             <a:avLst/>
@@ -14475,7 +14997,15 @@
             <a:pPr algn="ctr"/>
             <a:r>
               <a:rPr lang="tr-TR" sz="1800" dirty="0" smtClean="0"/>
-              <a:t>Figure 1: Variation of the Installed Capacity based on Primary Energy Source [1]</a:t>
+              <a:t>Figure 1: Variation of the Installed </a:t>
+            </a:r>
+            <a:r>
+              <a:rPr lang="tr-TR" sz="1800" dirty="0" smtClean="0"/>
+              <a:t>Capacity of </a:t>
+            </a:r>
+            <a:r>
+              <a:rPr lang="tr-TR" sz="1800" dirty="0" smtClean="0"/>
+              <a:t>Turkey based on Primary Energy Source [1]</a:t>
             </a:r>
             <a:endParaRPr lang="tr-TR" sz="1800" dirty="0"/>
           </a:p>
@@ -14611,35 +15141,6 @@
           </a:p>
         </p:txBody>
       </p:sp>
-      <p:pic>
-        <p:nvPicPr>
-          <p:cNvPr id="6" name="Content Placeholder 5"/>
-          <p:cNvPicPr>
-            <a:picLocks noGrp="1" noChangeAspect="1"/>
-          </p:cNvPicPr>
-          <p:nvPr>
-            <p:ph idx="1"/>
-          </p:nvPr>
-        </p:nvPicPr>
-        <p:blipFill>
-          <a:blip r:embed="rId3">
-            <a:extLst>
-              <a:ext uri="{28A0092B-C50C-407E-A947-70E740481C1C}">
-                <a14:useLocalDpi xmlns:a14="http://schemas.microsoft.com/office/drawing/2010/main" val="0"/>
-              </a:ext>
-            </a:extLst>
-          </a:blip>
-          <a:stretch>
-            <a:fillRect/>
-          </a:stretch>
-        </p:blipFill>
-        <p:spPr>
-          <a:xfrm>
-            <a:off x="768080" y="1005832"/>
-            <a:ext cx="4511496" cy="4991263"/>
-          </a:xfrm>
-        </p:spPr>
-      </p:pic>
       <p:sp>
         <p:nvSpPr>
           <p:cNvPr id="7" name="TextBox 6"/>
@@ -14684,7 +15185,7 @@
         <p:spPr>
           <a:xfrm>
             <a:off x="5508104" y="1005832"/>
-            <a:ext cx="3384375" cy="3046988"/>
+            <a:ext cx="3384375" cy="5262979"/>
           </a:xfrm>
           <a:prstGeom prst="rect">
             <a:avLst/>
@@ -14703,39 +15204,7 @@
             </a:pPr>
             <a:r>
               <a:rPr lang="tr-TR" dirty="0" smtClean="0"/>
-              <a:t>Profit by Additional Energy:</a:t>
-            </a:r>
-          </a:p>
-          <a:p>
-            <a:pPr lvl="1"/>
-            <a:r>
-              <a:rPr lang="tr-TR" dirty="0"/>
-              <a:t>+</a:t>
-            </a:r>
-            <a:r>
-              <a:rPr lang="tr-TR" dirty="0" smtClean="0"/>
-              <a:t>0.16%</a:t>
-            </a:r>
-          </a:p>
-          <a:p>
-            <a:pPr lvl="1"/>
-            <a:endParaRPr lang="tr-TR" dirty="0" smtClean="0"/>
-          </a:p>
-          <a:p>
-            <a:pPr marL="342900" indent="-342900">
-              <a:buFont typeface="Arial" panose="020B0604020202020204" pitchFamily="34" charset="0"/>
-              <a:buChar char="•"/>
-            </a:pPr>
-            <a:r>
-              <a:rPr lang="tr-TR" dirty="0" smtClean="0"/>
-              <a:t>Profit by Incentive (0.6¢/kWh):</a:t>
-            </a:r>
-          </a:p>
-          <a:p>
-            <a:pPr lvl="1"/>
-            <a:r>
-              <a:rPr lang="tr-TR" dirty="0" smtClean="0"/>
-              <a:t>+8.2%</a:t>
+              <a:t>With additional energy or with additional incentives?</a:t>
             </a:r>
           </a:p>
           <a:p>
@@ -14745,8 +15214,88 @@
             </a:pPr>
             <a:endParaRPr lang="tr-TR" dirty="0"/>
           </a:p>
-        </p:txBody>
-      </p:sp>
+          <a:p>
+            <a:pPr marL="342900" indent="-342900">
+              <a:buFont typeface="Arial" panose="020B0604020202020204" pitchFamily="34" charset="0"/>
+              <a:buChar char="•"/>
+            </a:pPr>
+            <a:r>
+              <a:rPr lang="tr-TR" dirty="0" smtClean="0"/>
+              <a:t>Profit by Additional Energy:</a:t>
+            </a:r>
+          </a:p>
+          <a:p>
+            <a:pPr lvl="1"/>
+            <a:r>
+              <a:rPr lang="tr-TR" dirty="0"/>
+              <a:t>+</a:t>
+            </a:r>
+            <a:r>
+              <a:rPr lang="tr-TR" dirty="0" smtClean="0"/>
+              <a:t>0.16%</a:t>
+            </a:r>
+          </a:p>
+          <a:p>
+            <a:pPr lvl="1"/>
+            <a:endParaRPr lang="tr-TR" dirty="0" smtClean="0"/>
+          </a:p>
+          <a:p>
+            <a:pPr marL="342900" indent="-342900">
+              <a:buFont typeface="Arial" panose="020B0604020202020204" pitchFamily="34" charset="0"/>
+              <a:buChar char="•"/>
+            </a:pPr>
+            <a:endParaRPr lang="tr-TR" dirty="0" smtClean="0"/>
+          </a:p>
+          <a:p>
+            <a:pPr marL="342900" indent="-342900">
+              <a:buFont typeface="Arial" panose="020B0604020202020204" pitchFamily="34" charset="0"/>
+              <a:buChar char="•"/>
+            </a:pPr>
+            <a:r>
+              <a:rPr lang="tr-TR" dirty="0" smtClean="0"/>
+              <a:t>Profit by Incentive (0.6¢/kWh):</a:t>
+            </a:r>
+          </a:p>
+          <a:p>
+            <a:pPr lvl="1"/>
+            <a:r>
+              <a:rPr lang="tr-TR" dirty="0" smtClean="0"/>
+              <a:t>+8.2%</a:t>
+            </a:r>
+          </a:p>
+          <a:p>
+            <a:pPr marL="342900" indent="-342900">
+              <a:buFont typeface="Arial" panose="020B0604020202020204" pitchFamily="34" charset="0"/>
+              <a:buChar char="•"/>
+            </a:pPr>
+            <a:endParaRPr lang="tr-TR" dirty="0"/>
+          </a:p>
+        </p:txBody>
+      </p:sp>
+      <p:pic>
+        <p:nvPicPr>
+          <p:cNvPr id="5" name="Picture 4"/>
+          <p:cNvPicPr>
+            <a:picLocks noChangeAspect="1"/>
+          </p:cNvPicPr>
+          <p:nvPr/>
+        </p:nvPicPr>
+        <p:blipFill>
+          <a:blip r:embed="rId3"/>
+          <a:stretch>
+            <a:fillRect/>
+          </a:stretch>
+        </p:blipFill>
+        <p:spPr>
+          <a:xfrm>
+            <a:off x="740699" y="1013463"/>
+            <a:ext cx="4566258" cy="4995133"/>
+          </a:xfrm>
+          <a:prstGeom prst="rect">
+            <a:avLst/>
+          </a:prstGeom>
+        </p:spPr>
+      </p:pic>
     </p:spTree>
     <p:extLst>
       <p:ext uri="{BB962C8B-B14F-4D97-AF65-F5344CB8AC3E}">
@@ -14761,9 +15310,392 @@
   <p:timing>
     <p:tnLst>
       <p:par>
-        <p:cTn id="1" dur="indefinite" restart="never" nodeType="tmRoot"/>
+        <p:cTn id="1" dur="indefinite" restart="never" nodeType="tmRoot">
+          <p:childTnLst>
+            <p:seq concurrent="1" nextAc="seek">
+              <p:cTn id="2" dur="indefinite" nodeType="mainSeq">
+                <p:childTnLst>
+                  <p:par>
+                    <p:cTn id="3" fill="hold">
+                      <p:stCondLst>
+                        <p:cond delay="indefinite"/>
+                      </p:stCondLst>
+                      <p:childTnLst>
+                        <p:par>
+                          <p:cTn id="4" fill="hold">
+                            <p:stCondLst>
+                              <p:cond delay="0"/>
+                            </p:stCondLst>
+                            <p:childTnLst>
+                              <p:par>
+                                <p:cTn id="5" presetID="10" presetClass="entr" presetSubtype="0" fill="hold" nodeType="clickEffect">
+                                  <p:stCondLst>
+                                    <p:cond delay="0"/>
+                                  </p:stCondLst>
+                                  <p:childTnLst>
+                                    <p:set>
+                                      <p:cBhvr>
+                                        <p:cTn id="6" dur="1" fill="hold">
+                                          <p:stCondLst>
+                                            <p:cond delay="0"/>
+                                          </p:stCondLst>
+                                        </p:cTn>
+                                        <p:tgtEl>
+                                          <p:spTgt spid="8">
+                                            <p:txEl>
+                                              <p:pRg st="0" end="0"/>
+                                            </p:txEl>
+                                          </p:spTgt>
+                                        </p:tgtEl>
+                                        <p:attrNameLst>
+                                          <p:attrName>style.visibility</p:attrName>
+                                        </p:attrNameLst>
+                                      </p:cBhvr>
+                                      <p:to>
+                                        <p:strVal val="visible"/>
+                                      </p:to>
+                                    </p:set>
+                                    <p:animEffect transition="in" filter="fade">
+                                      <p:cBhvr>
+                                        <p:cTn id="7" dur="500"/>
+                                        <p:tgtEl>
+                                          <p:spTgt spid="8">
+                                            <p:txEl>
+                                              <p:pRg st="0" end="0"/>
+                                            </p:txEl>
+                                          </p:spTgt>
+                                        </p:tgtEl>
+                                      </p:cBhvr>
+                                    </p:animEffect>
+                                  </p:childTnLst>
+                                </p:cTn>
+                              </p:par>
+                            </p:childTnLst>
+                          </p:cTn>
+                        </p:par>
+                      </p:childTnLst>
+                    </p:cTn>
+                  </p:par>
+                  <p:par>
+                    <p:cTn id="8" fill="hold">
+                      <p:stCondLst>
+                        <p:cond delay="indefinite"/>
+                      </p:stCondLst>
+                      <p:childTnLst>
+                        <p:par>
+                          <p:cTn id="9" fill="hold">
+                            <p:stCondLst>
+                              <p:cond delay="0"/>
+                            </p:stCondLst>
+                            <p:childTnLst>
+                              <p:par>
+                                <p:cTn id="10" presetID="10" presetClass="entr" presetSubtype="0" fill="hold" grpId="0" nodeType="clickEffect">
+                                  <p:stCondLst>
+                                    <p:cond delay="0"/>
+                                  </p:stCondLst>
+                                  <p:childTnLst>
+                                    <p:set>
+                                      <p:cBhvr>
+                                        <p:cTn id="11" dur="1" fill="hold">
+                                          <p:stCondLst>
+                                            <p:cond delay="0"/>
+                                          </p:stCondLst>
+                                        </p:cTn>
+                                        <p:tgtEl>
+                                          <p:spTgt spid="7"/>
+                                        </p:tgtEl>
+                                        <p:attrNameLst>
+                                          <p:attrName>style.visibility</p:attrName>
+                                        </p:attrNameLst>
+                                      </p:cBhvr>
+                                      <p:to>
+                                        <p:strVal val="visible"/>
+                                      </p:to>
+                                    </p:set>
+                                    <p:animEffect transition="in" filter="fade">
+                                      <p:cBhvr>
+                                        <p:cTn id="12" dur="500"/>
+                                        <p:tgtEl>
+                                          <p:spTgt spid="7"/>
+                                        </p:tgtEl>
+                                      </p:cBhvr>
+                                    </p:animEffect>
+                                  </p:childTnLst>
+                                </p:cTn>
+                              </p:par>
+                              <p:par>
+                                <p:cTn id="13" presetID="10" presetClass="entr" presetSubtype="0" fill="hold" nodeType="withEffect">
+                                  <p:stCondLst>
+                                    <p:cond delay="0"/>
+                                  </p:stCondLst>
+                                  <p:childTnLst>
+                                    <p:set>
+                                      <p:cBhvr>
+                                        <p:cTn id="14" dur="1" fill="hold">
+                                          <p:stCondLst>
+                                            <p:cond delay="0"/>
+                                          </p:stCondLst>
+                                        </p:cTn>
+                                        <p:tgtEl>
+                                          <p:spTgt spid="5"/>
+                                        </p:tgtEl>
+                                        <p:attrNameLst>
+                                          <p:attrName>style.visibility</p:attrName>
+                                        </p:attrNameLst>
+                                      </p:cBhvr>
+                                      <p:to>
+                                        <p:strVal val="visible"/>
+                                      </p:to>
+                                    </p:set>
+                                    <p:animEffect transition="in" filter="fade">
+                                      <p:cBhvr>
+                                        <p:cTn id="15" dur="500"/>
+                                        <p:tgtEl>
+                                          <p:spTgt spid="5"/>
+                                        </p:tgtEl>
+                                      </p:cBhvr>
+                                    </p:animEffect>
+                                  </p:childTnLst>
+                                </p:cTn>
+                              </p:par>
+                            </p:childTnLst>
+                          </p:cTn>
+                        </p:par>
+                      </p:childTnLst>
+                    </p:cTn>
+                  </p:par>
+                  <p:par>
+                    <p:cTn id="16" fill="hold">
+                      <p:stCondLst>
+                        <p:cond delay="indefinite"/>
+                      </p:stCondLst>
+                      <p:childTnLst>
+                        <p:par>
+                          <p:cTn id="17" fill="hold">
+                            <p:stCondLst>
+                              <p:cond delay="0"/>
+                            </p:stCondLst>
+                            <p:childTnLst>
+                              <p:par>
+                                <p:cTn id="18" presetID="10" presetClass="entr" presetSubtype="0" fill="hold" nodeType="clickEffect">
+                                  <p:stCondLst>
+                                    <p:cond delay="0"/>
+                                  </p:stCondLst>
+                                  <p:childTnLst>
+                                    <p:set>
+                                      <p:cBhvr>
+                                        <p:cTn id="19" dur="1" fill="hold">
+                                          <p:stCondLst>
+                                            <p:cond delay="0"/>
+                                          </p:stCondLst>
+                                        </p:cTn>
+                                        <p:tgtEl>
+                                          <p:spTgt spid="8">
+                                            <p:txEl>
+                                              <p:pRg st="2" end="2"/>
+                                            </p:txEl>
+                                          </p:spTgt>
+                                        </p:tgtEl>
+                                        <p:attrNameLst>
+                                          <p:attrName>style.visibility</p:attrName>
+                                        </p:attrNameLst>
+                                      </p:cBhvr>
+                                      <p:to>
+                                        <p:strVal val="visible"/>
+                                      </p:to>
+                                    </p:set>
+                                    <p:animEffect transition="in" filter="fade">
+                                      <p:cBhvr>
+                                        <p:cTn id="20" dur="500"/>
+                                        <p:tgtEl>
+                                          <p:spTgt spid="8">
+                                            <p:txEl>
+                                              <p:pRg st="2" end="2"/>
+                                            </p:txEl>
+                                          </p:spTgt>
+                                        </p:tgtEl>
+                                      </p:cBhvr>
+                                    </p:animEffect>
+                                  </p:childTnLst>
+                                </p:cTn>
+                              </p:par>
+                              <p:par>
+                                <p:cTn id="21" presetID="10" presetClass="entr" presetSubtype="0" fill="hold" nodeType="withEffect">
+                                  <p:stCondLst>
+                                    <p:cond delay="0"/>
+                                  </p:stCondLst>
+                                  <p:childTnLst>
+                                    <p:set>
+                                      <p:cBhvr>
+                                        <p:cTn id="22" dur="1" fill="hold">
+                                          <p:stCondLst>
+                                            <p:cond delay="0"/>
+                                          </p:stCondLst>
+                                        </p:cTn>
+                                        <p:tgtEl>
+                                          <p:spTgt spid="8">
+                                            <p:txEl>
+                                              <p:pRg st="3" end="3"/>
+                                            </p:txEl>
+                                          </p:spTgt>
+                                        </p:tgtEl>
+                                        <p:attrNameLst>
+                                          <p:attrName>style.visibility</p:attrName>
+                                        </p:attrNameLst>
+                                      </p:cBhvr>
+                                      <p:to>
+                                        <p:strVal val="visible"/>
+                                      </p:to>
+                                    </p:set>
+                                    <p:animEffect transition="in" filter="fade">
+                                      <p:cBhvr>
+                                        <p:cTn id="23" dur="500"/>
+                                        <p:tgtEl>
+                                          <p:spTgt spid="8">
+                                            <p:txEl>
+                                              <p:pRg st="3" end="3"/>
+                                            </p:txEl>
+                                          </p:spTgt>
+                                        </p:tgtEl>
+                                      </p:cBhvr>
+                                    </p:animEffect>
+                                  </p:childTnLst>
+                                </p:cTn>
+                              </p:par>
+                            </p:childTnLst>
+                          </p:cTn>
+                        </p:par>
+                      </p:childTnLst>
+                    </p:cTn>
+                  </p:par>
+                  <p:par>
+                    <p:cTn id="24" fill="hold">
+                      <p:stCondLst>
+                        <p:cond delay="indefinite"/>
+                      </p:stCondLst>
+                      <p:childTnLst>
+                        <p:par>
+                          <p:cTn id="25" fill="hold">
+                            <p:stCondLst>
+                              <p:cond delay="0"/>
+                            </p:stCondLst>
+                            <p:childTnLst>
+                              <p:par>
+                                <p:cTn id="26" presetID="10" presetClass="entr" presetSubtype="0" fill="hold" nodeType="clickEffect">
+                                  <p:stCondLst>
+                                    <p:cond delay="0"/>
+                                  </p:stCondLst>
+                                  <p:childTnLst>
+                                    <p:set>
+                                      <p:cBhvr>
+                                        <p:cTn id="27" dur="1" fill="hold">
+                                          <p:stCondLst>
+                                            <p:cond delay="0"/>
+                                          </p:stCondLst>
+                                        </p:cTn>
+                                        <p:tgtEl>
+                                          <p:spTgt spid="8">
+                                            <p:txEl>
+                                              <p:pRg st="6" end="6"/>
+                                            </p:txEl>
+                                          </p:spTgt>
+                                        </p:tgtEl>
+                                        <p:attrNameLst>
+                                          <p:attrName>style.visibility</p:attrName>
+                                        </p:attrNameLst>
+                                      </p:cBhvr>
+                                      <p:to>
+                                        <p:strVal val="visible"/>
+                                      </p:to>
+                                    </p:set>
+                                    <p:animEffect transition="in" filter="fade">
+                                      <p:cBhvr>
+                                        <p:cTn id="28" dur="500"/>
+                                        <p:tgtEl>
+                                          <p:spTgt spid="8">
+                                            <p:txEl>
+                                              <p:pRg st="6" end="6"/>
+                                            </p:txEl>
+                                          </p:spTgt>
+                                        </p:tgtEl>
+                                      </p:cBhvr>
+                                    </p:animEffect>
+                                  </p:childTnLst>
+                                </p:cTn>
+                              </p:par>
+                              <p:par>
+                                <p:cTn id="29" presetID="10" presetClass="entr" presetSubtype="0" fill="hold" nodeType="withEffect">
+                                  <p:stCondLst>
+                                    <p:cond delay="0"/>
+                                  </p:stCondLst>
+                                  <p:childTnLst>
+                                    <p:set>
+                                      <p:cBhvr>
+                                        <p:cTn id="30" dur="1" fill="hold">
+                                          <p:stCondLst>
+                                            <p:cond delay="0"/>
+                                          </p:stCondLst>
+                                        </p:cTn>
+                                        <p:tgtEl>
+                                          <p:spTgt spid="8">
+                                            <p:txEl>
+                                              <p:pRg st="7" end="7"/>
+                                            </p:txEl>
+                                          </p:spTgt>
+                                        </p:tgtEl>
+                                        <p:attrNameLst>
+                                          <p:attrName>style.visibility</p:attrName>
+                                        </p:attrNameLst>
+                                      </p:cBhvr>
+                                      <p:to>
+                                        <p:strVal val="visible"/>
+                                      </p:to>
+                                    </p:set>
+                                    <p:animEffect transition="in" filter="fade">
+                                      <p:cBhvr>
+                                        <p:cTn id="31" dur="500"/>
+                                        <p:tgtEl>
+                                          <p:spTgt spid="8">
+                                            <p:txEl>
+                                              <p:pRg st="7" end="7"/>
+                                            </p:txEl>
+                                          </p:spTgt>
+                                        </p:tgtEl>
+                                      </p:cBhvr>
+                                    </p:animEffect>
+                                  </p:childTnLst>
+                                </p:cTn>
+                              </p:par>
+                            </p:childTnLst>
+                          </p:cTn>
+                        </p:par>
+                      </p:childTnLst>
+                    </p:cTn>
+                  </p:par>
+                </p:childTnLst>
+              </p:cTn>
+              <p:prevCondLst>
+                <p:cond evt="onPrev" delay="0">
+                  <p:tgtEl>
+                    <p:sldTgt/>
+                  </p:tgtEl>
+                </p:cond>
+              </p:prevCondLst>
+              <p:nextCondLst>
+                <p:cond evt="onNext" delay="0">
+                  <p:tgtEl>
+                    <p:sldTgt/>
+                  </p:tgtEl>
+                </p:cond>
+              </p:nextCondLst>
+            </p:seq>
+          </p:childTnLst>
+        </p:cTn>
       </p:par>
     </p:tnLst>
+    <p:bldLst>
+      <p:bldP spid="7" grpId="0"/>
+    </p:bldLst>
   </p:timing>
 </p:sld>
 </file>
@@ -14983,7 +15915,378 @@
   <p:timing>
     <p:tnLst>
       <p:par>
-        <p:cTn id="1" dur="indefinite" restart="never" nodeType="tmRoot"/>
+        <p:cTn id="1" dur="indefinite" restart="never" nodeType="tmRoot">
+          <p:childTnLst>
+            <p:seq concurrent="1" nextAc="seek">
+              <p:cTn id="2" dur="indefinite" nodeType="mainSeq">
+                <p:childTnLst>
+                  <p:par>
+                    <p:cTn id="3" fill="hold">
+                      <p:stCondLst>
+                        <p:cond delay="indefinite"/>
+                      </p:stCondLst>
+                      <p:childTnLst>
+                        <p:par>
+                          <p:cTn id="4" fill="hold">
+                            <p:stCondLst>
+                              <p:cond delay="0"/>
+                            </p:stCondLst>
+                            <p:childTnLst>
+                              <p:par>
+                                <p:cTn id="5" presetID="10" presetClass="entr" presetSubtype="0" fill="hold" nodeType="clickEffect">
+                                  <p:stCondLst>
+                                    <p:cond delay="0"/>
+                                  </p:stCondLst>
+                                  <p:childTnLst>
+                                    <p:set>
+                                      <p:cBhvr>
+                                        <p:cTn id="6" dur="1" fill="hold">
+                                          <p:stCondLst>
+                                            <p:cond delay="0"/>
+                                          </p:stCondLst>
+                                        </p:cTn>
+                                        <p:tgtEl>
+                                          <p:spTgt spid="4">
+                                            <p:txEl>
+                                              <p:pRg st="0" end="0"/>
+                                            </p:txEl>
+                                          </p:spTgt>
+                                        </p:tgtEl>
+                                        <p:attrNameLst>
+                                          <p:attrName>style.visibility</p:attrName>
+                                        </p:attrNameLst>
+                                      </p:cBhvr>
+                                      <p:to>
+                                        <p:strVal val="visible"/>
+                                      </p:to>
+                                    </p:set>
+                                    <p:animEffect transition="in" filter="fade">
+                                      <p:cBhvr>
+                                        <p:cTn id="7" dur="500"/>
+                                        <p:tgtEl>
+                                          <p:spTgt spid="4">
+                                            <p:txEl>
+                                              <p:pRg st="0" end="0"/>
+                                            </p:txEl>
+                                          </p:spTgt>
+                                        </p:tgtEl>
+                                      </p:cBhvr>
+                                    </p:animEffect>
+                                  </p:childTnLst>
+                                </p:cTn>
+                              </p:par>
+                            </p:childTnLst>
+                          </p:cTn>
+                        </p:par>
+                      </p:childTnLst>
+                    </p:cTn>
+                  </p:par>
+                  <p:par>
+                    <p:cTn id="8" fill="hold">
+                      <p:stCondLst>
+                        <p:cond delay="indefinite"/>
+                      </p:stCondLst>
+                      <p:childTnLst>
+                        <p:par>
+                          <p:cTn id="9" fill="hold">
+                            <p:stCondLst>
+                              <p:cond delay="0"/>
+                            </p:stCondLst>
+                            <p:childTnLst>
+                              <p:par>
+                                <p:cTn id="10" presetID="10" presetClass="entr" presetSubtype="0" fill="hold" nodeType="clickEffect">
+                                  <p:stCondLst>
+                                    <p:cond delay="0"/>
+                                  </p:stCondLst>
+                                  <p:childTnLst>
+                                    <p:set>
+                                      <p:cBhvr>
+                                        <p:cTn id="11" dur="1" fill="hold">
+                                          <p:stCondLst>
+                                            <p:cond delay="0"/>
+                                          </p:stCondLst>
+                                        </p:cTn>
+                                        <p:tgtEl>
+                                          <p:spTgt spid="4">
+                                            <p:txEl>
+                                              <p:pRg st="2" end="2"/>
+                                            </p:txEl>
+                                          </p:spTgt>
+                                        </p:tgtEl>
+                                        <p:attrNameLst>
+                                          <p:attrName>style.visibility</p:attrName>
+                                        </p:attrNameLst>
+                                      </p:cBhvr>
+                                      <p:to>
+                                        <p:strVal val="visible"/>
+                                      </p:to>
+                                    </p:set>
+                                    <p:animEffect transition="in" filter="fade">
+                                      <p:cBhvr>
+                                        <p:cTn id="12" dur="500"/>
+                                        <p:tgtEl>
+                                          <p:spTgt spid="4">
+                                            <p:txEl>
+                                              <p:pRg st="2" end="2"/>
+                                            </p:txEl>
+                                          </p:spTgt>
+                                        </p:tgtEl>
+                                      </p:cBhvr>
+                                    </p:animEffect>
+                                  </p:childTnLst>
+                                </p:cTn>
+                              </p:par>
+                              <p:par>
+                                <p:cTn id="13" presetID="10" presetClass="entr" presetSubtype="0" fill="hold" nodeType="withEffect">
+                                  <p:stCondLst>
+                                    <p:cond delay="0"/>
+                                  </p:stCondLst>
+                                  <p:childTnLst>
+                                    <p:set>
+                                      <p:cBhvr>
+                                        <p:cTn id="14" dur="1" fill="hold">
+                                          <p:stCondLst>
+                                            <p:cond delay="0"/>
+                                          </p:stCondLst>
+                                        </p:cTn>
+                                        <p:tgtEl>
+                                          <p:spTgt spid="4">
+                                            <p:txEl>
+                                              <p:pRg st="3" end="3"/>
+                                            </p:txEl>
+                                          </p:spTgt>
+                                        </p:tgtEl>
+                                        <p:attrNameLst>
+                                          <p:attrName>style.visibility</p:attrName>
+                                        </p:attrNameLst>
+                                      </p:cBhvr>
+                                      <p:to>
+                                        <p:strVal val="visible"/>
+                                      </p:to>
+                                    </p:set>
+                                    <p:animEffect transition="in" filter="fade">
+                                      <p:cBhvr>
+                                        <p:cTn id="15" dur="500"/>
+                                        <p:tgtEl>
+                                          <p:spTgt spid="4">
+                                            <p:txEl>
+                                              <p:pRg st="3" end="3"/>
+                                            </p:txEl>
+                                          </p:spTgt>
+                                        </p:tgtEl>
+                                      </p:cBhvr>
+                                    </p:animEffect>
+                                  </p:childTnLst>
+                                </p:cTn>
+                              </p:par>
+                            </p:childTnLst>
+                          </p:cTn>
+                        </p:par>
+                      </p:childTnLst>
+                    </p:cTn>
+                  </p:par>
+                  <p:par>
+                    <p:cTn id="16" fill="hold">
+                      <p:stCondLst>
+                        <p:cond delay="indefinite"/>
+                      </p:stCondLst>
+                      <p:childTnLst>
+                        <p:par>
+                          <p:cTn id="17" fill="hold">
+                            <p:stCondLst>
+                              <p:cond delay="0"/>
+                            </p:stCondLst>
+                            <p:childTnLst>
+                              <p:par>
+                                <p:cTn id="18" presetID="10" presetClass="entr" presetSubtype="0" fill="hold" nodeType="clickEffect">
+                                  <p:stCondLst>
+                                    <p:cond delay="0"/>
+                                  </p:stCondLst>
+                                  <p:childTnLst>
+                                    <p:set>
+                                      <p:cBhvr>
+                                        <p:cTn id="19" dur="1" fill="hold">
+                                          <p:stCondLst>
+                                            <p:cond delay="0"/>
+                                          </p:stCondLst>
+                                        </p:cTn>
+                                        <p:tgtEl>
+                                          <p:spTgt spid="4">
+                                            <p:txEl>
+                                              <p:pRg st="5" end="5"/>
+                                            </p:txEl>
+                                          </p:spTgt>
+                                        </p:tgtEl>
+                                        <p:attrNameLst>
+                                          <p:attrName>style.visibility</p:attrName>
+                                        </p:attrNameLst>
+                                      </p:cBhvr>
+                                      <p:to>
+                                        <p:strVal val="visible"/>
+                                      </p:to>
+                                    </p:set>
+                                    <p:animEffect transition="in" filter="fade">
+                                      <p:cBhvr>
+                                        <p:cTn id="20" dur="500"/>
+                                        <p:tgtEl>
+                                          <p:spTgt spid="4">
+                                            <p:txEl>
+                                              <p:pRg st="5" end="5"/>
+                                            </p:txEl>
+                                          </p:spTgt>
+                                        </p:tgtEl>
+                                      </p:cBhvr>
+                                    </p:animEffect>
+                                  </p:childTnLst>
+                                </p:cTn>
+                              </p:par>
+                            </p:childTnLst>
+                          </p:cTn>
+                        </p:par>
+                      </p:childTnLst>
+                    </p:cTn>
+                  </p:par>
+                  <p:par>
+                    <p:cTn id="21" fill="hold">
+                      <p:stCondLst>
+                        <p:cond delay="indefinite"/>
+                      </p:stCondLst>
+                      <p:childTnLst>
+                        <p:par>
+                          <p:cTn id="22" fill="hold">
+                            <p:stCondLst>
+                              <p:cond delay="0"/>
+                            </p:stCondLst>
+                            <p:childTnLst>
+                              <p:par>
+                                <p:cTn id="23" presetID="10" presetClass="entr" presetSubtype="0" fill="hold" nodeType="clickEffect">
+                                  <p:stCondLst>
+                                    <p:cond delay="0"/>
+                                  </p:stCondLst>
+                                  <p:childTnLst>
+                                    <p:set>
+                                      <p:cBhvr>
+                                        <p:cTn id="24" dur="1" fill="hold">
+                                          <p:stCondLst>
+                                            <p:cond delay="0"/>
+                                          </p:stCondLst>
+                                        </p:cTn>
+                                        <p:tgtEl>
+                                          <p:spTgt spid="4">
+                                            <p:txEl>
+                                              <p:pRg st="7" end="7"/>
+                                            </p:txEl>
+                                          </p:spTgt>
+                                        </p:tgtEl>
+                                        <p:attrNameLst>
+                                          <p:attrName>style.visibility</p:attrName>
+                                        </p:attrNameLst>
+                                      </p:cBhvr>
+                                      <p:to>
+                                        <p:strVal val="visible"/>
+                                      </p:to>
+                                    </p:set>
+                                    <p:animEffect transition="in" filter="fade">
+                                      <p:cBhvr>
+                                        <p:cTn id="25" dur="500"/>
+                                        <p:tgtEl>
+                                          <p:spTgt spid="4">
+                                            <p:txEl>
+                                              <p:pRg st="7" end="7"/>
+                                            </p:txEl>
+                                          </p:spTgt>
+                                        </p:tgtEl>
+                                      </p:cBhvr>
+                                    </p:animEffect>
+                                  </p:childTnLst>
+                                </p:cTn>
+                              </p:par>
+                            </p:childTnLst>
+                          </p:cTn>
+                        </p:par>
+                      </p:childTnLst>
+                    </p:cTn>
+                  </p:par>
+                  <p:par>
+                    <p:cTn id="26" fill="hold">
+                      <p:stCondLst>
+                        <p:cond delay="indefinite"/>
+                      </p:stCondLst>
+                      <p:childTnLst>
+                        <p:par>
+                          <p:cTn id="27" fill="hold">
+                            <p:stCondLst>
+                              <p:cond delay="0"/>
+                            </p:stCondLst>
+                            <p:childTnLst>
+                              <p:par>
+                                <p:cTn id="28" presetID="10" presetClass="entr" presetSubtype="0" fill="hold" nodeType="clickEffect">
+                                  <p:stCondLst>
+                                    <p:cond delay="0"/>
+                                  </p:stCondLst>
+                                  <p:childTnLst>
+                                    <p:set>
+                                      <p:cBhvr>
+                                        <p:cTn id="29" dur="1" fill="hold">
+                                          <p:stCondLst>
+                                            <p:cond delay="0"/>
+                                          </p:stCondLst>
+                                        </p:cTn>
+                                        <p:tgtEl>
+                                          <p:spTgt spid="4">
+                                            <p:txEl>
+                                              <p:pRg st="9" end="9"/>
+                                            </p:txEl>
+                                          </p:spTgt>
+                                        </p:tgtEl>
+                                        <p:attrNameLst>
+                                          <p:attrName>style.visibility</p:attrName>
+                                        </p:attrNameLst>
+                                      </p:cBhvr>
+                                      <p:to>
+                                        <p:strVal val="visible"/>
+                                      </p:to>
+                                    </p:set>
+                                    <p:animEffect transition="in" filter="fade">
+                                      <p:cBhvr>
+                                        <p:cTn id="30" dur="500"/>
+                                        <p:tgtEl>
+                                          <p:spTgt spid="4">
+                                            <p:txEl>
+                                              <p:pRg st="9" end="9"/>
+                                            </p:txEl>
+                                          </p:spTgt>
+                                        </p:tgtEl>
+                                      </p:cBhvr>
+                                    </p:animEffect>
+                                  </p:childTnLst>
+                                </p:cTn>
+                              </p:par>
+                            </p:childTnLst>
+                          </p:cTn>
+                        </p:par>
+                      </p:childTnLst>
+                    </p:cTn>
+                  </p:par>
+                </p:childTnLst>
+              </p:cTn>
+              <p:prevCondLst>
+                <p:cond evt="onPrev" delay="0">
+                  <p:tgtEl>
+                    <p:sldTgt/>
+                  </p:tgtEl>
+                </p:cond>
+              </p:prevCondLst>
+              <p:nextCondLst>
+                <p:cond evt="onNext" delay="0">
+                  <p:tgtEl>
+                    <p:sldTgt/>
+                  </p:tgtEl>
+                </p:cond>
+              </p:nextCondLst>
+            </p:seq>
+          </p:childTnLst>
+        </p:cTn>
       </p:par>
     </p:tnLst>
   </p:timing>
@@ -16122,168 +17425,56 @@
                 <a:latin typeface="Arial" panose="020B0604020202020204" pitchFamily="34" charset="0"/>
                 <a:cs typeface="Arial" panose="020B0604020202020204" pitchFamily="34" charset="0"/>
               </a:rPr>
-              <a:t>[4] </a:t>
-            </a:r>
-            <a:r>
-              <a:rPr lang="en-GB" dirty="0">
+              <a:t>[</a:t>
+            </a:r>
+            <a:r>
+              <a:rPr lang="tr-TR" dirty="0">
                 <a:latin typeface="Arial" panose="020B0604020202020204" pitchFamily="34" charset="0"/>
                 <a:cs typeface="Arial" panose="020B0604020202020204" pitchFamily="34" charset="0"/>
               </a:rPr>
-              <a:t>A. D. Hansen, M. </a:t>
-            </a:r>
-            <a:r>
-              <a:rPr lang="en-GB" dirty="0" err="1">
-                <a:latin typeface="Arial" panose="020B0604020202020204" pitchFamily="34" charset="0"/>
-                <a:cs typeface="Arial" panose="020B0604020202020204" pitchFamily="34" charset="0"/>
-              </a:rPr>
-              <a:t>Altin</a:t>
-            </a:r>
-            <a:r>
-              <a:rPr lang="en-GB" dirty="0">
-                <a:latin typeface="Arial" panose="020B0604020202020204" pitchFamily="34" charset="0"/>
-                <a:cs typeface="Arial" panose="020B0604020202020204" pitchFamily="34" charset="0"/>
-              </a:rPr>
-              <a:t>, I. D. </a:t>
-            </a:r>
-            <a:r>
-              <a:rPr lang="en-GB" dirty="0" err="1">
-                <a:latin typeface="Arial" panose="020B0604020202020204" pitchFamily="34" charset="0"/>
-                <a:cs typeface="Arial" panose="020B0604020202020204" pitchFamily="34" charset="0"/>
-              </a:rPr>
-              <a:t>Margaris</a:t>
-            </a:r>
-            <a:r>
-              <a:rPr lang="en-GB" dirty="0">
-                <a:latin typeface="Arial" panose="020B0604020202020204" pitchFamily="34" charset="0"/>
-                <a:cs typeface="Arial" panose="020B0604020202020204" pitchFamily="34" charset="0"/>
-              </a:rPr>
-              <a:t>, F. </a:t>
-            </a:r>
-            <a:r>
-              <a:rPr lang="en-GB" dirty="0" err="1">
-                <a:latin typeface="Arial" panose="020B0604020202020204" pitchFamily="34" charset="0"/>
-                <a:cs typeface="Arial" panose="020B0604020202020204" pitchFamily="34" charset="0"/>
-              </a:rPr>
-              <a:t>Iov</a:t>
-            </a:r>
-            <a:r>
-              <a:rPr lang="en-GB" dirty="0">
-                <a:latin typeface="Arial" panose="020B0604020202020204" pitchFamily="34" charset="0"/>
-                <a:cs typeface="Arial" panose="020B0604020202020204" pitchFamily="34" charset="0"/>
-              </a:rPr>
-              <a:t>, and G. C. </a:t>
-            </a:r>
-            <a:r>
-              <a:rPr lang="en-GB" dirty="0" err="1">
-                <a:latin typeface="Arial" panose="020B0604020202020204" pitchFamily="34" charset="0"/>
-                <a:cs typeface="Arial" panose="020B0604020202020204" pitchFamily="34" charset="0"/>
-              </a:rPr>
-              <a:t>Tarnowski</a:t>
-            </a:r>
-            <a:r>
-              <a:rPr lang="en-GB" dirty="0">
-                <a:latin typeface="Arial" panose="020B0604020202020204" pitchFamily="34" charset="0"/>
-                <a:cs typeface="Arial" panose="020B0604020202020204" pitchFamily="34" charset="0"/>
-              </a:rPr>
-              <a:t>, </a:t>
+              <a:t>4] </a:t>
             </a:r>
             <a:r>
               <a:rPr lang="tr-TR" dirty="0" smtClean="0">
                 <a:latin typeface="Arial" panose="020B0604020202020204" pitchFamily="34" charset="0"/>
                 <a:cs typeface="Arial" panose="020B0604020202020204" pitchFamily="34" charset="0"/>
               </a:rPr>
-              <a:t>	</a:t>
-            </a:r>
-            <a:r>
-              <a:rPr lang="en-GB" dirty="0" smtClean="0">
+              <a:t>J</a:t>
+            </a:r>
+            <a:r>
+              <a:rPr lang="tr-TR" dirty="0">
                 <a:latin typeface="Arial" panose="020B0604020202020204" pitchFamily="34" charset="0"/>
                 <a:cs typeface="Arial" panose="020B0604020202020204" pitchFamily="34" charset="0"/>
               </a:rPr>
-              <a:t>“Analysis</a:t>
+              <a:t>. Licari, J. Ekanayake, and I. Moore, “Inertia response from </a:t>
             </a:r>
             <a:r>
               <a:rPr lang="tr-TR" dirty="0" smtClean="0">
                 <a:latin typeface="Arial" panose="020B0604020202020204" pitchFamily="34" charset="0"/>
                 <a:cs typeface="Arial" panose="020B0604020202020204" pitchFamily="34" charset="0"/>
               </a:rPr>
-              <a:t> </a:t>
-            </a:r>
-            <a:r>
-              <a:rPr lang="en-GB" dirty="0" smtClean="0">
+              <a:t>full-	power </a:t>
+            </a:r>
+            <a:r>
+              <a:rPr lang="tr-TR" dirty="0">
                 <a:latin typeface="Arial" panose="020B0604020202020204" pitchFamily="34" charset="0"/>
                 <a:cs typeface="Arial" panose="020B0604020202020204" pitchFamily="34" charset="0"/>
               </a:rPr>
-              <a:t>of </a:t>
-            </a:r>
-            <a:r>
-              <a:rPr lang="en-GB" dirty="0">
-                <a:latin typeface="Arial" panose="020B0604020202020204" pitchFamily="34" charset="0"/>
-                <a:cs typeface="Arial" panose="020B0604020202020204" pitchFamily="34" charset="0"/>
-              </a:rPr>
-              <a:t>the short-term overproduction capability of variable </a:t>
+              <a:t>converter-based permanent magnet wind generators,” J. </a:t>
             </a:r>
             <a:r>
               <a:rPr lang="tr-TR" dirty="0" smtClean="0">
                 <a:latin typeface="Arial" panose="020B0604020202020204" pitchFamily="34" charset="0"/>
                 <a:cs typeface="Arial" panose="020B0604020202020204" pitchFamily="34" charset="0"/>
               </a:rPr>
-              <a:t>	</a:t>
-            </a:r>
-            <a:r>
-              <a:rPr lang="en-GB" dirty="0" smtClean="0">
+              <a:t>	Mod</a:t>
+            </a:r>
+            <a:r>
+              <a:rPr lang="tr-TR" dirty="0">
                 <a:latin typeface="Arial" panose="020B0604020202020204" pitchFamily="34" charset="0"/>
                 <a:cs typeface="Arial" panose="020B0604020202020204" pitchFamily="34" charset="0"/>
               </a:rPr>
-              <a:t>speed </a:t>
-            </a:r>
-            <a:r>
-              <a:rPr lang="en-GB" dirty="0">
-                <a:latin typeface="Arial" panose="020B0604020202020204" pitchFamily="34" charset="0"/>
-                <a:cs typeface="Arial" panose="020B0604020202020204" pitchFamily="34" charset="0"/>
-              </a:rPr>
-              <a:t>wind turbines</a:t>
-            </a:r>
-            <a:r>
-              <a:rPr lang="en-GB" dirty="0" smtClean="0">
-                <a:latin typeface="Arial" panose="020B0604020202020204" pitchFamily="34" charset="0"/>
-                <a:cs typeface="Arial" panose="020B0604020202020204" pitchFamily="34" charset="0"/>
-              </a:rPr>
-              <a:t>,”</a:t>
-            </a:r>
-            <a:r>
-              <a:rPr lang="tr-TR" dirty="0" smtClean="0">
-                <a:latin typeface="Arial" panose="020B0604020202020204" pitchFamily="34" charset="0"/>
-                <a:cs typeface="Arial" panose="020B0604020202020204" pitchFamily="34" charset="0"/>
-              </a:rPr>
-              <a:t> </a:t>
-            </a:r>
-            <a:r>
-              <a:rPr lang="en-GB" dirty="0" smtClean="0">
-                <a:latin typeface="Arial" panose="020B0604020202020204" pitchFamily="34" charset="0"/>
-                <a:cs typeface="Arial" panose="020B0604020202020204" pitchFamily="34" charset="0"/>
-              </a:rPr>
-              <a:t>Renewable </a:t>
-            </a:r>
-            <a:r>
-              <a:rPr lang="en-GB" dirty="0">
-                <a:latin typeface="Arial" panose="020B0604020202020204" pitchFamily="34" charset="0"/>
-                <a:cs typeface="Arial" panose="020B0604020202020204" pitchFamily="34" charset="0"/>
-              </a:rPr>
-              <a:t>Energy, vol. 68, pp. 326–336, </a:t>
-            </a:r>
-            <a:r>
-              <a:rPr lang="tr-TR" dirty="0" smtClean="0">
-                <a:latin typeface="Arial" panose="020B0604020202020204" pitchFamily="34" charset="0"/>
-                <a:cs typeface="Arial" panose="020B0604020202020204" pitchFamily="34" charset="0"/>
-              </a:rPr>
-              <a:t>	</a:t>
-            </a:r>
-            <a:r>
-              <a:rPr lang="en-GB" dirty="0" smtClean="0">
-                <a:latin typeface="Arial" panose="020B0604020202020204" pitchFamily="34" charset="0"/>
-                <a:cs typeface="Arial" panose="020B0604020202020204" pitchFamily="34" charset="0"/>
-              </a:rPr>
-              <a:t>2014.</a:t>
+              <a:t>. Power Syst. Clean Energy, vol. 1, no. 1, pp. 26–33, 2013.</a:t>
             </a:r>
             <a:endParaRPr lang="tr-TR" dirty="0" smtClean="0">
               <a:latin typeface="Arial" panose="020B0604020202020204" pitchFamily="34" charset="0"/>
@@ -16305,6 +17496,186 @@
               <a:t>[5] </a:t>
             </a:r>
             <a:r>
+              <a:rPr lang="en-GB" dirty="0">
+                <a:latin typeface="Arial" panose="020B0604020202020204" pitchFamily="34" charset="0"/>
+                <a:cs typeface="Arial" panose="020B0604020202020204" pitchFamily="34" charset="0"/>
+              </a:rPr>
+              <a:t>A. D. Hansen, M. </a:t>
+            </a:r>
+            <a:r>
+              <a:rPr lang="en-GB" dirty="0" err="1">
+                <a:latin typeface="Arial" panose="020B0604020202020204" pitchFamily="34" charset="0"/>
+                <a:cs typeface="Arial" panose="020B0604020202020204" pitchFamily="34" charset="0"/>
+              </a:rPr>
+              <a:t>Altin</a:t>
+            </a:r>
+            <a:r>
+              <a:rPr lang="en-GB" dirty="0">
+                <a:latin typeface="Arial" panose="020B0604020202020204" pitchFamily="34" charset="0"/>
+                <a:cs typeface="Arial" panose="020B0604020202020204" pitchFamily="34" charset="0"/>
+              </a:rPr>
+              <a:t>, I. D. </a:t>
+            </a:r>
+            <a:r>
+              <a:rPr lang="en-GB" dirty="0" err="1">
+                <a:latin typeface="Arial" panose="020B0604020202020204" pitchFamily="34" charset="0"/>
+                <a:cs typeface="Arial" panose="020B0604020202020204" pitchFamily="34" charset="0"/>
+              </a:rPr>
+              <a:t>Margaris</a:t>
+            </a:r>
+            <a:r>
+              <a:rPr lang="en-GB" dirty="0">
+                <a:latin typeface="Arial" panose="020B0604020202020204" pitchFamily="34" charset="0"/>
+                <a:cs typeface="Arial" panose="020B0604020202020204" pitchFamily="34" charset="0"/>
+              </a:rPr>
+              <a:t>, F. </a:t>
+            </a:r>
+            <a:r>
+              <a:rPr lang="en-GB" dirty="0" err="1">
+                <a:latin typeface="Arial" panose="020B0604020202020204" pitchFamily="34" charset="0"/>
+                <a:cs typeface="Arial" panose="020B0604020202020204" pitchFamily="34" charset="0"/>
+              </a:rPr>
+              <a:t>Iov</a:t>
+            </a:r>
+            <a:r>
+              <a:rPr lang="en-GB" dirty="0">
+                <a:latin typeface="Arial" panose="020B0604020202020204" pitchFamily="34" charset="0"/>
+                <a:cs typeface="Arial" panose="020B0604020202020204" pitchFamily="34" charset="0"/>
+              </a:rPr>
+              <a:t>, and G. C. </a:t>
+            </a:r>
+            <a:r>
+              <a:rPr lang="en-GB" dirty="0" err="1">
+                <a:latin typeface="Arial" panose="020B0604020202020204" pitchFamily="34" charset="0"/>
+                <a:cs typeface="Arial" panose="020B0604020202020204" pitchFamily="34" charset="0"/>
+              </a:rPr>
+              <a:t>Tarnowski</a:t>
+            </a:r>
+            <a:r>
+              <a:rPr lang="en-GB" dirty="0">
+                <a:latin typeface="Arial" panose="020B0604020202020204" pitchFamily="34" charset="0"/>
+                <a:cs typeface="Arial" panose="020B0604020202020204" pitchFamily="34" charset="0"/>
+              </a:rPr>
+              <a:t>, </a:t>
+            </a:r>
+            <a:r>
+              <a:rPr lang="tr-TR" dirty="0" smtClean="0">
+                <a:latin typeface="Arial" panose="020B0604020202020204" pitchFamily="34" charset="0"/>
+                <a:cs typeface="Arial" panose="020B0604020202020204" pitchFamily="34" charset="0"/>
+              </a:rPr>
+              <a:t>	</a:t>
+            </a:r>
+            <a:r>
+              <a:rPr lang="en-GB" dirty="0" smtClean="0">
+                <a:latin typeface="Arial" panose="020B0604020202020204" pitchFamily="34" charset="0"/>
+                <a:cs typeface="Arial" panose="020B0604020202020204" pitchFamily="34" charset="0"/>
+              </a:rPr>
+              <a:t>“Analysis</a:t>
+            </a:r>
+            <a:r>
+              <a:rPr lang="tr-TR" dirty="0" smtClean="0">
+                <a:latin typeface="Arial" panose="020B0604020202020204" pitchFamily="34" charset="0"/>
+                <a:cs typeface="Arial" panose="020B0604020202020204" pitchFamily="34" charset="0"/>
+              </a:rPr>
+              <a:t> </a:t>
+            </a:r>
+            <a:r>
+              <a:rPr lang="en-GB" dirty="0" smtClean="0">
+                <a:latin typeface="Arial" panose="020B0604020202020204" pitchFamily="34" charset="0"/>
+                <a:cs typeface="Arial" panose="020B0604020202020204" pitchFamily="34" charset="0"/>
+              </a:rPr>
+              <a:t>of </a:t>
+            </a:r>
+            <a:r>
+              <a:rPr lang="en-GB" dirty="0">
+                <a:latin typeface="Arial" panose="020B0604020202020204" pitchFamily="34" charset="0"/>
+                <a:cs typeface="Arial" panose="020B0604020202020204" pitchFamily="34" charset="0"/>
+              </a:rPr>
+              <a:t>the short-term overproduction capability of variable </a:t>
+            </a:r>
+            <a:r>
+              <a:rPr lang="tr-TR" dirty="0" smtClean="0">
+                <a:latin typeface="Arial" panose="020B0604020202020204" pitchFamily="34" charset="0"/>
+                <a:cs typeface="Arial" panose="020B0604020202020204" pitchFamily="34" charset="0"/>
+              </a:rPr>
+              <a:t>	</a:t>
+            </a:r>
+            <a:r>
+              <a:rPr lang="en-GB" dirty="0" smtClean="0">
+                <a:latin typeface="Arial" panose="020B0604020202020204" pitchFamily="34" charset="0"/>
+                <a:cs typeface="Arial" panose="020B0604020202020204" pitchFamily="34" charset="0"/>
+              </a:rPr>
+              <a:t>speed </a:t>
+            </a:r>
+            <a:r>
+              <a:rPr lang="en-GB" dirty="0">
+                <a:latin typeface="Arial" panose="020B0604020202020204" pitchFamily="34" charset="0"/>
+                <a:cs typeface="Arial" panose="020B0604020202020204" pitchFamily="34" charset="0"/>
+              </a:rPr>
+              <a:t>wind turbines</a:t>
+            </a:r>
+            <a:r>
+              <a:rPr lang="en-GB" dirty="0" smtClean="0">
+                <a:latin typeface="Arial" panose="020B0604020202020204" pitchFamily="34" charset="0"/>
+                <a:cs typeface="Arial" panose="020B0604020202020204" pitchFamily="34" charset="0"/>
+              </a:rPr>
+              <a:t>,”</a:t>
+            </a:r>
+            <a:r>
+              <a:rPr lang="tr-TR" dirty="0" smtClean="0">
+                <a:latin typeface="Arial" panose="020B0604020202020204" pitchFamily="34" charset="0"/>
+                <a:cs typeface="Arial" panose="020B0604020202020204" pitchFamily="34" charset="0"/>
+              </a:rPr>
+              <a:t> </a:t>
+            </a:r>
+            <a:r>
+              <a:rPr lang="en-GB" dirty="0" smtClean="0">
+                <a:latin typeface="Arial" panose="020B0604020202020204" pitchFamily="34" charset="0"/>
+                <a:cs typeface="Arial" panose="020B0604020202020204" pitchFamily="34" charset="0"/>
+              </a:rPr>
+              <a:t>Renewable </a:t>
+            </a:r>
+            <a:r>
+              <a:rPr lang="en-GB" dirty="0">
+                <a:latin typeface="Arial" panose="020B0604020202020204" pitchFamily="34" charset="0"/>
+                <a:cs typeface="Arial" panose="020B0604020202020204" pitchFamily="34" charset="0"/>
+              </a:rPr>
+              <a:t>Energy, vol. 68, pp. 326–336, </a:t>
+            </a:r>
+            <a:r>
+              <a:rPr lang="tr-TR" dirty="0" smtClean="0">
+                <a:latin typeface="Arial" panose="020B0604020202020204" pitchFamily="34" charset="0"/>
+                <a:cs typeface="Arial" panose="020B0604020202020204" pitchFamily="34" charset="0"/>
+              </a:rPr>
+              <a:t>	</a:t>
+            </a:r>
+            <a:r>
+              <a:rPr lang="en-GB" dirty="0" smtClean="0">
+                <a:latin typeface="Arial" panose="020B0604020202020204" pitchFamily="34" charset="0"/>
+                <a:cs typeface="Arial" panose="020B0604020202020204" pitchFamily="34" charset="0"/>
+              </a:rPr>
+              <a:t>2014.</a:t>
+            </a:r>
+            <a:endParaRPr lang="tr-TR" dirty="0" smtClean="0">
+              <a:latin typeface="Arial" panose="020B0604020202020204" pitchFamily="34" charset="0"/>
+              <a:cs typeface="Arial" panose="020B0604020202020204" pitchFamily="34" charset="0"/>
+            </a:endParaRPr>
+          </a:p>
+          <a:p>
+            <a:pPr marL="0" indent="0">
+              <a:buNone/>
+              <a:tabLst>
+                <a:tab pos="449263" algn="l"/>
+              </a:tabLst>
+            </a:pPr>
+            <a:r>
+              <a:rPr lang="tr-TR" dirty="0" smtClean="0">
+                <a:latin typeface="Arial" panose="020B0604020202020204" pitchFamily="34" charset="0"/>
+                <a:cs typeface="Arial" panose="020B0604020202020204" pitchFamily="34" charset="0"/>
+              </a:rPr>
+              <a:t>[6] </a:t>
+            </a:r>
+            <a:r>
               <a:rPr lang="en-GB" dirty="0" smtClean="0">
                 <a:latin typeface="Arial" panose="020B0604020202020204" pitchFamily="34" charset="0"/>
                 <a:cs typeface="Arial" panose="020B0604020202020204" pitchFamily="34" charset="0"/>
@@ -16353,7 +17724,7 @@
                 <a:latin typeface="Arial" panose="020B0604020202020204" pitchFamily="34" charset="0"/>
                 <a:cs typeface="Arial" panose="020B0604020202020204" pitchFamily="34" charset="0"/>
               </a:rPr>
-              <a:t>[6]</a:t>
+              <a:t>[7]</a:t>
             </a:r>
             <a:r>
               <a:rPr lang="tr-TR" dirty="0" smtClean="0"/>
@@ -16444,7 +17815,7 @@
                 <a:latin typeface="Arial" panose="020B0604020202020204" pitchFamily="34" charset="0"/>
                 <a:cs typeface="Arial" panose="020B0604020202020204" pitchFamily="34" charset="0"/>
               </a:rPr>
-              <a:t>Frequency Disturbance from Northern Cyprus</a:t>
+              <a:t>Thank you!	</a:t>
             </a:r>
             <a:endParaRPr lang="en-US" dirty="0" smtClean="0">
               <a:latin typeface="Arial" panose="020B0604020202020204" pitchFamily="34" charset="0"/>
@@ -16503,6 +17874,154 @@
                 <a:defRPr/>
               </a:pPr>
               <a:t>35</a:t>
+            </a:fld>
+            <a:endParaRPr lang="en-US" dirty="0"/>
+          </a:p>
+        </p:txBody>
+      </p:sp>
+      <p:sp>
+        <p:nvSpPr>
+          <p:cNvPr id="5" name="Content Placeholder 4"/>
+          <p:cNvSpPr>
+            <a:spLocks noGrp="1"/>
+          </p:cNvSpPr>
+          <p:nvPr>
+            <p:ph idx="1"/>
+          </p:nvPr>
+        </p:nvSpPr>
+        <p:spPr/>
+        <p:txBody>
+          <a:bodyPr/>
+          <a:lstStyle/>
+          <a:p>
+            <a:r>
+              <a:rPr lang="tr-TR" dirty="0" smtClean="0"/>
+              <a:t>Any questions?</a:t>
+            </a:r>
+            <a:endParaRPr lang="tr-TR" dirty="0"/>
+          </a:p>
+        </p:txBody>
+      </p:sp>
+    </p:spTree>
+    <p:extLst>
+      <p:ext uri="{BB962C8B-B14F-4D97-AF65-F5344CB8AC3E}">
+        <p14:creationId xmlns:p14="http://schemas.microsoft.com/office/powerpoint/2010/main" val="2985093739"/>
+      </p:ext>
+    </p:extLst>
+  </p:cSld>
+  <p:clrMapOvr>
+    <a:masterClrMapping/>
+  </p:clrMapOvr>
+  <p:transition/>
+  <p:timing>
+    <p:tnLst>
+      <p:par>
+        <p:cTn id="1" dur="indefinite" restart="never" nodeType="tmRoot"/>
+      </p:par>
+    </p:tnLst>
+  </p:timing>
+</p:sld>
+</file>
+
+<file path=ppt/slides/slide36.xml><?xml version="1.0" encoding="utf-8"?>
+<p:sld xmlns:a="http://schemas.openxmlformats.org/drawingml/2006/main" xmlns:r="http://schemas.openxmlformats.org/officeDocument/2006/relationships" xmlns:p="http://schemas.openxmlformats.org/presentationml/2006/main">
+  <p:cSld>
+    <p:spTree>
+      <p:nvGrpSpPr>
+        <p:cNvPr id="1" name=""/>
+        <p:cNvGrpSpPr/>
+        <p:nvPr/>
+      </p:nvGrpSpPr>
+      <p:grpSpPr>
+        <a:xfrm>
+          <a:off x="0" y="0"/>
+          <a:ext cx="0" cy="0"/>
+          <a:chOff x="0" y="0"/>
+          <a:chExt cx="0" cy="0"/>
+        </a:xfrm>
+      </p:grpSpPr>
+      <p:sp>
+        <p:nvSpPr>
+          <p:cNvPr id="5122" name="Rectangle 2"/>
+          <p:cNvSpPr>
+            <a:spLocks noGrp="1" noChangeArrowheads="1"/>
+          </p:cNvSpPr>
+          <p:nvPr>
+            <p:ph type="title"/>
+          </p:nvPr>
+        </p:nvSpPr>
+        <p:spPr/>
+        <p:txBody>
+          <a:bodyPr/>
+          <a:lstStyle/>
+          <a:p>
+            <a:pPr>
+              <a:defRPr/>
+            </a:pPr>
+            <a:r>
+              <a:rPr lang="tr-TR" dirty="0" smtClean="0">
+                <a:latin typeface="Arial" panose="020B0604020202020204" pitchFamily="34" charset="0"/>
+                <a:cs typeface="Arial" panose="020B0604020202020204" pitchFamily="34" charset="0"/>
+              </a:rPr>
+              <a:t>Frequency Disturbance from Northern Cyprus</a:t>
+            </a:r>
+            <a:endParaRPr lang="en-US" dirty="0" smtClean="0">
+              <a:latin typeface="Arial" panose="020B0604020202020204" pitchFamily="34" charset="0"/>
+              <a:cs typeface="Arial" panose="020B0604020202020204" pitchFamily="34" charset="0"/>
+            </a:endParaRPr>
+          </a:p>
+        </p:txBody>
+      </p:sp>
+      <p:sp>
+        <p:nvSpPr>
+          <p:cNvPr id="2" name="Date Placeholder 1"/>
+          <p:cNvSpPr>
+            <a:spLocks noGrp="1"/>
+          </p:cNvSpPr>
+          <p:nvPr>
+            <p:ph type="dt" sz="half" idx="2"/>
+          </p:nvPr>
+        </p:nvSpPr>
+        <p:spPr/>
+        <p:txBody>
+          <a:bodyPr/>
+          <a:lstStyle/>
+          <a:p>
+            <a:pPr>
+              <a:defRPr/>
+            </a:pPr>
+            <a:r>
+              <a:rPr lang="tr-TR" smtClean="0"/>
+              <a:t>18.01.2019</a:t>
+            </a:r>
+            <a:endParaRPr lang="en-US" dirty="0"/>
+          </a:p>
+        </p:txBody>
+      </p:sp>
+      <p:sp>
+        <p:nvSpPr>
+          <p:cNvPr id="3" name="Slide Number Placeholder 2"/>
+          <p:cNvSpPr>
+            <a:spLocks noGrp="1"/>
+          </p:cNvSpPr>
+          <p:nvPr>
+            <p:ph type="sldNum" sz="quarter" idx="12"/>
+          </p:nvPr>
+        </p:nvSpPr>
+        <p:spPr/>
+        <p:txBody>
+          <a:bodyPr/>
+          <a:lstStyle/>
+          <a:p>
+            <a:pPr>
+              <a:defRPr/>
+            </a:pPr>
+            <a:fld id="{C878F797-6006-4DDA-AFE9-456F280FE6C5}" type="slidenum">
+              <a:rPr lang="en-US" smtClean="0"/>
+              <a:pPr>
+                <a:defRPr/>
+              </a:pPr>
+              <a:t>36</a:t>
             </a:fld>
             <a:endParaRPr lang="en-US" dirty="0"/>
           </a:p>
@@ -16558,7 +18077,7 @@
 </p:sld>
 </file>
 
-<file path=ppt/slides/slide36.xml><?xml version="1.0" encoding="utf-8"?>
+<file path=ppt/slides/slide37.xml><?xml version="1.0" encoding="utf-8"?>
 <p:sld xmlns:a="http://schemas.openxmlformats.org/drawingml/2006/main" xmlns:r="http://schemas.openxmlformats.org/officeDocument/2006/relationships" xmlns:p="http://schemas.openxmlformats.org/presentationml/2006/main">
   <p:cSld>
     <p:spTree>
@@ -16685,7 +18204,7 @@
               <a:pPr>
                 <a:defRPr/>
               </a:pPr>
-              <a:t>36</a:t>
+              <a:t>37</a:t>
             </a:fld>
             <a:endParaRPr lang="en-US" dirty="0"/>
           </a:p>
@@ -16712,7 +18231,7 @@
 </p:sld>
 </file>
 
-<file path=ppt/slides/slide37.xml><?xml version="1.0" encoding="utf-8"?>
+<file path=ppt/slides/slide38.xml><?xml version="1.0" encoding="utf-8"?>
 <p:sld xmlns:a="http://schemas.openxmlformats.org/drawingml/2006/main" xmlns:r="http://schemas.openxmlformats.org/officeDocument/2006/relationships" xmlns:p="http://schemas.openxmlformats.org/presentationml/2006/main">
   <p:cSld>
     <p:spTree>
@@ -16810,7 +18329,7 @@
               <a:pPr>
                 <a:defRPr/>
               </a:pPr>
-              <a:t>37</a:t>
+              <a:t>38</a:t>
             </a:fld>
             <a:endParaRPr lang="en-US" dirty="0"/>
           </a:p>
@@ -16890,7 +18409,7 @@
 </p:sld>
 </file>
 
-<file path=ppt/slides/slide38.xml><?xml version="1.0" encoding="utf-8"?>
+<file path=ppt/slides/slide39.xml><?xml version="1.0" encoding="utf-8"?>
 <p:sld xmlns:a="http://schemas.openxmlformats.org/drawingml/2006/main" xmlns:r="http://schemas.openxmlformats.org/officeDocument/2006/relationships" xmlns:p="http://schemas.openxmlformats.org/presentationml/2006/main">
   <p:cSld>
     <p:spTree>
@@ -16930,14 +18449,7 @@
                 <a:latin typeface="Arial" panose="020B0604020202020204" pitchFamily="34" charset="0"/>
                 <a:cs typeface="Arial" panose="020B0604020202020204" pitchFamily="34" charset="0"/>
               </a:rPr>
-              <a:t>Frequency </a:t>
-            </a:r>
-            <a:r>
-              <a:rPr lang="tr-TR" dirty="0" smtClean="0">
-                <a:latin typeface="Arial" panose="020B0604020202020204" pitchFamily="34" charset="0"/>
-                <a:cs typeface="Arial" panose="020B0604020202020204" pitchFamily="34" charset="0"/>
-              </a:rPr>
-              <a:t>Disturbance with Droop=4%</a:t>
+              <a:t>Frequency Disturbance with Droop=4%</a:t>
             </a:r>
             <a:endParaRPr lang="en-US" dirty="0" smtClean="0">
               <a:latin typeface="Arial" panose="020B0604020202020204" pitchFamily="34" charset="0"/>
@@ -16995,7 +18507,7 @@
               <a:pPr>
                 <a:defRPr/>
               </a:pPr>
-              <a:t>38</a:t>
+              <a:t>39</a:t>
             </a:fld>
             <a:endParaRPr lang="en-US" dirty="0"/>
           </a:p>
@@ -17052,321 +18564,6 @@
 </p:sld>
 </file>
 
-<file path=ppt/slides/slide39.xml><?xml version="1.0" encoding="utf-8"?>
-<p:sld xmlns:a="http://schemas.openxmlformats.org/drawingml/2006/main" xmlns:r="http://schemas.openxmlformats.org/officeDocument/2006/relationships" xmlns:p="http://schemas.openxmlformats.org/presentationml/2006/main">
-  <p:cSld>
-    <p:spTree>
-      <p:nvGrpSpPr>
-        <p:cNvPr id="1" name=""/>
-        <p:cNvGrpSpPr/>
-        <p:nvPr/>
-      </p:nvGrpSpPr>
-      <p:grpSpPr>
-        <a:xfrm>
-          <a:off x="0" y="0"/>
-          <a:ext cx="0" cy="0"/>
-          <a:chOff x="0" y="0"/>
-          <a:chExt cx="0" cy="0"/>
-        </a:xfrm>
-      </p:grpSpPr>
-      <p:sp>
-        <p:nvSpPr>
-          <p:cNvPr id="5122" name="Rectangle 2"/>
-          <p:cNvSpPr>
-            <a:spLocks noGrp="1" noChangeArrowheads="1"/>
-          </p:cNvSpPr>
-          <p:nvPr>
-            <p:ph type="title"/>
-          </p:nvPr>
-        </p:nvSpPr>
-        <p:spPr/>
-        <p:txBody>
-          <a:bodyPr/>
-          <a:lstStyle/>
-          <a:p>
-            <a:pPr>
-              <a:defRPr/>
-            </a:pPr>
-            <a:r>
-              <a:rPr lang="tr-TR" dirty="0" smtClean="0">
-                <a:latin typeface="Arial" panose="020B0604020202020204" pitchFamily="34" charset="0"/>
-                <a:cs typeface="Arial" panose="020B0604020202020204" pitchFamily="34" charset="0"/>
-              </a:rPr>
-              <a:t>Aerodynamic Power</a:t>
-            </a:r>
-            <a:endParaRPr lang="en-US" dirty="0" smtClean="0">
-              <a:latin typeface="Arial" panose="020B0604020202020204" pitchFamily="34" charset="0"/>
-              <a:cs typeface="Arial" panose="020B0604020202020204" pitchFamily="34" charset="0"/>
-            </a:endParaRPr>
-          </a:p>
-        </p:txBody>
-      </p:sp>
-      <p:sp>
-        <p:nvSpPr>
-          <p:cNvPr id="2" name="Date Placeholder 1"/>
-          <p:cNvSpPr>
-            <a:spLocks noGrp="1"/>
-          </p:cNvSpPr>
-          <p:nvPr>
-            <p:ph type="dt" sz="half" idx="2"/>
-          </p:nvPr>
-        </p:nvSpPr>
-        <p:spPr/>
-        <p:txBody>
-          <a:bodyPr/>
-          <a:lstStyle/>
-          <a:p>
-            <a:pPr>
-              <a:defRPr/>
-            </a:pPr>
-            <a:r>
-              <a:rPr lang="tr-TR" smtClean="0"/>
-              <a:t>18.01.2019</a:t>
-            </a:r>
-            <a:endParaRPr lang="en-US" dirty="0"/>
-          </a:p>
-        </p:txBody>
-      </p:sp>
-      <p:sp>
-        <p:nvSpPr>
-          <p:cNvPr id="3" name="Slide Number Placeholder 2"/>
-          <p:cNvSpPr>
-            <a:spLocks noGrp="1"/>
-          </p:cNvSpPr>
-          <p:nvPr>
-            <p:ph type="sldNum" sz="quarter" idx="12"/>
-          </p:nvPr>
-        </p:nvSpPr>
-        <p:spPr/>
-        <p:txBody>
-          <a:bodyPr/>
-          <a:lstStyle/>
-          <a:p>
-            <a:pPr>
-              <a:defRPr/>
-            </a:pPr>
-            <a:fld id="{C878F797-6006-4DDA-AFE9-456F280FE6C5}" type="slidenum">
-              <a:rPr lang="en-US" smtClean="0"/>
-              <a:pPr>
-                <a:defRPr/>
-              </a:pPr>
-              <a:t>39</a:t>
-            </a:fld>
-            <a:endParaRPr lang="en-US" dirty="0"/>
-          </a:p>
-        </p:txBody>
-      </p:sp>
-      <p:pic>
-        <p:nvPicPr>
-          <p:cNvPr id="6" name="Picture 5"/>
-          <p:cNvPicPr>
-            <a:picLocks noChangeAspect="1"/>
-          </p:cNvPicPr>
-          <p:nvPr/>
-        </p:nvPicPr>
-        <p:blipFill>
-          <a:blip r:embed="rId3"/>
-          <a:stretch>
-            <a:fillRect/>
-          </a:stretch>
-        </p:blipFill>
-        <p:spPr>
-          <a:xfrm>
-            <a:off x="1979712" y="1700808"/>
-            <a:ext cx="4511626" cy="770752"/>
-          </a:xfrm>
-          <a:prstGeom prst="rect">
-            <a:avLst/>
-          </a:prstGeom>
-        </p:spPr>
-      </p:pic>
-      <p:pic>
-        <p:nvPicPr>
-          <p:cNvPr id="9" name="Picture 8"/>
-          <p:cNvPicPr>
-            <a:picLocks noChangeAspect="1"/>
-          </p:cNvPicPr>
-          <p:nvPr/>
-        </p:nvPicPr>
-        <p:blipFill>
-          <a:blip r:embed="rId4"/>
-          <a:stretch>
-            <a:fillRect/>
-          </a:stretch>
-        </p:blipFill>
-        <p:spPr>
-          <a:xfrm>
-            <a:off x="2916300" y="2453913"/>
-            <a:ext cx="2638450" cy="682260"/>
-          </a:xfrm>
-          <a:prstGeom prst="rect">
-            <a:avLst/>
-          </a:prstGeom>
-        </p:spPr>
-      </p:pic>
-      <p:pic>
-        <p:nvPicPr>
-          <p:cNvPr id="10" name="Picture 9"/>
-          <p:cNvPicPr>
-            <a:picLocks noChangeAspect="1"/>
-          </p:cNvPicPr>
-          <p:nvPr/>
-        </p:nvPicPr>
-        <p:blipFill>
-          <a:blip r:embed="rId5"/>
-          <a:stretch>
-            <a:fillRect/>
-          </a:stretch>
-        </p:blipFill>
-        <p:spPr>
-          <a:xfrm>
-            <a:off x="3119643" y="3154385"/>
-            <a:ext cx="2231764" cy="895276"/>
-          </a:xfrm>
-          <a:prstGeom prst="rect">
-            <a:avLst/>
-          </a:prstGeom>
-        </p:spPr>
-      </p:pic>
-      <p:pic>
-        <p:nvPicPr>
-          <p:cNvPr id="11" name="Picture 10"/>
-          <p:cNvPicPr>
-            <a:picLocks noChangeAspect="1"/>
-          </p:cNvPicPr>
-          <p:nvPr/>
-        </p:nvPicPr>
-        <p:blipFill>
-          <a:blip r:embed="rId6"/>
-          <a:stretch>
-            <a:fillRect/>
-          </a:stretch>
-        </p:blipFill>
-        <p:spPr>
-          <a:xfrm>
-            <a:off x="2135981" y="4049661"/>
-            <a:ext cx="4872038" cy="600280"/>
-          </a:xfrm>
-          <a:prstGeom prst="rect">
-            <a:avLst/>
-          </a:prstGeom>
-        </p:spPr>
-      </p:pic>
-      <p:pic>
-        <p:nvPicPr>
-          <p:cNvPr id="12" name="Picture 11"/>
-          <p:cNvPicPr>
-            <a:picLocks noChangeAspect="1"/>
-          </p:cNvPicPr>
-          <p:nvPr/>
-        </p:nvPicPr>
-        <p:blipFill>
-          <a:blip r:embed="rId7"/>
-          <a:stretch>
-            <a:fillRect/>
-          </a:stretch>
-        </p:blipFill>
-        <p:spPr>
-          <a:xfrm>
-            <a:off x="2965092" y="4714274"/>
-            <a:ext cx="3213816" cy="935279"/>
-          </a:xfrm>
-          <a:prstGeom prst="rect">
-            <a:avLst/>
-          </a:prstGeom>
-        </p:spPr>
-      </p:pic>
-      <p:sp>
-        <p:nvSpPr>
-          <p:cNvPr id="13" name="TextBox 12"/>
-          <p:cNvSpPr txBox="1"/>
-          <p:nvPr/>
-        </p:nvSpPr>
-        <p:spPr>
-          <a:xfrm>
-            <a:off x="1187624" y="5517232"/>
-            <a:ext cx="7632848" cy="461665"/>
-          </a:xfrm>
-          <a:prstGeom prst="rect">
-            <a:avLst/>
-          </a:prstGeom>
-          <a:noFill/>
-        </p:spPr>
-        <p:txBody>
-          <a:bodyPr wrap="square" rtlCol="0">
-            <a:spAutoFit/>
-          </a:bodyPr>
-          <a:lstStyle/>
-          <a:p>
-            <a:r>
-              <a:rPr lang="tr-TR" dirty="0" smtClean="0"/>
-              <a:t>c</a:t>
-            </a:r>
-            <a:r>
-              <a:rPr lang="tr-TR" baseline="-25000" dirty="0" smtClean="0"/>
-              <a:t>1</a:t>
-            </a:r>
-            <a:r>
-              <a:rPr lang="tr-TR" dirty="0" smtClean="0"/>
-              <a:t>=0.5176,c</a:t>
-            </a:r>
-            <a:r>
-              <a:rPr lang="tr-TR" baseline="-25000" dirty="0" smtClean="0"/>
-              <a:t>2</a:t>
-            </a:r>
-            <a:r>
-              <a:rPr lang="tr-TR" dirty="0" smtClean="0"/>
-              <a:t>=116,c</a:t>
-            </a:r>
-            <a:r>
-              <a:rPr lang="tr-TR" baseline="-25000" dirty="0" smtClean="0"/>
-              <a:t>3</a:t>
-            </a:r>
-            <a:r>
-              <a:rPr lang="tr-TR" dirty="0" smtClean="0"/>
-              <a:t>=0.4,c</a:t>
-            </a:r>
-            <a:r>
-              <a:rPr lang="tr-TR" baseline="-25000" dirty="0" smtClean="0"/>
-              <a:t>4</a:t>
-            </a:r>
-            <a:r>
-              <a:rPr lang="tr-TR" dirty="0" smtClean="0"/>
-              <a:t>=5,c5=21,c</a:t>
-            </a:r>
-            <a:r>
-              <a:rPr lang="tr-TR" baseline="-25000" dirty="0" smtClean="0"/>
-              <a:t>6</a:t>
-            </a:r>
-            <a:r>
-              <a:rPr lang="tr-TR" dirty="0" smtClean="0"/>
-              <a:t>=0.0068</a:t>
-            </a:r>
-            <a:endParaRPr lang="tr-TR" dirty="0"/>
-          </a:p>
-        </p:txBody>
-      </p:sp>
-    </p:spTree>
-    <p:extLst>
-      <p:ext uri="{BB962C8B-B14F-4D97-AF65-F5344CB8AC3E}">
-        <p14:creationId xmlns:p14="http://schemas.microsoft.com/office/powerpoint/2010/main" val="366334618"/>
-      </p:ext>
-    </p:extLst>
-  </p:cSld>
-  <p:clrMapOvr>
-    <a:masterClrMapping/>
-  </p:clrMapOvr>
-  <p:transition/>
-  <p:timing>
-    <p:tnLst>
-      <p:par>
-        <p:cTn id="1" dur="indefinite" restart="never" nodeType="tmRoot"/>
-      </p:par>
-    </p:tnLst>
-  </p:timing>
-</p:sld>
-</file>
-
 <file path=ppt/slides/slide4.xml><?xml version="1.0" encoding="utf-8"?>
 <p:sld xmlns:a="http://schemas.openxmlformats.org/drawingml/2006/main" xmlns:r="http://schemas.openxmlformats.org/officeDocument/2006/relationships" xmlns:p="http://schemas.openxmlformats.org/presentationml/2006/main">
   <p:cSld>
@@ -17452,17 +18649,73 @@
               <a:defRPr/>
             </a:pPr>
             <a:r>
+              <a:rPr lang="tr-TR" sz="2000" dirty="0" smtClean="0">
+                <a:latin typeface="Arial" panose="020B0604020202020204" pitchFamily="34" charset="0"/>
+                <a:cs typeface="Arial" panose="020B0604020202020204" pitchFamily="34" charset="0"/>
+              </a:rPr>
+              <a:t>Reduction in f</a:t>
+            </a:r>
+            <a:r>
+              <a:rPr lang="en-GB" sz="2000" dirty="0" err="1" smtClean="0">
+                <a:latin typeface="Arial" panose="020B0604020202020204" pitchFamily="34" charset="0"/>
+                <a:cs typeface="Arial" panose="020B0604020202020204" pitchFamily="34" charset="0"/>
+              </a:rPr>
+              <a:t>ossil</a:t>
+            </a:r>
+            <a:r>
               <a:rPr lang="en-GB" sz="2000" dirty="0" smtClean="0">
                 <a:latin typeface="Arial" panose="020B0604020202020204" pitchFamily="34" charset="0"/>
                 <a:cs typeface="Arial" panose="020B0604020202020204" pitchFamily="34" charset="0"/>
               </a:rPr>
-              <a:t>Fossil Fuel Usage</a:t>
+              <a:t> </a:t>
+            </a:r>
+            <a:r>
+              <a:rPr lang="tr-TR" sz="2000" dirty="0">
+                <a:latin typeface="Arial" panose="020B0604020202020204" pitchFamily="34" charset="0"/>
+                <a:cs typeface="Arial" panose="020B0604020202020204" pitchFamily="34" charset="0"/>
+              </a:rPr>
+              <a:t>f</a:t>
+            </a:r>
+            <a:r>
+              <a:rPr lang="en-GB" sz="2000" dirty="0" err="1" smtClean="0">
+                <a:latin typeface="Arial" panose="020B0604020202020204" pitchFamily="34" charset="0"/>
+                <a:cs typeface="Arial" panose="020B0604020202020204" pitchFamily="34" charset="0"/>
+              </a:rPr>
+              <a:t>uel</a:t>
+            </a:r>
+            <a:r>
+              <a:rPr lang="en-GB" sz="2000" dirty="0" smtClean="0">
+                <a:latin typeface="Arial" panose="020B0604020202020204" pitchFamily="34" charset="0"/>
+                <a:cs typeface="Arial" panose="020B0604020202020204" pitchFamily="34" charset="0"/>
+              </a:rPr>
+              <a:t> </a:t>
+            </a:r>
+            <a:r>
+              <a:rPr lang="tr-TR" sz="2000" dirty="0">
+                <a:latin typeface="Arial" panose="020B0604020202020204" pitchFamily="34" charset="0"/>
+                <a:cs typeface="Arial" panose="020B0604020202020204" pitchFamily="34" charset="0"/>
+              </a:rPr>
+              <a:t>u</a:t>
+            </a:r>
+            <a:r>
+              <a:rPr lang="en-GB" sz="2000" dirty="0" smtClean="0">
+                <a:latin typeface="Arial" panose="020B0604020202020204" pitchFamily="34" charset="0"/>
+                <a:cs typeface="Arial" panose="020B0604020202020204" pitchFamily="34" charset="0"/>
+              </a:rPr>
+              <a:t>sage</a:t>
             </a:r>
           </a:p>
           <a:p>
             <a:pPr lvl="3">
               <a:defRPr/>
             </a:pPr>
+            <a:r>
+              <a:rPr lang="tr-TR" sz="2000" dirty="0" smtClean="0">
+                <a:latin typeface="Arial" panose="020B0604020202020204" pitchFamily="34" charset="0"/>
+                <a:cs typeface="Arial" panose="020B0604020202020204" pitchFamily="34" charset="0"/>
+              </a:rPr>
+              <a:t>Reduction in </a:t>
+            </a:r>
             <a:r>
               <a:rPr lang="en-GB" sz="2000" dirty="0" smtClean="0">
                 <a:latin typeface="Arial" panose="020B0604020202020204" pitchFamily="34" charset="0"/>
@@ -17482,7 +18735,21 @@
                 <a:latin typeface="Arial" panose="020B0604020202020204" pitchFamily="34" charset="0"/>
                 <a:cs typeface="Arial" panose="020B0604020202020204" pitchFamily="34" charset="0"/>
               </a:rPr>
-              <a:t> Emission</a:t>
+              <a:t> </a:t>
+            </a:r>
+            <a:r>
+              <a:rPr lang="tr-TR" sz="2000" dirty="0" smtClean="0">
+                <a:latin typeface="Arial" panose="020B0604020202020204" pitchFamily="34" charset="0"/>
+                <a:cs typeface="Arial" panose="020B0604020202020204" pitchFamily="34" charset="0"/>
+              </a:rPr>
+              <a:t>e</a:t>
+            </a:r>
+            <a:r>
+              <a:rPr lang="en-GB" sz="2000" dirty="0" smtClean="0">
+                <a:latin typeface="Arial" panose="020B0604020202020204" pitchFamily="34" charset="0"/>
+                <a:cs typeface="Arial" panose="020B0604020202020204" pitchFamily="34" charset="0"/>
+              </a:rPr>
+              <a:t>mission</a:t>
             </a:r>
           </a:p>
           <a:p>
@@ -17515,21 +18782,35 @@
                 <a:latin typeface="Arial" panose="020B0604020202020204" pitchFamily="34" charset="0"/>
                 <a:cs typeface="Arial" panose="020B0604020202020204" pitchFamily="34" charset="0"/>
               </a:rPr>
-              <a:t>Operational Problems</a:t>
+              <a:t>Operational </a:t>
             </a:r>
             <a:r>
               <a:rPr lang="tr-TR" sz="2000" dirty="0" smtClean="0">
                 <a:latin typeface="Arial" panose="020B0604020202020204" pitchFamily="34" charset="0"/>
                 <a:cs typeface="Arial" panose="020B0604020202020204" pitchFamily="34" charset="0"/>
               </a:rPr>
-              <a:t> due to the </a:t>
+              <a:t>p</a:t>
+            </a:r>
+            <a:r>
+              <a:rPr lang="en-GB" sz="2000" dirty="0" err="1" smtClean="0">
+                <a:latin typeface="Arial" panose="020B0604020202020204" pitchFamily="34" charset="0"/>
+                <a:cs typeface="Arial" panose="020B0604020202020204" pitchFamily="34" charset="0"/>
+              </a:rPr>
+              <a:t>roblems</a:t>
+            </a:r>
+            <a:r>
+              <a:rPr lang="tr-TR" sz="2000" dirty="0" smtClean="0">
+                <a:latin typeface="Arial" panose="020B0604020202020204" pitchFamily="34" charset="0"/>
+                <a:cs typeface="Arial" panose="020B0604020202020204" pitchFamily="34" charset="0"/>
+              </a:rPr>
+              <a:t> due to intermittent </a:t>
             </a:r>
             <a:r>
               <a:rPr lang="en-GB" sz="2000" dirty="0" smtClean="0">
                 <a:latin typeface="Arial" panose="020B0604020202020204" pitchFamily="34" charset="0"/>
                 <a:cs typeface="Arial" panose="020B0604020202020204" pitchFamily="34" charset="0"/>
               </a:rPr>
-              <a:t>variable and uncontrolled nature of renewable sources </a:t>
+              <a:t>nature of renewable sources </a:t>
             </a:r>
           </a:p>
           <a:p>
@@ -17541,7 +18822,35 @@
                 <a:latin typeface="Arial" panose="020B0604020202020204" pitchFamily="34" charset="0"/>
                 <a:cs typeface="Arial" panose="020B0604020202020204" pitchFamily="34" charset="0"/>
               </a:rPr>
-              <a:t>Reduction in Grid Inertia</a:t>
+              <a:t>Reduction in </a:t>
+            </a:r>
+            <a:r>
+              <a:rPr lang="tr-TR" sz="2000" dirty="0" smtClean="0">
+                <a:latin typeface="Arial" panose="020B0604020202020204" pitchFamily="34" charset="0"/>
+                <a:cs typeface="Arial" panose="020B0604020202020204" pitchFamily="34" charset="0"/>
+              </a:rPr>
+              <a:t>g</a:t>
+            </a:r>
+            <a:r>
+              <a:rPr lang="en-GB" sz="2000" dirty="0" smtClean="0">
+                <a:latin typeface="Arial" panose="020B0604020202020204" pitchFamily="34" charset="0"/>
+                <a:cs typeface="Arial" panose="020B0604020202020204" pitchFamily="34" charset="0"/>
+              </a:rPr>
+              <a:t>rid </a:t>
+            </a:r>
+            <a:r>
+              <a:rPr lang="tr-TR" sz="2000" dirty="0">
+                <a:latin typeface="Arial" panose="020B0604020202020204" pitchFamily="34" charset="0"/>
+                <a:cs typeface="Arial" panose="020B0604020202020204" pitchFamily="34" charset="0"/>
+              </a:rPr>
+              <a:t>i</a:t>
+            </a:r>
+            <a:r>
+              <a:rPr lang="en-GB" sz="2000" dirty="0" err="1" smtClean="0">
+                <a:latin typeface="Arial" panose="020B0604020202020204" pitchFamily="34" charset="0"/>
+                <a:cs typeface="Arial" panose="020B0604020202020204" pitchFamily="34" charset="0"/>
+              </a:rPr>
+              <a:t>nertia</a:t>
             </a:r>
             <a:r>
               <a:rPr lang="tr-TR" sz="2000" dirty="0" smtClean="0">
@@ -18058,7 +19367,7 @@
                 <a:latin typeface="Arial" panose="020B0604020202020204" pitchFamily="34" charset="0"/>
                 <a:cs typeface="Arial" panose="020B0604020202020204" pitchFamily="34" charset="0"/>
               </a:rPr>
-              <a:t>Pitch Control</a:t>
+              <a:t>Aerodynamic Power</a:t>
             </a:r>
             <a:endParaRPr lang="en-US" dirty="0" smtClean="0">
               <a:latin typeface="Arial" panose="020B0604020202020204" pitchFamily="34" charset="0"/>
@@ -18124,44 +19433,134 @@
       </p:sp>
       <p:pic>
         <p:nvPicPr>
-          <p:cNvPr id="4" name="Picture 3"/>
+          <p:cNvPr id="6" name="Picture 5"/>
           <p:cNvPicPr>
             <a:picLocks noChangeAspect="1"/>
           </p:cNvPicPr>
           <p:nvPr/>
         </p:nvPicPr>
         <p:blipFill>
-          <a:blip r:embed="rId3">
-            <a:extLst>
-              <a:ext uri="{28A0092B-C50C-407E-A947-70E740481C1C}">
-                <a14:useLocalDpi xmlns:a14="http://schemas.microsoft.com/office/drawing/2010/main" val="0"/>
-              </a:ext>
-            </a:extLst>
-          </a:blip>
+          <a:blip r:embed="rId3"/>
           <a:stretch>
             <a:fillRect/>
           </a:stretch>
         </p:blipFill>
         <p:spPr>
           <a:xfrm>
-            <a:off x="773832" y="1646376"/>
-            <a:ext cx="7596336" cy="2296974"/>
+            <a:off x="1979712" y="1700808"/>
+            <a:ext cx="4511626" cy="770752"/>
           </a:xfrm>
           <a:prstGeom prst="rect">
             <a:avLst/>
           </a:prstGeom>
         </p:spPr>
       </p:pic>
-      <p:sp>
-        <p:nvSpPr>
-          <p:cNvPr id="5" name="TextBox 4"/>
+      <p:pic>
+        <p:nvPicPr>
+          <p:cNvPr id="9" name="Picture 8"/>
+          <p:cNvPicPr>
+            <a:picLocks noChangeAspect="1"/>
+          </p:cNvPicPr>
+          <p:nvPr/>
+        </p:nvPicPr>
+        <p:blipFill>
+          <a:blip r:embed="rId4"/>
+          <a:stretch>
+            <a:fillRect/>
+          </a:stretch>
+        </p:blipFill>
+        <p:spPr>
+          <a:xfrm>
+            <a:off x="2916300" y="2453913"/>
+            <a:ext cx="2638450" cy="682260"/>
+          </a:xfrm>
+          <a:prstGeom prst="rect">
+            <a:avLst/>
+          </a:prstGeom>
+        </p:spPr>
+      </p:pic>
+      <p:pic>
+        <p:nvPicPr>
+          <p:cNvPr id="10" name="Picture 9"/>
+          <p:cNvPicPr>
+            <a:picLocks noChangeAspect="1"/>
+          </p:cNvPicPr>
+          <p:nvPr/>
+        </p:nvPicPr>
+        <p:blipFill>
+          <a:blip r:embed="rId5"/>
+          <a:stretch>
+            <a:fillRect/>
+          </a:stretch>
+        </p:blipFill>
+        <p:spPr>
+          <a:xfrm>
+            <a:off x="3119643" y="3154385"/>
+            <a:ext cx="2231764" cy="895276"/>
+          </a:xfrm>
+          <a:prstGeom prst="rect">
+            <a:avLst/>
+          </a:prstGeom>
+        </p:spPr>
+      </p:pic>
+      <p:pic>
+        <p:nvPicPr>
+          <p:cNvPr id="11" name="Picture 10"/>
+          <p:cNvPicPr>
+            <a:picLocks noChangeAspect="1"/>
+          </p:cNvPicPr>
+          <p:nvPr/>
+        </p:nvPicPr>
+        <p:blipFill>
+          <a:blip r:embed="rId6"/>
+          <a:stretch>
+            <a:fillRect/>
+          </a:stretch>
+        </p:blipFill>
+        <p:spPr>
+          <a:xfrm>
+            <a:off x="2135981" y="4049661"/>
+            <a:ext cx="4872038" cy="600280"/>
+          </a:xfrm>
+          <a:prstGeom prst="rect">
+            <a:avLst/>
+          </a:prstGeom>
+        </p:spPr>
+      </p:pic>
+      <p:pic>
+        <p:nvPicPr>
+          <p:cNvPr id="12" name="Picture 11"/>
+          <p:cNvPicPr>
+            <a:picLocks noChangeAspect="1"/>
+          </p:cNvPicPr>
+          <p:nvPr/>
+        </p:nvPicPr>
+        <p:blipFill>
+          <a:blip r:embed="rId7"/>
+          <a:stretch>
+            <a:fillRect/>
+          </a:stretch>
+        </p:blipFill>
+        <p:spPr>
+          <a:xfrm>
+            <a:off x="2965092" y="4714274"/>
+            <a:ext cx="3213816" cy="935279"/>
+          </a:xfrm>
+          <a:prstGeom prst="rect">
+            <a:avLst/>
+          </a:prstGeom>
+        </p:spPr>
+      </p:pic>
+      <p:sp>
+        <p:nvSpPr>
+          <p:cNvPr id="13" name="TextBox 12"/>
           <p:cNvSpPr txBox="1"/>
           <p:nvPr/>
         </p:nvSpPr>
         <p:spPr>
           <a:xfrm>
-            <a:off x="457199" y="4516851"/>
-            <a:ext cx="4968552" cy="461665"/>
+            <a:off x="1187624" y="5517232"/>
+            <a:ext cx="7632848" cy="461665"/>
           </a:xfrm>
           <a:prstGeom prst="rect">
             <a:avLst/>
@@ -18175,38 +19574,48 @@
           <a:lstStyle/>
           <a:p>
             <a:r>
-              <a:rPr lang="tr-TR" smtClean="0"/>
-              <a:t>Pitch Rate is limited with 10°/s.</a:t>
-            </a:r>
-            <a:endParaRPr lang="tr-TR"/>
-          </a:p>
-        </p:txBody>
-      </p:sp>
-      <p:sp>
-        <p:nvSpPr>
-          <p:cNvPr id="8" name="TextBox 7"/>
-          <p:cNvSpPr txBox="1"/>
-          <p:nvPr/>
-        </p:nvSpPr>
-        <p:spPr>
-          <a:xfrm>
-            <a:off x="457198" y="5163039"/>
-            <a:ext cx="6347049" cy="461665"/>
-          </a:xfrm>
-          <a:prstGeom prst="rect">
-            <a:avLst/>
-          </a:prstGeom>
-          <a:noFill/>
-        </p:spPr>
-        <p:txBody>
-          <a:bodyPr wrap="square" rtlCol="0">
-            <a:spAutoFit/>
-          </a:bodyPr>
-          <a:lstStyle/>
-          <a:p>
-            <a:r>
               <a:rPr lang="tr-TR" dirty="0" smtClean="0"/>
-              <a:t>Maximum Pitch Rate is 0.8°/s in the system.</a:t>
+              <a:t>c</a:t>
+            </a:r>
+            <a:r>
+              <a:rPr lang="tr-TR" baseline="-25000" dirty="0" smtClean="0"/>
+              <a:t>1</a:t>
+            </a:r>
+            <a:r>
+              <a:rPr lang="tr-TR" dirty="0" smtClean="0"/>
+              <a:t>=0.5176,c</a:t>
+            </a:r>
+            <a:r>
+              <a:rPr lang="tr-TR" baseline="-25000" dirty="0" smtClean="0"/>
+              <a:t>2</a:t>
+            </a:r>
+            <a:r>
+              <a:rPr lang="tr-TR" dirty="0" smtClean="0"/>
+              <a:t>=116,c</a:t>
+            </a:r>
+            <a:r>
+              <a:rPr lang="tr-TR" baseline="-25000" dirty="0" smtClean="0"/>
+              <a:t>3</a:t>
+            </a:r>
+            <a:r>
+              <a:rPr lang="tr-TR" dirty="0" smtClean="0"/>
+              <a:t>=0.4,c</a:t>
+            </a:r>
+            <a:r>
+              <a:rPr lang="tr-TR" baseline="-25000" dirty="0" smtClean="0"/>
+              <a:t>4</a:t>
+            </a:r>
+            <a:r>
+              <a:rPr lang="tr-TR" dirty="0" smtClean="0"/>
+              <a:t>=5,c5=21,c</a:t>
+            </a:r>
+            <a:r>
+              <a:rPr lang="tr-TR" baseline="-25000" dirty="0" smtClean="0"/>
+              <a:t>6</a:t>
+            </a:r>
+            <a:r>
+              <a:rPr lang="tr-TR" dirty="0" smtClean="0"/>
+              <a:t>=0.0068</a:t>
             </a:r>
             <a:endParaRPr lang="tr-TR" dirty="0"/>
           </a:p>
@@ -18215,7 +19624,7 @@
     </p:spTree>
     <p:extLst>
       <p:ext uri="{BB962C8B-B14F-4D97-AF65-F5344CB8AC3E}">
-        <p14:creationId xmlns:p14="http://schemas.microsoft.com/office/powerpoint/2010/main" val="1807666550"/>
+        <p14:creationId xmlns:p14="http://schemas.microsoft.com/office/powerpoint/2010/main" val="366334618"/>
       </p:ext>
     </p:extLst>
   </p:cSld>
@@ -18273,7 +19682,7 @@
                 <a:latin typeface="Arial" panose="020B0604020202020204" pitchFamily="34" charset="0"/>
                 <a:cs typeface="Arial" panose="020B0604020202020204" pitchFamily="34" charset="0"/>
               </a:rPr>
-              <a:t>Vector Control of PMSG</a:t>
+              <a:t>Pitch Control</a:t>
             </a:r>
             <a:endParaRPr lang="en-US" dirty="0" smtClean="0">
               <a:latin typeface="Arial" panose="020B0604020202020204" pitchFamily="34" charset="0"/>
@@ -18332,6 +19741,221 @@
                 <a:defRPr/>
               </a:pPr>
               <a:t>41</a:t>
+            </a:fld>
+            <a:endParaRPr lang="en-US" dirty="0"/>
+          </a:p>
+        </p:txBody>
+      </p:sp>
+      <p:pic>
+        <p:nvPicPr>
+          <p:cNvPr id="4" name="Picture 3"/>
+          <p:cNvPicPr>
+            <a:picLocks noChangeAspect="1"/>
+          </p:cNvPicPr>
+          <p:nvPr/>
+        </p:nvPicPr>
+        <p:blipFill>
+          <a:blip r:embed="rId3">
+            <a:extLst>
+              <a:ext uri="{28A0092B-C50C-407E-A947-70E740481C1C}">
+                <a14:useLocalDpi xmlns:a14="http://schemas.microsoft.com/office/drawing/2010/main" val="0"/>
+              </a:ext>
+            </a:extLst>
+          </a:blip>
+          <a:stretch>
+            <a:fillRect/>
+          </a:stretch>
+        </p:blipFill>
+        <p:spPr>
+          <a:xfrm>
+            <a:off x="773832" y="1646376"/>
+            <a:ext cx="7596336" cy="2296974"/>
+          </a:xfrm>
+          <a:prstGeom prst="rect">
+            <a:avLst/>
+          </a:prstGeom>
+        </p:spPr>
+      </p:pic>
+      <p:sp>
+        <p:nvSpPr>
+          <p:cNvPr id="5" name="TextBox 4"/>
+          <p:cNvSpPr txBox="1"/>
+          <p:nvPr/>
+        </p:nvSpPr>
+        <p:spPr>
+          <a:xfrm>
+            <a:off x="457199" y="4516851"/>
+            <a:ext cx="4968552" cy="461665"/>
+          </a:xfrm>
+          <a:prstGeom prst="rect">
+            <a:avLst/>
+          </a:prstGeom>
+          <a:noFill/>
+        </p:spPr>
+        <p:txBody>
+          <a:bodyPr wrap="square" rtlCol="0">
+            <a:spAutoFit/>
+          </a:bodyPr>
+          <a:lstStyle/>
+          <a:p>
+            <a:r>
+              <a:rPr lang="tr-TR" smtClean="0"/>
+              <a:t>Pitch Rate is limited with 10°/s.</a:t>
+            </a:r>
+            <a:endParaRPr lang="tr-TR"/>
+          </a:p>
+        </p:txBody>
+      </p:sp>
+      <p:sp>
+        <p:nvSpPr>
+          <p:cNvPr id="8" name="TextBox 7"/>
+          <p:cNvSpPr txBox="1"/>
+          <p:nvPr/>
+        </p:nvSpPr>
+        <p:spPr>
+          <a:xfrm>
+            <a:off x="457198" y="5163039"/>
+            <a:ext cx="6347049" cy="461665"/>
+          </a:xfrm>
+          <a:prstGeom prst="rect">
+            <a:avLst/>
+          </a:prstGeom>
+          <a:noFill/>
+        </p:spPr>
+        <p:txBody>
+          <a:bodyPr wrap="square" rtlCol="0">
+            <a:spAutoFit/>
+          </a:bodyPr>
+          <a:lstStyle/>
+          <a:p>
+            <a:r>
+              <a:rPr lang="tr-TR" dirty="0" smtClean="0"/>
+              <a:t>Maximum Pitch Rate is 0.8°/s in the system.</a:t>
+            </a:r>
+            <a:endParaRPr lang="tr-TR" dirty="0"/>
+          </a:p>
+        </p:txBody>
+      </p:sp>
+    </p:spTree>
+    <p:extLst>
+      <p:ext uri="{BB962C8B-B14F-4D97-AF65-F5344CB8AC3E}">
+        <p14:creationId xmlns:p14="http://schemas.microsoft.com/office/powerpoint/2010/main" val="1807666550"/>
+      </p:ext>
+    </p:extLst>
+  </p:cSld>
+  <p:clrMapOvr>
+    <a:masterClrMapping/>
+  </p:clrMapOvr>
+  <p:transition/>
+  <p:timing>
+    <p:tnLst>
+      <p:par>
+        <p:cTn id="1" dur="indefinite" restart="never" nodeType="tmRoot"/>
+      </p:par>
+    </p:tnLst>
+  </p:timing>
+</p:sld>
+</file>
+
+<file path=ppt/slides/slide42.xml><?xml version="1.0" encoding="utf-8"?>
+<p:sld xmlns:a="http://schemas.openxmlformats.org/drawingml/2006/main" xmlns:r="http://schemas.openxmlformats.org/officeDocument/2006/relationships" xmlns:p="http://schemas.openxmlformats.org/presentationml/2006/main">
+  <p:cSld>
+    <p:spTree>
+      <p:nvGrpSpPr>
+        <p:cNvPr id="1" name=""/>
+        <p:cNvGrpSpPr/>
+        <p:nvPr/>
+      </p:nvGrpSpPr>
+      <p:grpSpPr>
+        <a:xfrm>
+          <a:off x="0" y="0"/>
+          <a:ext cx="0" cy="0"/>
+          <a:chOff x="0" y="0"/>
+          <a:chExt cx="0" cy="0"/>
+        </a:xfrm>
+      </p:grpSpPr>
+      <p:sp>
+        <p:nvSpPr>
+          <p:cNvPr id="5122" name="Rectangle 2"/>
+          <p:cNvSpPr>
+            <a:spLocks noGrp="1" noChangeArrowheads="1"/>
+          </p:cNvSpPr>
+          <p:nvPr>
+            <p:ph type="title"/>
+          </p:nvPr>
+        </p:nvSpPr>
+        <p:spPr/>
+        <p:txBody>
+          <a:bodyPr/>
+          <a:lstStyle/>
+          <a:p>
+            <a:pPr>
+              <a:defRPr/>
+            </a:pPr>
+            <a:r>
+              <a:rPr lang="tr-TR" dirty="0" smtClean="0">
+                <a:latin typeface="Arial" panose="020B0604020202020204" pitchFamily="34" charset="0"/>
+                <a:cs typeface="Arial" panose="020B0604020202020204" pitchFamily="34" charset="0"/>
+              </a:rPr>
+              <a:t>Vector Control of PMSG</a:t>
+            </a:r>
+            <a:endParaRPr lang="en-US" dirty="0" smtClean="0">
+              <a:latin typeface="Arial" panose="020B0604020202020204" pitchFamily="34" charset="0"/>
+              <a:cs typeface="Arial" panose="020B0604020202020204" pitchFamily="34" charset="0"/>
+            </a:endParaRPr>
+          </a:p>
+        </p:txBody>
+      </p:sp>
+      <p:sp>
+        <p:nvSpPr>
+          <p:cNvPr id="2" name="Date Placeholder 1"/>
+          <p:cNvSpPr>
+            <a:spLocks noGrp="1"/>
+          </p:cNvSpPr>
+          <p:nvPr>
+            <p:ph type="dt" sz="half" idx="2"/>
+          </p:nvPr>
+        </p:nvSpPr>
+        <p:spPr/>
+        <p:txBody>
+          <a:bodyPr/>
+          <a:lstStyle/>
+          <a:p>
+            <a:pPr>
+              <a:defRPr/>
+            </a:pPr>
+            <a:r>
+              <a:rPr lang="tr-TR" smtClean="0"/>
+              <a:t>18.01.2019</a:t>
+            </a:r>
+            <a:endParaRPr lang="en-US" dirty="0"/>
+          </a:p>
+        </p:txBody>
+      </p:sp>
+      <p:sp>
+        <p:nvSpPr>
+          <p:cNvPr id="3" name="Slide Number Placeholder 2"/>
+          <p:cNvSpPr>
+            <a:spLocks noGrp="1"/>
+          </p:cNvSpPr>
+          <p:nvPr>
+            <p:ph type="sldNum" sz="quarter" idx="12"/>
+          </p:nvPr>
+        </p:nvSpPr>
+        <p:spPr/>
+        <p:txBody>
+          <a:bodyPr/>
+          <a:lstStyle/>
+          <a:p>
+            <a:pPr>
+              <a:defRPr/>
+            </a:pPr>
+            <a:fld id="{C878F797-6006-4DDA-AFE9-456F280FE6C5}" type="slidenum">
+              <a:rPr lang="en-US" smtClean="0"/>
+              <a:pPr>
+                <a:defRPr/>
+              </a:pPr>
+              <a:t>42</a:t>
             </a:fld>
             <a:endParaRPr lang="en-US" dirty="0"/>
           </a:p>

--- a/Thesis/Thesis Defence/Erencan_Duymaz_thesis_defence.pptx
+++ b/Thesis/Thesis Defence/Erencan_Duymaz_thesis_defence.pptx
@@ -1294,7 +1294,11 @@
           <a:p>
             <a:r>
               <a:rPr lang="tr-TR" altLang="en-US" dirty="0" smtClean="0"/>
-              <a:t>Main contribution of the wind turbine is in between the wind speed range of 3-10m/s.</a:t>
+              <a:t>By combining the converter rating and available kinetic energy, it is possible to find the maximum support times for inertia support</a:t>
+            </a:r>
+            <a:r>
+              <a:rPr lang="tr-TR" altLang="en-US" baseline="0" dirty="0" smtClean="0"/>
+              <a:t> in the limit case.</a:t>
             </a:r>
             <a:endParaRPr lang="en-US" altLang="en-US" dirty="0" smtClean="0"/>
           </a:p>
@@ -1588,19 +1592,17 @@
           <a:p>
             <a:r>
               <a:rPr lang="tr-TR" altLang="en-US" dirty="0" smtClean="0"/>
-              <a:t>High Wind Scenario. </a:t>
-            </a:r>
-          </a:p>
-          <a:p>
+              <a:t>High Wind </a:t>
+            </a:r>
             <a:r>
               <a:rPr lang="tr-TR" altLang="en-US" dirty="0" smtClean="0"/>
-              <a:t>Gen speed does</a:t>
+              <a:t>Scenario</a:t>
             </a:r>
             <a:r>
               <a:rPr lang="tr-TR" altLang="en-US" baseline="0" dirty="0" smtClean="0"/>
-              <a:t> not decreases thanks to pitch angle.</a:t>
-            </a:r>
-            <a:endParaRPr lang="en-US" altLang="en-US" dirty="0" smtClean="0"/>
+              <a:t> is a bit different from other cases, since  the turbine operates already in the rated power. Blade angle is different than zero. Therefore, power is curtailed for this operation. However, as the support is provided, the speed decreases below the maximum available speed. Therefore, the turbine torqu also increases in this case.</a:t>
+            </a:r>
+            <a:endParaRPr lang="tr-TR" altLang="en-US" dirty="0" smtClean="0"/>
           </a:p>
         </p:txBody>
       </p:sp>
@@ -1780,7 +1782,17 @@
           <a:p>
             <a:r>
               <a:rPr lang="tr-TR" altLang="en-US" dirty="0" smtClean="0"/>
-              <a:t>High Wind Scenario.</a:t>
+              <a:t>High Wind Scenario</a:t>
+            </a:r>
+            <a:r>
+              <a:rPr lang="tr-TR" altLang="en-US" dirty="0" smtClean="0"/>
+              <a:t>.</a:t>
+            </a:r>
+          </a:p>
+          <a:p>
+            <a:r>
+              <a:rPr lang="tr-TR" altLang="en-US" dirty="0" smtClean="0"/>
+              <a:t>Maximum allowed pitch rate is 10degrees/s.</a:t>
             </a:r>
             <a:endParaRPr lang="en-US" altLang="en-US" dirty="0" smtClean="0"/>
           </a:p>
@@ -1871,6 +1883,14 @@
           <a:bodyPr/>
           <a:lstStyle/>
           <a:p>
+            <a:r>
+              <a:rPr lang="tr-TR" altLang="en-US" dirty="0" smtClean="0"/>
+              <a:t>The</a:t>
+            </a:r>
+            <a:r>
+              <a:rPr lang="tr-TR" altLang="en-US" baseline="0" dirty="0" smtClean="0"/>
+              <a:t> second type of inertial support is the synthetic inertia. To test the synthetic inertia concept, we need a frequency disturbance. Therefpre, IEEE test case is constructed in the system.  Three cases are under consideration for the test case.</a:t>
+            </a:r>
             <a:endParaRPr lang="en-US" altLang="en-US" dirty="0" smtClean="0"/>
           </a:p>
         </p:txBody>
@@ -3721,8 +3741,19 @@
           <a:p>
             <a:r>
               <a:rPr lang="tr-TR" altLang="en-US" baseline="0" dirty="0" smtClean="0"/>
-              <a:t>When they are sycnhronized to grid frequency, Tm=Te</a:t>
-            </a:r>
+              <a:t>When they are sycnhronized to grid frequency, </a:t>
+            </a:r>
+            <a:r>
+              <a:rPr lang="tr-TR" altLang="en-US" baseline="0" dirty="0" smtClean="0"/>
+              <a:t>Tm=Te</a:t>
+            </a:r>
+          </a:p>
+          <a:p>
+            <a:r>
+              <a:rPr lang="tr-TR" altLang="en-US" baseline="0" dirty="0" smtClean="0"/>
+              <a:t>Rotor of the synchronous generator is strictly coupled to stator rotating MMF.</a:t>
+            </a:r>
+            <a:endParaRPr lang="tr-TR" altLang="en-US" baseline="0" dirty="0" smtClean="0"/>
           </a:p>
         </p:txBody>
       </p:sp>
@@ -4272,7 +4303,15 @@
           <a:bodyPr/>
           <a:lstStyle/>
           <a:p>
-            <a:endParaRPr lang="en-US" altLang="en-US" smtClean="0"/>
+            <a:r>
+              <a:rPr lang="tr-TR" altLang="en-US" dirty="0" smtClean="0"/>
+              <a:t>Case is quite different in</a:t>
+            </a:r>
+            <a:r>
+              <a:rPr lang="tr-TR" altLang="en-US" baseline="0" dirty="0" smtClean="0"/>
+              <a:t> renewable energy systems. First of all, the renewable system might not include inertia as in the case of PV. Therefore, no inertial contribution is not provided to grid. Even though significant amount of inertia exists in the wind turbines, the inertia is generally not reflected to grid side. In the right hand side, </a:t>
+            </a:r>
+            <a:endParaRPr lang="en-US" altLang="en-US" dirty="0" smtClean="0"/>
           </a:p>
         </p:txBody>
       </p:sp>
@@ -7628,7 +7667,7 @@
         </p:blipFill>
         <p:spPr>
           <a:xfrm>
-            <a:off x="4429333" y="3383049"/>
+            <a:off x="4429333" y="3475537"/>
             <a:ext cx="4127644" cy="2473743"/>
           </a:xfrm>
           <a:prstGeom prst="rect">
@@ -7884,7 +7923,7 @@
         </p:nvSpPr>
         <p:spPr>
           <a:xfrm>
-            <a:off x="1403648" y="5897307"/>
+            <a:off x="1403648" y="5949280"/>
             <a:ext cx="6336704" cy="369332"/>
           </a:xfrm>
           <a:prstGeom prst="rect">
@@ -7901,15 +7940,7 @@
             <a:pPr algn="ctr"/>
             <a:r>
               <a:rPr lang="tr-TR" sz="1800" dirty="0" smtClean="0"/>
-              <a:t>Figure 7: </a:t>
-            </a:r>
-            <a:r>
-              <a:rPr lang="tr-TR" sz="1800" dirty="0" smtClean="0"/>
-              <a:t>Synthetic Inertia vs Fast </a:t>
-            </a:r>
-            <a:r>
-              <a:rPr lang="tr-TR" sz="1800" dirty="0" smtClean="0"/>
-              <a:t>Inertial Support [4</a:t>
+              <a:t>Figure 7: Synthetic Inertia vs Fast Inertial Support [4</a:t>
             </a:r>
             <a:r>
               <a:rPr lang="tr-TR" sz="1800" dirty="0"/>
@@ -7939,7 +7970,7 @@
         </p:blipFill>
         <p:spPr>
           <a:xfrm>
-            <a:off x="696543" y="3499660"/>
+            <a:off x="696543" y="3571668"/>
             <a:ext cx="3732790" cy="2377612"/>
           </a:xfrm>
           <a:prstGeom prst="rect">
@@ -10709,19 +10740,7 @@
             </a:r>
             <a:r>
               <a:rPr lang="tr-TR" dirty="0" smtClean="0"/>
-              <a:t>for 5s, 10s and </a:t>
-            </a:r>
-            <a:r>
-              <a:rPr lang="tr-TR" dirty="0" smtClean="0"/>
-              <a:t>20</a:t>
-            </a:r>
-            <a:r>
-              <a:rPr lang="tr-TR" dirty="0" smtClean="0"/>
-              <a:t>s</a:t>
-            </a:r>
-            <a:r>
-              <a:rPr lang="tr-TR" dirty="0" smtClean="0"/>
-              <a:t>.</a:t>
+              <a:t>for 5s, 10s and 20s.</a:t>
             </a:r>
           </a:p>
           <a:p>
@@ -13826,11 +13845,7 @@
             </a:r>
             <a:r>
               <a:rPr lang="tr-TR" sz="1800" dirty="0" smtClean="0"/>
-              <a:t>25: Variation of the Total Power and Wind+Solar Power in </a:t>
-            </a:r>
-            <a:r>
-              <a:rPr lang="tr-TR" sz="1800" dirty="0" smtClean="0"/>
-              <a:t>2018 [7]</a:t>
+              <a:t>25: Variation of the Total Power and Wind+Solar Power in 2018 [7]</a:t>
             </a:r>
             <a:endParaRPr lang="tr-TR" sz="1800" dirty="0"/>
           </a:p>
@@ -14997,15 +15012,7 @@
             <a:pPr algn="ctr"/>
             <a:r>
               <a:rPr lang="tr-TR" sz="1800" dirty="0" smtClean="0"/>
-              <a:t>Figure 1: Variation of the Installed </a:t>
-            </a:r>
-            <a:r>
-              <a:rPr lang="tr-TR" sz="1800" dirty="0" smtClean="0"/>
-              <a:t>Capacity of </a:t>
-            </a:r>
-            <a:r>
-              <a:rPr lang="tr-TR" sz="1800" dirty="0" smtClean="0"/>
-              <a:t>Turkey based on Primary Energy Source [1]</a:t>
+              <a:t>Figure 1: Variation of the Installed Capacity of Turkey based on Primary Energy Source [1]</a:t>
             </a:r>
             <a:endParaRPr lang="tr-TR" sz="1800" dirty="0"/>
           </a:p>

--- a/Thesis/Thesis Defence/Erencan_Duymaz_thesis_defence.pptx
+++ b/Thesis/Thesis Defence/Erencan_Duymaz_thesis_defence.pptx
@@ -1592,11 +1592,7 @@
           <a:p>
             <a:r>
               <a:rPr lang="tr-TR" altLang="en-US" dirty="0" smtClean="0"/>
-              <a:t>High Wind </a:t>
-            </a:r>
-            <a:r>
-              <a:rPr lang="tr-TR" altLang="en-US" dirty="0" smtClean="0"/>
-              <a:t>Scenario</a:t>
+              <a:t>High Wind Scenario</a:t>
             </a:r>
             <a:r>
               <a:rPr lang="tr-TR" altLang="en-US" baseline="0" dirty="0" smtClean="0"/>
@@ -1782,11 +1778,7 @@
           <a:p>
             <a:r>
               <a:rPr lang="tr-TR" altLang="en-US" dirty="0" smtClean="0"/>
-              <a:t>High Wind Scenario</a:t>
-            </a:r>
-            <a:r>
-              <a:rPr lang="tr-TR" altLang="en-US" dirty="0" smtClean="0"/>
-              <a:t>.</a:t>
+              <a:t>High Wind Scenario.</a:t>
             </a:r>
           </a:p>
           <a:p>
@@ -3741,11 +3733,7 @@
           <a:p>
             <a:r>
               <a:rPr lang="tr-TR" altLang="en-US" baseline="0" dirty="0" smtClean="0"/>
-              <a:t>When they are sycnhronized to grid frequency, </a:t>
-            </a:r>
-            <a:r>
-              <a:rPr lang="tr-TR" altLang="en-US" baseline="0" dirty="0" smtClean="0"/>
-              <a:t>Tm=Te</a:t>
+              <a:t>When they are sycnhronized to grid frequency, Tm=Te</a:t>
             </a:r>
           </a:p>
           <a:p>
@@ -3753,7 +3741,6 @@
               <a:rPr lang="tr-TR" altLang="en-US" baseline="0" dirty="0" smtClean="0"/>
               <a:t>Rotor of the synchronous generator is strictly coupled to stator rotating MMF.</a:t>
             </a:r>
-            <a:endParaRPr lang="tr-TR" altLang="en-US" baseline="0" dirty="0" smtClean="0"/>
           </a:p>
         </p:txBody>
       </p:sp>
@@ -7634,7 +7621,56 @@
                 <a:latin typeface="Arial" panose="020B0604020202020204" pitchFamily="34" charset="0"/>
                 <a:cs typeface="Arial" panose="020B0604020202020204" pitchFamily="34" charset="0"/>
               </a:rPr>
-              <a:t>Wind turbines with FSPC are the most promising type of renewable energy system due to its kinetic energy in the turbine inertia and the ability to control active/reactive power. </a:t>
+              <a:t>Wind turbines with FSPC are the most promising type of renewable energy </a:t>
+            </a:r>
+            <a:r>
+              <a:rPr lang="en-GB" dirty="0" smtClean="0">
+                <a:latin typeface="Arial" panose="020B0604020202020204" pitchFamily="34" charset="0"/>
+                <a:cs typeface="Arial" panose="020B0604020202020204" pitchFamily="34" charset="0"/>
+              </a:rPr>
+              <a:t>system</a:t>
+            </a:r>
+            <a:r>
+              <a:rPr lang="tr-TR" dirty="0" smtClean="0">
+                <a:latin typeface="Arial" panose="020B0604020202020204" pitchFamily="34" charset="0"/>
+                <a:cs typeface="Arial" panose="020B0604020202020204" pitchFamily="34" charset="0"/>
+              </a:rPr>
+              <a:t>s</a:t>
+            </a:r>
+            <a:r>
+              <a:rPr lang="en-GB" dirty="0" smtClean="0">
+                <a:latin typeface="Arial" panose="020B0604020202020204" pitchFamily="34" charset="0"/>
+                <a:cs typeface="Arial" panose="020B0604020202020204" pitchFamily="34" charset="0"/>
+              </a:rPr>
+              <a:t> </a:t>
+            </a:r>
+            <a:r>
+              <a:rPr lang="en-GB" dirty="0">
+                <a:latin typeface="Arial" panose="020B0604020202020204" pitchFamily="34" charset="0"/>
+                <a:cs typeface="Arial" panose="020B0604020202020204" pitchFamily="34" charset="0"/>
+              </a:rPr>
+              <a:t>due to its </a:t>
+            </a:r>
+            <a:r>
+              <a:rPr lang="tr-TR" dirty="0" smtClean="0">
+                <a:latin typeface="Arial" panose="020B0604020202020204" pitchFamily="34" charset="0"/>
+                <a:cs typeface="Arial" panose="020B0604020202020204" pitchFamily="34" charset="0"/>
+              </a:rPr>
+              <a:t>significant </a:t>
+            </a:r>
+            <a:r>
+              <a:rPr lang="en-GB" dirty="0" smtClean="0">
+                <a:latin typeface="Arial" panose="020B0604020202020204" pitchFamily="34" charset="0"/>
+                <a:cs typeface="Arial" panose="020B0604020202020204" pitchFamily="34" charset="0"/>
+              </a:rPr>
+              <a:t>kinetic </a:t>
+            </a:r>
+            <a:r>
+              <a:rPr lang="en-GB" dirty="0">
+                <a:latin typeface="Arial" panose="020B0604020202020204" pitchFamily="34" charset="0"/>
+                <a:cs typeface="Arial" panose="020B0604020202020204" pitchFamily="34" charset="0"/>
+              </a:rPr>
+              <a:t>energy in the turbine inertia and the ability to control active/reactive power. </a:t>
             </a:r>
           </a:p>
           <a:p>
